--- a/Ghidra_Prep.pptx
+++ b/Ghidra_Prep.pptx
@@ -113,6 +113,11 @@
       </a:defRPr>
     </a:lvl9pPr>
   </p:defaultTextStyle>
+  <p:extLst>
+    <p:ext uri="{EFAFB233-063F-42B5-8137-9DF3F51BA10A}">
+      <p15:sldGuideLst xmlns:p15="http://schemas.microsoft.com/office/powerpoint/2012/main"/>
+    </p:ext>
+  </p:extLst>
 </p:presentation>
 </file>
 
@@ -356,7 +361,7 @@
           <a:p>
             <a:fld id="{589FD4FC-3991-428A-BACE-69EE09E264E0}" type="slidenum">
               <a:rPr lang="nl-NL" smtClean="0"/>
-              <a:t>‹nr.›</a:t>
+              <a:t>‹#›</a:t>
             </a:fld>
             <a:endParaRPr lang="nl-NL"/>
           </a:p>
@@ -484,7 +489,7 @@
       </p:grpSpPr>
       <p:sp>
         <p:nvSpPr>
-          <p:cNvPr id="2" name="Tijdelijke aanduiding voor dia-afbeelding 1"/>
+          <p:cNvPr id="2" name="Slide Image Placeholder 1"/>
           <p:cNvSpPr>
             <a:spLocks noGrp="1" noRot="1" noChangeAspect="1"/>
           </p:cNvSpPr>
@@ -496,7 +501,7 @@
       </p:sp>
       <p:sp>
         <p:nvSpPr>
-          <p:cNvPr id="3" name="Tijdelijke aanduiding voor notities 2"/>
+          <p:cNvPr id="3" name="Notes Placeholder 2"/>
           <p:cNvSpPr>
             <a:spLocks noGrp="1"/>
           </p:cNvSpPr>
@@ -509,53 +514,13 @@
           <a:bodyPr/>
           <a:lstStyle/>
           <a:p>
-            <a:r>
-              <a:rPr lang="en-US" dirty="0" err="1"/>
-              <a:t>Ghidra</a:t>
-            </a:r>
-            <a:r>
-              <a:rPr lang="en-US" dirty="0"/>
-              <a:t> is a free and open source reverse engineering tool developed by the National Security Agency (NSA) of the United States. The binaries were released at RSA Conference in March 2019; the sources were published one month later on GitHub. </a:t>
-            </a:r>
-            <a:r>
-              <a:rPr lang="en-US" dirty="0" err="1"/>
-              <a:t>Ghidra</a:t>
-            </a:r>
-            <a:r>
-              <a:rPr lang="en-US" dirty="0"/>
-              <a:t> is seen by many security researchers as a competitor to IDA Pro. The software is written in Java using the Swing framework for the GUI. The </a:t>
-            </a:r>
-            <a:r>
-              <a:rPr lang="en-US" dirty="0" err="1"/>
-              <a:t>decompiler</a:t>
-            </a:r>
-            <a:r>
-              <a:rPr lang="en-US" dirty="0"/>
-              <a:t> component is written in C++, and is therefore usable in a stand-alone form. </a:t>
-            </a:r>
-            <a:r>
-              <a:rPr lang="en-US" dirty="0" err="1"/>
-              <a:t>Ghidra</a:t>
-            </a:r>
-            <a:r>
-              <a:rPr lang="en-US" dirty="0"/>
-              <a:t> plugins can be developed in Java or in Python (provided via </a:t>
-            </a:r>
-            <a:r>
-              <a:rPr lang="en-US" dirty="0" err="1"/>
-              <a:t>Jython</a:t>
-            </a:r>
-            <a:r>
-              <a:rPr lang="en-US" dirty="0"/>
-              <a:t>).</a:t>
-            </a:r>
-            <a:endParaRPr lang="nl-NL" dirty="0"/>
-          </a:p>
-        </p:txBody>
-      </p:sp>
-      <p:sp>
-        <p:nvSpPr>
-          <p:cNvPr id="4" name="Tijdelijke aanduiding voor dianummer 3"/>
+            <a:endParaRPr lang="en-US" dirty="0"/>
+          </a:p>
+        </p:txBody>
+      </p:sp>
+      <p:sp>
+        <p:nvSpPr>
+          <p:cNvPr id="4" name="Slide Number Placeholder 3"/>
           <p:cNvSpPr>
             <a:spLocks noGrp="1"/>
           </p:cNvSpPr>
@@ -570,7 +535,7 @@
           <a:p>
             <a:fld id="{589FD4FC-3991-428A-BACE-69EE09E264E0}" type="slidenum">
               <a:rPr lang="nl-NL" smtClean="0"/>
-              <a:t>3</a:t>
+              <a:t>1</a:t>
             </a:fld>
             <a:endParaRPr lang="nl-NL"/>
           </a:p>
@@ -579,7 +544,7 @@
     </p:spTree>
     <p:extLst>
       <p:ext uri="{BB962C8B-B14F-4D97-AF65-F5344CB8AC3E}">
-        <p14:creationId xmlns:p14="http://schemas.microsoft.com/office/powerpoint/2010/main" val="2164284970"/>
+        <p14:creationId xmlns:p14="http://schemas.microsoft.com/office/powerpoint/2010/main" val="3297163977"/>
       </p:ext>
     </p:extLst>
   </p:cSld>
@@ -608,7 +573,7 @@
       </p:grpSpPr>
       <p:sp>
         <p:nvSpPr>
-          <p:cNvPr id="2" name="Tijdelijke aanduiding voor dia-afbeelding 1"/>
+          <p:cNvPr id="2" name="Slide Image Placeholder 1"/>
           <p:cNvSpPr>
             <a:spLocks noGrp="1" noRot="1" noChangeAspect="1"/>
           </p:cNvSpPr>
@@ -620,7 +585,7 @@
       </p:sp>
       <p:sp>
         <p:nvSpPr>
-          <p:cNvPr id="3" name="Tijdelijke aanduiding voor notities 2"/>
+          <p:cNvPr id="3" name="Notes Placeholder 2"/>
           <p:cNvSpPr>
             <a:spLocks noGrp="1"/>
           </p:cNvSpPr>
@@ -633,77 +598,13 @@
           <a:bodyPr/>
           <a:lstStyle/>
           <a:p>
-            <a:r>
-              <a:rPr lang="en-US" dirty="0" err="1"/>
-              <a:t>Ghidra's</a:t>
-            </a:r>
-            <a:r>
-              <a:rPr lang="en-US" dirty="0"/>
-              <a:t> existence was originally revealed to the public via WikiLeaks in March 2017, but the software itself remained unavailable until its declassification and official release two years later. In June 2019, </a:t>
-            </a:r>
-            <a:r>
-              <a:rPr lang="en-US" dirty="0" err="1"/>
-              <a:t>Coreboot</a:t>
-            </a:r>
-            <a:r>
-              <a:rPr lang="en-US" dirty="0"/>
-              <a:t> began to use </a:t>
-            </a:r>
-            <a:r>
-              <a:rPr lang="en-US" dirty="0" err="1"/>
-              <a:t>Ghidra</a:t>
-            </a:r>
-            <a:r>
-              <a:rPr lang="en-US" dirty="0"/>
-              <a:t> for its reverse engineering efforts on firmware-specific problems following the open source release of the </a:t>
-            </a:r>
-            <a:r>
-              <a:rPr lang="en-US" dirty="0" err="1"/>
-              <a:t>Ghidra</a:t>
-            </a:r>
-            <a:r>
-              <a:rPr lang="en-US" dirty="0"/>
-              <a:t> software </a:t>
-            </a:r>
-            <a:r>
-              <a:rPr lang="en-US" dirty="0" err="1"/>
-              <a:t>suite.Ghidra</a:t>
-            </a:r>
-            <a:r>
-              <a:rPr lang="en-US" dirty="0"/>
-              <a:t> can be used as a debugger since </a:t>
-            </a:r>
-            <a:r>
-              <a:rPr lang="en-US" dirty="0" err="1"/>
-              <a:t>Ghidra</a:t>
-            </a:r>
-            <a:r>
-              <a:rPr lang="en-US" dirty="0"/>
-              <a:t> 10.0. </a:t>
-            </a:r>
-            <a:r>
-              <a:rPr lang="en-US" dirty="0" err="1"/>
-              <a:t>Ghidra's</a:t>
-            </a:r>
-            <a:r>
-              <a:rPr lang="en-US" dirty="0"/>
-              <a:t> debugger supports debugging user-mode Windows programs via </a:t>
-            </a:r>
-            <a:r>
-              <a:rPr lang="en-US" dirty="0" err="1"/>
-              <a:t>WinDbg</a:t>
-            </a:r>
-            <a:r>
-              <a:rPr lang="en-US" dirty="0"/>
-              <a:t>, and Linux programs via GDB.</a:t>
-            </a:r>
-            <a:endParaRPr lang="nl-NL" dirty="0"/>
-          </a:p>
-        </p:txBody>
-      </p:sp>
-      <p:sp>
-        <p:nvSpPr>
-          <p:cNvPr id="4" name="Tijdelijke aanduiding voor dianummer 3"/>
+            <a:endParaRPr lang="en-US" dirty="0"/>
+          </a:p>
+        </p:txBody>
+      </p:sp>
+      <p:sp>
+        <p:nvSpPr>
+          <p:cNvPr id="4" name="Slide Number Placeholder 3"/>
           <p:cNvSpPr>
             <a:spLocks noGrp="1"/>
           </p:cNvSpPr>
@@ -718,7 +619,7 @@
           <a:p>
             <a:fld id="{589FD4FC-3991-428A-BACE-69EE09E264E0}" type="slidenum">
               <a:rPr lang="nl-NL" smtClean="0"/>
-              <a:t>4</a:t>
+              <a:t>2</a:t>
             </a:fld>
             <a:endParaRPr lang="nl-NL"/>
           </a:p>
@@ -727,7 +628,7 @@
     </p:spTree>
     <p:extLst>
       <p:ext uri="{BB962C8B-B14F-4D97-AF65-F5344CB8AC3E}">
-        <p14:creationId xmlns:p14="http://schemas.microsoft.com/office/powerpoint/2010/main" val="3595780297"/>
+        <p14:creationId xmlns:p14="http://schemas.microsoft.com/office/powerpoint/2010/main" val="232535817"/>
       </p:ext>
     </p:extLst>
   </p:cSld>
@@ -781,6 +682,278 @@
           <a:bodyPr/>
           <a:lstStyle/>
           <a:p>
+            <a:r>
+              <a:rPr lang="en-US" dirty="0" err="1"/>
+              <a:t>Ghidra</a:t>
+            </a:r>
+            <a:r>
+              <a:rPr lang="en-US" dirty="0"/>
+              <a:t> is a free and open source reverse engineering tool developed by the National Security Agency (NSA) of the United States. The binaries were released at RSA Conference in March 2019; the sources were published one month later on GitHub. </a:t>
+            </a:r>
+            <a:r>
+              <a:rPr lang="en-US" dirty="0" err="1"/>
+              <a:t>Ghidra</a:t>
+            </a:r>
+            <a:r>
+              <a:rPr lang="en-US" dirty="0"/>
+              <a:t> is seen by many security researchers as a competitor to IDA Pro. The software is written in Java using the Swing framework for the GUI. The </a:t>
+            </a:r>
+            <a:r>
+              <a:rPr lang="en-US" dirty="0" err="1"/>
+              <a:t>decompiler</a:t>
+            </a:r>
+            <a:r>
+              <a:rPr lang="en-US" dirty="0"/>
+              <a:t> component is written in C++, and is therefore usable in a stand-alone form. </a:t>
+            </a:r>
+            <a:r>
+              <a:rPr lang="en-US" dirty="0" err="1"/>
+              <a:t>Ghidra</a:t>
+            </a:r>
+            <a:r>
+              <a:rPr lang="en-US" dirty="0"/>
+              <a:t> plugins can be developed in Java or in Python (provided via </a:t>
+            </a:r>
+            <a:r>
+              <a:rPr lang="en-US" dirty="0" err="1"/>
+              <a:t>Jython</a:t>
+            </a:r>
+            <a:r>
+              <a:rPr lang="en-US" dirty="0"/>
+              <a:t>).</a:t>
+            </a:r>
+            <a:endParaRPr lang="nl-NL" dirty="0"/>
+          </a:p>
+        </p:txBody>
+      </p:sp>
+      <p:sp>
+        <p:nvSpPr>
+          <p:cNvPr id="4" name="Tijdelijke aanduiding voor dianummer 3"/>
+          <p:cNvSpPr>
+            <a:spLocks noGrp="1"/>
+          </p:cNvSpPr>
+          <p:nvPr>
+            <p:ph type="sldNum" sz="quarter" idx="5"/>
+          </p:nvPr>
+        </p:nvSpPr>
+        <p:spPr/>
+        <p:txBody>
+          <a:bodyPr/>
+          <a:lstStyle/>
+          <a:p>
+            <a:fld id="{589FD4FC-3991-428A-BACE-69EE09E264E0}" type="slidenum">
+              <a:rPr lang="nl-NL" smtClean="0"/>
+              <a:t>3</a:t>
+            </a:fld>
+            <a:endParaRPr lang="nl-NL"/>
+          </a:p>
+        </p:txBody>
+      </p:sp>
+    </p:spTree>
+    <p:extLst>
+      <p:ext uri="{BB962C8B-B14F-4D97-AF65-F5344CB8AC3E}">
+        <p14:creationId xmlns:p14="http://schemas.microsoft.com/office/powerpoint/2010/main" val="2164284970"/>
+      </p:ext>
+    </p:extLst>
+  </p:cSld>
+  <p:clrMapOvr>
+    <a:masterClrMapping/>
+  </p:clrMapOvr>
+</p:notes>
+</file>
+
+<file path=ppt/notesSlides/notesSlide4.xml><?xml version="1.0" encoding="utf-8"?>
+<p:notes xmlns:a="http://schemas.openxmlformats.org/drawingml/2006/main" xmlns:r="http://schemas.openxmlformats.org/officeDocument/2006/relationships" xmlns:p="http://schemas.openxmlformats.org/presentationml/2006/main">
+  <p:cSld>
+    <p:spTree>
+      <p:nvGrpSpPr>
+        <p:cNvPr id="1" name=""/>
+        <p:cNvGrpSpPr/>
+        <p:nvPr/>
+      </p:nvGrpSpPr>
+      <p:grpSpPr>
+        <a:xfrm>
+          <a:off x="0" y="0"/>
+          <a:ext cx="0" cy="0"/>
+          <a:chOff x="0" y="0"/>
+          <a:chExt cx="0" cy="0"/>
+        </a:xfrm>
+      </p:grpSpPr>
+      <p:sp>
+        <p:nvSpPr>
+          <p:cNvPr id="2" name="Tijdelijke aanduiding voor dia-afbeelding 1"/>
+          <p:cNvSpPr>
+            <a:spLocks noGrp="1" noRot="1" noChangeAspect="1"/>
+          </p:cNvSpPr>
+          <p:nvPr>
+            <p:ph type="sldImg"/>
+          </p:nvPr>
+        </p:nvSpPr>
+        <p:spPr/>
+      </p:sp>
+      <p:sp>
+        <p:nvSpPr>
+          <p:cNvPr id="3" name="Tijdelijke aanduiding voor notities 2"/>
+          <p:cNvSpPr>
+            <a:spLocks noGrp="1"/>
+          </p:cNvSpPr>
+          <p:nvPr>
+            <p:ph type="body" idx="1"/>
+          </p:nvPr>
+        </p:nvSpPr>
+        <p:spPr/>
+        <p:txBody>
+          <a:bodyPr/>
+          <a:lstStyle/>
+          <a:p>
+            <a:r>
+              <a:rPr lang="en-US" dirty="0" err="1"/>
+              <a:t>Ghidra's</a:t>
+            </a:r>
+            <a:r>
+              <a:rPr lang="en-US" dirty="0"/>
+              <a:t> existence was originally revealed to the public via WikiLeaks in March 2017, but the software itself remained unavailable until its declassification and official release two years later. In June 2019, </a:t>
+            </a:r>
+            <a:r>
+              <a:rPr lang="en-US" dirty="0" err="1"/>
+              <a:t>Coreboot</a:t>
+            </a:r>
+            <a:r>
+              <a:rPr lang="en-US" dirty="0"/>
+              <a:t> began to use </a:t>
+            </a:r>
+            <a:r>
+              <a:rPr lang="en-US" dirty="0" err="1"/>
+              <a:t>Ghidra</a:t>
+            </a:r>
+            <a:r>
+              <a:rPr lang="en-US" dirty="0"/>
+              <a:t> for its reverse engineering efforts on firmware-specific problems following the open source release of the </a:t>
+            </a:r>
+            <a:r>
+              <a:rPr lang="en-US" dirty="0" err="1"/>
+              <a:t>Ghidra</a:t>
+            </a:r>
+            <a:r>
+              <a:rPr lang="en-US" dirty="0"/>
+              <a:t> software suite. </a:t>
+            </a:r>
+            <a:r>
+              <a:rPr lang="en-US" dirty="0" err="1"/>
+              <a:t>Ghidra</a:t>
+            </a:r>
+            <a:r>
+              <a:rPr lang="en-US" dirty="0"/>
+              <a:t> can be used as a debugger since </a:t>
+            </a:r>
+            <a:r>
+              <a:rPr lang="en-US" dirty="0" err="1"/>
+              <a:t>Ghidra</a:t>
+            </a:r>
+            <a:r>
+              <a:rPr lang="en-US" dirty="0"/>
+              <a:t> 10.0. </a:t>
+            </a:r>
+            <a:r>
+              <a:rPr lang="en-US" dirty="0" err="1"/>
+              <a:t>Ghidra's</a:t>
+            </a:r>
+            <a:r>
+              <a:rPr lang="en-US" dirty="0"/>
+              <a:t> debugger supports debugging user-mode Windows programs via </a:t>
+            </a:r>
+            <a:r>
+              <a:rPr lang="en-US" dirty="0" err="1"/>
+              <a:t>WinDbg</a:t>
+            </a:r>
+            <a:r>
+              <a:rPr lang="en-US" dirty="0"/>
+              <a:t>, and Linux programs via GDB.</a:t>
+            </a:r>
+            <a:endParaRPr lang="nl-NL" dirty="0"/>
+          </a:p>
+        </p:txBody>
+      </p:sp>
+      <p:sp>
+        <p:nvSpPr>
+          <p:cNvPr id="4" name="Tijdelijke aanduiding voor dianummer 3"/>
+          <p:cNvSpPr>
+            <a:spLocks noGrp="1"/>
+          </p:cNvSpPr>
+          <p:nvPr>
+            <p:ph type="sldNum" sz="quarter" idx="5"/>
+          </p:nvPr>
+        </p:nvSpPr>
+        <p:spPr/>
+        <p:txBody>
+          <a:bodyPr/>
+          <a:lstStyle/>
+          <a:p>
+            <a:fld id="{589FD4FC-3991-428A-BACE-69EE09E264E0}" type="slidenum">
+              <a:rPr lang="nl-NL" smtClean="0"/>
+              <a:t>4</a:t>
+            </a:fld>
+            <a:endParaRPr lang="nl-NL"/>
+          </a:p>
+        </p:txBody>
+      </p:sp>
+    </p:spTree>
+    <p:extLst>
+      <p:ext uri="{BB962C8B-B14F-4D97-AF65-F5344CB8AC3E}">
+        <p14:creationId xmlns:p14="http://schemas.microsoft.com/office/powerpoint/2010/main" val="3595780297"/>
+      </p:ext>
+    </p:extLst>
+  </p:cSld>
+  <p:clrMapOvr>
+    <a:masterClrMapping/>
+  </p:clrMapOvr>
+</p:notes>
+</file>
+
+<file path=ppt/notesSlides/notesSlide5.xml><?xml version="1.0" encoding="utf-8"?>
+<p:notes xmlns:a="http://schemas.openxmlformats.org/drawingml/2006/main" xmlns:r="http://schemas.openxmlformats.org/officeDocument/2006/relationships" xmlns:p="http://schemas.openxmlformats.org/presentationml/2006/main">
+  <p:cSld>
+    <p:spTree>
+      <p:nvGrpSpPr>
+        <p:cNvPr id="1" name=""/>
+        <p:cNvGrpSpPr/>
+        <p:nvPr/>
+      </p:nvGrpSpPr>
+      <p:grpSpPr>
+        <a:xfrm>
+          <a:off x="0" y="0"/>
+          <a:ext cx="0" cy="0"/>
+          <a:chOff x="0" y="0"/>
+          <a:chExt cx="0" cy="0"/>
+        </a:xfrm>
+      </p:grpSpPr>
+      <p:sp>
+        <p:nvSpPr>
+          <p:cNvPr id="2" name="Tijdelijke aanduiding voor dia-afbeelding 1"/>
+          <p:cNvSpPr>
+            <a:spLocks noGrp="1" noRot="1" noChangeAspect="1"/>
+          </p:cNvSpPr>
+          <p:nvPr>
+            <p:ph type="sldImg"/>
+          </p:nvPr>
+        </p:nvSpPr>
+        <p:spPr/>
+      </p:sp>
+      <p:sp>
+        <p:nvSpPr>
+          <p:cNvPr id="3" name="Tijdelijke aanduiding voor notities 2"/>
+          <p:cNvSpPr>
+            <a:spLocks noGrp="1"/>
+          </p:cNvSpPr>
+          <p:nvPr>
+            <p:ph type="body" idx="1"/>
+          </p:nvPr>
+        </p:nvSpPr>
+        <p:spPr/>
+        <p:txBody>
+          <a:bodyPr/>
+          <a:lstStyle/>
+          <a:p>
             <a:pPr algn="l"/>
             <a:r>
               <a:rPr lang="en-US" b="0" i="0" dirty="0" err="1">
@@ -978,7 +1151,7 @@
 </p:notes>
 </file>
 
-<file path=ppt/notesSlides/notesSlide4.xml><?xml version="1.0" encoding="utf-8"?>
+<file path=ppt/notesSlides/notesSlide6.xml><?xml version="1.0" encoding="utf-8"?>
 <p:notes xmlns:a="http://schemas.openxmlformats.org/drawingml/2006/main" xmlns:r="http://schemas.openxmlformats.org/officeDocument/2006/relationships" xmlns:p="http://schemas.openxmlformats.org/presentationml/2006/main">
   <p:cSld>
     <p:spTree>
@@ -3081,7 +3254,7 @@
           <a:p>
             <a:fld id="{EFCC533D-C390-42EA-8670-D1918F3E5268}" type="slidenum">
               <a:rPr lang="nl-NL" smtClean="0"/>
-              <a:t>‹nr.›</a:t>
+              <a:t>‹#›</a:t>
             </a:fld>
             <a:endParaRPr lang="nl-NL"/>
           </a:p>
@@ -3332,7 +3505,7 @@
           <a:p>
             <a:fld id="{EFCC533D-C390-42EA-8670-D1918F3E5268}" type="slidenum">
               <a:rPr lang="nl-NL" smtClean="0"/>
-              <a:t>‹nr.›</a:t>
+              <a:t>‹#›</a:t>
             </a:fld>
             <a:endParaRPr lang="nl-NL"/>
           </a:p>
@@ -3646,7 +3819,7 @@
           <a:p>
             <a:fld id="{EFCC533D-C390-42EA-8670-D1918F3E5268}" type="slidenum">
               <a:rPr lang="nl-NL" smtClean="0"/>
-              <a:t>‹nr.›</a:t>
+              <a:t>‹#›</a:t>
             </a:fld>
             <a:endParaRPr lang="nl-NL"/>
           </a:p>
@@ -3987,7 +4160,7 @@
           <a:p>
             <a:fld id="{EFCC533D-C390-42EA-8670-D1918F3E5268}" type="slidenum">
               <a:rPr lang="nl-NL" smtClean="0"/>
-              <a:t>‹nr.›</a:t>
+              <a:t>‹#›</a:t>
             </a:fld>
             <a:endParaRPr lang="nl-NL"/>
           </a:p>
@@ -4301,7 +4474,7 @@
           <a:p>
             <a:fld id="{EFCC533D-C390-42EA-8670-D1918F3E5268}" type="slidenum">
               <a:rPr lang="nl-NL" smtClean="0"/>
-              <a:t>‹nr.›</a:t>
+              <a:t>‹#›</a:t>
             </a:fld>
             <a:endParaRPr lang="nl-NL"/>
           </a:p>
@@ -4694,7 +4867,7 @@
           <a:p>
             <a:fld id="{EFCC533D-C390-42EA-8670-D1918F3E5268}" type="slidenum">
               <a:rPr lang="nl-NL" smtClean="0"/>
-              <a:t>‹nr.›</a:t>
+              <a:t>‹#›</a:t>
             </a:fld>
             <a:endParaRPr lang="nl-NL"/>
           </a:p>
@@ -4864,7 +5037,7 @@
           <a:p>
             <a:fld id="{EFCC533D-C390-42EA-8670-D1918F3E5268}" type="slidenum">
               <a:rPr lang="nl-NL" smtClean="0"/>
-              <a:t>‹nr.›</a:t>
+              <a:t>‹#›</a:t>
             </a:fld>
             <a:endParaRPr lang="nl-NL"/>
           </a:p>
@@ -5044,7 +5217,7 @@
           <a:p>
             <a:fld id="{EFCC533D-C390-42EA-8670-D1918F3E5268}" type="slidenum">
               <a:rPr lang="nl-NL" smtClean="0"/>
-              <a:t>‹nr.›</a:t>
+              <a:t>‹#›</a:t>
             </a:fld>
             <a:endParaRPr lang="nl-NL"/>
           </a:p>
@@ -5220,7 +5393,7 @@
           <a:p>
             <a:fld id="{EFCC533D-C390-42EA-8670-D1918F3E5268}" type="slidenum">
               <a:rPr lang="nl-NL" smtClean="0"/>
-              <a:t>‹nr.›</a:t>
+              <a:t>‹#›</a:t>
             </a:fld>
             <a:endParaRPr lang="nl-NL"/>
           </a:p>
@@ -5467,7 +5640,7 @@
           <a:p>
             <a:fld id="{EFCC533D-C390-42EA-8670-D1918F3E5268}" type="slidenum">
               <a:rPr lang="nl-NL" smtClean="0"/>
-              <a:t>‹nr.›</a:t>
+              <a:t>‹#›</a:t>
             </a:fld>
             <a:endParaRPr lang="nl-NL"/>
           </a:p>
@@ -5699,7 +5872,7 @@
           <a:p>
             <a:fld id="{EFCC533D-C390-42EA-8670-D1918F3E5268}" type="slidenum">
               <a:rPr lang="nl-NL" smtClean="0"/>
-              <a:t>‹nr.›</a:t>
+              <a:t>‹#›</a:t>
             </a:fld>
             <a:endParaRPr lang="nl-NL"/>
           </a:p>
@@ -6073,7 +6246,7 @@
           <a:p>
             <a:fld id="{EFCC533D-C390-42EA-8670-D1918F3E5268}" type="slidenum">
               <a:rPr lang="nl-NL" smtClean="0"/>
-              <a:t>‹nr.›</a:t>
+              <a:t>‹#›</a:t>
             </a:fld>
             <a:endParaRPr lang="nl-NL"/>
           </a:p>
@@ -6196,7 +6369,7 @@
           <a:p>
             <a:fld id="{EFCC533D-C390-42EA-8670-D1918F3E5268}" type="slidenum">
               <a:rPr lang="nl-NL" smtClean="0"/>
-              <a:t>‹nr.›</a:t>
+              <a:t>‹#›</a:t>
             </a:fld>
             <a:endParaRPr lang="nl-NL"/>
           </a:p>
@@ -6291,7 +6464,7 @@
           <a:p>
             <a:fld id="{EFCC533D-C390-42EA-8670-D1918F3E5268}" type="slidenum">
               <a:rPr lang="nl-NL" smtClean="0"/>
-              <a:t>‹nr.›</a:t>
+              <a:t>‹#›</a:t>
             </a:fld>
             <a:endParaRPr lang="nl-NL"/>
           </a:p>
@@ -6546,7 +6719,7 @@
           <a:p>
             <a:fld id="{EFCC533D-C390-42EA-8670-D1918F3E5268}" type="slidenum">
               <a:rPr lang="nl-NL" smtClean="0"/>
-              <a:t>‹nr.›</a:t>
+              <a:t>‹#›</a:t>
             </a:fld>
             <a:endParaRPr lang="nl-NL"/>
           </a:p>
@@ -6809,7 +6982,7 @@
           <a:p>
             <a:fld id="{EFCC533D-C390-42EA-8670-D1918F3E5268}" type="slidenum">
               <a:rPr lang="nl-NL" smtClean="0"/>
-              <a:t>‹nr.›</a:t>
+              <a:t>‹#›</a:t>
             </a:fld>
             <a:endParaRPr lang="nl-NL"/>
           </a:p>
@@ -7586,7 +7759,7 @@
           <a:p>
             <a:fld id="{EFCC533D-C390-42EA-8670-D1918F3E5268}" type="slidenum">
               <a:rPr lang="nl-NL" smtClean="0"/>
-              <a:t>‹nr.›</a:t>
+              <a:t>‹#›</a:t>
             </a:fld>
             <a:endParaRPr lang="nl-NL"/>
           </a:p>
@@ -8049,7 +8222,7 @@
           <p:nvPr/>
         </p:nvPicPr>
         <p:blipFill>
-          <a:blip r:embed="rId2">
+          <a:blip r:embed="rId3">
             <a:extLst>
               <a:ext uri="{28A0092B-C50C-407E-A947-70E740481C1C}">
                 <a14:useLocalDpi xmlns:a14="http://schemas.microsoft.com/office/drawing/2010/main" val="0"/>
@@ -8359,10 +8532,9 @@
               <a:t>Ghidra</a:t>
             </a:r>
             <a:r>
-              <a:rPr lang="nl-NL"/>
+              <a:rPr lang="nl-NL" dirty="0"/>
               <a:t>?</a:t>
             </a:r>
-            <a:endParaRPr lang="nl-NL" dirty="0"/>
           </a:p>
           <a:p>
             <a:endParaRPr lang="nl-NL" dirty="0"/>

--- a/Ghidra_Prep.pptx
+++ b/Ghidra_Prep.pptx
@@ -365,7 +365,7 @@
           <a:p>
             <a:fld id="{589FD4FC-3991-428A-BACE-69EE09E264E0}" type="slidenum">
               <a:rPr lang="nl-NL" smtClean="0"/>
-              <a:t>‹#›</a:t>
+              <a:t>‹nr.›</a:t>
             </a:fld>
             <a:endParaRPr lang="nl-NL"/>
           </a:p>
@@ -922,6 +922,119 @@
           <a:bodyPr/>
           <a:lstStyle/>
           <a:p>
+            <a:r>
+              <a:rPr lang="en-US" dirty="0"/>
+              <a:t>The National Security Agency (NSA) is a national-level intelligence agency of the United States Department of Defense, under the authority of the Director of National Intelligence (DNI). The NSA is responsible for global monitoring, collection, and processing of information and data for foreign and domestic intelligence and counterintelligence purposes, specializing in a discipline known as signals intelligence (SIGINT). The NSA is also tasked with the protection of U.S. communications networks and information </a:t>
+            </a:r>
+            <a:r>
+              <a:rPr lang="en-US" dirty="0" err="1"/>
+              <a:t>systems.The</a:t>
+            </a:r>
+            <a:r>
+              <a:rPr lang="en-US" dirty="0"/>
+              <a:t> NSA relies on a variety of measures to accomplish its mission, the majority of which are clandestine. The existence of the NSA was not revealed until 1975. The NSA has roughly 32,000 employees.</a:t>
+            </a:r>
+          </a:p>
+          <a:p>
+            <a:endParaRPr lang="en-US" dirty="0"/>
+          </a:p>
+          <a:p>
+            <a:r>
+              <a:rPr lang="en-US" dirty="0"/>
+              <a:t>Formation:</a:t>
+            </a:r>
+          </a:p>
+          <a:p>
+            <a:r>
+              <a:rPr lang="en-US" dirty="0"/>
+              <a:t>The origins of the National Security Agency can be traced back to April 28, 1917, three weeks after the U.S. Congress declared war on Germany in World War I. A code and cipher decryption unit was established as the Cable and Telegraph Section which was also known as the Cipher Bureau. It was headquartered in Washington, D.C. and was part of the war effort under the executive branch without direct Congressional authorization. During the course of the war, it was relocated in the army's organizational chart several times. On July 5, 1917, Herbert O. Yardley was assigned to head the unit. At that point, the unit consisted of Yardley and two civilian clerks. It absorbed the Navy's cryptanalysis functions in July 1918. World War I ended on November 11, 1918, and the army cryptographic section of Military Intelligence (MI-8) moved to New York City on May 20, 1919, where it continued intelligence activities as the Code Compilation Company under the direction of Yardley.</a:t>
+            </a:r>
+          </a:p>
+          <a:p>
+            <a:endParaRPr lang="nl-NL" dirty="0"/>
+          </a:p>
+        </p:txBody>
+      </p:sp>
+      <p:sp>
+        <p:nvSpPr>
+          <p:cNvPr id="4" name="Tijdelijke aanduiding voor dianummer 3"/>
+          <p:cNvSpPr>
+            <a:spLocks noGrp="1"/>
+          </p:cNvSpPr>
+          <p:nvPr>
+            <p:ph type="sldNum" sz="quarter" idx="5"/>
+          </p:nvPr>
+        </p:nvSpPr>
+        <p:spPr/>
+        <p:txBody>
+          <a:bodyPr/>
+          <a:lstStyle/>
+          <a:p>
+            <a:fld id="{589FD4FC-3991-428A-BACE-69EE09E264E0}" type="slidenum">
+              <a:rPr lang="nl-NL" smtClean="0"/>
+              <a:t>4</a:t>
+            </a:fld>
+            <a:endParaRPr lang="nl-NL"/>
+          </a:p>
+        </p:txBody>
+      </p:sp>
+    </p:spTree>
+    <p:extLst>
+      <p:ext uri="{BB962C8B-B14F-4D97-AF65-F5344CB8AC3E}">
+        <p14:creationId xmlns:p14="http://schemas.microsoft.com/office/powerpoint/2010/main" val="4065676574"/>
+      </p:ext>
+    </p:extLst>
+  </p:cSld>
+  <p:clrMapOvr>
+    <a:masterClrMapping/>
+  </p:clrMapOvr>
+</p:notes>
+</file>
+
+<file path=ppt/notesSlides/notesSlide5.xml><?xml version="1.0" encoding="utf-8"?>
+<p:notes xmlns:a="http://schemas.openxmlformats.org/drawingml/2006/main" xmlns:r="http://schemas.openxmlformats.org/officeDocument/2006/relationships" xmlns:p="http://schemas.openxmlformats.org/presentationml/2006/main">
+  <p:cSld>
+    <p:spTree>
+      <p:nvGrpSpPr>
+        <p:cNvPr id="1" name=""/>
+        <p:cNvGrpSpPr/>
+        <p:nvPr/>
+      </p:nvGrpSpPr>
+      <p:grpSpPr>
+        <a:xfrm>
+          <a:off x="0" y="0"/>
+          <a:ext cx="0" cy="0"/>
+          <a:chOff x="0" y="0"/>
+          <a:chExt cx="0" cy="0"/>
+        </a:xfrm>
+      </p:grpSpPr>
+      <p:sp>
+        <p:nvSpPr>
+          <p:cNvPr id="2" name="Tijdelijke aanduiding voor dia-afbeelding 1"/>
+          <p:cNvSpPr>
+            <a:spLocks noGrp="1" noRot="1" noChangeAspect="1"/>
+          </p:cNvSpPr>
+          <p:nvPr>
+            <p:ph type="sldImg"/>
+          </p:nvPr>
+        </p:nvSpPr>
+        <p:spPr/>
+      </p:sp>
+      <p:sp>
+        <p:nvSpPr>
+          <p:cNvPr id="3" name="Tijdelijke aanduiding voor notities 2"/>
+          <p:cNvSpPr>
+            <a:spLocks noGrp="1"/>
+          </p:cNvSpPr>
+          <p:nvPr>
+            <p:ph type="body" idx="1"/>
+          </p:nvPr>
+        </p:nvSpPr>
+        <p:spPr/>
+        <p:txBody>
+          <a:bodyPr/>
+          <a:lstStyle/>
+          <a:p>
             <a:pPr algn="l"/>
             <a:r>
               <a:rPr lang="en-US" b="0" i="0" dirty="0" err="1">
@@ -1119,7 +1232,7 @@
 </p:notes>
 </file>
 
-<file path=ppt/notesSlides/notesSlide5.xml><?xml version="1.0" encoding="utf-8"?>
+<file path=ppt/notesSlides/notesSlide6.xml><?xml version="1.0" encoding="utf-8"?>
 <p:notes xmlns:a="http://schemas.openxmlformats.org/drawingml/2006/main" xmlns:r="http://schemas.openxmlformats.org/officeDocument/2006/relationships" xmlns:p="http://schemas.openxmlformats.org/presentationml/2006/main">
   <p:cSld>
     <p:spTree>
@@ -3222,7 +3335,7 @@
           <a:p>
             <a:fld id="{EFCC533D-C390-42EA-8670-D1918F3E5268}" type="slidenum">
               <a:rPr lang="nl-NL" smtClean="0"/>
-              <a:t>‹#›</a:t>
+              <a:t>‹nr.›</a:t>
             </a:fld>
             <a:endParaRPr lang="nl-NL"/>
           </a:p>
@@ -3473,7 +3586,7 @@
           <a:p>
             <a:fld id="{EFCC533D-C390-42EA-8670-D1918F3E5268}" type="slidenum">
               <a:rPr lang="nl-NL" smtClean="0"/>
-              <a:t>‹#›</a:t>
+              <a:t>‹nr.›</a:t>
             </a:fld>
             <a:endParaRPr lang="nl-NL"/>
           </a:p>
@@ -3787,7 +3900,7 @@
           <a:p>
             <a:fld id="{EFCC533D-C390-42EA-8670-D1918F3E5268}" type="slidenum">
               <a:rPr lang="nl-NL" smtClean="0"/>
-              <a:t>‹#›</a:t>
+              <a:t>‹nr.›</a:t>
             </a:fld>
             <a:endParaRPr lang="nl-NL"/>
           </a:p>
@@ -4128,7 +4241,7 @@
           <a:p>
             <a:fld id="{EFCC533D-C390-42EA-8670-D1918F3E5268}" type="slidenum">
               <a:rPr lang="nl-NL" smtClean="0"/>
-              <a:t>‹#›</a:t>
+              <a:t>‹nr.›</a:t>
             </a:fld>
             <a:endParaRPr lang="nl-NL"/>
           </a:p>
@@ -4442,7 +4555,7 @@
           <a:p>
             <a:fld id="{EFCC533D-C390-42EA-8670-D1918F3E5268}" type="slidenum">
               <a:rPr lang="nl-NL" smtClean="0"/>
-              <a:t>‹#›</a:t>
+              <a:t>‹nr.›</a:t>
             </a:fld>
             <a:endParaRPr lang="nl-NL"/>
           </a:p>
@@ -4835,7 +4948,7 @@
           <a:p>
             <a:fld id="{EFCC533D-C390-42EA-8670-D1918F3E5268}" type="slidenum">
               <a:rPr lang="nl-NL" smtClean="0"/>
-              <a:t>‹#›</a:t>
+              <a:t>‹nr.›</a:t>
             </a:fld>
             <a:endParaRPr lang="nl-NL"/>
           </a:p>
@@ -5005,7 +5118,7 @@
           <a:p>
             <a:fld id="{EFCC533D-C390-42EA-8670-D1918F3E5268}" type="slidenum">
               <a:rPr lang="nl-NL" smtClean="0"/>
-              <a:t>‹#›</a:t>
+              <a:t>‹nr.›</a:t>
             </a:fld>
             <a:endParaRPr lang="nl-NL"/>
           </a:p>
@@ -5185,7 +5298,7 @@
           <a:p>
             <a:fld id="{EFCC533D-C390-42EA-8670-D1918F3E5268}" type="slidenum">
               <a:rPr lang="nl-NL" smtClean="0"/>
-              <a:t>‹#›</a:t>
+              <a:t>‹nr.›</a:t>
             </a:fld>
             <a:endParaRPr lang="nl-NL"/>
           </a:p>
@@ -5361,7 +5474,7 @@
           <a:p>
             <a:fld id="{EFCC533D-C390-42EA-8670-D1918F3E5268}" type="slidenum">
               <a:rPr lang="nl-NL" smtClean="0"/>
-              <a:t>‹#›</a:t>
+              <a:t>‹nr.›</a:t>
             </a:fld>
             <a:endParaRPr lang="nl-NL"/>
           </a:p>
@@ -5608,7 +5721,7 @@
           <a:p>
             <a:fld id="{EFCC533D-C390-42EA-8670-D1918F3E5268}" type="slidenum">
               <a:rPr lang="nl-NL" smtClean="0"/>
-              <a:t>‹#›</a:t>
+              <a:t>‹nr.›</a:t>
             </a:fld>
             <a:endParaRPr lang="nl-NL"/>
           </a:p>
@@ -5840,7 +5953,7 @@
           <a:p>
             <a:fld id="{EFCC533D-C390-42EA-8670-D1918F3E5268}" type="slidenum">
               <a:rPr lang="nl-NL" smtClean="0"/>
-              <a:t>‹#›</a:t>
+              <a:t>‹nr.›</a:t>
             </a:fld>
             <a:endParaRPr lang="nl-NL"/>
           </a:p>
@@ -6214,7 +6327,7 @@
           <a:p>
             <a:fld id="{EFCC533D-C390-42EA-8670-D1918F3E5268}" type="slidenum">
               <a:rPr lang="nl-NL" smtClean="0"/>
-              <a:t>‹#›</a:t>
+              <a:t>‹nr.›</a:t>
             </a:fld>
             <a:endParaRPr lang="nl-NL"/>
           </a:p>
@@ -6337,7 +6450,7 @@
           <a:p>
             <a:fld id="{EFCC533D-C390-42EA-8670-D1918F3E5268}" type="slidenum">
               <a:rPr lang="nl-NL" smtClean="0"/>
-              <a:t>‹#›</a:t>
+              <a:t>‹nr.›</a:t>
             </a:fld>
             <a:endParaRPr lang="nl-NL"/>
           </a:p>
@@ -6432,7 +6545,7 @@
           <a:p>
             <a:fld id="{EFCC533D-C390-42EA-8670-D1918F3E5268}" type="slidenum">
               <a:rPr lang="nl-NL" smtClean="0"/>
-              <a:t>‹#›</a:t>
+              <a:t>‹nr.›</a:t>
             </a:fld>
             <a:endParaRPr lang="nl-NL"/>
           </a:p>
@@ -6687,7 +6800,7 @@
           <a:p>
             <a:fld id="{EFCC533D-C390-42EA-8670-D1918F3E5268}" type="slidenum">
               <a:rPr lang="nl-NL" smtClean="0"/>
-              <a:t>‹#›</a:t>
+              <a:t>‹nr.›</a:t>
             </a:fld>
             <a:endParaRPr lang="nl-NL"/>
           </a:p>
@@ -6950,7 +7063,7 @@
           <a:p>
             <a:fld id="{EFCC533D-C390-42EA-8670-D1918F3E5268}" type="slidenum">
               <a:rPr lang="nl-NL" smtClean="0"/>
-              <a:t>‹#›</a:t>
+              <a:t>‹nr.›</a:t>
             </a:fld>
             <a:endParaRPr lang="nl-NL"/>
           </a:p>
@@ -7727,7 +7840,7 @@
           <a:p>
             <a:fld id="{EFCC533D-C390-42EA-8670-D1918F3E5268}" type="slidenum">
               <a:rPr lang="nl-NL" smtClean="0"/>
-              <a:t>‹#›</a:t>
+              <a:t>‹nr.›</a:t>
             </a:fld>
             <a:endParaRPr lang="nl-NL"/>
           </a:p>
@@ -8293,13 +8406,13 @@
   <p:clrMapOvr>
     <a:masterClrMapping/>
   </p:clrMapOvr>
-  <mc:AlternateContent xmlns:mc="http://schemas.openxmlformats.org/markup-compatibility/2006">
-    <mc:Choice xmlns:p14="http://schemas.microsoft.com/office/powerpoint/2010/main" Requires="p14">
+  <mc:AlternateContent xmlns:mc="http://schemas.openxmlformats.org/markup-compatibility/2006" xmlns:p14="http://schemas.microsoft.com/office/powerpoint/2010/main">
+    <mc:Choice Requires="p14">
       <p:transition spd="med" p14:dur="700">
         <p:fade/>
       </p:transition>
     </mc:Choice>
-    <mc:Fallback>
+    <mc:Fallback xmlns="">
       <p:transition spd="med">
         <p:fade/>
       </p:transition>
@@ -8412,13 +8525,13 @@
   <p:clrMapOvr>
     <a:masterClrMapping/>
   </p:clrMapOvr>
-  <mc:AlternateContent xmlns:mc="http://schemas.openxmlformats.org/markup-compatibility/2006">
-    <mc:Choice xmlns:p14="http://schemas.microsoft.com/office/powerpoint/2010/main" Requires="p14">
+  <mc:AlternateContent xmlns:mc="http://schemas.openxmlformats.org/markup-compatibility/2006" xmlns:p14="http://schemas.microsoft.com/office/powerpoint/2010/main">
+    <mc:Choice Requires="p14">
       <p:transition spd="med" p14:dur="700">
         <p:fade/>
       </p:transition>
     </mc:Choice>
-    <mc:Fallback>
+    <mc:Fallback xmlns="">
       <p:transition spd="med">
         <p:fade/>
       </p:transition>
@@ -9291,13 +9404,13 @@
   <p:clrMapOvr>
     <a:masterClrMapping/>
   </p:clrMapOvr>
-  <mc:AlternateContent xmlns:mc="http://schemas.openxmlformats.org/markup-compatibility/2006">
-    <mc:Choice xmlns:p14="http://schemas.microsoft.com/office/powerpoint/2010/main" Requires="p14">
+  <mc:AlternateContent xmlns:mc="http://schemas.openxmlformats.org/markup-compatibility/2006" xmlns:p14="http://schemas.microsoft.com/office/powerpoint/2010/main">
+    <mc:Choice Requires="p14">
       <p:transition spd="med" p14:dur="700">
         <p:fade/>
       </p:transition>
     </mc:Choice>
-    <mc:Fallback>
+    <mc:Fallback xmlns="">
       <p:transition spd="med">
         <p:fade/>
       </p:transition>
@@ -9560,13 +9673,13 @@
   <p:clrMapOvr>
     <a:masterClrMapping/>
   </p:clrMapOvr>
-  <mc:AlternateContent xmlns:mc="http://schemas.openxmlformats.org/markup-compatibility/2006">
-    <mc:Choice xmlns:p14="http://schemas.microsoft.com/office/powerpoint/2010/main" Requires="p14">
+  <mc:AlternateContent xmlns:mc="http://schemas.openxmlformats.org/markup-compatibility/2006" xmlns:p14="http://schemas.microsoft.com/office/powerpoint/2010/main">
+    <mc:Choice Requires="p14">
       <p:transition spd="med" p14:dur="700">
         <p:fade/>
       </p:transition>
     </mc:Choice>
-    <mc:Fallback>
+    <mc:Fallback xmlns="">
       <p:transition spd="med">
         <p:fade/>
       </p:transition>
@@ -9766,13 +9879,13 @@
   <p:clrMapOvr>
     <a:masterClrMapping/>
   </p:clrMapOvr>
-  <mc:AlternateContent xmlns:mc="http://schemas.openxmlformats.org/markup-compatibility/2006">
-    <mc:Choice xmlns:p14="http://schemas.microsoft.com/office/powerpoint/2010/main" Requires="p14">
+  <mc:AlternateContent xmlns:mc="http://schemas.openxmlformats.org/markup-compatibility/2006" xmlns:p14="http://schemas.microsoft.com/office/powerpoint/2010/main">
+    <mc:Choice Requires="p14">
       <p:transition spd="med" p14:dur="700">
         <p:fade/>
       </p:transition>
     </mc:Choice>
-    <mc:Fallback>
+    <mc:Fallback xmlns="">
       <p:transition spd="med">
         <p:fade/>
       </p:transition>
@@ -9848,6 +9961,19 @@
           <a:bodyPr/>
           <a:lstStyle/>
           <a:p>
+            <a:r>
+              <a:rPr lang="nl-NL" dirty="0" err="1"/>
+              <a:t>History</a:t>
+            </a:r>
+            <a:endParaRPr lang="nl-NL" dirty="0"/>
+          </a:p>
+          <a:p>
+            <a:r>
+              <a:rPr lang="nl-NL" dirty="0"/>
+              <a:t>Mission</a:t>
+            </a:r>
+          </a:p>
+          <a:p>
             <a:endParaRPr lang="nl-NL" dirty="0"/>
           </a:p>
         </p:txBody>
@@ -9862,13 +9988,13 @@
   <p:clrMapOvr>
     <a:masterClrMapping/>
   </p:clrMapOvr>
-  <mc:AlternateContent xmlns:mc="http://schemas.openxmlformats.org/markup-compatibility/2006">
-    <mc:Choice xmlns:p14="http://schemas.microsoft.com/office/powerpoint/2010/main" Requires="p14">
+  <mc:AlternateContent xmlns:mc="http://schemas.openxmlformats.org/markup-compatibility/2006" xmlns:p14="http://schemas.microsoft.com/office/powerpoint/2010/main">
+    <mc:Choice Requires="p14">
       <p:transition spd="med" p14:dur="700">
         <p:fade/>
       </p:transition>
     </mc:Choice>
-    <mc:Fallback>
+    <mc:Fallback xmlns="">
       <p:transition spd="med">
         <p:fade/>
       </p:transition>
@@ -9944,7 +10070,7 @@
           <a:bodyPr/>
           <a:lstStyle/>
           <a:p>
-            <a:endParaRPr lang="nl-NL"/>
+            <a:endParaRPr lang="nl-NL" dirty="0"/>
           </a:p>
         </p:txBody>
       </p:sp>
@@ -9958,13 +10084,13 @@
   <p:clrMapOvr>
     <a:masterClrMapping/>
   </p:clrMapOvr>
-  <mc:AlternateContent xmlns:mc="http://schemas.openxmlformats.org/markup-compatibility/2006">
-    <mc:Choice xmlns:p14="http://schemas.microsoft.com/office/powerpoint/2010/main" Requires="p14">
+  <mc:AlternateContent xmlns:mc="http://schemas.openxmlformats.org/markup-compatibility/2006" xmlns:p14="http://schemas.microsoft.com/office/powerpoint/2010/main">
+    <mc:Choice Requires="p14">
       <p:transition spd="med" p14:dur="700">
         <p:fade/>
       </p:transition>
     </mc:Choice>
-    <mc:Fallback>
+    <mc:Fallback xmlns="">
       <p:transition spd="med">
         <p:fade/>
       </p:transition>
@@ -10093,13 +10219,13 @@
   <p:clrMapOvr>
     <a:masterClrMapping/>
   </p:clrMapOvr>
-  <mc:AlternateContent xmlns:mc="http://schemas.openxmlformats.org/markup-compatibility/2006">
-    <mc:Choice xmlns:p14="http://schemas.microsoft.com/office/powerpoint/2010/main" Requires="p14">
+  <mc:AlternateContent xmlns:mc="http://schemas.openxmlformats.org/markup-compatibility/2006" xmlns:p14="http://schemas.microsoft.com/office/powerpoint/2010/main">
+    <mc:Choice Requires="p14">
       <p:transition spd="med" p14:dur="700">
         <p:fade/>
       </p:transition>
     </mc:Choice>
-    <mc:Fallback>
+    <mc:Fallback xmlns="">
       <p:transition spd="med">
         <p:fade/>
       </p:transition>
@@ -10192,13 +10318,13 @@
   <p:clrMapOvr>
     <a:masterClrMapping/>
   </p:clrMapOvr>
-  <mc:AlternateContent xmlns:mc="http://schemas.openxmlformats.org/markup-compatibility/2006">
-    <mc:Choice xmlns:p14="http://schemas.microsoft.com/office/powerpoint/2010/main" Requires="p14">
+  <mc:AlternateContent xmlns:mc="http://schemas.openxmlformats.org/markup-compatibility/2006" xmlns:p14="http://schemas.microsoft.com/office/powerpoint/2010/main">
+    <mc:Choice Requires="p14">
       <p:transition spd="med" p14:dur="700">
         <p:fade/>
       </p:transition>
     </mc:Choice>
-    <mc:Fallback>
+    <mc:Fallback xmlns="">
       <p:transition spd="med">
         <p:fade/>
       </p:transition>
@@ -11089,13 +11215,13 @@
   <p:clrMapOvr>
     <a:masterClrMapping/>
   </p:clrMapOvr>
-  <mc:AlternateContent xmlns:mc="http://schemas.openxmlformats.org/markup-compatibility/2006">
-    <mc:Choice xmlns:p14="http://schemas.microsoft.com/office/powerpoint/2010/main" Requires="p14">
+  <mc:AlternateContent xmlns:mc="http://schemas.openxmlformats.org/markup-compatibility/2006" xmlns:p14="http://schemas.microsoft.com/office/powerpoint/2010/main">
+    <mc:Choice Requires="p14">
       <p:transition spd="med" p14:dur="700">
         <p:fade/>
       </p:transition>
     </mc:Choice>
-    <mc:Fallback>
+    <mc:Fallback xmlns="">
       <p:transition spd="med">
         <p:fade/>
       </p:transition>
@@ -11205,13 +11331,13 @@
   <p:clrMapOvr>
     <a:masterClrMapping/>
   </p:clrMapOvr>
-  <mc:AlternateContent xmlns:mc="http://schemas.openxmlformats.org/markup-compatibility/2006">
-    <mc:Choice xmlns:p14="http://schemas.microsoft.com/office/powerpoint/2010/main" Requires="p14">
+  <mc:AlternateContent xmlns:mc="http://schemas.openxmlformats.org/markup-compatibility/2006" xmlns:p14="http://schemas.microsoft.com/office/powerpoint/2010/main">
+    <mc:Choice Requires="p14">
       <p:transition spd="med" p14:dur="700">
         <p:fade/>
       </p:transition>
     </mc:Choice>
-    <mc:Fallback>
+    <mc:Fallback xmlns="">
       <p:transition spd="med">
         <p:fade/>
       </p:transition>

--- a/Ghidra_Prep.pptx
+++ b/Ghidra_Prep.pptx
@@ -207,7 +207,7 @@
           <a:p>
             <a:fld id="{D4C4ECA8-48BD-4E2F-8546-CB4B5B44CE9A}" type="datetimeFigureOut">
               <a:rPr lang="nl-NL" smtClean="0"/>
-              <a:t>15-11-2022</a:t>
+              <a:t>16-11-2022</a:t>
             </a:fld>
             <a:endParaRPr lang="nl-NL"/>
           </a:p>
@@ -1035,6 +1035,340 @@
           <a:bodyPr/>
           <a:lstStyle/>
           <a:p>
+            <a:r>
+              <a:rPr lang="en-US" dirty="0"/>
+              <a:t>The term </a:t>
+            </a:r>
+            <a:r>
+              <a:rPr lang="en-US" dirty="0" err="1"/>
+              <a:t>decompiler</a:t>
+            </a:r>
+            <a:r>
+              <a:rPr lang="en-US" dirty="0"/>
+              <a:t> is most commonly applied to a program which translates executable programs (the output from a compiler) into source code in a (relatively) high level language which, when compiled, will produce an executable whose behavior is the same as the original executable program. By comparison, a disassembler translates an executable program into assembly language (and an assembler could be used for assembling it back into an executable program).</a:t>
+            </a:r>
+            <a:r>
+              <a:rPr lang="en-US" dirty="0" err="1"/>
+              <a:t>Decompilation</a:t>
+            </a:r>
+            <a:r>
+              <a:rPr lang="en-US" dirty="0"/>
+              <a:t> is the act of using a </a:t>
+            </a:r>
+            <a:r>
+              <a:rPr lang="en-US" dirty="0" err="1"/>
+              <a:t>decompiler</a:t>
+            </a:r>
+            <a:r>
+              <a:rPr lang="en-US" dirty="0"/>
+              <a:t>, although the term can also refer to the output of a </a:t>
+            </a:r>
+            <a:r>
+              <a:rPr lang="en-US" dirty="0" err="1"/>
+              <a:t>decompiler</a:t>
+            </a:r>
+            <a:r>
+              <a:rPr lang="en-US" dirty="0"/>
+              <a:t>. It can be used for the recovery of lost source code, and is also useful in some cases for computer security, interoperability and error correction. The success of </a:t>
+            </a:r>
+            <a:r>
+              <a:rPr lang="en-US" dirty="0" err="1"/>
+              <a:t>decompilation</a:t>
+            </a:r>
+            <a:r>
+              <a:rPr lang="en-US" dirty="0"/>
+              <a:t> depends on the amount of information present in the code being decompiled and the sophistication of the analysis performed on it. The bytecode formats used by many virtual machines (such as the Java Virtual Machine or the .NET Framework Common Language Runtime) often include extensive metadata and high-level features that make </a:t>
+            </a:r>
+            <a:r>
+              <a:rPr lang="en-US" dirty="0" err="1"/>
+              <a:t>decompilation</a:t>
+            </a:r>
+            <a:r>
+              <a:rPr lang="en-US" dirty="0"/>
+              <a:t> quite feasible. The application of debug data, i.e. debug-symbols, may enable to reproduce the original names of variables and structures and even the line numbers. Machine language without such metadata or debug data is much harder to </a:t>
+            </a:r>
+            <a:r>
+              <a:rPr lang="en-US" dirty="0" err="1"/>
+              <a:t>decompile.Some</a:t>
+            </a:r>
+            <a:r>
+              <a:rPr lang="en-US" dirty="0"/>
+              <a:t> compilers and post-compilation tools produce obfuscated code (that is, they attempt to produce output that is very difficult to decompile, or that decompiles to confusing output). This is done to make it more difficult to reverse engineer the </a:t>
+            </a:r>
+            <a:r>
+              <a:rPr lang="en-US" dirty="0" err="1"/>
+              <a:t>executable.While</a:t>
+            </a:r>
+            <a:r>
+              <a:rPr lang="en-US" dirty="0"/>
+              <a:t> </a:t>
+            </a:r>
+            <a:r>
+              <a:rPr lang="en-US" dirty="0" err="1"/>
+              <a:t>decompilers</a:t>
+            </a:r>
+            <a:r>
+              <a:rPr lang="en-US" dirty="0"/>
+              <a:t> are normally used to (re-)create source code from binary executables, there are also </a:t>
+            </a:r>
+            <a:r>
+              <a:rPr lang="en-US" dirty="0" err="1"/>
+              <a:t>decompilers</a:t>
+            </a:r>
+            <a:r>
+              <a:rPr lang="en-US" dirty="0"/>
+              <a:t> to turn specific binary data files into human-readable and editable sources.</a:t>
+            </a:r>
+            <a:endParaRPr lang="nl-NL" dirty="0"/>
+          </a:p>
+        </p:txBody>
+      </p:sp>
+      <p:sp>
+        <p:nvSpPr>
+          <p:cNvPr id="4" name="Tijdelijke aanduiding voor dianummer 3"/>
+          <p:cNvSpPr>
+            <a:spLocks noGrp="1"/>
+          </p:cNvSpPr>
+          <p:nvPr>
+            <p:ph type="sldNum" sz="quarter" idx="5"/>
+          </p:nvPr>
+        </p:nvSpPr>
+        <p:spPr/>
+        <p:txBody>
+          <a:bodyPr/>
+          <a:lstStyle/>
+          <a:p>
+            <a:fld id="{589FD4FC-3991-428A-BACE-69EE09E264E0}" type="slidenum">
+              <a:rPr lang="nl-NL" smtClean="0"/>
+              <a:t>5</a:t>
+            </a:fld>
+            <a:endParaRPr lang="nl-NL"/>
+          </a:p>
+        </p:txBody>
+      </p:sp>
+    </p:spTree>
+    <p:extLst>
+      <p:ext uri="{BB962C8B-B14F-4D97-AF65-F5344CB8AC3E}">
+        <p14:creationId xmlns:p14="http://schemas.microsoft.com/office/powerpoint/2010/main" val="2191605357"/>
+      </p:ext>
+    </p:extLst>
+  </p:cSld>
+  <p:clrMapOvr>
+    <a:masterClrMapping/>
+  </p:clrMapOvr>
+</p:notes>
+</file>
+
+<file path=ppt/notesSlides/notesSlide6.xml><?xml version="1.0" encoding="utf-8"?>
+<p:notes xmlns:a="http://schemas.openxmlformats.org/drawingml/2006/main" xmlns:r="http://schemas.openxmlformats.org/officeDocument/2006/relationships" xmlns:p="http://schemas.openxmlformats.org/presentationml/2006/main">
+  <p:cSld>
+    <p:spTree>
+      <p:nvGrpSpPr>
+        <p:cNvPr id="1" name=""/>
+        <p:cNvGrpSpPr/>
+        <p:nvPr/>
+      </p:nvGrpSpPr>
+      <p:grpSpPr>
+        <a:xfrm>
+          <a:off x="0" y="0"/>
+          <a:ext cx="0" cy="0"/>
+          <a:chOff x="0" y="0"/>
+          <a:chExt cx="0" cy="0"/>
+        </a:xfrm>
+      </p:grpSpPr>
+      <p:sp>
+        <p:nvSpPr>
+          <p:cNvPr id="2" name="Tijdelijke aanduiding voor dia-afbeelding 1"/>
+          <p:cNvSpPr>
+            <a:spLocks noGrp="1" noRot="1" noChangeAspect="1"/>
+          </p:cNvSpPr>
+          <p:nvPr>
+            <p:ph type="sldImg"/>
+          </p:nvPr>
+        </p:nvSpPr>
+        <p:spPr/>
+      </p:sp>
+      <p:sp>
+        <p:nvSpPr>
+          <p:cNvPr id="3" name="Tijdelijke aanduiding voor notities 2"/>
+          <p:cNvSpPr>
+            <a:spLocks noGrp="1"/>
+          </p:cNvSpPr>
+          <p:nvPr>
+            <p:ph type="body" idx="1"/>
+          </p:nvPr>
+        </p:nvSpPr>
+        <p:spPr/>
+        <p:txBody>
+          <a:bodyPr/>
+          <a:lstStyle/>
+          <a:p>
+            <a:r>
+              <a:rPr lang="en-US" b="0" i="0" dirty="0">
+                <a:solidFill>
+                  <a:srgbClr val="292929"/>
+                </a:solidFill>
+                <a:effectLst/>
+                <a:latin typeface="source-serif-pro"/>
+              </a:rPr>
+              <a:t>First open </a:t>
+            </a:r>
+            <a:r>
+              <a:rPr lang="en-US" b="0" i="0" dirty="0" err="1">
+                <a:solidFill>
+                  <a:srgbClr val="292929"/>
+                </a:solidFill>
+                <a:effectLst/>
+                <a:latin typeface="source-serif-pro"/>
+              </a:rPr>
+              <a:t>ghidra</a:t>
+            </a:r>
+            <a:r>
+              <a:rPr lang="en-US" b="0" i="0" dirty="0">
+                <a:solidFill>
+                  <a:srgbClr val="292929"/>
+                </a:solidFill>
+                <a:effectLst/>
+                <a:latin typeface="source-serif-pro"/>
+              </a:rPr>
+              <a:t> and click on File -&gt; New Project, choose Non shared project , pick a directory and the name for your project then click on finish. Also on File options pick Import File and then choose the PE file you want to reverse engineering, for this tutorial it is the PE file above, </a:t>
+            </a:r>
+            <a:r>
+              <a:rPr lang="en-US" b="0" i="0" dirty="0" err="1">
+                <a:solidFill>
+                  <a:srgbClr val="292929"/>
+                </a:solidFill>
+                <a:effectLst/>
+                <a:latin typeface="source-serif-pro"/>
+              </a:rPr>
+              <a:t>i</a:t>
+            </a:r>
+            <a:r>
+              <a:rPr lang="en-US" b="0" i="0" dirty="0">
+                <a:solidFill>
+                  <a:srgbClr val="292929"/>
+                </a:solidFill>
+                <a:effectLst/>
+                <a:latin typeface="source-serif-pro"/>
+              </a:rPr>
+              <a:t> won’t go into details each option because that is for advance tutorial so for the sake of this tutorial just choose ok. You will get the result like in this picture:</a:t>
+            </a:r>
+          </a:p>
+          <a:p>
+            <a:r>
+              <a:rPr lang="en-US" b="0" i="0" dirty="0">
+                <a:solidFill>
+                  <a:srgbClr val="292929"/>
+                </a:solidFill>
+                <a:effectLst/>
+                <a:latin typeface="source-serif-pro"/>
+              </a:rPr>
+              <a:t>Now drag the crackme.exe into the dragon icon in Tool Chest. It will open the Code Browser window and ask you if you want to </a:t>
+            </a:r>
+            <a:r>
+              <a:rPr lang="en-US" b="0" i="0" dirty="0" err="1">
+                <a:solidFill>
+                  <a:srgbClr val="292929"/>
+                </a:solidFill>
+                <a:effectLst/>
+                <a:latin typeface="source-serif-pro"/>
+              </a:rPr>
+              <a:t>analyse</a:t>
+            </a:r>
+            <a:r>
+              <a:rPr lang="en-US" b="0" i="0" dirty="0">
+                <a:solidFill>
+                  <a:srgbClr val="292929"/>
+                </a:solidFill>
+                <a:effectLst/>
+                <a:latin typeface="source-serif-pro"/>
+              </a:rPr>
+              <a:t> it choose Yes of course. When the options window pop up, you will need to check and uncheck this options.</a:t>
+            </a:r>
+            <a:endParaRPr lang="nl-NL" b="1" dirty="0"/>
+          </a:p>
+        </p:txBody>
+      </p:sp>
+      <p:sp>
+        <p:nvSpPr>
+          <p:cNvPr id="4" name="Tijdelijke aanduiding voor dianummer 3"/>
+          <p:cNvSpPr>
+            <a:spLocks noGrp="1"/>
+          </p:cNvSpPr>
+          <p:nvPr>
+            <p:ph type="sldNum" sz="quarter" idx="5"/>
+          </p:nvPr>
+        </p:nvSpPr>
+        <p:spPr/>
+        <p:txBody>
+          <a:bodyPr/>
+          <a:lstStyle/>
+          <a:p>
+            <a:fld id="{589FD4FC-3991-428A-BACE-69EE09E264E0}" type="slidenum">
+              <a:rPr lang="nl-NL" smtClean="0"/>
+              <a:t>6</a:t>
+            </a:fld>
+            <a:endParaRPr lang="nl-NL"/>
+          </a:p>
+        </p:txBody>
+      </p:sp>
+    </p:spTree>
+    <p:extLst>
+      <p:ext uri="{BB962C8B-B14F-4D97-AF65-F5344CB8AC3E}">
+        <p14:creationId xmlns:p14="http://schemas.microsoft.com/office/powerpoint/2010/main" val="3337418200"/>
+      </p:ext>
+    </p:extLst>
+  </p:cSld>
+  <p:clrMapOvr>
+    <a:masterClrMapping/>
+  </p:clrMapOvr>
+</p:notes>
+</file>
+
+<file path=ppt/notesSlides/notesSlide7.xml><?xml version="1.0" encoding="utf-8"?>
+<p:notes xmlns:a="http://schemas.openxmlformats.org/drawingml/2006/main" xmlns:r="http://schemas.openxmlformats.org/officeDocument/2006/relationships" xmlns:p="http://schemas.openxmlformats.org/presentationml/2006/main">
+  <p:cSld>
+    <p:spTree>
+      <p:nvGrpSpPr>
+        <p:cNvPr id="1" name=""/>
+        <p:cNvGrpSpPr/>
+        <p:nvPr/>
+      </p:nvGrpSpPr>
+      <p:grpSpPr>
+        <a:xfrm>
+          <a:off x="0" y="0"/>
+          <a:ext cx="0" cy="0"/>
+          <a:chOff x="0" y="0"/>
+          <a:chExt cx="0" cy="0"/>
+        </a:xfrm>
+      </p:grpSpPr>
+      <p:sp>
+        <p:nvSpPr>
+          <p:cNvPr id="2" name="Tijdelijke aanduiding voor dia-afbeelding 1"/>
+          <p:cNvSpPr>
+            <a:spLocks noGrp="1" noRot="1" noChangeAspect="1"/>
+          </p:cNvSpPr>
+          <p:nvPr>
+            <p:ph type="sldImg"/>
+          </p:nvPr>
+        </p:nvSpPr>
+        <p:spPr/>
+      </p:sp>
+      <p:sp>
+        <p:nvSpPr>
+          <p:cNvPr id="3" name="Tijdelijke aanduiding voor notities 2"/>
+          <p:cNvSpPr>
+            <a:spLocks noGrp="1"/>
+          </p:cNvSpPr>
+          <p:nvPr>
+            <p:ph type="body" idx="1"/>
+          </p:nvPr>
+        </p:nvSpPr>
+        <p:spPr/>
+        <p:txBody>
+          <a:bodyPr/>
+          <a:lstStyle/>
+          <a:p>
             <a:pPr algn="l"/>
             <a:r>
               <a:rPr lang="en-US" b="0" i="0" dirty="0" err="1">
@@ -1232,7 +1566,7 @@
 </p:notes>
 </file>
 
-<file path=ppt/notesSlides/notesSlide6.xml><?xml version="1.0" encoding="utf-8"?>
+<file path=ppt/notesSlides/notesSlide8.xml><?xml version="1.0" encoding="utf-8"?>
 <p:notes xmlns:a="http://schemas.openxmlformats.org/drawingml/2006/main" xmlns:r="http://schemas.openxmlformats.org/officeDocument/2006/relationships" xmlns:p="http://schemas.openxmlformats.org/presentationml/2006/main">
   <p:cSld>
     <p:spTree>
@@ -3293,7 +3627,7 @@
           <a:p>
             <a:fld id="{0CB6FA1B-30C1-4094-B9EC-3530EC7B0A3F}" type="datetimeFigureOut">
               <a:rPr lang="nl-NL" smtClean="0"/>
-              <a:t>15-11-2022</a:t>
+              <a:t>16-11-2022</a:t>
             </a:fld>
             <a:endParaRPr lang="nl-NL"/>
           </a:p>
@@ -3544,7 +3878,7 @@
           <a:p>
             <a:fld id="{0CB6FA1B-30C1-4094-B9EC-3530EC7B0A3F}" type="datetimeFigureOut">
               <a:rPr lang="nl-NL" smtClean="0"/>
-              <a:t>15-11-2022</a:t>
+              <a:t>16-11-2022</a:t>
             </a:fld>
             <a:endParaRPr lang="nl-NL"/>
           </a:p>
@@ -3858,7 +4192,7 @@
           <a:p>
             <a:fld id="{0CB6FA1B-30C1-4094-B9EC-3530EC7B0A3F}" type="datetimeFigureOut">
               <a:rPr lang="nl-NL" smtClean="0"/>
-              <a:t>15-11-2022</a:t>
+              <a:t>16-11-2022</a:t>
             </a:fld>
             <a:endParaRPr lang="nl-NL"/>
           </a:p>
@@ -4199,7 +4533,7 @@
           <a:p>
             <a:fld id="{0CB6FA1B-30C1-4094-B9EC-3530EC7B0A3F}" type="datetimeFigureOut">
               <a:rPr lang="nl-NL" smtClean="0"/>
-              <a:t>15-11-2022</a:t>
+              <a:t>16-11-2022</a:t>
             </a:fld>
             <a:endParaRPr lang="nl-NL"/>
           </a:p>
@@ -4513,7 +4847,7 @@
           <a:p>
             <a:fld id="{0CB6FA1B-30C1-4094-B9EC-3530EC7B0A3F}" type="datetimeFigureOut">
               <a:rPr lang="nl-NL" smtClean="0"/>
-              <a:t>15-11-2022</a:t>
+              <a:t>16-11-2022</a:t>
             </a:fld>
             <a:endParaRPr lang="nl-NL"/>
           </a:p>
@@ -4906,7 +5240,7 @@
           <a:p>
             <a:fld id="{0CB6FA1B-30C1-4094-B9EC-3530EC7B0A3F}" type="datetimeFigureOut">
               <a:rPr lang="nl-NL" smtClean="0"/>
-              <a:t>15-11-2022</a:t>
+              <a:t>16-11-2022</a:t>
             </a:fld>
             <a:endParaRPr lang="nl-NL"/>
           </a:p>
@@ -5076,7 +5410,7 @@
           <a:p>
             <a:fld id="{0CB6FA1B-30C1-4094-B9EC-3530EC7B0A3F}" type="datetimeFigureOut">
               <a:rPr lang="nl-NL" smtClean="0"/>
-              <a:t>15-11-2022</a:t>
+              <a:t>16-11-2022</a:t>
             </a:fld>
             <a:endParaRPr lang="nl-NL"/>
           </a:p>
@@ -5256,7 +5590,7 @@
           <a:p>
             <a:fld id="{0CB6FA1B-30C1-4094-B9EC-3530EC7B0A3F}" type="datetimeFigureOut">
               <a:rPr lang="nl-NL" smtClean="0"/>
-              <a:t>15-11-2022</a:t>
+              <a:t>16-11-2022</a:t>
             </a:fld>
             <a:endParaRPr lang="nl-NL"/>
           </a:p>
@@ -5432,7 +5766,7 @@
           <a:p>
             <a:fld id="{0CB6FA1B-30C1-4094-B9EC-3530EC7B0A3F}" type="datetimeFigureOut">
               <a:rPr lang="nl-NL" smtClean="0"/>
-              <a:t>15-11-2022</a:t>
+              <a:t>16-11-2022</a:t>
             </a:fld>
             <a:endParaRPr lang="nl-NL"/>
           </a:p>
@@ -5679,7 +6013,7 @@
           <a:p>
             <a:fld id="{0CB6FA1B-30C1-4094-B9EC-3530EC7B0A3F}" type="datetimeFigureOut">
               <a:rPr lang="nl-NL" smtClean="0"/>
-              <a:t>15-11-2022</a:t>
+              <a:t>16-11-2022</a:t>
             </a:fld>
             <a:endParaRPr lang="nl-NL"/>
           </a:p>
@@ -5911,7 +6245,7 @@
           <a:p>
             <a:fld id="{0CB6FA1B-30C1-4094-B9EC-3530EC7B0A3F}" type="datetimeFigureOut">
               <a:rPr lang="nl-NL" smtClean="0"/>
-              <a:t>15-11-2022</a:t>
+              <a:t>16-11-2022</a:t>
             </a:fld>
             <a:endParaRPr lang="nl-NL"/>
           </a:p>
@@ -6285,7 +6619,7 @@
           <a:p>
             <a:fld id="{0CB6FA1B-30C1-4094-B9EC-3530EC7B0A3F}" type="datetimeFigureOut">
               <a:rPr lang="nl-NL" smtClean="0"/>
-              <a:t>15-11-2022</a:t>
+              <a:t>16-11-2022</a:t>
             </a:fld>
             <a:endParaRPr lang="nl-NL"/>
           </a:p>
@@ -6408,7 +6742,7 @@
           <a:p>
             <a:fld id="{0CB6FA1B-30C1-4094-B9EC-3530EC7B0A3F}" type="datetimeFigureOut">
               <a:rPr lang="nl-NL" smtClean="0"/>
-              <a:t>15-11-2022</a:t>
+              <a:t>16-11-2022</a:t>
             </a:fld>
             <a:endParaRPr lang="nl-NL"/>
           </a:p>
@@ -6503,7 +6837,7 @@
           <a:p>
             <a:fld id="{0CB6FA1B-30C1-4094-B9EC-3530EC7B0A3F}" type="datetimeFigureOut">
               <a:rPr lang="nl-NL" smtClean="0"/>
-              <a:t>15-11-2022</a:t>
+              <a:t>16-11-2022</a:t>
             </a:fld>
             <a:endParaRPr lang="nl-NL"/>
           </a:p>
@@ -6758,7 +7092,7 @@
           <a:p>
             <a:fld id="{0CB6FA1B-30C1-4094-B9EC-3530EC7B0A3F}" type="datetimeFigureOut">
               <a:rPr lang="nl-NL" smtClean="0"/>
-              <a:t>15-11-2022</a:t>
+              <a:t>16-11-2022</a:t>
             </a:fld>
             <a:endParaRPr lang="nl-NL"/>
           </a:p>
@@ -7021,7 +7355,7 @@
           <a:p>
             <a:fld id="{0CB6FA1B-30C1-4094-B9EC-3530EC7B0A3F}" type="datetimeFigureOut">
               <a:rPr lang="nl-NL" smtClean="0"/>
-              <a:t>15-11-2022</a:t>
+              <a:t>16-11-2022</a:t>
             </a:fld>
             <a:endParaRPr lang="nl-NL"/>
           </a:p>
@@ -7764,7 +8098,7 @@
           <a:p>
             <a:fld id="{0CB6FA1B-30C1-4094-B9EC-3530EC7B0A3F}" type="datetimeFigureOut">
               <a:rPr lang="nl-NL" smtClean="0"/>
-              <a:t>15-11-2022</a:t>
+              <a:t>16-11-2022</a:t>
             </a:fld>
             <a:endParaRPr lang="nl-NL"/>
           </a:p>
@@ -9897,6 +10231,14 @@
 <file path=ppt/slides/slide4.xml><?xml version="1.0" encoding="utf-8"?>
 <p:sld xmlns:a="http://schemas.openxmlformats.org/drawingml/2006/main" xmlns:r="http://schemas.openxmlformats.org/officeDocument/2006/relationships" xmlns:p="http://schemas.openxmlformats.org/presentationml/2006/main">
   <p:cSld>
+    <p:bg>
+      <p:bgPr>
+        <a:solidFill>
+          <a:schemeClr val="bg1"/>
+        </a:solidFill>
+        <a:effectLst/>
+      </p:bgPr>
+    </p:bg>
     <p:spTree>
       <p:nvGrpSpPr>
         <p:cNvPr id="1" name=""/>
@@ -9927,9 +10269,16 @@
             <p:ph type="title"/>
           </p:nvPr>
         </p:nvSpPr>
-        <p:spPr/>
-        <p:txBody>
-          <a:bodyPr/>
+        <p:spPr>
+          <a:xfrm>
+            <a:off x="676746" y="609600"/>
+            <a:ext cx="3729076" cy="1320800"/>
+          </a:xfrm>
+        </p:spPr>
+        <p:txBody>
+          <a:bodyPr anchor="ctr">
+            <a:normAutofit/>
+          </a:bodyPr>
           <a:lstStyle/>
           <a:p>
             <a:r>
@@ -9956,9 +10305,16 @@
             <p:ph idx="1"/>
           </p:nvPr>
         </p:nvSpPr>
-        <p:spPr/>
-        <p:txBody>
-          <a:bodyPr/>
+        <p:spPr>
+          <a:xfrm>
+            <a:off x="685167" y="2160589"/>
+            <a:ext cx="3720916" cy="3560733"/>
+          </a:xfrm>
+        </p:spPr>
+        <p:txBody>
+          <a:bodyPr>
+            <a:normAutofit/>
+          </a:bodyPr>
           <a:lstStyle/>
           <a:p>
             <a:r>
@@ -9978,6 +10334,52 @@
           </a:p>
         </p:txBody>
       </p:sp>
+      <p:pic>
+        <p:nvPicPr>
+          <p:cNvPr id="2050" name="Picture 2" descr="National Security Agency - Wikipedia">
+            <a:extLst>
+              <a:ext uri="{FF2B5EF4-FFF2-40B4-BE49-F238E27FC236}">
+                <a16:creationId xmlns:a16="http://schemas.microsoft.com/office/drawing/2014/main" id="{06B25A03-2EC7-51CA-987E-9DDF13249FA7}"/>
+              </a:ext>
+            </a:extLst>
+          </p:cNvPr>
+          <p:cNvPicPr>
+            <a:picLocks noChangeAspect="1" noChangeArrowheads="1"/>
+          </p:cNvPicPr>
+          <p:nvPr/>
+        </p:nvPicPr>
+        <p:blipFill>
+          <a:blip r:embed="rId3">
+            <a:extLst>
+              <a:ext uri="{28A0092B-C50C-407E-A947-70E740481C1C}">
+                <a14:useLocalDpi xmlns:a14="http://schemas.microsoft.com/office/drawing/2010/main" val="0"/>
+              </a:ext>
+            </a:extLst>
+          </a:blip>
+          <a:stretch>
+            <a:fillRect/>
+          </a:stretch>
+        </p:blipFill>
+        <p:spPr bwMode="auto">
+          <a:xfrm>
+            <a:off x="4654035" y="875360"/>
+            <a:ext cx="4602747" cy="4602747"/>
+          </a:xfrm>
+          <a:prstGeom prst="rect">
+            <a:avLst/>
+          </a:prstGeom>
+          <a:noFill/>
+          <a:extLst>
+            <a:ext uri="{909E8E84-426E-40DD-AFC4-6F175D3DCCD1}">
+              <a14:hiddenFill xmlns:a14="http://schemas.microsoft.com/office/drawing/2010/main">
+                <a:solidFill>
+                  <a:srgbClr val="FFFFFF"/>
+                </a:solidFill>
+              </a14:hiddenFill>
+            </a:ext>
+          </a:extLst>
+        </p:spPr>
+      </p:pic>
     </p:spTree>
     <p:extLst>
       <p:ext uri="{BB962C8B-B14F-4D97-AF65-F5344CB8AC3E}">
@@ -10102,6 +10504,14 @@
 <file path=ppt/slides/slide6.xml><?xml version="1.0" encoding="utf-8"?>
 <p:sld xmlns:a="http://schemas.openxmlformats.org/drawingml/2006/main" xmlns:r="http://schemas.openxmlformats.org/officeDocument/2006/relationships" xmlns:p="http://schemas.openxmlformats.org/presentationml/2006/main">
   <p:cSld>
+    <p:bg>
+      <p:bgPr>
+        <a:solidFill>
+          <a:schemeClr val="bg1"/>
+        </a:solidFill>
+        <a:effectLst/>
+      </p:bgPr>
+    </p:bg>
     <p:spTree>
       <p:nvGrpSpPr>
         <p:cNvPr id="1" name=""/>
@@ -10132,67 +10542,171 @@
             <p:ph type="title"/>
           </p:nvPr>
         </p:nvSpPr>
-        <p:spPr/>
-        <p:txBody>
-          <a:bodyPr/>
+        <p:spPr>
+          <a:xfrm>
+            <a:off x="6343484" y="609600"/>
+            <a:ext cx="2930518" cy="1320800"/>
+          </a:xfrm>
+        </p:spPr>
+        <p:txBody>
+          <a:bodyPr anchor="ctr">
+            <a:normAutofit/>
+          </a:bodyPr>
           <a:lstStyle/>
           <a:p>
-            <a:r>
-              <a:rPr lang="nl-NL" dirty="0" err="1"/>
+            <a:pPr>
+              <a:lnSpc>
+                <a:spcPct val="90000"/>
+              </a:lnSpc>
+            </a:pPr>
+            <a:r>
+              <a:rPr lang="nl-NL" sz="2800" err="1"/>
               <a:t>What</a:t>
             </a:r>
             <a:r>
-              <a:rPr lang="nl-NL" dirty="0"/>
+              <a:rPr lang="nl-NL" sz="2800"/>
               <a:t> </a:t>
             </a:r>
             <a:r>
-              <a:rPr lang="en-GB" dirty="0"/>
+              <a:rPr lang="en-GB" sz="2800"/>
               <a:t>can</a:t>
             </a:r>
             <a:r>
-              <a:rPr lang="nl-NL" dirty="0"/>
+              <a:rPr lang="nl-NL" sz="2800"/>
               <a:t> </a:t>
             </a:r>
             <a:r>
-              <a:rPr lang="nl-NL" dirty="0" err="1"/>
+              <a:rPr lang="nl-NL" sz="2800" err="1"/>
               <a:t>you</a:t>
             </a:r>
             <a:r>
-              <a:rPr lang="nl-NL" dirty="0"/>
+              <a:rPr lang="nl-NL" sz="2800"/>
               <a:t> do </a:t>
             </a:r>
             <a:r>
-              <a:rPr lang="nl-NL" dirty="0" err="1"/>
+              <a:rPr lang="nl-NL" sz="2800" err="1"/>
               <a:t>with</a:t>
             </a:r>
             <a:r>
-              <a:rPr lang="nl-NL" dirty="0"/>
+              <a:rPr lang="nl-NL" sz="2800"/>
               <a:t> </a:t>
             </a:r>
             <a:r>
-              <a:rPr lang="nl-NL" dirty="0" err="1"/>
+              <a:rPr lang="nl-NL" sz="2800" err="1"/>
               <a:t>Ghidra</a:t>
             </a:r>
             <a:r>
-              <a:rPr lang="nl-NL" dirty="0"/>
+              <a:rPr lang="nl-NL" sz="2800"/>
               <a:t>?</a:t>
             </a:r>
             <a:br>
-              <a:rPr lang="nl-NL" dirty="0"/>
+              <a:rPr lang="nl-NL" sz="2800"/>
             </a:br>
-            <a:endParaRPr lang="nl-NL" dirty="0"/>
-          </a:p>
-        </p:txBody>
-      </p:sp>
-      <p:sp>
-        <p:nvSpPr>
-          <p:cNvPr id="3" name="Content Placeholder 2">
+            <a:endParaRPr lang="nl-NL" sz="2800"/>
+          </a:p>
+        </p:txBody>
+      </p:sp>
+      <p:pic>
+        <p:nvPicPr>
+          <p:cNvPr id="1028" name="Picture 4">
             <a:extLst>
               <a:ext uri="{FF2B5EF4-FFF2-40B4-BE49-F238E27FC236}">
-                <a16:creationId xmlns:a16="http://schemas.microsoft.com/office/drawing/2014/main" id="{CA662496-416F-F383-A39D-7FFDD2870796}"/>
+                <a16:creationId xmlns:a16="http://schemas.microsoft.com/office/drawing/2014/main" id="{0AD0FFF8-AAD1-F4DE-4EA8-4FB0BC86FC39}"/>
               </a:ext>
             </a:extLst>
           </p:cNvPr>
+          <p:cNvPicPr>
+            <a:picLocks noChangeAspect="1" noChangeArrowheads="1"/>
+          </p:cNvPicPr>
+          <p:nvPr/>
+        </p:nvPicPr>
+        <p:blipFill>
+          <a:blip r:embed="rId3">
+            <a:extLst>
+              <a:ext uri="{28A0092B-C50C-407E-A947-70E740481C1C}">
+                <a14:useLocalDpi xmlns:a14="http://schemas.microsoft.com/office/drawing/2010/main" val="0"/>
+              </a:ext>
+            </a:extLst>
+          </a:blip>
+          <a:stretch>
+            <a:fillRect/>
+          </a:stretch>
+        </p:blipFill>
+        <p:spPr bwMode="auto">
+          <a:xfrm>
+            <a:off x="677333" y="916896"/>
+            <a:ext cx="2596281" cy="1460407"/>
+          </a:xfrm>
+          <a:prstGeom prst="rect">
+            <a:avLst/>
+          </a:prstGeom>
+          <a:noFill/>
+          <a:extLst>
+            <a:ext uri="{909E8E84-426E-40DD-AFC4-6F175D3DCCD1}">
+              <a14:hiddenFill xmlns:a14="http://schemas.microsoft.com/office/drawing/2010/main">
+                <a:solidFill>
+                  <a:srgbClr val="FFFFFF"/>
+                </a:solidFill>
+              </a14:hiddenFill>
+            </a:ext>
+          </a:extLst>
+        </p:spPr>
+      </p:pic>
+      <p:pic>
+        <p:nvPicPr>
+          <p:cNvPr id="1026" name="Picture 2">
+            <a:extLst>
+              <a:ext uri="{FF2B5EF4-FFF2-40B4-BE49-F238E27FC236}">
+                <a16:creationId xmlns:a16="http://schemas.microsoft.com/office/drawing/2014/main" id="{C325456E-81AB-D332-2875-2EF0A1958C48}"/>
+              </a:ext>
+            </a:extLst>
+          </p:cNvPr>
+          <p:cNvPicPr>
+            <a:picLocks noChangeAspect="1" noChangeArrowheads="1"/>
+          </p:cNvPicPr>
+          <p:nvPr/>
+        </p:nvPicPr>
+        <p:blipFill>
+          <a:blip r:embed="rId4">
+            <a:extLst>
+              <a:ext uri="{28A0092B-C50C-407E-A947-70E740481C1C}">
+                <a14:useLocalDpi xmlns:a14="http://schemas.microsoft.com/office/drawing/2010/main" val="0"/>
+              </a:ext>
+            </a:extLst>
+          </a:blip>
+          <a:stretch>
+            <a:fillRect/>
+          </a:stretch>
+        </p:blipFill>
+        <p:spPr bwMode="auto">
+          <a:xfrm>
+            <a:off x="3502213" y="916896"/>
+            <a:ext cx="2596281" cy="1460407"/>
+          </a:xfrm>
+          <a:prstGeom prst="rect">
+            <a:avLst/>
+          </a:prstGeom>
+          <a:noFill/>
+          <a:extLst>
+            <a:ext uri="{909E8E84-426E-40DD-AFC4-6F175D3DCCD1}">
+              <a14:hiddenFill xmlns:a14="http://schemas.microsoft.com/office/drawing/2010/main">
+                <a:solidFill>
+                  <a:srgbClr val="FFFFFF"/>
+                </a:solidFill>
+              </a14:hiddenFill>
+            </a:ext>
+          </a:extLst>
+        </p:spPr>
+      </p:pic>
+      <p:sp>
+        <p:nvSpPr>
+          <p:cNvPr id="1034" name="Content Placeholder 1033">
+            <a:extLst>
+              <a:ext uri="{FF2B5EF4-FFF2-40B4-BE49-F238E27FC236}">
+                <a16:creationId xmlns:a16="http://schemas.microsoft.com/office/drawing/2014/main" id="{DBE5DD36-4CC8-8C6D-DE20-92B8D7FE063E}"/>
+              </a:ext>
+            </a:extLst>
+          </p:cNvPr>
           <p:cNvSpPr>
             <a:spLocks noGrp="1"/>
           </p:cNvSpPr>
@@ -10200,15 +10714,68 @@
             <p:ph idx="1"/>
           </p:nvPr>
         </p:nvSpPr>
-        <p:spPr/>
-        <p:txBody>
-          <a:bodyPr/>
+        <p:spPr>
+          <a:xfrm>
+            <a:off x="6343484" y="2160589"/>
+            <a:ext cx="2930517" cy="3880773"/>
+          </a:xfrm>
+        </p:spPr>
+        <p:txBody>
+          <a:bodyPr>
+            <a:normAutofit/>
+          </a:bodyPr>
           <a:lstStyle/>
           <a:p>
-            <a:endParaRPr lang="nl-NL"/>
-          </a:p>
-        </p:txBody>
-      </p:sp>
+            <a:endParaRPr lang="en-US"/>
+          </a:p>
+        </p:txBody>
+      </p:sp>
+      <p:pic>
+        <p:nvPicPr>
+          <p:cNvPr id="1030" name="Picture 6">
+            <a:extLst>
+              <a:ext uri="{FF2B5EF4-FFF2-40B4-BE49-F238E27FC236}">
+                <a16:creationId xmlns:a16="http://schemas.microsoft.com/office/drawing/2014/main" id="{075B40C2-1B69-5F37-6D4C-76E55B4306C8}"/>
+              </a:ext>
+            </a:extLst>
+          </p:cNvPr>
+          <p:cNvPicPr>
+            <a:picLocks noChangeAspect="1" noChangeArrowheads="1"/>
+          </p:cNvPicPr>
+          <p:nvPr/>
+        </p:nvPicPr>
+        <p:blipFill>
+          <a:blip r:embed="rId5">
+            <a:extLst>
+              <a:ext uri="{28A0092B-C50C-407E-A947-70E740481C1C}">
+                <a14:useLocalDpi xmlns:a14="http://schemas.microsoft.com/office/drawing/2010/main" val="0"/>
+              </a:ext>
+            </a:extLst>
+          </a:blip>
+          <a:stretch>
+            <a:fillRect/>
+          </a:stretch>
+        </p:blipFill>
+        <p:spPr bwMode="auto">
+          <a:xfrm>
+            <a:off x="677334" y="2951258"/>
+            <a:ext cx="5421162" cy="3049403"/>
+          </a:xfrm>
+          <a:prstGeom prst="rect">
+            <a:avLst/>
+          </a:prstGeom>
+          <a:noFill/>
+          <a:extLst>
+            <a:ext uri="{909E8E84-426E-40DD-AFC4-6F175D3DCCD1}">
+              <a14:hiddenFill xmlns:a14="http://schemas.microsoft.com/office/drawing/2010/main">
+                <a:solidFill>
+                  <a:srgbClr val="FFFFFF"/>
+                </a:solidFill>
+              </a14:hiddenFill>
+            </a:ext>
+          </a:extLst>
+        </p:spPr>
+      </p:pic>
     </p:spTree>
     <p:extLst>
       <p:ext uri="{BB962C8B-B14F-4D97-AF65-F5344CB8AC3E}">

--- a/Ghidra_Prep.pptx
+++ b/Ghidra_Prep.pptx
@@ -5,7 +5,7 @@
     <p:sldMasterId id="2147483728" r:id="rId1"/>
   </p:sldMasterIdLst>
   <p:notesMasterIdLst>
-    <p:notesMasterId r:id="rId13"/>
+    <p:notesMasterId r:id="rId12"/>
   </p:notesMasterIdLst>
   <p:sldIdLst>
     <p:sldId id="256" r:id="rId2"/>
@@ -15,10 +15,9 @@
     <p:sldId id="266" r:id="rId6"/>
     <p:sldId id="265" r:id="rId7"/>
     <p:sldId id="260" r:id="rId8"/>
-    <p:sldId id="264" r:id="rId9"/>
-    <p:sldId id="261" r:id="rId10"/>
-    <p:sldId id="263" r:id="rId11"/>
-    <p:sldId id="262" r:id="rId12"/>
+    <p:sldId id="261" r:id="rId9"/>
+    <p:sldId id="263" r:id="rId10"/>
+    <p:sldId id="262" r:id="rId11"/>
   </p:sldIdLst>
   <p:sldSz cx="12192000" cy="6858000"/>
   <p:notesSz cx="6858000" cy="9144000"/>
@@ -207,7 +206,7 @@
           <a:p>
             <a:fld id="{D4C4ECA8-48BD-4E2F-8546-CB4B5B44CE9A}" type="datetimeFigureOut">
               <a:rPr lang="nl-NL" smtClean="0"/>
-              <a:t>16-11-2022</a:t>
+              <a:t>23-11-2022</a:t>
             </a:fld>
             <a:endParaRPr lang="nl-NL"/>
           </a:p>
@@ -365,7 +364,7 @@
           <a:p>
             <a:fld id="{589FD4FC-3991-428A-BACE-69EE09E264E0}" type="slidenum">
               <a:rPr lang="nl-NL" smtClean="0"/>
-              <a:t>‹nr.›</a:t>
+              <a:t>‹#›</a:t>
             </a:fld>
             <a:endParaRPr lang="nl-NL"/>
           </a:p>
@@ -2886,7 +2885,7 @@
           <a:p>
             <a:fld id="{589FD4FC-3991-428A-BACE-69EE09E264E0}" type="slidenum">
               <a:rPr lang="nl-NL" smtClean="0"/>
-              <a:t>9</a:t>
+              <a:t>8</a:t>
             </a:fld>
             <a:endParaRPr lang="nl-NL"/>
           </a:p>
@@ -3627,7 +3626,7 @@
           <a:p>
             <a:fld id="{0CB6FA1B-30C1-4094-B9EC-3530EC7B0A3F}" type="datetimeFigureOut">
               <a:rPr lang="nl-NL" smtClean="0"/>
-              <a:t>16-11-2022</a:t>
+              <a:t>23-11-2022</a:t>
             </a:fld>
             <a:endParaRPr lang="nl-NL"/>
           </a:p>
@@ -3669,7 +3668,7 @@
           <a:p>
             <a:fld id="{EFCC533D-C390-42EA-8670-D1918F3E5268}" type="slidenum">
               <a:rPr lang="nl-NL" smtClean="0"/>
-              <a:t>‹nr.›</a:t>
+              <a:t>‹#›</a:t>
             </a:fld>
             <a:endParaRPr lang="nl-NL"/>
           </a:p>
@@ -3878,7 +3877,7 @@
           <a:p>
             <a:fld id="{0CB6FA1B-30C1-4094-B9EC-3530EC7B0A3F}" type="datetimeFigureOut">
               <a:rPr lang="nl-NL" smtClean="0"/>
-              <a:t>16-11-2022</a:t>
+              <a:t>23-11-2022</a:t>
             </a:fld>
             <a:endParaRPr lang="nl-NL"/>
           </a:p>
@@ -3920,7 +3919,7 @@
           <a:p>
             <a:fld id="{EFCC533D-C390-42EA-8670-D1918F3E5268}" type="slidenum">
               <a:rPr lang="nl-NL" smtClean="0"/>
-              <a:t>‹nr.›</a:t>
+              <a:t>‹#›</a:t>
             </a:fld>
             <a:endParaRPr lang="nl-NL"/>
           </a:p>
@@ -4192,7 +4191,7 @@
           <a:p>
             <a:fld id="{0CB6FA1B-30C1-4094-B9EC-3530EC7B0A3F}" type="datetimeFigureOut">
               <a:rPr lang="nl-NL" smtClean="0"/>
-              <a:t>16-11-2022</a:t>
+              <a:t>23-11-2022</a:t>
             </a:fld>
             <a:endParaRPr lang="nl-NL"/>
           </a:p>
@@ -4234,7 +4233,7 @@
           <a:p>
             <a:fld id="{EFCC533D-C390-42EA-8670-D1918F3E5268}" type="slidenum">
               <a:rPr lang="nl-NL" smtClean="0"/>
-              <a:t>‹nr.›</a:t>
+              <a:t>‹#›</a:t>
             </a:fld>
             <a:endParaRPr lang="nl-NL"/>
           </a:p>
@@ -4533,7 +4532,7 @@
           <a:p>
             <a:fld id="{0CB6FA1B-30C1-4094-B9EC-3530EC7B0A3F}" type="datetimeFigureOut">
               <a:rPr lang="nl-NL" smtClean="0"/>
-              <a:t>16-11-2022</a:t>
+              <a:t>23-11-2022</a:t>
             </a:fld>
             <a:endParaRPr lang="nl-NL"/>
           </a:p>
@@ -4575,7 +4574,7 @@
           <a:p>
             <a:fld id="{EFCC533D-C390-42EA-8670-D1918F3E5268}" type="slidenum">
               <a:rPr lang="nl-NL" smtClean="0"/>
-              <a:t>‹nr.›</a:t>
+              <a:t>‹#›</a:t>
             </a:fld>
             <a:endParaRPr lang="nl-NL"/>
           </a:p>
@@ -4847,7 +4846,7 @@
           <a:p>
             <a:fld id="{0CB6FA1B-30C1-4094-B9EC-3530EC7B0A3F}" type="datetimeFigureOut">
               <a:rPr lang="nl-NL" smtClean="0"/>
-              <a:t>16-11-2022</a:t>
+              <a:t>23-11-2022</a:t>
             </a:fld>
             <a:endParaRPr lang="nl-NL"/>
           </a:p>
@@ -4889,7 +4888,7 @@
           <a:p>
             <a:fld id="{EFCC533D-C390-42EA-8670-D1918F3E5268}" type="slidenum">
               <a:rPr lang="nl-NL" smtClean="0"/>
-              <a:t>‹nr.›</a:t>
+              <a:t>‹#›</a:t>
             </a:fld>
             <a:endParaRPr lang="nl-NL"/>
           </a:p>
@@ -5240,7 +5239,7 @@
           <a:p>
             <a:fld id="{0CB6FA1B-30C1-4094-B9EC-3530EC7B0A3F}" type="datetimeFigureOut">
               <a:rPr lang="nl-NL" smtClean="0"/>
-              <a:t>16-11-2022</a:t>
+              <a:t>23-11-2022</a:t>
             </a:fld>
             <a:endParaRPr lang="nl-NL"/>
           </a:p>
@@ -5282,7 +5281,7 @@
           <a:p>
             <a:fld id="{EFCC533D-C390-42EA-8670-D1918F3E5268}" type="slidenum">
               <a:rPr lang="nl-NL" smtClean="0"/>
-              <a:t>‹nr.›</a:t>
+              <a:t>‹#›</a:t>
             </a:fld>
             <a:endParaRPr lang="nl-NL"/>
           </a:p>
@@ -5410,7 +5409,7 @@
           <a:p>
             <a:fld id="{0CB6FA1B-30C1-4094-B9EC-3530EC7B0A3F}" type="datetimeFigureOut">
               <a:rPr lang="nl-NL" smtClean="0"/>
-              <a:t>16-11-2022</a:t>
+              <a:t>23-11-2022</a:t>
             </a:fld>
             <a:endParaRPr lang="nl-NL"/>
           </a:p>
@@ -5452,7 +5451,7 @@
           <a:p>
             <a:fld id="{EFCC533D-C390-42EA-8670-D1918F3E5268}" type="slidenum">
               <a:rPr lang="nl-NL" smtClean="0"/>
-              <a:t>‹nr.›</a:t>
+              <a:t>‹#›</a:t>
             </a:fld>
             <a:endParaRPr lang="nl-NL"/>
           </a:p>
@@ -5590,7 +5589,7 @@
           <a:p>
             <a:fld id="{0CB6FA1B-30C1-4094-B9EC-3530EC7B0A3F}" type="datetimeFigureOut">
               <a:rPr lang="nl-NL" smtClean="0"/>
-              <a:t>16-11-2022</a:t>
+              <a:t>23-11-2022</a:t>
             </a:fld>
             <a:endParaRPr lang="nl-NL"/>
           </a:p>
@@ -5632,7 +5631,7 @@
           <a:p>
             <a:fld id="{EFCC533D-C390-42EA-8670-D1918F3E5268}" type="slidenum">
               <a:rPr lang="nl-NL" smtClean="0"/>
-              <a:t>‹nr.›</a:t>
+              <a:t>‹#›</a:t>
             </a:fld>
             <a:endParaRPr lang="nl-NL"/>
           </a:p>
@@ -5766,7 +5765,7 @@
           <a:p>
             <a:fld id="{0CB6FA1B-30C1-4094-B9EC-3530EC7B0A3F}" type="datetimeFigureOut">
               <a:rPr lang="nl-NL" smtClean="0"/>
-              <a:t>16-11-2022</a:t>
+              <a:t>23-11-2022</a:t>
             </a:fld>
             <a:endParaRPr lang="nl-NL"/>
           </a:p>
@@ -5808,7 +5807,7 @@
           <a:p>
             <a:fld id="{EFCC533D-C390-42EA-8670-D1918F3E5268}" type="slidenum">
               <a:rPr lang="nl-NL" smtClean="0"/>
-              <a:t>‹nr.›</a:t>
+              <a:t>‹#›</a:t>
             </a:fld>
             <a:endParaRPr lang="nl-NL"/>
           </a:p>
@@ -6013,7 +6012,7 @@
           <a:p>
             <a:fld id="{0CB6FA1B-30C1-4094-B9EC-3530EC7B0A3F}" type="datetimeFigureOut">
               <a:rPr lang="nl-NL" smtClean="0"/>
-              <a:t>16-11-2022</a:t>
+              <a:t>23-11-2022</a:t>
             </a:fld>
             <a:endParaRPr lang="nl-NL"/>
           </a:p>
@@ -6055,7 +6054,7 @@
           <a:p>
             <a:fld id="{EFCC533D-C390-42EA-8670-D1918F3E5268}" type="slidenum">
               <a:rPr lang="nl-NL" smtClean="0"/>
-              <a:t>‹nr.›</a:t>
+              <a:t>‹#›</a:t>
             </a:fld>
             <a:endParaRPr lang="nl-NL"/>
           </a:p>
@@ -6245,7 +6244,7 @@
           <a:p>
             <a:fld id="{0CB6FA1B-30C1-4094-B9EC-3530EC7B0A3F}" type="datetimeFigureOut">
               <a:rPr lang="nl-NL" smtClean="0"/>
-              <a:t>16-11-2022</a:t>
+              <a:t>23-11-2022</a:t>
             </a:fld>
             <a:endParaRPr lang="nl-NL"/>
           </a:p>
@@ -6287,7 +6286,7 @@
           <a:p>
             <a:fld id="{EFCC533D-C390-42EA-8670-D1918F3E5268}" type="slidenum">
               <a:rPr lang="nl-NL" smtClean="0"/>
-              <a:t>‹nr.›</a:t>
+              <a:t>‹#›</a:t>
             </a:fld>
             <a:endParaRPr lang="nl-NL"/>
           </a:p>
@@ -6619,7 +6618,7 @@
           <a:p>
             <a:fld id="{0CB6FA1B-30C1-4094-B9EC-3530EC7B0A3F}" type="datetimeFigureOut">
               <a:rPr lang="nl-NL" smtClean="0"/>
-              <a:t>16-11-2022</a:t>
+              <a:t>23-11-2022</a:t>
             </a:fld>
             <a:endParaRPr lang="nl-NL"/>
           </a:p>
@@ -6661,7 +6660,7 @@
           <a:p>
             <a:fld id="{EFCC533D-C390-42EA-8670-D1918F3E5268}" type="slidenum">
               <a:rPr lang="nl-NL" smtClean="0"/>
-              <a:t>‹nr.›</a:t>
+              <a:t>‹#›</a:t>
             </a:fld>
             <a:endParaRPr lang="nl-NL"/>
           </a:p>
@@ -6742,7 +6741,7 @@
           <a:p>
             <a:fld id="{0CB6FA1B-30C1-4094-B9EC-3530EC7B0A3F}" type="datetimeFigureOut">
               <a:rPr lang="nl-NL" smtClean="0"/>
-              <a:t>16-11-2022</a:t>
+              <a:t>23-11-2022</a:t>
             </a:fld>
             <a:endParaRPr lang="nl-NL"/>
           </a:p>
@@ -6784,7 +6783,7 @@
           <a:p>
             <a:fld id="{EFCC533D-C390-42EA-8670-D1918F3E5268}" type="slidenum">
               <a:rPr lang="nl-NL" smtClean="0"/>
-              <a:t>‹nr.›</a:t>
+              <a:t>‹#›</a:t>
             </a:fld>
             <a:endParaRPr lang="nl-NL"/>
           </a:p>
@@ -6837,7 +6836,7 @@
           <a:p>
             <a:fld id="{0CB6FA1B-30C1-4094-B9EC-3530EC7B0A3F}" type="datetimeFigureOut">
               <a:rPr lang="nl-NL" smtClean="0"/>
-              <a:t>16-11-2022</a:t>
+              <a:t>23-11-2022</a:t>
             </a:fld>
             <a:endParaRPr lang="nl-NL"/>
           </a:p>
@@ -6879,7 +6878,7 @@
           <a:p>
             <a:fld id="{EFCC533D-C390-42EA-8670-D1918F3E5268}" type="slidenum">
               <a:rPr lang="nl-NL" smtClean="0"/>
-              <a:t>‹nr.›</a:t>
+              <a:t>‹#›</a:t>
             </a:fld>
             <a:endParaRPr lang="nl-NL"/>
           </a:p>
@@ -7092,7 +7091,7 @@
           <a:p>
             <a:fld id="{0CB6FA1B-30C1-4094-B9EC-3530EC7B0A3F}" type="datetimeFigureOut">
               <a:rPr lang="nl-NL" smtClean="0"/>
-              <a:t>16-11-2022</a:t>
+              <a:t>23-11-2022</a:t>
             </a:fld>
             <a:endParaRPr lang="nl-NL"/>
           </a:p>
@@ -7134,7 +7133,7 @@
           <a:p>
             <a:fld id="{EFCC533D-C390-42EA-8670-D1918F3E5268}" type="slidenum">
               <a:rPr lang="nl-NL" smtClean="0"/>
-              <a:t>‹nr.›</a:t>
+              <a:t>‹#›</a:t>
             </a:fld>
             <a:endParaRPr lang="nl-NL"/>
           </a:p>
@@ -7355,7 +7354,7 @@
           <a:p>
             <a:fld id="{0CB6FA1B-30C1-4094-B9EC-3530EC7B0A3F}" type="datetimeFigureOut">
               <a:rPr lang="nl-NL" smtClean="0"/>
-              <a:t>16-11-2022</a:t>
+              <a:t>23-11-2022</a:t>
             </a:fld>
             <a:endParaRPr lang="nl-NL"/>
           </a:p>
@@ -7397,7 +7396,7 @@
           <a:p>
             <a:fld id="{EFCC533D-C390-42EA-8670-D1918F3E5268}" type="slidenum">
               <a:rPr lang="nl-NL" smtClean="0"/>
-              <a:t>‹nr.›</a:t>
+              <a:t>‹#›</a:t>
             </a:fld>
             <a:endParaRPr lang="nl-NL"/>
           </a:p>
@@ -8098,7 +8097,7 @@
           <a:p>
             <a:fld id="{0CB6FA1B-30C1-4094-B9EC-3530EC7B0A3F}" type="datetimeFigureOut">
               <a:rPr lang="nl-NL" smtClean="0"/>
-              <a:t>16-11-2022</a:t>
+              <a:t>23-11-2022</a:t>
             </a:fld>
             <a:endParaRPr lang="nl-NL"/>
           </a:p>
@@ -8174,7 +8173,7 @@
           <a:p>
             <a:fld id="{EFCC533D-C390-42EA-8670-D1918F3E5268}" type="slidenum">
               <a:rPr lang="nl-NL" smtClean="0"/>
-              <a:t>‹nr.›</a:t>
+              <a:t>‹#›</a:t>
             </a:fld>
             <a:endParaRPr lang="nl-NL"/>
           </a:p>
@@ -8756,125 +8755,6 @@
 </file>
 
 <file path=ppt/slides/slide10.xml><?xml version="1.0" encoding="utf-8"?>
-<p:sld xmlns:a="http://schemas.openxmlformats.org/drawingml/2006/main" xmlns:r="http://schemas.openxmlformats.org/officeDocument/2006/relationships" xmlns:p="http://schemas.openxmlformats.org/presentationml/2006/main">
-  <p:cSld>
-    <p:spTree>
-      <p:nvGrpSpPr>
-        <p:cNvPr id="1" name=""/>
-        <p:cNvGrpSpPr/>
-        <p:nvPr/>
-      </p:nvGrpSpPr>
-      <p:grpSpPr>
-        <a:xfrm>
-          <a:off x="0" y="0"/>
-          <a:ext cx="0" cy="0"/>
-          <a:chOff x="0" y="0"/>
-          <a:chExt cx="0" cy="0"/>
-        </a:xfrm>
-      </p:grpSpPr>
-      <p:sp>
-        <p:nvSpPr>
-          <p:cNvPr id="2" name="Title 1">
-            <a:extLst>
-              <a:ext uri="{FF2B5EF4-FFF2-40B4-BE49-F238E27FC236}">
-                <a16:creationId xmlns:a16="http://schemas.microsoft.com/office/drawing/2014/main" id="{578A9C2D-09C6-E734-EEA8-3158759A302E}"/>
-              </a:ext>
-            </a:extLst>
-          </p:cNvPr>
-          <p:cNvSpPr>
-            <a:spLocks noGrp="1"/>
-          </p:cNvSpPr>
-          <p:nvPr>
-            <p:ph type="title"/>
-          </p:nvPr>
-        </p:nvSpPr>
-        <p:spPr/>
-        <p:txBody>
-          <a:bodyPr/>
-          <a:lstStyle/>
-          <a:p>
-            <a:r>
-              <a:rPr lang="en-GB" dirty="0"/>
-              <a:t>Workshop</a:t>
-            </a:r>
-            <a:endParaRPr lang="nl-NL" dirty="0"/>
-          </a:p>
-        </p:txBody>
-      </p:sp>
-      <p:sp>
-        <p:nvSpPr>
-          <p:cNvPr id="3" name="Content Placeholder 2">
-            <a:extLst>
-              <a:ext uri="{FF2B5EF4-FFF2-40B4-BE49-F238E27FC236}">
-                <a16:creationId xmlns:a16="http://schemas.microsoft.com/office/drawing/2014/main" id="{4AD5C7CF-B614-D5DF-CEE9-A7B1513B6770}"/>
-              </a:ext>
-            </a:extLst>
-          </p:cNvPr>
-          <p:cNvSpPr>
-            <a:spLocks noGrp="1"/>
-          </p:cNvSpPr>
-          <p:nvPr>
-            <p:ph idx="1"/>
-          </p:nvPr>
-        </p:nvSpPr>
-        <p:spPr/>
-        <p:txBody>
-          <a:bodyPr/>
-          <a:lstStyle/>
-          <a:p>
-            <a:r>
-              <a:rPr lang="en-GB" dirty="0"/>
-              <a:t>Importing Files</a:t>
-            </a:r>
-          </a:p>
-          <a:p>
-            <a:r>
-              <a:rPr lang="en-GB" dirty="0"/>
-              <a:t>Starting with </a:t>
-            </a:r>
-            <a:r>
-              <a:rPr lang="en-GB" dirty="0" err="1"/>
-              <a:t>decompiler</a:t>
-            </a:r>
-            <a:r>
-              <a:rPr lang="en-GB" dirty="0"/>
-              <a:t>.</a:t>
-            </a:r>
-          </a:p>
-          <a:p>
-            <a:endParaRPr lang="en-GB" dirty="0"/>
-          </a:p>
-          <a:p>
-            <a:endParaRPr lang="nl-NL" dirty="0"/>
-          </a:p>
-        </p:txBody>
-      </p:sp>
-    </p:spTree>
-    <p:extLst>
-      <p:ext uri="{BB962C8B-B14F-4D97-AF65-F5344CB8AC3E}">
-        <p14:creationId xmlns:p14="http://schemas.microsoft.com/office/powerpoint/2010/main" val="1933050749"/>
-      </p:ext>
-    </p:extLst>
-  </p:cSld>
-  <p:clrMapOvr>
-    <a:masterClrMapping/>
-  </p:clrMapOvr>
-  <mc:AlternateContent xmlns:mc="http://schemas.openxmlformats.org/markup-compatibility/2006" xmlns:p14="http://schemas.microsoft.com/office/powerpoint/2010/main">
-    <mc:Choice Requires="p14">
-      <p:transition spd="med" p14:dur="700">
-        <p:fade/>
-      </p:transition>
-    </mc:Choice>
-    <mc:Fallback xmlns="">
-      <p:transition spd="med">
-        <p:fade/>
-      </p:transition>
-    </mc:Fallback>
-  </mc:AlternateContent>
-</p:sld>
-</file>
-
-<file path=ppt/slides/slide11.xml><?xml version="1.0" encoding="utf-8"?>
 <p:sld xmlns:a="http://schemas.openxmlformats.org/drawingml/2006/main" xmlns:r="http://schemas.openxmlformats.org/officeDocument/2006/relationships" xmlns:p="http://schemas.openxmlformats.org/presentationml/2006/main">
   <p:cSld>
     <p:bg>
@@ -9894,12 +9774,9 @@
             <a:endParaRPr lang="nl-NL" dirty="0"/>
           </a:p>
           <a:p>
-            <a:r>
-              <a:rPr lang="nl-NL" dirty="0"/>
-              <a:t>Demo</a:t>
-            </a:r>
-          </a:p>
-          <a:p>
+            <a:pPr marL="0" indent="0">
+              <a:buNone/>
+            </a:pPr>
             <a:endParaRPr lang="nl-NL" dirty="0"/>
           </a:p>
           <a:p>
@@ -9920,6 +9797,12 @@
               <a:t>install</a:t>
             </a:r>
             <a:endParaRPr lang="nl-NL" dirty="0"/>
+          </a:p>
+          <a:p>
+            <a:r>
+              <a:rPr lang="nl-NL" dirty="0"/>
+              <a:t>Workshop</a:t>
+            </a:r>
           </a:p>
           <a:p>
             <a:endParaRPr lang="nl-NL" dirty="0"/>
@@ -10158,6 +10041,12 @@
               <a:t>Decompiler</a:t>
             </a:r>
             <a:endParaRPr lang="nl-NL" dirty="0"/>
+          </a:p>
+          <a:p>
+            <a:r>
+              <a:rPr lang="nl-NL" dirty="0"/>
+              <a:t>IDE</a:t>
+            </a:r>
           </a:p>
           <a:p>
             <a:pPr marL="0" indent="0">
@@ -10903,14 +10792,6 @@
 <file path=ppt/slides/slide8.xml><?xml version="1.0" encoding="utf-8"?>
 <p:sld xmlns:a="http://schemas.openxmlformats.org/drawingml/2006/main" xmlns:r="http://schemas.openxmlformats.org/officeDocument/2006/relationships" xmlns:p="http://schemas.openxmlformats.org/presentationml/2006/main">
   <p:cSld>
-    <p:bg>
-      <p:bgPr>
-        <a:solidFill>
-          <a:schemeClr val="bg1"/>
-        </a:solidFill>
-        <a:effectLst/>
-      </p:bgPr>
-    </p:bg>
     <p:spTree>
       <p:nvGrpSpPr>
         <p:cNvPr id="1" name=""/>
@@ -10925,857 +10806,84 @@
           <a:chExt cx="0" cy="0"/>
         </a:xfrm>
       </p:grpSpPr>
-      <p:sp useBgFill="1">
-        <p:nvSpPr>
-          <p:cNvPr id="12" name="Rectangle 11">
+      <p:sp>
+        <p:nvSpPr>
+          <p:cNvPr id="2" name="Titel 1">
             <a:extLst>
               <a:ext uri="{FF2B5EF4-FFF2-40B4-BE49-F238E27FC236}">
-                <a16:creationId xmlns:a16="http://schemas.microsoft.com/office/drawing/2014/main" id="{A65AC7D1-EAA9-48F5-B509-60A7F50BF703}"/>
-              </a:ext>
-              <a:ext uri="{C183D7F6-B498-43B3-948B-1728B52AA6E4}">
-                <adec:decorative xmlns:adec="http://schemas.microsoft.com/office/drawing/2017/decorative" val="1"/>
+                <a16:creationId xmlns:a16="http://schemas.microsoft.com/office/drawing/2014/main" id="{B6BEA475-90E9-9D67-FA61-337172C7917D}"/>
               </a:ext>
             </a:extLst>
           </p:cNvPr>
           <p:cNvSpPr>
-            <a:spLocks noGrp="1" noRot="1" noChangeAspect="1" noMove="1" noResize="1" noEditPoints="1" noAdjustHandles="1" noChangeArrowheads="1" noChangeShapeType="1" noTextEdit="1"/>
-          </p:cNvSpPr>
-          <p:nvPr>
-            <p:extLst>
-              <p:ext uri="{386F3935-93C4-4BCD-93E2-E3B085C9AB24}">
-                <p16:designElem xmlns:p16="http://schemas.microsoft.com/office/powerpoint/2015/main" val="1"/>
-              </p:ext>
-            </p:extLst>
-          </p:nvPr>
-        </p:nvSpPr>
-        <p:spPr>
-          <a:xfrm>
-            <a:off x="0" y="0"/>
-            <a:ext cx="12192000" cy="6858000"/>
-          </a:xfrm>
-          <a:prstGeom prst="rect">
-            <a:avLst/>
-          </a:prstGeom>
-          <a:ln>
-            <a:noFill/>
-          </a:ln>
-        </p:spPr>
-        <p:style>
-          <a:lnRef idx="2">
-            <a:schemeClr val="accent1">
-              <a:shade val="50000"/>
-            </a:schemeClr>
-          </a:lnRef>
-          <a:fillRef idx="1">
-            <a:schemeClr val="accent1"/>
-          </a:fillRef>
-          <a:effectRef idx="0">
-            <a:schemeClr val="accent1"/>
-          </a:effectRef>
-          <a:fontRef idx="minor">
-            <a:schemeClr val="lt1"/>
-          </a:fontRef>
-        </p:style>
-        <p:txBody>
-          <a:bodyPr rtlCol="0" anchor="ctr"/>
+            <a:spLocks noGrp="1"/>
+          </p:cNvSpPr>
+          <p:nvPr>
+            <p:ph type="title"/>
+          </p:nvPr>
+        </p:nvSpPr>
+        <p:spPr/>
+        <p:txBody>
+          <a:bodyPr/>
           <a:lstStyle/>
           <a:p>
-            <a:pPr algn="ctr"/>
-            <a:endParaRPr lang="en-US" dirty="0"/>
-          </a:p>
-        </p:txBody>
-      </p:sp>
-      <p:sp useBgFill="1">
-        <p:nvSpPr>
-          <p:cNvPr id="14" name="Rectangle 13">
+            <a:r>
+              <a:rPr lang="nl-NL" dirty="0"/>
+              <a:t>How </a:t>
+            </a:r>
+            <a:r>
+              <a:rPr lang="nl-NL" dirty="0" err="1"/>
+              <a:t>to</a:t>
+            </a:r>
+            <a:r>
+              <a:rPr lang="nl-NL" dirty="0"/>
+              <a:t> </a:t>
+            </a:r>
+            <a:r>
+              <a:rPr lang="nl-NL" dirty="0" err="1"/>
+              <a:t>install</a:t>
+            </a:r>
+            <a:r>
+              <a:rPr lang="nl-NL" dirty="0"/>
+              <a:t> </a:t>
+            </a:r>
+            <a:r>
+              <a:rPr lang="nl-NL" dirty="0" err="1"/>
+              <a:t>Ghidra</a:t>
+            </a:r>
+            <a:endParaRPr lang="nl-NL" dirty="0"/>
+          </a:p>
+        </p:txBody>
+      </p:sp>
+      <p:sp>
+        <p:nvSpPr>
+          <p:cNvPr id="3" name="Tijdelijke aanduiding voor inhoud 2">
             <a:extLst>
               <a:ext uri="{FF2B5EF4-FFF2-40B4-BE49-F238E27FC236}">
-                <a16:creationId xmlns:a16="http://schemas.microsoft.com/office/drawing/2014/main" id="{D6320AF9-619A-4175-865B-5663E1AEF4C5}"/>
-              </a:ext>
-              <a:ext uri="{C183D7F6-B498-43B3-948B-1728B52AA6E4}">
-                <adec:decorative xmlns:adec="http://schemas.microsoft.com/office/drawing/2017/decorative" val="1"/>
+                <a16:creationId xmlns:a16="http://schemas.microsoft.com/office/drawing/2014/main" id="{987BD546-D257-7DAB-425C-A569AA570049}"/>
               </a:ext>
             </a:extLst>
           </p:cNvPr>
           <p:cNvSpPr>
-            <a:spLocks noGrp="1" noRot="1" noChangeAspect="1" noMove="1" noResize="1" noEditPoints="1" noAdjustHandles="1" noChangeArrowheads="1" noChangeShapeType="1" noTextEdit="1"/>
-          </p:cNvSpPr>
-          <p:nvPr>
-            <p:extLst>
-              <p:ext uri="{386F3935-93C4-4BCD-93E2-E3B085C9AB24}">
-                <p16:designElem xmlns:p16="http://schemas.microsoft.com/office/powerpoint/2015/main" val="1"/>
-              </p:ext>
-            </p:extLst>
-          </p:nvPr>
-        </p:nvSpPr>
-        <p:spPr>
-          <a:xfrm>
-            <a:off x="0" y="0"/>
-            <a:ext cx="12192000" cy="6858000"/>
-          </a:xfrm>
-          <a:prstGeom prst="rect">
-            <a:avLst/>
-          </a:prstGeom>
-          <a:ln>
-            <a:noFill/>
-          </a:ln>
-        </p:spPr>
-        <p:style>
-          <a:lnRef idx="2">
-            <a:schemeClr val="accent1">
-              <a:shade val="50000"/>
-            </a:schemeClr>
-          </a:lnRef>
-          <a:fillRef idx="1">
-            <a:schemeClr val="accent1"/>
-          </a:fillRef>
-          <a:effectRef idx="0">
-            <a:schemeClr val="accent1"/>
-          </a:effectRef>
-          <a:fontRef idx="minor">
-            <a:schemeClr val="lt1"/>
-          </a:fontRef>
-        </p:style>
-        <p:txBody>
-          <a:bodyPr rtlCol="0" anchor="ctr"/>
+            <a:spLocks noGrp="1"/>
+          </p:cNvSpPr>
+          <p:nvPr>
+            <p:ph idx="1"/>
+          </p:nvPr>
+        </p:nvSpPr>
+        <p:spPr/>
+        <p:txBody>
+          <a:bodyPr/>
           <a:lstStyle/>
           <a:p>
-            <a:pPr algn="ctr"/>
-            <a:endParaRPr lang="en-US"/>
-          </a:p>
-        </p:txBody>
-      </p:sp>
-      <p:cxnSp>
-        <p:nvCxnSpPr>
-          <p:cNvPr id="16" name="Straight Connector 15">
-            <a:extLst>
-              <a:ext uri="{FF2B5EF4-FFF2-40B4-BE49-F238E27FC236}">
-                <a16:creationId xmlns:a16="http://schemas.microsoft.com/office/drawing/2014/main" id="{063B6EC6-D752-4EE7-908B-F8F19E8C7FEA}"/>
-              </a:ext>
-              <a:ext uri="{C183D7F6-B498-43B3-948B-1728B52AA6E4}">
-                <adec:decorative xmlns:adec="http://schemas.microsoft.com/office/drawing/2017/decorative" val="1"/>
-              </a:ext>
-            </a:extLst>
-          </p:cNvPr>
-          <p:cNvCxnSpPr>
-            <a:cxnSpLocks noGrp="1" noRot="1" noChangeAspect="1" noMove="1" noResize="1" noEditPoints="1" noAdjustHandles="1" noChangeArrowheads="1" noChangeShapeType="1"/>
-          </p:cNvCxnSpPr>
-          <p:nvPr>
-            <p:extLst>
-              <p:ext uri="{386F3935-93C4-4BCD-93E2-E3B085C9AB24}">
-                <p16:designElem xmlns:p16="http://schemas.microsoft.com/office/powerpoint/2015/main" val="1"/>
-              </p:ext>
-            </p:extLst>
-          </p:nvPr>
-        </p:nvCxnSpPr>
-        <p:spPr>
-          <a:xfrm>
-            <a:off x="5111313" y="0"/>
-            <a:ext cx="1219200" cy="6858000"/>
-          </a:xfrm>
-          <a:prstGeom prst="line">
-            <a:avLst/>
-          </a:prstGeom>
-          <a:ln w="9525">
-            <a:solidFill>
-              <a:schemeClr val="accent1">
-                <a:lumMod val="75000"/>
-              </a:schemeClr>
-            </a:solidFill>
-          </a:ln>
-        </p:spPr>
-        <p:style>
-          <a:lnRef idx="2">
-            <a:schemeClr val="accent1"/>
-          </a:lnRef>
-          <a:fillRef idx="0">
-            <a:schemeClr val="accent1"/>
-          </a:fillRef>
-          <a:effectRef idx="1">
-            <a:schemeClr val="accent1"/>
-          </a:effectRef>
-          <a:fontRef idx="minor">
-            <a:schemeClr val="tx1"/>
-          </a:fontRef>
-        </p:style>
-      </p:cxnSp>
-      <p:cxnSp>
-        <p:nvCxnSpPr>
-          <p:cNvPr id="18" name="Straight Connector 17">
-            <a:extLst>
-              <a:ext uri="{FF2B5EF4-FFF2-40B4-BE49-F238E27FC236}">
-                <a16:creationId xmlns:a16="http://schemas.microsoft.com/office/drawing/2014/main" id="{EFECD4E8-AD3E-4228-82A2-9461958EA94D}"/>
-              </a:ext>
-              <a:ext uri="{C183D7F6-B498-43B3-948B-1728B52AA6E4}">
-                <adec:decorative xmlns:adec="http://schemas.microsoft.com/office/drawing/2017/decorative" val="1"/>
-              </a:ext>
-            </a:extLst>
-          </p:cNvPr>
-          <p:cNvCxnSpPr>
-            <a:cxnSpLocks noGrp="1" noRot="1" noChangeAspect="1" noMove="1" noResize="1" noEditPoints="1" noAdjustHandles="1" noChangeArrowheads="1" noChangeShapeType="1"/>
-          </p:cNvCxnSpPr>
-          <p:nvPr>
-            <p:extLst>
-              <p:ext uri="{386F3935-93C4-4BCD-93E2-E3B085C9AB24}">
-                <p16:designElem xmlns:p16="http://schemas.microsoft.com/office/powerpoint/2015/main" val="1"/>
-              </p:ext>
-            </p:extLst>
-          </p:nvPr>
-        </p:nvCxnSpPr>
-        <p:spPr>
-          <a:xfrm flipH="1">
-            <a:off x="3290979" y="3681413"/>
-            <a:ext cx="4763558" cy="3176587"/>
-          </a:xfrm>
-          <a:prstGeom prst="line">
-            <a:avLst/>
-          </a:prstGeom>
-          <a:ln w="9525">
-            <a:solidFill>
-              <a:schemeClr val="tx1">
-                <a:lumMod val="50000"/>
-                <a:lumOff val="50000"/>
-                <a:alpha val="80000"/>
-              </a:schemeClr>
-            </a:solidFill>
-          </a:ln>
-        </p:spPr>
-        <p:style>
-          <a:lnRef idx="2">
-            <a:schemeClr val="accent1"/>
-          </a:lnRef>
-          <a:fillRef idx="0">
-            <a:schemeClr val="accent1"/>
-          </a:fillRef>
-          <a:effectRef idx="1">
-            <a:schemeClr val="accent1"/>
-          </a:effectRef>
-          <a:fontRef idx="minor">
-            <a:schemeClr val="tx1"/>
-          </a:fontRef>
-        </p:style>
-      </p:cxnSp>
-      <p:sp>
-        <p:nvSpPr>
-          <p:cNvPr id="20" name="Rectangle 23">
-            <a:extLst>
-              <a:ext uri="{FF2B5EF4-FFF2-40B4-BE49-F238E27FC236}">
-                <a16:creationId xmlns:a16="http://schemas.microsoft.com/office/drawing/2014/main" id="{7E018740-5C2B-4A41-AC1A-7E68D1EC1954}"/>
-              </a:ext>
-              <a:ext uri="{C183D7F6-B498-43B3-948B-1728B52AA6E4}">
-                <adec:decorative xmlns:adec="http://schemas.microsoft.com/office/drawing/2017/decorative" val="1"/>
-              </a:ext>
-            </a:extLst>
-          </p:cNvPr>
-          <p:cNvSpPr>
-            <a:spLocks noGrp="1" noRot="1" noChangeAspect="1" noMove="1" noResize="1" noEditPoints="1" noAdjustHandles="1" noChangeArrowheads="1" noChangeShapeType="1" noTextEdit="1"/>
-          </p:cNvSpPr>
-          <p:nvPr>
-            <p:extLst>
-              <p:ext uri="{386F3935-93C4-4BCD-93E2-E3B085C9AB24}">
-                <p16:designElem xmlns:p16="http://schemas.microsoft.com/office/powerpoint/2015/main" val="1"/>
-              </p:ext>
-            </p:extLst>
-          </p:nvPr>
-        </p:nvSpPr>
-        <p:spPr>
-          <a:xfrm>
-            <a:off x="4482568" y="-8467"/>
-            <a:ext cx="3007349" cy="6866467"/>
-          </a:xfrm>
-          <a:custGeom>
-            <a:avLst/>
-            <a:gdLst/>
-            <a:ahLst/>
-            <a:cxnLst/>
-            <a:rect l="l" t="t" r="r" b="b"/>
-            <a:pathLst>
-              <a:path w="3007349" h="6866467">
-                <a:moveTo>
-                  <a:pt x="2045532" y="0"/>
-                </a:moveTo>
-                <a:lnTo>
-                  <a:pt x="3007349" y="0"/>
-                </a:lnTo>
-                <a:lnTo>
-                  <a:pt x="3007349" y="6866467"/>
-                </a:lnTo>
-                <a:lnTo>
-                  <a:pt x="0" y="6866467"/>
-                </a:lnTo>
-                <a:lnTo>
-                  <a:pt x="2045532" y="0"/>
-                </a:lnTo>
-                <a:close/>
-              </a:path>
-            </a:pathLst>
-          </a:custGeom>
-          <a:solidFill>
-            <a:schemeClr val="accent1">
-              <a:alpha val="30000"/>
-            </a:schemeClr>
-          </a:solidFill>
-          <a:ln>
-            <a:noFill/>
-          </a:ln>
-          <a:effectLst/>
-        </p:spPr>
-        <p:style>
-          <a:lnRef idx="1">
-            <a:schemeClr val="accent1"/>
-          </a:lnRef>
-          <a:fillRef idx="3">
-            <a:schemeClr val="accent1"/>
-          </a:fillRef>
-          <a:effectRef idx="2">
-            <a:schemeClr val="accent1"/>
-          </a:effectRef>
-          <a:fontRef idx="minor">
-            <a:schemeClr val="lt1"/>
-          </a:fontRef>
-        </p:style>
-      </p:sp>
-      <p:sp>
-        <p:nvSpPr>
-          <p:cNvPr id="22" name="Rectangle 25">
-            <a:extLst>
-              <a:ext uri="{FF2B5EF4-FFF2-40B4-BE49-F238E27FC236}">
-                <a16:creationId xmlns:a16="http://schemas.microsoft.com/office/drawing/2014/main" id="{166F75A4-C475-4941-8EE2-B80A06A2C1BB}"/>
-              </a:ext>
-              <a:ext uri="{C183D7F6-B498-43B3-948B-1728B52AA6E4}">
-                <adec:decorative xmlns:adec="http://schemas.microsoft.com/office/drawing/2017/decorative" val="1"/>
-              </a:ext>
-            </a:extLst>
-          </p:cNvPr>
-          <p:cNvSpPr>
-            <a:spLocks noGrp="1" noRot="1" noChangeAspect="1" noMove="1" noResize="1" noEditPoints="1" noAdjustHandles="1" noChangeArrowheads="1" noChangeShapeType="1" noTextEdit="1"/>
-          </p:cNvSpPr>
-          <p:nvPr>
-            <p:extLst>
-              <p:ext uri="{386F3935-93C4-4BCD-93E2-E3B085C9AB24}">
-                <p16:designElem xmlns:p16="http://schemas.microsoft.com/office/powerpoint/2015/main" val="1"/>
-              </p:ext>
-            </p:extLst>
-          </p:nvPr>
-        </p:nvSpPr>
-        <p:spPr>
-          <a:xfrm>
-            <a:off x="4904534" y="-8467"/>
-            <a:ext cx="2588558" cy="6866467"/>
-          </a:xfrm>
-          <a:custGeom>
-            <a:avLst/>
-            <a:gdLst/>
-            <a:ahLst/>
-            <a:cxnLst/>
-            <a:rect l="l" t="t" r="r" b="b"/>
-            <a:pathLst>
-              <a:path w="2573311" h="6866467">
-                <a:moveTo>
-                  <a:pt x="0" y="0"/>
-                </a:moveTo>
-                <a:lnTo>
-                  <a:pt x="2573311" y="0"/>
-                </a:lnTo>
-                <a:lnTo>
-                  <a:pt x="2573311" y="6866467"/>
-                </a:lnTo>
-                <a:lnTo>
-                  <a:pt x="1202336" y="6866467"/>
-                </a:lnTo>
-                <a:lnTo>
-                  <a:pt x="0" y="0"/>
-                </a:lnTo>
-                <a:close/>
-              </a:path>
-            </a:pathLst>
-          </a:custGeom>
-          <a:solidFill>
-            <a:schemeClr val="accent1">
-              <a:alpha val="20000"/>
-            </a:schemeClr>
-          </a:solidFill>
-          <a:ln>
-            <a:noFill/>
-          </a:ln>
-          <a:effectLst/>
-        </p:spPr>
-        <p:style>
-          <a:lnRef idx="1">
-            <a:schemeClr val="accent1"/>
-          </a:lnRef>
-          <a:fillRef idx="3">
-            <a:schemeClr val="accent1"/>
-          </a:fillRef>
-          <a:effectRef idx="2">
-            <a:schemeClr val="accent1"/>
-          </a:effectRef>
-          <a:fontRef idx="minor">
-            <a:schemeClr val="lt1"/>
-          </a:fontRef>
-        </p:style>
-      </p:sp>
-      <p:sp>
-        <p:nvSpPr>
-          <p:cNvPr id="24" name="Isosceles Triangle 23">
-            <a:extLst>
-              <a:ext uri="{FF2B5EF4-FFF2-40B4-BE49-F238E27FC236}">
-                <a16:creationId xmlns:a16="http://schemas.microsoft.com/office/drawing/2014/main" id="{A032553A-72E8-4B0D-8405-FF9771C9AF05}"/>
-              </a:ext>
-              <a:ext uri="{C183D7F6-B498-43B3-948B-1728B52AA6E4}">
-                <adec:decorative xmlns:adec="http://schemas.microsoft.com/office/drawing/2017/decorative" val="1"/>
-              </a:ext>
-            </a:extLst>
-          </p:cNvPr>
-          <p:cNvSpPr>
-            <a:spLocks noGrp="1" noRot="1" noChangeAspect="1" noMove="1" noResize="1" noEditPoints="1" noAdjustHandles="1" noChangeArrowheads="1" noChangeShapeType="1" noTextEdit="1"/>
-          </p:cNvSpPr>
-          <p:nvPr>
-            <p:extLst>
-              <p:ext uri="{386F3935-93C4-4BCD-93E2-E3B085C9AB24}">
-                <p16:designElem xmlns:p16="http://schemas.microsoft.com/office/powerpoint/2015/main" val="1"/>
-              </p:ext>
-            </p:extLst>
-          </p:nvPr>
-        </p:nvSpPr>
-        <p:spPr>
-          <a:xfrm>
-            <a:off x="4233425" y="3048000"/>
-            <a:ext cx="3259667" cy="3810000"/>
-          </a:xfrm>
-          <a:prstGeom prst="triangle">
-            <a:avLst>
-              <a:gd name="adj" fmla="val 100000"/>
-            </a:avLst>
-          </a:prstGeom>
-          <a:solidFill>
-            <a:schemeClr val="accent2">
-              <a:alpha val="72000"/>
-            </a:schemeClr>
-          </a:solidFill>
-          <a:ln>
-            <a:noFill/>
-          </a:ln>
-          <a:effectLst/>
-        </p:spPr>
-        <p:style>
-          <a:lnRef idx="1">
-            <a:schemeClr val="accent1"/>
-          </a:lnRef>
-          <a:fillRef idx="3">
-            <a:schemeClr val="accent1"/>
-          </a:fillRef>
-          <a:effectRef idx="2">
-            <a:schemeClr val="accent1"/>
-          </a:effectRef>
-          <a:fontRef idx="minor">
-            <a:schemeClr val="lt1"/>
-          </a:fontRef>
-        </p:style>
-      </p:sp>
-      <p:sp>
-        <p:nvSpPr>
-          <p:cNvPr id="26" name="Rectangle 27">
-            <a:extLst>
-              <a:ext uri="{FF2B5EF4-FFF2-40B4-BE49-F238E27FC236}">
-                <a16:creationId xmlns:a16="http://schemas.microsoft.com/office/drawing/2014/main" id="{765800AC-C3B9-498E-87BC-29FAE4C76B21}"/>
-              </a:ext>
-              <a:ext uri="{C183D7F6-B498-43B3-948B-1728B52AA6E4}">
-                <adec:decorative xmlns:adec="http://schemas.microsoft.com/office/drawing/2017/decorative" val="1"/>
-              </a:ext>
-            </a:extLst>
-          </p:cNvPr>
-          <p:cNvSpPr>
-            <a:spLocks noGrp="1" noRot="1" noChangeAspect="1" noMove="1" noResize="1" noEditPoints="1" noAdjustHandles="1" noChangeArrowheads="1" noChangeShapeType="1" noTextEdit="1"/>
-          </p:cNvSpPr>
-          <p:nvPr>
-            <p:extLst>
-              <p:ext uri="{386F3935-93C4-4BCD-93E2-E3B085C9AB24}">
-                <p16:designElem xmlns:p16="http://schemas.microsoft.com/office/powerpoint/2015/main" val="1"/>
-              </p:ext>
-            </p:extLst>
-          </p:nvPr>
-        </p:nvSpPr>
-        <p:spPr>
-          <a:xfrm>
-            <a:off x="4635592" y="-8467"/>
-            <a:ext cx="2854326" cy="6866467"/>
-          </a:xfrm>
-          <a:custGeom>
-            <a:avLst/>
-            <a:gdLst/>
-            <a:ahLst/>
-            <a:cxnLst/>
-            <a:rect l="l" t="t" r="r" b="b"/>
-            <a:pathLst>
-              <a:path w="2858013" h="6866467">
-                <a:moveTo>
-                  <a:pt x="0" y="0"/>
-                </a:moveTo>
-                <a:lnTo>
-                  <a:pt x="2858013" y="0"/>
-                </a:lnTo>
-                <a:lnTo>
-                  <a:pt x="2858013" y="6866467"/>
-                </a:lnTo>
-                <a:lnTo>
-                  <a:pt x="2473942" y="6866467"/>
-                </a:lnTo>
-                <a:lnTo>
-                  <a:pt x="0" y="0"/>
-                </a:lnTo>
-                <a:close/>
-              </a:path>
-            </a:pathLst>
-          </a:custGeom>
-          <a:solidFill>
-            <a:schemeClr val="accent2">
-              <a:lumMod val="75000"/>
-              <a:alpha val="70000"/>
-            </a:schemeClr>
-          </a:solidFill>
-          <a:ln>
-            <a:noFill/>
-          </a:ln>
-          <a:effectLst/>
-        </p:spPr>
-        <p:style>
-          <a:lnRef idx="1">
-            <a:schemeClr val="accent1"/>
-          </a:lnRef>
-          <a:fillRef idx="3">
-            <a:schemeClr val="accent1"/>
-          </a:fillRef>
-          <a:effectRef idx="2">
-            <a:schemeClr val="accent1"/>
-          </a:effectRef>
-          <a:fontRef idx="minor">
-            <a:schemeClr val="lt1"/>
-          </a:fontRef>
-        </p:style>
-      </p:sp>
-      <p:sp>
-        <p:nvSpPr>
-          <p:cNvPr id="28" name="Isosceles Triangle 27">
-            <a:extLst>
-              <a:ext uri="{FF2B5EF4-FFF2-40B4-BE49-F238E27FC236}">
-                <a16:creationId xmlns:a16="http://schemas.microsoft.com/office/drawing/2014/main" id="{1F9D6ACB-2FF4-49F9-978A-E0D5327FC635}"/>
-              </a:ext>
-              <a:ext uri="{C183D7F6-B498-43B3-948B-1728B52AA6E4}">
-                <adec:decorative xmlns:adec="http://schemas.microsoft.com/office/drawing/2017/decorative" val="1"/>
-              </a:ext>
-            </a:extLst>
-          </p:cNvPr>
-          <p:cNvSpPr>
-            <a:spLocks noGrp="1" noRot="1" noChangeAspect="1" noMove="1" noResize="1" noEditPoints="1" noAdjustHandles="1" noChangeArrowheads="1" noChangeShapeType="1" noTextEdit="1"/>
-          </p:cNvSpPr>
-          <p:nvPr>
-            <p:extLst>
-              <p:ext uri="{386F3935-93C4-4BCD-93E2-E3B085C9AB24}">
-                <p16:designElem xmlns:p16="http://schemas.microsoft.com/office/powerpoint/2015/main" val="1"/>
-              </p:ext>
-            </p:extLst>
-          </p:nvPr>
-        </p:nvSpPr>
-        <p:spPr>
-          <a:xfrm>
-            <a:off x="5672758" y="3589867"/>
-            <a:ext cx="1817159" cy="3268133"/>
-          </a:xfrm>
-          <a:prstGeom prst="triangle">
-            <a:avLst>
-              <a:gd name="adj" fmla="val 100000"/>
-            </a:avLst>
-          </a:prstGeom>
-          <a:solidFill>
-            <a:schemeClr val="accent1">
-              <a:alpha val="80000"/>
-            </a:schemeClr>
-          </a:solidFill>
-          <a:ln>
-            <a:noFill/>
-          </a:ln>
-          <a:effectLst/>
-        </p:spPr>
-        <p:style>
-          <a:lnRef idx="1">
-            <a:schemeClr val="accent1"/>
-          </a:lnRef>
-          <a:fillRef idx="3">
-            <a:schemeClr val="accent1"/>
-          </a:fillRef>
-          <a:effectRef idx="2">
-            <a:schemeClr val="accent1"/>
-          </a:effectRef>
-          <a:fontRef idx="minor">
-            <a:schemeClr val="lt1"/>
-          </a:fontRef>
-        </p:style>
-      </p:sp>
-      <p:sp>
-        <p:nvSpPr>
-          <p:cNvPr id="30" name="Freeform: Shape 29">
-            <a:extLst>
-              <a:ext uri="{FF2B5EF4-FFF2-40B4-BE49-F238E27FC236}">
-                <a16:creationId xmlns:a16="http://schemas.microsoft.com/office/drawing/2014/main" id="{A5EC319D-0FEA-4B95-A3EA-01E35672C95B}"/>
-              </a:ext>
-              <a:ext uri="{C183D7F6-B498-43B3-948B-1728B52AA6E4}">
-                <adec:decorative xmlns:adec="http://schemas.microsoft.com/office/drawing/2017/decorative" val="1"/>
-              </a:ext>
-            </a:extLst>
-          </p:cNvPr>
-          <p:cNvSpPr>
-            <a:spLocks noGrp="1" noRot="1" noChangeAspect="1" noMove="1" noResize="1" noEditPoints="1" noAdjustHandles="1" noChangeArrowheads="1" noChangeShapeType="1" noTextEdit="1"/>
-          </p:cNvSpPr>
-          <p:nvPr>
-            <p:extLst>
-              <p:ext uri="{386F3935-93C4-4BCD-93E2-E3B085C9AB24}">
-                <p16:designElem xmlns:p16="http://schemas.microsoft.com/office/powerpoint/2015/main" val="1"/>
-              </p:ext>
-            </p:extLst>
-          </p:nvPr>
-        </p:nvSpPr>
-        <p:spPr>
-          <a:xfrm>
-            <a:off x="6197631" y="-8467"/>
-            <a:ext cx="5994369" cy="6866467"/>
-          </a:xfrm>
-          <a:custGeom>
-            <a:avLst/>
-            <a:gdLst>
-              <a:gd name="connsiteX0" fmla="*/ 0 w 5994369"/>
-              <a:gd name="connsiteY0" fmla="*/ 0 h 6866467"/>
-              <a:gd name="connsiteX1" fmla="*/ 1249825 w 5994369"/>
-              <a:gd name="connsiteY1" fmla="*/ 0 h 6866467"/>
-              <a:gd name="connsiteX2" fmla="*/ 1249825 w 5994369"/>
-              <a:gd name="connsiteY2" fmla="*/ 8467 h 6866467"/>
-              <a:gd name="connsiteX3" fmla="*/ 5994369 w 5994369"/>
-              <a:gd name="connsiteY3" fmla="*/ 8467 h 6866467"/>
-              <a:gd name="connsiteX4" fmla="*/ 5994369 w 5994369"/>
-              <a:gd name="connsiteY4" fmla="*/ 6866467 h 6866467"/>
-              <a:gd name="connsiteX5" fmla="*/ 1249825 w 5994369"/>
-              <a:gd name="connsiteY5" fmla="*/ 6866467 h 6866467"/>
-              <a:gd name="connsiteX6" fmla="*/ 1109382 w 5994369"/>
-              <a:gd name="connsiteY6" fmla="*/ 6866467 h 6866467"/>
-            </a:gdLst>
-            <a:ahLst/>
-            <a:cxnLst>
-              <a:cxn ang="0">
-                <a:pos x="connsiteX0" y="connsiteY0"/>
-              </a:cxn>
-              <a:cxn ang="0">
-                <a:pos x="connsiteX1" y="connsiteY1"/>
-              </a:cxn>
-              <a:cxn ang="0">
-                <a:pos x="connsiteX2" y="connsiteY2"/>
-              </a:cxn>
-              <a:cxn ang="0">
-                <a:pos x="connsiteX3" y="connsiteY3"/>
-              </a:cxn>
-              <a:cxn ang="0">
-                <a:pos x="connsiteX4" y="connsiteY4"/>
-              </a:cxn>
-              <a:cxn ang="0">
-                <a:pos x="connsiteX5" y="connsiteY5"/>
-              </a:cxn>
-              <a:cxn ang="0">
-                <a:pos x="connsiteX6" y="connsiteY6"/>
-              </a:cxn>
-            </a:cxnLst>
-            <a:rect l="l" t="t" r="r" b="b"/>
-            <a:pathLst>
-              <a:path w="5994369" h="6866467">
-                <a:moveTo>
-                  <a:pt x="0" y="0"/>
-                </a:moveTo>
-                <a:lnTo>
-                  <a:pt x="1249825" y="0"/>
-                </a:lnTo>
-                <a:lnTo>
-                  <a:pt x="1249825" y="8467"/>
-                </a:lnTo>
-                <a:lnTo>
-                  <a:pt x="5994369" y="8467"/>
-                </a:lnTo>
-                <a:lnTo>
-                  <a:pt x="5994369" y="6866467"/>
-                </a:lnTo>
-                <a:lnTo>
-                  <a:pt x="1249825" y="6866467"/>
-                </a:lnTo>
-                <a:lnTo>
-                  <a:pt x="1109382" y="6866467"/>
-                </a:lnTo>
-                <a:close/>
-              </a:path>
-            </a:pathLst>
-          </a:custGeom>
-          <a:solidFill>
-            <a:schemeClr val="accent2">
-              <a:lumMod val="75000"/>
-            </a:schemeClr>
-          </a:solidFill>
-          <a:ln>
-            <a:noFill/>
-          </a:ln>
-        </p:spPr>
-        <p:style>
-          <a:lnRef idx="2">
-            <a:schemeClr val="accent1">
-              <a:shade val="50000"/>
-            </a:schemeClr>
-          </a:lnRef>
-          <a:fillRef idx="1">
-            <a:schemeClr val="accent1"/>
-          </a:fillRef>
-          <a:effectRef idx="0">
-            <a:schemeClr val="accent1"/>
-          </a:effectRef>
-          <a:fontRef idx="minor">
-            <a:schemeClr val="lt1"/>
-          </a:fontRef>
-        </p:style>
-        <p:txBody>
-          <a:bodyPr wrap="square" rtlCol="0" anchor="ctr">
-            <a:noAutofit/>
-          </a:bodyPr>
-          <a:lstStyle/>
-          <a:p>
-            <a:pPr algn="ctr"/>
-            <a:endParaRPr lang="en-US"/>
-          </a:p>
-        </p:txBody>
-      </p:sp>
-      <p:sp>
-        <p:nvSpPr>
-          <p:cNvPr id="2" name="Title 1">
-            <a:extLst>
-              <a:ext uri="{FF2B5EF4-FFF2-40B4-BE49-F238E27FC236}">
-                <a16:creationId xmlns:a16="http://schemas.microsoft.com/office/drawing/2014/main" id="{4A2F3320-E4D8-236F-6255-1645305288F3}"/>
-              </a:ext>
-            </a:extLst>
-          </p:cNvPr>
-          <p:cNvSpPr>
-            <a:spLocks noGrp="1"/>
-          </p:cNvSpPr>
-          <p:nvPr>
-            <p:ph type="title"/>
-          </p:nvPr>
-        </p:nvSpPr>
-        <p:spPr>
-          <a:xfrm>
-            <a:off x="7181723" y="609600"/>
-            <a:ext cx="4512989" cy="2227730"/>
-          </a:xfrm>
-        </p:spPr>
-        <p:txBody>
-          <a:bodyPr vert="horz" lIns="91440" tIns="45720" rIns="91440" bIns="45720" rtlCol="0" anchor="ctr">
-            <a:normAutofit/>
-          </a:bodyPr>
-          <a:lstStyle/>
-          <a:p>
-            <a:r>
-              <a:rPr lang="en-US">
-                <a:solidFill>
-                  <a:srgbClr val="FFFFFF"/>
-                </a:solidFill>
-              </a:rPr>
-              <a:t>Demo</a:t>
-            </a:r>
-          </a:p>
-        </p:txBody>
-      </p:sp>
-      <p:pic>
-        <p:nvPicPr>
-          <p:cNvPr id="7" name="Content Placeholder 6" descr="A picture containing text, clock, device&#10;&#10;Description automatically generated">
-            <a:extLst>
-              <a:ext uri="{FF2B5EF4-FFF2-40B4-BE49-F238E27FC236}">
-                <a16:creationId xmlns:a16="http://schemas.microsoft.com/office/drawing/2014/main" id="{9022BABF-8E80-6EBB-A8E0-7BC04945AFD2}"/>
-              </a:ext>
-            </a:extLst>
-          </p:cNvPr>
-          <p:cNvPicPr>
-            <a:picLocks noGrp="1" noChangeAspect="1"/>
-          </p:cNvPicPr>
-          <p:nvPr>
-            <p:ph idx="1"/>
-          </p:nvPr>
-        </p:nvPicPr>
-        <p:blipFill>
-          <a:blip r:embed="rId2">
-            <a:extLst>
-              <a:ext uri="{28A0092B-C50C-407E-A947-70E740481C1C}">
-                <a14:useLocalDpi xmlns:a14="http://schemas.microsoft.com/office/drawing/2010/main" val="0"/>
-              </a:ext>
-            </a:extLst>
-          </a:blip>
-          <a:stretch>
-            <a:fillRect/>
-          </a:stretch>
-        </p:blipFill>
-        <p:spPr>
-          <a:xfrm>
-            <a:off x="497288" y="2193446"/>
-            <a:ext cx="7454319" cy="4169254"/>
-          </a:xfrm>
-          <a:prstGeom prst="rect">
-            <a:avLst/>
-          </a:prstGeom>
-        </p:spPr>
-      </p:pic>
-      <p:sp>
-        <p:nvSpPr>
-          <p:cNvPr id="4" name="TextBox 3">
-            <a:extLst>
-              <a:ext uri="{FF2B5EF4-FFF2-40B4-BE49-F238E27FC236}">
-                <a16:creationId xmlns:a16="http://schemas.microsoft.com/office/drawing/2014/main" id="{4FB9D8D5-8916-C42B-183B-6D688EB415E3}"/>
-              </a:ext>
-            </a:extLst>
-          </p:cNvPr>
-          <p:cNvSpPr txBox="1"/>
-          <p:nvPr/>
-        </p:nvSpPr>
-        <p:spPr>
-          <a:xfrm>
-            <a:off x="7679012" y="6248399"/>
-            <a:ext cx="4512988" cy="2878169"/>
-          </a:xfrm>
-          <a:prstGeom prst="rect">
-            <a:avLst/>
-          </a:prstGeom>
-        </p:spPr>
-        <p:txBody>
-          <a:bodyPr vert="horz" lIns="91440" tIns="45720" rIns="91440" bIns="45720" rtlCol="0" anchor="t">
-            <a:normAutofit/>
-          </a:bodyPr>
-          <a:lstStyle/>
-          <a:p>
-            <a:pPr>
-              <a:spcBef>
-                <a:spcPts val="1000"/>
-              </a:spcBef>
-              <a:buClr>
-                <a:schemeClr val="accent1"/>
-              </a:buClr>
-              <a:buSzPct val="80000"/>
-              <a:buFont typeface="Wingdings 3" charset="2"/>
-              <a:buChar char=""/>
-            </a:pPr>
-            <a:r>
-              <a:rPr lang="en-US" sz="1050" dirty="0">
-                <a:solidFill>
-                  <a:srgbClr val="FFFFFF"/>
-                </a:solidFill>
-              </a:rPr>
-              <a:t>https://thumbs.dreamstime.com/b/demo-computer-key-to-download-version-software-trial-64543995.jpg</a:t>
-            </a:r>
+            <a:endParaRPr lang="nl-NL" dirty="0"/>
           </a:p>
         </p:txBody>
       </p:sp>
     </p:spTree>
     <p:extLst>
       <p:ext uri="{BB962C8B-B14F-4D97-AF65-F5344CB8AC3E}">
-        <p14:creationId xmlns:p14="http://schemas.microsoft.com/office/powerpoint/2010/main" val="575980237"/>
+        <p14:creationId xmlns:p14="http://schemas.microsoft.com/office/powerpoint/2010/main" val="3774793001"/>
       </p:ext>
     </p:extLst>
   </p:cSld>
@@ -11816,10 +10924,10 @@
       </p:grpSpPr>
       <p:sp>
         <p:nvSpPr>
-          <p:cNvPr id="2" name="Titel 1">
+          <p:cNvPr id="2" name="Title 1">
             <a:extLst>
               <a:ext uri="{FF2B5EF4-FFF2-40B4-BE49-F238E27FC236}">
-                <a16:creationId xmlns:a16="http://schemas.microsoft.com/office/drawing/2014/main" id="{B6BEA475-90E9-9D67-FA61-337172C7917D}"/>
+                <a16:creationId xmlns:a16="http://schemas.microsoft.com/office/drawing/2014/main" id="{578A9C2D-09C6-E734-EEA8-3158759A302E}"/>
               </a:ext>
             </a:extLst>
           </p:cNvPr>
@@ -11836,28 +10944,8 @@
           <a:lstStyle/>
           <a:p>
             <a:r>
-              <a:rPr lang="nl-NL" dirty="0"/>
-              <a:t>How </a:t>
-            </a:r>
-            <a:r>
-              <a:rPr lang="nl-NL" dirty="0" err="1"/>
-              <a:t>to</a:t>
-            </a:r>
-            <a:r>
-              <a:rPr lang="nl-NL" dirty="0"/>
-              <a:t> </a:t>
-            </a:r>
-            <a:r>
-              <a:rPr lang="nl-NL" dirty="0" err="1"/>
-              <a:t>install</a:t>
-            </a:r>
-            <a:r>
-              <a:rPr lang="nl-NL" dirty="0"/>
-              <a:t> </a:t>
-            </a:r>
-            <a:r>
-              <a:rPr lang="nl-NL" dirty="0" err="1"/>
-              <a:t>Ghidra</a:t>
+              <a:rPr lang="en-GB" dirty="0"/>
+              <a:t>Workshop</a:t>
             </a:r>
             <a:endParaRPr lang="nl-NL" dirty="0"/>
           </a:p>
@@ -11865,10 +10953,10 @@
       </p:sp>
       <p:sp>
         <p:nvSpPr>
-          <p:cNvPr id="3" name="Tijdelijke aanduiding voor inhoud 2">
+          <p:cNvPr id="3" name="Content Placeholder 2">
             <a:extLst>
               <a:ext uri="{FF2B5EF4-FFF2-40B4-BE49-F238E27FC236}">
-                <a16:creationId xmlns:a16="http://schemas.microsoft.com/office/drawing/2014/main" id="{987BD546-D257-7DAB-425C-A569AA570049}"/>
+                <a16:creationId xmlns:a16="http://schemas.microsoft.com/office/drawing/2014/main" id="{4AD5C7CF-B614-D5DF-CEE9-A7B1513B6770}"/>
               </a:ext>
             </a:extLst>
           </p:cNvPr>
@@ -11884,6 +10972,29 @@
           <a:bodyPr/>
           <a:lstStyle/>
           <a:p>
+            <a:r>
+              <a:rPr lang="en-GB" dirty="0"/>
+              <a:t>Importing Files</a:t>
+            </a:r>
+          </a:p>
+          <a:p>
+            <a:r>
+              <a:rPr lang="en-GB" dirty="0"/>
+              <a:t>Starting with </a:t>
+            </a:r>
+            <a:r>
+              <a:rPr lang="en-GB" dirty="0" err="1"/>
+              <a:t>decompiler</a:t>
+            </a:r>
+            <a:r>
+              <a:rPr lang="en-GB" dirty="0"/>
+              <a:t>.</a:t>
+            </a:r>
+          </a:p>
+          <a:p>
+            <a:endParaRPr lang="en-GB" dirty="0"/>
+          </a:p>
+          <a:p>
             <a:endParaRPr lang="nl-NL" dirty="0"/>
           </a:p>
         </p:txBody>
@@ -11891,7 +11002,7 @@
     </p:spTree>
     <p:extLst>
       <p:ext uri="{BB962C8B-B14F-4D97-AF65-F5344CB8AC3E}">
-        <p14:creationId xmlns:p14="http://schemas.microsoft.com/office/powerpoint/2010/main" val="3774793001"/>
+        <p14:creationId xmlns:p14="http://schemas.microsoft.com/office/powerpoint/2010/main" val="1933050749"/>
       </p:ext>
     </p:extLst>
   </p:cSld>

--- a/Ghidra_Prep.pptx
+++ b/Ghidra_Prep.pptx
@@ -5,19 +5,24 @@
     <p:sldMasterId id="2147483728" r:id="rId1"/>
   </p:sldMasterIdLst>
   <p:notesMasterIdLst>
-    <p:notesMasterId r:id="rId12"/>
+    <p:notesMasterId r:id="rId17"/>
   </p:notesMasterIdLst>
   <p:sldIdLst>
     <p:sldId id="256" r:id="rId2"/>
     <p:sldId id="257" r:id="rId3"/>
     <p:sldId id="259" r:id="rId4"/>
-    <p:sldId id="267" r:id="rId5"/>
-    <p:sldId id="266" r:id="rId6"/>
-    <p:sldId id="265" r:id="rId7"/>
-    <p:sldId id="260" r:id="rId8"/>
-    <p:sldId id="261" r:id="rId9"/>
-    <p:sldId id="263" r:id="rId10"/>
-    <p:sldId id="262" r:id="rId11"/>
+    <p:sldId id="271" r:id="rId5"/>
+    <p:sldId id="268" r:id="rId6"/>
+    <p:sldId id="266" r:id="rId7"/>
+    <p:sldId id="270" r:id="rId8"/>
+    <p:sldId id="267" r:id="rId9"/>
+    <p:sldId id="269" r:id="rId10"/>
+    <p:sldId id="265" r:id="rId11"/>
+    <p:sldId id="272" r:id="rId12"/>
+    <p:sldId id="261" r:id="rId13"/>
+    <p:sldId id="263" r:id="rId14"/>
+    <p:sldId id="273" r:id="rId15"/>
+    <p:sldId id="262" r:id="rId16"/>
   </p:sldIdLst>
   <p:sldSz cx="12192000" cy="6858000"/>
   <p:notesSz cx="6858000" cy="9144000"/>
@@ -517,6 +522,10 @@
           <a:bodyPr/>
           <a:lstStyle/>
           <a:p>
+            <a:r>
+              <a:rPr lang="en-US" dirty="0" err="1"/>
+              <a:t>Sjong</a:t>
+            </a:r>
             <a:endParaRPr lang="en-US" dirty="0"/>
           </a:p>
         </p:txBody>
@@ -548,6 +557,2807 @@
     <p:extLst>
       <p:ext uri="{BB962C8B-B14F-4D97-AF65-F5344CB8AC3E}">
         <p14:creationId xmlns:p14="http://schemas.microsoft.com/office/powerpoint/2010/main" val="3297163977"/>
+      </p:ext>
+    </p:extLst>
+  </p:cSld>
+  <p:clrMapOvr>
+    <a:masterClrMapping/>
+  </p:clrMapOvr>
+</p:notes>
+</file>
+
+<file path=ppt/notesSlides/notesSlide10.xml><?xml version="1.0" encoding="utf-8"?>
+<p:notes xmlns:a="http://schemas.openxmlformats.org/drawingml/2006/main" xmlns:r="http://schemas.openxmlformats.org/officeDocument/2006/relationships" xmlns:p="http://schemas.openxmlformats.org/presentationml/2006/main">
+  <p:cSld>
+    <p:spTree>
+      <p:nvGrpSpPr>
+        <p:cNvPr id="1" name=""/>
+        <p:cNvGrpSpPr/>
+        <p:nvPr/>
+      </p:nvGrpSpPr>
+      <p:grpSpPr>
+        <a:xfrm>
+          <a:off x="0" y="0"/>
+          <a:ext cx="0" cy="0"/>
+          <a:chOff x="0" y="0"/>
+          <a:chExt cx="0" cy="0"/>
+        </a:xfrm>
+      </p:grpSpPr>
+      <p:sp>
+        <p:nvSpPr>
+          <p:cNvPr id="2" name="Tijdelijke aanduiding voor dia-afbeelding 1"/>
+          <p:cNvSpPr>
+            <a:spLocks noGrp="1" noRot="1" noChangeAspect="1"/>
+          </p:cNvSpPr>
+          <p:nvPr>
+            <p:ph type="sldImg"/>
+          </p:nvPr>
+        </p:nvSpPr>
+        <p:spPr/>
+      </p:sp>
+      <p:sp>
+        <p:nvSpPr>
+          <p:cNvPr id="3" name="Tijdelijke aanduiding voor notities 2"/>
+          <p:cNvSpPr>
+            <a:spLocks noGrp="1"/>
+          </p:cNvSpPr>
+          <p:nvPr>
+            <p:ph type="body" idx="1"/>
+          </p:nvPr>
+        </p:nvSpPr>
+        <p:spPr/>
+        <p:txBody>
+          <a:bodyPr/>
+          <a:lstStyle/>
+          <a:p>
+            <a:r>
+              <a:rPr lang="en-US" b="0" i="0" dirty="0">
+                <a:solidFill>
+                  <a:srgbClr val="292929"/>
+                </a:solidFill>
+                <a:effectLst/>
+                <a:latin typeface="source-serif-pro"/>
+              </a:rPr>
+              <a:t>Glenn</a:t>
+            </a:r>
+          </a:p>
+          <a:p>
+            <a:endParaRPr lang="en-US" b="0" i="0" dirty="0">
+              <a:solidFill>
+                <a:srgbClr val="292929"/>
+              </a:solidFill>
+              <a:effectLst/>
+              <a:latin typeface="source-serif-pro"/>
+            </a:endParaRPr>
+          </a:p>
+          <a:p>
+            <a:r>
+              <a:rPr lang="en-US" b="0" i="0" dirty="0">
+                <a:solidFill>
+                  <a:srgbClr val="292929"/>
+                </a:solidFill>
+                <a:effectLst/>
+                <a:latin typeface="source-serif-pro"/>
+              </a:rPr>
+              <a:t>First open </a:t>
+            </a:r>
+            <a:r>
+              <a:rPr lang="en-US" b="0" i="0" dirty="0" err="1">
+                <a:solidFill>
+                  <a:srgbClr val="292929"/>
+                </a:solidFill>
+                <a:effectLst/>
+                <a:latin typeface="source-serif-pro"/>
+              </a:rPr>
+              <a:t>ghidra</a:t>
+            </a:r>
+            <a:r>
+              <a:rPr lang="en-US" b="0" i="0" dirty="0">
+                <a:solidFill>
+                  <a:srgbClr val="292929"/>
+                </a:solidFill>
+                <a:effectLst/>
+                <a:latin typeface="source-serif-pro"/>
+              </a:rPr>
+              <a:t> and click on File -&gt; New Project, choose Non shared project , pick a directory and the name for your project then click on finish. Also on File options pick Import File and then choose the PE file you want to reverse engineering, for this tutorial it is the PE file above, </a:t>
+            </a:r>
+            <a:r>
+              <a:rPr lang="en-US" b="0" i="0" dirty="0" err="1">
+                <a:solidFill>
+                  <a:srgbClr val="292929"/>
+                </a:solidFill>
+                <a:effectLst/>
+                <a:latin typeface="source-serif-pro"/>
+              </a:rPr>
+              <a:t>i</a:t>
+            </a:r>
+            <a:r>
+              <a:rPr lang="en-US" b="0" i="0" dirty="0">
+                <a:solidFill>
+                  <a:srgbClr val="292929"/>
+                </a:solidFill>
+                <a:effectLst/>
+                <a:latin typeface="source-serif-pro"/>
+              </a:rPr>
+              <a:t> won’t go into details each option because that is for advance tutorial so for the sake of this tutorial just choose ok. You will get the result like in this picture:</a:t>
+            </a:r>
+          </a:p>
+          <a:p>
+            <a:r>
+              <a:rPr lang="en-US" b="0" i="0" dirty="0">
+                <a:solidFill>
+                  <a:srgbClr val="292929"/>
+                </a:solidFill>
+                <a:effectLst/>
+                <a:latin typeface="source-serif-pro"/>
+              </a:rPr>
+              <a:t>Now drag the crackme.exe into the dragon icon in Tool Chest. It will open the Code Browser window and ask you if you want to </a:t>
+            </a:r>
+            <a:r>
+              <a:rPr lang="en-US" b="0" i="0" dirty="0" err="1">
+                <a:solidFill>
+                  <a:srgbClr val="292929"/>
+                </a:solidFill>
+                <a:effectLst/>
+                <a:latin typeface="source-serif-pro"/>
+              </a:rPr>
+              <a:t>analyse</a:t>
+            </a:r>
+            <a:r>
+              <a:rPr lang="en-US" b="0" i="0" dirty="0">
+                <a:solidFill>
+                  <a:srgbClr val="292929"/>
+                </a:solidFill>
+                <a:effectLst/>
+                <a:latin typeface="source-serif-pro"/>
+              </a:rPr>
+              <a:t> it choose Yes of course. When the options window pop up, you will need to check and uncheck this options.</a:t>
+            </a:r>
+            <a:endParaRPr lang="nl-NL" b="1" dirty="0"/>
+          </a:p>
+        </p:txBody>
+      </p:sp>
+      <p:sp>
+        <p:nvSpPr>
+          <p:cNvPr id="4" name="Tijdelijke aanduiding voor dianummer 3"/>
+          <p:cNvSpPr>
+            <a:spLocks noGrp="1"/>
+          </p:cNvSpPr>
+          <p:nvPr>
+            <p:ph type="sldNum" sz="quarter" idx="5"/>
+          </p:nvPr>
+        </p:nvSpPr>
+        <p:spPr/>
+        <p:txBody>
+          <a:bodyPr/>
+          <a:lstStyle/>
+          <a:p>
+            <a:fld id="{589FD4FC-3991-428A-BACE-69EE09E264E0}" type="slidenum">
+              <a:rPr lang="nl-NL" smtClean="0"/>
+              <a:t>10</a:t>
+            </a:fld>
+            <a:endParaRPr lang="nl-NL"/>
+          </a:p>
+        </p:txBody>
+      </p:sp>
+    </p:spTree>
+    <p:extLst>
+      <p:ext uri="{BB962C8B-B14F-4D97-AF65-F5344CB8AC3E}">
+        <p14:creationId xmlns:p14="http://schemas.microsoft.com/office/powerpoint/2010/main" val="3337418200"/>
+      </p:ext>
+    </p:extLst>
+  </p:cSld>
+  <p:clrMapOvr>
+    <a:masterClrMapping/>
+  </p:clrMapOvr>
+</p:notes>
+</file>
+
+<file path=ppt/notesSlides/notesSlide11.xml><?xml version="1.0" encoding="utf-8"?>
+<p:notes xmlns:a="http://schemas.openxmlformats.org/drawingml/2006/main" xmlns:r="http://schemas.openxmlformats.org/officeDocument/2006/relationships" xmlns:p="http://schemas.openxmlformats.org/presentationml/2006/main">
+  <p:cSld>
+    <p:spTree>
+      <p:nvGrpSpPr>
+        <p:cNvPr id="1" name=""/>
+        <p:cNvGrpSpPr/>
+        <p:nvPr/>
+      </p:nvGrpSpPr>
+      <p:grpSpPr>
+        <a:xfrm>
+          <a:off x="0" y="0"/>
+          <a:ext cx="0" cy="0"/>
+          <a:chOff x="0" y="0"/>
+          <a:chExt cx="0" cy="0"/>
+        </a:xfrm>
+      </p:grpSpPr>
+      <p:sp>
+        <p:nvSpPr>
+          <p:cNvPr id="2" name="Slide Image Placeholder 1"/>
+          <p:cNvSpPr>
+            <a:spLocks noGrp="1" noRot="1" noChangeAspect="1"/>
+          </p:cNvSpPr>
+          <p:nvPr>
+            <p:ph type="sldImg"/>
+          </p:nvPr>
+        </p:nvSpPr>
+        <p:spPr/>
+      </p:sp>
+      <p:sp>
+        <p:nvSpPr>
+          <p:cNvPr id="3" name="Notes Placeholder 2"/>
+          <p:cNvSpPr>
+            <a:spLocks noGrp="1"/>
+          </p:cNvSpPr>
+          <p:nvPr>
+            <p:ph type="body" idx="1"/>
+          </p:nvPr>
+        </p:nvSpPr>
+        <p:spPr/>
+        <p:txBody>
+          <a:bodyPr/>
+          <a:lstStyle/>
+          <a:p>
+            <a:pPr marL="360" indent="0">
+              <a:lnSpc>
+                <a:spcPct val="90000"/>
+              </a:lnSpc>
+              <a:spcBef>
+                <a:spcPts val="1800"/>
+              </a:spcBef>
+              <a:buClr>
+                <a:srgbClr val="000000"/>
+              </a:buClr>
+              <a:buSzPct val="80000"/>
+              <a:buFont typeface="Wingdings" charset="2"/>
+              <a:buNone/>
+            </a:pPr>
+            <a:r>
+              <a:rPr lang="de-DE" sz="1200" b="0" strike="noStrike" spc="-1" dirty="0" err="1">
+                <a:solidFill>
+                  <a:srgbClr val="000000"/>
+                </a:solidFill>
+                <a:latin typeface="Calibri"/>
+                <a:ea typeface="DejaVu Sans"/>
+              </a:rPr>
+              <a:t>Sjong</a:t>
+            </a:r>
+            <a:endParaRPr lang="de-DE" sz="1200" b="0" strike="noStrike" spc="-1" dirty="0">
+              <a:solidFill>
+                <a:srgbClr val="000000"/>
+              </a:solidFill>
+              <a:latin typeface="Calibri"/>
+              <a:ea typeface="DejaVu Sans"/>
+            </a:endParaRPr>
+          </a:p>
+          <a:p>
+            <a:pPr marL="274320" indent="-273960">
+              <a:lnSpc>
+                <a:spcPct val="90000"/>
+              </a:lnSpc>
+              <a:spcBef>
+                <a:spcPts val="1800"/>
+              </a:spcBef>
+              <a:buClr>
+                <a:srgbClr val="000000"/>
+              </a:buClr>
+              <a:buSzPct val="80000"/>
+              <a:buFont typeface="Wingdings" charset="2"/>
+              <a:buChar char=""/>
+            </a:pPr>
+            <a:endParaRPr lang="de-DE" sz="1200" b="0" strike="noStrike" spc="-1" dirty="0">
+              <a:solidFill>
+                <a:srgbClr val="000000"/>
+              </a:solidFill>
+              <a:latin typeface="Calibri"/>
+              <a:ea typeface="DejaVu Sans"/>
+            </a:endParaRPr>
+          </a:p>
+          <a:p>
+            <a:pPr marL="274320" indent="-273960">
+              <a:lnSpc>
+                <a:spcPct val="90000"/>
+              </a:lnSpc>
+              <a:spcBef>
+                <a:spcPts val="1800"/>
+              </a:spcBef>
+              <a:buClr>
+                <a:srgbClr val="000000"/>
+              </a:buClr>
+              <a:buSzPct val="80000"/>
+              <a:buFont typeface="Wingdings" charset="2"/>
+              <a:buChar char=""/>
+            </a:pPr>
+            <a:r>
+              <a:rPr lang="de-DE" sz="1200" b="0" strike="noStrike" spc="-1" dirty="0">
+                <a:solidFill>
+                  <a:srgbClr val="000000"/>
+                </a:solidFill>
+                <a:latin typeface="Calibri"/>
+                <a:ea typeface="DejaVu Sans"/>
+              </a:rPr>
+              <a:t>Analyze all </a:t>
+            </a:r>
+            <a:r>
+              <a:rPr lang="de-DE" sz="1200" b="0" strike="noStrike" spc="-1" dirty="0" err="1">
+                <a:solidFill>
+                  <a:srgbClr val="000000"/>
+                </a:solidFill>
+                <a:latin typeface="Calibri"/>
+                <a:ea typeface="DejaVu Sans"/>
+              </a:rPr>
+              <a:t>kinds</a:t>
+            </a:r>
+            <a:r>
+              <a:rPr lang="de-DE" sz="1200" b="0" strike="noStrike" spc="-1" dirty="0">
+                <a:solidFill>
+                  <a:srgbClr val="000000"/>
+                </a:solidFill>
+                <a:latin typeface="Calibri"/>
+                <a:ea typeface="DejaVu Sans"/>
+              </a:rPr>
+              <a:t> </a:t>
+            </a:r>
+            <a:r>
+              <a:rPr lang="de-DE" sz="1200" b="0" strike="noStrike" spc="-1" dirty="0" err="1">
+                <a:solidFill>
+                  <a:srgbClr val="000000"/>
+                </a:solidFill>
+                <a:latin typeface="Calibri"/>
+                <a:ea typeface="DejaVu Sans"/>
+              </a:rPr>
+              <a:t>of</a:t>
+            </a:r>
+            <a:r>
+              <a:rPr lang="de-DE" sz="1200" b="0" strike="noStrike" spc="-1" dirty="0">
+                <a:solidFill>
+                  <a:srgbClr val="000000"/>
+                </a:solidFill>
+                <a:latin typeface="Calibri"/>
+                <a:ea typeface="DejaVu Sans"/>
+              </a:rPr>
+              <a:t> </a:t>
+            </a:r>
+            <a:r>
+              <a:rPr lang="de-DE" sz="1200" b="0" strike="noStrike" spc="-1" dirty="0" err="1">
+                <a:solidFill>
+                  <a:srgbClr val="000000"/>
+                </a:solidFill>
+                <a:latin typeface="Calibri"/>
+                <a:ea typeface="DejaVu Sans"/>
+              </a:rPr>
+              <a:t>software</a:t>
+            </a:r>
+            <a:r>
+              <a:rPr lang="de-DE" sz="1200" b="0" strike="noStrike" spc="-1" dirty="0">
+                <a:solidFill>
+                  <a:srgbClr val="000000"/>
+                </a:solidFill>
+                <a:latin typeface="Calibri"/>
+                <a:ea typeface="DejaVu Sans"/>
+              </a:rPr>
+              <a:t> (e.g. RAT – File (Remote Access Trojan, </a:t>
+            </a:r>
+            <a:r>
+              <a:rPr lang="de-DE" sz="1200" b="0" strike="noStrike" spc="-1" dirty="0" err="1">
+                <a:solidFill>
+                  <a:srgbClr val="000000"/>
+                </a:solidFill>
+                <a:latin typeface="Calibri"/>
+                <a:ea typeface="DejaVu Sans"/>
+              </a:rPr>
+              <a:t>WannaCry</a:t>
+            </a:r>
+            <a:r>
+              <a:rPr lang="de-DE" sz="1200" b="0" strike="noStrike" spc="-1" dirty="0">
+                <a:solidFill>
+                  <a:srgbClr val="000000"/>
+                </a:solidFill>
+                <a:latin typeface="Calibri"/>
+                <a:ea typeface="DejaVu Sans"/>
+              </a:rPr>
+              <a:t>, etc.)</a:t>
+            </a:r>
+            <a:endParaRPr lang="en-GB" sz="1200" b="0" strike="noStrike" spc="-1" dirty="0">
+              <a:latin typeface="Arial"/>
+            </a:endParaRPr>
+          </a:p>
+          <a:p>
+            <a:pPr marL="274320" indent="-273960">
+              <a:lnSpc>
+                <a:spcPct val="90000"/>
+              </a:lnSpc>
+              <a:spcBef>
+                <a:spcPts val="1800"/>
+              </a:spcBef>
+              <a:buClr>
+                <a:srgbClr val="000000"/>
+              </a:buClr>
+              <a:buSzPct val="80000"/>
+              <a:buFont typeface="Wingdings" charset="2"/>
+              <a:buChar char=""/>
+            </a:pPr>
+            <a:r>
+              <a:rPr lang="de-DE" sz="1200" b="0" strike="noStrike" spc="-1" dirty="0">
+                <a:solidFill>
+                  <a:srgbClr val="000000"/>
+                </a:solidFill>
+                <a:latin typeface="Calibri"/>
+                <a:ea typeface="DejaVu Sans"/>
+              </a:rPr>
+              <a:t>RAT – File: Find out </a:t>
+            </a:r>
+            <a:r>
+              <a:rPr lang="de-DE" sz="1200" b="0" strike="noStrike" spc="-1" dirty="0" err="1">
+                <a:solidFill>
+                  <a:srgbClr val="000000"/>
+                </a:solidFill>
+                <a:latin typeface="Calibri"/>
+                <a:ea typeface="DejaVu Sans"/>
+              </a:rPr>
+              <a:t>what</a:t>
+            </a:r>
+            <a:r>
+              <a:rPr lang="de-DE" sz="1200" b="0" strike="noStrike" spc="-1" dirty="0">
+                <a:solidFill>
+                  <a:srgbClr val="000000"/>
+                </a:solidFill>
+                <a:latin typeface="Calibri"/>
+                <a:ea typeface="DejaVu Sans"/>
+              </a:rPr>
+              <a:t> </a:t>
+            </a:r>
+            <a:r>
+              <a:rPr lang="de-DE" sz="1200" b="0" strike="noStrike" spc="-1" dirty="0" err="1">
+                <a:solidFill>
+                  <a:srgbClr val="000000"/>
+                </a:solidFill>
+                <a:latin typeface="Calibri"/>
+                <a:ea typeface="DejaVu Sans"/>
+              </a:rPr>
+              <a:t>it</a:t>
+            </a:r>
+            <a:r>
+              <a:rPr lang="de-DE" sz="1200" b="0" strike="noStrike" spc="-1" dirty="0">
+                <a:solidFill>
+                  <a:srgbClr val="000000"/>
+                </a:solidFill>
+                <a:latin typeface="Calibri"/>
+                <a:ea typeface="DejaVu Sans"/>
+              </a:rPr>
+              <a:t> </a:t>
+            </a:r>
+            <a:r>
+              <a:rPr lang="de-DE" sz="1200" b="0" strike="noStrike" spc="-1" dirty="0" err="1">
+                <a:solidFill>
+                  <a:srgbClr val="000000"/>
+                </a:solidFill>
+                <a:latin typeface="Calibri"/>
+                <a:ea typeface="DejaVu Sans"/>
+              </a:rPr>
+              <a:t>is</a:t>
+            </a:r>
+            <a:r>
+              <a:rPr lang="de-DE" sz="1200" b="0" strike="noStrike" spc="-1" dirty="0">
+                <a:solidFill>
+                  <a:srgbClr val="000000"/>
+                </a:solidFill>
+                <a:latin typeface="Calibri"/>
+                <a:ea typeface="DejaVu Sans"/>
+              </a:rPr>
+              <a:t> </a:t>
+            </a:r>
+            <a:r>
+              <a:rPr lang="de-DE" sz="1200" b="0" strike="noStrike" spc="-1" dirty="0" err="1">
+                <a:solidFill>
+                  <a:srgbClr val="000000"/>
+                </a:solidFill>
+                <a:latin typeface="Calibri"/>
+                <a:ea typeface="DejaVu Sans"/>
+              </a:rPr>
+              <a:t>doing</a:t>
+            </a:r>
+            <a:r>
+              <a:rPr lang="de-DE" sz="1200" b="0" strike="noStrike" spc="-1" dirty="0">
+                <a:solidFill>
+                  <a:srgbClr val="000000"/>
+                </a:solidFill>
+                <a:latin typeface="Calibri"/>
+                <a:ea typeface="DejaVu Sans"/>
+              </a:rPr>
+              <a:t>. (Most </a:t>
+            </a:r>
+            <a:r>
+              <a:rPr lang="de-DE" sz="1200" b="0" strike="noStrike" spc="-1" dirty="0" err="1">
+                <a:solidFill>
+                  <a:srgbClr val="000000"/>
+                </a:solidFill>
+                <a:latin typeface="Calibri"/>
+                <a:ea typeface="DejaVu Sans"/>
+              </a:rPr>
+              <a:t>commonly</a:t>
+            </a:r>
+            <a:r>
+              <a:rPr lang="de-DE" sz="1200" b="0" strike="noStrike" spc="-1" dirty="0">
+                <a:solidFill>
+                  <a:srgbClr val="000000"/>
+                </a:solidFill>
+                <a:latin typeface="Calibri"/>
+                <a:ea typeface="DejaVu Sans"/>
+              </a:rPr>
+              <a:t> </a:t>
+            </a:r>
+            <a:r>
+              <a:rPr lang="de-DE" sz="1200" b="0" strike="noStrike" spc="-1" dirty="0" err="1">
+                <a:solidFill>
+                  <a:srgbClr val="000000"/>
+                </a:solidFill>
+                <a:latin typeface="Calibri"/>
+                <a:ea typeface="DejaVu Sans"/>
+              </a:rPr>
+              <a:t>it</a:t>
+            </a:r>
+            <a:r>
+              <a:rPr lang="de-DE" sz="1200" b="0" strike="noStrike" spc="-1" dirty="0">
+                <a:solidFill>
+                  <a:srgbClr val="000000"/>
+                </a:solidFill>
+                <a:latin typeface="Calibri"/>
+                <a:ea typeface="DejaVu Sans"/>
+              </a:rPr>
+              <a:t> </a:t>
+            </a:r>
+            <a:r>
+              <a:rPr lang="de-DE" sz="1200" b="0" strike="noStrike" spc="-1" dirty="0" err="1">
+                <a:solidFill>
+                  <a:srgbClr val="000000"/>
+                </a:solidFill>
+                <a:latin typeface="Calibri"/>
+                <a:ea typeface="DejaVu Sans"/>
+              </a:rPr>
+              <a:t>tries</a:t>
+            </a:r>
+            <a:r>
+              <a:rPr lang="de-DE" sz="1200" b="0" strike="noStrike" spc="-1" dirty="0">
+                <a:solidFill>
+                  <a:srgbClr val="000000"/>
+                </a:solidFill>
+                <a:latin typeface="Calibri"/>
+                <a:ea typeface="DejaVu Sans"/>
+              </a:rPr>
+              <a:t> </a:t>
+            </a:r>
+            <a:r>
+              <a:rPr lang="de-DE" sz="1200" b="0" strike="noStrike" spc="-1" dirty="0" err="1">
+                <a:solidFill>
+                  <a:srgbClr val="000000"/>
+                </a:solidFill>
+                <a:latin typeface="Calibri"/>
+                <a:ea typeface="DejaVu Sans"/>
+              </a:rPr>
+              <a:t>to</a:t>
+            </a:r>
+            <a:r>
+              <a:rPr lang="de-DE" sz="1200" b="0" strike="noStrike" spc="-1" dirty="0">
+                <a:solidFill>
+                  <a:srgbClr val="000000"/>
+                </a:solidFill>
+                <a:latin typeface="Calibri"/>
+                <a:ea typeface="DejaVu Sans"/>
+              </a:rPr>
+              <a:t> </a:t>
+            </a:r>
+            <a:r>
+              <a:rPr lang="de-DE" sz="1200" b="0" strike="noStrike" spc="-1" dirty="0" err="1">
+                <a:solidFill>
+                  <a:srgbClr val="000000"/>
+                </a:solidFill>
+                <a:latin typeface="Calibri"/>
+                <a:ea typeface="DejaVu Sans"/>
+              </a:rPr>
+              <a:t>disable</a:t>
+            </a:r>
+            <a:r>
+              <a:rPr lang="de-DE" sz="1200" b="0" strike="noStrike" spc="-1" dirty="0">
+                <a:solidFill>
+                  <a:srgbClr val="000000"/>
+                </a:solidFill>
+                <a:latin typeface="Calibri"/>
+                <a:ea typeface="DejaVu Sans"/>
+              </a:rPr>
+              <a:t> User Account Control (UAC) </a:t>
+            </a:r>
+            <a:r>
+              <a:rPr lang="de-DE" sz="1200" b="0" strike="noStrike" spc="-1" dirty="0" err="1">
+                <a:solidFill>
+                  <a:srgbClr val="000000"/>
+                </a:solidFill>
+                <a:latin typeface="Calibri"/>
+                <a:ea typeface="DejaVu Sans"/>
+              </a:rPr>
+              <a:t>by</a:t>
+            </a:r>
+            <a:r>
+              <a:rPr lang="de-DE" sz="1200" b="0" strike="noStrike" spc="-1" dirty="0">
+                <a:solidFill>
+                  <a:srgbClr val="000000"/>
+                </a:solidFill>
+                <a:latin typeface="Calibri"/>
+                <a:ea typeface="DejaVu Sans"/>
+              </a:rPr>
+              <a:t> </a:t>
+            </a:r>
+            <a:r>
+              <a:rPr lang="de-DE" sz="1200" b="0" strike="noStrike" spc="-1" dirty="0" err="1">
+                <a:solidFill>
+                  <a:srgbClr val="000000"/>
+                </a:solidFill>
+                <a:latin typeface="Calibri"/>
+                <a:ea typeface="DejaVu Sans"/>
+              </a:rPr>
+              <a:t>modifying</a:t>
+            </a:r>
+            <a:r>
+              <a:rPr lang="de-DE" sz="1200" b="0" strike="noStrike" spc="-1" dirty="0">
+                <a:solidFill>
+                  <a:srgbClr val="000000"/>
+                </a:solidFill>
+                <a:latin typeface="Calibri"/>
+                <a:ea typeface="DejaVu Sans"/>
+              </a:rPr>
+              <a:t> </a:t>
+            </a:r>
+            <a:r>
+              <a:rPr lang="de-DE" sz="1200" b="0" strike="noStrike" spc="-1" dirty="0" err="1">
+                <a:solidFill>
+                  <a:srgbClr val="000000"/>
+                </a:solidFill>
+                <a:latin typeface="Calibri"/>
+                <a:ea typeface="DejaVu Sans"/>
+              </a:rPr>
+              <a:t>values</a:t>
+            </a:r>
+            <a:r>
+              <a:rPr lang="de-DE" sz="1200" b="0" strike="noStrike" spc="-1" dirty="0">
+                <a:solidFill>
+                  <a:srgbClr val="000000"/>
+                </a:solidFill>
+                <a:latin typeface="Calibri"/>
+                <a:ea typeface="DejaVu Sans"/>
+              </a:rPr>
+              <a:t> in </a:t>
+            </a:r>
+            <a:r>
+              <a:rPr lang="de-DE" sz="1200" b="0" strike="noStrike" spc="-1" dirty="0" err="1">
+                <a:solidFill>
+                  <a:srgbClr val="000000"/>
+                </a:solidFill>
+                <a:latin typeface="Calibri"/>
+                <a:ea typeface="DejaVu Sans"/>
+              </a:rPr>
+              <a:t>the</a:t>
+            </a:r>
+            <a:r>
+              <a:rPr lang="de-DE" sz="1200" b="0" strike="noStrike" spc="-1" dirty="0">
+                <a:solidFill>
+                  <a:srgbClr val="000000"/>
+                </a:solidFill>
+                <a:latin typeface="Calibri"/>
+                <a:ea typeface="DejaVu Sans"/>
+              </a:rPr>
+              <a:t> </a:t>
+            </a:r>
+            <a:r>
+              <a:rPr lang="de-DE" sz="1200" b="0" strike="noStrike" spc="-1" dirty="0" err="1">
+                <a:solidFill>
+                  <a:srgbClr val="000000"/>
+                </a:solidFill>
+                <a:latin typeface="Calibri"/>
+                <a:ea typeface="DejaVu Sans"/>
+              </a:rPr>
+              <a:t>registry</a:t>
+            </a:r>
+            <a:r>
+              <a:rPr lang="de-DE" sz="1200" b="0" strike="noStrike" spc="-1" dirty="0">
+                <a:solidFill>
+                  <a:srgbClr val="000000"/>
+                </a:solidFill>
+                <a:latin typeface="Calibri"/>
+                <a:ea typeface="DejaVu Sans"/>
+              </a:rPr>
+              <a:t>)</a:t>
+            </a:r>
+            <a:endParaRPr lang="en-GB" sz="1200" b="0" strike="noStrike" spc="-1" dirty="0">
+              <a:latin typeface="Arial"/>
+            </a:endParaRPr>
+          </a:p>
+          <a:p>
+            <a:pPr marL="274320" indent="-273960">
+              <a:lnSpc>
+                <a:spcPct val="90000"/>
+              </a:lnSpc>
+              <a:spcBef>
+                <a:spcPts val="1800"/>
+              </a:spcBef>
+              <a:buClr>
+                <a:srgbClr val="000000"/>
+              </a:buClr>
+              <a:buSzPct val="80000"/>
+              <a:buFont typeface="Wingdings" charset="2"/>
+              <a:buChar char=""/>
+            </a:pPr>
+            <a:r>
+              <a:rPr lang="de-DE" sz="1200" b="0" strike="noStrike" spc="-1" dirty="0" err="1">
+                <a:solidFill>
+                  <a:srgbClr val="000000"/>
+                </a:solidFill>
+                <a:latin typeface="Calibri"/>
+                <a:ea typeface="DejaVu Sans"/>
+              </a:rPr>
+              <a:t>WannaCry</a:t>
+            </a:r>
+            <a:r>
+              <a:rPr lang="de-DE" sz="1200" b="0" strike="noStrike" spc="-1" dirty="0">
+                <a:solidFill>
+                  <a:srgbClr val="000000"/>
+                </a:solidFill>
+                <a:latin typeface="Calibri"/>
+                <a:ea typeface="DejaVu Sans"/>
+              </a:rPr>
+              <a:t>: Find </a:t>
+            </a:r>
+            <a:r>
+              <a:rPr lang="de-DE" sz="1200" b="0" strike="noStrike" spc="-1" dirty="0" err="1">
+                <a:solidFill>
+                  <a:srgbClr val="000000"/>
+                </a:solidFill>
+                <a:latin typeface="Calibri"/>
+                <a:ea typeface="DejaVu Sans"/>
+              </a:rPr>
+              <a:t>the</a:t>
+            </a:r>
+            <a:r>
+              <a:rPr lang="de-DE" sz="1200" b="0" strike="noStrike" spc="-1" dirty="0">
+                <a:solidFill>
+                  <a:srgbClr val="000000"/>
+                </a:solidFill>
+                <a:latin typeface="Calibri"/>
+                <a:ea typeface="DejaVu Sans"/>
+              </a:rPr>
+              <a:t> kill switch. (The </a:t>
+            </a:r>
+            <a:r>
+              <a:rPr lang="de-DE" sz="1200" b="0" strike="noStrike" spc="-1" dirty="0" err="1">
+                <a:solidFill>
+                  <a:srgbClr val="000000"/>
+                </a:solidFill>
+                <a:latin typeface="Calibri"/>
+                <a:ea typeface="DejaVu Sans"/>
+              </a:rPr>
+              <a:t>program</a:t>
+            </a:r>
+            <a:r>
+              <a:rPr lang="de-DE" sz="1200" b="0" strike="noStrike" spc="-1" dirty="0">
+                <a:solidFill>
+                  <a:srgbClr val="000000"/>
+                </a:solidFill>
+                <a:latin typeface="Calibri"/>
+                <a:ea typeface="DejaVu Sans"/>
+              </a:rPr>
+              <a:t> </a:t>
+            </a:r>
+            <a:r>
+              <a:rPr lang="de-DE" sz="1200" b="0" strike="noStrike" spc="-1" dirty="0" err="1">
+                <a:solidFill>
+                  <a:srgbClr val="000000"/>
+                </a:solidFill>
+                <a:latin typeface="Calibri"/>
+                <a:ea typeface="DejaVu Sans"/>
+              </a:rPr>
+              <a:t>tried</a:t>
+            </a:r>
+            <a:r>
+              <a:rPr lang="de-DE" sz="1200" b="0" strike="noStrike" spc="-1" dirty="0">
+                <a:solidFill>
+                  <a:srgbClr val="000000"/>
+                </a:solidFill>
+                <a:latin typeface="Calibri"/>
+                <a:ea typeface="DejaVu Sans"/>
+              </a:rPr>
+              <a:t> </a:t>
+            </a:r>
+            <a:r>
+              <a:rPr lang="de-DE" sz="1200" b="0" strike="noStrike" spc="-1" dirty="0" err="1">
+                <a:solidFill>
+                  <a:srgbClr val="000000"/>
+                </a:solidFill>
+                <a:latin typeface="Calibri"/>
+                <a:ea typeface="DejaVu Sans"/>
+              </a:rPr>
+              <a:t>to</a:t>
+            </a:r>
+            <a:r>
+              <a:rPr lang="de-DE" sz="1200" b="0" strike="noStrike" spc="-1" dirty="0">
+                <a:solidFill>
+                  <a:srgbClr val="000000"/>
+                </a:solidFill>
+                <a:latin typeface="Calibri"/>
+                <a:ea typeface="DejaVu Sans"/>
+              </a:rPr>
+              <a:t> </a:t>
+            </a:r>
+            <a:r>
+              <a:rPr lang="de-DE" sz="1200" b="0" strike="noStrike" spc="-1" dirty="0" err="1">
+                <a:solidFill>
+                  <a:srgbClr val="000000"/>
+                </a:solidFill>
+                <a:latin typeface="Calibri"/>
+                <a:ea typeface="DejaVu Sans"/>
+              </a:rPr>
+              <a:t>reach</a:t>
+            </a:r>
+            <a:r>
+              <a:rPr lang="de-DE" sz="1200" b="0" strike="noStrike" spc="-1" dirty="0">
+                <a:solidFill>
+                  <a:srgbClr val="000000"/>
+                </a:solidFill>
+                <a:latin typeface="Calibri"/>
+                <a:ea typeface="DejaVu Sans"/>
+              </a:rPr>
+              <a:t> a </a:t>
+            </a:r>
+            <a:r>
+              <a:rPr lang="de-DE" sz="1200" b="0" strike="noStrike" spc="-1" dirty="0" err="1">
+                <a:solidFill>
+                  <a:srgbClr val="000000"/>
+                </a:solidFill>
+                <a:latin typeface="Calibri"/>
+                <a:ea typeface="DejaVu Sans"/>
+              </a:rPr>
+              <a:t>specific</a:t>
+            </a:r>
+            <a:r>
+              <a:rPr lang="de-DE" sz="1200" b="0" strike="noStrike" spc="-1" dirty="0">
+                <a:solidFill>
+                  <a:srgbClr val="000000"/>
+                </a:solidFill>
+                <a:latin typeface="Calibri"/>
+                <a:ea typeface="DejaVu Sans"/>
+              </a:rPr>
+              <a:t> </a:t>
+            </a:r>
+            <a:r>
+              <a:rPr lang="de-DE" sz="1200" b="0" strike="noStrike" spc="-1" dirty="0" err="1">
+                <a:solidFill>
+                  <a:srgbClr val="000000"/>
+                </a:solidFill>
+                <a:latin typeface="Calibri"/>
+                <a:ea typeface="DejaVu Sans"/>
+              </a:rPr>
+              <a:t>domain</a:t>
+            </a:r>
+            <a:r>
+              <a:rPr lang="de-DE" sz="1200" b="0" strike="noStrike" spc="-1" dirty="0">
+                <a:solidFill>
+                  <a:srgbClr val="000000"/>
+                </a:solidFill>
+                <a:latin typeface="Calibri"/>
+                <a:ea typeface="DejaVu Sans"/>
+              </a:rPr>
+              <a:t>, </a:t>
+            </a:r>
+            <a:r>
+              <a:rPr lang="de-DE" sz="1200" b="0" strike="noStrike" spc="-1" dirty="0" err="1">
+                <a:solidFill>
+                  <a:srgbClr val="000000"/>
+                </a:solidFill>
+                <a:latin typeface="Calibri"/>
+                <a:ea typeface="DejaVu Sans"/>
+              </a:rPr>
+              <a:t>if</a:t>
+            </a:r>
+            <a:r>
+              <a:rPr lang="de-DE" sz="1200" b="0" strike="noStrike" spc="-1" dirty="0">
+                <a:solidFill>
+                  <a:srgbClr val="000000"/>
+                </a:solidFill>
+                <a:latin typeface="Calibri"/>
+                <a:ea typeface="DejaVu Sans"/>
+              </a:rPr>
+              <a:t> </a:t>
+            </a:r>
+            <a:r>
+              <a:rPr lang="de-DE" sz="1200" b="0" strike="noStrike" spc="-1" dirty="0" err="1">
+                <a:solidFill>
+                  <a:srgbClr val="000000"/>
+                </a:solidFill>
+                <a:latin typeface="Calibri"/>
+                <a:ea typeface="DejaVu Sans"/>
+              </a:rPr>
+              <a:t>the</a:t>
+            </a:r>
+            <a:r>
+              <a:rPr lang="de-DE" sz="1200" b="0" strike="noStrike" spc="-1" dirty="0">
+                <a:solidFill>
+                  <a:srgbClr val="000000"/>
+                </a:solidFill>
+                <a:latin typeface="Calibri"/>
+                <a:ea typeface="DejaVu Sans"/>
+              </a:rPr>
+              <a:t> </a:t>
+            </a:r>
+            <a:r>
+              <a:rPr lang="de-DE" sz="1200" b="0" strike="noStrike" spc="-1" dirty="0" err="1">
+                <a:solidFill>
+                  <a:srgbClr val="000000"/>
+                </a:solidFill>
+                <a:latin typeface="Calibri"/>
+                <a:ea typeface="DejaVu Sans"/>
+              </a:rPr>
+              <a:t>domain</a:t>
+            </a:r>
+            <a:r>
+              <a:rPr lang="de-DE" sz="1200" b="0" strike="noStrike" spc="-1" dirty="0">
+                <a:solidFill>
+                  <a:srgbClr val="000000"/>
+                </a:solidFill>
+                <a:latin typeface="Calibri"/>
+                <a:ea typeface="DejaVu Sans"/>
+              </a:rPr>
+              <a:t> </a:t>
+            </a:r>
+            <a:r>
+              <a:rPr lang="de-DE" sz="1200" b="0" strike="noStrike" spc="-1" dirty="0" err="1">
+                <a:solidFill>
+                  <a:srgbClr val="000000"/>
+                </a:solidFill>
+                <a:latin typeface="Calibri"/>
+                <a:ea typeface="DejaVu Sans"/>
+              </a:rPr>
+              <a:t>is</a:t>
+            </a:r>
+            <a:r>
+              <a:rPr lang="de-DE" sz="1200" b="0" strike="noStrike" spc="-1" dirty="0">
+                <a:solidFill>
+                  <a:srgbClr val="000000"/>
+                </a:solidFill>
+                <a:latin typeface="Calibri"/>
+                <a:ea typeface="DejaVu Sans"/>
+              </a:rPr>
+              <a:t> </a:t>
+            </a:r>
+            <a:r>
+              <a:rPr lang="de-DE" sz="1200" b="0" strike="noStrike" spc="-1" dirty="0" err="1">
+                <a:solidFill>
+                  <a:srgbClr val="000000"/>
+                </a:solidFill>
+                <a:latin typeface="Calibri"/>
+                <a:ea typeface="DejaVu Sans"/>
+              </a:rPr>
+              <a:t>unassigned</a:t>
+            </a:r>
+            <a:r>
+              <a:rPr lang="de-DE" sz="1200" b="0" strike="noStrike" spc="-1" dirty="0">
+                <a:solidFill>
+                  <a:srgbClr val="000000"/>
+                </a:solidFill>
+                <a:latin typeface="Calibri"/>
+                <a:ea typeface="DejaVu Sans"/>
+              </a:rPr>
+              <a:t> </a:t>
+            </a:r>
+            <a:r>
+              <a:rPr lang="de-DE" sz="1200" b="0" strike="noStrike" spc="-1" dirty="0" err="1">
+                <a:solidFill>
+                  <a:srgbClr val="000000"/>
+                </a:solidFill>
+                <a:latin typeface="Calibri"/>
+                <a:ea typeface="DejaVu Sans"/>
+              </a:rPr>
+              <a:t>the</a:t>
+            </a:r>
+            <a:r>
+              <a:rPr lang="de-DE" sz="1200" b="0" strike="noStrike" spc="-1" dirty="0">
+                <a:solidFill>
+                  <a:srgbClr val="000000"/>
+                </a:solidFill>
+                <a:latin typeface="Calibri"/>
+                <a:ea typeface="DejaVu Sans"/>
+              </a:rPr>
+              <a:t> </a:t>
+            </a:r>
+            <a:r>
+              <a:rPr lang="de-DE" sz="1200" b="0" strike="noStrike" spc="-1" dirty="0" err="1">
+                <a:solidFill>
+                  <a:srgbClr val="000000"/>
+                </a:solidFill>
+                <a:latin typeface="Calibri"/>
+                <a:ea typeface="DejaVu Sans"/>
+              </a:rPr>
+              <a:t>program</a:t>
+            </a:r>
+            <a:r>
+              <a:rPr lang="de-DE" sz="1200" b="0" strike="noStrike" spc="-1" dirty="0">
+                <a:solidFill>
+                  <a:srgbClr val="000000"/>
+                </a:solidFill>
+                <a:latin typeface="Calibri"/>
+                <a:ea typeface="DejaVu Sans"/>
+              </a:rPr>
+              <a:t> </a:t>
+            </a:r>
+            <a:r>
+              <a:rPr lang="de-DE" sz="1200" b="0" strike="noStrike" spc="-1" dirty="0" err="1">
+                <a:solidFill>
+                  <a:srgbClr val="000000"/>
+                </a:solidFill>
+                <a:latin typeface="Calibri"/>
+                <a:ea typeface="DejaVu Sans"/>
+              </a:rPr>
+              <a:t>kept</a:t>
+            </a:r>
+            <a:r>
+              <a:rPr lang="de-DE" sz="1200" b="0" strike="noStrike" spc="-1" dirty="0">
+                <a:solidFill>
+                  <a:srgbClr val="000000"/>
+                </a:solidFill>
+                <a:latin typeface="Calibri"/>
+                <a:ea typeface="DejaVu Sans"/>
+              </a:rPr>
+              <a:t> </a:t>
+            </a:r>
+            <a:r>
+              <a:rPr lang="de-DE" sz="1200" b="0" strike="noStrike" spc="-1" dirty="0" err="1">
+                <a:solidFill>
+                  <a:srgbClr val="000000"/>
+                </a:solidFill>
+                <a:latin typeface="Calibri"/>
+                <a:ea typeface="DejaVu Sans"/>
+              </a:rPr>
+              <a:t>going</a:t>
+            </a:r>
+            <a:r>
+              <a:rPr lang="de-DE" sz="1200" b="0" strike="noStrike" spc="-1" dirty="0">
+                <a:solidFill>
+                  <a:srgbClr val="000000"/>
+                </a:solidFill>
+                <a:latin typeface="Calibri"/>
+                <a:ea typeface="DejaVu Sans"/>
+              </a:rPr>
+              <a:t>, </a:t>
+            </a:r>
+            <a:r>
+              <a:rPr lang="de-DE" sz="1200" b="0" strike="noStrike" spc="-1" dirty="0" err="1">
+                <a:solidFill>
+                  <a:srgbClr val="000000"/>
+                </a:solidFill>
+                <a:latin typeface="Calibri"/>
+                <a:ea typeface="DejaVu Sans"/>
+              </a:rPr>
+              <a:t>if</a:t>
+            </a:r>
+            <a:r>
+              <a:rPr lang="de-DE" sz="1200" b="0" strike="noStrike" spc="-1" dirty="0">
+                <a:solidFill>
+                  <a:srgbClr val="000000"/>
+                </a:solidFill>
+                <a:latin typeface="Calibri"/>
+                <a:ea typeface="DejaVu Sans"/>
+              </a:rPr>
+              <a:t> </a:t>
+            </a:r>
+            <a:r>
+              <a:rPr lang="de-DE" sz="1200" b="0" strike="noStrike" spc="-1" dirty="0" err="1">
+                <a:solidFill>
+                  <a:srgbClr val="000000"/>
+                </a:solidFill>
+                <a:latin typeface="Calibri"/>
+                <a:ea typeface="DejaVu Sans"/>
+              </a:rPr>
+              <a:t>assigned</a:t>
+            </a:r>
+            <a:r>
+              <a:rPr lang="de-DE" sz="1200" b="0" strike="noStrike" spc="-1" dirty="0">
+                <a:solidFill>
+                  <a:srgbClr val="000000"/>
+                </a:solidFill>
+                <a:latin typeface="Calibri"/>
+                <a:ea typeface="DejaVu Sans"/>
+              </a:rPr>
+              <a:t> </a:t>
+            </a:r>
+            <a:r>
+              <a:rPr lang="de-DE" sz="1200" b="0" strike="noStrike" spc="-1" dirty="0" err="1">
+                <a:solidFill>
+                  <a:srgbClr val="000000"/>
+                </a:solidFill>
+                <a:latin typeface="Calibri"/>
+                <a:ea typeface="DejaVu Sans"/>
+              </a:rPr>
+              <a:t>the</a:t>
+            </a:r>
+            <a:r>
+              <a:rPr lang="de-DE" sz="1200" b="0" strike="noStrike" spc="-1" dirty="0">
+                <a:solidFill>
+                  <a:srgbClr val="000000"/>
+                </a:solidFill>
+                <a:latin typeface="Calibri"/>
+                <a:ea typeface="DejaVu Sans"/>
+              </a:rPr>
+              <a:t> </a:t>
+            </a:r>
+            <a:r>
+              <a:rPr lang="de-DE" sz="1200" b="0" strike="noStrike" spc="-1" dirty="0" err="1">
+                <a:solidFill>
+                  <a:srgbClr val="000000"/>
+                </a:solidFill>
+                <a:latin typeface="Calibri"/>
+                <a:ea typeface="DejaVu Sans"/>
+              </a:rPr>
+              <a:t>program</a:t>
+            </a:r>
+            <a:r>
+              <a:rPr lang="de-DE" sz="1200" b="0" strike="noStrike" spc="-1" dirty="0">
+                <a:solidFill>
+                  <a:srgbClr val="000000"/>
+                </a:solidFill>
+                <a:latin typeface="Calibri"/>
+                <a:ea typeface="DejaVu Sans"/>
+              </a:rPr>
+              <a:t> </a:t>
+            </a:r>
+            <a:r>
+              <a:rPr lang="de-DE" sz="1200" b="0" strike="noStrike" spc="-1" dirty="0" err="1">
+                <a:solidFill>
+                  <a:srgbClr val="000000"/>
+                </a:solidFill>
+                <a:latin typeface="Calibri"/>
+                <a:ea typeface="DejaVu Sans"/>
+              </a:rPr>
+              <a:t>stopped</a:t>
+            </a:r>
+            <a:r>
+              <a:rPr lang="de-DE" sz="1200" b="0" strike="noStrike" spc="-1" dirty="0">
+                <a:solidFill>
+                  <a:srgbClr val="000000"/>
+                </a:solidFill>
+                <a:latin typeface="Calibri"/>
+                <a:ea typeface="DejaVu Sans"/>
+              </a:rPr>
+              <a:t> </a:t>
+            </a:r>
+            <a:r>
+              <a:rPr lang="de-DE" sz="1200" b="0" strike="noStrike" spc="-1" dirty="0" err="1">
+                <a:solidFill>
+                  <a:srgbClr val="000000"/>
+                </a:solidFill>
+                <a:latin typeface="Calibri"/>
+                <a:ea typeface="DejaVu Sans"/>
+              </a:rPr>
+              <a:t>immediately</a:t>
+            </a:r>
+            <a:r>
+              <a:rPr lang="de-DE" sz="1200" b="0" strike="noStrike" spc="-1" dirty="0">
+                <a:solidFill>
+                  <a:srgbClr val="000000"/>
+                </a:solidFill>
+                <a:latin typeface="Calibri"/>
+                <a:ea typeface="DejaVu Sans"/>
+              </a:rPr>
+              <a:t>)</a:t>
+            </a:r>
+            <a:endParaRPr lang="en-GB" sz="1200" b="0" strike="noStrike" spc="-1" dirty="0">
+              <a:latin typeface="Arial"/>
+            </a:endParaRPr>
+          </a:p>
+          <a:p>
+            <a:pPr marL="360">
+              <a:lnSpc>
+                <a:spcPct val="90000"/>
+              </a:lnSpc>
+              <a:spcBef>
+                <a:spcPts val="1800"/>
+              </a:spcBef>
+            </a:pPr>
+            <a:r>
+              <a:rPr lang="de-DE" sz="1200" b="0" strike="noStrike" spc="-1" dirty="0">
+                <a:solidFill>
+                  <a:srgbClr val="000000"/>
+                </a:solidFill>
+                <a:latin typeface="Calibri"/>
+                <a:ea typeface="DejaVu Sans"/>
+              </a:rPr>
+              <a:t>All </a:t>
+            </a:r>
+            <a:r>
+              <a:rPr lang="de-DE" sz="1200" b="0" strike="noStrike" spc="-1" dirty="0" err="1">
+                <a:solidFill>
+                  <a:srgbClr val="000000"/>
+                </a:solidFill>
+                <a:latin typeface="Calibri"/>
+                <a:ea typeface="DejaVu Sans"/>
+              </a:rPr>
+              <a:t>you</a:t>
+            </a:r>
+            <a:r>
+              <a:rPr lang="de-DE" sz="1200" b="0" strike="noStrike" spc="-1" dirty="0">
+                <a:solidFill>
+                  <a:srgbClr val="000000"/>
+                </a:solidFill>
+                <a:latin typeface="Calibri"/>
+                <a:ea typeface="DejaVu Sans"/>
+              </a:rPr>
+              <a:t> </a:t>
+            </a:r>
+            <a:r>
+              <a:rPr lang="de-DE" sz="1200" b="0" strike="noStrike" spc="-1" dirty="0" err="1">
+                <a:solidFill>
+                  <a:srgbClr val="000000"/>
+                </a:solidFill>
+                <a:latin typeface="Calibri"/>
+                <a:ea typeface="DejaVu Sans"/>
+              </a:rPr>
+              <a:t>need</a:t>
+            </a:r>
+            <a:r>
+              <a:rPr lang="de-DE" sz="1200" b="0" strike="noStrike" spc="-1" dirty="0">
+                <a:solidFill>
+                  <a:srgbClr val="000000"/>
+                </a:solidFill>
+                <a:latin typeface="Calibri"/>
+                <a:ea typeface="DejaVu Sans"/>
+              </a:rPr>
+              <a:t> </a:t>
+            </a:r>
+            <a:r>
+              <a:rPr lang="de-DE" sz="1200" b="0" strike="noStrike" spc="-1" dirty="0" err="1">
+                <a:solidFill>
+                  <a:srgbClr val="000000"/>
+                </a:solidFill>
+                <a:latin typeface="Calibri"/>
+                <a:ea typeface="DejaVu Sans"/>
+              </a:rPr>
+              <a:t>is</a:t>
+            </a:r>
+            <a:r>
+              <a:rPr lang="de-DE" sz="1200" b="0" strike="noStrike" spc="-1" dirty="0">
+                <a:solidFill>
+                  <a:srgbClr val="000000"/>
+                </a:solidFill>
+                <a:latin typeface="Calibri"/>
+                <a:ea typeface="DejaVu Sans"/>
+              </a:rPr>
+              <a:t> a </a:t>
+            </a:r>
+            <a:r>
+              <a:rPr lang="de-DE" sz="1200" b="0" strike="noStrike" spc="-1" dirty="0" err="1">
+                <a:solidFill>
+                  <a:srgbClr val="000000"/>
+                </a:solidFill>
+                <a:latin typeface="Calibri"/>
+                <a:ea typeface="DejaVu Sans"/>
+              </a:rPr>
+              <a:t>file</a:t>
+            </a:r>
+            <a:r>
+              <a:rPr lang="de-DE" sz="1200" b="0" strike="noStrike" spc="-1" dirty="0">
+                <a:solidFill>
+                  <a:srgbClr val="000000"/>
+                </a:solidFill>
+                <a:latin typeface="Calibri"/>
+                <a:ea typeface="DejaVu Sans"/>
+              </a:rPr>
+              <a:t> </a:t>
+            </a:r>
+            <a:r>
+              <a:rPr lang="de-DE" sz="1200" b="0" strike="noStrike" spc="-1" dirty="0" err="1">
+                <a:solidFill>
+                  <a:srgbClr val="000000"/>
+                </a:solidFill>
+                <a:latin typeface="Calibri"/>
+                <a:ea typeface="DejaVu Sans"/>
+              </a:rPr>
+              <a:t>that</a:t>
+            </a:r>
+            <a:r>
+              <a:rPr lang="de-DE" sz="1200" b="0" strike="noStrike" spc="-1" dirty="0">
+                <a:solidFill>
+                  <a:srgbClr val="000000"/>
+                </a:solidFill>
+                <a:latin typeface="Calibri"/>
+                <a:ea typeface="DejaVu Sans"/>
+              </a:rPr>
+              <a:t> </a:t>
+            </a:r>
+            <a:r>
+              <a:rPr lang="de-DE" sz="1200" b="0" strike="noStrike" spc="-1" dirty="0" err="1">
+                <a:solidFill>
+                  <a:srgbClr val="000000"/>
+                </a:solidFill>
+                <a:latin typeface="Calibri"/>
+                <a:ea typeface="DejaVu Sans"/>
+              </a:rPr>
+              <a:t>contains</a:t>
+            </a:r>
+            <a:r>
+              <a:rPr lang="de-DE" sz="1200" b="0" strike="noStrike" spc="-1" dirty="0">
+                <a:solidFill>
+                  <a:srgbClr val="000000"/>
+                </a:solidFill>
+                <a:latin typeface="Calibri"/>
+                <a:ea typeface="DejaVu Sans"/>
+              </a:rPr>
+              <a:t> </a:t>
+            </a:r>
+            <a:r>
+              <a:rPr lang="de-DE" sz="1200" b="0" strike="noStrike" spc="-1" dirty="0" err="1">
+                <a:solidFill>
+                  <a:srgbClr val="000000"/>
+                </a:solidFill>
+                <a:latin typeface="Calibri"/>
+                <a:ea typeface="DejaVu Sans"/>
+              </a:rPr>
+              <a:t>the</a:t>
+            </a:r>
+            <a:r>
+              <a:rPr lang="de-DE" sz="1200" b="0" strike="noStrike" spc="-1" dirty="0">
+                <a:solidFill>
+                  <a:srgbClr val="000000"/>
+                </a:solidFill>
+                <a:latin typeface="Calibri"/>
+                <a:ea typeface="DejaVu Sans"/>
+              </a:rPr>
+              <a:t> </a:t>
+            </a:r>
+            <a:r>
+              <a:rPr lang="de-DE" sz="1200" b="0" strike="noStrike" spc="-1" dirty="0" err="1">
+                <a:solidFill>
+                  <a:srgbClr val="000000"/>
+                </a:solidFill>
+                <a:latin typeface="Calibri"/>
+                <a:ea typeface="DejaVu Sans"/>
+              </a:rPr>
+              <a:t>important</a:t>
+            </a:r>
+            <a:r>
+              <a:rPr lang="de-DE" sz="1200" b="0" strike="noStrike" spc="-1" dirty="0">
+                <a:solidFill>
+                  <a:srgbClr val="000000"/>
+                </a:solidFill>
+                <a:latin typeface="Calibri"/>
+                <a:ea typeface="DejaVu Sans"/>
+              </a:rPr>
+              <a:t> </a:t>
+            </a:r>
+            <a:r>
+              <a:rPr lang="de-DE" sz="1200" b="0" strike="noStrike" spc="-1" dirty="0" err="1">
+                <a:solidFill>
+                  <a:srgbClr val="000000"/>
+                </a:solidFill>
+                <a:latin typeface="Calibri"/>
+                <a:ea typeface="DejaVu Sans"/>
+              </a:rPr>
+              <a:t>algorithm</a:t>
+            </a:r>
+            <a:r>
+              <a:rPr lang="de-DE" sz="1200" b="0" strike="noStrike" spc="-1" dirty="0">
+                <a:solidFill>
+                  <a:srgbClr val="000000"/>
+                </a:solidFill>
+                <a:latin typeface="Calibri"/>
+                <a:ea typeface="DejaVu Sans"/>
+              </a:rPr>
+              <a:t> (</a:t>
+            </a:r>
+            <a:r>
+              <a:rPr lang="de-DE" sz="1200" b="0" strike="noStrike" spc="-1" dirty="0" err="1">
+                <a:solidFill>
+                  <a:srgbClr val="000000"/>
+                </a:solidFill>
+                <a:latin typeface="Calibri"/>
+                <a:ea typeface="DejaVu Sans"/>
+              </a:rPr>
+              <a:t>Binaries</a:t>
+            </a:r>
+            <a:r>
+              <a:rPr lang="de-DE" sz="1200" b="0" strike="noStrike" spc="-1" dirty="0">
+                <a:solidFill>
+                  <a:srgbClr val="000000"/>
+                </a:solidFill>
+                <a:latin typeface="Calibri"/>
+                <a:ea typeface="DejaVu Sans"/>
+              </a:rPr>
+              <a:t>, </a:t>
+            </a:r>
+            <a:r>
+              <a:rPr lang="de-DE" sz="1200" b="0" strike="noStrike" spc="-1" dirty="0" err="1">
+                <a:solidFill>
+                  <a:srgbClr val="000000"/>
+                </a:solidFill>
+                <a:latin typeface="Calibri"/>
+                <a:ea typeface="DejaVu Sans"/>
+              </a:rPr>
+              <a:t>Executables</a:t>
+            </a:r>
+            <a:r>
+              <a:rPr lang="de-DE" sz="1200" b="0" strike="noStrike" spc="-1" dirty="0">
+                <a:solidFill>
+                  <a:srgbClr val="000000"/>
+                </a:solidFill>
+                <a:latin typeface="Calibri"/>
+                <a:ea typeface="DejaVu Sans"/>
+              </a:rPr>
+              <a:t>, …)</a:t>
+            </a:r>
+            <a:endParaRPr lang="nl-NL" dirty="0"/>
+          </a:p>
+        </p:txBody>
+      </p:sp>
+      <p:sp>
+        <p:nvSpPr>
+          <p:cNvPr id="4" name="Slide Number Placeholder 3"/>
+          <p:cNvSpPr>
+            <a:spLocks noGrp="1"/>
+          </p:cNvSpPr>
+          <p:nvPr>
+            <p:ph type="sldNum" sz="quarter" idx="5"/>
+          </p:nvPr>
+        </p:nvSpPr>
+        <p:spPr/>
+        <p:txBody>
+          <a:bodyPr/>
+          <a:lstStyle/>
+          <a:p>
+            <a:fld id="{589FD4FC-3991-428A-BACE-69EE09E264E0}" type="slidenum">
+              <a:rPr lang="nl-NL" smtClean="0"/>
+              <a:t>11</a:t>
+            </a:fld>
+            <a:endParaRPr lang="nl-NL"/>
+          </a:p>
+        </p:txBody>
+      </p:sp>
+    </p:spTree>
+    <p:extLst>
+      <p:ext uri="{BB962C8B-B14F-4D97-AF65-F5344CB8AC3E}">
+        <p14:creationId xmlns:p14="http://schemas.microsoft.com/office/powerpoint/2010/main" val="2142106323"/>
+      </p:ext>
+    </p:extLst>
+  </p:cSld>
+  <p:clrMapOvr>
+    <a:masterClrMapping/>
+  </p:clrMapOvr>
+</p:notes>
+</file>
+
+<file path=ppt/notesSlides/notesSlide12.xml><?xml version="1.0" encoding="utf-8"?>
+<p:notes xmlns:a="http://schemas.openxmlformats.org/drawingml/2006/main" xmlns:r="http://schemas.openxmlformats.org/officeDocument/2006/relationships" xmlns:p="http://schemas.openxmlformats.org/presentationml/2006/main">
+  <p:cSld>
+    <p:spTree>
+      <p:nvGrpSpPr>
+        <p:cNvPr id="1" name=""/>
+        <p:cNvGrpSpPr/>
+        <p:nvPr/>
+      </p:nvGrpSpPr>
+      <p:grpSpPr>
+        <a:xfrm>
+          <a:off x="0" y="0"/>
+          <a:ext cx="0" cy="0"/>
+          <a:chOff x="0" y="0"/>
+          <a:chExt cx="0" cy="0"/>
+        </a:xfrm>
+      </p:grpSpPr>
+      <p:sp>
+        <p:nvSpPr>
+          <p:cNvPr id="2" name="Tijdelijke aanduiding voor dia-afbeelding 1"/>
+          <p:cNvSpPr>
+            <a:spLocks noGrp="1" noRot="1" noChangeAspect="1"/>
+          </p:cNvSpPr>
+          <p:nvPr>
+            <p:ph type="sldImg"/>
+          </p:nvPr>
+        </p:nvSpPr>
+        <p:spPr/>
+      </p:sp>
+      <p:sp>
+        <p:nvSpPr>
+          <p:cNvPr id="3" name="Tijdelijke aanduiding voor notities 2"/>
+          <p:cNvSpPr>
+            <a:spLocks noGrp="1"/>
+          </p:cNvSpPr>
+          <p:nvPr>
+            <p:ph type="body" idx="1"/>
+          </p:nvPr>
+        </p:nvSpPr>
+        <p:spPr/>
+        <p:txBody>
+          <a:bodyPr/>
+          <a:lstStyle/>
+          <a:p>
+            <a:pPr algn="l"/>
+            <a:r>
+              <a:rPr lang="nl-NL" b="0" i="0" dirty="0" err="1">
+                <a:solidFill>
+                  <a:srgbClr val="24292F"/>
+                </a:solidFill>
+                <a:effectLst/>
+                <a:latin typeface="-apple-system"/>
+              </a:rPr>
+              <a:t>Install</a:t>
+            </a:r>
+            <a:r>
+              <a:rPr lang="nl-NL" b="0" i="0" dirty="0">
+                <a:solidFill>
+                  <a:srgbClr val="24292F"/>
+                </a:solidFill>
+                <a:effectLst/>
+                <a:latin typeface="-apple-system"/>
+              </a:rPr>
+              <a:t>:</a:t>
+            </a:r>
+          </a:p>
+          <a:p>
+            <a:pPr algn="l"/>
+            <a:r>
+              <a:rPr lang="nl-NL" b="0" i="0" dirty="0" err="1">
+                <a:solidFill>
+                  <a:srgbClr val="24292F"/>
+                </a:solidFill>
+                <a:effectLst/>
+                <a:latin typeface="-apple-system"/>
+              </a:rPr>
+              <a:t>To</a:t>
+            </a:r>
+            <a:r>
+              <a:rPr lang="nl-NL" b="0" i="0" dirty="0">
+                <a:solidFill>
+                  <a:srgbClr val="24292F"/>
+                </a:solidFill>
+                <a:effectLst/>
+                <a:latin typeface="-apple-system"/>
+              </a:rPr>
+              <a:t> </a:t>
+            </a:r>
+            <a:r>
+              <a:rPr lang="nl-NL" b="0" i="0" dirty="0" err="1">
+                <a:solidFill>
+                  <a:srgbClr val="24292F"/>
+                </a:solidFill>
+                <a:effectLst/>
+                <a:latin typeface="-apple-system"/>
+              </a:rPr>
+              <a:t>install</a:t>
+            </a:r>
+            <a:r>
+              <a:rPr lang="nl-NL" b="0" i="0" dirty="0">
+                <a:solidFill>
+                  <a:srgbClr val="24292F"/>
+                </a:solidFill>
+                <a:effectLst/>
+                <a:latin typeface="-apple-system"/>
+              </a:rPr>
+              <a:t> </a:t>
+            </a:r>
+            <a:r>
+              <a:rPr lang="nl-NL" b="0" i="0" dirty="0" err="1">
+                <a:solidFill>
+                  <a:srgbClr val="24292F"/>
+                </a:solidFill>
+                <a:effectLst/>
+                <a:latin typeface="-apple-system"/>
+              </a:rPr>
+              <a:t>an</a:t>
+            </a:r>
+            <a:r>
+              <a:rPr lang="nl-NL" b="0" i="0" dirty="0">
+                <a:solidFill>
+                  <a:srgbClr val="24292F"/>
+                </a:solidFill>
+                <a:effectLst/>
+                <a:latin typeface="-apple-system"/>
+              </a:rPr>
+              <a:t> official pre-built </a:t>
+            </a:r>
+            <a:r>
+              <a:rPr lang="nl-NL" b="0" i="0" dirty="0" err="1">
+                <a:solidFill>
+                  <a:srgbClr val="24292F"/>
+                </a:solidFill>
+                <a:effectLst/>
+                <a:latin typeface="-apple-system"/>
+              </a:rPr>
+              <a:t>multi</a:t>
+            </a:r>
+            <a:r>
+              <a:rPr lang="nl-NL" b="0" i="0" dirty="0">
+                <a:solidFill>
+                  <a:srgbClr val="24292F"/>
+                </a:solidFill>
+                <a:effectLst/>
+                <a:latin typeface="-apple-system"/>
+              </a:rPr>
+              <a:t>-platform </a:t>
+            </a:r>
+            <a:r>
+              <a:rPr lang="nl-NL" b="0" i="0" dirty="0" err="1">
+                <a:solidFill>
+                  <a:srgbClr val="24292F"/>
+                </a:solidFill>
+                <a:effectLst/>
+                <a:latin typeface="-apple-system"/>
+              </a:rPr>
+              <a:t>Ghidra</a:t>
+            </a:r>
+            <a:r>
+              <a:rPr lang="nl-NL" b="0" i="0" dirty="0">
+                <a:solidFill>
+                  <a:srgbClr val="24292F"/>
+                </a:solidFill>
+                <a:effectLst/>
+                <a:latin typeface="-apple-system"/>
+              </a:rPr>
+              <a:t> release:</a:t>
+            </a:r>
+          </a:p>
+          <a:p>
+            <a:pPr algn="l">
+              <a:buFont typeface="Arial" panose="020B0604020202020204" pitchFamily="34" charset="0"/>
+              <a:buChar char="•"/>
+            </a:pPr>
+            <a:r>
+              <a:rPr lang="nl-NL" b="0" i="0" dirty="0" err="1">
+                <a:solidFill>
+                  <a:srgbClr val="24292F"/>
+                </a:solidFill>
+                <a:effectLst/>
+                <a:latin typeface="-apple-system"/>
+              </a:rPr>
+              <a:t>Install</a:t>
+            </a:r>
+            <a:r>
+              <a:rPr lang="nl-NL" b="0" i="0" dirty="0">
+                <a:solidFill>
+                  <a:srgbClr val="24292F"/>
+                </a:solidFill>
+                <a:effectLst/>
+                <a:latin typeface="-apple-system"/>
+              </a:rPr>
+              <a:t> </a:t>
+            </a:r>
+            <a:r>
+              <a:rPr lang="nl-NL" b="0" i="0" u="none" strike="noStrike" dirty="0">
+                <a:solidFill>
+                  <a:srgbClr val="24292F"/>
+                </a:solidFill>
+                <a:effectLst/>
+                <a:latin typeface="-apple-system"/>
+                <a:hlinkClick r:id="rId3"/>
+              </a:rPr>
+              <a:t>JDK 17 64-bit</a:t>
+            </a:r>
+            <a:endParaRPr lang="nl-NL" b="0" i="0" dirty="0">
+              <a:solidFill>
+                <a:srgbClr val="24292F"/>
+              </a:solidFill>
+              <a:effectLst/>
+              <a:latin typeface="-apple-system"/>
+            </a:endParaRPr>
+          </a:p>
+          <a:p>
+            <a:pPr algn="l">
+              <a:buFont typeface="Arial" panose="020B0604020202020204" pitchFamily="34" charset="0"/>
+              <a:buChar char="•"/>
+            </a:pPr>
+            <a:r>
+              <a:rPr lang="nl-NL" b="0" i="0" dirty="0">
+                <a:solidFill>
+                  <a:srgbClr val="24292F"/>
+                </a:solidFill>
+                <a:effectLst/>
+                <a:latin typeface="-apple-system"/>
+              </a:rPr>
+              <a:t>Download a </a:t>
+            </a:r>
+            <a:r>
+              <a:rPr lang="nl-NL" b="0" i="0" dirty="0" err="1">
+                <a:solidFill>
+                  <a:srgbClr val="24292F"/>
+                </a:solidFill>
+                <a:effectLst/>
+                <a:latin typeface="-apple-system"/>
+              </a:rPr>
+              <a:t>Ghidra</a:t>
+            </a:r>
+            <a:r>
+              <a:rPr lang="nl-NL" b="0" i="0" dirty="0">
+                <a:solidFill>
+                  <a:srgbClr val="24292F"/>
+                </a:solidFill>
+                <a:effectLst/>
+                <a:latin typeface="-apple-system"/>
+              </a:rPr>
+              <a:t> </a:t>
+            </a:r>
+            <a:r>
+              <a:rPr lang="nl-NL" b="0" i="0" u="none" strike="noStrike" dirty="0">
+                <a:solidFill>
+                  <a:srgbClr val="24292F"/>
+                </a:solidFill>
+                <a:effectLst/>
+                <a:latin typeface="-apple-system"/>
+                <a:hlinkClick r:id="rId4"/>
+              </a:rPr>
+              <a:t>release file</a:t>
+            </a:r>
+            <a:endParaRPr lang="nl-NL" b="0" i="0" dirty="0">
+              <a:solidFill>
+                <a:srgbClr val="24292F"/>
+              </a:solidFill>
+              <a:effectLst/>
+              <a:latin typeface="-apple-system"/>
+            </a:endParaRPr>
+          </a:p>
+          <a:p>
+            <a:pPr algn="l">
+              <a:buFont typeface="Arial" panose="020B0604020202020204" pitchFamily="34" charset="0"/>
+              <a:buChar char="•"/>
+            </a:pPr>
+            <a:r>
+              <a:rPr lang="nl-NL" b="0" i="0" dirty="0">
+                <a:solidFill>
+                  <a:srgbClr val="24292F"/>
+                </a:solidFill>
+                <a:effectLst/>
+                <a:latin typeface="-apple-system"/>
+              </a:rPr>
+              <a:t>Extract </a:t>
+            </a:r>
+            <a:r>
+              <a:rPr lang="nl-NL" b="0" i="0" dirty="0" err="1">
+                <a:solidFill>
+                  <a:srgbClr val="24292F"/>
+                </a:solidFill>
+                <a:effectLst/>
+                <a:latin typeface="-apple-system"/>
+              </a:rPr>
+              <a:t>the</a:t>
+            </a:r>
+            <a:r>
+              <a:rPr lang="nl-NL" b="0" i="0" dirty="0">
+                <a:solidFill>
+                  <a:srgbClr val="24292F"/>
+                </a:solidFill>
+                <a:effectLst/>
+                <a:latin typeface="-apple-system"/>
+              </a:rPr>
+              <a:t> </a:t>
+            </a:r>
+            <a:r>
+              <a:rPr lang="nl-NL" b="0" i="0" dirty="0" err="1">
+                <a:solidFill>
+                  <a:srgbClr val="24292F"/>
+                </a:solidFill>
+                <a:effectLst/>
+                <a:latin typeface="-apple-system"/>
+              </a:rPr>
+              <a:t>Ghidra</a:t>
+            </a:r>
+            <a:r>
+              <a:rPr lang="nl-NL" b="0" i="0" dirty="0">
+                <a:solidFill>
+                  <a:srgbClr val="24292F"/>
+                </a:solidFill>
+                <a:effectLst/>
+                <a:latin typeface="-apple-system"/>
+              </a:rPr>
+              <a:t> release file</a:t>
+            </a:r>
+          </a:p>
+          <a:p>
+            <a:pPr algn="l">
+              <a:buFont typeface="Arial" panose="020B0604020202020204" pitchFamily="34" charset="0"/>
+              <a:buChar char="•"/>
+            </a:pPr>
+            <a:r>
+              <a:rPr lang="nl-NL" b="0" i="0" dirty="0" err="1">
+                <a:solidFill>
+                  <a:srgbClr val="24292F"/>
+                </a:solidFill>
+                <a:effectLst/>
+                <a:latin typeface="-apple-system"/>
+              </a:rPr>
+              <a:t>Launch</a:t>
+            </a:r>
+            <a:r>
+              <a:rPr lang="nl-NL" b="0" i="0" dirty="0">
+                <a:solidFill>
+                  <a:srgbClr val="24292F"/>
+                </a:solidFill>
+                <a:effectLst/>
+                <a:latin typeface="-apple-system"/>
+              </a:rPr>
+              <a:t> </a:t>
+            </a:r>
+            <a:r>
+              <a:rPr lang="nl-NL" b="0" i="0" dirty="0" err="1">
+                <a:solidFill>
+                  <a:srgbClr val="24292F"/>
+                </a:solidFill>
+                <a:effectLst/>
+                <a:latin typeface="-apple-system"/>
+              </a:rPr>
+              <a:t>Ghidra</a:t>
+            </a:r>
+            <a:r>
+              <a:rPr lang="nl-NL" b="0" i="0" dirty="0">
+                <a:solidFill>
+                  <a:srgbClr val="24292F"/>
+                </a:solidFill>
+                <a:effectLst/>
+                <a:latin typeface="-apple-system"/>
+              </a:rPr>
+              <a:t>: ./</a:t>
+            </a:r>
+            <a:r>
+              <a:rPr lang="nl-NL" b="0" i="0" dirty="0" err="1">
+                <a:solidFill>
+                  <a:srgbClr val="24292F"/>
+                </a:solidFill>
+                <a:effectLst/>
+                <a:latin typeface="-apple-system"/>
+              </a:rPr>
+              <a:t>ghidraRun</a:t>
+            </a:r>
+            <a:r>
+              <a:rPr lang="nl-NL" b="0" i="0" dirty="0">
+                <a:solidFill>
+                  <a:srgbClr val="24292F"/>
+                </a:solidFill>
+                <a:effectLst/>
+                <a:latin typeface="-apple-system"/>
+              </a:rPr>
+              <a:t> (or ghidraRun.bat </a:t>
+            </a:r>
+            <a:r>
+              <a:rPr lang="nl-NL" b="0" i="0" dirty="0" err="1">
+                <a:solidFill>
+                  <a:srgbClr val="24292F"/>
+                </a:solidFill>
+                <a:effectLst/>
+                <a:latin typeface="-apple-system"/>
+              </a:rPr>
+              <a:t>for</a:t>
+            </a:r>
+            <a:r>
+              <a:rPr lang="nl-NL" b="0" i="0" dirty="0">
+                <a:solidFill>
+                  <a:srgbClr val="24292F"/>
+                </a:solidFill>
+                <a:effectLst/>
+                <a:latin typeface="-apple-system"/>
+              </a:rPr>
+              <a:t> Windows)</a:t>
+            </a:r>
+          </a:p>
+          <a:p>
+            <a:pPr algn="l"/>
+            <a:r>
+              <a:rPr lang="nl-NL" b="0" i="0" dirty="0">
+                <a:solidFill>
+                  <a:srgbClr val="24292F"/>
+                </a:solidFill>
+                <a:effectLst/>
+                <a:latin typeface="-apple-system"/>
+              </a:rPr>
+              <a:t>For </a:t>
+            </a:r>
+            <a:r>
+              <a:rPr lang="nl-NL" b="0" i="0" dirty="0" err="1">
+                <a:solidFill>
+                  <a:srgbClr val="24292F"/>
+                </a:solidFill>
+                <a:effectLst/>
+                <a:latin typeface="-apple-system"/>
+              </a:rPr>
+              <a:t>additional</a:t>
+            </a:r>
+            <a:r>
+              <a:rPr lang="nl-NL" b="0" i="0" dirty="0">
+                <a:solidFill>
+                  <a:srgbClr val="24292F"/>
+                </a:solidFill>
+                <a:effectLst/>
+                <a:latin typeface="-apple-system"/>
+              </a:rPr>
+              <a:t> information </a:t>
+            </a:r>
+            <a:r>
+              <a:rPr lang="nl-NL" b="0" i="0" dirty="0" err="1">
+                <a:solidFill>
+                  <a:srgbClr val="24292F"/>
+                </a:solidFill>
+                <a:effectLst/>
+                <a:latin typeface="-apple-system"/>
+              </a:rPr>
+              <a:t>and</a:t>
+            </a:r>
+            <a:r>
+              <a:rPr lang="nl-NL" b="0" i="0" dirty="0">
+                <a:solidFill>
+                  <a:srgbClr val="24292F"/>
+                </a:solidFill>
+                <a:effectLst/>
+                <a:latin typeface="-apple-system"/>
+              </a:rPr>
+              <a:t> </a:t>
+            </a:r>
+            <a:r>
+              <a:rPr lang="nl-NL" b="0" i="0" dirty="0" err="1">
+                <a:solidFill>
+                  <a:srgbClr val="24292F"/>
+                </a:solidFill>
+                <a:effectLst/>
+                <a:latin typeface="-apple-system"/>
+              </a:rPr>
+              <a:t>troubleshooting</a:t>
+            </a:r>
+            <a:r>
+              <a:rPr lang="nl-NL" b="0" i="0" dirty="0">
+                <a:solidFill>
+                  <a:srgbClr val="24292F"/>
+                </a:solidFill>
+                <a:effectLst/>
+                <a:latin typeface="-apple-system"/>
+              </a:rPr>
+              <a:t> tips </a:t>
+            </a:r>
+            <a:r>
+              <a:rPr lang="nl-NL" b="0" i="0" dirty="0" err="1">
+                <a:solidFill>
+                  <a:srgbClr val="24292F"/>
+                </a:solidFill>
+                <a:effectLst/>
+                <a:latin typeface="-apple-system"/>
+              </a:rPr>
+              <a:t>about</a:t>
+            </a:r>
+            <a:r>
+              <a:rPr lang="nl-NL" b="0" i="0" dirty="0">
+                <a:solidFill>
+                  <a:srgbClr val="24292F"/>
+                </a:solidFill>
+                <a:effectLst/>
+                <a:latin typeface="-apple-system"/>
+              </a:rPr>
+              <a:t> </a:t>
+            </a:r>
+            <a:r>
+              <a:rPr lang="nl-NL" b="0" i="0" dirty="0" err="1">
+                <a:solidFill>
+                  <a:srgbClr val="24292F"/>
+                </a:solidFill>
+                <a:effectLst/>
+                <a:latin typeface="-apple-system"/>
+              </a:rPr>
+              <a:t>installing</a:t>
+            </a:r>
+            <a:r>
+              <a:rPr lang="nl-NL" b="0" i="0" dirty="0">
+                <a:solidFill>
+                  <a:srgbClr val="24292F"/>
+                </a:solidFill>
+                <a:effectLst/>
+                <a:latin typeface="-apple-system"/>
+              </a:rPr>
+              <a:t> </a:t>
+            </a:r>
+            <a:r>
+              <a:rPr lang="nl-NL" b="0" i="0" dirty="0" err="1">
+                <a:solidFill>
+                  <a:srgbClr val="24292F"/>
+                </a:solidFill>
+                <a:effectLst/>
+                <a:latin typeface="-apple-system"/>
+              </a:rPr>
+              <a:t>and</a:t>
+            </a:r>
+            <a:r>
+              <a:rPr lang="nl-NL" b="0" i="0" dirty="0">
+                <a:solidFill>
+                  <a:srgbClr val="24292F"/>
+                </a:solidFill>
+                <a:effectLst/>
+                <a:latin typeface="-apple-system"/>
+              </a:rPr>
+              <a:t> running a </a:t>
+            </a:r>
+            <a:r>
+              <a:rPr lang="nl-NL" b="0" i="0" dirty="0" err="1">
+                <a:solidFill>
+                  <a:srgbClr val="24292F"/>
+                </a:solidFill>
+                <a:effectLst/>
+                <a:latin typeface="-apple-system"/>
+              </a:rPr>
+              <a:t>Ghidra</a:t>
+            </a:r>
+            <a:r>
+              <a:rPr lang="nl-NL" b="0" i="0" dirty="0">
+                <a:solidFill>
+                  <a:srgbClr val="24292F"/>
+                </a:solidFill>
+                <a:effectLst/>
+                <a:latin typeface="-apple-system"/>
+              </a:rPr>
+              <a:t> release, </a:t>
+            </a:r>
+            <a:r>
+              <a:rPr lang="nl-NL" b="0" i="0" dirty="0" err="1">
+                <a:solidFill>
+                  <a:srgbClr val="24292F"/>
+                </a:solidFill>
+                <a:effectLst/>
+                <a:latin typeface="-apple-system"/>
+              </a:rPr>
+              <a:t>please</a:t>
+            </a:r>
+            <a:r>
+              <a:rPr lang="nl-NL" b="0" i="0" dirty="0">
+                <a:solidFill>
+                  <a:srgbClr val="24292F"/>
+                </a:solidFill>
+                <a:effectLst/>
+                <a:latin typeface="-apple-system"/>
+              </a:rPr>
+              <a:t> </a:t>
+            </a:r>
+            <a:r>
+              <a:rPr lang="nl-NL" b="0" i="0" dirty="0" err="1">
+                <a:solidFill>
+                  <a:srgbClr val="24292F"/>
+                </a:solidFill>
+                <a:effectLst/>
+                <a:latin typeface="-apple-system"/>
+              </a:rPr>
+              <a:t>refer</a:t>
+            </a:r>
+            <a:r>
+              <a:rPr lang="nl-NL" b="0" i="0" dirty="0">
+                <a:solidFill>
+                  <a:srgbClr val="24292F"/>
+                </a:solidFill>
+                <a:effectLst/>
+                <a:latin typeface="-apple-system"/>
+              </a:rPr>
+              <a:t> </a:t>
+            </a:r>
+            <a:r>
+              <a:rPr lang="nl-NL" b="0" i="0" dirty="0" err="1">
+                <a:solidFill>
+                  <a:srgbClr val="24292F"/>
+                </a:solidFill>
+                <a:effectLst/>
+                <a:latin typeface="-apple-system"/>
+              </a:rPr>
+              <a:t>to</a:t>
+            </a:r>
+            <a:r>
+              <a:rPr lang="nl-NL" b="0" i="0" dirty="0">
+                <a:solidFill>
+                  <a:srgbClr val="24292F"/>
+                </a:solidFill>
+                <a:effectLst/>
+                <a:latin typeface="-apple-system"/>
+              </a:rPr>
+              <a:t> </a:t>
+            </a:r>
+            <a:r>
+              <a:rPr lang="nl-NL" b="0" i="0" dirty="0" err="1">
+                <a:solidFill>
+                  <a:srgbClr val="24292F"/>
+                </a:solidFill>
+                <a:effectLst/>
+                <a:latin typeface="-apple-system"/>
+              </a:rPr>
+              <a:t>docs</a:t>
+            </a:r>
+            <a:r>
+              <a:rPr lang="nl-NL" b="0" i="0" dirty="0">
+                <a:solidFill>
+                  <a:srgbClr val="24292F"/>
+                </a:solidFill>
+                <a:effectLst/>
+                <a:latin typeface="-apple-system"/>
+              </a:rPr>
+              <a:t>/InstallationGuide.html </a:t>
+            </a:r>
+            <a:r>
+              <a:rPr lang="nl-NL" b="0" i="0" dirty="0" err="1">
+                <a:solidFill>
+                  <a:srgbClr val="24292F"/>
+                </a:solidFill>
+                <a:effectLst/>
+                <a:latin typeface="-apple-system"/>
+              </a:rPr>
+              <a:t>which</a:t>
+            </a:r>
+            <a:r>
+              <a:rPr lang="nl-NL" b="0" i="0" dirty="0">
+                <a:solidFill>
+                  <a:srgbClr val="24292F"/>
+                </a:solidFill>
+                <a:effectLst/>
+                <a:latin typeface="-apple-system"/>
+              </a:rPr>
+              <a:t> </a:t>
+            </a:r>
+            <a:r>
+              <a:rPr lang="nl-NL" b="0" i="0" dirty="0" err="1">
+                <a:solidFill>
+                  <a:srgbClr val="24292F"/>
+                </a:solidFill>
+                <a:effectLst/>
+                <a:latin typeface="-apple-system"/>
+              </a:rPr>
+              <a:t>can</a:t>
+            </a:r>
+            <a:r>
+              <a:rPr lang="nl-NL" b="0" i="0" dirty="0">
+                <a:solidFill>
+                  <a:srgbClr val="24292F"/>
+                </a:solidFill>
+                <a:effectLst/>
+                <a:latin typeface="-apple-system"/>
+              </a:rPr>
+              <a:t> </a:t>
+            </a:r>
+            <a:r>
+              <a:rPr lang="nl-NL" b="0" i="0" dirty="0" err="1">
+                <a:solidFill>
+                  <a:srgbClr val="24292F"/>
+                </a:solidFill>
+                <a:effectLst/>
+                <a:latin typeface="-apple-system"/>
+              </a:rPr>
+              <a:t>be</a:t>
+            </a:r>
+            <a:r>
+              <a:rPr lang="nl-NL" b="0" i="0" dirty="0">
+                <a:solidFill>
+                  <a:srgbClr val="24292F"/>
+                </a:solidFill>
+                <a:effectLst/>
+                <a:latin typeface="-apple-system"/>
+              </a:rPr>
+              <a:t> found in </a:t>
+            </a:r>
+            <a:r>
+              <a:rPr lang="nl-NL" b="0" i="0" dirty="0" err="1">
+                <a:solidFill>
+                  <a:srgbClr val="24292F"/>
+                </a:solidFill>
+                <a:effectLst/>
+                <a:latin typeface="-apple-system"/>
+              </a:rPr>
+              <a:t>your</a:t>
+            </a:r>
+            <a:r>
+              <a:rPr lang="nl-NL" b="0" i="0" dirty="0">
+                <a:solidFill>
+                  <a:srgbClr val="24292F"/>
+                </a:solidFill>
+                <a:effectLst/>
+                <a:latin typeface="-apple-system"/>
+              </a:rPr>
+              <a:t> </a:t>
+            </a:r>
+            <a:r>
+              <a:rPr lang="nl-NL" b="0" i="0" dirty="0" err="1">
+                <a:solidFill>
+                  <a:srgbClr val="24292F"/>
+                </a:solidFill>
+                <a:effectLst/>
+                <a:latin typeface="-apple-system"/>
+              </a:rPr>
+              <a:t>extracted</a:t>
+            </a:r>
+            <a:r>
+              <a:rPr lang="nl-NL" b="0" i="0" dirty="0">
+                <a:solidFill>
+                  <a:srgbClr val="24292F"/>
+                </a:solidFill>
+                <a:effectLst/>
+                <a:latin typeface="-apple-system"/>
+              </a:rPr>
+              <a:t> </a:t>
+            </a:r>
+            <a:r>
+              <a:rPr lang="nl-NL" b="0" i="0" dirty="0" err="1">
+                <a:solidFill>
+                  <a:srgbClr val="24292F"/>
+                </a:solidFill>
+                <a:effectLst/>
+                <a:latin typeface="-apple-system"/>
+              </a:rPr>
+              <a:t>Ghidra</a:t>
+            </a:r>
+            <a:r>
+              <a:rPr lang="nl-NL" b="0" i="0" dirty="0">
+                <a:solidFill>
+                  <a:srgbClr val="24292F"/>
+                </a:solidFill>
+                <a:effectLst/>
+                <a:latin typeface="-apple-system"/>
+              </a:rPr>
+              <a:t> release directory.</a:t>
+            </a:r>
+          </a:p>
+          <a:p>
+            <a:pPr algn="l"/>
+            <a:r>
+              <a:rPr lang="nl-NL" b="0" i="0" dirty="0" err="1">
+                <a:solidFill>
+                  <a:srgbClr val="24292F"/>
+                </a:solidFill>
+                <a:effectLst/>
+                <a:latin typeface="-apple-system"/>
+              </a:rPr>
+              <a:t>Build</a:t>
+            </a:r>
+            <a:endParaRPr lang="nl-NL" b="0" i="0" dirty="0">
+              <a:solidFill>
+                <a:srgbClr val="24292F"/>
+              </a:solidFill>
+              <a:effectLst/>
+              <a:latin typeface="-apple-system"/>
+            </a:endParaRPr>
+          </a:p>
+          <a:p>
+            <a:pPr algn="l"/>
+            <a:r>
+              <a:rPr lang="en-US" b="0" i="0" dirty="0">
+                <a:solidFill>
+                  <a:srgbClr val="24292F"/>
+                </a:solidFill>
+                <a:effectLst/>
+                <a:latin typeface="-apple-system"/>
+              </a:rPr>
+              <a:t>to create the latest development build for your platform from this source repository:</a:t>
+            </a:r>
+          </a:p>
+          <a:p>
+            <a:pPr algn="l"/>
+            <a:r>
+              <a:rPr lang="en-US" b="1" i="0" dirty="0">
+                <a:solidFill>
+                  <a:srgbClr val="24292F"/>
+                </a:solidFill>
+                <a:effectLst/>
+                <a:latin typeface="-apple-system"/>
+              </a:rPr>
+              <a:t>Install build tools:</a:t>
+            </a:r>
+          </a:p>
+          <a:p>
+            <a:pPr algn="l">
+              <a:buFont typeface="Arial" panose="020B0604020202020204" pitchFamily="34" charset="0"/>
+              <a:buChar char="•"/>
+            </a:pPr>
+            <a:r>
+              <a:rPr lang="en-US" b="0" i="0" u="none" strike="noStrike" dirty="0">
+                <a:solidFill>
+                  <a:srgbClr val="24292F"/>
+                </a:solidFill>
+                <a:effectLst/>
+                <a:latin typeface="-apple-system"/>
+                <a:hlinkClick r:id="rId3"/>
+              </a:rPr>
+              <a:t>JDK 17 64-bit</a:t>
+            </a:r>
+            <a:endParaRPr lang="en-US" b="0" i="0" dirty="0">
+              <a:solidFill>
+                <a:srgbClr val="24292F"/>
+              </a:solidFill>
+              <a:effectLst/>
+              <a:latin typeface="-apple-system"/>
+            </a:endParaRPr>
+          </a:p>
+          <a:p>
+            <a:pPr algn="l">
+              <a:buFont typeface="Arial" panose="020B0604020202020204" pitchFamily="34" charset="0"/>
+              <a:buChar char="•"/>
+            </a:pPr>
+            <a:r>
+              <a:rPr lang="en-US" b="0" i="0" u="none" strike="noStrike" dirty="0">
+                <a:solidFill>
+                  <a:srgbClr val="24292F"/>
+                </a:solidFill>
+                <a:effectLst/>
+                <a:latin typeface="-apple-system"/>
+                <a:hlinkClick r:id="rId5"/>
+              </a:rPr>
+              <a:t>Gradle 7.3+</a:t>
+            </a:r>
+            <a:endParaRPr lang="en-US" b="0" i="0" dirty="0">
+              <a:solidFill>
+                <a:srgbClr val="24292F"/>
+              </a:solidFill>
+              <a:effectLst/>
+              <a:latin typeface="-apple-system"/>
+            </a:endParaRPr>
+          </a:p>
+          <a:p>
+            <a:pPr algn="l">
+              <a:buFont typeface="Arial" panose="020B0604020202020204" pitchFamily="34" charset="0"/>
+              <a:buChar char="•"/>
+            </a:pPr>
+            <a:r>
+              <a:rPr lang="en-US" b="0" i="0" dirty="0">
+                <a:solidFill>
+                  <a:srgbClr val="24292F"/>
+                </a:solidFill>
+                <a:effectLst/>
+                <a:latin typeface="-apple-system"/>
+              </a:rPr>
+              <a:t>make, </a:t>
+            </a:r>
+            <a:r>
+              <a:rPr lang="en-US" b="0" i="0" dirty="0" err="1">
+                <a:solidFill>
+                  <a:srgbClr val="24292F"/>
+                </a:solidFill>
+                <a:effectLst/>
+                <a:latin typeface="-apple-system"/>
+              </a:rPr>
+              <a:t>gcc</a:t>
+            </a:r>
+            <a:r>
+              <a:rPr lang="en-US" b="0" i="0" dirty="0">
+                <a:solidFill>
+                  <a:srgbClr val="24292F"/>
+                </a:solidFill>
+                <a:effectLst/>
+                <a:latin typeface="-apple-system"/>
+              </a:rPr>
+              <a:t>, and g++ (Linux/macOS-only)</a:t>
+            </a:r>
+          </a:p>
+          <a:p>
+            <a:pPr algn="l">
+              <a:buFont typeface="Arial" panose="020B0604020202020204" pitchFamily="34" charset="0"/>
+              <a:buChar char="•"/>
+            </a:pPr>
+            <a:r>
+              <a:rPr lang="en-US" b="0" i="0" u="none" strike="noStrike" dirty="0">
+                <a:solidFill>
+                  <a:srgbClr val="24292F"/>
+                </a:solidFill>
+                <a:effectLst/>
+                <a:latin typeface="-apple-system"/>
+                <a:hlinkClick r:id="rId6"/>
+              </a:rPr>
+              <a:t>Microsoft Visual Studio</a:t>
+            </a:r>
+            <a:r>
+              <a:rPr lang="en-US" b="0" i="0" dirty="0">
+                <a:solidFill>
+                  <a:srgbClr val="24292F"/>
+                </a:solidFill>
+                <a:effectLst/>
+                <a:latin typeface="-apple-system"/>
+              </a:rPr>
+              <a:t> (Windows-only)</a:t>
+            </a:r>
+          </a:p>
+          <a:p>
+            <a:pPr algn="l"/>
+            <a:r>
+              <a:rPr lang="en-US" b="1" i="0" dirty="0">
+                <a:solidFill>
+                  <a:srgbClr val="24292F"/>
+                </a:solidFill>
+                <a:effectLst/>
+                <a:latin typeface="-apple-system"/>
+              </a:rPr>
+              <a:t>Download and extract the source:</a:t>
+            </a:r>
+          </a:p>
+          <a:p>
+            <a:pPr algn="l"/>
+            <a:r>
+              <a:rPr lang="en-US" b="0" i="0" u="none" strike="noStrike" dirty="0">
+                <a:solidFill>
+                  <a:srgbClr val="24292F"/>
+                </a:solidFill>
+                <a:effectLst/>
+                <a:latin typeface="-apple-system"/>
+                <a:hlinkClick r:id="rId7"/>
+              </a:rPr>
+              <a:t>Download from GitHub</a:t>
+            </a:r>
+            <a:endParaRPr lang="en-US" b="0" i="0" dirty="0">
+              <a:solidFill>
+                <a:srgbClr val="24292F"/>
+              </a:solidFill>
+              <a:effectLst/>
+              <a:latin typeface="-apple-system"/>
+            </a:endParaRPr>
+          </a:p>
+          <a:p>
+            <a:pPr algn="l"/>
+            <a:r>
+              <a:rPr lang="en-US" b="0" i="0" dirty="0">
+                <a:solidFill>
+                  <a:srgbClr val="24292F"/>
+                </a:solidFill>
+                <a:effectLst/>
+                <a:latin typeface="-apple-system"/>
+              </a:rPr>
+              <a:t>$ unzip </a:t>
+            </a:r>
+            <a:r>
+              <a:rPr lang="en-US" b="0" i="0" dirty="0" err="1">
+                <a:solidFill>
+                  <a:srgbClr val="24292F"/>
+                </a:solidFill>
+                <a:effectLst/>
+                <a:latin typeface="-apple-system"/>
+              </a:rPr>
+              <a:t>ghidra</a:t>
+            </a:r>
+            <a:r>
+              <a:rPr lang="en-US" b="0" i="0" dirty="0">
+                <a:solidFill>
+                  <a:srgbClr val="24292F"/>
+                </a:solidFill>
+                <a:effectLst/>
+                <a:latin typeface="-apple-system"/>
+              </a:rPr>
+              <a:t>-master $ cd </a:t>
+            </a:r>
+            <a:r>
+              <a:rPr lang="en-US" b="0" i="0" dirty="0" err="1">
+                <a:solidFill>
+                  <a:srgbClr val="24292F"/>
+                </a:solidFill>
+                <a:effectLst/>
+                <a:latin typeface="-apple-system"/>
+              </a:rPr>
+              <a:t>ghidra</a:t>
+            </a:r>
+            <a:r>
+              <a:rPr lang="en-US" b="0" i="0" dirty="0">
+                <a:solidFill>
+                  <a:srgbClr val="24292F"/>
+                </a:solidFill>
+                <a:effectLst/>
+                <a:latin typeface="-apple-system"/>
+              </a:rPr>
+              <a:t>-master </a:t>
+            </a:r>
+          </a:p>
+          <a:p>
+            <a:pPr algn="l"/>
+            <a:r>
+              <a:rPr lang="en-US" b="1" i="0" dirty="0">
+                <a:solidFill>
+                  <a:srgbClr val="24292F"/>
+                </a:solidFill>
+                <a:effectLst/>
+                <a:latin typeface="-apple-system"/>
+              </a:rPr>
+              <a:t>NOTE:</a:t>
+            </a:r>
+            <a:r>
+              <a:rPr lang="en-US" b="0" i="0" dirty="0">
+                <a:solidFill>
+                  <a:srgbClr val="24292F"/>
+                </a:solidFill>
+                <a:effectLst/>
+                <a:latin typeface="-apple-system"/>
+              </a:rPr>
+              <a:t> Instead of downloading the compressed source, you may instead want to clone the GitHub repository: git clone https://github.com/NationalSecurityAgency/ghidra.git</a:t>
+            </a:r>
+          </a:p>
+          <a:p>
+            <a:pPr algn="l"/>
+            <a:r>
+              <a:rPr lang="en-US" b="1" i="0" dirty="0">
+                <a:solidFill>
+                  <a:srgbClr val="24292F"/>
+                </a:solidFill>
+                <a:effectLst/>
+                <a:latin typeface="-apple-system"/>
+              </a:rPr>
+              <a:t>Download additional build dependencies into source repository:</a:t>
+            </a:r>
+          </a:p>
+          <a:p>
+            <a:pPr algn="l"/>
+            <a:r>
+              <a:rPr lang="en-US" b="0" i="0" dirty="0">
+                <a:solidFill>
+                  <a:srgbClr val="24292F"/>
+                </a:solidFill>
+                <a:effectLst/>
+                <a:latin typeface="-apple-system"/>
+              </a:rPr>
+              <a:t>$ </a:t>
+            </a:r>
+            <a:r>
+              <a:rPr lang="en-US" b="0" i="0" dirty="0" err="1">
+                <a:solidFill>
+                  <a:srgbClr val="24292F"/>
+                </a:solidFill>
+                <a:effectLst/>
+                <a:latin typeface="-apple-system"/>
+              </a:rPr>
+              <a:t>gradle</a:t>
+            </a:r>
+            <a:r>
+              <a:rPr lang="en-US" b="0" i="0" dirty="0">
+                <a:solidFill>
+                  <a:srgbClr val="24292F"/>
+                </a:solidFill>
+                <a:effectLst/>
+                <a:latin typeface="-apple-system"/>
+              </a:rPr>
+              <a:t> -I </a:t>
+            </a:r>
+            <a:r>
+              <a:rPr lang="en-US" b="0" i="0" dirty="0" err="1">
+                <a:solidFill>
+                  <a:srgbClr val="24292F"/>
+                </a:solidFill>
+                <a:effectLst/>
+                <a:latin typeface="-apple-system"/>
+              </a:rPr>
+              <a:t>gradle</a:t>
+            </a:r>
+            <a:r>
+              <a:rPr lang="en-US" b="0" i="0" dirty="0">
+                <a:solidFill>
+                  <a:srgbClr val="24292F"/>
+                </a:solidFill>
+                <a:effectLst/>
+                <a:latin typeface="-apple-system"/>
+              </a:rPr>
+              <a:t>/support/</a:t>
+            </a:r>
+            <a:r>
+              <a:rPr lang="en-US" b="0" i="0" dirty="0" err="1">
+                <a:solidFill>
+                  <a:srgbClr val="24292F"/>
+                </a:solidFill>
+                <a:effectLst/>
+                <a:latin typeface="-apple-system"/>
+              </a:rPr>
+              <a:t>fetchDependencies.gradle</a:t>
+            </a:r>
+            <a:r>
+              <a:rPr lang="en-US" b="0" i="0" dirty="0">
+                <a:solidFill>
+                  <a:srgbClr val="24292F"/>
+                </a:solidFill>
+                <a:effectLst/>
+                <a:latin typeface="-apple-system"/>
+              </a:rPr>
+              <a:t> </a:t>
+            </a:r>
+            <a:r>
+              <a:rPr lang="en-US" b="0" i="0" dirty="0" err="1">
+                <a:solidFill>
+                  <a:srgbClr val="24292F"/>
+                </a:solidFill>
+                <a:effectLst/>
+                <a:latin typeface="-apple-system"/>
+              </a:rPr>
+              <a:t>init</a:t>
+            </a:r>
+            <a:r>
+              <a:rPr lang="en-US" b="0" i="0" dirty="0">
+                <a:solidFill>
+                  <a:srgbClr val="24292F"/>
+                </a:solidFill>
+                <a:effectLst/>
+                <a:latin typeface="-apple-system"/>
+              </a:rPr>
+              <a:t> </a:t>
+            </a:r>
+          </a:p>
+          <a:p>
+            <a:pPr algn="l"/>
+            <a:r>
+              <a:rPr lang="en-US" b="1" i="0" dirty="0">
+                <a:solidFill>
+                  <a:srgbClr val="24292F"/>
+                </a:solidFill>
+                <a:effectLst/>
+                <a:latin typeface="-apple-system"/>
+              </a:rPr>
+              <a:t>Create development build:</a:t>
+            </a:r>
+          </a:p>
+          <a:p>
+            <a:pPr algn="l"/>
+            <a:r>
+              <a:rPr lang="en-US" b="0" i="0" dirty="0">
+                <a:solidFill>
+                  <a:srgbClr val="24292F"/>
+                </a:solidFill>
+                <a:effectLst/>
+                <a:latin typeface="-apple-system"/>
+              </a:rPr>
+              <a:t>$ </a:t>
+            </a:r>
+            <a:r>
+              <a:rPr lang="en-US" b="0" i="0" dirty="0" err="1">
+                <a:solidFill>
+                  <a:srgbClr val="24292F"/>
+                </a:solidFill>
+                <a:effectLst/>
+                <a:latin typeface="-apple-system"/>
+              </a:rPr>
+              <a:t>gradle</a:t>
+            </a:r>
+            <a:r>
+              <a:rPr lang="en-US" b="0" i="0" dirty="0">
+                <a:solidFill>
+                  <a:srgbClr val="24292F"/>
+                </a:solidFill>
+                <a:effectLst/>
+                <a:latin typeface="-apple-system"/>
+              </a:rPr>
+              <a:t> </a:t>
+            </a:r>
+            <a:r>
+              <a:rPr lang="en-US" b="0" i="0" dirty="0" err="1">
+                <a:solidFill>
+                  <a:srgbClr val="24292F"/>
+                </a:solidFill>
+                <a:effectLst/>
+                <a:latin typeface="-apple-system"/>
+              </a:rPr>
+              <a:t>buildGhidra</a:t>
+            </a:r>
+            <a:r>
+              <a:rPr lang="en-US" b="0" i="0" dirty="0">
+                <a:solidFill>
+                  <a:srgbClr val="24292F"/>
+                </a:solidFill>
+                <a:effectLst/>
+                <a:latin typeface="-apple-system"/>
+              </a:rPr>
+              <a:t> </a:t>
+            </a:r>
+          </a:p>
+          <a:p>
+            <a:pPr algn="l"/>
+            <a:r>
+              <a:rPr lang="en-US" b="0" i="0" dirty="0">
+                <a:solidFill>
+                  <a:srgbClr val="24292F"/>
+                </a:solidFill>
+                <a:effectLst/>
+                <a:latin typeface="-apple-system"/>
+              </a:rPr>
+              <a:t>The compressed development build will be located at build/</a:t>
+            </a:r>
+            <a:r>
+              <a:rPr lang="en-US" b="0" i="0" dirty="0" err="1">
+                <a:solidFill>
+                  <a:srgbClr val="24292F"/>
+                </a:solidFill>
+                <a:effectLst/>
+                <a:latin typeface="-apple-system"/>
+              </a:rPr>
+              <a:t>dist</a:t>
+            </a:r>
+            <a:r>
+              <a:rPr lang="en-US" b="0" i="0" dirty="0">
+                <a:solidFill>
+                  <a:srgbClr val="24292F"/>
+                </a:solidFill>
+                <a:effectLst/>
+                <a:latin typeface="-apple-system"/>
+              </a:rPr>
+              <a:t>/.</a:t>
+            </a:r>
+          </a:p>
+          <a:p>
+            <a:pPr algn="l"/>
+            <a:r>
+              <a:rPr lang="en-US" b="0" i="0" dirty="0">
+                <a:solidFill>
+                  <a:srgbClr val="24292F"/>
+                </a:solidFill>
+                <a:effectLst/>
+                <a:latin typeface="-apple-system"/>
+              </a:rPr>
+              <a:t>For more detailed information on building </a:t>
+            </a:r>
+            <a:r>
+              <a:rPr lang="en-US" b="0" i="0" dirty="0" err="1">
+                <a:solidFill>
+                  <a:srgbClr val="24292F"/>
+                </a:solidFill>
+                <a:effectLst/>
+                <a:latin typeface="-apple-system"/>
+              </a:rPr>
+              <a:t>Ghidra</a:t>
+            </a:r>
+            <a:r>
+              <a:rPr lang="en-US" b="0" i="0" dirty="0">
+                <a:solidFill>
+                  <a:srgbClr val="24292F"/>
+                </a:solidFill>
+                <a:effectLst/>
+                <a:latin typeface="-apple-system"/>
+              </a:rPr>
+              <a:t>, please read the </a:t>
+            </a:r>
+            <a:r>
+              <a:rPr lang="en-US" b="0" i="0" u="none" strike="noStrike" dirty="0">
+                <a:solidFill>
+                  <a:srgbClr val="24292F"/>
+                </a:solidFill>
+                <a:effectLst/>
+                <a:latin typeface="-apple-system"/>
+                <a:hlinkClick r:id="rId8"/>
+              </a:rPr>
+              <a:t>Developer Guide</a:t>
+            </a:r>
+            <a:r>
+              <a:rPr lang="en-US" b="0" i="0" dirty="0">
+                <a:solidFill>
+                  <a:srgbClr val="24292F"/>
+                </a:solidFill>
+                <a:effectLst/>
+                <a:latin typeface="-apple-system"/>
+              </a:rPr>
+              <a:t>.</a:t>
+            </a:r>
+          </a:p>
+          <a:p>
+            <a:pPr algn="l"/>
+            <a:endParaRPr lang="nl-NL" b="0" i="0" dirty="0">
+              <a:solidFill>
+                <a:srgbClr val="24292F"/>
+              </a:solidFill>
+              <a:effectLst/>
+              <a:latin typeface="-apple-system"/>
+            </a:endParaRPr>
+          </a:p>
+          <a:p>
+            <a:endParaRPr lang="nl-NL" dirty="0"/>
+          </a:p>
+        </p:txBody>
+      </p:sp>
+      <p:sp>
+        <p:nvSpPr>
+          <p:cNvPr id="4" name="Tijdelijke aanduiding voor dianummer 3"/>
+          <p:cNvSpPr>
+            <a:spLocks noGrp="1"/>
+          </p:cNvSpPr>
+          <p:nvPr>
+            <p:ph type="sldNum" sz="quarter" idx="5"/>
+          </p:nvPr>
+        </p:nvSpPr>
+        <p:spPr/>
+        <p:txBody>
+          <a:bodyPr/>
+          <a:lstStyle/>
+          <a:p>
+            <a:fld id="{589FD4FC-3991-428A-BACE-69EE09E264E0}" type="slidenum">
+              <a:rPr lang="nl-NL" smtClean="0"/>
+              <a:t>12</a:t>
+            </a:fld>
+            <a:endParaRPr lang="nl-NL"/>
+          </a:p>
+        </p:txBody>
+      </p:sp>
+    </p:spTree>
+    <p:extLst>
+      <p:ext uri="{BB962C8B-B14F-4D97-AF65-F5344CB8AC3E}">
+        <p14:creationId xmlns:p14="http://schemas.microsoft.com/office/powerpoint/2010/main" val="2953559645"/>
       </p:ext>
     </p:extLst>
   </p:cSld>
@@ -601,6 +3411,10 @@
           <a:bodyPr/>
           <a:lstStyle/>
           <a:p>
+            <a:r>
+              <a:rPr lang="en-US" dirty="0" err="1"/>
+              <a:t>Sjong</a:t>
+            </a:r>
             <a:endParaRPr lang="en-US" dirty="0"/>
           </a:p>
         </p:txBody>
@@ -704,93 +3518,8 @@
             </a:pPr>
             <a:r>
               <a:rPr lang="en-US" dirty="0" err="1"/>
-              <a:t>Ghidra's</a:t>
-            </a:r>
-            <a:r>
-              <a:rPr lang="en-US" dirty="0"/>
-              <a:t> existence was originally revealed to the public via WikiLeaks in March 2017, but the software itself remained unavailable until its declassification and official release two years later. In June 2019, </a:t>
-            </a:r>
-            <a:r>
-              <a:rPr lang="en-US" dirty="0" err="1"/>
-              <a:t>Coreboot</a:t>
-            </a:r>
-            <a:r>
-              <a:rPr lang="en-US" dirty="0"/>
-              <a:t> began to use </a:t>
-            </a:r>
-            <a:r>
-              <a:rPr lang="en-US" dirty="0" err="1"/>
-              <a:t>Ghidra</a:t>
-            </a:r>
-            <a:r>
-              <a:rPr lang="en-US" dirty="0"/>
-              <a:t> for its reverse engineering efforts on firmware-specific problems following the open source release of the </a:t>
-            </a:r>
-            <a:r>
-              <a:rPr lang="en-US" dirty="0" err="1"/>
-              <a:t>Ghidra</a:t>
-            </a:r>
-            <a:r>
-              <a:rPr lang="en-US" dirty="0"/>
-              <a:t> software suite. </a:t>
-            </a:r>
-            <a:r>
-              <a:rPr lang="en-US" dirty="0" err="1"/>
-              <a:t>Ghidra</a:t>
-            </a:r>
-            <a:r>
-              <a:rPr lang="en-US" dirty="0"/>
-              <a:t> can be used as a debugger since </a:t>
-            </a:r>
-            <a:r>
-              <a:rPr lang="en-US" dirty="0" err="1"/>
-              <a:t>Ghidra</a:t>
-            </a:r>
-            <a:r>
-              <a:rPr lang="en-US" dirty="0"/>
-              <a:t> 10.0. </a:t>
-            </a:r>
-            <a:r>
-              <a:rPr lang="en-US" dirty="0" err="1"/>
-              <a:t>Ghidra's</a:t>
-            </a:r>
-            <a:r>
-              <a:rPr lang="en-US" dirty="0"/>
-              <a:t> debugger supports debugging user-mode Windows programs via </a:t>
-            </a:r>
-            <a:r>
-              <a:rPr lang="en-US" dirty="0" err="1"/>
-              <a:t>WinDbg</a:t>
-            </a:r>
-            <a:r>
-              <a:rPr lang="en-US" dirty="0"/>
-              <a:t>, and Linux programs via GDB.</a:t>
-            </a:r>
-            <a:endParaRPr lang="nl-NL" dirty="0"/>
-          </a:p>
-          <a:p>
-            <a:r>
-              <a:rPr lang="en-US" dirty="0"/>
-              <a:t>therefore usable in a stand-alone form. </a:t>
-            </a:r>
-            <a:r>
-              <a:rPr lang="en-US" dirty="0" err="1"/>
-              <a:t>Ghidra</a:t>
-            </a:r>
-            <a:r>
-              <a:rPr lang="en-US" dirty="0"/>
-              <a:t> plugins can be developed in Java or in Python (provided via </a:t>
-            </a:r>
-            <a:r>
-              <a:rPr lang="en-US" dirty="0" err="1"/>
-              <a:t>Jython</a:t>
-            </a:r>
-            <a:r>
-              <a:rPr lang="en-US" dirty="0"/>
-              <a:t>).</a:t>
-            </a:r>
-          </a:p>
-          <a:p>
+              <a:t>Sjong</a:t>
+            </a:r>
             <a:endParaRPr lang="en-US" dirty="0"/>
           </a:p>
           <a:p>
@@ -811,13 +3540,49 @@
               <a:tabLst/>
               <a:defRPr/>
             </a:pPr>
+            <a:endParaRPr lang="en-US" dirty="0"/>
+          </a:p>
+          <a:p>
+            <a:pPr marL="0" marR="0" lvl="0" indent="0" algn="l" defTabSz="914400" rtl="0" eaLnBrk="1" fontAlgn="auto" latinLnBrk="0" hangingPunct="1">
+              <a:lnSpc>
+                <a:spcPct val="100000"/>
+              </a:lnSpc>
+              <a:spcBef>
+                <a:spcPts val="0"/>
+              </a:spcBef>
+              <a:spcAft>
+                <a:spcPts val="0"/>
+              </a:spcAft>
+              <a:buClrTx/>
+              <a:buSzTx/>
+              <a:buFontTx/>
+              <a:buNone/>
+              <a:tabLst/>
+              <a:defRPr/>
+            </a:pPr>
+            <a:r>
+              <a:rPr lang="en-US" dirty="0" err="1"/>
+              <a:t>Ghidra's</a:t>
+            </a:r>
+            <a:r>
+              <a:rPr lang="en-US" dirty="0"/>
+              <a:t> existence was originally revealed to the public via WikiLeaks in March 2017, but the software itself remained unavailable until its declassification and official release two years later. In June 2019, </a:t>
+            </a:r>
+            <a:r>
+              <a:rPr lang="en-US" dirty="0" err="1"/>
+              <a:t>Coreboot</a:t>
+            </a:r>
+            <a:r>
+              <a:rPr lang="en-US" dirty="0"/>
+              <a:t> began to use </a:t>
+            </a:r>
             <a:r>
               <a:rPr lang="en-US" dirty="0" err="1"/>
               <a:t>Ghidra</a:t>
             </a:r>
             <a:r>
               <a:rPr lang="en-US" dirty="0"/>
-              <a:t> is a free and open source reverse engineering tool developed by the National Security Agency (NSA) of the United States. The binaries were released at RSA Conference in March 2019; the sources were published one month later on GitHub. </a:t>
+              <a:t> for its reverse engineering efforts on firmware-specific problems following the open source release of the </a:t>
             </a:r>
             <a:r>
               <a:rPr lang="en-US" dirty="0" err="1"/>
@@ -825,6 +3590,99 @@
             </a:r>
             <a:r>
               <a:rPr lang="en-US" dirty="0"/>
+              <a:t> software suite. </a:t>
+            </a:r>
+            <a:r>
+              <a:rPr lang="en-US" dirty="0" err="1"/>
+              <a:t>Ghidra</a:t>
+            </a:r>
+            <a:r>
+              <a:rPr lang="en-US" dirty="0"/>
+              <a:t> can be used as a debugger since </a:t>
+            </a:r>
+            <a:r>
+              <a:rPr lang="en-US" dirty="0" err="1"/>
+              <a:t>Ghidra</a:t>
+            </a:r>
+            <a:r>
+              <a:rPr lang="en-US" dirty="0"/>
+              <a:t> 10.0. </a:t>
+            </a:r>
+            <a:r>
+              <a:rPr lang="en-US" dirty="0" err="1"/>
+              <a:t>Ghidra's</a:t>
+            </a:r>
+            <a:r>
+              <a:rPr lang="en-US" dirty="0"/>
+              <a:t> debugger supports debugging user-mode Windows programs via </a:t>
+            </a:r>
+            <a:r>
+              <a:rPr lang="en-US" dirty="0" err="1"/>
+              <a:t>WinDbg</a:t>
+            </a:r>
+            <a:r>
+              <a:rPr lang="en-US" dirty="0"/>
+              <a:t>, and Linux programs via GDB.</a:t>
+            </a:r>
+            <a:endParaRPr lang="nl-NL" dirty="0"/>
+          </a:p>
+          <a:p>
+            <a:r>
+              <a:rPr lang="en-US" dirty="0"/>
+              <a:t>therefore usable in a stand-alone form. </a:t>
+            </a:r>
+            <a:r>
+              <a:rPr lang="en-US" dirty="0" err="1"/>
+              <a:t>Ghidra</a:t>
+            </a:r>
+            <a:r>
+              <a:rPr lang="en-US" dirty="0"/>
+              <a:t> plugins can be developed in Java or in Python (provided via </a:t>
+            </a:r>
+            <a:r>
+              <a:rPr lang="en-US" dirty="0" err="1"/>
+              <a:t>Jython</a:t>
+            </a:r>
+            <a:r>
+              <a:rPr lang="en-US" dirty="0"/>
+              <a:t>).</a:t>
+            </a:r>
+          </a:p>
+          <a:p>
+            <a:endParaRPr lang="en-US" dirty="0"/>
+          </a:p>
+          <a:p>
+            <a:pPr marL="0" marR="0" lvl="0" indent="0" algn="l" defTabSz="914400" rtl="0" eaLnBrk="1" fontAlgn="auto" latinLnBrk="0" hangingPunct="1">
+              <a:lnSpc>
+                <a:spcPct val="100000"/>
+              </a:lnSpc>
+              <a:spcBef>
+                <a:spcPts val="0"/>
+              </a:spcBef>
+              <a:spcAft>
+                <a:spcPts val="0"/>
+              </a:spcAft>
+              <a:buClrTx/>
+              <a:buSzTx/>
+              <a:buFontTx/>
+              <a:buNone/>
+              <a:tabLst/>
+              <a:defRPr/>
+            </a:pPr>
+            <a:r>
+              <a:rPr lang="en-US" dirty="0" err="1"/>
+              <a:t>Ghidra</a:t>
+            </a:r>
+            <a:r>
+              <a:rPr lang="en-US" dirty="0"/>
+              <a:t> is a free and open source reverse engineering tool developed by the National Security Agency (NSA) of the United States. The binaries were released at RSA Conference in March 2019; the sources were published one month later on GitHub. </a:t>
+            </a:r>
+            <a:r>
+              <a:rPr lang="en-US" dirty="0" err="1"/>
+              <a:t>Ghidra</a:t>
+            </a:r>
+            <a:r>
+              <a:rPr lang="en-US" dirty="0"/>
               <a:t> is seen by many security researchers as a competitor to IDA Pro. The software is written in Java using the Swing framework for the GUI. The </a:t>
             </a:r>
             <a:r>
@@ -833,7 +3691,7 @@
             </a:r>
             <a:r>
               <a:rPr lang="en-US" dirty="0"/>
-              <a:t> component is written in C++, and is </a:t>
+              <a:t> component is written in C++</a:t>
             </a:r>
           </a:p>
           <a:p>
@@ -896,7 +3754,7 @@
       </p:grpSpPr>
       <p:sp>
         <p:nvSpPr>
-          <p:cNvPr id="2" name="Tijdelijke aanduiding voor dia-afbeelding 1"/>
+          <p:cNvPr id="2" name="Slide Image Placeholder 1"/>
           <p:cNvSpPr>
             <a:spLocks noGrp="1" noRot="1" noChangeAspect="1"/>
           </p:cNvSpPr>
@@ -908,7 +3766,7 @@
       </p:sp>
       <p:sp>
         <p:nvSpPr>
-          <p:cNvPr id="3" name="Tijdelijke aanduiding voor notities 2"/>
+          <p:cNvPr id="3" name="Notes Placeholder 2"/>
           <p:cNvSpPr>
             <a:spLocks noGrp="1"/>
           </p:cNvSpPr>
@@ -922,41 +3780,16 @@
           <a:lstStyle/>
           <a:p>
             <a:r>
-              <a:rPr lang="en-US" dirty="0"/>
-              <a:t>The National Security Agency (NSA) is a national-level intelligence agency of the United States Department of Defense, under the authority of the Director of National Intelligence (DNI). The NSA is responsible for global monitoring, collection, and processing of information and data for foreign and domestic intelligence and counterintelligence purposes, specializing in a discipline known as signals intelligence (SIGINT). The NSA is also tasked with the protection of U.S. communications networks and information </a:t>
-            </a:r>
-            <a:r>
-              <a:rPr lang="en-US" dirty="0" err="1"/>
-              <a:t>systems.The</a:t>
-            </a:r>
-            <a:r>
-              <a:rPr lang="en-US" dirty="0"/>
-              <a:t> NSA relies on a variety of measures to accomplish its mission, the majority of which are clandestine. The existence of the NSA was not revealed until 1975. The NSA has roughly 32,000 employees.</a:t>
-            </a:r>
-          </a:p>
-          <a:p>
-            <a:endParaRPr lang="en-US" dirty="0"/>
-          </a:p>
-          <a:p>
-            <a:r>
-              <a:rPr lang="en-US" dirty="0"/>
-              <a:t>Formation:</a:t>
-            </a:r>
-          </a:p>
-          <a:p>
-            <a:r>
-              <a:rPr lang="en-US" dirty="0"/>
-              <a:t>The origins of the National Security Agency can be traced back to April 28, 1917, three weeks after the U.S. Congress declared war on Germany in World War I. A code and cipher decryption unit was established as the Cable and Telegraph Section which was also known as the Cipher Bureau. It was headquartered in Washington, D.C. and was part of the war effort under the executive branch without direct Congressional authorization. During the course of the war, it was relocated in the army's organizational chart several times. On July 5, 1917, Herbert O. Yardley was assigned to head the unit. At that point, the unit consisted of Yardley and two civilian clerks. It absorbed the Navy's cryptanalysis functions in July 1918. World War I ended on November 11, 1918, and the army cryptographic section of Military Intelligence (MI-8) moved to New York City on May 20, 1919, where it continued intelligence activities as the Code Compilation Company under the direction of Yardley.</a:t>
-            </a:r>
-          </a:p>
-          <a:p>
+              <a:rPr lang="en-GB" dirty="0"/>
+              <a:t>Glenn</a:t>
+            </a:r>
             <a:endParaRPr lang="nl-NL" dirty="0"/>
           </a:p>
         </p:txBody>
       </p:sp>
       <p:sp>
         <p:nvSpPr>
-          <p:cNvPr id="4" name="Tijdelijke aanduiding voor dianummer 3"/>
+          <p:cNvPr id="4" name="Slide Number Placeholder 3"/>
           <p:cNvSpPr>
             <a:spLocks noGrp="1"/>
           </p:cNvSpPr>
@@ -980,7 +3813,7 @@
     </p:spTree>
     <p:extLst>
       <p:ext uri="{BB962C8B-B14F-4D97-AF65-F5344CB8AC3E}">
-        <p14:creationId xmlns:p14="http://schemas.microsoft.com/office/powerpoint/2010/main" val="4065676574"/>
+        <p14:creationId xmlns:p14="http://schemas.microsoft.com/office/powerpoint/2010/main" val="4112116323"/>
       </p:ext>
     </p:extLst>
   </p:cSld>
@@ -1009,7 +3842,7 @@
       </p:grpSpPr>
       <p:sp>
         <p:nvSpPr>
-          <p:cNvPr id="2" name="Tijdelijke aanduiding voor dia-afbeelding 1"/>
+          <p:cNvPr id="2" name="Slide Image Placeholder 1"/>
           <p:cNvSpPr>
             <a:spLocks noGrp="1" noRot="1" noChangeAspect="1"/>
           </p:cNvSpPr>
@@ -1021,7 +3854,7 @@
       </p:sp>
       <p:sp>
         <p:nvSpPr>
-          <p:cNvPr id="3" name="Tijdelijke aanduiding voor notities 2"/>
+          <p:cNvPr id="3" name="Notes Placeholder 2"/>
           <p:cNvSpPr>
             <a:spLocks noGrp="1"/>
           </p:cNvSpPr>
@@ -1035,88 +3868,8 @@
           <a:lstStyle/>
           <a:p>
             <a:r>
-              <a:rPr lang="en-US" dirty="0"/>
-              <a:t>The term </a:t>
-            </a:r>
-            <a:r>
-              <a:rPr lang="en-US" dirty="0" err="1"/>
-              <a:t>decompiler</a:t>
-            </a:r>
-            <a:r>
-              <a:rPr lang="en-US" dirty="0"/>
-              <a:t> is most commonly applied to a program which translates executable programs (the output from a compiler) into source code in a (relatively) high level language which, when compiled, will produce an executable whose behavior is the same as the original executable program. By comparison, a disassembler translates an executable program into assembly language (and an assembler could be used for assembling it back into an executable program).</a:t>
-            </a:r>
-            <a:r>
-              <a:rPr lang="en-US" dirty="0" err="1"/>
-              <a:t>Decompilation</a:t>
-            </a:r>
-            <a:r>
-              <a:rPr lang="en-US" dirty="0"/>
-              <a:t> is the act of using a </a:t>
-            </a:r>
-            <a:r>
-              <a:rPr lang="en-US" dirty="0" err="1"/>
-              <a:t>decompiler</a:t>
-            </a:r>
-            <a:r>
-              <a:rPr lang="en-US" dirty="0"/>
-              <a:t>, although the term can also refer to the output of a </a:t>
-            </a:r>
-            <a:r>
-              <a:rPr lang="en-US" dirty="0" err="1"/>
-              <a:t>decompiler</a:t>
-            </a:r>
-            <a:r>
-              <a:rPr lang="en-US" dirty="0"/>
-              <a:t>. It can be used for the recovery of lost source code, and is also useful in some cases for computer security, interoperability and error correction. The success of </a:t>
-            </a:r>
-            <a:r>
-              <a:rPr lang="en-US" dirty="0" err="1"/>
-              <a:t>decompilation</a:t>
-            </a:r>
-            <a:r>
-              <a:rPr lang="en-US" dirty="0"/>
-              <a:t> depends on the amount of information present in the code being decompiled and the sophistication of the analysis performed on it. The bytecode formats used by many virtual machines (such as the Java Virtual Machine or the .NET Framework Common Language Runtime) often include extensive metadata and high-level features that make </a:t>
-            </a:r>
-            <a:r>
-              <a:rPr lang="en-US" dirty="0" err="1"/>
-              <a:t>decompilation</a:t>
-            </a:r>
-            <a:r>
-              <a:rPr lang="en-US" dirty="0"/>
-              <a:t> quite feasible. The application of debug data, i.e. debug-symbols, may enable to reproduce the original names of variables and structures and even the line numbers. Machine language without such metadata or debug data is much harder to </a:t>
-            </a:r>
-            <a:r>
-              <a:rPr lang="en-US" dirty="0" err="1"/>
-              <a:t>decompile.Some</a:t>
-            </a:r>
-            <a:r>
-              <a:rPr lang="en-US" dirty="0"/>
-              <a:t> compilers and post-compilation tools produce obfuscated code (that is, they attempt to produce output that is very difficult to decompile, or that decompiles to confusing output). This is done to make it more difficult to reverse engineer the </a:t>
-            </a:r>
-            <a:r>
-              <a:rPr lang="en-US" dirty="0" err="1"/>
-              <a:t>executable.While</a:t>
-            </a:r>
-            <a:r>
-              <a:rPr lang="en-US" dirty="0"/>
-              <a:t> </a:t>
-            </a:r>
-            <a:r>
-              <a:rPr lang="en-US" dirty="0" err="1"/>
-              <a:t>decompilers</a:t>
-            </a:r>
-            <a:r>
-              <a:rPr lang="en-US" dirty="0"/>
-              <a:t> are normally used to (re-)create source code from binary executables, there are also </a:t>
-            </a:r>
-            <a:r>
-              <a:rPr lang="en-US" dirty="0" err="1"/>
-              <a:t>decompilers</a:t>
-            </a:r>
-            <a:r>
-              <a:rPr lang="en-US" dirty="0"/>
-              <a:t> to turn specific binary data files into human-readable and editable sources.</a:t>
+              <a:rPr lang="en-GB" dirty="0"/>
+              <a:t>Glenn</a:t>
             </a:r>
             <a:endParaRPr lang="nl-NL" dirty="0"/>
           </a:p>
@@ -1124,7 +3877,7 @@
       </p:sp>
       <p:sp>
         <p:nvSpPr>
-          <p:cNvPr id="4" name="Tijdelijke aanduiding voor dianummer 3"/>
+          <p:cNvPr id="4" name="Slide Number Placeholder 3"/>
           <p:cNvSpPr>
             <a:spLocks noGrp="1"/>
           </p:cNvSpPr>
@@ -1148,7 +3901,7 @@
     </p:spTree>
     <p:extLst>
       <p:ext uri="{BB962C8B-B14F-4D97-AF65-F5344CB8AC3E}">
-        <p14:creationId xmlns:p14="http://schemas.microsoft.com/office/powerpoint/2010/main" val="2191605357"/>
+        <p14:creationId xmlns:p14="http://schemas.microsoft.com/office/powerpoint/2010/main" val="1893436605"/>
       </p:ext>
     </p:extLst>
   </p:cSld>
@@ -1202,89 +3955,1053 @@
           <a:bodyPr/>
           <a:lstStyle/>
           <a:p>
-            <a:r>
-              <a:rPr lang="en-US" b="0" i="0" dirty="0">
-                <a:solidFill>
-                  <a:srgbClr val="292929"/>
-                </a:solidFill>
-                <a:effectLst/>
-                <a:latin typeface="source-serif-pro"/>
-              </a:rPr>
-              <a:t>First open </a:t>
-            </a:r>
-            <a:r>
-              <a:rPr lang="en-US" b="0" i="0" dirty="0" err="1">
-                <a:solidFill>
-                  <a:srgbClr val="292929"/>
-                </a:solidFill>
-                <a:effectLst/>
-                <a:latin typeface="source-serif-pro"/>
-              </a:rPr>
-              <a:t>ghidra</a:t>
-            </a:r>
-            <a:r>
-              <a:rPr lang="en-US" b="0" i="0" dirty="0">
-                <a:solidFill>
-                  <a:srgbClr val="292929"/>
-                </a:solidFill>
-                <a:effectLst/>
-                <a:latin typeface="source-serif-pro"/>
-              </a:rPr>
-              <a:t> and click on File -&gt; New Project, choose Non shared project , pick a directory and the name for your project then click on finish. Also on File options pick Import File and then choose the PE file you want to reverse engineering, for this tutorial it is the PE file above, </a:t>
-            </a:r>
-            <a:r>
-              <a:rPr lang="en-US" b="0" i="0" dirty="0" err="1">
-                <a:solidFill>
-                  <a:srgbClr val="292929"/>
-                </a:solidFill>
-                <a:effectLst/>
-                <a:latin typeface="source-serif-pro"/>
-              </a:rPr>
-              <a:t>i</a:t>
-            </a:r>
-            <a:r>
-              <a:rPr lang="en-US" b="0" i="0" dirty="0">
-                <a:solidFill>
-                  <a:srgbClr val="292929"/>
-                </a:solidFill>
-                <a:effectLst/>
-                <a:latin typeface="source-serif-pro"/>
-              </a:rPr>
-              <a:t> won’t go into details each option because that is for advance tutorial so for the sake of this tutorial just choose ok. You will get the result like in this picture:</a:t>
-            </a:r>
-          </a:p>
-          <a:p>
-            <a:r>
-              <a:rPr lang="en-US" b="0" i="0" dirty="0">
-                <a:solidFill>
-                  <a:srgbClr val="292929"/>
-                </a:solidFill>
-                <a:effectLst/>
-                <a:latin typeface="source-serif-pro"/>
-              </a:rPr>
-              <a:t>Now drag the crackme.exe into the dragon icon in Tool Chest. It will open the Code Browser window and ask you if you want to </a:t>
-            </a:r>
-            <a:r>
-              <a:rPr lang="en-US" b="0" i="0" dirty="0" err="1">
-                <a:solidFill>
-                  <a:srgbClr val="292929"/>
-                </a:solidFill>
-                <a:effectLst/>
-                <a:latin typeface="source-serif-pro"/>
-              </a:rPr>
-              <a:t>analyse</a:t>
-            </a:r>
-            <a:r>
-              <a:rPr lang="en-US" b="0" i="0" dirty="0">
-                <a:solidFill>
-                  <a:srgbClr val="292929"/>
-                </a:solidFill>
-                <a:effectLst/>
-                <a:latin typeface="source-serif-pro"/>
-              </a:rPr>
-              <a:t> it choose Yes of course. When the options window pop up, you will need to check and uncheck this options.</a:t>
-            </a:r>
-            <a:endParaRPr lang="nl-NL" b="1" dirty="0"/>
+            <a:pPr marL="720" indent="0">
+              <a:lnSpc>
+                <a:spcPct val="90000"/>
+              </a:lnSpc>
+              <a:spcBef>
+                <a:spcPts val="1800"/>
+              </a:spcBef>
+              <a:buClr>
+                <a:srgbClr val="000000"/>
+              </a:buClr>
+              <a:buSzPct val="80000"/>
+              <a:buFont typeface="Wingdings" charset="2"/>
+              <a:buNone/>
+            </a:pPr>
+            <a:r>
+              <a:rPr lang="de-DE" sz="1200" b="0" strike="noStrike" spc="-1" dirty="0" err="1">
+                <a:solidFill>
+                  <a:srgbClr val="000000"/>
+                </a:solidFill>
+                <a:latin typeface="Calibri"/>
+                <a:ea typeface="DejaVu Sans"/>
+              </a:rPr>
+              <a:t>Sjong</a:t>
+            </a:r>
+            <a:endParaRPr lang="de-DE" sz="1200" b="0" strike="noStrike" spc="-1" dirty="0">
+              <a:solidFill>
+                <a:srgbClr val="000000"/>
+              </a:solidFill>
+              <a:latin typeface="Calibri"/>
+              <a:ea typeface="DejaVu Sans"/>
+            </a:endParaRPr>
+          </a:p>
+          <a:p>
+            <a:pPr marL="274320" indent="-273600">
+              <a:lnSpc>
+                <a:spcPct val="90000"/>
+              </a:lnSpc>
+              <a:spcBef>
+                <a:spcPts val="1800"/>
+              </a:spcBef>
+              <a:buClr>
+                <a:srgbClr val="000000"/>
+              </a:buClr>
+              <a:buSzPct val="80000"/>
+              <a:buFont typeface="Wingdings" charset="2"/>
+              <a:buChar char=""/>
+            </a:pPr>
+            <a:endParaRPr lang="de-DE" sz="1200" b="0" strike="noStrike" spc="-1" dirty="0">
+              <a:solidFill>
+                <a:srgbClr val="000000"/>
+              </a:solidFill>
+              <a:latin typeface="Calibri"/>
+              <a:ea typeface="DejaVu Sans"/>
+            </a:endParaRPr>
+          </a:p>
+          <a:p>
+            <a:pPr marL="274320" indent="-273600">
+              <a:lnSpc>
+                <a:spcPct val="90000"/>
+              </a:lnSpc>
+              <a:spcBef>
+                <a:spcPts val="1800"/>
+              </a:spcBef>
+              <a:buClr>
+                <a:srgbClr val="000000"/>
+              </a:buClr>
+              <a:buSzPct val="80000"/>
+              <a:buFont typeface="Wingdings" charset="2"/>
+              <a:buChar char=""/>
+            </a:pPr>
+            <a:r>
+              <a:rPr lang="de-DE" sz="1200" b="0" strike="noStrike" spc="-1" dirty="0">
+                <a:solidFill>
+                  <a:srgbClr val="000000"/>
+                </a:solidFill>
+                <a:latin typeface="Calibri"/>
+                <a:ea typeface="DejaVu Sans"/>
+              </a:rPr>
+              <a:t>1. Lexing (</a:t>
+            </a:r>
+            <a:r>
+              <a:rPr lang="de-DE" sz="1200" b="0" strike="noStrike" spc="-1" dirty="0" err="1">
+                <a:solidFill>
+                  <a:srgbClr val="000000"/>
+                </a:solidFill>
+                <a:latin typeface="Calibri"/>
+                <a:ea typeface="DejaVu Sans"/>
+              </a:rPr>
+              <a:t>breaking</a:t>
+            </a:r>
+            <a:r>
+              <a:rPr lang="de-DE" sz="1200" b="0" strike="noStrike" spc="-1" dirty="0">
+                <a:solidFill>
+                  <a:srgbClr val="000000"/>
+                </a:solidFill>
+                <a:latin typeface="Calibri"/>
+                <a:ea typeface="DejaVu Sans"/>
+              </a:rPr>
+              <a:t> </a:t>
+            </a:r>
+            <a:r>
+              <a:rPr lang="de-DE" sz="1200" b="0" strike="noStrike" spc="-1" dirty="0" err="1">
+                <a:solidFill>
+                  <a:srgbClr val="000000"/>
+                </a:solidFill>
+                <a:latin typeface="Calibri"/>
+                <a:ea typeface="DejaVu Sans"/>
+              </a:rPr>
+              <a:t>up</a:t>
+            </a:r>
+            <a:r>
+              <a:rPr lang="de-DE" sz="1200" b="0" strike="noStrike" spc="-1" dirty="0">
+                <a:solidFill>
+                  <a:srgbClr val="000000"/>
+                </a:solidFill>
+                <a:latin typeface="Calibri"/>
+                <a:ea typeface="DejaVu Sans"/>
+              </a:rPr>
+              <a:t> </a:t>
+            </a:r>
+            <a:r>
+              <a:rPr lang="de-DE" sz="1200" b="0" strike="noStrike" spc="-1" dirty="0" err="1">
+                <a:solidFill>
+                  <a:srgbClr val="000000"/>
+                </a:solidFill>
+                <a:latin typeface="Calibri"/>
+                <a:ea typeface="DejaVu Sans"/>
+              </a:rPr>
+              <a:t>the</a:t>
+            </a:r>
+            <a:r>
+              <a:rPr lang="de-DE" sz="1200" b="0" strike="noStrike" spc="-1" dirty="0">
+                <a:solidFill>
+                  <a:srgbClr val="000000"/>
+                </a:solidFill>
+                <a:latin typeface="Calibri"/>
+                <a:ea typeface="DejaVu Sans"/>
+              </a:rPr>
+              <a:t> </a:t>
+            </a:r>
+            <a:r>
+              <a:rPr lang="de-DE" sz="1200" b="0" strike="noStrike" spc="-1" dirty="0" err="1">
+                <a:solidFill>
+                  <a:srgbClr val="000000"/>
+                </a:solidFill>
+                <a:latin typeface="Calibri"/>
+                <a:ea typeface="DejaVu Sans"/>
+              </a:rPr>
+              <a:t>text</a:t>
+            </a:r>
+            <a:r>
+              <a:rPr lang="de-DE" sz="1200" b="0" strike="noStrike" spc="-1" dirty="0">
+                <a:solidFill>
+                  <a:srgbClr val="000000"/>
+                </a:solidFill>
+                <a:latin typeface="Calibri"/>
+                <a:ea typeface="DejaVu Sans"/>
+              </a:rPr>
+              <a:t> </a:t>
+            </a:r>
+            <a:r>
+              <a:rPr lang="de-DE" sz="1200" b="0" strike="noStrike" spc="-1" dirty="0" err="1">
+                <a:solidFill>
+                  <a:srgbClr val="000000"/>
+                </a:solidFill>
+                <a:latin typeface="Calibri"/>
+                <a:ea typeface="DejaVu Sans"/>
+              </a:rPr>
+              <a:t>into</a:t>
+            </a:r>
+            <a:r>
+              <a:rPr lang="de-DE" sz="1200" b="0" strike="noStrike" spc="-1" dirty="0">
+                <a:solidFill>
+                  <a:srgbClr val="000000"/>
+                </a:solidFill>
+                <a:latin typeface="Calibri"/>
+                <a:ea typeface="DejaVu Sans"/>
+              </a:rPr>
+              <a:t> </a:t>
+            </a:r>
+            <a:r>
+              <a:rPr lang="de-DE" sz="1200" b="0" strike="noStrike" spc="-1" dirty="0" err="1">
+                <a:solidFill>
+                  <a:srgbClr val="000000"/>
+                </a:solidFill>
+                <a:latin typeface="Calibri"/>
+                <a:ea typeface="DejaVu Sans"/>
+              </a:rPr>
+              <a:t>tokens</a:t>
+            </a:r>
+            <a:r>
+              <a:rPr lang="de-DE" sz="1200" b="0" strike="noStrike" spc="-1" dirty="0">
+                <a:solidFill>
+                  <a:srgbClr val="000000"/>
+                </a:solidFill>
+                <a:latin typeface="Calibri"/>
+                <a:ea typeface="DejaVu Sans"/>
+              </a:rPr>
+              <a:t>)</a:t>
+            </a:r>
+            <a:endParaRPr lang="en-GB" sz="1200" b="0" strike="noStrike" spc="-1" dirty="0">
+              <a:latin typeface="Arial"/>
+            </a:endParaRPr>
+          </a:p>
+          <a:p>
+            <a:pPr marL="274320" indent="-273600">
+              <a:lnSpc>
+                <a:spcPct val="90000"/>
+              </a:lnSpc>
+              <a:spcBef>
+                <a:spcPts val="1800"/>
+              </a:spcBef>
+              <a:buClr>
+                <a:srgbClr val="000000"/>
+              </a:buClr>
+              <a:buSzPct val="80000"/>
+              <a:buFont typeface="Wingdings" charset="2"/>
+              <a:buChar char=""/>
+            </a:pPr>
+            <a:r>
+              <a:rPr lang="de-DE" sz="1200" b="0" strike="noStrike" spc="-1" dirty="0">
+                <a:solidFill>
+                  <a:srgbClr val="000000"/>
+                </a:solidFill>
+                <a:latin typeface="Calibri"/>
+                <a:ea typeface="DejaVu Sans"/>
+              </a:rPr>
+              <a:t>2. </a:t>
+            </a:r>
+            <a:r>
+              <a:rPr lang="de-DE" sz="1200" b="0" strike="noStrike" spc="-1" dirty="0" err="1">
+                <a:solidFill>
+                  <a:srgbClr val="000000"/>
+                </a:solidFill>
+                <a:latin typeface="Calibri"/>
+                <a:ea typeface="DejaVu Sans"/>
+              </a:rPr>
+              <a:t>Parsing</a:t>
+            </a:r>
+            <a:r>
+              <a:rPr lang="de-DE" sz="1200" b="0" strike="noStrike" spc="-1" dirty="0">
+                <a:solidFill>
+                  <a:srgbClr val="000000"/>
+                </a:solidFill>
+                <a:latin typeface="Calibri"/>
+                <a:ea typeface="DejaVu Sans"/>
+              </a:rPr>
+              <a:t> (</a:t>
+            </a:r>
+            <a:r>
+              <a:rPr lang="de-DE" sz="1200" b="0" strike="noStrike" spc="-1" dirty="0" err="1">
+                <a:solidFill>
+                  <a:srgbClr val="000000"/>
+                </a:solidFill>
+                <a:latin typeface="Calibri"/>
+                <a:ea typeface="DejaVu Sans"/>
+              </a:rPr>
+              <a:t>converting</a:t>
+            </a:r>
+            <a:r>
+              <a:rPr lang="de-DE" sz="1200" b="0" strike="noStrike" spc="-1" dirty="0">
+                <a:solidFill>
+                  <a:srgbClr val="000000"/>
+                </a:solidFill>
+                <a:latin typeface="Calibri"/>
+                <a:ea typeface="DejaVu Sans"/>
+              </a:rPr>
+              <a:t> </a:t>
+            </a:r>
+            <a:r>
+              <a:rPr lang="de-DE" sz="1200" b="0" strike="noStrike" spc="-1" dirty="0" err="1">
+                <a:solidFill>
+                  <a:srgbClr val="000000"/>
+                </a:solidFill>
+                <a:latin typeface="Calibri"/>
+                <a:ea typeface="DejaVu Sans"/>
+              </a:rPr>
+              <a:t>the</a:t>
+            </a:r>
+            <a:r>
+              <a:rPr lang="de-DE" sz="1200" b="0" strike="noStrike" spc="-1" dirty="0">
+                <a:solidFill>
+                  <a:srgbClr val="000000"/>
+                </a:solidFill>
+                <a:latin typeface="Calibri"/>
+                <a:ea typeface="DejaVu Sans"/>
+              </a:rPr>
+              <a:t> </a:t>
+            </a:r>
+            <a:r>
+              <a:rPr lang="de-DE" sz="1200" b="0" strike="noStrike" spc="-1" dirty="0" err="1">
+                <a:solidFill>
+                  <a:srgbClr val="000000"/>
+                </a:solidFill>
+                <a:latin typeface="Calibri"/>
+                <a:ea typeface="DejaVu Sans"/>
+              </a:rPr>
+              <a:t>tokens</a:t>
+            </a:r>
+            <a:r>
+              <a:rPr lang="de-DE" sz="1200" b="0" strike="noStrike" spc="-1" dirty="0">
+                <a:solidFill>
+                  <a:srgbClr val="000000"/>
+                </a:solidFill>
+                <a:latin typeface="Calibri"/>
+                <a:ea typeface="DejaVu Sans"/>
+              </a:rPr>
+              <a:t> </a:t>
+            </a:r>
+            <a:r>
+              <a:rPr lang="de-DE" sz="1200" b="0" strike="noStrike" spc="-1" dirty="0" err="1">
+                <a:solidFill>
+                  <a:srgbClr val="000000"/>
+                </a:solidFill>
+                <a:latin typeface="Calibri"/>
+                <a:ea typeface="DejaVu Sans"/>
+              </a:rPr>
+              <a:t>into</a:t>
+            </a:r>
+            <a:r>
+              <a:rPr lang="de-DE" sz="1200" b="0" strike="noStrike" spc="-1" dirty="0">
+                <a:solidFill>
+                  <a:srgbClr val="000000"/>
+                </a:solidFill>
+                <a:latin typeface="Calibri"/>
+                <a:ea typeface="DejaVu Sans"/>
+              </a:rPr>
+              <a:t> parse </a:t>
+            </a:r>
+            <a:r>
+              <a:rPr lang="de-DE" sz="1200" b="0" strike="noStrike" spc="-1" dirty="0" err="1">
+                <a:solidFill>
+                  <a:srgbClr val="000000"/>
+                </a:solidFill>
+                <a:latin typeface="Calibri"/>
+                <a:ea typeface="DejaVu Sans"/>
+              </a:rPr>
+              <a:t>tree</a:t>
+            </a:r>
+            <a:r>
+              <a:rPr lang="de-DE" sz="1200" b="0" strike="noStrike" spc="-1" dirty="0">
+                <a:solidFill>
+                  <a:srgbClr val="000000"/>
+                </a:solidFill>
+                <a:latin typeface="Calibri"/>
+                <a:ea typeface="DejaVu Sans"/>
+              </a:rPr>
+              <a:t>)</a:t>
+            </a:r>
+            <a:endParaRPr lang="en-GB" sz="1200" b="0" strike="noStrike" spc="-1" dirty="0">
+              <a:latin typeface="Arial"/>
+            </a:endParaRPr>
+          </a:p>
+          <a:p>
+            <a:pPr marL="274320" indent="-273600">
+              <a:lnSpc>
+                <a:spcPct val="90000"/>
+              </a:lnSpc>
+              <a:spcBef>
+                <a:spcPts val="1800"/>
+              </a:spcBef>
+              <a:buClr>
+                <a:srgbClr val="000000"/>
+              </a:buClr>
+              <a:buSzPct val="80000"/>
+              <a:buFont typeface="Wingdings" charset="2"/>
+              <a:buChar char=""/>
+            </a:pPr>
+            <a:r>
+              <a:rPr lang="de-DE" sz="1200" b="0" strike="noStrike" spc="-1" dirty="0">
+                <a:solidFill>
+                  <a:srgbClr val="000000"/>
+                </a:solidFill>
+                <a:latin typeface="Calibri"/>
+                <a:ea typeface="DejaVu Sans"/>
+              </a:rPr>
+              <a:t>3. </a:t>
+            </a:r>
+            <a:r>
+              <a:rPr lang="de-DE" sz="1200" b="0" strike="noStrike" spc="-1" dirty="0" err="1">
+                <a:solidFill>
+                  <a:srgbClr val="000000"/>
+                </a:solidFill>
+                <a:latin typeface="Calibri"/>
+                <a:ea typeface="DejaVu Sans"/>
+              </a:rPr>
+              <a:t>Optimization</a:t>
+            </a:r>
+            <a:r>
+              <a:rPr lang="de-DE" sz="1200" b="0" strike="noStrike" spc="-1" dirty="0">
+                <a:solidFill>
+                  <a:srgbClr val="000000"/>
+                </a:solidFill>
+                <a:latin typeface="Calibri"/>
+                <a:ea typeface="DejaVu Sans"/>
+              </a:rPr>
+              <a:t> (</a:t>
+            </a:r>
+            <a:r>
+              <a:rPr lang="de-DE" sz="1200" b="0" strike="noStrike" spc="-1" dirty="0" err="1">
+                <a:solidFill>
+                  <a:srgbClr val="000000"/>
+                </a:solidFill>
+                <a:latin typeface="Calibri"/>
+                <a:ea typeface="DejaVu Sans"/>
+              </a:rPr>
+              <a:t>optimise</a:t>
+            </a:r>
+            <a:r>
+              <a:rPr lang="de-DE" sz="1200" b="0" strike="noStrike" spc="-1" dirty="0">
+                <a:solidFill>
+                  <a:srgbClr val="000000"/>
+                </a:solidFill>
+                <a:latin typeface="Calibri"/>
+                <a:ea typeface="DejaVu Sans"/>
+              </a:rPr>
+              <a:t> </a:t>
+            </a:r>
+            <a:r>
+              <a:rPr lang="de-DE" sz="1200" b="0" strike="noStrike" spc="-1" dirty="0" err="1">
+                <a:solidFill>
+                  <a:srgbClr val="000000"/>
+                </a:solidFill>
+                <a:latin typeface="Calibri"/>
+                <a:ea typeface="DejaVu Sans"/>
+              </a:rPr>
+              <a:t>the</a:t>
+            </a:r>
+            <a:r>
+              <a:rPr lang="de-DE" sz="1200" b="0" strike="noStrike" spc="-1" dirty="0">
+                <a:solidFill>
+                  <a:srgbClr val="000000"/>
+                </a:solidFill>
+                <a:latin typeface="Calibri"/>
+                <a:ea typeface="DejaVu Sans"/>
+              </a:rPr>
+              <a:t> parse </a:t>
+            </a:r>
+            <a:r>
+              <a:rPr lang="de-DE" sz="1200" b="0" strike="noStrike" spc="-1" dirty="0" err="1">
+                <a:solidFill>
+                  <a:srgbClr val="000000"/>
+                </a:solidFill>
+                <a:latin typeface="Calibri"/>
+                <a:ea typeface="DejaVu Sans"/>
+              </a:rPr>
+              <a:t>tree</a:t>
+            </a:r>
+            <a:r>
+              <a:rPr lang="de-DE" sz="1200" b="0" strike="noStrike" spc="-1" dirty="0">
+                <a:solidFill>
+                  <a:srgbClr val="000000"/>
+                </a:solidFill>
+                <a:latin typeface="Calibri"/>
+                <a:ea typeface="DejaVu Sans"/>
+              </a:rPr>
+              <a:t> </a:t>
+            </a:r>
+            <a:r>
+              <a:rPr lang="de-DE" sz="1200" b="0" strike="noStrike" spc="-1" dirty="0" err="1">
+                <a:solidFill>
+                  <a:srgbClr val="000000"/>
+                </a:solidFill>
+                <a:latin typeface="Calibri"/>
+                <a:ea typeface="DejaVu Sans"/>
+              </a:rPr>
+              <a:t>with</a:t>
+            </a:r>
+            <a:r>
+              <a:rPr lang="de-DE" sz="1200" b="0" strike="noStrike" spc="-1" dirty="0">
+                <a:solidFill>
+                  <a:srgbClr val="000000"/>
+                </a:solidFill>
+                <a:latin typeface="Calibri"/>
+                <a:ea typeface="DejaVu Sans"/>
+              </a:rPr>
+              <a:t> </a:t>
+            </a:r>
+            <a:r>
+              <a:rPr lang="de-DE" sz="1200" b="0" strike="noStrike" spc="-1" dirty="0" err="1">
+                <a:solidFill>
+                  <a:srgbClr val="000000"/>
+                </a:solidFill>
+                <a:latin typeface="Calibri"/>
+                <a:ea typeface="DejaVu Sans"/>
+              </a:rPr>
+              <a:t>actions</a:t>
+            </a:r>
+            <a:r>
+              <a:rPr lang="de-DE" sz="1200" b="0" strike="noStrike" spc="-1" dirty="0">
+                <a:solidFill>
+                  <a:srgbClr val="000000"/>
+                </a:solidFill>
+                <a:latin typeface="Calibri"/>
+                <a:ea typeface="DejaVu Sans"/>
+              </a:rPr>
+              <a:t> </a:t>
+            </a:r>
+            <a:r>
+              <a:rPr lang="de-DE" sz="1200" b="0" strike="noStrike" spc="-1" dirty="0" err="1">
+                <a:solidFill>
+                  <a:srgbClr val="000000"/>
+                </a:solidFill>
+                <a:latin typeface="Calibri"/>
+                <a:ea typeface="DejaVu Sans"/>
+              </a:rPr>
+              <a:t>as</a:t>
+            </a:r>
+            <a:r>
+              <a:rPr lang="de-DE" sz="1200" b="0" strike="noStrike" spc="-1" dirty="0">
+                <a:solidFill>
+                  <a:srgbClr val="000000"/>
+                </a:solidFill>
+                <a:latin typeface="Calibri"/>
+                <a:ea typeface="DejaVu Sans"/>
+              </a:rPr>
+              <a:t> </a:t>
+            </a:r>
+            <a:r>
+              <a:rPr lang="de-DE" sz="1200" b="0" strike="noStrike" spc="-1" dirty="0" err="1">
+                <a:solidFill>
+                  <a:srgbClr val="000000"/>
+                </a:solidFill>
+                <a:latin typeface="Calibri"/>
+                <a:ea typeface="DejaVu Sans"/>
+              </a:rPr>
+              <a:t>removing</a:t>
+            </a:r>
+            <a:r>
+              <a:rPr lang="de-DE" sz="1200" b="0" strike="noStrike" spc="-1" dirty="0">
+                <a:solidFill>
+                  <a:srgbClr val="000000"/>
+                </a:solidFill>
+                <a:latin typeface="Calibri"/>
+                <a:ea typeface="DejaVu Sans"/>
+              </a:rPr>
+              <a:t> </a:t>
+            </a:r>
+            <a:r>
+              <a:rPr lang="de-DE" sz="1200" b="0" strike="noStrike" spc="-1" dirty="0" err="1">
+                <a:solidFill>
+                  <a:srgbClr val="000000"/>
+                </a:solidFill>
+                <a:latin typeface="Calibri"/>
+                <a:ea typeface="DejaVu Sans"/>
+              </a:rPr>
+              <a:t>unused</a:t>
+            </a:r>
+            <a:r>
+              <a:rPr lang="de-DE" sz="1200" b="0" strike="noStrike" spc="-1" dirty="0">
+                <a:solidFill>
+                  <a:srgbClr val="000000"/>
+                </a:solidFill>
+                <a:latin typeface="Calibri"/>
+                <a:ea typeface="DejaVu Sans"/>
+              </a:rPr>
+              <a:t> variables </a:t>
+            </a:r>
+            <a:r>
+              <a:rPr lang="de-DE" sz="1200" b="0" strike="noStrike" spc="-1" dirty="0" err="1">
+                <a:solidFill>
+                  <a:srgbClr val="000000"/>
+                </a:solidFill>
+                <a:latin typeface="Calibri"/>
+                <a:ea typeface="DejaVu Sans"/>
+              </a:rPr>
+              <a:t>or</a:t>
+            </a:r>
+            <a:r>
+              <a:rPr lang="de-DE" sz="1200" b="0" strike="noStrike" spc="-1" dirty="0">
+                <a:solidFill>
+                  <a:srgbClr val="000000"/>
+                </a:solidFill>
+                <a:latin typeface="Calibri"/>
+                <a:ea typeface="DejaVu Sans"/>
+              </a:rPr>
+              <a:t> </a:t>
+            </a:r>
+            <a:r>
+              <a:rPr lang="de-DE" sz="1200" b="0" strike="noStrike" spc="-1" dirty="0" err="1">
+                <a:solidFill>
+                  <a:srgbClr val="000000"/>
+                </a:solidFill>
+                <a:latin typeface="Calibri"/>
+                <a:ea typeface="DejaVu Sans"/>
+              </a:rPr>
+              <a:t>evaluate</a:t>
+            </a:r>
+            <a:r>
+              <a:rPr lang="de-DE" sz="1200" b="0" strike="noStrike" spc="-1" dirty="0">
+                <a:solidFill>
+                  <a:srgbClr val="000000"/>
+                </a:solidFill>
+                <a:latin typeface="Calibri"/>
+                <a:ea typeface="DejaVu Sans"/>
+              </a:rPr>
+              <a:t> </a:t>
+            </a:r>
+            <a:r>
+              <a:rPr lang="de-DE" sz="1200" b="0" strike="noStrike" spc="-1" dirty="0" err="1">
+                <a:solidFill>
+                  <a:srgbClr val="000000"/>
+                </a:solidFill>
+                <a:latin typeface="Calibri"/>
+                <a:ea typeface="DejaVu Sans"/>
+              </a:rPr>
+              <a:t>constant</a:t>
+            </a:r>
+            <a:r>
+              <a:rPr lang="de-DE" sz="1200" b="0" strike="noStrike" spc="-1" dirty="0">
+                <a:solidFill>
+                  <a:srgbClr val="000000"/>
+                </a:solidFill>
+                <a:latin typeface="Calibri"/>
+                <a:ea typeface="DejaVu Sans"/>
+              </a:rPr>
+              <a:t> </a:t>
+            </a:r>
+            <a:r>
+              <a:rPr lang="de-DE" sz="1200" b="0" strike="noStrike" spc="-1" dirty="0" err="1">
+                <a:solidFill>
+                  <a:srgbClr val="000000"/>
+                </a:solidFill>
+                <a:latin typeface="Calibri"/>
+                <a:ea typeface="DejaVu Sans"/>
+              </a:rPr>
+              <a:t>expressions</a:t>
+            </a:r>
+            <a:r>
+              <a:rPr lang="de-DE" sz="1200" b="0" strike="noStrike" spc="-1" dirty="0">
+                <a:solidFill>
+                  <a:srgbClr val="000000"/>
+                </a:solidFill>
+                <a:latin typeface="Calibri"/>
+                <a:ea typeface="DejaVu Sans"/>
+              </a:rPr>
+              <a:t>)</a:t>
+            </a:r>
+            <a:endParaRPr lang="en-GB" sz="1200" b="0" strike="noStrike" spc="-1" dirty="0">
+              <a:latin typeface="Arial"/>
+            </a:endParaRPr>
+          </a:p>
+          <a:p>
+            <a:pPr marL="274320" indent="-273600">
+              <a:lnSpc>
+                <a:spcPct val="90000"/>
+              </a:lnSpc>
+              <a:spcBef>
+                <a:spcPts val="1800"/>
+              </a:spcBef>
+              <a:buClr>
+                <a:srgbClr val="000000"/>
+              </a:buClr>
+              <a:buSzPct val="80000"/>
+              <a:buFont typeface="Wingdings" charset="2"/>
+              <a:buChar char=""/>
+            </a:pPr>
+            <a:r>
+              <a:rPr lang="de-DE" sz="1200" b="0" strike="noStrike" spc="-1" dirty="0">
+                <a:solidFill>
+                  <a:srgbClr val="000000"/>
+                </a:solidFill>
+                <a:latin typeface="Calibri"/>
+                <a:ea typeface="DejaVu Sans"/>
+              </a:rPr>
+              <a:t>4. Translation (</a:t>
+            </a:r>
+            <a:r>
+              <a:rPr lang="de-DE" sz="1200" b="0" strike="noStrike" spc="-1" dirty="0" err="1">
+                <a:solidFill>
+                  <a:srgbClr val="000000"/>
+                </a:solidFill>
+                <a:latin typeface="Calibri"/>
+                <a:ea typeface="DejaVu Sans"/>
+              </a:rPr>
+              <a:t>converting</a:t>
+            </a:r>
+            <a:r>
+              <a:rPr lang="de-DE" sz="1200" b="0" strike="noStrike" spc="-1" dirty="0">
+                <a:solidFill>
+                  <a:srgbClr val="000000"/>
+                </a:solidFill>
+                <a:latin typeface="Calibri"/>
+                <a:ea typeface="DejaVu Sans"/>
+              </a:rPr>
+              <a:t> </a:t>
+            </a:r>
+            <a:r>
+              <a:rPr lang="de-DE" sz="1200" b="0" strike="noStrike" spc="-1" dirty="0" err="1">
+                <a:solidFill>
+                  <a:srgbClr val="000000"/>
+                </a:solidFill>
+                <a:latin typeface="Calibri"/>
+                <a:ea typeface="DejaVu Sans"/>
+              </a:rPr>
+              <a:t>the</a:t>
+            </a:r>
+            <a:r>
+              <a:rPr lang="de-DE" sz="1200" b="0" strike="noStrike" spc="-1" dirty="0">
+                <a:solidFill>
+                  <a:srgbClr val="000000"/>
+                </a:solidFill>
+                <a:latin typeface="Calibri"/>
+                <a:ea typeface="DejaVu Sans"/>
+              </a:rPr>
+              <a:t> parse </a:t>
+            </a:r>
+            <a:r>
+              <a:rPr lang="de-DE" sz="1200" b="0" strike="noStrike" spc="-1" dirty="0" err="1">
+                <a:solidFill>
+                  <a:srgbClr val="000000"/>
+                </a:solidFill>
+                <a:latin typeface="Calibri"/>
+                <a:ea typeface="DejaVu Sans"/>
+              </a:rPr>
+              <a:t>tree</a:t>
+            </a:r>
+            <a:r>
+              <a:rPr lang="de-DE" sz="1200" b="0" strike="noStrike" spc="-1" dirty="0">
+                <a:solidFill>
+                  <a:srgbClr val="000000"/>
+                </a:solidFill>
+                <a:latin typeface="Calibri"/>
+                <a:ea typeface="DejaVu Sans"/>
+              </a:rPr>
+              <a:t> </a:t>
+            </a:r>
+            <a:r>
+              <a:rPr lang="de-DE" sz="1200" b="0" strike="noStrike" spc="-1" dirty="0" err="1">
+                <a:solidFill>
+                  <a:srgbClr val="000000"/>
+                </a:solidFill>
+                <a:latin typeface="Calibri"/>
+                <a:ea typeface="DejaVu Sans"/>
+              </a:rPr>
+              <a:t>into</a:t>
+            </a:r>
+            <a:r>
+              <a:rPr lang="de-DE" sz="1200" b="0" strike="noStrike" spc="-1" dirty="0">
+                <a:solidFill>
+                  <a:srgbClr val="000000"/>
+                </a:solidFill>
+                <a:latin typeface="Calibri"/>
+                <a:ea typeface="DejaVu Sans"/>
+              </a:rPr>
+              <a:t> </a:t>
+            </a:r>
+            <a:r>
+              <a:rPr lang="de-DE" sz="1200" b="0" strike="noStrike" spc="-1" dirty="0" err="1">
+                <a:solidFill>
+                  <a:srgbClr val="000000"/>
+                </a:solidFill>
+                <a:latin typeface="Calibri"/>
+                <a:ea typeface="DejaVu Sans"/>
+              </a:rPr>
+              <a:t>assembly</a:t>
+            </a:r>
+            <a:r>
+              <a:rPr lang="de-DE" sz="1200" b="0" strike="noStrike" spc="-1" dirty="0">
+                <a:solidFill>
+                  <a:srgbClr val="000000"/>
+                </a:solidFill>
+                <a:latin typeface="Calibri"/>
+                <a:ea typeface="DejaVu Sans"/>
+              </a:rPr>
+              <a:t> code)</a:t>
+            </a:r>
+            <a:endParaRPr lang="en-GB" sz="1200" b="0" strike="noStrike" spc="-1" dirty="0">
+              <a:latin typeface="Arial"/>
+            </a:endParaRPr>
+          </a:p>
+          <a:p>
+            <a:pPr marL="274320" indent="-273600">
+              <a:lnSpc>
+                <a:spcPct val="90000"/>
+              </a:lnSpc>
+              <a:spcBef>
+                <a:spcPts val="1800"/>
+              </a:spcBef>
+              <a:buClr>
+                <a:srgbClr val="000000"/>
+              </a:buClr>
+              <a:buSzPct val="80000"/>
+              <a:buFont typeface="Wingdings" charset="2"/>
+              <a:buChar char=""/>
+            </a:pPr>
+            <a:r>
+              <a:rPr lang="de-DE" sz="1200" b="0" strike="noStrike" spc="-1" dirty="0">
+                <a:solidFill>
+                  <a:srgbClr val="000000"/>
+                </a:solidFill>
+                <a:latin typeface="Calibri"/>
+                <a:ea typeface="DejaVu Sans"/>
+              </a:rPr>
+              <a:t>5. Run </a:t>
+            </a:r>
+            <a:r>
+              <a:rPr lang="de-DE" sz="1200" b="0" strike="noStrike" spc="-1" dirty="0" err="1">
+                <a:solidFill>
+                  <a:srgbClr val="000000"/>
+                </a:solidFill>
+                <a:latin typeface="Calibri"/>
+                <a:ea typeface="DejaVu Sans"/>
+              </a:rPr>
+              <a:t>the</a:t>
+            </a:r>
+            <a:r>
+              <a:rPr lang="de-DE" sz="1200" b="0" strike="noStrike" spc="-1" dirty="0">
+                <a:solidFill>
+                  <a:srgbClr val="000000"/>
+                </a:solidFill>
+                <a:latin typeface="Calibri"/>
+                <a:ea typeface="DejaVu Sans"/>
+              </a:rPr>
+              <a:t> code (</a:t>
+            </a:r>
+            <a:r>
+              <a:rPr lang="de-DE" sz="1200" b="0" strike="noStrike" spc="-1" dirty="0" err="1">
+                <a:solidFill>
+                  <a:srgbClr val="000000"/>
+                </a:solidFill>
+                <a:latin typeface="Calibri"/>
+                <a:ea typeface="DejaVu Sans"/>
+              </a:rPr>
+              <a:t>the</a:t>
+            </a:r>
+            <a:r>
+              <a:rPr lang="de-DE" sz="1200" b="0" strike="noStrike" spc="-1" dirty="0">
+                <a:solidFill>
+                  <a:srgbClr val="000000"/>
+                </a:solidFill>
+                <a:latin typeface="Calibri"/>
+                <a:ea typeface="DejaVu Sans"/>
+              </a:rPr>
+              <a:t> </a:t>
+            </a:r>
+            <a:r>
+              <a:rPr lang="de-DE" sz="1200" b="0" strike="noStrike" spc="-1" dirty="0" err="1">
+                <a:solidFill>
+                  <a:srgbClr val="000000"/>
+                </a:solidFill>
+                <a:latin typeface="Calibri"/>
+                <a:ea typeface="DejaVu Sans"/>
+              </a:rPr>
+              <a:t>assembly</a:t>
+            </a:r>
+            <a:r>
+              <a:rPr lang="de-DE" sz="1200" b="0" strike="noStrike" spc="-1" dirty="0">
+                <a:solidFill>
+                  <a:srgbClr val="000000"/>
+                </a:solidFill>
+                <a:latin typeface="Calibri"/>
+                <a:ea typeface="DejaVu Sans"/>
+              </a:rPr>
+              <a:t> code </a:t>
+            </a:r>
+            <a:r>
+              <a:rPr lang="de-DE" sz="1200" b="0" strike="noStrike" spc="-1" dirty="0" err="1">
+                <a:solidFill>
+                  <a:srgbClr val="000000"/>
+                </a:solidFill>
+                <a:latin typeface="Calibri"/>
+                <a:ea typeface="DejaVu Sans"/>
+              </a:rPr>
+              <a:t>is</a:t>
+            </a:r>
+            <a:r>
+              <a:rPr lang="de-DE" sz="1200" b="0" strike="noStrike" spc="-1" dirty="0">
+                <a:solidFill>
+                  <a:srgbClr val="000000"/>
+                </a:solidFill>
+                <a:latin typeface="Calibri"/>
+                <a:ea typeface="DejaVu Sans"/>
+              </a:rPr>
+              <a:t> </a:t>
+            </a:r>
+            <a:r>
+              <a:rPr lang="de-DE" sz="1200" b="0" strike="noStrike" spc="-1" dirty="0" err="1">
+                <a:solidFill>
+                  <a:srgbClr val="000000"/>
+                </a:solidFill>
+                <a:latin typeface="Calibri"/>
+                <a:ea typeface="DejaVu Sans"/>
+              </a:rPr>
+              <a:t>translated</a:t>
+            </a:r>
+            <a:r>
+              <a:rPr lang="de-DE" sz="1200" b="0" strike="noStrike" spc="-1" dirty="0">
+                <a:solidFill>
+                  <a:srgbClr val="000000"/>
+                </a:solidFill>
+                <a:latin typeface="Calibri"/>
+                <a:ea typeface="DejaVu Sans"/>
+              </a:rPr>
+              <a:t> </a:t>
+            </a:r>
+            <a:r>
+              <a:rPr lang="de-DE" sz="1200" b="0" strike="noStrike" spc="-1" dirty="0" err="1">
+                <a:solidFill>
+                  <a:srgbClr val="000000"/>
+                </a:solidFill>
+                <a:latin typeface="Calibri"/>
+                <a:ea typeface="DejaVu Sans"/>
+              </a:rPr>
+              <a:t>into</a:t>
+            </a:r>
+            <a:r>
+              <a:rPr lang="de-DE" sz="1200" b="0" strike="noStrike" spc="-1" dirty="0">
+                <a:solidFill>
+                  <a:srgbClr val="000000"/>
+                </a:solidFill>
+                <a:latin typeface="Calibri"/>
+                <a:ea typeface="DejaVu Sans"/>
+              </a:rPr>
+              <a:t> </a:t>
+            </a:r>
+            <a:r>
+              <a:rPr lang="de-DE" sz="1200" b="0" strike="noStrike" spc="-1" dirty="0" err="1">
+                <a:solidFill>
+                  <a:srgbClr val="000000"/>
+                </a:solidFill>
+                <a:latin typeface="Calibri"/>
+                <a:ea typeface="DejaVu Sans"/>
+              </a:rPr>
+              <a:t>machine</a:t>
+            </a:r>
+            <a:r>
+              <a:rPr lang="de-DE" sz="1200" b="0" strike="noStrike" spc="-1" dirty="0">
+                <a:solidFill>
+                  <a:srgbClr val="000000"/>
+                </a:solidFill>
+                <a:latin typeface="Calibri"/>
+                <a:ea typeface="DejaVu Sans"/>
+              </a:rPr>
+              <a:t> code)</a:t>
+            </a:r>
+            <a:endParaRPr lang="en-GB" sz="1200" b="0" strike="noStrike" spc="-1" dirty="0">
+              <a:latin typeface="Arial"/>
+            </a:endParaRPr>
+          </a:p>
+          <a:p>
+            <a:endParaRPr lang="en-US" dirty="0"/>
+          </a:p>
+          <a:p>
+            <a:r>
+              <a:rPr lang="en-US" dirty="0"/>
+              <a:t>Decompiling.</a:t>
+            </a:r>
+          </a:p>
+          <a:p>
+            <a:r>
+              <a:rPr lang="en-US" dirty="0"/>
+              <a:t>- It does the same as in translation compiling but it processes this into showing the functionality</a:t>
+            </a:r>
+          </a:p>
+          <a:p>
+            <a:endParaRPr lang="en-US" dirty="0"/>
+          </a:p>
+          <a:p>
+            <a:endParaRPr lang="en-US" dirty="0"/>
+          </a:p>
+          <a:p>
+            <a:r>
+              <a:rPr lang="en-US" dirty="0"/>
+              <a:t>The term </a:t>
+            </a:r>
+            <a:r>
+              <a:rPr lang="en-US" dirty="0" err="1"/>
+              <a:t>decompiler</a:t>
+            </a:r>
+            <a:r>
+              <a:rPr lang="en-US" dirty="0"/>
+              <a:t> is most commonly applied to a program which translates executable programs (the output from a compiler) into source code in a (relatively) high level language which, when compiled, will produce an executable whose behavior is the same as the original executable program. By comparison, a disassembler translates an executable program into assembly language (and an assembler could be used for assembling it back into an executable program).</a:t>
+            </a:r>
+            <a:r>
+              <a:rPr lang="en-US" dirty="0" err="1"/>
+              <a:t>Decompilation</a:t>
+            </a:r>
+            <a:r>
+              <a:rPr lang="en-US" dirty="0"/>
+              <a:t> is the act of using a </a:t>
+            </a:r>
+            <a:r>
+              <a:rPr lang="en-US" dirty="0" err="1"/>
+              <a:t>decompiler</a:t>
+            </a:r>
+            <a:r>
+              <a:rPr lang="en-US" dirty="0"/>
+              <a:t>, although the term can also refer to the output of a </a:t>
+            </a:r>
+            <a:r>
+              <a:rPr lang="en-US" dirty="0" err="1"/>
+              <a:t>decompiler</a:t>
+            </a:r>
+            <a:r>
+              <a:rPr lang="en-US" dirty="0"/>
+              <a:t>. It can be used for the recovery of lost source code, and is also useful in some cases for computer security, interoperability and error correction. The success of </a:t>
+            </a:r>
+            <a:r>
+              <a:rPr lang="en-US" dirty="0" err="1"/>
+              <a:t>decompilation</a:t>
+            </a:r>
+            <a:r>
+              <a:rPr lang="en-US" dirty="0"/>
+              <a:t> depends on the amount of information present in the code being decompiled and the sophistication of the analysis performed on it. The bytecode formats used by many virtual machines (such as the Java Virtual Machine or the .NET Framework Common Language Runtime) often include extensive metadata and high-level features that make </a:t>
+            </a:r>
+            <a:r>
+              <a:rPr lang="en-US" dirty="0" err="1"/>
+              <a:t>decompilation</a:t>
+            </a:r>
+            <a:r>
+              <a:rPr lang="en-US" dirty="0"/>
+              <a:t> quite feasible. The application of debug data, i.e. debug-symbols, may enable to reproduce the original names of variables and structures and even the line numbers. Machine language without such metadata or debug data is much harder to </a:t>
+            </a:r>
+            <a:r>
+              <a:rPr lang="en-US" dirty="0" err="1"/>
+              <a:t>decompile.Some</a:t>
+            </a:r>
+            <a:r>
+              <a:rPr lang="en-US" dirty="0"/>
+              <a:t> compilers and post-compilation tools produce obfuscated code (that is, they attempt to produce output that is very difficult to decompile, or that decompiles to confusing output). This is done to make it more difficult to reverse engineer the </a:t>
+            </a:r>
+            <a:r>
+              <a:rPr lang="en-US" dirty="0" err="1"/>
+              <a:t>executable.While</a:t>
+            </a:r>
+            <a:r>
+              <a:rPr lang="en-US" dirty="0"/>
+              <a:t> </a:t>
+            </a:r>
+            <a:r>
+              <a:rPr lang="en-US" dirty="0" err="1"/>
+              <a:t>decompilers</a:t>
+            </a:r>
+            <a:r>
+              <a:rPr lang="en-US" dirty="0"/>
+              <a:t> are normally used to (re-)create source code from binary executables, there are also </a:t>
+            </a:r>
+            <a:r>
+              <a:rPr lang="en-US" dirty="0" err="1"/>
+              <a:t>decompilers</a:t>
+            </a:r>
+            <a:r>
+              <a:rPr lang="en-US" dirty="0"/>
+              <a:t> to turn specific binary data files into human-readable and editable sources.</a:t>
+            </a:r>
+            <a:endParaRPr lang="nl-NL" dirty="0"/>
           </a:p>
         </p:txBody>
       </p:sp>
@@ -1314,7 +5031,7 @@
     </p:spTree>
     <p:extLst>
       <p:ext uri="{BB962C8B-B14F-4D97-AF65-F5344CB8AC3E}">
-        <p14:creationId xmlns:p14="http://schemas.microsoft.com/office/powerpoint/2010/main" val="3337418200"/>
+        <p14:creationId xmlns:p14="http://schemas.microsoft.com/office/powerpoint/2010/main" val="2191605357"/>
       </p:ext>
     </p:extLst>
   </p:cSld>
@@ -1343,7 +5060,7 @@
       </p:grpSpPr>
       <p:sp>
         <p:nvSpPr>
-          <p:cNvPr id="2" name="Tijdelijke aanduiding voor dia-afbeelding 1"/>
+          <p:cNvPr id="2" name="Slide Image Placeholder 1"/>
           <p:cNvSpPr>
             <a:spLocks noGrp="1" noRot="1" noChangeAspect="1"/>
           </p:cNvSpPr>
@@ -1355,7 +5072,7 @@
       </p:sp>
       <p:sp>
         <p:nvSpPr>
-          <p:cNvPr id="3" name="Tijdelijke aanduiding voor notities 2"/>
+          <p:cNvPr id="3" name="Notes Placeholder 2"/>
           <p:cNvSpPr>
             <a:spLocks noGrp="1"/>
           </p:cNvSpPr>
@@ -1368,170 +5085,17 @@
           <a:bodyPr/>
           <a:lstStyle/>
           <a:p>
-            <a:pPr algn="l"/>
-            <a:r>
-              <a:rPr lang="en-US" b="0" i="0" dirty="0" err="1">
-                <a:solidFill>
-                  <a:srgbClr val="24292F"/>
-                </a:solidFill>
-                <a:effectLst/>
-                <a:latin typeface="-apple-system"/>
-              </a:rPr>
-              <a:t>Ghidra</a:t>
-            </a:r>
-            <a:r>
-              <a:rPr lang="en-US" b="0" i="0" dirty="0">
-                <a:solidFill>
-                  <a:srgbClr val="24292F"/>
-                </a:solidFill>
-                <a:effectLst/>
-                <a:latin typeface="-apple-system"/>
-              </a:rPr>
-              <a:t> is a software reverse engineering (SRE) framework created and maintained by the </a:t>
-            </a:r>
-            <a:r>
-              <a:rPr lang="en-US" b="0" i="0" u="none" strike="noStrike" dirty="0">
-                <a:solidFill>
-                  <a:srgbClr val="24292F"/>
-                </a:solidFill>
-                <a:effectLst/>
-                <a:latin typeface="-apple-system"/>
-                <a:hlinkClick r:id="rId3"/>
-              </a:rPr>
-              <a:t>National Security Agency</a:t>
-            </a:r>
-            <a:r>
-              <a:rPr lang="en-US" b="0" i="0" dirty="0">
-                <a:solidFill>
-                  <a:srgbClr val="24292F"/>
-                </a:solidFill>
-                <a:effectLst/>
-                <a:latin typeface="-apple-system"/>
-              </a:rPr>
-              <a:t> Research Directorate. This framework includes a suite of full-featured, high-end software analysis tools that enable users to analyze compiled code on a variety of platforms including Windows, macOS, and Linux. Capabilities include disassembly, assembly, </a:t>
-            </a:r>
-            <a:r>
-              <a:rPr lang="en-US" b="0" i="0" dirty="0" err="1">
-                <a:solidFill>
-                  <a:srgbClr val="24292F"/>
-                </a:solidFill>
-                <a:effectLst/>
-                <a:latin typeface="-apple-system"/>
-              </a:rPr>
-              <a:t>decompilation</a:t>
-            </a:r>
-            <a:r>
-              <a:rPr lang="en-US" b="0" i="0" dirty="0">
-                <a:solidFill>
-                  <a:srgbClr val="24292F"/>
-                </a:solidFill>
-                <a:effectLst/>
-                <a:latin typeface="-apple-system"/>
-              </a:rPr>
-              <a:t>, graphing, and scripting, along with hundreds of other features. </a:t>
-            </a:r>
-            <a:r>
-              <a:rPr lang="en-US" b="0" i="0" dirty="0" err="1">
-                <a:solidFill>
-                  <a:srgbClr val="24292F"/>
-                </a:solidFill>
-                <a:effectLst/>
-                <a:latin typeface="-apple-system"/>
-              </a:rPr>
-              <a:t>Ghidra</a:t>
-            </a:r>
-            <a:r>
-              <a:rPr lang="en-US" b="0" i="0" dirty="0">
-                <a:solidFill>
-                  <a:srgbClr val="24292F"/>
-                </a:solidFill>
-                <a:effectLst/>
-                <a:latin typeface="-apple-system"/>
-              </a:rPr>
-              <a:t> supports a wide variety of processor instruction sets and executable formats and can be run in both user-interactive and automated modes. Users may also develop their own </a:t>
-            </a:r>
-            <a:r>
-              <a:rPr lang="en-US" b="0" i="0" dirty="0" err="1">
-                <a:solidFill>
-                  <a:srgbClr val="24292F"/>
-                </a:solidFill>
-                <a:effectLst/>
-                <a:latin typeface="-apple-system"/>
-              </a:rPr>
-              <a:t>Ghidra</a:t>
-            </a:r>
-            <a:r>
-              <a:rPr lang="en-US" b="0" i="0" dirty="0">
-                <a:solidFill>
-                  <a:srgbClr val="24292F"/>
-                </a:solidFill>
-                <a:effectLst/>
-                <a:latin typeface="-apple-system"/>
-              </a:rPr>
-              <a:t> extension components and/or scripts using Java or Python.</a:t>
-            </a:r>
-          </a:p>
-          <a:p>
-            <a:pPr algn="l"/>
-            <a:r>
-              <a:rPr lang="en-US" b="0" i="0" dirty="0">
-                <a:solidFill>
-                  <a:srgbClr val="24292F"/>
-                </a:solidFill>
-                <a:effectLst/>
-                <a:latin typeface="-apple-system"/>
-              </a:rPr>
-              <a:t>In support of NSA's Cybersecurity mission, </a:t>
-            </a:r>
-            <a:r>
-              <a:rPr lang="en-US" b="0" i="0" dirty="0" err="1">
-                <a:solidFill>
-                  <a:srgbClr val="24292F"/>
-                </a:solidFill>
-                <a:effectLst/>
-                <a:latin typeface="-apple-system"/>
-              </a:rPr>
-              <a:t>Ghidra</a:t>
-            </a:r>
-            <a:r>
-              <a:rPr lang="en-US" b="0" i="0" dirty="0">
-                <a:solidFill>
-                  <a:srgbClr val="24292F"/>
-                </a:solidFill>
-                <a:effectLst/>
-                <a:latin typeface="-apple-system"/>
-              </a:rPr>
-              <a:t> was built to solve scaling and teaming problems on complex SRE efforts, and to provide a customizable and extensible SRE research platform. NSA has applied </a:t>
-            </a:r>
-            <a:r>
-              <a:rPr lang="en-US" b="0" i="0" dirty="0" err="1">
-                <a:solidFill>
-                  <a:srgbClr val="24292F"/>
-                </a:solidFill>
-                <a:effectLst/>
-                <a:latin typeface="-apple-system"/>
-              </a:rPr>
-              <a:t>Ghidra</a:t>
-            </a:r>
-            <a:r>
-              <a:rPr lang="en-US" b="0" i="0" dirty="0">
-                <a:solidFill>
-                  <a:srgbClr val="24292F"/>
-                </a:solidFill>
-                <a:effectLst/>
-                <a:latin typeface="-apple-system"/>
-              </a:rPr>
-              <a:t> SRE capabilities to a variety of problems that involve analyzing malicious code and generating deep insights for SRE analysts who seek a better understanding of potential vulnerabilities in networks and systems.</a:t>
-            </a:r>
-          </a:p>
-          <a:p>
+            <a:r>
+              <a:rPr lang="en-GB" dirty="0" err="1"/>
+              <a:t>Sjong</a:t>
+            </a:r>
             <a:endParaRPr lang="nl-NL" dirty="0"/>
           </a:p>
         </p:txBody>
       </p:sp>
       <p:sp>
         <p:nvSpPr>
-          <p:cNvPr id="4" name="Tijdelijke aanduiding voor dianummer 3"/>
+          <p:cNvPr id="4" name="Slide Number Placeholder 3"/>
           <p:cNvSpPr>
             <a:spLocks noGrp="1"/>
           </p:cNvSpPr>
@@ -1555,7 +5119,7 @@
     </p:spTree>
     <p:extLst>
       <p:ext uri="{BB962C8B-B14F-4D97-AF65-F5344CB8AC3E}">
-        <p14:creationId xmlns:p14="http://schemas.microsoft.com/office/powerpoint/2010/main" val="79914940"/>
+        <p14:creationId xmlns:p14="http://schemas.microsoft.com/office/powerpoint/2010/main" val="3440794364"/>
       </p:ext>
     </p:extLst>
   </p:cSld>
@@ -1609,1259 +5173,42 @@
           <a:bodyPr/>
           <a:lstStyle/>
           <a:p>
-            <a:pPr algn="l"/>
-            <a:r>
-              <a:rPr lang="nl-NL" b="0" i="0" dirty="0" err="1">
-                <a:solidFill>
-                  <a:srgbClr val="24292F"/>
-                </a:solidFill>
-                <a:effectLst/>
-                <a:latin typeface="-apple-system"/>
-              </a:rPr>
-              <a:t>Install</a:t>
-            </a:r>
-            <a:r>
-              <a:rPr lang="nl-NL" b="0" i="0" dirty="0">
-                <a:solidFill>
-                  <a:srgbClr val="24292F"/>
-                </a:solidFill>
-                <a:effectLst/>
-                <a:latin typeface="-apple-system"/>
-              </a:rPr>
-              <a:t>:</a:t>
-            </a:r>
-          </a:p>
-          <a:p>
-            <a:pPr algn="l"/>
-            <a:r>
-              <a:rPr lang="nl-NL" b="0" i="0" dirty="0" err="1">
-                <a:solidFill>
-                  <a:srgbClr val="24292F"/>
-                </a:solidFill>
-                <a:effectLst/>
-                <a:latin typeface="-apple-system"/>
-              </a:rPr>
-              <a:t>To</a:t>
-            </a:r>
-            <a:r>
-              <a:rPr lang="nl-NL" b="0" i="0" dirty="0">
-                <a:solidFill>
-                  <a:srgbClr val="24292F"/>
-                </a:solidFill>
-                <a:effectLst/>
-                <a:latin typeface="-apple-system"/>
-              </a:rPr>
-              <a:t> </a:t>
-            </a:r>
-            <a:r>
-              <a:rPr lang="nl-NL" b="0" i="0" dirty="0" err="1">
-                <a:solidFill>
-                  <a:srgbClr val="24292F"/>
-                </a:solidFill>
-                <a:effectLst/>
-                <a:latin typeface="-apple-system"/>
-              </a:rPr>
-              <a:t>install</a:t>
-            </a:r>
-            <a:r>
-              <a:rPr lang="nl-NL" b="0" i="0" dirty="0">
-                <a:solidFill>
-                  <a:srgbClr val="24292F"/>
-                </a:solidFill>
-                <a:effectLst/>
-                <a:latin typeface="-apple-system"/>
-              </a:rPr>
-              <a:t> </a:t>
-            </a:r>
-            <a:r>
-              <a:rPr lang="nl-NL" b="0" i="0" dirty="0" err="1">
-                <a:solidFill>
-                  <a:srgbClr val="24292F"/>
-                </a:solidFill>
-                <a:effectLst/>
-                <a:latin typeface="-apple-system"/>
-              </a:rPr>
-              <a:t>an</a:t>
-            </a:r>
-            <a:r>
-              <a:rPr lang="nl-NL" b="0" i="0" dirty="0">
-                <a:solidFill>
-                  <a:srgbClr val="24292F"/>
-                </a:solidFill>
-                <a:effectLst/>
-                <a:latin typeface="-apple-system"/>
-              </a:rPr>
-              <a:t> official pre-built </a:t>
-            </a:r>
-            <a:r>
-              <a:rPr lang="nl-NL" b="0" i="0" dirty="0" err="1">
-                <a:solidFill>
-                  <a:srgbClr val="24292F"/>
-                </a:solidFill>
-                <a:effectLst/>
-                <a:latin typeface="-apple-system"/>
-              </a:rPr>
-              <a:t>multi</a:t>
-            </a:r>
-            <a:r>
-              <a:rPr lang="nl-NL" b="0" i="0" dirty="0">
-                <a:solidFill>
-                  <a:srgbClr val="24292F"/>
-                </a:solidFill>
-                <a:effectLst/>
-                <a:latin typeface="-apple-system"/>
-              </a:rPr>
-              <a:t>-platform </a:t>
-            </a:r>
-            <a:r>
-              <a:rPr lang="nl-NL" b="0" i="0" dirty="0" err="1">
-                <a:solidFill>
-                  <a:srgbClr val="24292F"/>
-                </a:solidFill>
-                <a:effectLst/>
-                <a:latin typeface="-apple-system"/>
-              </a:rPr>
-              <a:t>Ghidra</a:t>
-            </a:r>
-            <a:r>
-              <a:rPr lang="nl-NL" b="0" i="0" dirty="0">
-                <a:solidFill>
-                  <a:srgbClr val="24292F"/>
-                </a:solidFill>
-                <a:effectLst/>
-                <a:latin typeface="-apple-system"/>
-              </a:rPr>
-              <a:t> release:</a:t>
-            </a:r>
-          </a:p>
-          <a:p>
-            <a:pPr algn="l">
-              <a:buFont typeface="Arial" panose="020B0604020202020204" pitchFamily="34" charset="0"/>
-              <a:buChar char="•"/>
-            </a:pPr>
-            <a:r>
-              <a:rPr lang="nl-NL" b="0" i="0" dirty="0" err="1">
-                <a:solidFill>
-                  <a:srgbClr val="24292F"/>
-                </a:solidFill>
-                <a:effectLst/>
-                <a:latin typeface="-apple-system"/>
-              </a:rPr>
-              <a:t>Install</a:t>
-            </a:r>
-            <a:r>
-              <a:rPr lang="nl-NL" b="0" i="0" dirty="0">
-                <a:solidFill>
-                  <a:srgbClr val="24292F"/>
-                </a:solidFill>
-                <a:effectLst/>
-                <a:latin typeface="-apple-system"/>
-              </a:rPr>
-              <a:t> </a:t>
-            </a:r>
-            <a:r>
-              <a:rPr lang="nl-NL" b="0" i="0" u="none" strike="noStrike" dirty="0">
-                <a:solidFill>
-                  <a:srgbClr val="24292F"/>
-                </a:solidFill>
-                <a:effectLst/>
-                <a:latin typeface="-apple-system"/>
-                <a:hlinkClick r:id="rId3"/>
-              </a:rPr>
-              <a:t>JDK 17 64-bit</a:t>
-            </a:r>
-            <a:endParaRPr lang="nl-NL" b="0" i="0" dirty="0">
-              <a:solidFill>
-                <a:srgbClr val="24292F"/>
-              </a:solidFill>
-              <a:effectLst/>
-              <a:latin typeface="-apple-system"/>
-            </a:endParaRPr>
-          </a:p>
-          <a:p>
-            <a:pPr algn="l">
-              <a:buFont typeface="Arial" panose="020B0604020202020204" pitchFamily="34" charset="0"/>
-              <a:buChar char="•"/>
-            </a:pPr>
-            <a:r>
-              <a:rPr lang="nl-NL" b="0" i="0" dirty="0">
-                <a:solidFill>
-                  <a:srgbClr val="24292F"/>
-                </a:solidFill>
-                <a:effectLst/>
-                <a:latin typeface="-apple-system"/>
-              </a:rPr>
-              <a:t>Download a </a:t>
-            </a:r>
-            <a:r>
-              <a:rPr lang="nl-NL" b="0" i="0" dirty="0" err="1">
-                <a:solidFill>
-                  <a:srgbClr val="24292F"/>
-                </a:solidFill>
-                <a:effectLst/>
-                <a:latin typeface="-apple-system"/>
-              </a:rPr>
-              <a:t>Ghidra</a:t>
-            </a:r>
-            <a:r>
-              <a:rPr lang="nl-NL" b="0" i="0" dirty="0">
-                <a:solidFill>
-                  <a:srgbClr val="24292F"/>
-                </a:solidFill>
-                <a:effectLst/>
-                <a:latin typeface="-apple-system"/>
-              </a:rPr>
-              <a:t> </a:t>
-            </a:r>
-            <a:r>
-              <a:rPr lang="nl-NL" b="0" i="0" u="none" strike="noStrike" dirty="0">
-                <a:solidFill>
-                  <a:srgbClr val="24292F"/>
-                </a:solidFill>
-                <a:effectLst/>
-                <a:latin typeface="-apple-system"/>
-                <a:hlinkClick r:id="rId4"/>
-              </a:rPr>
-              <a:t>release file</a:t>
-            </a:r>
-            <a:endParaRPr lang="nl-NL" b="0" i="0" dirty="0">
-              <a:solidFill>
-                <a:srgbClr val="24292F"/>
-              </a:solidFill>
-              <a:effectLst/>
-              <a:latin typeface="-apple-system"/>
-            </a:endParaRPr>
-          </a:p>
-          <a:p>
-            <a:pPr algn="l">
-              <a:buFont typeface="Arial" panose="020B0604020202020204" pitchFamily="34" charset="0"/>
-              <a:buChar char="•"/>
-            </a:pPr>
-            <a:r>
-              <a:rPr lang="nl-NL" b="0" i="0" dirty="0">
-                <a:solidFill>
-                  <a:srgbClr val="24292F"/>
-                </a:solidFill>
-                <a:effectLst/>
-                <a:latin typeface="-apple-system"/>
-              </a:rPr>
-              <a:t>Extract </a:t>
-            </a:r>
-            <a:r>
-              <a:rPr lang="nl-NL" b="0" i="0" dirty="0" err="1">
-                <a:solidFill>
-                  <a:srgbClr val="24292F"/>
-                </a:solidFill>
-                <a:effectLst/>
-                <a:latin typeface="-apple-system"/>
-              </a:rPr>
-              <a:t>the</a:t>
-            </a:r>
-            <a:r>
-              <a:rPr lang="nl-NL" b="0" i="0" dirty="0">
-                <a:solidFill>
-                  <a:srgbClr val="24292F"/>
-                </a:solidFill>
-                <a:effectLst/>
-                <a:latin typeface="-apple-system"/>
-              </a:rPr>
-              <a:t> </a:t>
-            </a:r>
-            <a:r>
-              <a:rPr lang="nl-NL" b="0" i="0" dirty="0" err="1">
-                <a:solidFill>
-                  <a:srgbClr val="24292F"/>
-                </a:solidFill>
-                <a:effectLst/>
-                <a:latin typeface="-apple-system"/>
-              </a:rPr>
-              <a:t>Ghidra</a:t>
-            </a:r>
-            <a:r>
-              <a:rPr lang="nl-NL" b="0" i="0" dirty="0">
-                <a:solidFill>
-                  <a:srgbClr val="24292F"/>
-                </a:solidFill>
-                <a:effectLst/>
-                <a:latin typeface="-apple-system"/>
-              </a:rPr>
-              <a:t> release file</a:t>
-            </a:r>
-          </a:p>
-          <a:p>
-            <a:pPr algn="l">
-              <a:buFont typeface="Arial" panose="020B0604020202020204" pitchFamily="34" charset="0"/>
-              <a:buChar char="•"/>
-            </a:pPr>
-            <a:r>
-              <a:rPr lang="nl-NL" b="0" i="0" dirty="0" err="1">
-                <a:solidFill>
-                  <a:srgbClr val="24292F"/>
-                </a:solidFill>
-                <a:effectLst/>
-                <a:latin typeface="-apple-system"/>
-              </a:rPr>
-              <a:t>Launch</a:t>
-            </a:r>
-            <a:r>
-              <a:rPr lang="nl-NL" b="0" i="0" dirty="0">
-                <a:solidFill>
-                  <a:srgbClr val="24292F"/>
-                </a:solidFill>
-                <a:effectLst/>
-                <a:latin typeface="-apple-system"/>
-              </a:rPr>
-              <a:t> </a:t>
-            </a:r>
-            <a:r>
-              <a:rPr lang="nl-NL" b="0" i="0" dirty="0" err="1">
-                <a:solidFill>
-                  <a:srgbClr val="24292F"/>
-                </a:solidFill>
-                <a:effectLst/>
-                <a:latin typeface="-apple-system"/>
-              </a:rPr>
-              <a:t>Ghidra</a:t>
-            </a:r>
-            <a:r>
-              <a:rPr lang="nl-NL" b="0" i="0" dirty="0">
-                <a:solidFill>
-                  <a:srgbClr val="24292F"/>
-                </a:solidFill>
-                <a:effectLst/>
-                <a:latin typeface="-apple-system"/>
-              </a:rPr>
-              <a:t>: ./</a:t>
-            </a:r>
-            <a:r>
-              <a:rPr lang="nl-NL" b="0" i="0" dirty="0" err="1">
-                <a:solidFill>
-                  <a:srgbClr val="24292F"/>
-                </a:solidFill>
-                <a:effectLst/>
-                <a:latin typeface="-apple-system"/>
-              </a:rPr>
-              <a:t>ghidraRun</a:t>
-            </a:r>
-            <a:r>
-              <a:rPr lang="nl-NL" b="0" i="0" dirty="0">
-                <a:solidFill>
-                  <a:srgbClr val="24292F"/>
-                </a:solidFill>
-                <a:effectLst/>
-                <a:latin typeface="-apple-system"/>
-              </a:rPr>
-              <a:t> (or ghidraRun.bat </a:t>
-            </a:r>
-            <a:r>
-              <a:rPr lang="nl-NL" b="0" i="0" dirty="0" err="1">
-                <a:solidFill>
-                  <a:srgbClr val="24292F"/>
-                </a:solidFill>
-                <a:effectLst/>
-                <a:latin typeface="-apple-system"/>
-              </a:rPr>
-              <a:t>for</a:t>
-            </a:r>
-            <a:r>
-              <a:rPr lang="nl-NL" b="0" i="0" dirty="0">
-                <a:solidFill>
-                  <a:srgbClr val="24292F"/>
-                </a:solidFill>
-                <a:effectLst/>
-                <a:latin typeface="-apple-system"/>
-              </a:rPr>
-              <a:t> Windows)</a:t>
-            </a:r>
-          </a:p>
-          <a:p>
-            <a:pPr algn="l"/>
-            <a:r>
-              <a:rPr lang="nl-NL" b="0" i="0" dirty="0">
-                <a:solidFill>
-                  <a:srgbClr val="24292F"/>
-                </a:solidFill>
-                <a:effectLst/>
-                <a:latin typeface="-apple-system"/>
-              </a:rPr>
-              <a:t>For </a:t>
-            </a:r>
-            <a:r>
-              <a:rPr lang="nl-NL" b="0" i="0" dirty="0" err="1">
-                <a:solidFill>
-                  <a:srgbClr val="24292F"/>
-                </a:solidFill>
-                <a:effectLst/>
-                <a:latin typeface="-apple-system"/>
-              </a:rPr>
-              <a:t>additional</a:t>
-            </a:r>
-            <a:r>
-              <a:rPr lang="nl-NL" b="0" i="0" dirty="0">
-                <a:solidFill>
-                  <a:srgbClr val="24292F"/>
-                </a:solidFill>
-                <a:effectLst/>
-                <a:latin typeface="-apple-system"/>
-              </a:rPr>
-              <a:t> information </a:t>
-            </a:r>
-            <a:r>
-              <a:rPr lang="nl-NL" b="0" i="0" dirty="0" err="1">
-                <a:solidFill>
-                  <a:srgbClr val="24292F"/>
-                </a:solidFill>
-                <a:effectLst/>
-                <a:latin typeface="-apple-system"/>
-              </a:rPr>
-              <a:t>and</a:t>
-            </a:r>
-            <a:r>
-              <a:rPr lang="nl-NL" b="0" i="0" dirty="0">
-                <a:solidFill>
-                  <a:srgbClr val="24292F"/>
-                </a:solidFill>
-                <a:effectLst/>
-                <a:latin typeface="-apple-system"/>
-              </a:rPr>
-              <a:t> </a:t>
-            </a:r>
-            <a:r>
-              <a:rPr lang="nl-NL" b="0" i="0" dirty="0" err="1">
-                <a:solidFill>
-                  <a:srgbClr val="24292F"/>
-                </a:solidFill>
-                <a:effectLst/>
-                <a:latin typeface="-apple-system"/>
-              </a:rPr>
-              <a:t>troubleshooting</a:t>
-            </a:r>
-            <a:r>
-              <a:rPr lang="nl-NL" b="0" i="0" dirty="0">
-                <a:solidFill>
-                  <a:srgbClr val="24292F"/>
-                </a:solidFill>
-                <a:effectLst/>
-                <a:latin typeface="-apple-system"/>
-              </a:rPr>
-              <a:t> tips </a:t>
-            </a:r>
-            <a:r>
-              <a:rPr lang="nl-NL" b="0" i="0" dirty="0" err="1">
-                <a:solidFill>
-                  <a:srgbClr val="24292F"/>
-                </a:solidFill>
-                <a:effectLst/>
-                <a:latin typeface="-apple-system"/>
-              </a:rPr>
-              <a:t>about</a:t>
-            </a:r>
-            <a:r>
-              <a:rPr lang="nl-NL" b="0" i="0" dirty="0">
-                <a:solidFill>
-                  <a:srgbClr val="24292F"/>
-                </a:solidFill>
-                <a:effectLst/>
-                <a:latin typeface="-apple-system"/>
-              </a:rPr>
-              <a:t> </a:t>
-            </a:r>
-            <a:r>
-              <a:rPr lang="nl-NL" b="0" i="0" dirty="0" err="1">
-                <a:solidFill>
-                  <a:srgbClr val="24292F"/>
-                </a:solidFill>
-                <a:effectLst/>
-                <a:latin typeface="-apple-system"/>
-              </a:rPr>
-              <a:t>installing</a:t>
-            </a:r>
-            <a:r>
-              <a:rPr lang="nl-NL" b="0" i="0" dirty="0">
-                <a:solidFill>
-                  <a:srgbClr val="24292F"/>
-                </a:solidFill>
-                <a:effectLst/>
-                <a:latin typeface="-apple-system"/>
-              </a:rPr>
-              <a:t> </a:t>
-            </a:r>
-            <a:r>
-              <a:rPr lang="nl-NL" b="0" i="0" dirty="0" err="1">
-                <a:solidFill>
-                  <a:srgbClr val="24292F"/>
-                </a:solidFill>
-                <a:effectLst/>
-                <a:latin typeface="-apple-system"/>
-              </a:rPr>
-              <a:t>and</a:t>
-            </a:r>
-            <a:r>
-              <a:rPr lang="nl-NL" b="0" i="0" dirty="0">
-                <a:solidFill>
-                  <a:srgbClr val="24292F"/>
-                </a:solidFill>
-                <a:effectLst/>
-                <a:latin typeface="-apple-system"/>
-              </a:rPr>
-              <a:t> running a </a:t>
-            </a:r>
-            <a:r>
-              <a:rPr lang="nl-NL" b="0" i="0" dirty="0" err="1">
-                <a:solidFill>
-                  <a:srgbClr val="24292F"/>
-                </a:solidFill>
-                <a:effectLst/>
-                <a:latin typeface="-apple-system"/>
-              </a:rPr>
-              <a:t>Ghidra</a:t>
-            </a:r>
-            <a:r>
-              <a:rPr lang="nl-NL" b="0" i="0" dirty="0">
-                <a:solidFill>
-                  <a:srgbClr val="24292F"/>
-                </a:solidFill>
-                <a:effectLst/>
-                <a:latin typeface="-apple-system"/>
-              </a:rPr>
-              <a:t> release, </a:t>
-            </a:r>
-            <a:r>
-              <a:rPr lang="nl-NL" b="0" i="0" dirty="0" err="1">
-                <a:solidFill>
-                  <a:srgbClr val="24292F"/>
-                </a:solidFill>
-                <a:effectLst/>
-                <a:latin typeface="-apple-system"/>
-              </a:rPr>
-              <a:t>please</a:t>
-            </a:r>
-            <a:r>
-              <a:rPr lang="nl-NL" b="0" i="0" dirty="0">
-                <a:solidFill>
-                  <a:srgbClr val="24292F"/>
-                </a:solidFill>
-                <a:effectLst/>
-                <a:latin typeface="-apple-system"/>
-              </a:rPr>
-              <a:t> </a:t>
-            </a:r>
-            <a:r>
-              <a:rPr lang="nl-NL" b="0" i="0" dirty="0" err="1">
-                <a:solidFill>
-                  <a:srgbClr val="24292F"/>
-                </a:solidFill>
-                <a:effectLst/>
-                <a:latin typeface="-apple-system"/>
-              </a:rPr>
-              <a:t>refer</a:t>
-            </a:r>
-            <a:r>
-              <a:rPr lang="nl-NL" b="0" i="0" dirty="0">
-                <a:solidFill>
-                  <a:srgbClr val="24292F"/>
-                </a:solidFill>
-                <a:effectLst/>
-                <a:latin typeface="-apple-system"/>
-              </a:rPr>
-              <a:t> </a:t>
-            </a:r>
-            <a:r>
-              <a:rPr lang="nl-NL" b="0" i="0" dirty="0" err="1">
-                <a:solidFill>
-                  <a:srgbClr val="24292F"/>
-                </a:solidFill>
-                <a:effectLst/>
-                <a:latin typeface="-apple-system"/>
-              </a:rPr>
-              <a:t>to</a:t>
-            </a:r>
-            <a:r>
-              <a:rPr lang="nl-NL" b="0" i="0" dirty="0">
-                <a:solidFill>
-                  <a:srgbClr val="24292F"/>
-                </a:solidFill>
-                <a:effectLst/>
-                <a:latin typeface="-apple-system"/>
-              </a:rPr>
-              <a:t> </a:t>
-            </a:r>
-            <a:r>
-              <a:rPr lang="nl-NL" b="0" i="0" dirty="0" err="1">
-                <a:solidFill>
-                  <a:srgbClr val="24292F"/>
-                </a:solidFill>
-                <a:effectLst/>
-                <a:latin typeface="-apple-system"/>
-              </a:rPr>
-              <a:t>docs</a:t>
-            </a:r>
-            <a:r>
-              <a:rPr lang="nl-NL" b="0" i="0" dirty="0">
-                <a:solidFill>
-                  <a:srgbClr val="24292F"/>
-                </a:solidFill>
-                <a:effectLst/>
-                <a:latin typeface="-apple-system"/>
-              </a:rPr>
-              <a:t>/InstallationGuide.html </a:t>
-            </a:r>
-            <a:r>
-              <a:rPr lang="nl-NL" b="0" i="0" dirty="0" err="1">
-                <a:solidFill>
-                  <a:srgbClr val="24292F"/>
-                </a:solidFill>
-                <a:effectLst/>
-                <a:latin typeface="-apple-system"/>
-              </a:rPr>
-              <a:t>which</a:t>
-            </a:r>
-            <a:r>
-              <a:rPr lang="nl-NL" b="0" i="0" dirty="0">
-                <a:solidFill>
-                  <a:srgbClr val="24292F"/>
-                </a:solidFill>
-                <a:effectLst/>
-                <a:latin typeface="-apple-system"/>
-              </a:rPr>
-              <a:t> </a:t>
-            </a:r>
-            <a:r>
-              <a:rPr lang="nl-NL" b="0" i="0" dirty="0" err="1">
-                <a:solidFill>
-                  <a:srgbClr val="24292F"/>
-                </a:solidFill>
-                <a:effectLst/>
-                <a:latin typeface="-apple-system"/>
-              </a:rPr>
-              <a:t>can</a:t>
-            </a:r>
-            <a:r>
-              <a:rPr lang="nl-NL" b="0" i="0" dirty="0">
-                <a:solidFill>
-                  <a:srgbClr val="24292F"/>
-                </a:solidFill>
-                <a:effectLst/>
-                <a:latin typeface="-apple-system"/>
-              </a:rPr>
-              <a:t> </a:t>
-            </a:r>
-            <a:r>
-              <a:rPr lang="nl-NL" b="0" i="0" dirty="0" err="1">
-                <a:solidFill>
-                  <a:srgbClr val="24292F"/>
-                </a:solidFill>
-                <a:effectLst/>
-                <a:latin typeface="-apple-system"/>
-              </a:rPr>
-              <a:t>be</a:t>
-            </a:r>
-            <a:r>
-              <a:rPr lang="nl-NL" b="0" i="0" dirty="0">
-                <a:solidFill>
-                  <a:srgbClr val="24292F"/>
-                </a:solidFill>
-                <a:effectLst/>
-                <a:latin typeface="-apple-system"/>
-              </a:rPr>
-              <a:t> found in </a:t>
-            </a:r>
-            <a:r>
-              <a:rPr lang="nl-NL" b="0" i="0" dirty="0" err="1">
-                <a:solidFill>
-                  <a:srgbClr val="24292F"/>
-                </a:solidFill>
-                <a:effectLst/>
-                <a:latin typeface="-apple-system"/>
-              </a:rPr>
-              <a:t>your</a:t>
-            </a:r>
-            <a:r>
-              <a:rPr lang="nl-NL" b="0" i="0" dirty="0">
-                <a:solidFill>
-                  <a:srgbClr val="24292F"/>
-                </a:solidFill>
-                <a:effectLst/>
-                <a:latin typeface="-apple-system"/>
-              </a:rPr>
-              <a:t> </a:t>
-            </a:r>
-            <a:r>
-              <a:rPr lang="nl-NL" b="0" i="0" dirty="0" err="1">
-                <a:solidFill>
-                  <a:srgbClr val="24292F"/>
-                </a:solidFill>
-                <a:effectLst/>
-                <a:latin typeface="-apple-system"/>
-              </a:rPr>
-              <a:t>extracted</a:t>
-            </a:r>
-            <a:r>
-              <a:rPr lang="nl-NL" b="0" i="0" dirty="0">
-                <a:solidFill>
-                  <a:srgbClr val="24292F"/>
-                </a:solidFill>
-                <a:effectLst/>
-                <a:latin typeface="-apple-system"/>
-              </a:rPr>
-              <a:t> </a:t>
-            </a:r>
-            <a:r>
-              <a:rPr lang="nl-NL" b="0" i="0" dirty="0" err="1">
-                <a:solidFill>
-                  <a:srgbClr val="24292F"/>
-                </a:solidFill>
-                <a:effectLst/>
-                <a:latin typeface="-apple-system"/>
-              </a:rPr>
-              <a:t>Ghidra</a:t>
-            </a:r>
-            <a:r>
-              <a:rPr lang="nl-NL" b="0" i="0" dirty="0">
-                <a:solidFill>
-                  <a:srgbClr val="24292F"/>
-                </a:solidFill>
-                <a:effectLst/>
-                <a:latin typeface="-apple-system"/>
-              </a:rPr>
-              <a:t> release directory.</a:t>
-            </a:r>
-          </a:p>
-          <a:p>
-            <a:pPr algn="l"/>
-            <a:r>
-              <a:rPr lang="nl-NL" b="0" i="0" dirty="0" err="1">
-                <a:solidFill>
-                  <a:srgbClr val="24292F"/>
-                </a:solidFill>
-                <a:effectLst/>
-                <a:latin typeface="-apple-system"/>
-              </a:rPr>
-              <a:t>Build</a:t>
-            </a:r>
-            <a:endParaRPr lang="nl-NL" b="0" i="0" dirty="0">
-              <a:solidFill>
-                <a:srgbClr val="24292F"/>
-              </a:solidFill>
-              <a:effectLst/>
-              <a:latin typeface="-apple-system"/>
-            </a:endParaRPr>
-          </a:p>
-          <a:p>
-            <a:pPr algn="l"/>
-            <a:r>
-              <a:rPr lang="en-US" b="0" i="0" dirty="0">
-                <a:solidFill>
-                  <a:srgbClr val="24292F"/>
-                </a:solidFill>
-                <a:effectLst/>
-                <a:latin typeface="-apple-system"/>
-              </a:rPr>
-              <a:t>to create the latest development build for your platform from this source repository:</a:t>
-            </a:r>
-          </a:p>
-          <a:p>
-            <a:pPr algn="l"/>
-            <a:r>
-              <a:rPr lang="en-US" b="1" i="0" dirty="0">
-                <a:solidFill>
-                  <a:srgbClr val="24292F"/>
-                </a:solidFill>
-                <a:effectLst/>
-                <a:latin typeface="-apple-system"/>
-              </a:rPr>
-              <a:t>Install build tools:</a:t>
-            </a:r>
-          </a:p>
-          <a:p>
-            <a:pPr algn="l">
-              <a:buFont typeface="Arial" panose="020B0604020202020204" pitchFamily="34" charset="0"/>
-              <a:buChar char="•"/>
-            </a:pPr>
-            <a:r>
-              <a:rPr lang="en-US" b="0" i="0" u="none" strike="noStrike" dirty="0">
-                <a:solidFill>
-                  <a:srgbClr val="24292F"/>
-                </a:solidFill>
-                <a:effectLst/>
-                <a:latin typeface="-apple-system"/>
-                <a:hlinkClick r:id="rId3"/>
-              </a:rPr>
-              <a:t>JDK 17 64-bit</a:t>
-            </a:r>
-            <a:endParaRPr lang="en-US" b="0" i="0" dirty="0">
-              <a:solidFill>
-                <a:srgbClr val="24292F"/>
-              </a:solidFill>
-              <a:effectLst/>
-              <a:latin typeface="-apple-system"/>
-            </a:endParaRPr>
-          </a:p>
-          <a:p>
-            <a:pPr algn="l">
-              <a:buFont typeface="Arial" panose="020B0604020202020204" pitchFamily="34" charset="0"/>
-              <a:buChar char="•"/>
-            </a:pPr>
-            <a:r>
-              <a:rPr lang="en-US" b="0" i="0" u="none" strike="noStrike" dirty="0">
-                <a:solidFill>
-                  <a:srgbClr val="24292F"/>
-                </a:solidFill>
-                <a:effectLst/>
-                <a:latin typeface="-apple-system"/>
-                <a:hlinkClick r:id="rId5"/>
-              </a:rPr>
-              <a:t>Gradle 7.3+</a:t>
-            </a:r>
-            <a:endParaRPr lang="en-US" b="0" i="0" dirty="0">
-              <a:solidFill>
-                <a:srgbClr val="24292F"/>
-              </a:solidFill>
-              <a:effectLst/>
-              <a:latin typeface="-apple-system"/>
-            </a:endParaRPr>
-          </a:p>
-          <a:p>
-            <a:pPr algn="l">
-              <a:buFont typeface="Arial" panose="020B0604020202020204" pitchFamily="34" charset="0"/>
-              <a:buChar char="•"/>
-            </a:pPr>
-            <a:r>
-              <a:rPr lang="en-US" b="0" i="0" dirty="0">
-                <a:solidFill>
-                  <a:srgbClr val="24292F"/>
-                </a:solidFill>
-                <a:effectLst/>
-                <a:latin typeface="-apple-system"/>
-              </a:rPr>
-              <a:t>make, </a:t>
-            </a:r>
-            <a:r>
-              <a:rPr lang="en-US" b="0" i="0" dirty="0" err="1">
-                <a:solidFill>
-                  <a:srgbClr val="24292F"/>
-                </a:solidFill>
-                <a:effectLst/>
-                <a:latin typeface="-apple-system"/>
-              </a:rPr>
-              <a:t>gcc</a:t>
-            </a:r>
-            <a:r>
-              <a:rPr lang="en-US" b="0" i="0" dirty="0">
-                <a:solidFill>
-                  <a:srgbClr val="24292F"/>
-                </a:solidFill>
-                <a:effectLst/>
-                <a:latin typeface="-apple-system"/>
-              </a:rPr>
-              <a:t>, and g++ (Linux/macOS-only)</a:t>
-            </a:r>
-          </a:p>
-          <a:p>
-            <a:pPr algn="l">
-              <a:buFont typeface="Arial" panose="020B0604020202020204" pitchFamily="34" charset="0"/>
-              <a:buChar char="•"/>
-            </a:pPr>
-            <a:r>
-              <a:rPr lang="en-US" b="0" i="0" u="none" strike="noStrike" dirty="0">
-                <a:solidFill>
-                  <a:srgbClr val="24292F"/>
-                </a:solidFill>
-                <a:effectLst/>
-                <a:latin typeface="-apple-system"/>
-                <a:hlinkClick r:id="rId6"/>
-              </a:rPr>
-              <a:t>Microsoft Visual Studio</a:t>
-            </a:r>
-            <a:r>
-              <a:rPr lang="en-US" b="0" i="0" dirty="0">
-                <a:solidFill>
-                  <a:srgbClr val="24292F"/>
-                </a:solidFill>
-                <a:effectLst/>
-                <a:latin typeface="-apple-system"/>
-              </a:rPr>
-              <a:t> (Windows-only)</a:t>
-            </a:r>
-          </a:p>
-          <a:p>
-            <a:pPr algn="l"/>
-            <a:r>
-              <a:rPr lang="en-US" b="1" i="0" dirty="0">
-                <a:solidFill>
-                  <a:srgbClr val="24292F"/>
-                </a:solidFill>
-                <a:effectLst/>
-                <a:latin typeface="-apple-system"/>
-              </a:rPr>
-              <a:t>Download and extract the source:</a:t>
-            </a:r>
-          </a:p>
-          <a:p>
-            <a:pPr algn="l"/>
-            <a:r>
-              <a:rPr lang="en-US" b="0" i="0" u="none" strike="noStrike" dirty="0">
-                <a:solidFill>
-                  <a:srgbClr val="24292F"/>
-                </a:solidFill>
-                <a:effectLst/>
-                <a:latin typeface="-apple-system"/>
-                <a:hlinkClick r:id="rId7"/>
-              </a:rPr>
-              <a:t>Download from GitHub</a:t>
-            </a:r>
-            <a:endParaRPr lang="en-US" b="0" i="0" dirty="0">
-              <a:solidFill>
-                <a:srgbClr val="24292F"/>
-              </a:solidFill>
-              <a:effectLst/>
-              <a:latin typeface="-apple-system"/>
-            </a:endParaRPr>
-          </a:p>
-          <a:p>
-            <a:pPr algn="l"/>
-            <a:r>
-              <a:rPr lang="en-US" b="0" i="0" dirty="0">
-                <a:solidFill>
-                  <a:srgbClr val="24292F"/>
-                </a:solidFill>
-                <a:effectLst/>
-                <a:latin typeface="-apple-system"/>
-              </a:rPr>
-              <a:t>$ unzip </a:t>
-            </a:r>
-            <a:r>
-              <a:rPr lang="en-US" b="0" i="0" dirty="0" err="1">
-                <a:solidFill>
-                  <a:srgbClr val="24292F"/>
-                </a:solidFill>
-                <a:effectLst/>
-                <a:latin typeface="-apple-system"/>
-              </a:rPr>
-              <a:t>ghidra</a:t>
-            </a:r>
-            <a:r>
-              <a:rPr lang="en-US" b="0" i="0" dirty="0">
-                <a:solidFill>
-                  <a:srgbClr val="24292F"/>
-                </a:solidFill>
-                <a:effectLst/>
-                <a:latin typeface="-apple-system"/>
-              </a:rPr>
-              <a:t>-master $ cd </a:t>
-            </a:r>
-            <a:r>
-              <a:rPr lang="en-US" b="0" i="0" dirty="0" err="1">
-                <a:solidFill>
-                  <a:srgbClr val="24292F"/>
-                </a:solidFill>
-                <a:effectLst/>
-                <a:latin typeface="-apple-system"/>
-              </a:rPr>
-              <a:t>ghidra</a:t>
-            </a:r>
-            <a:r>
-              <a:rPr lang="en-US" b="0" i="0" dirty="0">
-                <a:solidFill>
-                  <a:srgbClr val="24292F"/>
-                </a:solidFill>
-                <a:effectLst/>
-                <a:latin typeface="-apple-system"/>
-              </a:rPr>
-              <a:t>-master </a:t>
-            </a:r>
-          </a:p>
-          <a:p>
-            <a:pPr algn="l"/>
-            <a:r>
-              <a:rPr lang="en-US" b="1" i="0" dirty="0">
-                <a:solidFill>
-                  <a:srgbClr val="24292F"/>
-                </a:solidFill>
-                <a:effectLst/>
-                <a:latin typeface="-apple-system"/>
-              </a:rPr>
-              <a:t>NOTE:</a:t>
-            </a:r>
-            <a:r>
-              <a:rPr lang="en-US" b="0" i="0" dirty="0">
-                <a:solidFill>
-                  <a:srgbClr val="24292F"/>
-                </a:solidFill>
-                <a:effectLst/>
-                <a:latin typeface="-apple-system"/>
-              </a:rPr>
-              <a:t> Instead of downloading the compressed source, you may instead want to clone the GitHub repository: git clone https://github.com/NationalSecurityAgency/ghidra.git</a:t>
-            </a:r>
-          </a:p>
-          <a:p>
-            <a:pPr algn="l"/>
-            <a:r>
-              <a:rPr lang="en-US" b="1" i="0" dirty="0">
-                <a:solidFill>
-                  <a:srgbClr val="24292F"/>
-                </a:solidFill>
-                <a:effectLst/>
-                <a:latin typeface="-apple-system"/>
-              </a:rPr>
-              <a:t>Download additional build dependencies into source repository:</a:t>
-            </a:r>
-          </a:p>
-          <a:p>
-            <a:pPr algn="l"/>
-            <a:r>
-              <a:rPr lang="en-US" b="0" i="0" dirty="0">
-                <a:solidFill>
-                  <a:srgbClr val="24292F"/>
-                </a:solidFill>
-                <a:effectLst/>
-                <a:latin typeface="-apple-system"/>
-              </a:rPr>
-              <a:t>$ </a:t>
-            </a:r>
-            <a:r>
-              <a:rPr lang="en-US" b="0" i="0" dirty="0" err="1">
-                <a:solidFill>
-                  <a:srgbClr val="24292F"/>
-                </a:solidFill>
-                <a:effectLst/>
-                <a:latin typeface="-apple-system"/>
-              </a:rPr>
-              <a:t>gradle</a:t>
-            </a:r>
-            <a:r>
-              <a:rPr lang="en-US" b="0" i="0" dirty="0">
-                <a:solidFill>
-                  <a:srgbClr val="24292F"/>
-                </a:solidFill>
-                <a:effectLst/>
-                <a:latin typeface="-apple-system"/>
-              </a:rPr>
-              <a:t> -I </a:t>
-            </a:r>
-            <a:r>
-              <a:rPr lang="en-US" b="0" i="0" dirty="0" err="1">
-                <a:solidFill>
-                  <a:srgbClr val="24292F"/>
-                </a:solidFill>
-                <a:effectLst/>
-                <a:latin typeface="-apple-system"/>
-              </a:rPr>
-              <a:t>gradle</a:t>
-            </a:r>
-            <a:r>
-              <a:rPr lang="en-US" b="0" i="0" dirty="0">
-                <a:solidFill>
-                  <a:srgbClr val="24292F"/>
-                </a:solidFill>
-                <a:effectLst/>
-                <a:latin typeface="-apple-system"/>
-              </a:rPr>
-              <a:t>/support/</a:t>
-            </a:r>
-            <a:r>
-              <a:rPr lang="en-US" b="0" i="0" dirty="0" err="1">
-                <a:solidFill>
-                  <a:srgbClr val="24292F"/>
-                </a:solidFill>
-                <a:effectLst/>
-                <a:latin typeface="-apple-system"/>
-              </a:rPr>
-              <a:t>fetchDependencies.gradle</a:t>
-            </a:r>
-            <a:r>
-              <a:rPr lang="en-US" b="0" i="0" dirty="0">
-                <a:solidFill>
-                  <a:srgbClr val="24292F"/>
-                </a:solidFill>
-                <a:effectLst/>
-                <a:latin typeface="-apple-system"/>
-              </a:rPr>
-              <a:t> </a:t>
-            </a:r>
-            <a:r>
-              <a:rPr lang="en-US" b="0" i="0" dirty="0" err="1">
-                <a:solidFill>
-                  <a:srgbClr val="24292F"/>
-                </a:solidFill>
-                <a:effectLst/>
-                <a:latin typeface="-apple-system"/>
-              </a:rPr>
-              <a:t>init</a:t>
-            </a:r>
-            <a:r>
-              <a:rPr lang="en-US" b="0" i="0" dirty="0">
-                <a:solidFill>
-                  <a:srgbClr val="24292F"/>
-                </a:solidFill>
-                <a:effectLst/>
-                <a:latin typeface="-apple-system"/>
-              </a:rPr>
-              <a:t> </a:t>
-            </a:r>
-          </a:p>
-          <a:p>
-            <a:pPr algn="l"/>
-            <a:r>
-              <a:rPr lang="en-US" b="1" i="0" dirty="0">
-                <a:solidFill>
-                  <a:srgbClr val="24292F"/>
-                </a:solidFill>
-                <a:effectLst/>
-                <a:latin typeface="-apple-system"/>
-              </a:rPr>
-              <a:t>Create development build:</a:t>
-            </a:r>
-          </a:p>
-          <a:p>
-            <a:pPr algn="l"/>
-            <a:r>
-              <a:rPr lang="en-US" b="0" i="0" dirty="0">
-                <a:solidFill>
-                  <a:srgbClr val="24292F"/>
-                </a:solidFill>
-                <a:effectLst/>
-                <a:latin typeface="-apple-system"/>
-              </a:rPr>
-              <a:t>$ </a:t>
-            </a:r>
-            <a:r>
-              <a:rPr lang="en-US" b="0" i="0" dirty="0" err="1">
-                <a:solidFill>
-                  <a:srgbClr val="24292F"/>
-                </a:solidFill>
-                <a:effectLst/>
-                <a:latin typeface="-apple-system"/>
-              </a:rPr>
-              <a:t>gradle</a:t>
-            </a:r>
-            <a:r>
-              <a:rPr lang="en-US" b="0" i="0" dirty="0">
-                <a:solidFill>
-                  <a:srgbClr val="24292F"/>
-                </a:solidFill>
-                <a:effectLst/>
-                <a:latin typeface="-apple-system"/>
-              </a:rPr>
-              <a:t> </a:t>
-            </a:r>
-            <a:r>
-              <a:rPr lang="en-US" b="0" i="0" dirty="0" err="1">
-                <a:solidFill>
-                  <a:srgbClr val="24292F"/>
-                </a:solidFill>
-                <a:effectLst/>
-                <a:latin typeface="-apple-system"/>
-              </a:rPr>
-              <a:t>buildGhidra</a:t>
-            </a:r>
-            <a:r>
-              <a:rPr lang="en-US" b="0" i="0" dirty="0">
-                <a:solidFill>
-                  <a:srgbClr val="24292F"/>
-                </a:solidFill>
-                <a:effectLst/>
-                <a:latin typeface="-apple-system"/>
-              </a:rPr>
-              <a:t> </a:t>
-            </a:r>
-          </a:p>
-          <a:p>
-            <a:pPr algn="l"/>
-            <a:r>
-              <a:rPr lang="en-US" b="0" i="0" dirty="0">
-                <a:solidFill>
-                  <a:srgbClr val="24292F"/>
-                </a:solidFill>
-                <a:effectLst/>
-                <a:latin typeface="-apple-system"/>
-              </a:rPr>
-              <a:t>The compressed development build will be located at build/</a:t>
-            </a:r>
-            <a:r>
-              <a:rPr lang="en-US" b="0" i="0" dirty="0" err="1">
-                <a:solidFill>
-                  <a:srgbClr val="24292F"/>
-                </a:solidFill>
-                <a:effectLst/>
-                <a:latin typeface="-apple-system"/>
-              </a:rPr>
-              <a:t>dist</a:t>
-            </a:r>
-            <a:r>
-              <a:rPr lang="en-US" b="0" i="0" dirty="0">
-                <a:solidFill>
-                  <a:srgbClr val="24292F"/>
-                </a:solidFill>
-                <a:effectLst/>
-                <a:latin typeface="-apple-system"/>
-              </a:rPr>
-              <a:t>/.</a:t>
-            </a:r>
-          </a:p>
-          <a:p>
-            <a:pPr algn="l"/>
-            <a:r>
-              <a:rPr lang="en-US" b="0" i="0" dirty="0">
-                <a:solidFill>
-                  <a:srgbClr val="24292F"/>
-                </a:solidFill>
-                <a:effectLst/>
-                <a:latin typeface="-apple-system"/>
-              </a:rPr>
-              <a:t>For more detailed information on building </a:t>
-            </a:r>
-            <a:r>
-              <a:rPr lang="en-US" b="0" i="0" dirty="0" err="1">
-                <a:solidFill>
-                  <a:srgbClr val="24292F"/>
-                </a:solidFill>
-                <a:effectLst/>
-                <a:latin typeface="-apple-system"/>
-              </a:rPr>
-              <a:t>Ghidra</a:t>
-            </a:r>
-            <a:r>
-              <a:rPr lang="en-US" b="0" i="0" dirty="0">
-                <a:solidFill>
-                  <a:srgbClr val="24292F"/>
-                </a:solidFill>
-                <a:effectLst/>
-                <a:latin typeface="-apple-system"/>
-              </a:rPr>
-              <a:t>, please read the </a:t>
-            </a:r>
-            <a:r>
-              <a:rPr lang="en-US" b="0" i="0" u="none" strike="noStrike" dirty="0">
-                <a:solidFill>
-                  <a:srgbClr val="24292F"/>
-                </a:solidFill>
-                <a:effectLst/>
-                <a:latin typeface="-apple-system"/>
-                <a:hlinkClick r:id="rId8"/>
-              </a:rPr>
-              <a:t>Developer Guide</a:t>
-            </a:r>
-            <a:r>
-              <a:rPr lang="en-US" b="0" i="0" dirty="0">
-                <a:solidFill>
-                  <a:srgbClr val="24292F"/>
-                </a:solidFill>
-                <a:effectLst/>
-                <a:latin typeface="-apple-system"/>
-              </a:rPr>
-              <a:t>.</a:t>
-            </a:r>
-          </a:p>
-          <a:p>
-            <a:pPr algn="l"/>
-            <a:endParaRPr lang="nl-NL" b="0" i="0" dirty="0">
-              <a:solidFill>
-                <a:srgbClr val="24292F"/>
-              </a:solidFill>
-              <a:effectLst/>
-              <a:latin typeface="-apple-system"/>
-            </a:endParaRPr>
+            <a:r>
+              <a:rPr lang="en-US" dirty="0"/>
+              <a:t>Glenn</a:t>
+            </a:r>
+          </a:p>
+          <a:p>
+            <a:endParaRPr lang="en-US" dirty="0"/>
+          </a:p>
+          <a:p>
+            <a:r>
+              <a:rPr lang="en-US" dirty="0"/>
+              <a:t>The National Security Agency (NSA) is a national-level intelligence agency of the United States Department of Defense, under the authority of the Director of National Intelligence (DNI). The NSA is responsible for global monitoring, collection, and processing of information and data for foreign and domestic intelligence and counterintelligence purposes, specializing in a discipline known as signals intelligence (SIGINT). The NSA is also tasked with the protection of U.S. communications networks and information </a:t>
+            </a:r>
+            <a:r>
+              <a:rPr lang="en-US" dirty="0" err="1"/>
+              <a:t>systems.The</a:t>
+            </a:r>
+            <a:r>
+              <a:rPr lang="en-US" dirty="0"/>
+              <a:t> NSA relies on a variety of measures to accomplish its mission, the majority of which are clandestine. The existence of the NSA was not revealed until 1975. The NSA has roughly 32,000 employees.</a:t>
+            </a:r>
+          </a:p>
+          <a:p>
+            <a:endParaRPr lang="en-US" dirty="0"/>
+          </a:p>
+          <a:p>
+            <a:r>
+              <a:rPr lang="en-US" dirty="0"/>
+              <a:t>Formation:</a:t>
+            </a:r>
+          </a:p>
+          <a:p>
+            <a:r>
+              <a:rPr lang="en-US" dirty="0"/>
+              <a:t>The origins of the National Security Agency can be traced back to April 28, 1917, three weeks after the U.S. Congress declared war on Germany in World War I. A code and cipher decryption unit was established as the Cable and Telegraph Section which was also known as the Cipher Bureau. It was headquartered in Washington, D.C. and was part of the war effort under the executive branch without direct Congressional authorization. During the course of the war, it was relocated in the army's organizational chart several times. On July 5, 1917, Herbert O. Yardley was assigned to head the unit. At that point, the unit consisted of Yardley and two civilian clerks. It absorbed the Navy's cryptanalysis functions in July 1918. World War I ended on November 11, 1918, and the army cryptographic section of Military Intelligence (MI-8) moved to New York City on May 20, 1919, where it continued intelligence activities as the Code Compilation Company under the direction of Yardley.</a:t>
+            </a:r>
           </a:p>
           <a:p>
             <a:endParaRPr lang="nl-NL" dirty="0"/>
@@ -2894,7 +5241,211 @@
     </p:spTree>
     <p:extLst>
       <p:ext uri="{BB962C8B-B14F-4D97-AF65-F5344CB8AC3E}">
-        <p14:creationId xmlns:p14="http://schemas.microsoft.com/office/powerpoint/2010/main" val="2953559645"/>
+        <p14:creationId xmlns:p14="http://schemas.microsoft.com/office/powerpoint/2010/main" val="4065676574"/>
+      </p:ext>
+    </p:extLst>
+  </p:cSld>
+  <p:clrMapOvr>
+    <a:masterClrMapping/>
+  </p:clrMapOvr>
+</p:notes>
+</file>
+
+<file path=ppt/notesSlides/notesSlide9.xml><?xml version="1.0" encoding="utf-8"?>
+<p:notes xmlns:a="http://schemas.openxmlformats.org/drawingml/2006/main" xmlns:r="http://schemas.openxmlformats.org/officeDocument/2006/relationships" xmlns:p="http://schemas.openxmlformats.org/presentationml/2006/main">
+  <p:cSld>
+    <p:spTree>
+      <p:nvGrpSpPr>
+        <p:cNvPr id="1" name=""/>
+        <p:cNvGrpSpPr/>
+        <p:nvPr/>
+      </p:nvGrpSpPr>
+      <p:grpSpPr>
+        <a:xfrm>
+          <a:off x="0" y="0"/>
+          <a:ext cx="0" cy="0"/>
+          <a:chOff x="0" y="0"/>
+          <a:chExt cx="0" cy="0"/>
+        </a:xfrm>
+      </p:grpSpPr>
+      <p:sp>
+        <p:nvSpPr>
+          <p:cNvPr id="2" name="Slide Image Placeholder 1"/>
+          <p:cNvSpPr>
+            <a:spLocks noGrp="1" noRot="1" noChangeAspect="1"/>
+          </p:cNvSpPr>
+          <p:nvPr>
+            <p:ph type="sldImg"/>
+          </p:nvPr>
+        </p:nvSpPr>
+        <p:spPr/>
+      </p:sp>
+      <p:sp>
+        <p:nvSpPr>
+          <p:cNvPr id="3" name="Notes Placeholder 2"/>
+          <p:cNvSpPr>
+            <a:spLocks noGrp="1"/>
+          </p:cNvSpPr>
+          <p:nvPr>
+            <p:ph type="body" idx="1"/>
+          </p:nvPr>
+        </p:nvSpPr>
+        <p:spPr/>
+        <p:txBody>
+          <a:bodyPr/>
+          <a:lstStyle/>
+          <a:p>
+            <a:r>
+              <a:rPr lang="en-GB" dirty="0"/>
+              <a:t>Glenn</a:t>
+            </a:r>
+          </a:p>
+          <a:p>
+            <a:endParaRPr lang="en-GB" dirty="0"/>
+          </a:p>
+          <a:p>
+            <a:r>
+              <a:rPr lang="en-GB" dirty="0" err="1"/>
+              <a:t>SELinux</a:t>
+            </a:r>
+            <a:r>
+              <a:rPr lang="en-GB" dirty="0"/>
+              <a:t>( Security enhanced Linux) security architecture for admins to have more control.</a:t>
+            </a:r>
+          </a:p>
+          <a:p>
+            <a:r>
+              <a:rPr lang="nl-NL" dirty="0" err="1"/>
+              <a:t>Ghidra</a:t>
+            </a:r>
+            <a:endParaRPr lang="nl-NL" dirty="0"/>
+          </a:p>
+          <a:p>
+            <a:r>
+              <a:rPr lang="nl-NL" dirty="0" err="1"/>
+              <a:t>DataWave</a:t>
+            </a:r>
+            <a:r>
+              <a:rPr lang="nl-NL" dirty="0"/>
+              <a:t>: </a:t>
+            </a:r>
+            <a:r>
+              <a:rPr lang="en-GB" b="0" i="0" dirty="0">
+                <a:solidFill>
+                  <a:srgbClr val="333333"/>
+                </a:solidFill>
+                <a:effectLst/>
+                <a:latin typeface="Helvetica Neue"/>
+              </a:rPr>
+              <a:t>is a Java-based ingest and query framework that leverages Apache </a:t>
+            </a:r>
+            <a:r>
+              <a:rPr lang="en-GB" b="0" i="0" dirty="0" err="1">
+                <a:solidFill>
+                  <a:srgbClr val="333333"/>
+                </a:solidFill>
+                <a:effectLst/>
+                <a:latin typeface="Helvetica Neue"/>
+              </a:rPr>
+              <a:t>accumulo</a:t>
+            </a:r>
+            <a:r>
+              <a:rPr lang="en-GB" b="0" i="0" dirty="0">
+                <a:solidFill>
+                  <a:srgbClr val="333333"/>
+                </a:solidFill>
+                <a:effectLst/>
+                <a:latin typeface="Helvetica Neue"/>
+              </a:rPr>
+              <a:t> to provide fast, secure access to your data</a:t>
+            </a:r>
+          </a:p>
+          <a:p>
+            <a:r>
+              <a:rPr lang="en-GB" b="0" i="0" dirty="0" err="1">
+                <a:solidFill>
+                  <a:srgbClr val="333333"/>
+                </a:solidFill>
+                <a:effectLst/>
+                <a:latin typeface="Helvetica Neue"/>
+              </a:rPr>
+              <a:t>Qgis</a:t>
+            </a:r>
+            <a:r>
+              <a:rPr lang="en-GB" b="0" i="0" dirty="0">
+                <a:solidFill>
+                  <a:srgbClr val="333333"/>
+                </a:solidFill>
+                <a:effectLst/>
+                <a:latin typeface="Helvetica Neue"/>
+              </a:rPr>
+              <a:t>: QGIS is a free and open-source cross-platform desktop geographic information system (GIS) application that supports viewing, editing, printing, and analysis of geospatial data.</a:t>
+            </a:r>
+          </a:p>
+          <a:p>
+            <a:r>
+              <a:rPr lang="en-GB" b="0" i="0" dirty="0">
+                <a:solidFill>
+                  <a:srgbClr val="333333"/>
+                </a:solidFill>
+                <a:effectLst/>
+                <a:latin typeface="Helvetica Neue"/>
+              </a:rPr>
+              <a:t>Timely: A secure time series database based on </a:t>
+            </a:r>
+            <a:r>
+              <a:rPr lang="en-GB" b="0" i="0" dirty="0" err="1">
+                <a:solidFill>
+                  <a:srgbClr val="333333"/>
+                </a:solidFill>
+                <a:effectLst/>
+                <a:latin typeface="Helvetica Neue"/>
+              </a:rPr>
+              <a:t>Accumulo</a:t>
+            </a:r>
+            <a:r>
+              <a:rPr lang="en-GB" b="0" i="0" dirty="0">
+                <a:solidFill>
+                  <a:srgbClr val="333333"/>
+                </a:solidFill>
+                <a:effectLst/>
+                <a:latin typeface="Helvetica Neue"/>
+              </a:rPr>
+              <a:t> and Grafana.</a:t>
+            </a:r>
+          </a:p>
+          <a:p>
+            <a:endParaRPr lang="nl-NL" dirty="0"/>
+          </a:p>
+        </p:txBody>
+      </p:sp>
+      <p:sp>
+        <p:nvSpPr>
+          <p:cNvPr id="4" name="Slide Number Placeholder 3"/>
+          <p:cNvSpPr>
+            <a:spLocks noGrp="1"/>
+          </p:cNvSpPr>
+          <p:nvPr>
+            <p:ph type="sldNum" sz="quarter" idx="5"/>
+          </p:nvPr>
+        </p:nvSpPr>
+        <p:spPr/>
+        <p:txBody>
+          <a:bodyPr/>
+          <a:lstStyle/>
+          <a:p>
+            <a:fld id="{589FD4FC-3991-428A-BACE-69EE09E264E0}" type="slidenum">
+              <a:rPr lang="nl-NL" smtClean="0"/>
+              <a:t>9</a:t>
+            </a:fld>
+            <a:endParaRPr lang="nl-NL"/>
+          </a:p>
+        </p:txBody>
+      </p:sp>
+    </p:spTree>
+    <p:extLst>
+      <p:ext uri="{BB962C8B-B14F-4D97-AF65-F5344CB8AC3E}">
+        <p14:creationId xmlns:p14="http://schemas.microsoft.com/office/powerpoint/2010/main" val="2726788915"/>
       </p:ext>
     </p:extLst>
   </p:cSld>
@@ -8755,6 +11306,896 @@
 </file>
 
 <file path=ppt/slides/slide10.xml><?xml version="1.0" encoding="utf-8"?>
+<p:sld xmlns:a="http://schemas.openxmlformats.org/drawingml/2006/main" xmlns:r="http://schemas.openxmlformats.org/officeDocument/2006/relationships" xmlns:p="http://schemas.openxmlformats.org/presentationml/2006/main">
+  <p:cSld>
+    <p:bg>
+      <p:bgPr>
+        <a:solidFill>
+          <a:schemeClr val="bg1"/>
+        </a:solidFill>
+        <a:effectLst/>
+      </p:bgPr>
+    </p:bg>
+    <p:spTree>
+      <p:nvGrpSpPr>
+        <p:cNvPr id="1" name=""/>
+        <p:cNvGrpSpPr/>
+        <p:nvPr/>
+      </p:nvGrpSpPr>
+      <p:grpSpPr>
+        <a:xfrm>
+          <a:off x="0" y="0"/>
+          <a:ext cx="0" cy="0"/>
+          <a:chOff x="0" y="0"/>
+          <a:chExt cx="0" cy="0"/>
+        </a:xfrm>
+      </p:grpSpPr>
+      <p:sp>
+        <p:nvSpPr>
+          <p:cNvPr id="2" name="Title 1">
+            <a:extLst>
+              <a:ext uri="{FF2B5EF4-FFF2-40B4-BE49-F238E27FC236}">
+                <a16:creationId xmlns:a16="http://schemas.microsoft.com/office/drawing/2014/main" id="{043F3823-6955-1EA7-8791-9B641B1489B7}"/>
+              </a:ext>
+            </a:extLst>
+          </p:cNvPr>
+          <p:cNvSpPr>
+            <a:spLocks noGrp="1"/>
+          </p:cNvSpPr>
+          <p:nvPr>
+            <p:ph type="title"/>
+          </p:nvPr>
+        </p:nvSpPr>
+        <p:spPr>
+          <a:xfrm>
+            <a:off x="6343484" y="609600"/>
+            <a:ext cx="2930518" cy="1320800"/>
+          </a:xfrm>
+        </p:spPr>
+        <p:txBody>
+          <a:bodyPr anchor="ctr">
+            <a:normAutofit/>
+          </a:bodyPr>
+          <a:lstStyle/>
+          <a:p>
+            <a:pPr>
+              <a:lnSpc>
+                <a:spcPct val="90000"/>
+              </a:lnSpc>
+            </a:pPr>
+            <a:r>
+              <a:rPr lang="nl-NL" sz="2800" dirty="0" err="1"/>
+              <a:t>What</a:t>
+            </a:r>
+            <a:r>
+              <a:rPr lang="nl-NL" sz="2800" dirty="0"/>
+              <a:t> </a:t>
+            </a:r>
+            <a:r>
+              <a:rPr lang="en-GB" sz="2800" dirty="0"/>
+              <a:t>can</a:t>
+            </a:r>
+            <a:r>
+              <a:rPr lang="nl-NL" sz="2800" dirty="0"/>
+              <a:t> </a:t>
+            </a:r>
+            <a:r>
+              <a:rPr lang="nl-NL" sz="2800" dirty="0" err="1"/>
+              <a:t>you</a:t>
+            </a:r>
+            <a:r>
+              <a:rPr lang="nl-NL" sz="2800" dirty="0"/>
+              <a:t> do </a:t>
+            </a:r>
+            <a:r>
+              <a:rPr lang="nl-NL" sz="2800" dirty="0" err="1"/>
+              <a:t>with</a:t>
+            </a:r>
+            <a:r>
+              <a:rPr lang="nl-NL" sz="2800" dirty="0"/>
+              <a:t> </a:t>
+            </a:r>
+            <a:r>
+              <a:rPr lang="nl-NL" sz="2800" dirty="0" err="1"/>
+              <a:t>Ghidra</a:t>
+            </a:r>
+            <a:r>
+              <a:rPr lang="nl-NL" sz="2800" dirty="0"/>
+              <a:t>?</a:t>
+            </a:r>
+            <a:br>
+              <a:rPr lang="nl-NL" sz="2800" dirty="0"/>
+            </a:br>
+            <a:endParaRPr lang="nl-NL" sz="2800" dirty="0"/>
+          </a:p>
+        </p:txBody>
+      </p:sp>
+      <p:pic>
+        <p:nvPicPr>
+          <p:cNvPr id="1028" name="Picture 4">
+            <a:extLst>
+              <a:ext uri="{FF2B5EF4-FFF2-40B4-BE49-F238E27FC236}">
+                <a16:creationId xmlns:a16="http://schemas.microsoft.com/office/drawing/2014/main" id="{0AD0FFF8-AAD1-F4DE-4EA8-4FB0BC86FC39}"/>
+              </a:ext>
+            </a:extLst>
+          </p:cNvPr>
+          <p:cNvPicPr>
+            <a:picLocks noChangeAspect="1" noChangeArrowheads="1"/>
+          </p:cNvPicPr>
+          <p:nvPr/>
+        </p:nvPicPr>
+        <p:blipFill>
+          <a:blip r:embed="rId3">
+            <a:extLst>
+              <a:ext uri="{28A0092B-C50C-407E-A947-70E740481C1C}">
+                <a14:useLocalDpi xmlns:a14="http://schemas.microsoft.com/office/drawing/2010/main" val="0"/>
+              </a:ext>
+            </a:extLst>
+          </a:blip>
+          <a:stretch>
+            <a:fillRect/>
+          </a:stretch>
+        </p:blipFill>
+        <p:spPr bwMode="auto">
+          <a:xfrm>
+            <a:off x="6596414" y="1674954"/>
+            <a:ext cx="4537971" cy="2552607"/>
+          </a:xfrm>
+          <a:prstGeom prst="rect">
+            <a:avLst/>
+          </a:prstGeom>
+          <a:noFill/>
+          <a:extLst>
+            <a:ext uri="{909E8E84-426E-40DD-AFC4-6F175D3DCCD1}">
+              <a14:hiddenFill xmlns:a14="http://schemas.microsoft.com/office/drawing/2010/main">
+                <a:solidFill>
+                  <a:srgbClr val="FFFFFF"/>
+                </a:solidFill>
+              </a14:hiddenFill>
+            </a:ext>
+          </a:extLst>
+        </p:spPr>
+      </p:pic>
+      <p:pic>
+        <p:nvPicPr>
+          <p:cNvPr id="1026" name="Picture 2">
+            <a:extLst>
+              <a:ext uri="{FF2B5EF4-FFF2-40B4-BE49-F238E27FC236}">
+                <a16:creationId xmlns:a16="http://schemas.microsoft.com/office/drawing/2014/main" id="{C325456E-81AB-D332-2875-2EF0A1958C48}"/>
+              </a:ext>
+            </a:extLst>
+          </p:cNvPr>
+          <p:cNvPicPr>
+            <a:picLocks noChangeAspect="1" noChangeArrowheads="1"/>
+          </p:cNvPicPr>
+          <p:nvPr/>
+        </p:nvPicPr>
+        <p:blipFill>
+          <a:blip r:embed="rId4">
+            <a:extLst>
+              <a:ext uri="{28A0092B-C50C-407E-A947-70E740481C1C}">
+                <a14:useLocalDpi xmlns:a14="http://schemas.microsoft.com/office/drawing/2010/main" val="0"/>
+              </a:ext>
+            </a:extLst>
+          </a:blip>
+          <a:stretch>
+            <a:fillRect/>
+          </a:stretch>
+        </p:blipFill>
+        <p:spPr bwMode="auto">
+          <a:xfrm>
+            <a:off x="677334" y="469993"/>
+            <a:ext cx="3805766" cy="2140742"/>
+          </a:xfrm>
+          <a:prstGeom prst="rect">
+            <a:avLst/>
+          </a:prstGeom>
+          <a:noFill/>
+          <a:extLst>
+            <a:ext uri="{909E8E84-426E-40DD-AFC4-6F175D3DCCD1}">
+              <a14:hiddenFill xmlns:a14="http://schemas.microsoft.com/office/drawing/2010/main">
+                <a:solidFill>
+                  <a:srgbClr val="FFFFFF"/>
+                </a:solidFill>
+              </a14:hiddenFill>
+            </a:ext>
+          </a:extLst>
+        </p:spPr>
+      </p:pic>
+      <p:sp>
+        <p:nvSpPr>
+          <p:cNvPr id="1034" name="Content Placeholder 1033">
+            <a:extLst>
+              <a:ext uri="{FF2B5EF4-FFF2-40B4-BE49-F238E27FC236}">
+                <a16:creationId xmlns:a16="http://schemas.microsoft.com/office/drawing/2014/main" id="{DBE5DD36-4CC8-8C6D-DE20-92B8D7FE063E}"/>
+              </a:ext>
+            </a:extLst>
+          </p:cNvPr>
+          <p:cNvSpPr>
+            <a:spLocks noGrp="1"/>
+          </p:cNvSpPr>
+          <p:nvPr>
+            <p:ph idx="1"/>
+          </p:nvPr>
+        </p:nvSpPr>
+        <p:spPr>
+          <a:xfrm>
+            <a:off x="6343484" y="2160589"/>
+            <a:ext cx="2930517" cy="3880773"/>
+          </a:xfrm>
+        </p:spPr>
+        <p:txBody>
+          <a:bodyPr>
+            <a:normAutofit/>
+          </a:bodyPr>
+          <a:lstStyle/>
+          <a:p>
+            <a:endParaRPr lang="en-US" dirty="0"/>
+          </a:p>
+        </p:txBody>
+      </p:sp>
+      <p:pic>
+        <p:nvPicPr>
+          <p:cNvPr id="1030" name="Picture 6">
+            <a:extLst>
+              <a:ext uri="{FF2B5EF4-FFF2-40B4-BE49-F238E27FC236}">
+                <a16:creationId xmlns:a16="http://schemas.microsoft.com/office/drawing/2014/main" id="{075B40C2-1B69-5F37-6D4C-76E55B4306C8}"/>
+              </a:ext>
+            </a:extLst>
+          </p:cNvPr>
+          <p:cNvPicPr>
+            <a:picLocks noChangeAspect="1" noChangeArrowheads="1"/>
+          </p:cNvPicPr>
+          <p:nvPr/>
+        </p:nvPicPr>
+        <p:blipFill>
+          <a:blip r:embed="rId5">
+            <a:extLst>
+              <a:ext uri="{28A0092B-C50C-407E-A947-70E740481C1C}">
+                <a14:useLocalDpi xmlns:a14="http://schemas.microsoft.com/office/drawing/2010/main" val="0"/>
+              </a:ext>
+            </a:extLst>
+          </a:blip>
+          <a:stretch>
+            <a:fillRect/>
+          </a:stretch>
+        </p:blipFill>
+        <p:spPr bwMode="auto">
+          <a:xfrm>
+            <a:off x="677334" y="2951258"/>
+            <a:ext cx="5421162" cy="3049403"/>
+          </a:xfrm>
+          <a:prstGeom prst="rect">
+            <a:avLst/>
+          </a:prstGeom>
+          <a:noFill/>
+          <a:extLst>
+            <a:ext uri="{909E8E84-426E-40DD-AFC4-6F175D3DCCD1}">
+              <a14:hiddenFill xmlns:a14="http://schemas.microsoft.com/office/drawing/2010/main">
+                <a:solidFill>
+                  <a:srgbClr val="FFFFFF"/>
+                </a:solidFill>
+              </a14:hiddenFill>
+            </a:ext>
+          </a:extLst>
+        </p:spPr>
+      </p:pic>
+    </p:spTree>
+    <p:extLst>
+      <p:ext uri="{BB962C8B-B14F-4D97-AF65-F5344CB8AC3E}">
+        <p14:creationId xmlns:p14="http://schemas.microsoft.com/office/powerpoint/2010/main" val="248683509"/>
+      </p:ext>
+    </p:extLst>
+  </p:cSld>
+  <p:clrMapOvr>
+    <a:masterClrMapping/>
+  </p:clrMapOvr>
+  <mc:AlternateContent xmlns:mc="http://schemas.openxmlformats.org/markup-compatibility/2006" xmlns:p14="http://schemas.microsoft.com/office/powerpoint/2010/main">
+    <mc:Choice Requires="p14">
+      <p:transition spd="med" p14:dur="700">
+        <p:fade/>
+      </p:transition>
+    </mc:Choice>
+    <mc:Fallback xmlns="">
+      <p:transition spd="med">
+        <p:fade/>
+      </p:transition>
+    </mc:Fallback>
+  </mc:AlternateContent>
+</p:sld>
+</file>
+
+<file path=ppt/slides/slide11.xml><?xml version="1.0" encoding="utf-8"?>
+<p:sld xmlns:a="http://schemas.openxmlformats.org/drawingml/2006/main" xmlns:r="http://schemas.openxmlformats.org/officeDocument/2006/relationships" xmlns:p="http://schemas.openxmlformats.org/presentationml/2006/main">
+  <p:cSld>
+    <p:spTree>
+      <p:nvGrpSpPr>
+        <p:cNvPr id="1" name=""/>
+        <p:cNvGrpSpPr/>
+        <p:nvPr/>
+      </p:nvGrpSpPr>
+      <p:grpSpPr>
+        <a:xfrm>
+          <a:off x="0" y="0"/>
+          <a:ext cx="0" cy="0"/>
+          <a:chOff x="0" y="0"/>
+          <a:chExt cx="0" cy="0"/>
+        </a:xfrm>
+      </p:grpSpPr>
+      <p:sp>
+        <p:nvSpPr>
+          <p:cNvPr id="2" name="Title 1">
+            <a:extLst>
+              <a:ext uri="{FF2B5EF4-FFF2-40B4-BE49-F238E27FC236}">
+                <a16:creationId xmlns:a16="http://schemas.microsoft.com/office/drawing/2014/main" id="{EF699D1F-4A87-35B4-E845-E1D6709DE326}"/>
+              </a:ext>
+            </a:extLst>
+          </p:cNvPr>
+          <p:cNvSpPr>
+            <a:spLocks noGrp="1"/>
+          </p:cNvSpPr>
+          <p:nvPr>
+            <p:ph type="title"/>
+          </p:nvPr>
+        </p:nvSpPr>
+        <p:spPr/>
+        <p:txBody>
+          <a:bodyPr/>
+          <a:lstStyle/>
+          <a:p>
+            <a:r>
+              <a:rPr lang="en-GB" dirty="0"/>
+              <a:t>Practical examples of reverse engineering.</a:t>
+            </a:r>
+            <a:endParaRPr lang="nl-NL" dirty="0"/>
+          </a:p>
+        </p:txBody>
+      </p:sp>
+      <p:sp>
+        <p:nvSpPr>
+          <p:cNvPr id="3" name="Content Placeholder 2">
+            <a:extLst>
+              <a:ext uri="{FF2B5EF4-FFF2-40B4-BE49-F238E27FC236}">
+                <a16:creationId xmlns:a16="http://schemas.microsoft.com/office/drawing/2014/main" id="{A766BD93-0F3B-5BB7-7286-CB08181F819E}"/>
+              </a:ext>
+            </a:extLst>
+          </p:cNvPr>
+          <p:cNvSpPr>
+            <a:spLocks noGrp="1"/>
+          </p:cNvSpPr>
+          <p:nvPr>
+            <p:ph idx="1"/>
+          </p:nvPr>
+        </p:nvSpPr>
+        <p:spPr/>
+        <p:txBody>
+          <a:bodyPr/>
+          <a:lstStyle/>
+          <a:p>
+            <a:r>
+              <a:rPr lang="en-GB" dirty="0"/>
+              <a:t>Analyse software</a:t>
+            </a:r>
+          </a:p>
+          <a:p>
+            <a:r>
+              <a:rPr lang="en-GB" dirty="0"/>
+              <a:t>RAT File</a:t>
+            </a:r>
+          </a:p>
+          <a:p>
+            <a:r>
+              <a:rPr lang="en-GB" dirty="0"/>
+              <a:t>WannaCry</a:t>
+            </a:r>
+          </a:p>
+          <a:p>
+            <a:r>
+              <a:rPr lang="en-GB" dirty="0"/>
+              <a:t>File that contains the important algorithm</a:t>
+            </a:r>
+          </a:p>
+          <a:p>
+            <a:endParaRPr lang="en-GB" dirty="0"/>
+          </a:p>
+        </p:txBody>
+      </p:sp>
+      <p:sp>
+        <p:nvSpPr>
+          <p:cNvPr id="4" name="TextBox 3">
+            <a:extLst>
+              <a:ext uri="{FF2B5EF4-FFF2-40B4-BE49-F238E27FC236}">
+                <a16:creationId xmlns:a16="http://schemas.microsoft.com/office/drawing/2014/main" id="{7E4F5A99-B7AE-8910-C128-FA6866B8F068}"/>
+              </a:ext>
+            </a:extLst>
+          </p:cNvPr>
+          <p:cNvSpPr txBox="1"/>
+          <p:nvPr/>
+        </p:nvSpPr>
+        <p:spPr>
+          <a:xfrm>
+            <a:off x="677334" y="6041362"/>
+            <a:ext cx="6544827" cy="530915"/>
+          </a:xfrm>
+          <a:prstGeom prst="rect">
+            <a:avLst/>
+          </a:prstGeom>
+          <a:noFill/>
+        </p:spPr>
+        <p:txBody>
+          <a:bodyPr wrap="square" rtlCol="0">
+            <a:spAutoFit/>
+          </a:bodyPr>
+          <a:lstStyle/>
+          <a:p>
+            <a:r>
+              <a:rPr lang="de-DE" sz="1050" b="0" u="sng" strike="noStrike" spc="-1" dirty="0">
+                <a:solidFill>
+                  <a:srgbClr val="F7B615"/>
+                </a:solidFill>
+                <a:uFillTx/>
+                <a:latin typeface="Arial"/>
+                <a:ea typeface="DejaVu Sans"/>
+                <a:hlinkClick r:id="rId3"/>
+              </a:rPr>
+              <a:t>https://blogs.blackberry.com/en/2019/07/an-introduction-to-code-analysis-with-ghidra</a:t>
+            </a:r>
+            <a:endParaRPr lang="en-GB" sz="1050" b="0" strike="noStrike" spc="-1" dirty="0">
+              <a:latin typeface="Arial"/>
+            </a:endParaRPr>
+          </a:p>
+          <a:p>
+            <a:endParaRPr lang="nl-NL" dirty="0"/>
+          </a:p>
+        </p:txBody>
+      </p:sp>
+    </p:spTree>
+    <p:extLst>
+      <p:ext uri="{BB962C8B-B14F-4D97-AF65-F5344CB8AC3E}">
+        <p14:creationId xmlns:p14="http://schemas.microsoft.com/office/powerpoint/2010/main" val="2371372642"/>
+      </p:ext>
+    </p:extLst>
+  </p:cSld>
+  <p:clrMapOvr>
+    <a:masterClrMapping/>
+  </p:clrMapOvr>
+  <mc:AlternateContent xmlns:mc="http://schemas.openxmlformats.org/markup-compatibility/2006">
+    <mc:Choice xmlns:p14="http://schemas.microsoft.com/office/powerpoint/2010/main" Requires="p14">
+      <p:transition spd="med" p14:dur="700">
+        <p:fade/>
+      </p:transition>
+    </mc:Choice>
+    <mc:Fallback>
+      <p:transition spd="med">
+        <p:fade/>
+      </p:transition>
+    </mc:Fallback>
+  </mc:AlternateContent>
+</p:sld>
+</file>
+
+<file path=ppt/slides/slide12.xml><?xml version="1.0" encoding="utf-8"?>
+<p:sld xmlns:a="http://schemas.openxmlformats.org/drawingml/2006/main" xmlns:r="http://schemas.openxmlformats.org/officeDocument/2006/relationships" xmlns:p="http://schemas.openxmlformats.org/presentationml/2006/main">
+  <p:cSld>
+    <p:spTree>
+      <p:nvGrpSpPr>
+        <p:cNvPr id="1" name=""/>
+        <p:cNvGrpSpPr/>
+        <p:nvPr/>
+      </p:nvGrpSpPr>
+      <p:grpSpPr>
+        <a:xfrm>
+          <a:off x="0" y="0"/>
+          <a:ext cx="0" cy="0"/>
+          <a:chOff x="0" y="0"/>
+          <a:chExt cx="0" cy="0"/>
+        </a:xfrm>
+      </p:grpSpPr>
+      <p:sp>
+        <p:nvSpPr>
+          <p:cNvPr id="2" name="Titel 1">
+            <a:extLst>
+              <a:ext uri="{FF2B5EF4-FFF2-40B4-BE49-F238E27FC236}">
+                <a16:creationId xmlns:a16="http://schemas.microsoft.com/office/drawing/2014/main" id="{B6BEA475-90E9-9D67-FA61-337172C7917D}"/>
+              </a:ext>
+            </a:extLst>
+          </p:cNvPr>
+          <p:cNvSpPr>
+            <a:spLocks noGrp="1"/>
+          </p:cNvSpPr>
+          <p:nvPr>
+            <p:ph type="title"/>
+          </p:nvPr>
+        </p:nvSpPr>
+        <p:spPr/>
+        <p:txBody>
+          <a:bodyPr/>
+          <a:lstStyle/>
+          <a:p>
+            <a:r>
+              <a:rPr lang="nl-NL" dirty="0"/>
+              <a:t>How </a:t>
+            </a:r>
+            <a:r>
+              <a:rPr lang="nl-NL" dirty="0" err="1"/>
+              <a:t>to</a:t>
+            </a:r>
+            <a:r>
+              <a:rPr lang="nl-NL" dirty="0"/>
+              <a:t> </a:t>
+            </a:r>
+            <a:r>
+              <a:rPr lang="nl-NL" dirty="0" err="1"/>
+              <a:t>install</a:t>
+            </a:r>
+            <a:r>
+              <a:rPr lang="nl-NL" dirty="0"/>
+              <a:t> </a:t>
+            </a:r>
+            <a:r>
+              <a:rPr lang="nl-NL" dirty="0" err="1"/>
+              <a:t>Ghidra</a:t>
+            </a:r>
+            <a:endParaRPr lang="nl-NL" dirty="0"/>
+          </a:p>
+        </p:txBody>
+      </p:sp>
+      <p:sp>
+        <p:nvSpPr>
+          <p:cNvPr id="3" name="Tijdelijke aanduiding voor inhoud 2">
+            <a:extLst>
+              <a:ext uri="{FF2B5EF4-FFF2-40B4-BE49-F238E27FC236}">
+                <a16:creationId xmlns:a16="http://schemas.microsoft.com/office/drawing/2014/main" id="{987BD546-D257-7DAB-425C-A569AA570049}"/>
+              </a:ext>
+            </a:extLst>
+          </p:cNvPr>
+          <p:cNvSpPr>
+            <a:spLocks noGrp="1"/>
+          </p:cNvSpPr>
+          <p:nvPr>
+            <p:ph idx="1"/>
+          </p:nvPr>
+        </p:nvSpPr>
+        <p:spPr/>
+        <p:txBody>
+          <a:bodyPr/>
+          <a:lstStyle/>
+          <a:p>
+            <a:r>
+              <a:rPr lang="en-GB" dirty="0"/>
+              <a:t>Pull the </a:t>
+            </a:r>
+            <a:r>
+              <a:rPr lang="en-GB" dirty="0" err="1"/>
+              <a:t>Ghidra</a:t>
+            </a:r>
+            <a:r>
+              <a:rPr lang="en-GB" dirty="0"/>
+              <a:t> 2022 repository off </a:t>
+            </a:r>
+            <a:r>
+              <a:rPr lang="en-GB" dirty="0" err="1"/>
+              <a:t>github</a:t>
+            </a:r>
+            <a:r>
+              <a:rPr lang="en-GB" dirty="0"/>
+              <a:t> </a:t>
+            </a:r>
+            <a:r>
+              <a:rPr lang="en-GB" dirty="0" err="1"/>
+              <a:t>SEBIvenlo</a:t>
+            </a:r>
+            <a:endParaRPr lang="en-GB"/>
+          </a:p>
+          <a:p>
+            <a:endParaRPr lang="en-GB" dirty="0"/>
+          </a:p>
+          <a:p>
+            <a:r>
+              <a:rPr lang="en-GB" dirty="0"/>
+              <a:t>JDK 17</a:t>
+            </a:r>
+          </a:p>
+          <a:p>
+            <a:endParaRPr lang="nl-NL" dirty="0"/>
+          </a:p>
+          <a:p>
+            <a:r>
+              <a:rPr lang="nl-NL" dirty="0"/>
+              <a:t>Download </a:t>
+            </a:r>
+            <a:r>
+              <a:rPr lang="nl-NL" dirty="0" err="1"/>
+              <a:t>Ghidra</a:t>
+            </a:r>
+            <a:endParaRPr lang="nl-NL" dirty="0"/>
+          </a:p>
+          <a:p>
+            <a:pPr marL="0" indent="0">
+              <a:buNone/>
+            </a:pPr>
+            <a:endParaRPr lang="en-GB" dirty="0"/>
+          </a:p>
+        </p:txBody>
+      </p:sp>
+    </p:spTree>
+    <p:extLst>
+      <p:ext uri="{BB962C8B-B14F-4D97-AF65-F5344CB8AC3E}">
+        <p14:creationId xmlns:p14="http://schemas.microsoft.com/office/powerpoint/2010/main" val="3774793001"/>
+      </p:ext>
+    </p:extLst>
+  </p:cSld>
+  <p:clrMapOvr>
+    <a:masterClrMapping/>
+  </p:clrMapOvr>
+  <mc:AlternateContent xmlns:mc="http://schemas.openxmlformats.org/markup-compatibility/2006" xmlns:p14="http://schemas.microsoft.com/office/powerpoint/2010/main">
+    <mc:Choice Requires="p14">
+      <p:transition spd="med" p14:dur="700">
+        <p:fade/>
+      </p:transition>
+    </mc:Choice>
+    <mc:Fallback xmlns="">
+      <p:transition spd="med">
+        <p:fade/>
+      </p:transition>
+    </mc:Fallback>
+  </mc:AlternateContent>
+</p:sld>
+</file>
+
+<file path=ppt/slides/slide13.xml><?xml version="1.0" encoding="utf-8"?>
+<p:sld xmlns:a="http://schemas.openxmlformats.org/drawingml/2006/main" xmlns:r="http://schemas.openxmlformats.org/officeDocument/2006/relationships" xmlns:p="http://schemas.openxmlformats.org/presentationml/2006/main">
+  <p:cSld>
+    <p:spTree>
+      <p:nvGrpSpPr>
+        <p:cNvPr id="1" name=""/>
+        <p:cNvGrpSpPr/>
+        <p:nvPr/>
+      </p:nvGrpSpPr>
+      <p:grpSpPr>
+        <a:xfrm>
+          <a:off x="0" y="0"/>
+          <a:ext cx="0" cy="0"/>
+          <a:chOff x="0" y="0"/>
+          <a:chExt cx="0" cy="0"/>
+        </a:xfrm>
+      </p:grpSpPr>
+      <p:sp>
+        <p:nvSpPr>
+          <p:cNvPr id="2" name="Title 1">
+            <a:extLst>
+              <a:ext uri="{FF2B5EF4-FFF2-40B4-BE49-F238E27FC236}">
+                <a16:creationId xmlns:a16="http://schemas.microsoft.com/office/drawing/2014/main" id="{578A9C2D-09C6-E734-EEA8-3158759A302E}"/>
+              </a:ext>
+            </a:extLst>
+          </p:cNvPr>
+          <p:cNvSpPr>
+            <a:spLocks noGrp="1"/>
+          </p:cNvSpPr>
+          <p:nvPr>
+            <p:ph type="title"/>
+          </p:nvPr>
+        </p:nvSpPr>
+        <p:spPr/>
+        <p:txBody>
+          <a:bodyPr/>
+          <a:lstStyle/>
+          <a:p>
+            <a:r>
+              <a:rPr lang="en-GB" dirty="0"/>
+              <a:t>Workshop</a:t>
+            </a:r>
+            <a:endParaRPr lang="nl-NL" dirty="0"/>
+          </a:p>
+        </p:txBody>
+      </p:sp>
+      <p:sp>
+        <p:nvSpPr>
+          <p:cNvPr id="3" name="Content Placeholder 2">
+            <a:extLst>
+              <a:ext uri="{FF2B5EF4-FFF2-40B4-BE49-F238E27FC236}">
+                <a16:creationId xmlns:a16="http://schemas.microsoft.com/office/drawing/2014/main" id="{4AD5C7CF-B614-D5DF-CEE9-A7B1513B6770}"/>
+              </a:ext>
+            </a:extLst>
+          </p:cNvPr>
+          <p:cNvSpPr>
+            <a:spLocks noGrp="1"/>
+          </p:cNvSpPr>
+          <p:nvPr>
+            <p:ph idx="1"/>
+          </p:nvPr>
+        </p:nvSpPr>
+        <p:spPr/>
+        <p:txBody>
+          <a:bodyPr/>
+          <a:lstStyle/>
+          <a:p>
+            <a:r>
+              <a:rPr lang="en-GB" dirty="0"/>
+              <a:t>Importing Files</a:t>
+            </a:r>
+          </a:p>
+          <a:p>
+            <a:r>
+              <a:rPr lang="en-GB" dirty="0"/>
+              <a:t>Starting with Decompiler.</a:t>
+            </a:r>
+          </a:p>
+          <a:p>
+            <a:endParaRPr lang="en-GB" dirty="0"/>
+          </a:p>
+          <a:p>
+            <a:endParaRPr lang="nl-NL" dirty="0"/>
+          </a:p>
+        </p:txBody>
+      </p:sp>
+    </p:spTree>
+    <p:extLst>
+      <p:ext uri="{BB962C8B-B14F-4D97-AF65-F5344CB8AC3E}">
+        <p14:creationId xmlns:p14="http://schemas.microsoft.com/office/powerpoint/2010/main" val="1933050749"/>
+      </p:ext>
+    </p:extLst>
+  </p:cSld>
+  <p:clrMapOvr>
+    <a:masterClrMapping/>
+  </p:clrMapOvr>
+  <mc:AlternateContent xmlns:mc="http://schemas.openxmlformats.org/markup-compatibility/2006" xmlns:p14="http://schemas.microsoft.com/office/powerpoint/2010/main">
+    <mc:Choice Requires="p14">
+      <p:transition spd="med" p14:dur="700">
+        <p:fade/>
+      </p:transition>
+    </mc:Choice>
+    <mc:Fallback xmlns="">
+      <p:transition spd="med">
+        <p:fade/>
+      </p:transition>
+    </mc:Fallback>
+  </mc:AlternateContent>
+</p:sld>
+</file>
+
+<file path=ppt/slides/slide14.xml><?xml version="1.0" encoding="utf-8"?>
+<p:sld xmlns:a="http://schemas.openxmlformats.org/drawingml/2006/main" xmlns:r="http://schemas.openxmlformats.org/officeDocument/2006/relationships" xmlns:p="http://schemas.openxmlformats.org/presentationml/2006/main">
+  <p:cSld>
+    <p:spTree>
+      <p:nvGrpSpPr>
+        <p:cNvPr id="1" name=""/>
+        <p:cNvGrpSpPr/>
+        <p:nvPr/>
+      </p:nvGrpSpPr>
+      <p:grpSpPr>
+        <a:xfrm>
+          <a:off x="0" y="0"/>
+          <a:ext cx="0" cy="0"/>
+          <a:chOff x="0" y="0"/>
+          <a:chExt cx="0" cy="0"/>
+        </a:xfrm>
+      </p:grpSpPr>
+      <p:sp>
+        <p:nvSpPr>
+          <p:cNvPr id="2" name="Title 1">
+            <a:extLst>
+              <a:ext uri="{FF2B5EF4-FFF2-40B4-BE49-F238E27FC236}">
+                <a16:creationId xmlns:a16="http://schemas.microsoft.com/office/drawing/2014/main" id="{EF016148-9EBA-0902-EFD1-0574B6407E83}"/>
+              </a:ext>
+            </a:extLst>
+          </p:cNvPr>
+          <p:cNvSpPr>
+            <a:spLocks noGrp="1"/>
+          </p:cNvSpPr>
+          <p:nvPr>
+            <p:ph type="title"/>
+          </p:nvPr>
+        </p:nvSpPr>
+        <p:spPr/>
+        <p:txBody>
+          <a:bodyPr/>
+          <a:lstStyle/>
+          <a:p>
+            <a:r>
+              <a:rPr lang="en-GB" dirty="0"/>
+              <a:t>Quizizz</a:t>
+            </a:r>
+            <a:endParaRPr lang="nl-NL" dirty="0"/>
+          </a:p>
+        </p:txBody>
+      </p:sp>
+      <p:pic>
+        <p:nvPicPr>
+          <p:cNvPr id="5" name="Content Placeholder 4" descr="Icon&#10;&#10;Description automatically generated">
+            <a:extLst>
+              <a:ext uri="{FF2B5EF4-FFF2-40B4-BE49-F238E27FC236}">
+                <a16:creationId xmlns:a16="http://schemas.microsoft.com/office/drawing/2014/main" id="{C44C6795-3A3E-C7FC-36F4-7537067CD1B8}"/>
+              </a:ext>
+            </a:extLst>
+          </p:cNvPr>
+          <p:cNvPicPr>
+            <a:picLocks noGrp="1" noChangeAspect="1"/>
+          </p:cNvPicPr>
+          <p:nvPr>
+            <p:ph idx="1"/>
+          </p:nvPr>
+        </p:nvPicPr>
+        <p:blipFill>
+          <a:blip r:embed="rId2">
+            <a:extLst>
+              <a:ext uri="{28A0092B-C50C-407E-A947-70E740481C1C}">
+                <a14:useLocalDpi xmlns:a14="http://schemas.microsoft.com/office/drawing/2010/main" val="0"/>
+              </a:ext>
+            </a:extLst>
+          </a:blip>
+          <a:stretch>
+            <a:fillRect/>
+          </a:stretch>
+        </p:blipFill>
+        <p:spPr>
+          <a:xfrm>
+            <a:off x="1094231" y="2080201"/>
+            <a:ext cx="3881437" cy="3881437"/>
+          </a:xfrm>
+        </p:spPr>
+      </p:pic>
+      <p:sp>
+        <p:nvSpPr>
+          <p:cNvPr id="6" name="TextBox 5">
+            <a:extLst>
+              <a:ext uri="{FF2B5EF4-FFF2-40B4-BE49-F238E27FC236}">
+                <a16:creationId xmlns:a16="http://schemas.microsoft.com/office/drawing/2014/main" id="{FCD60260-A0CF-B1E5-1796-306A39E353E2}"/>
+              </a:ext>
+            </a:extLst>
+          </p:cNvPr>
+          <p:cNvSpPr txBox="1"/>
+          <p:nvPr/>
+        </p:nvSpPr>
+        <p:spPr>
+          <a:xfrm>
+            <a:off x="5647173" y="2974312"/>
+            <a:ext cx="2944168" cy="369332"/>
+          </a:xfrm>
+          <a:prstGeom prst="rect">
+            <a:avLst/>
+          </a:prstGeom>
+          <a:noFill/>
+        </p:spPr>
+        <p:txBody>
+          <a:bodyPr wrap="square" rtlCol="0">
+            <a:spAutoFit/>
+          </a:bodyPr>
+          <a:lstStyle/>
+          <a:p>
+            <a:r>
+              <a:rPr lang="en-GB" dirty="0"/>
+              <a:t>Joinmyquiz.com</a:t>
+            </a:r>
+          </a:p>
+        </p:txBody>
+      </p:sp>
+    </p:spTree>
+    <p:extLst>
+      <p:ext uri="{BB962C8B-B14F-4D97-AF65-F5344CB8AC3E}">
+        <p14:creationId xmlns:p14="http://schemas.microsoft.com/office/powerpoint/2010/main" val="309295397"/>
+      </p:ext>
+    </p:extLst>
+  </p:cSld>
+  <p:clrMapOvr>
+    <a:masterClrMapping/>
+  </p:clrMapOvr>
+  <mc:AlternateContent xmlns:mc="http://schemas.openxmlformats.org/markup-compatibility/2006">
+    <mc:Choice xmlns:p14="http://schemas.microsoft.com/office/powerpoint/2010/main" Requires="p14">
+      <p:transition spd="med" p14:dur="700">
+        <p:fade/>
+      </p:transition>
+    </mc:Choice>
+    <mc:Fallback>
+      <p:transition spd="med">
+        <p:fade/>
+      </p:transition>
+    </mc:Fallback>
+  </mc:AlternateContent>
+</p:sld>
+</file>
+
+<file path=ppt/slides/slide15.xml><?xml version="1.0" encoding="utf-8"?>
 <p:sld xmlns:a="http://schemas.openxmlformats.org/drawingml/2006/main" xmlns:r="http://schemas.openxmlformats.org/officeDocument/2006/relationships" xmlns:p="http://schemas.openxmlformats.org/presentationml/2006/main">
   <p:cSld>
     <p:bg>
@@ -9696,7 +13137,9 @@
         </p:nvSpPr>
         <p:spPr/>
         <p:txBody>
-          <a:bodyPr/>
+          <a:bodyPr>
+            <a:normAutofit/>
+          </a:bodyPr>
           <a:lstStyle/>
           <a:p>
             <a:r>
@@ -9716,67 +13159,92 @@
           <a:p>
             <a:r>
               <a:rPr lang="nl-NL" dirty="0" err="1"/>
-              <a:t>History</a:t>
+              <a:t>Rerverse</a:t>
             </a:r>
             <a:r>
               <a:rPr lang="nl-NL" dirty="0"/>
-              <a:t> of </a:t>
-            </a:r>
+              <a:t> Engineering</a:t>
+            </a:r>
+          </a:p>
+          <a:p>
             <a:r>
               <a:rPr lang="nl-NL" dirty="0" err="1"/>
+              <a:t>Compile</a:t>
+            </a:r>
+            <a:r>
+              <a:rPr lang="nl-NL" dirty="0"/>
+              <a:t> and </a:t>
+            </a:r>
+            <a:r>
+              <a:rPr lang="nl-NL" dirty="0" err="1"/>
+              <a:t>Decompile</a:t>
+            </a:r>
+            <a:endParaRPr lang="nl-NL" dirty="0"/>
+          </a:p>
+          <a:p>
+            <a:r>
+              <a:rPr lang="nl-NL" dirty="0"/>
+              <a:t>NSA</a:t>
+            </a:r>
+          </a:p>
+          <a:p>
+            <a:r>
+              <a:rPr lang="nl-NL" dirty="0"/>
+              <a:t>FOSS</a:t>
+            </a:r>
+          </a:p>
+          <a:p>
+            <a:r>
+              <a:rPr lang="nl-NL" sz="1800" dirty="0" err="1"/>
+              <a:t>What</a:t>
+            </a:r>
+            <a:r>
+              <a:rPr lang="nl-NL" sz="1800" dirty="0"/>
+              <a:t> </a:t>
+            </a:r>
+            <a:r>
+              <a:rPr lang="en-GB" sz="1800" dirty="0"/>
+              <a:t>can</a:t>
+            </a:r>
+            <a:r>
+              <a:rPr lang="nl-NL" sz="1800" dirty="0"/>
+              <a:t> </a:t>
+            </a:r>
+            <a:r>
+              <a:rPr lang="nl-NL" sz="1800" dirty="0" err="1"/>
+              <a:t>you</a:t>
+            </a:r>
+            <a:r>
+              <a:rPr lang="nl-NL" sz="1800" dirty="0"/>
+              <a:t> do </a:t>
+            </a:r>
+            <a:r>
+              <a:rPr lang="nl-NL" sz="1800" dirty="0" err="1"/>
+              <a:t>with</a:t>
+            </a:r>
+            <a:r>
+              <a:rPr lang="nl-NL" sz="1800" dirty="0"/>
+              <a:t> </a:t>
+            </a:r>
+            <a:r>
+              <a:rPr lang="nl-NL" sz="1800" dirty="0" err="1"/>
               <a:t>Ghidra</a:t>
             </a:r>
+            <a:r>
+              <a:rPr lang="nl-NL" sz="1800" dirty="0"/>
+              <a:t>?</a:t>
+            </a:r>
             <a:endParaRPr lang="nl-NL" dirty="0"/>
           </a:p>
           <a:p>
             <a:r>
-              <a:rPr lang="nl-NL" dirty="0" err="1"/>
-              <a:t>What</a:t>
-            </a:r>
-            <a:r>
-              <a:rPr lang="nl-NL" dirty="0"/>
-              <a:t> </a:t>
-            </a:r>
-            <a:r>
               <a:rPr lang="en-GB" dirty="0"/>
-              <a:t>can</a:t>
-            </a:r>
-            <a:r>
-              <a:rPr lang="nl-NL" dirty="0"/>
-              <a:t> </a:t>
-            </a:r>
-            <a:r>
-              <a:rPr lang="nl-NL" dirty="0" err="1"/>
-              <a:t>you</a:t>
-            </a:r>
-            <a:r>
-              <a:rPr lang="nl-NL" dirty="0"/>
-              <a:t> do </a:t>
-            </a:r>
-            <a:r>
-              <a:rPr lang="nl-NL" dirty="0" err="1"/>
-              <a:t>with</a:t>
-            </a:r>
-            <a:r>
-              <a:rPr lang="nl-NL" dirty="0"/>
-              <a:t> </a:t>
-            </a:r>
-            <a:r>
-              <a:rPr lang="nl-NL" dirty="0" err="1"/>
+              <a:t>Practical uses of </a:t>
+            </a:r>
+            <a:r>
+              <a:rPr lang="en-GB" dirty="0" err="1"/>
               <a:t>Ghidra</a:t>
             </a:r>
-            <a:r>
-              <a:rPr lang="nl-NL" dirty="0"/>
-              <a:t>?</a:t>
-            </a:r>
-          </a:p>
-          <a:p>
-            <a:endParaRPr lang="nl-NL" dirty="0"/>
-          </a:p>
-          <a:p>
-            <a:pPr marL="0" indent="0">
-              <a:buNone/>
-            </a:pPr>
             <a:endParaRPr lang="nl-NL" dirty="0"/>
           </a:p>
           <a:p>
@@ -9838,9 +13306,12 @@
           <a:lstStyle/>
           <a:p>
             <a:r>
-              <a:rPr lang="nl-NL" sz="1000" dirty="0"/>
+              <a:rPr lang="nl-NL" sz="1000" dirty="0">
+                <a:hlinkClick r:id="rId3"/>
+              </a:rPr>
               <a:t>https://cdn.iconscout.com/icon/premium/png-256-thumb/reverse-engineering-1524273-1290820.png</a:t>
             </a:r>
+            <a:endParaRPr lang="nl-NL" sz="1000" dirty="0"/>
           </a:p>
         </p:txBody>
       </p:sp>
@@ -9859,7 +13330,7 @@
           <p:nvPr/>
         </p:nvPicPr>
         <p:blipFill>
-          <a:blip r:embed="rId3">
+          <a:blip r:embed="rId4">
             <a:extLst>
               <a:ext uri="{28A0092B-C50C-407E-A947-70E740481C1C}">
                 <a14:useLocalDpi xmlns:a14="http://schemas.microsoft.com/office/drawing/2010/main" val="0"/>
@@ -9975,7 +13446,12 @@
             <p:ph idx="1"/>
           </p:nvPr>
         </p:nvSpPr>
-        <p:spPr/>
+        <p:spPr>
+          <a:xfrm>
+            <a:off x="677334" y="2120832"/>
+            <a:ext cx="8596668" cy="3880773"/>
+          </a:xfrm>
+        </p:spPr>
         <p:txBody>
           <a:bodyPr/>
           <a:lstStyle/>
@@ -9996,6 +13472,25 @@
           </a:p>
           <a:p>
             <a:r>
+              <a:rPr lang="nl-NL" dirty="0"/>
+              <a:t>5th </a:t>
+            </a:r>
+            <a:r>
+              <a:rPr lang="nl-NL" dirty="0" err="1"/>
+              <a:t>March</a:t>
+            </a:r>
+            <a:r>
+              <a:rPr lang="nl-NL" dirty="0"/>
+              <a:t> 2019 </a:t>
+            </a:r>
+            <a:r>
+              <a:rPr lang="nl-NL" dirty="0" err="1"/>
+              <a:t>released</a:t>
+            </a:r>
+            <a:endParaRPr lang="nl-NL" dirty="0"/>
+          </a:p>
+          <a:p>
+            <a:r>
               <a:rPr lang="nl-NL" dirty="0" err="1"/>
               <a:t>June</a:t>
             </a:r>
@@ -10037,10 +13532,9 @@
           </a:p>
           <a:p>
             <a:r>
-              <a:rPr lang="nl-NL" dirty="0" err="1"/>
+              <a:rPr lang="nl-NL" dirty="0"/>
               <a:t>Decompiler</a:t>
             </a:r>
-            <a:endParaRPr lang="nl-NL" dirty="0"/>
           </a:p>
           <a:p>
             <a:r>
@@ -10092,6 +13586,44 @@
           </a:prstGeom>
         </p:spPr>
       </p:pic>
+      <p:sp>
+        <p:nvSpPr>
+          <p:cNvPr id="6" name="TextBox 5">
+            <a:extLst>
+              <a:ext uri="{FF2B5EF4-FFF2-40B4-BE49-F238E27FC236}">
+                <a16:creationId xmlns:a16="http://schemas.microsoft.com/office/drawing/2014/main" id="{0407AA87-6F94-EA86-2030-A86CFDBEBEDD}"/>
+              </a:ext>
+            </a:extLst>
+          </p:cNvPr>
+          <p:cNvSpPr txBox="1"/>
+          <p:nvPr/>
+        </p:nvSpPr>
+        <p:spPr>
+          <a:xfrm>
+            <a:off x="7358269" y="6387547"/>
+            <a:ext cx="2726083" cy="253916"/>
+          </a:xfrm>
+          <a:prstGeom prst="rect">
+            <a:avLst/>
+          </a:prstGeom>
+          <a:noFill/>
+        </p:spPr>
+        <p:txBody>
+          <a:bodyPr wrap="square">
+            <a:spAutoFit/>
+          </a:bodyPr>
+          <a:lstStyle/>
+          <a:p>
+            <a:r>
+              <a:rPr lang="nl-NL" sz="1050" dirty="0">
+                <a:hlinkClick r:id="rId4"/>
+              </a:rPr>
+              <a:t>https://en.wikipedia.org/wiki/Ghidra</a:t>
+            </a:r>
+            <a:endParaRPr lang="nl-NL" sz="1050" dirty="0"/>
+          </a:p>
+        </p:txBody>
+      </p:sp>
     </p:spTree>
     <p:extLst>
       <p:ext uri="{BB962C8B-B14F-4D97-AF65-F5344CB8AC3E}">
@@ -10120,14 +13652,6 @@
 <file path=ppt/slides/slide4.xml><?xml version="1.0" encoding="utf-8"?>
 <p:sld xmlns:a="http://schemas.openxmlformats.org/drawingml/2006/main" xmlns:r="http://schemas.openxmlformats.org/officeDocument/2006/relationships" xmlns:p="http://schemas.openxmlformats.org/presentationml/2006/main">
   <p:cSld>
-    <p:bg>
-      <p:bgPr>
-        <a:solidFill>
-          <a:schemeClr val="bg1"/>
-        </a:solidFill>
-        <a:effectLst/>
-      </p:bgPr>
-    </p:bg>
     <p:spTree>
       <p:nvGrpSpPr>
         <p:cNvPr id="1" name=""/>
@@ -10147,7 +13671,7 @@
           <p:cNvPr id="2" name="Title 1">
             <a:extLst>
               <a:ext uri="{FF2B5EF4-FFF2-40B4-BE49-F238E27FC236}">
-                <a16:creationId xmlns:a16="http://schemas.microsoft.com/office/drawing/2014/main" id="{2C83DFA3-66C5-F2A3-D2CC-8BEC52B26022}"/>
+                <a16:creationId xmlns:a16="http://schemas.microsoft.com/office/drawing/2014/main" id="{291A052F-AC88-6D52-5586-A7F120FCBEAA}"/>
               </a:ext>
             </a:extLst>
           </p:cNvPr>
@@ -10158,21 +13682,14 @@
             <p:ph type="title"/>
           </p:nvPr>
         </p:nvSpPr>
-        <p:spPr>
-          <a:xfrm>
-            <a:off x="676746" y="609600"/>
-            <a:ext cx="3729076" cy="1320800"/>
-          </a:xfrm>
-        </p:spPr>
+        <p:spPr/>
         <p:txBody>
-          <a:bodyPr anchor="ctr">
-            <a:normAutofit/>
-          </a:bodyPr>
+          <a:bodyPr/>
           <a:lstStyle/>
           <a:p>
             <a:r>
               <a:rPr lang="en-GB" dirty="0"/>
-              <a:t>NSA</a:t>
+              <a:t>Reverse Engineering</a:t>
             </a:r>
             <a:endParaRPr lang="nl-NL" dirty="0"/>
           </a:p>
@@ -10183,7 +13700,7 @@
           <p:cNvPr id="3" name="Content Placeholder 2">
             <a:extLst>
               <a:ext uri="{FF2B5EF4-FFF2-40B4-BE49-F238E27FC236}">
-                <a16:creationId xmlns:a16="http://schemas.microsoft.com/office/drawing/2014/main" id="{E2175B26-A508-AA26-892B-B05EDDDED6C5}"/>
+                <a16:creationId xmlns:a16="http://schemas.microsoft.com/office/drawing/2014/main" id="{BF3CEF21-2531-DB2A-675C-43FD81E2671A}"/>
               </a:ext>
             </a:extLst>
           </p:cNvPr>
@@ -10194,51 +13711,150 @@
             <p:ph idx="1"/>
           </p:nvPr>
         </p:nvSpPr>
+        <p:spPr/>
+        <p:txBody>
+          <a:bodyPr/>
+          <a:lstStyle/>
+          <a:p>
+            <a:pPr marL="0" indent="0">
+              <a:buNone/>
+            </a:pPr>
+            <a:r>
+              <a:rPr lang="en-GB" dirty="0"/>
+              <a:t>Reverse-engineering is the act of dismantling an object to see how it works.</a:t>
+            </a:r>
+          </a:p>
+          <a:p>
+            <a:pPr marL="0" indent="0">
+              <a:buNone/>
+            </a:pPr>
+            <a:r>
+              <a:rPr lang="en-GB" dirty="0"/>
+              <a:t>Compile is not the same as Decompile</a:t>
+            </a:r>
+          </a:p>
+          <a:p>
+            <a:pPr marL="0" indent="0">
+              <a:buNone/>
+            </a:pPr>
+            <a:endParaRPr lang="en-GB" dirty="0"/>
+          </a:p>
+          <a:p>
+            <a:pPr marL="0" indent="0">
+              <a:buNone/>
+            </a:pPr>
+            <a:r>
+              <a:rPr lang="en-GB" dirty="0"/>
+              <a:t>What is Decompiling?</a:t>
+            </a:r>
+          </a:p>
+          <a:p>
+            <a:pPr marL="0" indent="0">
+              <a:buNone/>
+            </a:pPr>
+            <a:r>
+              <a:rPr lang="en-GB" dirty="0"/>
+              <a:t>Crack or remove copy protection</a:t>
+            </a:r>
+          </a:p>
+          <a:p>
+            <a:pPr marL="0" indent="0">
+              <a:buNone/>
+            </a:pPr>
+            <a:r>
+              <a:rPr lang="en-GB" dirty="0"/>
+              <a:t>Find vulnerabilities in an OS</a:t>
+            </a:r>
+          </a:p>
+          <a:p>
+            <a:pPr marL="0" indent="0">
+              <a:buNone/>
+            </a:pPr>
+            <a:endParaRPr lang="en-GB" dirty="0"/>
+          </a:p>
+          <a:p>
+            <a:pPr marL="0" indent="0">
+              <a:buNone/>
+            </a:pPr>
+            <a:endParaRPr lang="en-GB" dirty="0"/>
+          </a:p>
+          <a:p>
+            <a:pPr marL="0" indent="0">
+              <a:buNone/>
+            </a:pPr>
+            <a:r>
+              <a:rPr lang="en-GB" dirty="0">
+                <a:hlinkClick r:id="rId3"/>
+              </a:rPr>
+              <a:t>https://www.youtube.com/watch?v=1r8F-BQOy3w</a:t>
+            </a:r>
+            <a:endParaRPr lang="en-GB" dirty="0"/>
+          </a:p>
+          <a:p>
+            <a:pPr marL="0" indent="0">
+              <a:buNone/>
+            </a:pPr>
+            <a:endParaRPr lang="en-GB" dirty="0"/>
+          </a:p>
+        </p:txBody>
+      </p:sp>
+      <p:sp>
+        <p:nvSpPr>
+          <p:cNvPr id="4" name="TextBox 3">
+            <a:extLst>
+              <a:ext uri="{FF2B5EF4-FFF2-40B4-BE49-F238E27FC236}">
+                <a16:creationId xmlns:a16="http://schemas.microsoft.com/office/drawing/2014/main" id="{0BADB924-3EED-A81B-8BF4-756ABB16B04C}"/>
+              </a:ext>
+            </a:extLst>
+          </p:cNvPr>
+          <p:cNvSpPr txBox="1"/>
+          <p:nvPr/>
+        </p:nvSpPr>
         <p:spPr>
           <a:xfrm>
-            <a:off x="685167" y="2160589"/>
-            <a:ext cx="3720916" cy="3560733"/>
+            <a:off x="1891256" y="6428114"/>
+            <a:ext cx="5315879" cy="415498"/>
           </a:xfrm>
+          <a:prstGeom prst="rect">
+            <a:avLst/>
+          </a:prstGeom>
+          <a:noFill/>
         </p:spPr>
         <p:txBody>
-          <a:bodyPr>
-            <a:normAutofit/>
+          <a:bodyPr wrap="none" rtlCol="0">
+            <a:spAutoFit/>
           </a:bodyPr>
           <a:lstStyle/>
           <a:p>
             <a:r>
-              <a:rPr lang="nl-NL" dirty="0" err="1"/>
-              <a:t>History</a:t>
-            </a:r>
-            <a:endParaRPr lang="nl-NL" dirty="0"/>
-          </a:p>
-          <a:p>
-            <a:r>
-              <a:rPr lang="nl-NL" dirty="0"/>
-              <a:t>Mission</a:t>
-            </a:r>
-          </a:p>
-          <a:p>
-            <a:endParaRPr lang="nl-NL" dirty="0"/>
+              <a:rPr lang="nl-NL" sz="1050" dirty="0">
+                <a:hlinkClick r:id="rId4"/>
+              </a:rPr>
+              <a:t>https://www.techtarget.com/searchsoftwarequality/definition/reverse-engineering</a:t>
+            </a:r>
+            <a:endParaRPr lang="nl-NL" sz="1050" dirty="0"/>
+          </a:p>
+          <a:p>
+            <a:endParaRPr lang="nl-NL" sz="1050" dirty="0"/>
           </a:p>
         </p:txBody>
       </p:sp>
       <p:pic>
         <p:nvPicPr>
-          <p:cNvPr id="2050" name="Picture 2" descr="National Security Agency - Wikipedia">
+          <p:cNvPr id="8" name="Picture 7" descr="Graphical user interface, application, Word">
             <a:extLst>
               <a:ext uri="{FF2B5EF4-FFF2-40B4-BE49-F238E27FC236}">
-                <a16:creationId xmlns:a16="http://schemas.microsoft.com/office/drawing/2014/main" id="{06B25A03-2EC7-51CA-987E-9DDF13249FA7}"/>
+                <a16:creationId xmlns:a16="http://schemas.microsoft.com/office/drawing/2014/main" id="{B23ACD62-FBB2-AABD-EEB1-13339B02FD21}"/>
               </a:ext>
             </a:extLst>
           </p:cNvPr>
           <p:cNvPicPr>
-            <a:picLocks noChangeAspect="1" noChangeArrowheads="1"/>
+            <a:picLocks noChangeAspect="1"/>
           </p:cNvPicPr>
           <p:nvPr/>
         </p:nvPicPr>
         <p:blipFill>
-          <a:blip r:embed="rId3">
+          <a:blip r:embed="rId5">
             <a:extLst>
               <a:ext uri="{28A0092B-C50C-407E-A947-70E740481C1C}">
                 <a14:useLocalDpi xmlns:a14="http://schemas.microsoft.com/office/drawing/2010/main" val="0"/>
@@ -10249,48 +13865,166 @@
             <a:fillRect/>
           </a:stretch>
         </p:blipFill>
-        <p:spPr bwMode="auto">
+        <p:spPr>
           <a:xfrm>
-            <a:off x="4654035" y="875360"/>
-            <a:ext cx="4602747" cy="4602747"/>
+            <a:off x="6096000" y="2832100"/>
+            <a:ext cx="5981699" cy="2631948"/>
           </a:xfrm>
           <a:prstGeom prst="rect">
             <a:avLst/>
           </a:prstGeom>
-          <a:noFill/>
-          <a:extLst>
-            <a:ext uri="{909E8E84-426E-40DD-AFC4-6F175D3DCCD1}">
-              <a14:hiddenFill xmlns:a14="http://schemas.microsoft.com/office/drawing/2010/main">
-                <a:solidFill>
-                  <a:srgbClr val="FFFFFF"/>
-                </a:solidFill>
-              </a14:hiddenFill>
-            </a:ext>
-          </a:extLst>
         </p:spPr>
       </p:pic>
     </p:spTree>
     <p:extLst>
       <p:ext uri="{BB962C8B-B14F-4D97-AF65-F5344CB8AC3E}">
-        <p14:creationId xmlns:p14="http://schemas.microsoft.com/office/powerpoint/2010/main" val="904751505"/>
+        <p14:creationId xmlns:p14="http://schemas.microsoft.com/office/powerpoint/2010/main" val="4045073047"/>
       </p:ext>
     </p:extLst>
   </p:cSld>
   <p:clrMapOvr>
     <a:masterClrMapping/>
   </p:clrMapOvr>
-  <mc:AlternateContent xmlns:mc="http://schemas.openxmlformats.org/markup-compatibility/2006" xmlns:p14="http://schemas.microsoft.com/office/powerpoint/2010/main">
-    <mc:Choice Requires="p14">
+  <mc:AlternateContent xmlns:mc="http://schemas.openxmlformats.org/markup-compatibility/2006">
+    <mc:Choice xmlns:p14="http://schemas.microsoft.com/office/powerpoint/2010/main" Requires="p14">
       <p:transition spd="med" p14:dur="700">
         <p:fade/>
       </p:transition>
     </mc:Choice>
-    <mc:Fallback xmlns="">
+    <mc:Fallback>
       <p:transition spd="med">
         <p:fade/>
       </p:transition>
     </mc:Fallback>
   </mc:AlternateContent>
+  <p:timing>
+    <p:tnLst>
+      <p:par>
+        <p:cTn id="1" dur="indefinite" restart="never" nodeType="tmRoot">
+          <p:childTnLst>
+            <p:seq concurrent="1" nextAc="seek">
+              <p:cTn id="2" dur="indefinite" nodeType="mainSeq">
+                <p:childTnLst>
+                  <p:par>
+                    <p:cTn id="3" fill="hold">
+                      <p:stCondLst>
+                        <p:cond delay="indefinite"/>
+                      </p:stCondLst>
+                      <p:childTnLst>
+                        <p:par>
+                          <p:cTn id="4" fill="hold">
+                            <p:stCondLst>
+                              <p:cond delay="0"/>
+                            </p:stCondLst>
+                            <p:childTnLst>
+                              <p:par>
+                                <p:cTn id="5" presetID="1" presetClass="entr" presetSubtype="0" fill="hold" nodeType="clickEffect">
+                                  <p:stCondLst>
+                                    <p:cond delay="0"/>
+                                  </p:stCondLst>
+                                  <p:childTnLst>
+                                    <p:set>
+                                      <p:cBhvr>
+                                        <p:cTn id="6" dur="1" fill="hold">
+                                          <p:stCondLst>
+                                            <p:cond delay="0"/>
+                                          </p:stCondLst>
+                                        </p:cTn>
+                                        <p:tgtEl>
+                                          <p:spTgt spid="3">
+                                            <p:txEl>
+                                              <p:pRg st="4" end="4"/>
+                                            </p:txEl>
+                                          </p:spTgt>
+                                        </p:tgtEl>
+                                        <p:attrNameLst>
+                                          <p:attrName>style.visibility</p:attrName>
+                                        </p:attrNameLst>
+                                      </p:cBhvr>
+                                      <p:to>
+                                        <p:strVal val="visible"/>
+                                      </p:to>
+                                    </p:set>
+                                  </p:childTnLst>
+                                </p:cTn>
+                              </p:par>
+                            </p:childTnLst>
+                          </p:cTn>
+                        </p:par>
+                      </p:childTnLst>
+                    </p:cTn>
+                  </p:par>
+                  <p:par>
+                    <p:cTn id="7" fill="hold">
+                      <p:stCondLst>
+                        <p:cond delay="indefinite"/>
+                      </p:stCondLst>
+                      <p:childTnLst>
+                        <p:par>
+                          <p:cTn id="8" fill="hold">
+                            <p:stCondLst>
+                              <p:cond delay="0"/>
+                            </p:stCondLst>
+                            <p:childTnLst>
+                              <p:par>
+                                <p:cTn id="9" presetID="1" presetClass="entr" presetSubtype="0" fill="hold" nodeType="clickEffect">
+                                  <p:stCondLst>
+                                    <p:cond delay="0"/>
+                                  </p:stCondLst>
+                                  <p:childTnLst>
+                                    <p:set>
+                                      <p:cBhvr>
+                                        <p:cTn id="10" dur="1" fill="hold">
+                                          <p:stCondLst>
+                                            <p:cond delay="0"/>
+                                          </p:stCondLst>
+                                        </p:cTn>
+                                        <p:tgtEl>
+                                          <p:spTgt spid="3">
+                                            <p:txEl>
+                                              <p:pRg st="5" end="5"/>
+                                            </p:txEl>
+                                          </p:spTgt>
+                                        </p:tgtEl>
+                                        <p:attrNameLst>
+                                          <p:attrName>style.visibility</p:attrName>
+                                        </p:attrNameLst>
+                                      </p:cBhvr>
+                                      <p:to>
+                                        <p:strVal val="visible"/>
+                                      </p:to>
+                                    </p:set>
+                                  </p:childTnLst>
+                                </p:cTn>
+                              </p:par>
+                            </p:childTnLst>
+                          </p:cTn>
+                        </p:par>
+                      </p:childTnLst>
+                    </p:cTn>
+                  </p:par>
+                </p:childTnLst>
+              </p:cTn>
+              <p:prevCondLst>
+                <p:cond evt="onPrev" delay="0">
+                  <p:tgtEl>
+                    <p:sldTgt/>
+                  </p:tgtEl>
+                </p:cond>
+              </p:prevCondLst>
+              <p:nextCondLst>
+                <p:cond evt="onNext" delay="0">
+                  <p:tgtEl>
+                    <p:sldTgt/>
+                  </p:tgtEl>
+                </p:cond>
+              </p:nextCondLst>
+            </p:seq>
+          </p:childTnLst>
+        </p:cTn>
+      </p:par>
+    </p:tnLst>
+  </p:timing>
 </p:sld>
 </file>
 
@@ -10316,7 +14050,7 @@
           <p:cNvPr id="2" name="Title 1">
             <a:extLst>
               <a:ext uri="{FF2B5EF4-FFF2-40B4-BE49-F238E27FC236}">
-                <a16:creationId xmlns:a16="http://schemas.microsoft.com/office/drawing/2014/main" id="{4FF8101A-9AF1-8A4A-ECBA-8F513C4E7F8A}"/>
+                <a16:creationId xmlns:a16="http://schemas.microsoft.com/office/drawing/2014/main" id="{1D6E4312-2DC2-F135-0959-6239C8688278}"/>
               </a:ext>
             </a:extLst>
           </p:cNvPr>
@@ -10332,56 +14066,147 @@
           <a:bodyPr/>
           <a:lstStyle/>
           <a:p>
-            <a:r>
-              <a:rPr lang="en-GB" dirty="0"/>
-              <a:t>Compile and Decompile</a:t>
-            </a:r>
-            <a:endParaRPr lang="nl-NL" dirty="0"/>
+            <a:endParaRPr lang="nl-NL"/>
           </a:p>
         </p:txBody>
       </p:sp>
-      <p:sp>
-        <p:nvSpPr>
-          <p:cNvPr id="3" name="Content Placeholder 2">
+      <p:pic>
+        <p:nvPicPr>
+          <p:cNvPr id="19" name="Content Placeholder 18" descr="Graphical user interface, text, application">
             <a:extLst>
               <a:ext uri="{FF2B5EF4-FFF2-40B4-BE49-F238E27FC236}">
-                <a16:creationId xmlns:a16="http://schemas.microsoft.com/office/drawing/2014/main" id="{3A9D4CAD-6C62-50EA-F8FE-CB968C4B8C9C}"/>
+                <a16:creationId xmlns:a16="http://schemas.microsoft.com/office/drawing/2014/main" id="{B9F7C136-2F88-31EC-B768-607881D43B2E}"/>
               </a:ext>
             </a:extLst>
           </p:cNvPr>
-          <p:cNvSpPr>
-            <a:spLocks noGrp="1"/>
-          </p:cNvSpPr>
+          <p:cNvPicPr>
+            <a:picLocks noGrp="1" noChangeAspect="1"/>
+          </p:cNvPicPr>
           <p:nvPr>
             <p:ph idx="1"/>
           </p:nvPr>
-        </p:nvSpPr>
-        <p:spPr/>
+        </p:nvPicPr>
+        <p:blipFill>
+          <a:blip r:embed="rId3">
+            <a:extLst>
+              <a:ext uri="{28A0092B-C50C-407E-A947-70E740481C1C}">
+                <a14:useLocalDpi xmlns:a14="http://schemas.microsoft.com/office/drawing/2010/main" val="0"/>
+              </a:ext>
+            </a:extLst>
+          </a:blip>
+          <a:stretch>
+            <a:fillRect/>
+          </a:stretch>
+        </p:blipFill>
+        <p:spPr>
+          <a:xfrm>
+            <a:off x="241300" y="220980"/>
+            <a:ext cx="8890000" cy="4684110"/>
+          </a:xfrm>
+        </p:spPr>
+      </p:pic>
+      <p:sp>
+        <p:nvSpPr>
+          <p:cNvPr id="20" name="TextBox 19">
+            <a:extLst>
+              <a:ext uri="{FF2B5EF4-FFF2-40B4-BE49-F238E27FC236}">
+                <a16:creationId xmlns:a16="http://schemas.microsoft.com/office/drawing/2014/main" id="{91575F06-F2E2-E029-0F16-8BCCB63FBED8}"/>
+              </a:ext>
+            </a:extLst>
+          </p:cNvPr>
+          <p:cNvSpPr txBox="1"/>
+          <p:nvPr/>
+        </p:nvSpPr>
+        <p:spPr>
+          <a:xfrm>
+            <a:off x="1223549" y="5436691"/>
+            <a:ext cx="6371051" cy="1200329"/>
+          </a:xfrm>
+          <a:prstGeom prst="rect">
+            <a:avLst/>
+          </a:prstGeom>
+          <a:noFill/>
+        </p:spPr>
         <p:txBody>
-          <a:bodyPr/>
+          <a:bodyPr wrap="square" rtlCol="0">
+            <a:spAutoFit/>
+          </a:bodyPr>
           <a:lstStyle/>
           <a:p>
-            <a:endParaRPr lang="nl-NL" dirty="0"/>
+            <a:r>
+              <a:rPr lang="en-GB" dirty="0">
+                <a:solidFill>
+                  <a:srgbClr val="00B0F0"/>
+                </a:solidFill>
+              </a:rPr>
+              <a:t>Blue: </a:t>
+            </a:r>
+            <a:r>
+              <a:rPr lang="nl-NL" dirty="0">
+                <a:solidFill>
+                  <a:srgbClr val="00B0F0"/>
+                </a:solidFill>
+              </a:rPr>
+              <a:t>Program trees</a:t>
+            </a:r>
+          </a:p>
+          <a:p>
+            <a:r>
+              <a:rPr lang="en-GB" dirty="0">
+                <a:solidFill>
+                  <a:srgbClr val="92D050"/>
+                </a:solidFill>
+              </a:rPr>
+              <a:t>Green: Listing window</a:t>
+            </a:r>
+          </a:p>
+          <a:p>
+            <a:r>
+              <a:rPr lang="nl-NL" dirty="0">
+                <a:solidFill>
+                  <a:schemeClr val="accent1"/>
+                </a:solidFill>
+              </a:rPr>
+              <a:t>R</a:t>
+            </a:r>
+            <a:r>
+              <a:rPr lang="en-GB" dirty="0">
+                <a:solidFill>
+                  <a:schemeClr val="accent1"/>
+                </a:solidFill>
+              </a:rPr>
+              <a:t>ed: Decompiler!</a:t>
+            </a:r>
+          </a:p>
+          <a:p>
+            <a:r>
+              <a:rPr lang="en-GB" dirty="0">
+                <a:solidFill>
+                  <a:srgbClr val="FFFF00"/>
+                </a:solidFill>
+              </a:rPr>
+              <a:t>Yellow: Disassembled View</a:t>
+            </a:r>
           </a:p>
         </p:txBody>
       </p:sp>
     </p:spTree>
     <p:extLst>
       <p:ext uri="{BB962C8B-B14F-4D97-AF65-F5344CB8AC3E}">
-        <p14:creationId xmlns:p14="http://schemas.microsoft.com/office/powerpoint/2010/main" val="666961771"/>
+        <p14:creationId xmlns:p14="http://schemas.microsoft.com/office/powerpoint/2010/main" val="2794542724"/>
       </p:ext>
     </p:extLst>
   </p:cSld>
   <p:clrMapOvr>
     <a:masterClrMapping/>
   </p:clrMapOvr>
-  <mc:AlternateContent xmlns:mc="http://schemas.openxmlformats.org/markup-compatibility/2006" xmlns:p14="http://schemas.microsoft.com/office/powerpoint/2010/main">
-    <mc:Choice Requires="p14">
+  <mc:AlternateContent xmlns:mc="http://schemas.openxmlformats.org/markup-compatibility/2006">
+    <mc:Choice xmlns:p14="http://schemas.microsoft.com/office/powerpoint/2010/main" Requires="p14">
       <p:transition spd="med" p14:dur="700">
         <p:fade/>
       </p:transition>
     </mc:Choice>
-    <mc:Fallback xmlns="">
+    <mc:Fallback>
       <p:transition spd="med">
         <p:fade/>
       </p:transition>
@@ -10393,14 +14218,6 @@
 <file path=ppt/slides/slide6.xml><?xml version="1.0" encoding="utf-8"?>
 <p:sld xmlns:a="http://schemas.openxmlformats.org/drawingml/2006/main" xmlns:r="http://schemas.openxmlformats.org/officeDocument/2006/relationships" xmlns:p="http://schemas.openxmlformats.org/presentationml/2006/main">
   <p:cSld>
-    <p:bg>
-      <p:bgPr>
-        <a:solidFill>
-          <a:schemeClr val="bg1"/>
-        </a:solidFill>
-        <a:effectLst/>
-      </p:bgPr>
-    </p:bg>
     <p:spTree>
       <p:nvGrpSpPr>
         <p:cNvPr id="1" name=""/>
@@ -10420,7 +14237,7 @@
           <p:cNvPr id="2" name="Title 1">
             <a:extLst>
               <a:ext uri="{FF2B5EF4-FFF2-40B4-BE49-F238E27FC236}">
-                <a16:creationId xmlns:a16="http://schemas.microsoft.com/office/drawing/2014/main" id="{043F3823-6955-1EA7-8791-9B641B1489B7}"/>
+                <a16:creationId xmlns:a16="http://schemas.microsoft.com/office/drawing/2014/main" id="{4FF8101A-9AF1-8A4A-ECBA-8F513C4E7F8A}"/>
               </a:ext>
             </a:extLst>
           </p:cNvPr>
@@ -10431,168 +14248,25 @@
             <p:ph type="title"/>
           </p:nvPr>
         </p:nvSpPr>
-        <p:spPr>
-          <a:xfrm>
-            <a:off x="6343484" y="609600"/>
-            <a:ext cx="2930518" cy="1320800"/>
-          </a:xfrm>
-        </p:spPr>
+        <p:spPr/>
         <p:txBody>
-          <a:bodyPr anchor="ctr">
-            <a:normAutofit/>
-          </a:bodyPr>
+          <a:bodyPr/>
           <a:lstStyle/>
           <a:p>
-            <a:pPr>
-              <a:lnSpc>
-                <a:spcPct val="90000"/>
-              </a:lnSpc>
-            </a:pPr>
-            <a:r>
-              <a:rPr lang="nl-NL" sz="2800" err="1"/>
-              <a:t>What</a:t>
-            </a:r>
-            <a:r>
-              <a:rPr lang="nl-NL" sz="2800"/>
-              <a:t> </a:t>
-            </a:r>
-            <a:r>
-              <a:rPr lang="en-GB" sz="2800"/>
-              <a:t>can</a:t>
-            </a:r>
-            <a:r>
-              <a:rPr lang="nl-NL" sz="2800"/>
-              <a:t> </a:t>
-            </a:r>
-            <a:r>
-              <a:rPr lang="nl-NL" sz="2800" err="1"/>
-              <a:t>you</a:t>
-            </a:r>
-            <a:r>
-              <a:rPr lang="nl-NL" sz="2800"/>
-              <a:t> do </a:t>
-            </a:r>
-            <a:r>
-              <a:rPr lang="nl-NL" sz="2800" err="1"/>
-              <a:t>with</a:t>
-            </a:r>
-            <a:r>
-              <a:rPr lang="nl-NL" sz="2800"/>
-              <a:t> </a:t>
-            </a:r>
-            <a:r>
-              <a:rPr lang="nl-NL" sz="2800" err="1"/>
-              <a:t>Ghidra</a:t>
-            </a:r>
-            <a:r>
-              <a:rPr lang="nl-NL" sz="2800"/>
-              <a:t>?</a:t>
-            </a:r>
-            <a:br>
-              <a:rPr lang="nl-NL" sz="2800"/>
-            </a:br>
-            <a:endParaRPr lang="nl-NL" sz="2800"/>
+            <a:r>
+              <a:rPr lang="en-GB" dirty="0"/>
+              <a:t>Compile and Decompile</a:t>
+            </a:r>
+            <a:endParaRPr lang="nl-NL" dirty="0"/>
           </a:p>
         </p:txBody>
       </p:sp>
-      <p:pic>
-        <p:nvPicPr>
-          <p:cNvPr id="1028" name="Picture 4">
+      <p:sp>
+        <p:nvSpPr>
+          <p:cNvPr id="3" name="Content Placeholder 2">
             <a:extLst>
               <a:ext uri="{FF2B5EF4-FFF2-40B4-BE49-F238E27FC236}">
-                <a16:creationId xmlns:a16="http://schemas.microsoft.com/office/drawing/2014/main" id="{0AD0FFF8-AAD1-F4DE-4EA8-4FB0BC86FC39}"/>
-              </a:ext>
-            </a:extLst>
-          </p:cNvPr>
-          <p:cNvPicPr>
-            <a:picLocks noChangeAspect="1" noChangeArrowheads="1"/>
-          </p:cNvPicPr>
-          <p:nvPr/>
-        </p:nvPicPr>
-        <p:blipFill>
-          <a:blip r:embed="rId3">
-            <a:extLst>
-              <a:ext uri="{28A0092B-C50C-407E-A947-70E740481C1C}">
-                <a14:useLocalDpi xmlns:a14="http://schemas.microsoft.com/office/drawing/2010/main" val="0"/>
-              </a:ext>
-            </a:extLst>
-          </a:blip>
-          <a:stretch>
-            <a:fillRect/>
-          </a:stretch>
-        </p:blipFill>
-        <p:spPr bwMode="auto">
-          <a:xfrm>
-            <a:off x="677333" y="916896"/>
-            <a:ext cx="2596281" cy="1460407"/>
-          </a:xfrm>
-          <a:prstGeom prst="rect">
-            <a:avLst/>
-          </a:prstGeom>
-          <a:noFill/>
-          <a:extLst>
-            <a:ext uri="{909E8E84-426E-40DD-AFC4-6F175D3DCCD1}">
-              <a14:hiddenFill xmlns:a14="http://schemas.microsoft.com/office/drawing/2010/main">
-                <a:solidFill>
-                  <a:srgbClr val="FFFFFF"/>
-                </a:solidFill>
-              </a14:hiddenFill>
-            </a:ext>
-          </a:extLst>
-        </p:spPr>
-      </p:pic>
-      <p:pic>
-        <p:nvPicPr>
-          <p:cNvPr id="1026" name="Picture 2">
-            <a:extLst>
-              <a:ext uri="{FF2B5EF4-FFF2-40B4-BE49-F238E27FC236}">
-                <a16:creationId xmlns:a16="http://schemas.microsoft.com/office/drawing/2014/main" id="{C325456E-81AB-D332-2875-2EF0A1958C48}"/>
-              </a:ext>
-            </a:extLst>
-          </p:cNvPr>
-          <p:cNvPicPr>
-            <a:picLocks noChangeAspect="1" noChangeArrowheads="1"/>
-          </p:cNvPicPr>
-          <p:nvPr/>
-        </p:nvPicPr>
-        <p:blipFill>
-          <a:blip r:embed="rId4">
-            <a:extLst>
-              <a:ext uri="{28A0092B-C50C-407E-A947-70E740481C1C}">
-                <a14:useLocalDpi xmlns:a14="http://schemas.microsoft.com/office/drawing/2010/main" val="0"/>
-              </a:ext>
-            </a:extLst>
-          </a:blip>
-          <a:stretch>
-            <a:fillRect/>
-          </a:stretch>
-        </p:blipFill>
-        <p:spPr bwMode="auto">
-          <a:xfrm>
-            <a:off x="3502213" y="916896"/>
-            <a:ext cx="2596281" cy="1460407"/>
-          </a:xfrm>
-          <a:prstGeom prst="rect">
-            <a:avLst/>
-          </a:prstGeom>
-          <a:noFill/>
-          <a:extLst>
-            <a:ext uri="{909E8E84-426E-40DD-AFC4-6F175D3DCCD1}">
-              <a14:hiddenFill xmlns:a14="http://schemas.microsoft.com/office/drawing/2010/main">
-                <a:solidFill>
-                  <a:srgbClr val="FFFFFF"/>
-                </a:solidFill>
-              </a14:hiddenFill>
-            </a:ext>
-          </a:extLst>
-        </p:spPr>
-      </p:pic>
-      <p:sp>
-        <p:nvSpPr>
-          <p:cNvPr id="1034" name="Content Placeholder 1033">
-            <a:extLst>
-              <a:ext uri="{FF2B5EF4-FFF2-40B4-BE49-F238E27FC236}">
-                <a16:creationId xmlns:a16="http://schemas.microsoft.com/office/drawing/2014/main" id="{DBE5DD36-4CC8-8C6D-DE20-92B8D7FE063E}"/>
+                <a16:creationId xmlns:a16="http://schemas.microsoft.com/office/drawing/2014/main" id="{3A9D4CAD-6C62-50EA-F8FE-CB968C4B8C9C}"/>
               </a:ext>
             </a:extLst>
           </p:cNvPr>
@@ -10605,70 +14279,341 @@
         </p:nvSpPr>
         <p:spPr>
           <a:xfrm>
-            <a:off x="6343484" y="2160589"/>
-            <a:ext cx="2930517" cy="3880773"/>
+            <a:off x="677334" y="2122489"/>
+            <a:ext cx="3869266" cy="3880773"/>
           </a:xfrm>
         </p:spPr>
         <p:txBody>
-          <a:bodyPr>
-            <a:normAutofit/>
-          </a:bodyPr>
+          <a:bodyPr/>
           <a:lstStyle/>
           <a:p>
-            <a:endParaRPr lang="en-US"/>
+            <a:r>
+              <a:rPr lang="en-GB" dirty="0"/>
+              <a:t>Compiling:</a:t>
+            </a:r>
+          </a:p>
+          <a:p>
+            <a:pPr lvl="1"/>
+            <a:r>
+              <a:rPr lang="en-GB" dirty="0"/>
+              <a:t>Lexing</a:t>
+            </a:r>
+          </a:p>
+          <a:p>
+            <a:pPr lvl="1"/>
+            <a:r>
+              <a:rPr lang="en-GB" dirty="0"/>
+              <a:t>Parsing</a:t>
+            </a:r>
+          </a:p>
+          <a:p>
+            <a:pPr lvl="1"/>
+            <a:r>
+              <a:rPr lang="en-GB" dirty="0"/>
+              <a:t>Optimization</a:t>
+            </a:r>
+          </a:p>
+          <a:p>
+            <a:pPr lvl="1"/>
+            <a:r>
+              <a:rPr lang="en-GB" dirty="0"/>
+              <a:t>Translation</a:t>
+            </a:r>
+          </a:p>
+          <a:p>
+            <a:pPr lvl="1"/>
+            <a:r>
+              <a:rPr lang="en-GB" dirty="0"/>
+              <a:t>run</a:t>
+            </a:r>
+            <a:endParaRPr lang="nl-NL" dirty="0"/>
           </a:p>
         </p:txBody>
       </p:sp>
-      <p:pic>
-        <p:nvPicPr>
-          <p:cNvPr id="1030" name="Picture 6">
+      <p:sp>
+        <p:nvSpPr>
+          <p:cNvPr id="4" name="Content Placeholder 2">
             <a:extLst>
               <a:ext uri="{FF2B5EF4-FFF2-40B4-BE49-F238E27FC236}">
-                <a16:creationId xmlns:a16="http://schemas.microsoft.com/office/drawing/2014/main" id="{075B40C2-1B69-5F37-6D4C-76E55B4306C8}"/>
+                <a16:creationId xmlns:a16="http://schemas.microsoft.com/office/drawing/2014/main" id="{A06DFF47-C0CE-88FF-98B5-06BBC5688225}"/>
               </a:ext>
             </a:extLst>
           </p:cNvPr>
-          <p:cNvPicPr>
-            <a:picLocks noChangeAspect="1" noChangeArrowheads="1"/>
-          </p:cNvPicPr>
+          <p:cNvSpPr txBox="1">
+            <a:spLocks/>
+          </p:cNvSpPr>
           <p:nvPr/>
-        </p:nvPicPr>
-        <p:blipFill>
-          <a:blip r:embed="rId5">
-            <a:extLst>
-              <a:ext uri="{28A0092B-C50C-407E-A947-70E740481C1C}">
-                <a14:useLocalDpi xmlns:a14="http://schemas.microsoft.com/office/drawing/2010/main" val="0"/>
-              </a:ext>
-            </a:extLst>
-          </a:blip>
-          <a:stretch>
-            <a:fillRect/>
-          </a:stretch>
-        </p:blipFill>
-        <p:spPr bwMode="auto">
+        </p:nvSpPr>
+        <p:spPr>
           <a:xfrm>
-            <a:off x="677334" y="2951258"/>
-            <a:ext cx="5421162" cy="3049403"/>
+            <a:off x="4546600" y="2098678"/>
+            <a:ext cx="3869266" cy="3880773"/>
           </a:xfrm>
           <a:prstGeom prst="rect">
             <a:avLst/>
           </a:prstGeom>
-          <a:noFill/>
-          <a:extLst>
-            <a:ext uri="{909E8E84-426E-40DD-AFC4-6F175D3DCCD1}">
-              <a14:hiddenFill xmlns:a14="http://schemas.microsoft.com/office/drawing/2010/main">
-                <a:solidFill>
-                  <a:srgbClr val="FFFFFF"/>
-                </a:solidFill>
-              </a14:hiddenFill>
-            </a:ext>
-          </a:extLst>
         </p:spPr>
-      </p:pic>
+        <p:txBody>
+          <a:bodyPr vert="horz" lIns="91440" tIns="45720" rIns="91440" bIns="45720" rtlCol="0">
+            <a:normAutofit/>
+          </a:bodyPr>
+          <a:lstStyle>
+            <a:lvl1pPr marL="342900" indent="-342900" algn="l" defTabSz="457200" rtl="0" eaLnBrk="1" latinLnBrk="0" hangingPunct="1">
+              <a:spcBef>
+                <a:spcPts val="1000"/>
+              </a:spcBef>
+              <a:spcAft>
+                <a:spcPts val="0"/>
+              </a:spcAft>
+              <a:buClr>
+                <a:schemeClr val="accent1"/>
+              </a:buClr>
+              <a:buSzPct val="80000"/>
+              <a:buFont typeface="Wingdings 3" charset="2"/>
+              <a:buChar char=""/>
+              <a:defRPr sz="1800" kern="1200">
+                <a:solidFill>
+                  <a:schemeClr val="tx1">
+                    <a:lumMod val="75000"/>
+                    <a:lumOff val="25000"/>
+                  </a:schemeClr>
+                </a:solidFill>
+                <a:latin typeface="+mn-lt"/>
+                <a:ea typeface="+mn-ea"/>
+                <a:cs typeface="+mn-cs"/>
+              </a:defRPr>
+            </a:lvl1pPr>
+            <a:lvl2pPr marL="742950" indent="-285750" algn="l" defTabSz="457200" rtl="0" eaLnBrk="1" latinLnBrk="0" hangingPunct="1">
+              <a:spcBef>
+                <a:spcPts val="1000"/>
+              </a:spcBef>
+              <a:spcAft>
+                <a:spcPts val="0"/>
+              </a:spcAft>
+              <a:buClr>
+                <a:schemeClr val="accent1"/>
+              </a:buClr>
+              <a:buSzPct val="80000"/>
+              <a:buFont typeface="Wingdings 3" charset="2"/>
+              <a:buChar char=""/>
+              <a:defRPr sz="1600" kern="1200">
+                <a:solidFill>
+                  <a:schemeClr val="tx1">
+                    <a:lumMod val="75000"/>
+                    <a:lumOff val="25000"/>
+                  </a:schemeClr>
+                </a:solidFill>
+                <a:latin typeface="+mn-lt"/>
+                <a:ea typeface="+mn-ea"/>
+                <a:cs typeface="+mn-cs"/>
+              </a:defRPr>
+            </a:lvl2pPr>
+            <a:lvl3pPr marL="1143000" indent="-228600" algn="l" defTabSz="457200" rtl="0" eaLnBrk="1" latinLnBrk="0" hangingPunct="1">
+              <a:spcBef>
+                <a:spcPts val="1000"/>
+              </a:spcBef>
+              <a:spcAft>
+                <a:spcPts val="0"/>
+              </a:spcAft>
+              <a:buClr>
+                <a:schemeClr val="accent1"/>
+              </a:buClr>
+              <a:buSzPct val="80000"/>
+              <a:buFont typeface="Wingdings 3" charset="2"/>
+              <a:buChar char=""/>
+              <a:defRPr sz="1400" kern="1200">
+                <a:solidFill>
+                  <a:schemeClr val="tx1">
+                    <a:lumMod val="75000"/>
+                    <a:lumOff val="25000"/>
+                  </a:schemeClr>
+                </a:solidFill>
+                <a:latin typeface="+mn-lt"/>
+                <a:ea typeface="+mn-ea"/>
+                <a:cs typeface="+mn-cs"/>
+              </a:defRPr>
+            </a:lvl3pPr>
+            <a:lvl4pPr marL="1600200" indent="-228600" algn="l" defTabSz="457200" rtl="0" eaLnBrk="1" latinLnBrk="0" hangingPunct="1">
+              <a:spcBef>
+                <a:spcPts val="1000"/>
+              </a:spcBef>
+              <a:spcAft>
+                <a:spcPts val="0"/>
+              </a:spcAft>
+              <a:buClr>
+                <a:schemeClr val="accent1"/>
+              </a:buClr>
+              <a:buSzPct val="80000"/>
+              <a:buFont typeface="Wingdings 3" charset="2"/>
+              <a:buChar char=""/>
+              <a:defRPr sz="1200" kern="1200">
+                <a:solidFill>
+                  <a:schemeClr val="tx1">
+                    <a:lumMod val="75000"/>
+                    <a:lumOff val="25000"/>
+                  </a:schemeClr>
+                </a:solidFill>
+                <a:latin typeface="+mn-lt"/>
+                <a:ea typeface="+mn-ea"/>
+                <a:cs typeface="+mn-cs"/>
+              </a:defRPr>
+            </a:lvl4pPr>
+            <a:lvl5pPr marL="2057400" indent="-228600" algn="l" defTabSz="457200" rtl="0" eaLnBrk="1" latinLnBrk="0" hangingPunct="1">
+              <a:spcBef>
+                <a:spcPts val="1000"/>
+              </a:spcBef>
+              <a:spcAft>
+                <a:spcPts val="0"/>
+              </a:spcAft>
+              <a:buClr>
+                <a:schemeClr val="accent1"/>
+              </a:buClr>
+              <a:buSzPct val="80000"/>
+              <a:buFont typeface="Wingdings 3" charset="2"/>
+              <a:buChar char=""/>
+              <a:defRPr sz="1200" kern="1200">
+                <a:solidFill>
+                  <a:schemeClr val="tx1">
+                    <a:lumMod val="75000"/>
+                    <a:lumOff val="25000"/>
+                  </a:schemeClr>
+                </a:solidFill>
+                <a:latin typeface="+mn-lt"/>
+                <a:ea typeface="+mn-ea"/>
+                <a:cs typeface="+mn-cs"/>
+              </a:defRPr>
+            </a:lvl5pPr>
+            <a:lvl6pPr marL="2514600" indent="-228600" algn="l" defTabSz="457200" rtl="0" eaLnBrk="1" latinLnBrk="0" hangingPunct="1">
+              <a:spcBef>
+                <a:spcPts val="1000"/>
+              </a:spcBef>
+              <a:spcAft>
+                <a:spcPts val="0"/>
+              </a:spcAft>
+              <a:buClr>
+                <a:schemeClr val="accent1"/>
+              </a:buClr>
+              <a:buSzPct val="80000"/>
+              <a:buFont typeface="Wingdings 3" charset="2"/>
+              <a:buChar char=""/>
+              <a:defRPr sz="1200" kern="1200">
+                <a:solidFill>
+                  <a:schemeClr val="tx1">
+                    <a:lumMod val="75000"/>
+                    <a:lumOff val="25000"/>
+                  </a:schemeClr>
+                </a:solidFill>
+                <a:latin typeface="+mn-lt"/>
+                <a:ea typeface="+mn-ea"/>
+                <a:cs typeface="+mn-cs"/>
+              </a:defRPr>
+            </a:lvl6pPr>
+            <a:lvl7pPr marL="2971800" indent="-228600" algn="l" defTabSz="457200" rtl="0" eaLnBrk="1" latinLnBrk="0" hangingPunct="1">
+              <a:spcBef>
+                <a:spcPts val="1000"/>
+              </a:spcBef>
+              <a:spcAft>
+                <a:spcPts val="0"/>
+              </a:spcAft>
+              <a:buClr>
+                <a:schemeClr val="accent1"/>
+              </a:buClr>
+              <a:buSzPct val="80000"/>
+              <a:buFont typeface="Wingdings 3" charset="2"/>
+              <a:buChar char=""/>
+              <a:defRPr sz="1200" kern="1200">
+                <a:solidFill>
+                  <a:schemeClr val="tx1">
+                    <a:lumMod val="75000"/>
+                    <a:lumOff val="25000"/>
+                  </a:schemeClr>
+                </a:solidFill>
+                <a:latin typeface="+mn-lt"/>
+                <a:ea typeface="+mn-ea"/>
+                <a:cs typeface="+mn-cs"/>
+              </a:defRPr>
+            </a:lvl7pPr>
+            <a:lvl8pPr marL="3429000" indent="-228600" algn="l" defTabSz="457200" rtl="0" eaLnBrk="1" latinLnBrk="0" hangingPunct="1">
+              <a:spcBef>
+                <a:spcPts val="1000"/>
+              </a:spcBef>
+              <a:spcAft>
+                <a:spcPts val="0"/>
+              </a:spcAft>
+              <a:buClr>
+                <a:schemeClr val="accent1"/>
+              </a:buClr>
+              <a:buSzPct val="80000"/>
+              <a:buFont typeface="Wingdings 3" charset="2"/>
+              <a:buChar char=""/>
+              <a:defRPr sz="1200" kern="1200">
+                <a:solidFill>
+                  <a:schemeClr val="tx1">
+                    <a:lumMod val="75000"/>
+                    <a:lumOff val="25000"/>
+                  </a:schemeClr>
+                </a:solidFill>
+                <a:latin typeface="+mn-lt"/>
+                <a:ea typeface="+mn-ea"/>
+                <a:cs typeface="+mn-cs"/>
+              </a:defRPr>
+            </a:lvl8pPr>
+            <a:lvl9pPr marL="3886200" indent="-228600" algn="l" defTabSz="457200" rtl="0" eaLnBrk="1" latinLnBrk="0" hangingPunct="1">
+              <a:spcBef>
+                <a:spcPts val="1000"/>
+              </a:spcBef>
+              <a:spcAft>
+                <a:spcPts val="0"/>
+              </a:spcAft>
+              <a:buClr>
+                <a:schemeClr val="accent1"/>
+              </a:buClr>
+              <a:buSzPct val="80000"/>
+              <a:buFont typeface="Wingdings 3" charset="2"/>
+              <a:buChar char=""/>
+              <a:defRPr sz="1200" kern="1200">
+                <a:solidFill>
+                  <a:schemeClr val="tx1">
+                    <a:lumMod val="75000"/>
+                    <a:lumOff val="25000"/>
+                  </a:schemeClr>
+                </a:solidFill>
+                <a:latin typeface="+mn-lt"/>
+                <a:ea typeface="+mn-ea"/>
+                <a:cs typeface="+mn-cs"/>
+              </a:defRPr>
+            </a:lvl9pPr>
+          </a:lstStyle>
+          <a:p>
+            <a:r>
+              <a:rPr lang="en-GB" dirty="0"/>
+              <a:t>Decompiling</a:t>
+            </a:r>
+          </a:p>
+          <a:p>
+            <a:pPr lvl="1"/>
+            <a:r>
+              <a:rPr lang="en-GB" dirty="0"/>
+              <a:t>Translation</a:t>
+            </a:r>
+          </a:p>
+          <a:p>
+            <a:pPr lvl="1"/>
+            <a:r>
+              <a:rPr lang="en-GB" dirty="0"/>
+              <a:t>process</a:t>
+            </a:r>
+          </a:p>
+          <a:p>
+            <a:pPr lvl="1"/>
+            <a:endParaRPr lang="nl-NL" dirty="0"/>
+          </a:p>
+        </p:txBody>
+      </p:sp>
     </p:spTree>
     <p:extLst>
       <p:ext uri="{BB962C8B-B14F-4D97-AF65-F5344CB8AC3E}">
-        <p14:creationId xmlns:p14="http://schemas.microsoft.com/office/powerpoint/2010/main" val="248683509"/>
+        <p14:creationId xmlns:p14="http://schemas.microsoft.com/office/powerpoint/2010/main" val="666961771"/>
       </p:ext>
     </p:extLst>
   </p:cSld>
@@ -10707,80 +14652,154 @@
           <a:chExt cx="0" cy="0"/>
         </a:xfrm>
       </p:grpSpPr>
-      <p:sp>
-        <p:nvSpPr>
-          <p:cNvPr id="2" name="Titel 1">
+      <p:pic>
+        <p:nvPicPr>
+          <p:cNvPr id="9" name="Content Placeholder 8">
             <a:extLst>
               <a:ext uri="{FF2B5EF4-FFF2-40B4-BE49-F238E27FC236}">
-                <a16:creationId xmlns:a16="http://schemas.microsoft.com/office/drawing/2014/main" id="{7FFF8096-8B69-AFFC-14BA-D0A6EFB61CFD}"/>
+                <a16:creationId xmlns:a16="http://schemas.microsoft.com/office/drawing/2014/main" id="{8DB4DB3E-6097-1703-6BE5-C0743EBA2EB1}"/>
               </a:ext>
             </a:extLst>
           </p:cNvPr>
-          <p:cNvSpPr>
-            <a:spLocks noGrp="1"/>
-          </p:cNvSpPr>
-          <p:nvPr>
-            <p:ph type="title"/>
-          </p:nvPr>
-        </p:nvSpPr>
-        <p:spPr/>
-        <p:txBody>
-          <a:bodyPr/>
-          <a:lstStyle/>
-          <a:p>
-            <a:r>
-              <a:rPr lang="nl-NL" dirty="0" err="1"/>
-              <a:t>Ghidra</a:t>
-            </a:r>
-            <a:r>
-              <a:rPr lang="nl-NL" dirty="0"/>
-              <a:t> Software Reverse Engineering Framework</a:t>
-            </a:r>
-          </a:p>
-        </p:txBody>
-      </p:sp>
-      <p:sp>
-        <p:nvSpPr>
-          <p:cNvPr id="3" name="Tijdelijke aanduiding voor inhoud 2">
+          <p:cNvPicPr>
+            <a:picLocks noGrp="1" noChangeAspect="1"/>
+          </p:cNvPicPr>
+          <p:nvPr>
+            <p:ph idx="1"/>
+          </p:nvPr>
+        </p:nvPicPr>
+        <p:blipFill>
+          <a:blip r:embed="rId3"/>
+          <a:stretch>
+            <a:fillRect/>
+          </a:stretch>
+        </p:blipFill>
+        <p:spPr>
+          <a:xfrm>
+            <a:off x="7719737" y="815975"/>
+            <a:ext cx="4317170" cy="5226050"/>
+          </a:xfrm>
+        </p:spPr>
+      </p:pic>
+      <p:pic>
+        <p:nvPicPr>
+          <p:cNvPr id="7" name="Picture 6">
             <a:extLst>
               <a:ext uri="{FF2B5EF4-FFF2-40B4-BE49-F238E27FC236}">
-                <a16:creationId xmlns:a16="http://schemas.microsoft.com/office/drawing/2014/main" id="{B58CB46B-948D-ED73-817C-03E1B7B16E02}"/>
+                <a16:creationId xmlns:a16="http://schemas.microsoft.com/office/drawing/2014/main" id="{1305302C-4DB7-EBF9-46A3-C2CE07077E6D}"/>
               </a:ext>
             </a:extLst>
           </p:cNvPr>
-          <p:cNvSpPr>
-            <a:spLocks noGrp="1"/>
-          </p:cNvSpPr>
-          <p:nvPr>
-            <p:ph idx="1"/>
-          </p:nvPr>
-        </p:nvSpPr>
-        <p:spPr/>
+          <p:cNvPicPr>
+            <a:picLocks noChangeAspect="1"/>
+          </p:cNvPicPr>
+          <p:nvPr/>
+        </p:nvPicPr>
+        <p:blipFill>
+          <a:blip r:embed="rId4"/>
+          <a:stretch>
+            <a:fillRect/>
+          </a:stretch>
+        </p:blipFill>
+        <p:spPr>
+          <a:xfrm>
+            <a:off x="415748" y="1930400"/>
+            <a:ext cx="7042403" cy="4559300"/>
+          </a:xfrm>
+          <a:prstGeom prst="rect">
+            <a:avLst/>
+          </a:prstGeom>
+        </p:spPr>
+      </p:pic>
+      <p:sp>
+        <p:nvSpPr>
+          <p:cNvPr id="10" name="TextBox 9">
+            <a:extLst>
+              <a:ext uri="{FF2B5EF4-FFF2-40B4-BE49-F238E27FC236}">
+                <a16:creationId xmlns:a16="http://schemas.microsoft.com/office/drawing/2014/main" id="{A6830BF7-58C4-9F4C-E875-3F06F03FE89C}"/>
+              </a:ext>
+            </a:extLst>
+          </p:cNvPr>
+          <p:cNvSpPr txBox="1"/>
+          <p:nvPr/>
+        </p:nvSpPr>
+        <p:spPr>
+          <a:xfrm>
+            <a:off x="1189973" y="1402915"/>
+            <a:ext cx="992579" cy="369332"/>
+          </a:xfrm>
+          <a:prstGeom prst="rect">
+            <a:avLst/>
+          </a:prstGeom>
+          <a:noFill/>
+        </p:spPr>
         <p:txBody>
-          <a:bodyPr/>
+          <a:bodyPr wrap="none" rtlCol="0">
+            <a:spAutoFit/>
+          </a:bodyPr>
           <a:lstStyle/>
           <a:p>
-            <a:endParaRPr lang="nl-NL"/>
+            <a:r>
+              <a:rPr lang="en-GB" dirty="0"/>
+              <a:t>Original</a:t>
+            </a:r>
+            <a:endParaRPr lang="nl-NL" dirty="0"/>
+          </a:p>
+        </p:txBody>
+      </p:sp>
+      <p:sp>
+        <p:nvSpPr>
+          <p:cNvPr id="11" name="TextBox 10">
+            <a:extLst>
+              <a:ext uri="{FF2B5EF4-FFF2-40B4-BE49-F238E27FC236}">
+                <a16:creationId xmlns:a16="http://schemas.microsoft.com/office/drawing/2014/main" id="{6F9E9D8A-27E3-A11C-4A3D-2D6492FDBB7E}"/>
+              </a:ext>
+            </a:extLst>
+          </p:cNvPr>
+          <p:cNvSpPr txBox="1"/>
+          <p:nvPr/>
+        </p:nvSpPr>
+        <p:spPr>
+          <a:xfrm>
+            <a:off x="7979427" y="446643"/>
+            <a:ext cx="1398140" cy="369332"/>
+          </a:xfrm>
+          <a:prstGeom prst="rect">
+            <a:avLst/>
+          </a:prstGeom>
+          <a:noFill/>
+        </p:spPr>
+        <p:txBody>
+          <a:bodyPr wrap="none" rtlCol="0">
+            <a:spAutoFit/>
+          </a:bodyPr>
+          <a:lstStyle/>
+          <a:p>
+            <a:r>
+              <a:rPr lang="en-GB" dirty="0"/>
+              <a:t>Decompiled</a:t>
+            </a:r>
+            <a:endParaRPr lang="nl-NL" dirty="0"/>
           </a:p>
         </p:txBody>
       </p:sp>
     </p:spTree>
     <p:extLst>
       <p:ext uri="{BB962C8B-B14F-4D97-AF65-F5344CB8AC3E}">
-        <p14:creationId xmlns:p14="http://schemas.microsoft.com/office/powerpoint/2010/main" val="3886917345"/>
+        <p14:creationId xmlns:p14="http://schemas.microsoft.com/office/powerpoint/2010/main" val="712681127"/>
       </p:ext>
     </p:extLst>
   </p:cSld>
   <p:clrMapOvr>
     <a:masterClrMapping/>
   </p:clrMapOvr>
-  <mc:AlternateContent xmlns:mc="http://schemas.openxmlformats.org/markup-compatibility/2006" xmlns:p14="http://schemas.microsoft.com/office/powerpoint/2010/main">
-    <mc:Choice Requires="p14">
+  <mc:AlternateContent xmlns:mc="http://schemas.openxmlformats.org/markup-compatibility/2006">
+    <mc:Choice xmlns:p14="http://schemas.microsoft.com/office/powerpoint/2010/main" Requires="p14">
       <p:transition spd="med" p14:dur="700">
         <p:fade/>
       </p:transition>
     </mc:Choice>
-    <mc:Fallback xmlns="">
+    <mc:Fallback>
       <p:transition spd="med">
         <p:fade/>
       </p:transition>
@@ -10792,6 +14811,14 @@
 <file path=ppt/slides/slide8.xml><?xml version="1.0" encoding="utf-8"?>
 <p:sld xmlns:a="http://schemas.openxmlformats.org/drawingml/2006/main" xmlns:r="http://schemas.openxmlformats.org/officeDocument/2006/relationships" xmlns:p="http://schemas.openxmlformats.org/presentationml/2006/main">
   <p:cSld>
+    <p:bg>
+      <p:bgPr>
+        <a:solidFill>
+          <a:schemeClr val="bg1"/>
+        </a:solidFill>
+        <a:effectLst/>
+      </p:bgPr>
+    </p:bg>
     <p:spTree>
       <p:nvGrpSpPr>
         <p:cNvPr id="1" name=""/>
@@ -10808,10 +14835,10 @@
       </p:grpSpPr>
       <p:sp>
         <p:nvSpPr>
-          <p:cNvPr id="2" name="Titel 1">
+          <p:cNvPr id="2" name="Title 1">
             <a:extLst>
               <a:ext uri="{FF2B5EF4-FFF2-40B4-BE49-F238E27FC236}">
-                <a16:creationId xmlns:a16="http://schemas.microsoft.com/office/drawing/2014/main" id="{B6BEA475-90E9-9D67-FA61-337172C7917D}"/>
+                <a16:creationId xmlns:a16="http://schemas.microsoft.com/office/drawing/2014/main" id="{2C83DFA3-66C5-F2A3-D2CC-8BEC52B26022}"/>
               </a:ext>
             </a:extLst>
           </p:cNvPr>
@@ -10822,34 +14849,21 @@
             <p:ph type="title"/>
           </p:nvPr>
         </p:nvSpPr>
-        <p:spPr/>
+        <p:spPr>
+          <a:xfrm>
+            <a:off x="676746" y="609600"/>
+            <a:ext cx="3729076" cy="1320800"/>
+          </a:xfrm>
+        </p:spPr>
         <p:txBody>
-          <a:bodyPr/>
+          <a:bodyPr anchor="ctr">
+            <a:normAutofit/>
+          </a:bodyPr>
           <a:lstStyle/>
           <a:p>
             <a:r>
-              <a:rPr lang="nl-NL" dirty="0"/>
-              <a:t>How </a:t>
-            </a:r>
-            <a:r>
-              <a:rPr lang="nl-NL" dirty="0" err="1"/>
-              <a:t>to</a:t>
-            </a:r>
-            <a:r>
-              <a:rPr lang="nl-NL" dirty="0"/>
-              <a:t> </a:t>
-            </a:r>
-            <a:r>
-              <a:rPr lang="nl-NL" dirty="0" err="1"/>
-              <a:t>install</a:t>
-            </a:r>
-            <a:r>
-              <a:rPr lang="nl-NL" dirty="0"/>
-              <a:t> </a:t>
-            </a:r>
-            <a:r>
-              <a:rPr lang="nl-NL" dirty="0" err="1"/>
-              <a:t>Ghidra</a:t>
+              <a:rPr lang="en-GB" dirty="0"/>
+              <a:t>NSA</a:t>
             </a:r>
             <a:endParaRPr lang="nl-NL" dirty="0"/>
           </a:p>
@@ -10857,10 +14871,10 @@
       </p:sp>
       <p:sp>
         <p:nvSpPr>
-          <p:cNvPr id="3" name="Tijdelijke aanduiding voor inhoud 2">
+          <p:cNvPr id="3" name="Content Placeholder 2">
             <a:extLst>
               <a:ext uri="{FF2B5EF4-FFF2-40B4-BE49-F238E27FC236}">
-                <a16:creationId xmlns:a16="http://schemas.microsoft.com/office/drawing/2014/main" id="{987BD546-D257-7DAB-425C-A569AA570049}"/>
+                <a16:creationId xmlns:a16="http://schemas.microsoft.com/office/drawing/2014/main" id="{E2175B26-A508-AA26-892B-B05EDDDED6C5}"/>
               </a:ext>
             </a:extLst>
           </p:cNvPr>
@@ -10871,19 +14885,147 @@
             <p:ph idx="1"/>
           </p:nvPr>
         </p:nvSpPr>
-        <p:spPr/>
+        <p:spPr>
+          <a:xfrm>
+            <a:off x="685167" y="2160590"/>
+            <a:ext cx="3720916" cy="3417726"/>
+          </a:xfrm>
+        </p:spPr>
         <p:txBody>
-          <a:bodyPr/>
+          <a:bodyPr>
+            <a:normAutofit/>
+          </a:bodyPr>
           <a:lstStyle/>
           <a:p>
+            <a:r>
+              <a:rPr lang="en-GB" dirty="0"/>
+              <a:t>History</a:t>
+            </a:r>
+          </a:p>
+          <a:p>
+            <a:r>
+              <a:rPr lang="nl-NL" dirty="0"/>
+              <a:t>Mission</a:t>
+            </a:r>
+          </a:p>
+          <a:p>
+            <a:r>
+              <a:rPr lang="nl-NL" dirty="0"/>
+              <a:t>Digital Surveillance</a:t>
+            </a:r>
+          </a:p>
+          <a:p>
+            <a:r>
+              <a:rPr lang="nl-NL" dirty="0"/>
+              <a:t>Software</a:t>
+            </a:r>
+          </a:p>
+          <a:p>
+            <a:r>
+              <a:rPr lang="en-GB" dirty="0"/>
+              <a:t>Usefulness of FOSS</a:t>
+            </a:r>
+          </a:p>
+          <a:p>
+            <a:pPr marL="0" indent="0">
+              <a:buNone/>
+            </a:pPr>
             <a:endParaRPr lang="nl-NL" dirty="0"/>
+          </a:p>
+        </p:txBody>
+      </p:sp>
+      <p:pic>
+        <p:nvPicPr>
+          <p:cNvPr id="2050" name="Picture 2" descr="National Security Agency - Wikipedia">
+            <a:extLst>
+              <a:ext uri="{FF2B5EF4-FFF2-40B4-BE49-F238E27FC236}">
+                <a16:creationId xmlns:a16="http://schemas.microsoft.com/office/drawing/2014/main" id="{06B25A03-2EC7-51CA-987E-9DDF13249FA7}"/>
+              </a:ext>
+            </a:extLst>
+          </p:cNvPr>
+          <p:cNvPicPr>
+            <a:picLocks noChangeAspect="1" noChangeArrowheads="1"/>
+          </p:cNvPicPr>
+          <p:nvPr/>
+        </p:nvPicPr>
+        <p:blipFill>
+          <a:blip r:embed="rId3">
+            <a:extLst>
+              <a:ext uri="{28A0092B-C50C-407E-A947-70E740481C1C}">
+                <a14:useLocalDpi xmlns:a14="http://schemas.microsoft.com/office/drawing/2010/main" val="0"/>
+              </a:ext>
+            </a:extLst>
+          </a:blip>
+          <a:stretch>
+            <a:fillRect/>
+          </a:stretch>
+        </p:blipFill>
+        <p:spPr bwMode="auto">
+          <a:xfrm>
+            <a:off x="4553827" y="975568"/>
+            <a:ext cx="4602747" cy="4602747"/>
+          </a:xfrm>
+          <a:prstGeom prst="rect">
+            <a:avLst/>
+          </a:prstGeom>
+          <a:noFill/>
+          <a:extLst>
+            <a:ext uri="{909E8E84-426E-40DD-AFC4-6F175D3DCCD1}">
+              <a14:hiddenFill xmlns:a14="http://schemas.microsoft.com/office/drawing/2010/main">
+                <a:solidFill>
+                  <a:srgbClr val="FFFFFF"/>
+                </a:solidFill>
+              </a14:hiddenFill>
+            </a:ext>
+          </a:extLst>
+        </p:spPr>
+      </p:pic>
+      <p:sp>
+        <p:nvSpPr>
+          <p:cNvPr id="6" name="TextBox 5">
+            <a:extLst>
+              <a:ext uri="{FF2B5EF4-FFF2-40B4-BE49-F238E27FC236}">
+                <a16:creationId xmlns:a16="http://schemas.microsoft.com/office/drawing/2014/main" id="{09369C80-0F9E-DDFE-9FC5-998E66768E3E}"/>
+              </a:ext>
+            </a:extLst>
+          </p:cNvPr>
+          <p:cNvSpPr txBox="1"/>
+          <p:nvPr/>
+        </p:nvSpPr>
+        <p:spPr>
+          <a:xfrm>
+            <a:off x="7607358" y="6604084"/>
+            <a:ext cx="4145687" cy="253916"/>
+          </a:xfrm>
+          <a:prstGeom prst="rect">
+            <a:avLst/>
+          </a:prstGeom>
+          <a:noFill/>
+        </p:spPr>
+        <p:txBody>
+          <a:bodyPr wrap="none" rtlCol="0">
+            <a:spAutoFit/>
+          </a:bodyPr>
+          <a:lstStyle/>
+          <a:p>
+            <a:r>
+              <a:rPr lang="en-GB" sz="1050" dirty="0"/>
+              <a:t>Source: </a:t>
+            </a:r>
+            <a:r>
+              <a:rPr lang="en-GB" sz="1050" dirty="0">
+                <a:hlinkClick r:id="rId4"/>
+              </a:rPr>
+              <a:t>https://en.wikipedia.org/wiki/National_Security_Agency</a:t>
+            </a:r>
+            <a:endParaRPr lang="nl-NL" sz="1050" dirty="0"/>
           </a:p>
         </p:txBody>
       </p:sp>
     </p:spTree>
     <p:extLst>
       <p:ext uri="{BB962C8B-B14F-4D97-AF65-F5344CB8AC3E}">
-        <p14:creationId xmlns:p14="http://schemas.microsoft.com/office/powerpoint/2010/main" val="3774793001"/>
+        <p14:creationId xmlns:p14="http://schemas.microsoft.com/office/powerpoint/2010/main" val="904751505"/>
       </p:ext>
     </p:extLst>
   </p:cSld>
@@ -10927,7 +15069,7 @@
           <p:cNvPr id="2" name="Title 1">
             <a:extLst>
               <a:ext uri="{FF2B5EF4-FFF2-40B4-BE49-F238E27FC236}">
-                <a16:creationId xmlns:a16="http://schemas.microsoft.com/office/drawing/2014/main" id="{578A9C2D-09C6-E734-EEA8-3158759A302E}"/>
+                <a16:creationId xmlns:a16="http://schemas.microsoft.com/office/drawing/2014/main" id="{3D2A580A-68C2-525A-9024-E97E61AD5566}"/>
               </a:ext>
             </a:extLst>
           </p:cNvPr>
@@ -10938,84 +15080,304 @@
             <p:ph type="title"/>
           </p:nvPr>
         </p:nvSpPr>
-        <p:spPr/>
+        <p:spPr>
+          <a:xfrm>
+            <a:off x="4496844" y="2450926"/>
+            <a:ext cx="4777158" cy="1320800"/>
+          </a:xfrm>
+        </p:spPr>
         <p:txBody>
-          <a:bodyPr/>
+          <a:bodyPr>
+            <a:normAutofit/>
+          </a:bodyPr>
           <a:lstStyle/>
           <a:p>
             <a:r>
-              <a:rPr lang="en-GB" dirty="0"/>
-              <a:t>Workshop</a:t>
-            </a:r>
-            <a:endParaRPr lang="nl-NL" dirty="0"/>
+              <a:rPr lang="en-GB" sz="6600" dirty="0"/>
+              <a:t>FOSS</a:t>
+            </a:r>
+            <a:endParaRPr lang="nl-NL" sz="6600" dirty="0"/>
           </a:p>
         </p:txBody>
       </p:sp>
       <p:sp>
         <p:nvSpPr>
-          <p:cNvPr id="3" name="Content Placeholder 2">
+          <p:cNvPr id="4" name="TextBox 3">
             <a:extLst>
               <a:ext uri="{FF2B5EF4-FFF2-40B4-BE49-F238E27FC236}">
-                <a16:creationId xmlns:a16="http://schemas.microsoft.com/office/drawing/2014/main" id="{4AD5C7CF-B614-D5DF-CEE9-A7B1513B6770}"/>
+                <a16:creationId xmlns:a16="http://schemas.microsoft.com/office/drawing/2014/main" id="{3EEA5E93-C38F-EF55-CA55-2BC5C2034198}"/>
               </a:ext>
             </a:extLst>
           </p:cNvPr>
-          <p:cNvSpPr>
-            <a:spLocks noGrp="1"/>
-          </p:cNvSpPr>
-          <p:nvPr>
-            <p:ph idx="1"/>
-          </p:nvPr>
-        </p:nvSpPr>
-        <p:spPr/>
+          <p:cNvSpPr txBox="1"/>
+          <p:nvPr/>
+        </p:nvSpPr>
+        <p:spPr>
+          <a:xfrm>
+            <a:off x="3944655" y="3429000"/>
+            <a:ext cx="3449983" cy="369332"/>
+          </a:xfrm>
+          <a:prstGeom prst="rect">
+            <a:avLst/>
+          </a:prstGeom>
+          <a:noFill/>
+        </p:spPr>
         <p:txBody>
-          <a:bodyPr/>
+          <a:bodyPr wrap="none" rtlCol="0">
+            <a:spAutoFit/>
+          </a:bodyPr>
           <a:lstStyle/>
           <a:p>
             <a:r>
               <a:rPr lang="en-GB" dirty="0"/>
-              <a:t>Importing Files</a:t>
-            </a:r>
-          </a:p>
-          <a:p>
-            <a:r>
-              <a:rPr lang="en-GB" dirty="0"/>
-              <a:t>Starting with </a:t>
-            </a:r>
-            <a:r>
-              <a:rPr lang="en-GB" dirty="0" err="1"/>
-              <a:t>decompiler</a:t>
-            </a:r>
-            <a:r>
-              <a:rPr lang="en-GB" dirty="0"/>
-              <a:t>.</a:t>
-            </a:r>
-          </a:p>
-          <a:p>
+              <a:t>F</a:t>
+            </a:r>
+            <a:r>
+              <a:rPr lang="nl-NL" dirty="0"/>
+              <a:t>ree and Open Source Software</a:t>
+            </a:r>
             <a:endParaRPr lang="en-GB" dirty="0"/>
           </a:p>
-          <a:p>
+        </p:txBody>
+      </p:sp>
+      <p:sp>
+        <p:nvSpPr>
+          <p:cNvPr id="5" name="TextBox 4">
+            <a:extLst>
+              <a:ext uri="{FF2B5EF4-FFF2-40B4-BE49-F238E27FC236}">
+                <a16:creationId xmlns:a16="http://schemas.microsoft.com/office/drawing/2014/main" id="{3FF6380A-4DC5-273D-51DE-88F108BAB77C}"/>
+              </a:ext>
+            </a:extLst>
+          </p:cNvPr>
+          <p:cNvSpPr txBox="1"/>
+          <p:nvPr/>
+        </p:nvSpPr>
+        <p:spPr>
+          <a:xfrm flipH="1">
+            <a:off x="4093820" y="6352262"/>
+            <a:ext cx="6601636" cy="646331"/>
+          </a:xfrm>
+          <a:prstGeom prst="rect">
+            <a:avLst/>
+          </a:prstGeom>
+          <a:noFill/>
+        </p:spPr>
+        <p:txBody>
+          <a:bodyPr wrap="square" rtlCol="0">
+            <a:spAutoFit/>
+          </a:bodyPr>
+          <a:lstStyle/>
+          <a:p>
+            <a:r>
+              <a:rPr lang="nl-NL" dirty="0">
+                <a:hlinkClick r:id="rId3"/>
+              </a:rPr>
+              <a:t>https://code.nsa.gov/</a:t>
+            </a:r>
             <a:endParaRPr lang="nl-NL" dirty="0"/>
           </a:p>
+          <a:p>
+            <a:endParaRPr lang="nl-NL" dirty="0"/>
+          </a:p>
         </p:txBody>
       </p:sp>
+      <p:pic>
+        <p:nvPicPr>
+          <p:cNvPr id="7" name="Picture 6" descr="A picture containing text, sign, dark, clipart&#10;&#10;Description automatically generated">
+            <a:extLst>
+              <a:ext uri="{FF2B5EF4-FFF2-40B4-BE49-F238E27FC236}">
+                <a16:creationId xmlns:a16="http://schemas.microsoft.com/office/drawing/2014/main" id="{C682CF87-C4DD-B391-BCCC-67232184EEC1}"/>
+              </a:ext>
+            </a:extLst>
+          </p:cNvPr>
+          <p:cNvPicPr>
+            <a:picLocks noChangeAspect="1"/>
+          </p:cNvPicPr>
+          <p:nvPr/>
+        </p:nvPicPr>
+        <p:blipFill>
+          <a:blip r:embed="rId4">
+            <a:extLst>
+              <a:ext uri="{28A0092B-C50C-407E-A947-70E740481C1C}">
+                <a14:useLocalDpi xmlns:a14="http://schemas.microsoft.com/office/drawing/2010/main" val="0"/>
+              </a:ext>
+            </a:extLst>
+          </a:blip>
+          <a:stretch>
+            <a:fillRect/>
+          </a:stretch>
+        </p:blipFill>
+        <p:spPr>
+          <a:xfrm>
+            <a:off x="980838" y="5017381"/>
+            <a:ext cx="6704762" cy="965079"/>
+          </a:xfrm>
+          <a:prstGeom prst="rect">
+            <a:avLst/>
+          </a:prstGeom>
+        </p:spPr>
+      </p:pic>
+      <p:pic>
+        <p:nvPicPr>
+          <p:cNvPr id="9" name="Picture 8" descr="Logo">
+            <a:extLst>
+              <a:ext uri="{FF2B5EF4-FFF2-40B4-BE49-F238E27FC236}">
+                <a16:creationId xmlns:a16="http://schemas.microsoft.com/office/drawing/2014/main" id="{CA9B0779-37A5-4F23-E6FC-A9CE772C8B1B}"/>
+              </a:ext>
+            </a:extLst>
+          </p:cNvPr>
+          <p:cNvPicPr>
+            <a:picLocks noChangeAspect="1"/>
+          </p:cNvPicPr>
+          <p:nvPr/>
+        </p:nvPicPr>
+        <p:blipFill>
+          <a:blip r:embed="rId5">
+            <a:extLst>
+              <a:ext uri="{28A0092B-C50C-407E-A947-70E740481C1C}">
+                <a14:useLocalDpi xmlns:a14="http://schemas.microsoft.com/office/drawing/2010/main" val="0"/>
+              </a:ext>
+            </a:extLst>
+          </a:blip>
+          <a:stretch>
+            <a:fillRect/>
+          </a:stretch>
+        </p:blipFill>
+        <p:spPr>
+          <a:xfrm>
+            <a:off x="406287" y="431829"/>
+            <a:ext cx="3538368" cy="2399094"/>
+          </a:xfrm>
+          <a:prstGeom prst="rect">
+            <a:avLst/>
+          </a:prstGeom>
+        </p:spPr>
+      </p:pic>
+      <p:pic>
+        <p:nvPicPr>
+          <p:cNvPr id="11" name="Picture 10" descr="Icon&#10;&#10;Description automatically generated">
+            <a:extLst>
+              <a:ext uri="{FF2B5EF4-FFF2-40B4-BE49-F238E27FC236}">
+                <a16:creationId xmlns:a16="http://schemas.microsoft.com/office/drawing/2014/main" id="{3905519D-8EC6-F1BE-ED27-1A9952ADB482}"/>
+              </a:ext>
+            </a:extLst>
+          </p:cNvPr>
+          <p:cNvPicPr>
+            <a:picLocks noChangeAspect="1"/>
+          </p:cNvPicPr>
+          <p:nvPr/>
+        </p:nvPicPr>
+        <p:blipFill>
+          <a:blip r:embed="rId6">
+            <a:extLst>
+              <a:ext uri="{28A0092B-C50C-407E-A947-70E740481C1C}">
+                <a14:useLocalDpi xmlns:a14="http://schemas.microsoft.com/office/drawing/2010/main" val="0"/>
+              </a:ext>
+            </a:extLst>
+          </a:blip>
+          <a:stretch>
+            <a:fillRect/>
+          </a:stretch>
+        </p:blipFill>
+        <p:spPr>
+          <a:xfrm>
+            <a:off x="7777502" y="2014461"/>
+            <a:ext cx="4595187" cy="4152900"/>
+          </a:xfrm>
+          <a:prstGeom prst="rect">
+            <a:avLst/>
+          </a:prstGeom>
+        </p:spPr>
+      </p:pic>
+      <p:pic>
+        <p:nvPicPr>
+          <p:cNvPr id="13" name="Picture 12" descr="Logo&#10;&#10;Description automatically generated">
+            <a:extLst>
+              <a:ext uri="{FF2B5EF4-FFF2-40B4-BE49-F238E27FC236}">
+                <a16:creationId xmlns:a16="http://schemas.microsoft.com/office/drawing/2014/main" id="{7DF0D6F0-408F-7CED-94BB-DC76DE055333}"/>
+              </a:ext>
+            </a:extLst>
+          </p:cNvPr>
+          <p:cNvPicPr>
+            <a:picLocks noChangeAspect="1"/>
+          </p:cNvPicPr>
+          <p:nvPr/>
+        </p:nvPicPr>
+        <p:blipFill>
+          <a:blip r:embed="rId7">
+            <a:extLst>
+              <a:ext uri="{28A0092B-C50C-407E-A947-70E740481C1C}">
+                <a14:useLocalDpi xmlns:a14="http://schemas.microsoft.com/office/drawing/2010/main" val="0"/>
+              </a:ext>
+            </a:extLst>
+          </a:blip>
+          <a:stretch>
+            <a:fillRect/>
+          </a:stretch>
+        </p:blipFill>
+        <p:spPr>
+          <a:xfrm>
+            <a:off x="4235617" y="197785"/>
+            <a:ext cx="5137292" cy="1836520"/>
+          </a:xfrm>
+          <a:prstGeom prst="rect">
+            <a:avLst/>
+          </a:prstGeom>
+        </p:spPr>
+      </p:pic>
+      <p:pic>
+        <p:nvPicPr>
+          <p:cNvPr id="14" name="Picture 13" descr="Logo, icon">
+            <a:extLst>
+              <a:ext uri="{FF2B5EF4-FFF2-40B4-BE49-F238E27FC236}">
+                <a16:creationId xmlns:a16="http://schemas.microsoft.com/office/drawing/2014/main" id="{44F38A1A-12A1-3801-B1C2-61ABBF0FEFEA}"/>
+              </a:ext>
+            </a:extLst>
+          </p:cNvPr>
+          <p:cNvPicPr>
+            <a:picLocks noChangeAspect="1"/>
+          </p:cNvPicPr>
+          <p:nvPr/>
+        </p:nvPicPr>
+        <p:blipFill>
+          <a:blip r:embed="rId8" cstate="print">
+            <a:extLst>
+              <a:ext uri="{28A0092B-C50C-407E-A947-70E740481C1C}">
+                <a14:useLocalDpi xmlns:a14="http://schemas.microsoft.com/office/drawing/2010/main" val="0"/>
+              </a:ext>
+            </a:extLst>
+          </a:blip>
+          <a:stretch>
+            <a:fillRect/>
+          </a:stretch>
+        </p:blipFill>
+        <p:spPr>
+          <a:xfrm>
+            <a:off x="66696" y="3111326"/>
+            <a:ext cx="3923071" cy="1168748"/>
+          </a:xfrm>
+          <a:prstGeom prst="rect">
+            <a:avLst/>
+          </a:prstGeom>
+        </p:spPr>
+      </p:pic>
     </p:spTree>
     <p:extLst>
       <p:ext uri="{BB962C8B-B14F-4D97-AF65-F5344CB8AC3E}">
-        <p14:creationId xmlns:p14="http://schemas.microsoft.com/office/powerpoint/2010/main" val="1933050749"/>
+        <p14:creationId xmlns:p14="http://schemas.microsoft.com/office/powerpoint/2010/main" val="1987942460"/>
       </p:ext>
     </p:extLst>
   </p:cSld>
   <p:clrMapOvr>
     <a:masterClrMapping/>
   </p:clrMapOvr>
-  <mc:AlternateContent xmlns:mc="http://schemas.openxmlformats.org/markup-compatibility/2006" xmlns:p14="http://schemas.microsoft.com/office/powerpoint/2010/main">
-    <mc:Choice Requires="p14">
+  <mc:AlternateContent xmlns:mc="http://schemas.openxmlformats.org/markup-compatibility/2006">
+    <mc:Choice xmlns:p14="http://schemas.microsoft.com/office/powerpoint/2010/main" Requires="p14">
       <p:transition spd="med" p14:dur="700">
         <p:fade/>
       </p:transition>
     </mc:Choice>
-    <mc:Fallback xmlns="">
+    <mc:Fallback>
       <p:transition spd="med">
         <p:fade/>
       </p:transition>

--- a/Ghidra_Prep.pptx
+++ b/Ghidra_Prep.pptx
@@ -5,24 +5,25 @@
     <p:sldMasterId id="2147483728" r:id="rId1"/>
   </p:sldMasterIdLst>
   <p:notesMasterIdLst>
-    <p:notesMasterId r:id="rId17"/>
+    <p:notesMasterId r:id="rId18"/>
   </p:notesMasterIdLst>
   <p:sldIdLst>
     <p:sldId id="256" r:id="rId2"/>
     <p:sldId id="257" r:id="rId3"/>
     <p:sldId id="259" r:id="rId4"/>
     <p:sldId id="271" r:id="rId5"/>
-    <p:sldId id="268" r:id="rId6"/>
-    <p:sldId id="266" r:id="rId7"/>
-    <p:sldId id="270" r:id="rId8"/>
-    <p:sldId id="267" r:id="rId9"/>
-    <p:sldId id="269" r:id="rId10"/>
-    <p:sldId id="265" r:id="rId11"/>
-    <p:sldId id="272" r:id="rId12"/>
-    <p:sldId id="261" r:id="rId13"/>
-    <p:sldId id="263" r:id="rId14"/>
-    <p:sldId id="273" r:id="rId15"/>
-    <p:sldId id="262" r:id="rId16"/>
+    <p:sldId id="274" r:id="rId6"/>
+    <p:sldId id="268" r:id="rId7"/>
+    <p:sldId id="266" r:id="rId8"/>
+    <p:sldId id="270" r:id="rId9"/>
+    <p:sldId id="267" r:id="rId10"/>
+    <p:sldId id="269" r:id="rId11"/>
+    <p:sldId id="265" r:id="rId12"/>
+    <p:sldId id="272" r:id="rId13"/>
+    <p:sldId id="261" r:id="rId14"/>
+    <p:sldId id="263" r:id="rId15"/>
+    <p:sldId id="273" r:id="rId16"/>
+    <p:sldId id="262" r:id="rId17"/>
   </p:sldIdLst>
   <p:sldSz cx="12192000" cy="6858000"/>
   <p:notesSz cx="6858000" cy="9144000"/>
@@ -585,7 +586,7 @@
       </p:grpSpPr>
       <p:sp>
         <p:nvSpPr>
-          <p:cNvPr id="2" name="Tijdelijke aanduiding voor dia-afbeelding 1"/>
+          <p:cNvPr id="2" name="Slide Image Placeholder 1"/>
           <p:cNvSpPr>
             <a:spLocks noGrp="1" noRot="1" noChangeAspect="1"/>
           </p:cNvSpPr>
@@ -597,7 +598,7 @@
       </p:sp>
       <p:sp>
         <p:nvSpPr>
-          <p:cNvPr id="3" name="Tijdelijke aanduiding voor notities 2"/>
+          <p:cNvPr id="3" name="Notes Placeholder 2"/>
           <p:cNvSpPr>
             <a:spLocks noGrp="1"/>
           </p:cNvSpPr>
@@ -611,115 +612,132 @@
           <a:lstStyle/>
           <a:p>
             <a:r>
-              <a:rPr lang="en-US" b="0" i="0" dirty="0">
-                <a:solidFill>
-                  <a:srgbClr val="292929"/>
+              <a:rPr lang="en-GB" dirty="0"/>
+              <a:t>Glenn</a:t>
+            </a:r>
+          </a:p>
+          <a:p>
+            <a:endParaRPr lang="en-GB" dirty="0"/>
+          </a:p>
+          <a:p>
+            <a:r>
+              <a:rPr lang="en-GB" dirty="0" err="1"/>
+              <a:t>SELinux</a:t>
+            </a:r>
+            <a:r>
+              <a:rPr lang="en-GB" dirty="0"/>
+              <a:t>( Security enhanced Linux) security architecture for admins to have more control.</a:t>
+            </a:r>
+          </a:p>
+          <a:p>
+            <a:r>
+              <a:rPr lang="nl-NL" dirty="0" err="1"/>
+              <a:t>Ghidra</a:t>
+            </a:r>
+            <a:endParaRPr lang="nl-NL" dirty="0"/>
+          </a:p>
+          <a:p>
+            <a:r>
+              <a:rPr lang="nl-NL" dirty="0" err="1"/>
+              <a:t>DataWave</a:t>
+            </a:r>
+            <a:r>
+              <a:rPr lang="nl-NL" dirty="0"/>
+              <a:t>: </a:t>
+            </a:r>
+            <a:r>
+              <a:rPr lang="en-GB" b="0" i="0" dirty="0">
+                <a:solidFill>
+                  <a:srgbClr val="333333"/>
                 </a:solidFill>
                 <a:effectLst/>
-                <a:latin typeface="source-serif-pro"/>
-              </a:rPr>
-              <a:t>Glenn</a:t>
-            </a:r>
-          </a:p>
-          <a:p>
-            <a:endParaRPr lang="en-US" b="0" i="0" dirty="0">
-              <a:solidFill>
-                <a:srgbClr val="292929"/>
-              </a:solidFill>
-              <a:effectLst/>
-              <a:latin typeface="source-serif-pro"/>
-            </a:endParaRPr>
-          </a:p>
-          <a:p>
-            <a:r>
-              <a:rPr lang="en-US" b="0" i="0" dirty="0">
-                <a:solidFill>
-                  <a:srgbClr val="292929"/>
+                <a:latin typeface="Helvetica Neue"/>
+              </a:rPr>
+              <a:t>is a Java-based ingest and query framework that leverages Apache </a:t>
+            </a:r>
+            <a:r>
+              <a:rPr lang="en-GB" b="0" i="0" dirty="0" err="1">
+                <a:solidFill>
+                  <a:srgbClr val="333333"/>
                 </a:solidFill>
                 <a:effectLst/>
-                <a:latin typeface="source-serif-pro"/>
-              </a:rPr>
-              <a:t>First open </a:t>
-            </a:r>
-            <a:r>
-              <a:rPr lang="en-US" b="0" i="0" dirty="0" err="1">
-                <a:solidFill>
-                  <a:srgbClr val="292929"/>
+                <a:latin typeface="Helvetica Neue"/>
+              </a:rPr>
+              <a:t>accumulo</a:t>
+            </a:r>
+            <a:r>
+              <a:rPr lang="en-GB" b="0" i="0" dirty="0">
+                <a:solidFill>
+                  <a:srgbClr val="333333"/>
                 </a:solidFill>
                 <a:effectLst/>
-                <a:latin typeface="source-serif-pro"/>
-              </a:rPr>
-              <a:t>ghidra</a:t>
-            </a:r>
-            <a:r>
-              <a:rPr lang="en-US" b="0" i="0" dirty="0">
-                <a:solidFill>
-                  <a:srgbClr val="292929"/>
+                <a:latin typeface="Helvetica Neue"/>
+              </a:rPr>
+              <a:t> to provide fast, secure access to your data</a:t>
+            </a:r>
+          </a:p>
+          <a:p>
+            <a:r>
+              <a:rPr lang="en-GB" b="0" i="0" dirty="0" err="1">
+                <a:solidFill>
+                  <a:srgbClr val="333333"/>
                 </a:solidFill>
                 <a:effectLst/>
-                <a:latin typeface="source-serif-pro"/>
-              </a:rPr>
-              <a:t> and click on File -&gt; New Project, choose Non shared project , pick a directory and the name for your project then click on finish. Also on File options pick Import File and then choose the PE file you want to reverse engineering, for this tutorial it is the PE file above, </a:t>
-            </a:r>
-            <a:r>
-              <a:rPr lang="en-US" b="0" i="0" dirty="0" err="1">
-                <a:solidFill>
-                  <a:srgbClr val="292929"/>
+                <a:latin typeface="Helvetica Neue"/>
+              </a:rPr>
+              <a:t>Qgis</a:t>
+            </a:r>
+            <a:r>
+              <a:rPr lang="en-GB" b="0" i="0" dirty="0">
+                <a:solidFill>
+                  <a:srgbClr val="333333"/>
                 </a:solidFill>
                 <a:effectLst/>
-                <a:latin typeface="source-serif-pro"/>
-              </a:rPr>
-              <a:t>i</a:t>
-            </a:r>
-            <a:r>
-              <a:rPr lang="en-US" b="0" i="0" dirty="0">
-                <a:solidFill>
-                  <a:srgbClr val="292929"/>
+                <a:latin typeface="Helvetica Neue"/>
+              </a:rPr>
+              <a:t>: QGIS is a free and open-source cross-platform desktop geographic information system (GIS) application that supports viewing, editing, printing, and analysis of geospatial data.</a:t>
+            </a:r>
+          </a:p>
+          <a:p>
+            <a:r>
+              <a:rPr lang="en-GB" b="0" i="0" dirty="0">
+                <a:solidFill>
+                  <a:srgbClr val="333333"/>
                 </a:solidFill>
                 <a:effectLst/>
-                <a:latin typeface="source-serif-pro"/>
-              </a:rPr>
-              <a:t> won’t go into details each option because that is for advance tutorial so for the sake of this tutorial just choose ok. You will get the result like in this picture:</a:t>
-            </a:r>
-          </a:p>
-          <a:p>
-            <a:r>
-              <a:rPr lang="en-US" b="0" i="0" dirty="0">
-                <a:solidFill>
-                  <a:srgbClr val="292929"/>
+                <a:latin typeface="Helvetica Neue"/>
+              </a:rPr>
+              <a:t>Timely: A secure time series database based on </a:t>
+            </a:r>
+            <a:r>
+              <a:rPr lang="en-GB" b="0" i="0" dirty="0" err="1">
+                <a:solidFill>
+                  <a:srgbClr val="333333"/>
                 </a:solidFill>
                 <a:effectLst/>
-                <a:latin typeface="source-serif-pro"/>
-              </a:rPr>
-              <a:t>Now drag the crackme.exe into the dragon icon in Tool Chest. It will open the Code Browser window and ask you if you want to </a:t>
-            </a:r>
-            <a:r>
-              <a:rPr lang="en-US" b="0" i="0" dirty="0" err="1">
-                <a:solidFill>
-                  <a:srgbClr val="292929"/>
+                <a:latin typeface="Helvetica Neue"/>
+              </a:rPr>
+              <a:t>Accumulo</a:t>
+            </a:r>
+            <a:r>
+              <a:rPr lang="en-GB" b="0" i="0" dirty="0">
+                <a:solidFill>
+                  <a:srgbClr val="333333"/>
                 </a:solidFill>
                 <a:effectLst/>
-                <a:latin typeface="source-serif-pro"/>
-              </a:rPr>
-              <a:t>analyse</a:t>
-            </a:r>
-            <a:r>
-              <a:rPr lang="en-US" b="0" i="0" dirty="0">
-                <a:solidFill>
-                  <a:srgbClr val="292929"/>
-                </a:solidFill>
-                <a:effectLst/>
-                <a:latin typeface="source-serif-pro"/>
-              </a:rPr>
-              <a:t> it choose Yes of course. When the options window pop up, you will need to check and uncheck this options.</a:t>
-            </a:r>
-            <a:endParaRPr lang="nl-NL" b="1" dirty="0"/>
+                <a:latin typeface="Helvetica Neue"/>
+              </a:rPr>
+              <a:t> and Grafana.</a:t>
+            </a:r>
+          </a:p>
+          <a:p>
+            <a:endParaRPr lang="nl-NL" dirty="0"/>
           </a:p>
         </p:txBody>
       </p:sp>
       <p:sp>
         <p:nvSpPr>
-          <p:cNvPr id="4" name="Tijdelijke aanduiding voor dianummer 3"/>
+          <p:cNvPr id="4" name="Slide Number Placeholder 3"/>
           <p:cNvSpPr>
             <a:spLocks noGrp="1"/>
           </p:cNvSpPr>
@@ -743,7 +761,7 @@
     </p:spTree>
     <p:extLst>
       <p:ext uri="{BB962C8B-B14F-4D97-AF65-F5344CB8AC3E}">
-        <p14:creationId xmlns:p14="http://schemas.microsoft.com/office/powerpoint/2010/main" val="3337418200"/>
+        <p14:creationId xmlns:p14="http://schemas.microsoft.com/office/powerpoint/2010/main" val="2726788915"/>
       </p:ext>
     </p:extLst>
   </p:cSld>
@@ -772,7 +790,7 @@
       </p:grpSpPr>
       <p:sp>
         <p:nvSpPr>
-          <p:cNvPr id="2" name="Slide Image Placeholder 1"/>
+          <p:cNvPr id="2" name="Tijdelijke aanduiding voor dia-afbeelding 1"/>
           <p:cNvSpPr>
             <a:spLocks noGrp="1" noRot="1" noChangeAspect="1"/>
           </p:cNvSpPr>
@@ -784,7 +802,7 @@
       </p:sp>
       <p:sp>
         <p:nvSpPr>
-          <p:cNvPr id="3" name="Notes Placeholder 2"/>
+          <p:cNvPr id="3" name="Tijdelijke aanduiding voor notities 2"/>
           <p:cNvSpPr>
             <a:spLocks noGrp="1"/>
           </p:cNvSpPr>
@@ -797,1204 +815,116 @@
           <a:bodyPr/>
           <a:lstStyle/>
           <a:p>
-            <a:pPr marL="360" indent="0">
-              <a:lnSpc>
-                <a:spcPct val="90000"/>
-              </a:lnSpc>
-              <a:spcBef>
-                <a:spcPts val="1800"/>
-              </a:spcBef>
-              <a:buClr>
-                <a:srgbClr val="000000"/>
-              </a:buClr>
-              <a:buSzPct val="80000"/>
-              <a:buFont typeface="Wingdings" charset="2"/>
-              <a:buNone/>
-            </a:pPr>
-            <a:r>
-              <a:rPr lang="de-DE" sz="1200" b="0" strike="noStrike" spc="-1" dirty="0" err="1">
-                <a:solidFill>
-                  <a:srgbClr val="000000"/>
-                </a:solidFill>
-                <a:latin typeface="Calibri"/>
-                <a:ea typeface="DejaVu Sans"/>
-              </a:rPr>
-              <a:t>Sjong</a:t>
-            </a:r>
-            <a:endParaRPr lang="de-DE" sz="1200" b="0" strike="noStrike" spc="-1" dirty="0">
+            <a:r>
+              <a:rPr lang="en-US" b="0" i="0" dirty="0">
+                <a:solidFill>
+                  <a:srgbClr val="292929"/>
+                </a:solidFill>
+                <a:effectLst/>
+                <a:latin typeface="source-serif-pro"/>
+              </a:rPr>
+              <a:t>Glenn</a:t>
+            </a:r>
+          </a:p>
+          <a:p>
+            <a:endParaRPr lang="en-US" b="0" i="0" dirty="0">
               <a:solidFill>
-                <a:srgbClr val="000000"/>
+                <a:srgbClr val="292929"/>
               </a:solidFill>
-              <a:latin typeface="Calibri"/>
-              <a:ea typeface="DejaVu Sans"/>
+              <a:effectLst/>
+              <a:latin typeface="source-serif-pro"/>
             </a:endParaRPr>
           </a:p>
           <a:p>
-            <a:pPr marL="274320" indent="-273960">
-              <a:lnSpc>
-                <a:spcPct val="90000"/>
-              </a:lnSpc>
-              <a:spcBef>
-                <a:spcPts val="1800"/>
-              </a:spcBef>
-              <a:buClr>
-                <a:srgbClr val="000000"/>
-              </a:buClr>
-              <a:buSzPct val="80000"/>
-              <a:buFont typeface="Wingdings" charset="2"/>
-              <a:buChar char=""/>
-            </a:pPr>
-            <a:endParaRPr lang="de-DE" sz="1200" b="0" strike="noStrike" spc="-1" dirty="0">
-              <a:solidFill>
-                <a:srgbClr val="000000"/>
-              </a:solidFill>
-              <a:latin typeface="Calibri"/>
-              <a:ea typeface="DejaVu Sans"/>
-            </a:endParaRPr>
-          </a:p>
-          <a:p>
-            <a:pPr marL="274320" indent="-273960">
-              <a:lnSpc>
-                <a:spcPct val="90000"/>
-              </a:lnSpc>
-              <a:spcBef>
-                <a:spcPts val="1800"/>
-              </a:spcBef>
-              <a:buClr>
-                <a:srgbClr val="000000"/>
-              </a:buClr>
-              <a:buSzPct val="80000"/>
-              <a:buFont typeface="Wingdings" charset="2"/>
-              <a:buChar char=""/>
-            </a:pPr>
-            <a:r>
-              <a:rPr lang="de-DE" sz="1200" b="0" strike="noStrike" spc="-1" dirty="0">
-                <a:solidFill>
-                  <a:srgbClr val="000000"/>
-                </a:solidFill>
-                <a:latin typeface="Calibri"/>
-                <a:ea typeface="DejaVu Sans"/>
-              </a:rPr>
-              <a:t>Analyze all </a:t>
-            </a:r>
-            <a:r>
-              <a:rPr lang="de-DE" sz="1200" b="0" strike="noStrike" spc="-1" dirty="0" err="1">
-                <a:solidFill>
-                  <a:srgbClr val="000000"/>
-                </a:solidFill>
-                <a:latin typeface="Calibri"/>
-                <a:ea typeface="DejaVu Sans"/>
-              </a:rPr>
-              <a:t>kinds</a:t>
-            </a:r>
-            <a:r>
-              <a:rPr lang="de-DE" sz="1200" b="0" strike="noStrike" spc="-1" dirty="0">
-                <a:solidFill>
-                  <a:srgbClr val="000000"/>
-                </a:solidFill>
-                <a:latin typeface="Calibri"/>
-                <a:ea typeface="DejaVu Sans"/>
-              </a:rPr>
-              <a:t> </a:t>
-            </a:r>
-            <a:r>
-              <a:rPr lang="de-DE" sz="1200" b="0" strike="noStrike" spc="-1" dirty="0" err="1">
-                <a:solidFill>
-                  <a:srgbClr val="000000"/>
-                </a:solidFill>
-                <a:latin typeface="Calibri"/>
-                <a:ea typeface="DejaVu Sans"/>
-              </a:rPr>
-              <a:t>of</a:t>
-            </a:r>
-            <a:r>
-              <a:rPr lang="de-DE" sz="1200" b="0" strike="noStrike" spc="-1" dirty="0">
-                <a:solidFill>
-                  <a:srgbClr val="000000"/>
-                </a:solidFill>
-                <a:latin typeface="Calibri"/>
-                <a:ea typeface="DejaVu Sans"/>
-              </a:rPr>
-              <a:t> </a:t>
-            </a:r>
-            <a:r>
-              <a:rPr lang="de-DE" sz="1200" b="0" strike="noStrike" spc="-1" dirty="0" err="1">
-                <a:solidFill>
-                  <a:srgbClr val="000000"/>
-                </a:solidFill>
-                <a:latin typeface="Calibri"/>
-                <a:ea typeface="DejaVu Sans"/>
-              </a:rPr>
-              <a:t>software</a:t>
-            </a:r>
-            <a:r>
-              <a:rPr lang="de-DE" sz="1200" b="0" strike="noStrike" spc="-1" dirty="0">
-                <a:solidFill>
-                  <a:srgbClr val="000000"/>
-                </a:solidFill>
-                <a:latin typeface="Calibri"/>
-                <a:ea typeface="DejaVu Sans"/>
-              </a:rPr>
-              <a:t> (e.g. RAT – File (Remote Access Trojan, </a:t>
-            </a:r>
-            <a:r>
-              <a:rPr lang="de-DE" sz="1200" b="0" strike="noStrike" spc="-1" dirty="0" err="1">
-                <a:solidFill>
-                  <a:srgbClr val="000000"/>
-                </a:solidFill>
-                <a:latin typeface="Calibri"/>
-                <a:ea typeface="DejaVu Sans"/>
-              </a:rPr>
-              <a:t>WannaCry</a:t>
-            </a:r>
-            <a:r>
-              <a:rPr lang="de-DE" sz="1200" b="0" strike="noStrike" spc="-1" dirty="0">
-                <a:solidFill>
-                  <a:srgbClr val="000000"/>
-                </a:solidFill>
-                <a:latin typeface="Calibri"/>
-                <a:ea typeface="DejaVu Sans"/>
-              </a:rPr>
-              <a:t>, etc.)</a:t>
-            </a:r>
-            <a:endParaRPr lang="en-GB" sz="1200" b="0" strike="noStrike" spc="-1" dirty="0">
-              <a:latin typeface="Arial"/>
-            </a:endParaRPr>
-          </a:p>
-          <a:p>
-            <a:pPr marL="274320" indent="-273960">
-              <a:lnSpc>
-                <a:spcPct val="90000"/>
-              </a:lnSpc>
-              <a:spcBef>
-                <a:spcPts val="1800"/>
-              </a:spcBef>
-              <a:buClr>
-                <a:srgbClr val="000000"/>
-              </a:buClr>
-              <a:buSzPct val="80000"/>
-              <a:buFont typeface="Wingdings" charset="2"/>
-              <a:buChar char=""/>
-            </a:pPr>
-            <a:r>
-              <a:rPr lang="de-DE" sz="1200" b="0" strike="noStrike" spc="-1" dirty="0">
-                <a:solidFill>
-                  <a:srgbClr val="000000"/>
-                </a:solidFill>
-                <a:latin typeface="Calibri"/>
-                <a:ea typeface="DejaVu Sans"/>
-              </a:rPr>
-              <a:t>RAT – File: Find out </a:t>
-            </a:r>
-            <a:r>
-              <a:rPr lang="de-DE" sz="1200" b="0" strike="noStrike" spc="-1" dirty="0" err="1">
-                <a:solidFill>
-                  <a:srgbClr val="000000"/>
-                </a:solidFill>
-                <a:latin typeface="Calibri"/>
-                <a:ea typeface="DejaVu Sans"/>
-              </a:rPr>
-              <a:t>what</a:t>
-            </a:r>
-            <a:r>
-              <a:rPr lang="de-DE" sz="1200" b="0" strike="noStrike" spc="-1" dirty="0">
-                <a:solidFill>
-                  <a:srgbClr val="000000"/>
-                </a:solidFill>
-                <a:latin typeface="Calibri"/>
-                <a:ea typeface="DejaVu Sans"/>
-              </a:rPr>
-              <a:t> </a:t>
-            </a:r>
-            <a:r>
-              <a:rPr lang="de-DE" sz="1200" b="0" strike="noStrike" spc="-1" dirty="0" err="1">
-                <a:solidFill>
-                  <a:srgbClr val="000000"/>
-                </a:solidFill>
-                <a:latin typeface="Calibri"/>
-                <a:ea typeface="DejaVu Sans"/>
-              </a:rPr>
-              <a:t>it</a:t>
-            </a:r>
-            <a:r>
-              <a:rPr lang="de-DE" sz="1200" b="0" strike="noStrike" spc="-1" dirty="0">
-                <a:solidFill>
-                  <a:srgbClr val="000000"/>
-                </a:solidFill>
-                <a:latin typeface="Calibri"/>
-                <a:ea typeface="DejaVu Sans"/>
-              </a:rPr>
-              <a:t> </a:t>
-            </a:r>
-            <a:r>
-              <a:rPr lang="de-DE" sz="1200" b="0" strike="noStrike" spc="-1" dirty="0" err="1">
-                <a:solidFill>
-                  <a:srgbClr val="000000"/>
-                </a:solidFill>
-                <a:latin typeface="Calibri"/>
-                <a:ea typeface="DejaVu Sans"/>
-              </a:rPr>
-              <a:t>is</a:t>
-            </a:r>
-            <a:r>
-              <a:rPr lang="de-DE" sz="1200" b="0" strike="noStrike" spc="-1" dirty="0">
-                <a:solidFill>
-                  <a:srgbClr val="000000"/>
-                </a:solidFill>
-                <a:latin typeface="Calibri"/>
-                <a:ea typeface="DejaVu Sans"/>
-              </a:rPr>
-              <a:t> </a:t>
-            </a:r>
-            <a:r>
-              <a:rPr lang="de-DE" sz="1200" b="0" strike="noStrike" spc="-1" dirty="0" err="1">
-                <a:solidFill>
-                  <a:srgbClr val="000000"/>
-                </a:solidFill>
-                <a:latin typeface="Calibri"/>
-                <a:ea typeface="DejaVu Sans"/>
-              </a:rPr>
-              <a:t>doing</a:t>
-            </a:r>
-            <a:r>
-              <a:rPr lang="de-DE" sz="1200" b="0" strike="noStrike" spc="-1" dirty="0">
-                <a:solidFill>
-                  <a:srgbClr val="000000"/>
-                </a:solidFill>
-                <a:latin typeface="Calibri"/>
-                <a:ea typeface="DejaVu Sans"/>
-              </a:rPr>
-              <a:t>. (Most </a:t>
-            </a:r>
-            <a:r>
-              <a:rPr lang="de-DE" sz="1200" b="0" strike="noStrike" spc="-1" dirty="0" err="1">
-                <a:solidFill>
-                  <a:srgbClr val="000000"/>
-                </a:solidFill>
-                <a:latin typeface="Calibri"/>
-                <a:ea typeface="DejaVu Sans"/>
-              </a:rPr>
-              <a:t>commonly</a:t>
-            </a:r>
-            <a:r>
-              <a:rPr lang="de-DE" sz="1200" b="0" strike="noStrike" spc="-1" dirty="0">
-                <a:solidFill>
-                  <a:srgbClr val="000000"/>
-                </a:solidFill>
-                <a:latin typeface="Calibri"/>
-                <a:ea typeface="DejaVu Sans"/>
-              </a:rPr>
-              <a:t> </a:t>
-            </a:r>
-            <a:r>
-              <a:rPr lang="de-DE" sz="1200" b="0" strike="noStrike" spc="-1" dirty="0" err="1">
-                <a:solidFill>
-                  <a:srgbClr val="000000"/>
-                </a:solidFill>
-                <a:latin typeface="Calibri"/>
-                <a:ea typeface="DejaVu Sans"/>
-              </a:rPr>
-              <a:t>it</a:t>
-            </a:r>
-            <a:r>
-              <a:rPr lang="de-DE" sz="1200" b="0" strike="noStrike" spc="-1" dirty="0">
-                <a:solidFill>
-                  <a:srgbClr val="000000"/>
-                </a:solidFill>
-                <a:latin typeface="Calibri"/>
-                <a:ea typeface="DejaVu Sans"/>
-              </a:rPr>
-              <a:t> </a:t>
-            </a:r>
-            <a:r>
-              <a:rPr lang="de-DE" sz="1200" b="0" strike="noStrike" spc="-1" dirty="0" err="1">
-                <a:solidFill>
-                  <a:srgbClr val="000000"/>
-                </a:solidFill>
-                <a:latin typeface="Calibri"/>
-                <a:ea typeface="DejaVu Sans"/>
-              </a:rPr>
-              <a:t>tries</a:t>
-            </a:r>
-            <a:r>
-              <a:rPr lang="de-DE" sz="1200" b="0" strike="noStrike" spc="-1" dirty="0">
-                <a:solidFill>
-                  <a:srgbClr val="000000"/>
-                </a:solidFill>
-                <a:latin typeface="Calibri"/>
-                <a:ea typeface="DejaVu Sans"/>
-              </a:rPr>
-              <a:t> </a:t>
-            </a:r>
-            <a:r>
-              <a:rPr lang="de-DE" sz="1200" b="0" strike="noStrike" spc="-1" dirty="0" err="1">
-                <a:solidFill>
-                  <a:srgbClr val="000000"/>
-                </a:solidFill>
-                <a:latin typeface="Calibri"/>
-                <a:ea typeface="DejaVu Sans"/>
-              </a:rPr>
-              <a:t>to</a:t>
-            </a:r>
-            <a:r>
-              <a:rPr lang="de-DE" sz="1200" b="0" strike="noStrike" spc="-1" dirty="0">
-                <a:solidFill>
-                  <a:srgbClr val="000000"/>
-                </a:solidFill>
-                <a:latin typeface="Calibri"/>
-                <a:ea typeface="DejaVu Sans"/>
-              </a:rPr>
-              <a:t> </a:t>
-            </a:r>
-            <a:r>
-              <a:rPr lang="de-DE" sz="1200" b="0" strike="noStrike" spc="-1" dirty="0" err="1">
-                <a:solidFill>
-                  <a:srgbClr val="000000"/>
-                </a:solidFill>
-                <a:latin typeface="Calibri"/>
-                <a:ea typeface="DejaVu Sans"/>
-              </a:rPr>
-              <a:t>disable</a:t>
-            </a:r>
-            <a:r>
-              <a:rPr lang="de-DE" sz="1200" b="0" strike="noStrike" spc="-1" dirty="0">
-                <a:solidFill>
-                  <a:srgbClr val="000000"/>
-                </a:solidFill>
-                <a:latin typeface="Calibri"/>
-                <a:ea typeface="DejaVu Sans"/>
-              </a:rPr>
-              <a:t> User Account Control (UAC) </a:t>
-            </a:r>
-            <a:r>
-              <a:rPr lang="de-DE" sz="1200" b="0" strike="noStrike" spc="-1" dirty="0" err="1">
-                <a:solidFill>
-                  <a:srgbClr val="000000"/>
-                </a:solidFill>
-                <a:latin typeface="Calibri"/>
-                <a:ea typeface="DejaVu Sans"/>
-              </a:rPr>
-              <a:t>by</a:t>
-            </a:r>
-            <a:r>
-              <a:rPr lang="de-DE" sz="1200" b="0" strike="noStrike" spc="-1" dirty="0">
-                <a:solidFill>
-                  <a:srgbClr val="000000"/>
-                </a:solidFill>
-                <a:latin typeface="Calibri"/>
-                <a:ea typeface="DejaVu Sans"/>
-              </a:rPr>
-              <a:t> </a:t>
-            </a:r>
-            <a:r>
-              <a:rPr lang="de-DE" sz="1200" b="0" strike="noStrike" spc="-1" dirty="0" err="1">
-                <a:solidFill>
-                  <a:srgbClr val="000000"/>
-                </a:solidFill>
-                <a:latin typeface="Calibri"/>
-                <a:ea typeface="DejaVu Sans"/>
-              </a:rPr>
-              <a:t>modifying</a:t>
-            </a:r>
-            <a:r>
-              <a:rPr lang="de-DE" sz="1200" b="0" strike="noStrike" spc="-1" dirty="0">
-                <a:solidFill>
-                  <a:srgbClr val="000000"/>
-                </a:solidFill>
-                <a:latin typeface="Calibri"/>
-                <a:ea typeface="DejaVu Sans"/>
-              </a:rPr>
-              <a:t> </a:t>
-            </a:r>
-            <a:r>
-              <a:rPr lang="de-DE" sz="1200" b="0" strike="noStrike" spc="-1" dirty="0" err="1">
-                <a:solidFill>
-                  <a:srgbClr val="000000"/>
-                </a:solidFill>
-                <a:latin typeface="Calibri"/>
-                <a:ea typeface="DejaVu Sans"/>
-              </a:rPr>
-              <a:t>values</a:t>
-            </a:r>
-            <a:r>
-              <a:rPr lang="de-DE" sz="1200" b="0" strike="noStrike" spc="-1" dirty="0">
-                <a:solidFill>
-                  <a:srgbClr val="000000"/>
-                </a:solidFill>
-                <a:latin typeface="Calibri"/>
-                <a:ea typeface="DejaVu Sans"/>
-              </a:rPr>
-              <a:t> in </a:t>
-            </a:r>
-            <a:r>
-              <a:rPr lang="de-DE" sz="1200" b="0" strike="noStrike" spc="-1" dirty="0" err="1">
-                <a:solidFill>
-                  <a:srgbClr val="000000"/>
-                </a:solidFill>
-                <a:latin typeface="Calibri"/>
-                <a:ea typeface="DejaVu Sans"/>
-              </a:rPr>
-              <a:t>the</a:t>
-            </a:r>
-            <a:r>
-              <a:rPr lang="de-DE" sz="1200" b="0" strike="noStrike" spc="-1" dirty="0">
-                <a:solidFill>
-                  <a:srgbClr val="000000"/>
-                </a:solidFill>
-                <a:latin typeface="Calibri"/>
-                <a:ea typeface="DejaVu Sans"/>
-              </a:rPr>
-              <a:t> </a:t>
-            </a:r>
-            <a:r>
-              <a:rPr lang="de-DE" sz="1200" b="0" strike="noStrike" spc="-1" dirty="0" err="1">
-                <a:solidFill>
-                  <a:srgbClr val="000000"/>
-                </a:solidFill>
-                <a:latin typeface="Calibri"/>
-                <a:ea typeface="DejaVu Sans"/>
-              </a:rPr>
-              <a:t>registry</a:t>
-            </a:r>
-            <a:r>
-              <a:rPr lang="de-DE" sz="1200" b="0" strike="noStrike" spc="-1" dirty="0">
-                <a:solidFill>
-                  <a:srgbClr val="000000"/>
-                </a:solidFill>
-                <a:latin typeface="Calibri"/>
-                <a:ea typeface="DejaVu Sans"/>
-              </a:rPr>
-              <a:t>)</a:t>
-            </a:r>
-            <a:endParaRPr lang="en-GB" sz="1200" b="0" strike="noStrike" spc="-1" dirty="0">
-              <a:latin typeface="Arial"/>
-            </a:endParaRPr>
-          </a:p>
-          <a:p>
-            <a:pPr marL="274320" indent="-273960">
-              <a:lnSpc>
-                <a:spcPct val="90000"/>
-              </a:lnSpc>
-              <a:spcBef>
-                <a:spcPts val="1800"/>
-              </a:spcBef>
-              <a:buClr>
-                <a:srgbClr val="000000"/>
-              </a:buClr>
-              <a:buSzPct val="80000"/>
-              <a:buFont typeface="Wingdings" charset="2"/>
-              <a:buChar char=""/>
-            </a:pPr>
-            <a:r>
-              <a:rPr lang="de-DE" sz="1200" b="0" strike="noStrike" spc="-1" dirty="0" err="1">
-                <a:solidFill>
-                  <a:srgbClr val="000000"/>
-                </a:solidFill>
-                <a:latin typeface="Calibri"/>
-                <a:ea typeface="DejaVu Sans"/>
-              </a:rPr>
-              <a:t>WannaCry</a:t>
-            </a:r>
-            <a:r>
-              <a:rPr lang="de-DE" sz="1200" b="0" strike="noStrike" spc="-1" dirty="0">
-                <a:solidFill>
-                  <a:srgbClr val="000000"/>
-                </a:solidFill>
-                <a:latin typeface="Calibri"/>
-                <a:ea typeface="DejaVu Sans"/>
-              </a:rPr>
-              <a:t>: Find </a:t>
-            </a:r>
-            <a:r>
-              <a:rPr lang="de-DE" sz="1200" b="0" strike="noStrike" spc="-1" dirty="0" err="1">
-                <a:solidFill>
-                  <a:srgbClr val="000000"/>
-                </a:solidFill>
-                <a:latin typeface="Calibri"/>
-                <a:ea typeface="DejaVu Sans"/>
-              </a:rPr>
-              <a:t>the</a:t>
-            </a:r>
-            <a:r>
-              <a:rPr lang="de-DE" sz="1200" b="0" strike="noStrike" spc="-1" dirty="0">
-                <a:solidFill>
-                  <a:srgbClr val="000000"/>
-                </a:solidFill>
-                <a:latin typeface="Calibri"/>
-                <a:ea typeface="DejaVu Sans"/>
-              </a:rPr>
-              <a:t> kill switch. (The </a:t>
-            </a:r>
-            <a:r>
-              <a:rPr lang="de-DE" sz="1200" b="0" strike="noStrike" spc="-1" dirty="0" err="1">
-                <a:solidFill>
-                  <a:srgbClr val="000000"/>
-                </a:solidFill>
-                <a:latin typeface="Calibri"/>
-                <a:ea typeface="DejaVu Sans"/>
-              </a:rPr>
-              <a:t>program</a:t>
-            </a:r>
-            <a:r>
-              <a:rPr lang="de-DE" sz="1200" b="0" strike="noStrike" spc="-1" dirty="0">
-                <a:solidFill>
-                  <a:srgbClr val="000000"/>
-                </a:solidFill>
-                <a:latin typeface="Calibri"/>
-                <a:ea typeface="DejaVu Sans"/>
-              </a:rPr>
-              <a:t> </a:t>
-            </a:r>
-            <a:r>
-              <a:rPr lang="de-DE" sz="1200" b="0" strike="noStrike" spc="-1" dirty="0" err="1">
-                <a:solidFill>
-                  <a:srgbClr val="000000"/>
-                </a:solidFill>
-                <a:latin typeface="Calibri"/>
-                <a:ea typeface="DejaVu Sans"/>
-              </a:rPr>
-              <a:t>tried</a:t>
-            </a:r>
-            <a:r>
-              <a:rPr lang="de-DE" sz="1200" b="0" strike="noStrike" spc="-1" dirty="0">
-                <a:solidFill>
-                  <a:srgbClr val="000000"/>
-                </a:solidFill>
-                <a:latin typeface="Calibri"/>
-                <a:ea typeface="DejaVu Sans"/>
-              </a:rPr>
-              <a:t> </a:t>
-            </a:r>
-            <a:r>
-              <a:rPr lang="de-DE" sz="1200" b="0" strike="noStrike" spc="-1" dirty="0" err="1">
-                <a:solidFill>
-                  <a:srgbClr val="000000"/>
-                </a:solidFill>
-                <a:latin typeface="Calibri"/>
-                <a:ea typeface="DejaVu Sans"/>
-              </a:rPr>
-              <a:t>to</a:t>
-            </a:r>
-            <a:r>
-              <a:rPr lang="de-DE" sz="1200" b="0" strike="noStrike" spc="-1" dirty="0">
-                <a:solidFill>
-                  <a:srgbClr val="000000"/>
-                </a:solidFill>
-                <a:latin typeface="Calibri"/>
-                <a:ea typeface="DejaVu Sans"/>
-              </a:rPr>
-              <a:t> </a:t>
-            </a:r>
-            <a:r>
-              <a:rPr lang="de-DE" sz="1200" b="0" strike="noStrike" spc="-1" dirty="0" err="1">
-                <a:solidFill>
-                  <a:srgbClr val="000000"/>
-                </a:solidFill>
-                <a:latin typeface="Calibri"/>
-                <a:ea typeface="DejaVu Sans"/>
-              </a:rPr>
-              <a:t>reach</a:t>
-            </a:r>
-            <a:r>
-              <a:rPr lang="de-DE" sz="1200" b="0" strike="noStrike" spc="-1" dirty="0">
-                <a:solidFill>
-                  <a:srgbClr val="000000"/>
-                </a:solidFill>
-                <a:latin typeface="Calibri"/>
-                <a:ea typeface="DejaVu Sans"/>
-              </a:rPr>
-              <a:t> a </a:t>
-            </a:r>
-            <a:r>
-              <a:rPr lang="de-DE" sz="1200" b="0" strike="noStrike" spc="-1" dirty="0" err="1">
-                <a:solidFill>
-                  <a:srgbClr val="000000"/>
-                </a:solidFill>
-                <a:latin typeface="Calibri"/>
-                <a:ea typeface="DejaVu Sans"/>
-              </a:rPr>
-              <a:t>specific</a:t>
-            </a:r>
-            <a:r>
-              <a:rPr lang="de-DE" sz="1200" b="0" strike="noStrike" spc="-1" dirty="0">
-                <a:solidFill>
-                  <a:srgbClr val="000000"/>
-                </a:solidFill>
-                <a:latin typeface="Calibri"/>
-                <a:ea typeface="DejaVu Sans"/>
-              </a:rPr>
-              <a:t> </a:t>
-            </a:r>
-            <a:r>
-              <a:rPr lang="de-DE" sz="1200" b="0" strike="noStrike" spc="-1" dirty="0" err="1">
-                <a:solidFill>
-                  <a:srgbClr val="000000"/>
-                </a:solidFill>
-                <a:latin typeface="Calibri"/>
-                <a:ea typeface="DejaVu Sans"/>
-              </a:rPr>
-              <a:t>domain</a:t>
-            </a:r>
-            <a:r>
-              <a:rPr lang="de-DE" sz="1200" b="0" strike="noStrike" spc="-1" dirty="0">
-                <a:solidFill>
-                  <a:srgbClr val="000000"/>
-                </a:solidFill>
-                <a:latin typeface="Calibri"/>
-                <a:ea typeface="DejaVu Sans"/>
-              </a:rPr>
-              <a:t>, </a:t>
-            </a:r>
-            <a:r>
-              <a:rPr lang="de-DE" sz="1200" b="0" strike="noStrike" spc="-1" dirty="0" err="1">
-                <a:solidFill>
-                  <a:srgbClr val="000000"/>
-                </a:solidFill>
-                <a:latin typeface="Calibri"/>
-                <a:ea typeface="DejaVu Sans"/>
-              </a:rPr>
-              <a:t>if</a:t>
-            </a:r>
-            <a:r>
-              <a:rPr lang="de-DE" sz="1200" b="0" strike="noStrike" spc="-1" dirty="0">
-                <a:solidFill>
-                  <a:srgbClr val="000000"/>
-                </a:solidFill>
-                <a:latin typeface="Calibri"/>
-                <a:ea typeface="DejaVu Sans"/>
-              </a:rPr>
-              <a:t> </a:t>
-            </a:r>
-            <a:r>
-              <a:rPr lang="de-DE" sz="1200" b="0" strike="noStrike" spc="-1" dirty="0" err="1">
-                <a:solidFill>
-                  <a:srgbClr val="000000"/>
-                </a:solidFill>
-                <a:latin typeface="Calibri"/>
-                <a:ea typeface="DejaVu Sans"/>
-              </a:rPr>
-              <a:t>the</a:t>
-            </a:r>
-            <a:r>
-              <a:rPr lang="de-DE" sz="1200" b="0" strike="noStrike" spc="-1" dirty="0">
-                <a:solidFill>
-                  <a:srgbClr val="000000"/>
-                </a:solidFill>
-                <a:latin typeface="Calibri"/>
-                <a:ea typeface="DejaVu Sans"/>
-              </a:rPr>
-              <a:t> </a:t>
-            </a:r>
-            <a:r>
-              <a:rPr lang="de-DE" sz="1200" b="0" strike="noStrike" spc="-1" dirty="0" err="1">
-                <a:solidFill>
-                  <a:srgbClr val="000000"/>
-                </a:solidFill>
-                <a:latin typeface="Calibri"/>
-                <a:ea typeface="DejaVu Sans"/>
-              </a:rPr>
-              <a:t>domain</a:t>
-            </a:r>
-            <a:r>
-              <a:rPr lang="de-DE" sz="1200" b="0" strike="noStrike" spc="-1" dirty="0">
-                <a:solidFill>
-                  <a:srgbClr val="000000"/>
-                </a:solidFill>
-                <a:latin typeface="Calibri"/>
-                <a:ea typeface="DejaVu Sans"/>
-              </a:rPr>
-              <a:t> </a:t>
-            </a:r>
-            <a:r>
-              <a:rPr lang="de-DE" sz="1200" b="0" strike="noStrike" spc="-1" dirty="0" err="1">
-                <a:solidFill>
-                  <a:srgbClr val="000000"/>
-                </a:solidFill>
-                <a:latin typeface="Calibri"/>
-                <a:ea typeface="DejaVu Sans"/>
-              </a:rPr>
-              <a:t>is</a:t>
-            </a:r>
-            <a:r>
-              <a:rPr lang="de-DE" sz="1200" b="0" strike="noStrike" spc="-1" dirty="0">
-                <a:solidFill>
-                  <a:srgbClr val="000000"/>
-                </a:solidFill>
-                <a:latin typeface="Calibri"/>
-                <a:ea typeface="DejaVu Sans"/>
-              </a:rPr>
-              <a:t> </a:t>
-            </a:r>
-            <a:r>
-              <a:rPr lang="de-DE" sz="1200" b="0" strike="noStrike" spc="-1" dirty="0" err="1">
-                <a:solidFill>
-                  <a:srgbClr val="000000"/>
-                </a:solidFill>
-                <a:latin typeface="Calibri"/>
-                <a:ea typeface="DejaVu Sans"/>
-              </a:rPr>
-              <a:t>unassigned</a:t>
-            </a:r>
-            <a:r>
-              <a:rPr lang="de-DE" sz="1200" b="0" strike="noStrike" spc="-1" dirty="0">
-                <a:solidFill>
-                  <a:srgbClr val="000000"/>
-                </a:solidFill>
-                <a:latin typeface="Calibri"/>
-                <a:ea typeface="DejaVu Sans"/>
-              </a:rPr>
-              <a:t> </a:t>
-            </a:r>
-            <a:r>
-              <a:rPr lang="de-DE" sz="1200" b="0" strike="noStrike" spc="-1" dirty="0" err="1">
-                <a:solidFill>
-                  <a:srgbClr val="000000"/>
-                </a:solidFill>
-                <a:latin typeface="Calibri"/>
-                <a:ea typeface="DejaVu Sans"/>
-              </a:rPr>
-              <a:t>the</a:t>
-            </a:r>
-            <a:r>
-              <a:rPr lang="de-DE" sz="1200" b="0" strike="noStrike" spc="-1" dirty="0">
-                <a:solidFill>
-                  <a:srgbClr val="000000"/>
-                </a:solidFill>
-                <a:latin typeface="Calibri"/>
-                <a:ea typeface="DejaVu Sans"/>
-              </a:rPr>
-              <a:t> </a:t>
-            </a:r>
-            <a:r>
-              <a:rPr lang="de-DE" sz="1200" b="0" strike="noStrike" spc="-1" dirty="0" err="1">
-                <a:solidFill>
-                  <a:srgbClr val="000000"/>
-                </a:solidFill>
-                <a:latin typeface="Calibri"/>
-                <a:ea typeface="DejaVu Sans"/>
-              </a:rPr>
-              <a:t>program</a:t>
-            </a:r>
-            <a:r>
-              <a:rPr lang="de-DE" sz="1200" b="0" strike="noStrike" spc="-1" dirty="0">
-                <a:solidFill>
-                  <a:srgbClr val="000000"/>
-                </a:solidFill>
-                <a:latin typeface="Calibri"/>
-                <a:ea typeface="DejaVu Sans"/>
-              </a:rPr>
-              <a:t> </a:t>
-            </a:r>
-            <a:r>
-              <a:rPr lang="de-DE" sz="1200" b="0" strike="noStrike" spc="-1" dirty="0" err="1">
-                <a:solidFill>
-                  <a:srgbClr val="000000"/>
-                </a:solidFill>
-                <a:latin typeface="Calibri"/>
-                <a:ea typeface="DejaVu Sans"/>
-              </a:rPr>
-              <a:t>kept</a:t>
-            </a:r>
-            <a:r>
-              <a:rPr lang="de-DE" sz="1200" b="0" strike="noStrike" spc="-1" dirty="0">
-                <a:solidFill>
-                  <a:srgbClr val="000000"/>
-                </a:solidFill>
-                <a:latin typeface="Calibri"/>
-                <a:ea typeface="DejaVu Sans"/>
-              </a:rPr>
-              <a:t> </a:t>
-            </a:r>
-            <a:r>
-              <a:rPr lang="de-DE" sz="1200" b="0" strike="noStrike" spc="-1" dirty="0" err="1">
-                <a:solidFill>
-                  <a:srgbClr val="000000"/>
-                </a:solidFill>
-                <a:latin typeface="Calibri"/>
-                <a:ea typeface="DejaVu Sans"/>
-              </a:rPr>
-              <a:t>going</a:t>
-            </a:r>
-            <a:r>
-              <a:rPr lang="de-DE" sz="1200" b="0" strike="noStrike" spc="-1" dirty="0">
-                <a:solidFill>
-                  <a:srgbClr val="000000"/>
-                </a:solidFill>
-                <a:latin typeface="Calibri"/>
-                <a:ea typeface="DejaVu Sans"/>
-              </a:rPr>
-              <a:t>, </a:t>
-            </a:r>
-            <a:r>
-              <a:rPr lang="de-DE" sz="1200" b="0" strike="noStrike" spc="-1" dirty="0" err="1">
-                <a:solidFill>
-                  <a:srgbClr val="000000"/>
-                </a:solidFill>
-                <a:latin typeface="Calibri"/>
-                <a:ea typeface="DejaVu Sans"/>
-              </a:rPr>
-              <a:t>if</a:t>
-            </a:r>
-            <a:r>
-              <a:rPr lang="de-DE" sz="1200" b="0" strike="noStrike" spc="-1" dirty="0">
-                <a:solidFill>
-                  <a:srgbClr val="000000"/>
-                </a:solidFill>
-                <a:latin typeface="Calibri"/>
-                <a:ea typeface="DejaVu Sans"/>
-              </a:rPr>
-              <a:t> </a:t>
-            </a:r>
-            <a:r>
-              <a:rPr lang="de-DE" sz="1200" b="0" strike="noStrike" spc="-1" dirty="0" err="1">
-                <a:solidFill>
-                  <a:srgbClr val="000000"/>
-                </a:solidFill>
-                <a:latin typeface="Calibri"/>
-                <a:ea typeface="DejaVu Sans"/>
-              </a:rPr>
-              <a:t>assigned</a:t>
-            </a:r>
-            <a:r>
-              <a:rPr lang="de-DE" sz="1200" b="0" strike="noStrike" spc="-1" dirty="0">
-                <a:solidFill>
-                  <a:srgbClr val="000000"/>
-                </a:solidFill>
-                <a:latin typeface="Calibri"/>
-                <a:ea typeface="DejaVu Sans"/>
-              </a:rPr>
-              <a:t> </a:t>
-            </a:r>
-            <a:r>
-              <a:rPr lang="de-DE" sz="1200" b="0" strike="noStrike" spc="-1" dirty="0" err="1">
-                <a:solidFill>
-                  <a:srgbClr val="000000"/>
-                </a:solidFill>
-                <a:latin typeface="Calibri"/>
-                <a:ea typeface="DejaVu Sans"/>
-              </a:rPr>
-              <a:t>the</a:t>
-            </a:r>
-            <a:r>
-              <a:rPr lang="de-DE" sz="1200" b="0" strike="noStrike" spc="-1" dirty="0">
-                <a:solidFill>
-                  <a:srgbClr val="000000"/>
-                </a:solidFill>
-                <a:latin typeface="Calibri"/>
-                <a:ea typeface="DejaVu Sans"/>
-              </a:rPr>
-              <a:t> </a:t>
-            </a:r>
-            <a:r>
-              <a:rPr lang="de-DE" sz="1200" b="0" strike="noStrike" spc="-1" dirty="0" err="1">
-                <a:solidFill>
-                  <a:srgbClr val="000000"/>
-                </a:solidFill>
-                <a:latin typeface="Calibri"/>
-                <a:ea typeface="DejaVu Sans"/>
-              </a:rPr>
-              <a:t>program</a:t>
-            </a:r>
-            <a:r>
-              <a:rPr lang="de-DE" sz="1200" b="0" strike="noStrike" spc="-1" dirty="0">
-                <a:solidFill>
-                  <a:srgbClr val="000000"/>
-                </a:solidFill>
-                <a:latin typeface="Calibri"/>
-                <a:ea typeface="DejaVu Sans"/>
-              </a:rPr>
-              <a:t> </a:t>
-            </a:r>
-            <a:r>
-              <a:rPr lang="de-DE" sz="1200" b="0" strike="noStrike" spc="-1" dirty="0" err="1">
-                <a:solidFill>
-                  <a:srgbClr val="000000"/>
-                </a:solidFill>
-                <a:latin typeface="Calibri"/>
-                <a:ea typeface="DejaVu Sans"/>
-              </a:rPr>
-              <a:t>stopped</a:t>
-            </a:r>
-            <a:r>
-              <a:rPr lang="de-DE" sz="1200" b="0" strike="noStrike" spc="-1" dirty="0">
-                <a:solidFill>
-                  <a:srgbClr val="000000"/>
-                </a:solidFill>
-                <a:latin typeface="Calibri"/>
-                <a:ea typeface="DejaVu Sans"/>
-              </a:rPr>
-              <a:t> </a:t>
-            </a:r>
-            <a:r>
-              <a:rPr lang="de-DE" sz="1200" b="0" strike="noStrike" spc="-1" dirty="0" err="1">
-                <a:solidFill>
-                  <a:srgbClr val="000000"/>
-                </a:solidFill>
-                <a:latin typeface="Calibri"/>
-                <a:ea typeface="DejaVu Sans"/>
-              </a:rPr>
-              <a:t>immediately</a:t>
-            </a:r>
-            <a:r>
-              <a:rPr lang="de-DE" sz="1200" b="0" strike="noStrike" spc="-1" dirty="0">
-                <a:solidFill>
-                  <a:srgbClr val="000000"/>
-                </a:solidFill>
-                <a:latin typeface="Calibri"/>
-                <a:ea typeface="DejaVu Sans"/>
-              </a:rPr>
-              <a:t>)</a:t>
-            </a:r>
-            <a:endParaRPr lang="en-GB" sz="1200" b="0" strike="noStrike" spc="-1" dirty="0">
-              <a:latin typeface="Arial"/>
-            </a:endParaRPr>
-          </a:p>
-          <a:p>
-            <a:pPr marL="360">
-              <a:lnSpc>
-                <a:spcPct val="90000"/>
-              </a:lnSpc>
-              <a:spcBef>
-                <a:spcPts val="1800"/>
-              </a:spcBef>
-            </a:pPr>
-            <a:r>
-              <a:rPr lang="de-DE" sz="1200" b="0" strike="noStrike" spc="-1" dirty="0">
-                <a:solidFill>
-                  <a:srgbClr val="000000"/>
-                </a:solidFill>
-                <a:latin typeface="Calibri"/>
-                <a:ea typeface="DejaVu Sans"/>
-              </a:rPr>
-              <a:t>All </a:t>
-            </a:r>
-            <a:r>
-              <a:rPr lang="de-DE" sz="1200" b="0" strike="noStrike" spc="-1" dirty="0" err="1">
-                <a:solidFill>
-                  <a:srgbClr val="000000"/>
-                </a:solidFill>
-                <a:latin typeface="Calibri"/>
-                <a:ea typeface="DejaVu Sans"/>
-              </a:rPr>
-              <a:t>you</a:t>
-            </a:r>
-            <a:r>
-              <a:rPr lang="de-DE" sz="1200" b="0" strike="noStrike" spc="-1" dirty="0">
-                <a:solidFill>
-                  <a:srgbClr val="000000"/>
-                </a:solidFill>
-                <a:latin typeface="Calibri"/>
-                <a:ea typeface="DejaVu Sans"/>
-              </a:rPr>
-              <a:t> </a:t>
-            </a:r>
-            <a:r>
-              <a:rPr lang="de-DE" sz="1200" b="0" strike="noStrike" spc="-1" dirty="0" err="1">
-                <a:solidFill>
-                  <a:srgbClr val="000000"/>
-                </a:solidFill>
-                <a:latin typeface="Calibri"/>
-                <a:ea typeface="DejaVu Sans"/>
-              </a:rPr>
-              <a:t>need</a:t>
-            </a:r>
-            <a:r>
-              <a:rPr lang="de-DE" sz="1200" b="0" strike="noStrike" spc="-1" dirty="0">
-                <a:solidFill>
-                  <a:srgbClr val="000000"/>
-                </a:solidFill>
-                <a:latin typeface="Calibri"/>
-                <a:ea typeface="DejaVu Sans"/>
-              </a:rPr>
-              <a:t> </a:t>
-            </a:r>
-            <a:r>
-              <a:rPr lang="de-DE" sz="1200" b="0" strike="noStrike" spc="-1" dirty="0" err="1">
-                <a:solidFill>
-                  <a:srgbClr val="000000"/>
-                </a:solidFill>
-                <a:latin typeface="Calibri"/>
-                <a:ea typeface="DejaVu Sans"/>
-              </a:rPr>
-              <a:t>is</a:t>
-            </a:r>
-            <a:r>
-              <a:rPr lang="de-DE" sz="1200" b="0" strike="noStrike" spc="-1" dirty="0">
-                <a:solidFill>
-                  <a:srgbClr val="000000"/>
-                </a:solidFill>
-                <a:latin typeface="Calibri"/>
-                <a:ea typeface="DejaVu Sans"/>
-              </a:rPr>
-              <a:t> a </a:t>
-            </a:r>
-            <a:r>
-              <a:rPr lang="de-DE" sz="1200" b="0" strike="noStrike" spc="-1" dirty="0" err="1">
-                <a:solidFill>
-                  <a:srgbClr val="000000"/>
-                </a:solidFill>
-                <a:latin typeface="Calibri"/>
-                <a:ea typeface="DejaVu Sans"/>
-              </a:rPr>
-              <a:t>file</a:t>
-            </a:r>
-            <a:r>
-              <a:rPr lang="de-DE" sz="1200" b="0" strike="noStrike" spc="-1" dirty="0">
-                <a:solidFill>
-                  <a:srgbClr val="000000"/>
-                </a:solidFill>
-                <a:latin typeface="Calibri"/>
-                <a:ea typeface="DejaVu Sans"/>
-              </a:rPr>
-              <a:t> </a:t>
-            </a:r>
-            <a:r>
-              <a:rPr lang="de-DE" sz="1200" b="0" strike="noStrike" spc="-1" dirty="0" err="1">
-                <a:solidFill>
-                  <a:srgbClr val="000000"/>
-                </a:solidFill>
-                <a:latin typeface="Calibri"/>
-                <a:ea typeface="DejaVu Sans"/>
-              </a:rPr>
-              <a:t>that</a:t>
-            </a:r>
-            <a:r>
-              <a:rPr lang="de-DE" sz="1200" b="0" strike="noStrike" spc="-1" dirty="0">
-                <a:solidFill>
-                  <a:srgbClr val="000000"/>
-                </a:solidFill>
-                <a:latin typeface="Calibri"/>
-                <a:ea typeface="DejaVu Sans"/>
-              </a:rPr>
-              <a:t> </a:t>
-            </a:r>
-            <a:r>
-              <a:rPr lang="de-DE" sz="1200" b="0" strike="noStrike" spc="-1" dirty="0" err="1">
-                <a:solidFill>
-                  <a:srgbClr val="000000"/>
-                </a:solidFill>
-                <a:latin typeface="Calibri"/>
-                <a:ea typeface="DejaVu Sans"/>
-              </a:rPr>
-              <a:t>contains</a:t>
-            </a:r>
-            <a:r>
-              <a:rPr lang="de-DE" sz="1200" b="0" strike="noStrike" spc="-1" dirty="0">
-                <a:solidFill>
-                  <a:srgbClr val="000000"/>
-                </a:solidFill>
-                <a:latin typeface="Calibri"/>
-                <a:ea typeface="DejaVu Sans"/>
-              </a:rPr>
-              <a:t> </a:t>
-            </a:r>
-            <a:r>
-              <a:rPr lang="de-DE" sz="1200" b="0" strike="noStrike" spc="-1" dirty="0" err="1">
-                <a:solidFill>
-                  <a:srgbClr val="000000"/>
-                </a:solidFill>
-                <a:latin typeface="Calibri"/>
-                <a:ea typeface="DejaVu Sans"/>
-              </a:rPr>
-              <a:t>the</a:t>
-            </a:r>
-            <a:r>
-              <a:rPr lang="de-DE" sz="1200" b="0" strike="noStrike" spc="-1" dirty="0">
-                <a:solidFill>
-                  <a:srgbClr val="000000"/>
-                </a:solidFill>
-                <a:latin typeface="Calibri"/>
-                <a:ea typeface="DejaVu Sans"/>
-              </a:rPr>
-              <a:t> </a:t>
-            </a:r>
-            <a:r>
-              <a:rPr lang="de-DE" sz="1200" b="0" strike="noStrike" spc="-1" dirty="0" err="1">
-                <a:solidFill>
-                  <a:srgbClr val="000000"/>
-                </a:solidFill>
-                <a:latin typeface="Calibri"/>
-                <a:ea typeface="DejaVu Sans"/>
-              </a:rPr>
-              <a:t>important</a:t>
-            </a:r>
-            <a:r>
-              <a:rPr lang="de-DE" sz="1200" b="0" strike="noStrike" spc="-1" dirty="0">
-                <a:solidFill>
-                  <a:srgbClr val="000000"/>
-                </a:solidFill>
-                <a:latin typeface="Calibri"/>
-                <a:ea typeface="DejaVu Sans"/>
-              </a:rPr>
-              <a:t> </a:t>
-            </a:r>
-            <a:r>
-              <a:rPr lang="de-DE" sz="1200" b="0" strike="noStrike" spc="-1" dirty="0" err="1">
-                <a:solidFill>
-                  <a:srgbClr val="000000"/>
-                </a:solidFill>
-                <a:latin typeface="Calibri"/>
-                <a:ea typeface="DejaVu Sans"/>
-              </a:rPr>
-              <a:t>algorithm</a:t>
-            </a:r>
-            <a:r>
-              <a:rPr lang="de-DE" sz="1200" b="0" strike="noStrike" spc="-1" dirty="0">
-                <a:solidFill>
-                  <a:srgbClr val="000000"/>
-                </a:solidFill>
-                <a:latin typeface="Calibri"/>
-                <a:ea typeface="DejaVu Sans"/>
-              </a:rPr>
-              <a:t> (</a:t>
-            </a:r>
-            <a:r>
-              <a:rPr lang="de-DE" sz="1200" b="0" strike="noStrike" spc="-1" dirty="0" err="1">
-                <a:solidFill>
-                  <a:srgbClr val="000000"/>
-                </a:solidFill>
-                <a:latin typeface="Calibri"/>
-                <a:ea typeface="DejaVu Sans"/>
-              </a:rPr>
-              <a:t>Binaries</a:t>
-            </a:r>
-            <a:r>
-              <a:rPr lang="de-DE" sz="1200" b="0" strike="noStrike" spc="-1" dirty="0">
-                <a:solidFill>
-                  <a:srgbClr val="000000"/>
-                </a:solidFill>
-                <a:latin typeface="Calibri"/>
-                <a:ea typeface="DejaVu Sans"/>
-              </a:rPr>
-              <a:t>, </a:t>
-            </a:r>
-            <a:r>
-              <a:rPr lang="de-DE" sz="1200" b="0" strike="noStrike" spc="-1" dirty="0" err="1">
-                <a:solidFill>
-                  <a:srgbClr val="000000"/>
-                </a:solidFill>
-                <a:latin typeface="Calibri"/>
-                <a:ea typeface="DejaVu Sans"/>
-              </a:rPr>
-              <a:t>Executables</a:t>
-            </a:r>
-            <a:r>
-              <a:rPr lang="de-DE" sz="1200" b="0" strike="noStrike" spc="-1" dirty="0">
-                <a:solidFill>
-                  <a:srgbClr val="000000"/>
-                </a:solidFill>
-                <a:latin typeface="Calibri"/>
-                <a:ea typeface="DejaVu Sans"/>
-              </a:rPr>
-              <a:t>, …)</a:t>
-            </a:r>
-            <a:endParaRPr lang="nl-NL" dirty="0"/>
+            <a:r>
+              <a:rPr lang="en-US" b="0" i="0" dirty="0">
+                <a:solidFill>
+                  <a:srgbClr val="292929"/>
+                </a:solidFill>
+                <a:effectLst/>
+                <a:latin typeface="source-serif-pro"/>
+              </a:rPr>
+              <a:t>First open </a:t>
+            </a:r>
+            <a:r>
+              <a:rPr lang="en-US" b="0" i="0" dirty="0" err="1">
+                <a:solidFill>
+                  <a:srgbClr val="292929"/>
+                </a:solidFill>
+                <a:effectLst/>
+                <a:latin typeface="source-serif-pro"/>
+              </a:rPr>
+              <a:t>ghidra</a:t>
+            </a:r>
+            <a:r>
+              <a:rPr lang="en-US" b="0" i="0" dirty="0">
+                <a:solidFill>
+                  <a:srgbClr val="292929"/>
+                </a:solidFill>
+                <a:effectLst/>
+                <a:latin typeface="source-serif-pro"/>
+              </a:rPr>
+              <a:t> and click on File -&gt; New Project, choose Non shared project , pick a directory and the name for your project then click on finish. Also on File options pick Import File and then choose the PE file you want to reverse engineering, for this tutorial it is the PE file above, </a:t>
+            </a:r>
+            <a:r>
+              <a:rPr lang="en-US" b="0" i="0" dirty="0" err="1">
+                <a:solidFill>
+                  <a:srgbClr val="292929"/>
+                </a:solidFill>
+                <a:effectLst/>
+                <a:latin typeface="source-serif-pro"/>
+              </a:rPr>
+              <a:t>i</a:t>
+            </a:r>
+            <a:r>
+              <a:rPr lang="en-US" b="0" i="0" dirty="0">
+                <a:solidFill>
+                  <a:srgbClr val="292929"/>
+                </a:solidFill>
+                <a:effectLst/>
+                <a:latin typeface="source-serif-pro"/>
+              </a:rPr>
+              <a:t> won’t go into details each option because that is for advance tutorial so for the sake of this tutorial just choose ok. You will get the result like in this picture:</a:t>
+            </a:r>
+          </a:p>
+          <a:p>
+            <a:r>
+              <a:rPr lang="en-US" b="0" i="0" dirty="0">
+                <a:solidFill>
+                  <a:srgbClr val="292929"/>
+                </a:solidFill>
+                <a:effectLst/>
+                <a:latin typeface="source-serif-pro"/>
+              </a:rPr>
+              <a:t>Now drag the crackme.exe into the dragon icon in Tool Chest. It will open the Code Browser window and ask you if you want to </a:t>
+            </a:r>
+            <a:r>
+              <a:rPr lang="en-US" b="0" i="0" dirty="0" err="1">
+                <a:solidFill>
+                  <a:srgbClr val="292929"/>
+                </a:solidFill>
+                <a:effectLst/>
+                <a:latin typeface="source-serif-pro"/>
+              </a:rPr>
+              <a:t>analyse</a:t>
+            </a:r>
+            <a:r>
+              <a:rPr lang="en-US" b="0" i="0" dirty="0">
+                <a:solidFill>
+                  <a:srgbClr val="292929"/>
+                </a:solidFill>
+                <a:effectLst/>
+                <a:latin typeface="source-serif-pro"/>
+              </a:rPr>
+              <a:t> it choose Yes of course. When the options window pop up, you will need to check and uncheck this options.</a:t>
+            </a:r>
+            <a:endParaRPr lang="nl-NL" b="1" dirty="0"/>
           </a:p>
         </p:txBody>
       </p:sp>
       <p:sp>
         <p:nvSpPr>
-          <p:cNvPr id="4" name="Slide Number Placeholder 3"/>
+          <p:cNvPr id="4" name="Tijdelijke aanduiding voor dianummer 3"/>
           <p:cNvSpPr>
             <a:spLocks noGrp="1"/>
           </p:cNvSpPr>
@@ -2018,7 +948,7 @@
     </p:spTree>
     <p:extLst>
       <p:ext uri="{BB962C8B-B14F-4D97-AF65-F5344CB8AC3E}">
-        <p14:creationId xmlns:p14="http://schemas.microsoft.com/office/powerpoint/2010/main" val="2142106323"/>
+        <p14:creationId xmlns:p14="http://schemas.microsoft.com/office/powerpoint/2010/main" val="3337418200"/>
       </p:ext>
     </p:extLst>
   </p:cSld>
@@ -2047,6 +977,1281 @@
       </p:grpSpPr>
       <p:sp>
         <p:nvSpPr>
+          <p:cNvPr id="2" name="Slide Image Placeholder 1"/>
+          <p:cNvSpPr>
+            <a:spLocks noGrp="1" noRot="1" noChangeAspect="1"/>
+          </p:cNvSpPr>
+          <p:nvPr>
+            <p:ph type="sldImg"/>
+          </p:nvPr>
+        </p:nvSpPr>
+        <p:spPr/>
+      </p:sp>
+      <p:sp>
+        <p:nvSpPr>
+          <p:cNvPr id="3" name="Notes Placeholder 2"/>
+          <p:cNvSpPr>
+            <a:spLocks noGrp="1"/>
+          </p:cNvSpPr>
+          <p:nvPr>
+            <p:ph type="body" idx="1"/>
+          </p:nvPr>
+        </p:nvSpPr>
+        <p:spPr/>
+        <p:txBody>
+          <a:bodyPr/>
+          <a:lstStyle/>
+          <a:p>
+            <a:pPr marL="360" indent="0">
+              <a:lnSpc>
+                <a:spcPct val="90000"/>
+              </a:lnSpc>
+              <a:spcBef>
+                <a:spcPts val="1800"/>
+              </a:spcBef>
+              <a:buClr>
+                <a:srgbClr val="000000"/>
+              </a:buClr>
+              <a:buSzPct val="80000"/>
+              <a:buFont typeface="Wingdings" charset="2"/>
+              <a:buNone/>
+            </a:pPr>
+            <a:r>
+              <a:rPr lang="de-DE" sz="1200" b="0" strike="noStrike" spc="-1" dirty="0" err="1">
+                <a:solidFill>
+                  <a:srgbClr val="000000"/>
+                </a:solidFill>
+                <a:latin typeface="Calibri"/>
+                <a:ea typeface="DejaVu Sans"/>
+              </a:rPr>
+              <a:t>Sjong</a:t>
+            </a:r>
+            <a:endParaRPr lang="de-DE" sz="1200" b="0" strike="noStrike" spc="-1" dirty="0">
+              <a:solidFill>
+                <a:srgbClr val="000000"/>
+              </a:solidFill>
+              <a:latin typeface="Calibri"/>
+              <a:ea typeface="DejaVu Sans"/>
+            </a:endParaRPr>
+          </a:p>
+          <a:p>
+            <a:pPr marL="274320" indent="-273960">
+              <a:lnSpc>
+                <a:spcPct val="90000"/>
+              </a:lnSpc>
+              <a:spcBef>
+                <a:spcPts val="1800"/>
+              </a:spcBef>
+              <a:buClr>
+                <a:srgbClr val="000000"/>
+              </a:buClr>
+              <a:buSzPct val="80000"/>
+              <a:buFont typeface="Wingdings" charset="2"/>
+              <a:buChar char=""/>
+            </a:pPr>
+            <a:endParaRPr lang="de-DE" sz="1200" b="0" strike="noStrike" spc="-1" dirty="0">
+              <a:solidFill>
+                <a:srgbClr val="000000"/>
+              </a:solidFill>
+              <a:latin typeface="Calibri"/>
+              <a:ea typeface="DejaVu Sans"/>
+            </a:endParaRPr>
+          </a:p>
+          <a:p>
+            <a:pPr marL="274320" indent="-273960">
+              <a:lnSpc>
+                <a:spcPct val="90000"/>
+              </a:lnSpc>
+              <a:spcBef>
+                <a:spcPts val="1800"/>
+              </a:spcBef>
+              <a:buClr>
+                <a:srgbClr val="000000"/>
+              </a:buClr>
+              <a:buSzPct val="80000"/>
+              <a:buFont typeface="Wingdings" charset="2"/>
+              <a:buChar char=""/>
+            </a:pPr>
+            <a:r>
+              <a:rPr lang="de-DE" sz="1200" b="0" strike="noStrike" spc="-1" dirty="0">
+                <a:solidFill>
+                  <a:srgbClr val="000000"/>
+                </a:solidFill>
+                <a:latin typeface="Calibri"/>
+                <a:ea typeface="DejaVu Sans"/>
+              </a:rPr>
+              <a:t>Analyze all </a:t>
+            </a:r>
+            <a:r>
+              <a:rPr lang="de-DE" sz="1200" b="0" strike="noStrike" spc="-1" dirty="0" err="1">
+                <a:solidFill>
+                  <a:srgbClr val="000000"/>
+                </a:solidFill>
+                <a:latin typeface="Calibri"/>
+                <a:ea typeface="DejaVu Sans"/>
+              </a:rPr>
+              <a:t>kinds</a:t>
+            </a:r>
+            <a:r>
+              <a:rPr lang="de-DE" sz="1200" b="0" strike="noStrike" spc="-1" dirty="0">
+                <a:solidFill>
+                  <a:srgbClr val="000000"/>
+                </a:solidFill>
+                <a:latin typeface="Calibri"/>
+                <a:ea typeface="DejaVu Sans"/>
+              </a:rPr>
+              <a:t> </a:t>
+            </a:r>
+            <a:r>
+              <a:rPr lang="de-DE" sz="1200" b="0" strike="noStrike" spc="-1" dirty="0" err="1">
+                <a:solidFill>
+                  <a:srgbClr val="000000"/>
+                </a:solidFill>
+                <a:latin typeface="Calibri"/>
+                <a:ea typeface="DejaVu Sans"/>
+              </a:rPr>
+              <a:t>of</a:t>
+            </a:r>
+            <a:r>
+              <a:rPr lang="de-DE" sz="1200" b="0" strike="noStrike" spc="-1" dirty="0">
+                <a:solidFill>
+                  <a:srgbClr val="000000"/>
+                </a:solidFill>
+                <a:latin typeface="Calibri"/>
+                <a:ea typeface="DejaVu Sans"/>
+              </a:rPr>
+              <a:t> </a:t>
+            </a:r>
+            <a:r>
+              <a:rPr lang="de-DE" sz="1200" b="0" strike="noStrike" spc="-1" dirty="0" err="1">
+                <a:solidFill>
+                  <a:srgbClr val="000000"/>
+                </a:solidFill>
+                <a:latin typeface="Calibri"/>
+                <a:ea typeface="DejaVu Sans"/>
+              </a:rPr>
+              <a:t>software</a:t>
+            </a:r>
+            <a:r>
+              <a:rPr lang="de-DE" sz="1200" b="0" strike="noStrike" spc="-1" dirty="0">
+                <a:solidFill>
+                  <a:srgbClr val="000000"/>
+                </a:solidFill>
+                <a:latin typeface="Calibri"/>
+                <a:ea typeface="DejaVu Sans"/>
+              </a:rPr>
+              <a:t> (e.g. RAT – File (Remote Access Trojan, </a:t>
+            </a:r>
+            <a:r>
+              <a:rPr lang="de-DE" sz="1200" b="0" strike="noStrike" spc="-1" dirty="0" err="1">
+                <a:solidFill>
+                  <a:srgbClr val="000000"/>
+                </a:solidFill>
+                <a:latin typeface="Calibri"/>
+                <a:ea typeface="DejaVu Sans"/>
+              </a:rPr>
+              <a:t>WannaCry</a:t>
+            </a:r>
+            <a:r>
+              <a:rPr lang="de-DE" sz="1200" b="0" strike="noStrike" spc="-1" dirty="0">
+                <a:solidFill>
+                  <a:srgbClr val="000000"/>
+                </a:solidFill>
+                <a:latin typeface="Calibri"/>
+                <a:ea typeface="DejaVu Sans"/>
+              </a:rPr>
+              <a:t>, etc.)</a:t>
+            </a:r>
+            <a:endParaRPr lang="en-GB" sz="1200" b="0" strike="noStrike" spc="-1" dirty="0">
+              <a:latin typeface="Arial"/>
+            </a:endParaRPr>
+          </a:p>
+          <a:p>
+            <a:pPr marL="274320" indent="-273960">
+              <a:lnSpc>
+                <a:spcPct val="90000"/>
+              </a:lnSpc>
+              <a:spcBef>
+                <a:spcPts val="1800"/>
+              </a:spcBef>
+              <a:buClr>
+                <a:srgbClr val="000000"/>
+              </a:buClr>
+              <a:buSzPct val="80000"/>
+              <a:buFont typeface="Wingdings" charset="2"/>
+              <a:buChar char=""/>
+            </a:pPr>
+            <a:r>
+              <a:rPr lang="de-DE" sz="1200" b="0" strike="noStrike" spc="-1" dirty="0">
+                <a:solidFill>
+                  <a:srgbClr val="000000"/>
+                </a:solidFill>
+                <a:latin typeface="Calibri"/>
+                <a:ea typeface="DejaVu Sans"/>
+              </a:rPr>
+              <a:t>RAT – File: Find out </a:t>
+            </a:r>
+            <a:r>
+              <a:rPr lang="de-DE" sz="1200" b="0" strike="noStrike" spc="-1" dirty="0" err="1">
+                <a:solidFill>
+                  <a:srgbClr val="000000"/>
+                </a:solidFill>
+                <a:latin typeface="Calibri"/>
+                <a:ea typeface="DejaVu Sans"/>
+              </a:rPr>
+              <a:t>what</a:t>
+            </a:r>
+            <a:r>
+              <a:rPr lang="de-DE" sz="1200" b="0" strike="noStrike" spc="-1" dirty="0">
+                <a:solidFill>
+                  <a:srgbClr val="000000"/>
+                </a:solidFill>
+                <a:latin typeface="Calibri"/>
+                <a:ea typeface="DejaVu Sans"/>
+              </a:rPr>
+              <a:t> </a:t>
+            </a:r>
+            <a:r>
+              <a:rPr lang="de-DE" sz="1200" b="0" strike="noStrike" spc="-1" dirty="0" err="1">
+                <a:solidFill>
+                  <a:srgbClr val="000000"/>
+                </a:solidFill>
+                <a:latin typeface="Calibri"/>
+                <a:ea typeface="DejaVu Sans"/>
+              </a:rPr>
+              <a:t>it</a:t>
+            </a:r>
+            <a:r>
+              <a:rPr lang="de-DE" sz="1200" b="0" strike="noStrike" spc="-1" dirty="0">
+                <a:solidFill>
+                  <a:srgbClr val="000000"/>
+                </a:solidFill>
+                <a:latin typeface="Calibri"/>
+                <a:ea typeface="DejaVu Sans"/>
+              </a:rPr>
+              <a:t> </a:t>
+            </a:r>
+            <a:r>
+              <a:rPr lang="de-DE" sz="1200" b="0" strike="noStrike" spc="-1" dirty="0" err="1">
+                <a:solidFill>
+                  <a:srgbClr val="000000"/>
+                </a:solidFill>
+                <a:latin typeface="Calibri"/>
+                <a:ea typeface="DejaVu Sans"/>
+              </a:rPr>
+              <a:t>is</a:t>
+            </a:r>
+            <a:r>
+              <a:rPr lang="de-DE" sz="1200" b="0" strike="noStrike" spc="-1" dirty="0">
+                <a:solidFill>
+                  <a:srgbClr val="000000"/>
+                </a:solidFill>
+                <a:latin typeface="Calibri"/>
+                <a:ea typeface="DejaVu Sans"/>
+              </a:rPr>
+              <a:t> </a:t>
+            </a:r>
+            <a:r>
+              <a:rPr lang="de-DE" sz="1200" b="0" strike="noStrike" spc="-1" dirty="0" err="1">
+                <a:solidFill>
+                  <a:srgbClr val="000000"/>
+                </a:solidFill>
+                <a:latin typeface="Calibri"/>
+                <a:ea typeface="DejaVu Sans"/>
+              </a:rPr>
+              <a:t>doing</a:t>
+            </a:r>
+            <a:r>
+              <a:rPr lang="de-DE" sz="1200" b="0" strike="noStrike" spc="-1" dirty="0">
+                <a:solidFill>
+                  <a:srgbClr val="000000"/>
+                </a:solidFill>
+                <a:latin typeface="Calibri"/>
+                <a:ea typeface="DejaVu Sans"/>
+              </a:rPr>
+              <a:t>. (Most </a:t>
+            </a:r>
+            <a:r>
+              <a:rPr lang="de-DE" sz="1200" b="0" strike="noStrike" spc="-1" dirty="0" err="1">
+                <a:solidFill>
+                  <a:srgbClr val="000000"/>
+                </a:solidFill>
+                <a:latin typeface="Calibri"/>
+                <a:ea typeface="DejaVu Sans"/>
+              </a:rPr>
+              <a:t>commonly</a:t>
+            </a:r>
+            <a:r>
+              <a:rPr lang="de-DE" sz="1200" b="0" strike="noStrike" spc="-1" dirty="0">
+                <a:solidFill>
+                  <a:srgbClr val="000000"/>
+                </a:solidFill>
+                <a:latin typeface="Calibri"/>
+                <a:ea typeface="DejaVu Sans"/>
+              </a:rPr>
+              <a:t> </a:t>
+            </a:r>
+            <a:r>
+              <a:rPr lang="de-DE" sz="1200" b="0" strike="noStrike" spc="-1" dirty="0" err="1">
+                <a:solidFill>
+                  <a:srgbClr val="000000"/>
+                </a:solidFill>
+                <a:latin typeface="Calibri"/>
+                <a:ea typeface="DejaVu Sans"/>
+              </a:rPr>
+              <a:t>it</a:t>
+            </a:r>
+            <a:r>
+              <a:rPr lang="de-DE" sz="1200" b="0" strike="noStrike" spc="-1" dirty="0">
+                <a:solidFill>
+                  <a:srgbClr val="000000"/>
+                </a:solidFill>
+                <a:latin typeface="Calibri"/>
+                <a:ea typeface="DejaVu Sans"/>
+              </a:rPr>
+              <a:t> </a:t>
+            </a:r>
+            <a:r>
+              <a:rPr lang="de-DE" sz="1200" b="0" strike="noStrike" spc="-1" dirty="0" err="1">
+                <a:solidFill>
+                  <a:srgbClr val="000000"/>
+                </a:solidFill>
+                <a:latin typeface="Calibri"/>
+                <a:ea typeface="DejaVu Sans"/>
+              </a:rPr>
+              <a:t>tries</a:t>
+            </a:r>
+            <a:r>
+              <a:rPr lang="de-DE" sz="1200" b="0" strike="noStrike" spc="-1" dirty="0">
+                <a:solidFill>
+                  <a:srgbClr val="000000"/>
+                </a:solidFill>
+                <a:latin typeface="Calibri"/>
+                <a:ea typeface="DejaVu Sans"/>
+              </a:rPr>
+              <a:t> </a:t>
+            </a:r>
+            <a:r>
+              <a:rPr lang="de-DE" sz="1200" b="0" strike="noStrike" spc="-1" dirty="0" err="1">
+                <a:solidFill>
+                  <a:srgbClr val="000000"/>
+                </a:solidFill>
+                <a:latin typeface="Calibri"/>
+                <a:ea typeface="DejaVu Sans"/>
+              </a:rPr>
+              <a:t>to</a:t>
+            </a:r>
+            <a:r>
+              <a:rPr lang="de-DE" sz="1200" b="0" strike="noStrike" spc="-1" dirty="0">
+                <a:solidFill>
+                  <a:srgbClr val="000000"/>
+                </a:solidFill>
+                <a:latin typeface="Calibri"/>
+                <a:ea typeface="DejaVu Sans"/>
+              </a:rPr>
+              <a:t> </a:t>
+            </a:r>
+            <a:r>
+              <a:rPr lang="de-DE" sz="1200" b="0" strike="noStrike" spc="-1" dirty="0" err="1">
+                <a:solidFill>
+                  <a:srgbClr val="000000"/>
+                </a:solidFill>
+                <a:latin typeface="Calibri"/>
+                <a:ea typeface="DejaVu Sans"/>
+              </a:rPr>
+              <a:t>disable</a:t>
+            </a:r>
+            <a:r>
+              <a:rPr lang="de-DE" sz="1200" b="0" strike="noStrike" spc="-1" dirty="0">
+                <a:solidFill>
+                  <a:srgbClr val="000000"/>
+                </a:solidFill>
+                <a:latin typeface="Calibri"/>
+                <a:ea typeface="DejaVu Sans"/>
+              </a:rPr>
+              <a:t> User Account Control (UAC) </a:t>
+            </a:r>
+            <a:r>
+              <a:rPr lang="de-DE" sz="1200" b="0" strike="noStrike" spc="-1" dirty="0" err="1">
+                <a:solidFill>
+                  <a:srgbClr val="000000"/>
+                </a:solidFill>
+                <a:latin typeface="Calibri"/>
+                <a:ea typeface="DejaVu Sans"/>
+              </a:rPr>
+              <a:t>by</a:t>
+            </a:r>
+            <a:r>
+              <a:rPr lang="de-DE" sz="1200" b="0" strike="noStrike" spc="-1" dirty="0">
+                <a:solidFill>
+                  <a:srgbClr val="000000"/>
+                </a:solidFill>
+                <a:latin typeface="Calibri"/>
+                <a:ea typeface="DejaVu Sans"/>
+              </a:rPr>
+              <a:t> </a:t>
+            </a:r>
+            <a:r>
+              <a:rPr lang="de-DE" sz="1200" b="0" strike="noStrike" spc="-1" dirty="0" err="1">
+                <a:solidFill>
+                  <a:srgbClr val="000000"/>
+                </a:solidFill>
+                <a:latin typeface="Calibri"/>
+                <a:ea typeface="DejaVu Sans"/>
+              </a:rPr>
+              <a:t>modifying</a:t>
+            </a:r>
+            <a:r>
+              <a:rPr lang="de-DE" sz="1200" b="0" strike="noStrike" spc="-1" dirty="0">
+                <a:solidFill>
+                  <a:srgbClr val="000000"/>
+                </a:solidFill>
+                <a:latin typeface="Calibri"/>
+                <a:ea typeface="DejaVu Sans"/>
+              </a:rPr>
+              <a:t> </a:t>
+            </a:r>
+            <a:r>
+              <a:rPr lang="de-DE" sz="1200" b="0" strike="noStrike" spc="-1" dirty="0" err="1">
+                <a:solidFill>
+                  <a:srgbClr val="000000"/>
+                </a:solidFill>
+                <a:latin typeface="Calibri"/>
+                <a:ea typeface="DejaVu Sans"/>
+              </a:rPr>
+              <a:t>values</a:t>
+            </a:r>
+            <a:r>
+              <a:rPr lang="de-DE" sz="1200" b="0" strike="noStrike" spc="-1" dirty="0">
+                <a:solidFill>
+                  <a:srgbClr val="000000"/>
+                </a:solidFill>
+                <a:latin typeface="Calibri"/>
+                <a:ea typeface="DejaVu Sans"/>
+              </a:rPr>
+              <a:t> in </a:t>
+            </a:r>
+            <a:r>
+              <a:rPr lang="de-DE" sz="1200" b="0" strike="noStrike" spc="-1" dirty="0" err="1">
+                <a:solidFill>
+                  <a:srgbClr val="000000"/>
+                </a:solidFill>
+                <a:latin typeface="Calibri"/>
+                <a:ea typeface="DejaVu Sans"/>
+              </a:rPr>
+              <a:t>the</a:t>
+            </a:r>
+            <a:r>
+              <a:rPr lang="de-DE" sz="1200" b="0" strike="noStrike" spc="-1" dirty="0">
+                <a:solidFill>
+                  <a:srgbClr val="000000"/>
+                </a:solidFill>
+                <a:latin typeface="Calibri"/>
+                <a:ea typeface="DejaVu Sans"/>
+              </a:rPr>
+              <a:t> </a:t>
+            </a:r>
+            <a:r>
+              <a:rPr lang="de-DE" sz="1200" b="0" strike="noStrike" spc="-1" dirty="0" err="1">
+                <a:solidFill>
+                  <a:srgbClr val="000000"/>
+                </a:solidFill>
+                <a:latin typeface="Calibri"/>
+                <a:ea typeface="DejaVu Sans"/>
+              </a:rPr>
+              <a:t>registry</a:t>
+            </a:r>
+            <a:r>
+              <a:rPr lang="de-DE" sz="1200" b="0" strike="noStrike" spc="-1" dirty="0">
+                <a:solidFill>
+                  <a:srgbClr val="000000"/>
+                </a:solidFill>
+                <a:latin typeface="Calibri"/>
+                <a:ea typeface="DejaVu Sans"/>
+              </a:rPr>
+              <a:t>)</a:t>
+            </a:r>
+            <a:endParaRPr lang="en-GB" sz="1200" b="0" strike="noStrike" spc="-1" dirty="0">
+              <a:latin typeface="Arial"/>
+            </a:endParaRPr>
+          </a:p>
+          <a:p>
+            <a:pPr marL="274320" indent="-273960">
+              <a:lnSpc>
+                <a:spcPct val="90000"/>
+              </a:lnSpc>
+              <a:spcBef>
+                <a:spcPts val="1800"/>
+              </a:spcBef>
+              <a:buClr>
+                <a:srgbClr val="000000"/>
+              </a:buClr>
+              <a:buSzPct val="80000"/>
+              <a:buFont typeface="Wingdings" charset="2"/>
+              <a:buChar char=""/>
+            </a:pPr>
+            <a:r>
+              <a:rPr lang="de-DE" sz="1200" b="0" strike="noStrike" spc="-1" dirty="0" err="1">
+                <a:solidFill>
+                  <a:srgbClr val="000000"/>
+                </a:solidFill>
+                <a:latin typeface="Calibri"/>
+                <a:ea typeface="DejaVu Sans"/>
+              </a:rPr>
+              <a:t>WannaCry</a:t>
+            </a:r>
+            <a:r>
+              <a:rPr lang="de-DE" sz="1200" b="0" strike="noStrike" spc="-1" dirty="0">
+                <a:solidFill>
+                  <a:srgbClr val="000000"/>
+                </a:solidFill>
+                <a:latin typeface="Calibri"/>
+                <a:ea typeface="DejaVu Sans"/>
+              </a:rPr>
+              <a:t>: Find </a:t>
+            </a:r>
+            <a:r>
+              <a:rPr lang="de-DE" sz="1200" b="0" strike="noStrike" spc="-1" dirty="0" err="1">
+                <a:solidFill>
+                  <a:srgbClr val="000000"/>
+                </a:solidFill>
+                <a:latin typeface="Calibri"/>
+                <a:ea typeface="DejaVu Sans"/>
+              </a:rPr>
+              <a:t>the</a:t>
+            </a:r>
+            <a:r>
+              <a:rPr lang="de-DE" sz="1200" b="0" strike="noStrike" spc="-1" dirty="0">
+                <a:solidFill>
+                  <a:srgbClr val="000000"/>
+                </a:solidFill>
+                <a:latin typeface="Calibri"/>
+                <a:ea typeface="DejaVu Sans"/>
+              </a:rPr>
+              <a:t> kill switch. (The </a:t>
+            </a:r>
+            <a:r>
+              <a:rPr lang="de-DE" sz="1200" b="0" strike="noStrike" spc="-1" dirty="0" err="1">
+                <a:solidFill>
+                  <a:srgbClr val="000000"/>
+                </a:solidFill>
+                <a:latin typeface="Calibri"/>
+                <a:ea typeface="DejaVu Sans"/>
+              </a:rPr>
+              <a:t>program</a:t>
+            </a:r>
+            <a:r>
+              <a:rPr lang="de-DE" sz="1200" b="0" strike="noStrike" spc="-1" dirty="0">
+                <a:solidFill>
+                  <a:srgbClr val="000000"/>
+                </a:solidFill>
+                <a:latin typeface="Calibri"/>
+                <a:ea typeface="DejaVu Sans"/>
+              </a:rPr>
+              <a:t> </a:t>
+            </a:r>
+            <a:r>
+              <a:rPr lang="de-DE" sz="1200" b="0" strike="noStrike" spc="-1" dirty="0" err="1">
+                <a:solidFill>
+                  <a:srgbClr val="000000"/>
+                </a:solidFill>
+                <a:latin typeface="Calibri"/>
+                <a:ea typeface="DejaVu Sans"/>
+              </a:rPr>
+              <a:t>tried</a:t>
+            </a:r>
+            <a:r>
+              <a:rPr lang="de-DE" sz="1200" b="0" strike="noStrike" spc="-1" dirty="0">
+                <a:solidFill>
+                  <a:srgbClr val="000000"/>
+                </a:solidFill>
+                <a:latin typeface="Calibri"/>
+                <a:ea typeface="DejaVu Sans"/>
+              </a:rPr>
+              <a:t> </a:t>
+            </a:r>
+            <a:r>
+              <a:rPr lang="de-DE" sz="1200" b="0" strike="noStrike" spc="-1" dirty="0" err="1">
+                <a:solidFill>
+                  <a:srgbClr val="000000"/>
+                </a:solidFill>
+                <a:latin typeface="Calibri"/>
+                <a:ea typeface="DejaVu Sans"/>
+              </a:rPr>
+              <a:t>to</a:t>
+            </a:r>
+            <a:r>
+              <a:rPr lang="de-DE" sz="1200" b="0" strike="noStrike" spc="-1" dirty="0">
+                <a:solidFill>
+                  <a:srgbClr val="000000"/>
+                </a:solidFill>
+                <a:latin typeface="Calibri"/>
+                <a:ea typeface="DejaVu Sans"/>
+              </a:rPr>
+              <a:t> </a:t>
+            </a:r>
+            <a:r>
+              <a:rPr lang="de-DE" sz="1200" b="0" strike="noStrike" spc="-1" dirty="0" err="1">
+                <a:solidFill>
+                  <a:srgbClr val="000000"/>
+                </a:solidFill>
+                <a:latin typeface="Calibri"/>
+                <a:ea typeface="DejaVu Sans"/>
+              </a:rPr>
+              <a:t>reach</a:t>
+            </a:r>
+            <a:r>
+              <a:rPr lang="de-DE" sz="1200" b="0" strike="noStrike" spc="-1" dirty="0">
+                <a:solidFill>
+                  <a:srgbClr val="000000"/>
+                </a:solidFill>
+                <a:latin typeface="Calibri"/>
+                <a:ea typeface="DejaVu Sans"/>
+              </a:rPr>
+              <a:t> a </a:t>
+            </a:r>
+            <a:r>
+              <a:rPr lang="de-DE" sz="1200" b="0" strike="noStrike" spc="-1" dirty="0" err="1">
+                <a:solidFill>
+                  <a:srgbClr val="000000"/>
+                </a:solidFill>
+                <a:latin typeface="Calibri"/>
+                <a:ea typeface="DejaVu Sans"/>
+              </a:rPr>
+              <a:t>specific</a:t>
+            </a:r>
+            <a:r>
+              <a:rPr lang="de-DE" sz="1200" b="0" strike="noStrike" spc="-1" dirty="0">
+                <a:solidFill>
+                  <a:srgbClr val="000000"/>
+                </a:solidFill>
+                <a:latin typeface="Calibri"/>
+                <a:ea typeface="DejaVu Sans"/>
+              </a:rPr>
+              <a:t> </a:t>
+            </a:r>
+            <a:r>
+              <a:rPr lang="de-DE" sz="1200" b="0" strike="noStrike" spc="-1" dirty="0" err="1">
+                <a:solidFill>
+                  <a:srgbClr val="000000"/>
+                </a:solidFill>
+                <a:latin typeface="Calibri"/>
+                <a:ea typeface="DejaVu Sans"/>
+              </a:rPr>
+              <a:t>domain</a:t>
+            </a:r>
+            <a:r>
+              <a:rPr lang="de-DE" sz="1200" b="0" strike="noStrike" spc="-1" dirty="0">
+                <a:solidFill>
+                  <a:srgbClr val="000000"/>
+                </a:solidFill>
+                <a:latin typeface="Calibri"/>
+                <a:ea typeface="DejaVu Sans"/>
+              </a:rPr>
+              <a:t>, </a:t>
+            </a:r>
+            <a:r>
+              <a:rPr lang="de-DE" sz="1200" b="0" strike="noStrike" spc="-1" dirty="0" err="1">
+                <a:solidFill>
+                  <a:srgbClr val="000000"/>
+                </a:solidFill>
+                <a:latin typeface="Calibri"/>
+                <a:ea typeface="DejaVu Sans"/>
+              </a:rPr>
+              <a:t>if</a:t>
+            </a:r>
+            <a:r>
+              <a:rPr lang="de-DE" sz="1200" b="0" strike="noStrike" spc="-1" dirty="0">
+                <a:solidFill>
+                  <a:srgbClr val="000000"/>
+                </a:solidFill>
+                <a:latin typeface="Calibri"/>
+                <a:ea typeface="DejaVu Sans"/>
+              </a:rPr>
+              <a:t> </a:t>
+            </a:r>
+            <a:r>
+              <a:rPr lang="de-DE" sz="1200" b="0" strike="noStrike" spc="-1" dirty="0" err="1">
+                <a:solidFill>
+                  <a:srgbClr val="000000"/>
+                </a:solidFill>
+                <a:latin typeface="Calibri"/>
+                <a:ea typeface="DejaVu Sans"/>
+              </a:rPr>
+              <a:t>the</a:t>
+            </a:r>
+            <a:r>
+              <a:rPr lang="de-DE" sz="1200" b="0" strike="noStrike" spc="-1" dirty="0">
+                <a:solidFill>
+                  <a:srgbClr val="000000"/>
+                </a:solidFill>
+                <a:latin typeface="Calibri"/>
+                <a:ea typeface="DejaVu Sans"/>
+              </a:rPr>
+              <a:t> </a:t>
+            </a:r>
+            <a:r>
+              <a:rPr lang="de-DE" sz="1200" b="0" strike="noStrike" spc="-1" dirty="0" err="1">
+                <a:solidFill>
+                  <a:srgbClr val="000000"/>
+                </a:solidFill>
+                <a:latin typeface="Calibri"/>
+                <a:ea typeface="DejaVu Sans"/>
+              </a:rPr>
+              <a:t>domain</a:t>
+            </a:r>
+            <a:r>
+              <a:rPr lang="de-DE" sz="1200" b="0" strike="noStrike" spc="-1" dirty="0">
+                <a:solidFill>
+                  <a:srgbClr val="000000"/>
+                </a:solidFill>
+                <a:latin typeface="Calibri"/>
+                <a:ea typeface="DejaVu Sans"/>
+              </a:rPr>
+              <a:t> </a:t>
+            </a:r>
+            <a:r>
+              <a:rPr lang="de-DE" sz="1200" b="0" strike="noStrike" spc="-1" dirty="0" err="1">
+                <a:solidFill>
+                  <a:srgbClr val="000000"/>
+                </a:solidFill>
+                <a:latin typeface="Calibri"/>
+                <a:ea typeface="DejaVu Sans"/>
+              </a:rPr>
+              <a:t>is</a:t>
+            </a:r>
+            <a:r>
+              <a:rPr lang="de-DE" sz="1200" b="0" strike="noStrike" spc="-1" dirty="0">
+                <a:solidFill>
+                  <a:srgbClr val="000000"/>
+                </a:solidFill>
+                <a:latin typeface="Calibri"/>
+                <a:ea typeface="DejaVu Sans"/>
+              </a:rPr>
+              <a:t> </a:t>
+            </a:r>
+            <a:r>
+              <a:rPr lang="de-DE" sz="1200" b="0" strike="noStrike" spc="-1" dirty="0" err="1">
+                <a:solidFill>
+                  <a:srgbClr val="000000"/>
+                </a:solidFill>
+                <a:latin typeface="Calibri"/>
+                <a:ea typeface="DejaVu Sans"/>
+              </a:rPr>
+              <a:t>unassigned</a:t>
+            </a:r>
+            <a:r>
+              <a:rPr lang="de-DE" sz="1200" b="0" strike="noStrike" spc="-1" dirty="0">
+                <a:solidFill>
+                  <a:srgbClr val="000000"/>
+                </a:solidFill>
+                <a:latin typeface="Calibri"/>
+                <a:ea typeface="DejaVu Sans"/>
+              </a:rPr>
+              <a:t> </a:t>
+            </a:r>
+            <a:r>
+              <a:rPr lang="de-DE" sz="1200" b="0" strike="noStrike" spc="-1" dirty="0" err="1">
+                <a:solidFill>
+                  <a:srgbClr val="000000"/>
+                </a:solidFill>
+                <a:latin typeface="Calibri"/>
+                <a:ea typeface="DejaVu Sans"/>
+              </a:rPr>
+              <a:t>the</a:t>
+            </a:r>
+            <a:r>
+              <a:rPr lang="de-DE" sz="1200" b="0" strike="noStrike" spc="-1" dirty="0">
+                <a:solidFill>
+                  <a:srgbClr val="000000"/>
+                </a:solidFill>
+                <a:latin typeface="Calibri"/>
+                <a:ea typeface="DejaVu Sans"/>
+              </a:rPr>
+              <a:t> </a:t>
+            </a:r>
+            <a:r>
+              <a:rPr lang="de-DE" sz="1200" b="0" strike="noStrike" spc="-1" dirty="0" err="1">
+                <a:solidFill>
+                  <a:srgbClr val="000000"/>
+                </a:solidFill>
+                <a:latin typeface="Calibri"/>
+                <a:ea typeface="DejaVu Sans"/>
+              </a:rPr>
+              <a:t>program</a:t>
+            </a:r>
+            <a:r>
+              <a:rPr lang="de-DE" sz="1200" b="0" strike="noStrike" spc="-1" dirty="0">
+                <a:solidFill>
+                  <a:srgbClr val="000000"/>
+                </a:solidFill>
+                <a:latin typeface="Calibri"/>
+                <a:ea typeface="DejaVu Sans"/>
+              </a:rPr>
+              <a:t> </a:t>
+            </a:r>
+            <a:r>
+              <a:rPr lang="de-DE" sz="1200" b="0" strike="noStrike" spc="-1" dirty="0" err="1">
+                <a:solidFill>
+                  <a:srgbClr val="000000"/>
+                </a:solidFill>
+                <a:latin typeface="Calibri"/>
+                <a:ea typeface="DejaVu Sans"/>
+              </a:rPr>
+              <a:t>kept</a:t>
+            </a:r>
+            <a:r>
+              <a:rPr lang="de-DE" sz="1200" b="0" strike="noStrike" spc="-1" dirty="0">
+                <a:solidFill>
+                  <a:srgbClr val="000000"/>
+                </a:solidFill>
+                <a:latin typeface="Calibri"/>
+                <a:ea typeface="DejaVu Sans"/>
+              </a:rPr>
+              <a:t> </a:t>
+            </a:r>
+            <a:r>
+              <a:rPr lang="de-DE" sz="1200" b="0" strike="noStrike" spc="-1" dirty="0" err="1">
+                <a:solidFill>
+                  <a:srgbClr val="000000"/>
+                </a:solidFill>
+                <a:latin typeface="Calibri"/>
+                <a:ea typeface="DejaVu Sans"/>
+              </a:rPr>
+              <a:t>going</a:t>
+            </a:r>
+            <a:r>
+              <a:rPr lang="de-DE" sz="1200" b="0" strike="noStrike" spc="-1" dirty="0">
+                <a:solidFill>
+                  <a:srgbClr val="000000"/>
+                </a:solidFill>
+                <a:latin typeface="Calibri"/>
+                <a:ea typeface="DejaVu Sans"/>
+              </a:rPr>
+              <a:t>, </a:t>
+            </a:r>
+            <a:r>
+              <a:rPr lang="de-DE" sz="1200" b="0" strike="noStrike" spc="-1" dirty="0" err="1">
+                <a:solidFill>
+                  <a:srgbClr val="000000"/>
+                </a:solidFill>
+                <a:latin typeface="Calibri"/>
+                <a:ea typeface="DejaVu Sans"/>
+              </a:rPr>
+              <a:t>if</a:t>
+            </a:r>
+            <a:r>
+              <a:rPr lang="de-DE" sz="1200" b="0" strike="noStrike" spc="-1" dirty="0">
+                <a:solidFill>
+                  <a:srgbClr val="000000"/>
+                </a:solidFill>
+                <a:latin typeface="Calibri"/>
+                <a:ea typeface="DejaVu Sans"/>
+              </a:rPr>
+              <a:t> </a:t>
+            </a:r>
+            <a:r>
+              <a:rPr lang="de-DE" sz="1200" b="0" strike="noStrike" spc="-1" dirty="0" err="1">
+                <a:solidFill>
+                  <a:srgbClr val="000000"/>
+                </a:solidFill>
+                <a:latin typeface="Calibri"/>
+                <a:ea typeface="DejaVu Sans"/>
+              </a:rPr>
+              <a:t>assigned</a:t>
+            </a:r>
+            <a:r>
+              <a:rPr lang="de-DE" sz="1200" b="0" strike="noStrike" spc="-1" dirty="0">
+                <a:solidFill>
+                  <a:srgbClr val="000000"/>
+                </a:solidFill>
+                <a:latin typeface="Calibri"/>
+                <a:ea typeface="DejaVu Sans"/>
+              </a:rPr>
+              <a:t> </a:t>
+            </a:r>
+            <a:r>
+              <a:rPr lang="de-DE" sz="1200" b="0" strike="noStrike" spc="-1" dirty="0" err="1">
+                <a:solidFill>
+                  <a:srgbClr val="000000"/>
+                </a:solidFill>
+                <a:latin typeface="Calibri"/>
+                <a:ea typeface="DejaVu Sans"/>
+              </a:rPr>
+              <a:t>the</a:t>
+            </a:r>
+            <a:r>
+              <a:rPr lang="de-DE" sz="1200" b="0" strike="noStrike" spc="-1" dirty="0">
+                <a:solidFill>
+                  <a:srgbClr val="000000"/>
+                </a:solidFill>
+                <a:latin typeface="Calibri"/>
+                <a:ea typeface="DejaVu Sans"/>
+              </a:rPr>
+              <a:t> </a:t>
+            </a:r>
+            <a:r>
+              <a:rPr lang="de-DE" sz="1200" b="0" strike="noStrike" spc="-1" dirty="0" err="1">
+                <a:solidFill>
+                  <a:srgbClr val="000000"/>
+                </a:solidFill>
+                <a:latin typeface="Calibri"/>
+                <a:ea typeface="DejaVu Sans"/>
+              </a:rPr>
+              <a:t>program</a:t>
+            </a:r>
+            <a:r>
+              <a:rPr lang="de-DE" sz="1200" b="0" strike="noStrike" spc="-1" dirty="0">
+                <a:solidFill>
+                  <a:srgbClr val="000000"/>
+                </a:solidFill>
+                <a:latin typeface="Calibri"/>
+                <a:ea typeface="DejaVu Sans"/>
+              </a:rPr>
+              <a:t> </a:t>
+            </a:r>
+            <a:r>
+              <a:rPr lang="de-DE" sz="1200" b="0" strike="noStrike" spc="-1" dirty="0" err="1">
+                <a:solidFill>
+                  <a:srgbClr val="000000"/>
+                </a:solidFill>
+                <a:latin typeface="Calibri"/>
+                <a:ea typeface="DejaVu Sans"/>
+              </a:rPr>
+              <a:t>stopped</a:t>
+            </a:r>
+            <a:r>
+              <a:rPr lang="de-DE" sz="1200" b="0" strike="noStrike" spc="-1" dirty="0">
+                <a:solidFill>
+                  <a:srgbClr val="000000"/>
+                </a:solidFill>
+                <a:latin typeface="Calibri"/>
+                <a:ea typeface="DejaVu Sans"/>
+              </a:rPr>
+              <a:t> </a:t>
+            </a:r>
+            <a:r>
+              <a:rPr lang="de-DE" sz="1200" b="0" strike="noStrike" spc="-1" dirty="0" err="1">
+                <a:solidFill>
+                  <a:srgbClr val="000000"/>
+                </a:solidFill>
+                <a:latin typeface="Calibri"/>
+                <a:ea typeface="DejaVu Sans"/>
+              </a:rPr>
+              <a:t>immediately</a:t>
+            </a:r>
+            <a:r>
+              <a:rPr lang="de-DE" sz="1200" b="0" strike="noStrike" spc="-1" dirty="0">
+                <a:solidFill>
+                  <a:srgbClr val="000000"/>
+                </a:solidFill>
+                <a:latin typeface="Calibri"/>
+                <a:ea typeface="DejaVu Sans"/>
+              </a:rPr>
+              <a:t>)</a:t>
+            </a:r>
+            <a:endParaRPr lang="en-GB" sz="1200" b="0" strike="noStrike" spc="-1" dirty="0">
+              <a:latin typeface="Arial"/>
+            </a:endParaRPr>
+          </a:p>
+          <a:p>
+            <a:pPr marL="360">
+              <a:lnSpc>
+                <a:spcPct val="90000"/>
+              </a:lnSpc>
+              <a:spcBef>
+                <a:spcPts val="1800"/>
+              </a:spcBef>
+            </a:pPr>
+            <a:r>
+              <a:rPr lang="de-DE" sz="1200" b="0" strike="noStrike" spc="-1" dirty="0">
+                <a:solidFill>
+                  <a:srgbClr val="000000"/>
+                </a:solidFill>
+                <a:latin typeface="Calibri"/>
+                <a:ea typeface="DejaVu Sans"/>
+              </a:rPr>
+              <a:t>All </a:t>
+            </a:r>
+            <a:r>
+              <a:rPr lang="de-DE" sz="1200" b="0" strike="noStrike" spc="-1" dirty="0" err="1">
+                <a:solidFill>
+                  <a:srgbClr val="000000"/>
+                </a:solidFill>
+                <a:latin typeface="Calibri"/>
+                <a:ea typeface="DejaVu Sans"/>
+              </a:rPr>
+              <a:t>you</a:t>
+            </a:r>
+            <a:r>
+              <a:rPr lang="de-DE" sz="1200" b="0" strike="noStrike" spc="-1" dirty="0">
+                <a:solidFill>
+                  <a:srgbClr val="000000"/>
+                </a:solidFill>
+                <a:latin typeface="Calibri"/>
+                <a:ea typeface="DejaVu Sans"/>
+              </a:rPr>
+              <a:t> </a:t>
+            </a:r>
+            <a:r>
+              <a:rPr lang="de-DE" sz="1200" b="0" strike="noStrike" spc="-1" dirty="0" err="1">
+                <a:solidFill>
+                  <a:srgbClr val="000000"/>
+                </a:solidFill>
+                <a:latin typeface="Calibri"/>
+                <a:ea typeface="DejaVu Sans"/>
+              </a:rPr>
+              <a:t>need</a:t>
+            </a:r>
+            <a:r>
+              <a:rPr lang="de-DE" sz="1200" b="0" strike="noStrike" spc="-1" dirty="0">
+                <a:solidFill>
+                  <a:srgbClr val="000000"/>
+                </a:solidFill>
+                <a:latin typeface="Calibri"/>
+                <a:ea typeface="DejaVu Sans"/>
+              </a:rPr>
+              <a:t> </a:t>
+            </a:r>
+            <a:r>
+              <a:rPr lang="de-DE" sz="1200" b="0" strike="noStrike" spc="-1" dirty="0" err="1">
+                <a:solidFill>
+                  <a:srgbClr val="000000"/>
+                </a:solidFill>
+                <a:latin typeface="Calibri"/>
+                <a:ea typeface="DejaVu Sans"/>
+              </a:rPr>
+              <a:t>is</a:t>
+            </a:r>
+            <a:r>
+              <a:rPr lang="de-DE" sz="1200" b="0" strike="noStrike" spc="-1" dirty="0">
+                <a:solidFill>
+                  <a:srgbClr val="000000"/>
+                </a:solidFill>
+                <a:latin typeface="Calibri"/>
+                <a:ea typeface="DejaVu Sans"/>
+              </a:rPr>
+              <a:t> a </a:t>
+            </a:r>
+            <a:r>
+              <a:rPr lang="de-DE" sz="1200" b="0" strike="noStrike" spc="-1" dirty="0" err="1">
+                <a:solidFill>
+                  <a:srgbClr val="000000"/>
+                </a:solidFill>
+                <a:latin typeface="Calibri"/>
+                <a:ea typeface="DejaVu Sans"/>
+              </a:rPr>
+              <a:t>file</a:t>
+            </a:r>
+            <a:r>
+              <a:rPr lang="de-DE" sz="1200" b="0" strike="noStrike" spc="-1" dirty="0">
+                <a:solidFill>
+                  <a:srgbClr val="000000"/>
+                </a:solidFill>
+                <a:latin typeface="Calibri"/>
+                <a:ea typeface="DejaVu Sans"/>
+              </a:rPr>
+              <a:t> </a:t>
+            </a:r>
+            <a:r>
+              <a:rPr lang="de-DE" sz="1200" b="0" strike="noStrike" spc="-1" dirty="0" err="1">
+                <a:solidFill>
+                  <a:srgbClr val="000000"/>
+                </a:solidFill>
+                <a:latin typeface="Calibri"/>
+                <a:ea typeface="DejaVu Sans"/>
+              </a:rPr>
+              <a:t>that</a:t>
+            </a:r>
+            <a:r>
+              <a:rPr lang="de-DE" sz="1200" b="0" strike="noStrike" spc="-1" dirty="0">
+                <a:solidFill>
+                  <a:srgbClr val="000000"/>
+                </a:solidFill>
+                <a:latin typeface="Calibri"/>
+                <a:ea typeface="DejaVu Sans"/>
+              </a:rPr>
+              <a:t> </a:t>
+            </a:r>
+            <a:r>
+              <a:rPr lang="de-DE" sz="1200" b="0" strike="noStrike" spc="-1" dirty="0" err="1">
+                <a:solidFill>
+                  <a:srgbClr val="000000"/>
+                </a:solidFill>
+                <a:latin typeface="Calibri"/>
+                <a:ea typeface="DejaVu Sans"/>
+              </a:rPr>
+              <a:t>contains</a:t>
+            </a:r>
+            <a:r>
+              <a:rPr lang="de-DE" sz="1200" b="0" strike="noStrike" spc="-1" dirty="0">
+                <a:solidFill>
+                  <a:srgbClr val="000000"/>
+                </a:solidFill>
+                <a:latin typeface="Calibri"/>
+                <a:ea typeface="DejaVu Sans"/>
+              </a:rPr>
+              <a:t> </a:t>
+            </a:r>
+            <a:r>
+              <a:rPr lang="de-DE" sz="1200" b="0" strike="noStrike" spc="-1" dirty="0" err="1">
+                <a:solidFill>
+                  <a:srgbClr val="000000"/>
+                </a:solidFill>
+                <a:latin typeface="Calibri"/>
+                <a:ea typeface="DejaVu Sans"/>
+              </a:rPr>
+              <a:t>the</a:t>
+            </a:r>
+            <a:r>
+              <a:rPr lang="de-DE" sz="1200" b="0" strike="noStrike" spc="-1" dirty="0">
+                <a:solidFill>
+                  <a:srgbClr val="000000"/>
+                </a:solidFill>
+                <a:latin typeface="Calibri"/>
+                <a:ea typeface="DejaVu Sans"/>
+              </a:rPr>
+              <a:t> </a:t>
+            </a:r>
+            <a:r>
+              <a:rPr lang="de-DE" sz="1200" b="0" strike="noStrike" spc="-1" dirty="0" err="1">
+                <a:solidFill>
+                  <a:srgbClr val="000000"/>
+                </a:solidFill>
+                <a:latin typeface="Calibri"/>
+                <a:ea typeface="DejaVu Sans"/>
+              </a:rPr>
+              <a:t>important</a:t>
+            </a:r>
+            <a:r>
+              <a:rPr lang="de-DE" sz="1200" b="0" strike="noStrike" spc="-1" dirty="0">
+                <a:solidFill>
+                  <a:srgbClr val="000000"/>
+                </a:solidFill>
+                <a:latin typeface="Calibri"/>
+                <a:ea typeface="DejaVu Sans"/>
+              </a:rPr>
+              <a:t> </a:t>
+            </a:r>
+            <a:r>
+              <a:rPr lang="de-DE" sz="1200" b="0" strike="noStrike" spc="-1" dirty="0" err="1">
+                <a:solidFill>
+                  <a:srgbClr val="000000"/>
+                </a:solidFill>
+                <a:latin typeface="Calibri"/>
+                <a:ea typeface="DejaVu Sans"/>
+              </a:rPr>
+              <a:t>algorithm</a:t>
+            </a:r>
+            <a:r>
+              <a:rPr lang="de-DE" sz="1200" b="0" strike="noStrike" spc="-1" dirty="0">
+                <a:solidFill>
+                  <a:srgbClr val="000000"/>
+                </a:solidFill>
+                <a:latin typeface="Calibri"/>
+                <a:ea typeface="DejaVu Sans"/>
+              </a:rPr>
+              <a:t> (</a:t>
+            </a:r>
+            <a:r>
+              <a:rPr lang="de-DE" sz="1200" b="0" strike="noStrike" spc="-1" dirty="0" err="1">
+                <a:solidFill>
+                  <a:srgbClr val="000000"/>
+                </a:solidFill>
+                <a:latin typeface="Calibri"/>
+                <a:ea typeface="DejaVu Sans"/>
+              </a:rPr>
+              <a:t>Binaries</a:t>
+            </a:r>
+            <a:r>
+              <a:rPr lang="de-DE" sz="1200" b="0" strike="noStrike" spc="-1" dirty="0">
+                <a:solidFill>
+                  <a:srgbClr val="000000"/>
+                </a:solidFill>
+                <a:latin typeface="Calibri"/>
+                <a:ea typeface="DejaVu Sans"/>
+              </a:rPr>
+              <a:t>, </a:t>
+            </a:r>
+            <a:r>
+              <a:rPr lang="de-DE" sz="1200" b="0" strike="noStrike" spc="-1" dirty="0" err="1">
+                <a:solidFill>
+                  <a:srgbClr val="000000"/>
+                </a:solidFill>
+                <a:latin typeface="Calibri"/>
+                <a:ea typeface="DejaVu Sans"/>
+              </a:rPr>
+              <a:t>Executables</a:t>
+            </a:r>
+            <a:r>
+              <a:rPr lang="de-DE" sz="1200" b="0" strike="noStrike" spc="-1" dirty="0">
+                <a:solidFill>
+                  <a:srgbClr val="000000"/>
+                </a:solidFill>
+                <a:latin typeface="Calibri"/>
+                <a:ea typeface="DejaVu Sans"/>
+              </a:rPr>
+              <a:t>, …)</a:t>
+            </a:r>
+            <a:endParaRPr lang="nl-NL" dirty="0"/>
+          </a:p>
+        </p:txBody>
+      </p:sp>
+      <p:sp>
+        <p:nvSpPr>
+          <p:cNvPr id="4" name="Slide Number Placeholder 3"/>
+          <p:cNvSpPr>
+            <a:spLocks noGrp="1"/>
+          </p:cNvSpPr>
+          <p:nvPr>
+            <p:ph type="sldNum" sz="quarter" idx="5"/>
+          </p:nvPr>
+        </p:nvSpPr>
+        <p:spPr/>
+        <p:txBody>
+          <a:bodyPr/>
+          <a:lstStyle/>
+          <a:p>
+            <a:fld id="{589FD4FC-3991-428A-BACE-69EE09E264E0}" type="slidenum">
+              <a:rPr lang="nl-NL" smtClean="0"/>
+              <a:t>12</a:t>
+            </a:fld>
+            <a:endParaRPr lang="nl-NL"/>
+          </a:p>
+        </p:txBody>
+      </p:sp>
+    </p:spTree>
+    <p:extLst>
+      <p:ext uri="{BB962C8B-B14F-4D97-AF65-F5344CB8AC3E}">
+        <p14:creationId xmlns:p14="http://schemas.microsoft.com/office/powerpoint/2010/main" val="2142106323"/>
+      </p:ext>
+    </p:extLst>
+  </p:cSld>
+  <p:clrMapOvr>
+    <a:masterClrMapping/>
+  </p:clrMapOvr>
+</p:notes>
+</file>
+
+<file path=ppt/notesSlides/notesSlide13.xml><?xml version="1.0" encoding="utf-8"?>
+<p:notes xmlns:a="http://schemas.openxmlformats.org/drawingml/2006/main" xmlns:r="http://schemas.openxmlformats.org/officeDocument/2006/relationships" xmlns:p="http://schemas.openxmlformats.org/presentationml/2006/main">
+  <p:cSld>
+    <p:spTree>
+      <p:nvGrpSpPr>
+        <p:cNvPr id="1" name=""/>
+        <p:cNvGrpSpPr/>
+        <p:nvPr/>
+      </p:nvGrpSpPr>
+      <p:grpSpPr>
+        <a:xfrm>
+          <a:off x="0" y="0"/>
+          <a:ext cx="0" cy="0"/>
+          <a:chOff x="0" y="0"/>
+          <a:chExt cx="0" cy="0"/>
+        </a:xfrm>
+      </p:grpSpPr>
+      <p:sp>
+        <p:nvSpPr>
           <p:cNvPr id="2" name="Tijdelijke aanduiding voor dia-afbeelding 1"/>
           <p:cNvSpPr>
             <a:spLocks noGrp="1" noRot="1" noChangeAspect="1"/>
@@ -3348,7 +3553,7 @@
           <a:p>
             <a:fld id="{589FD4FC-3991-428A-BACE-69EE09E264E0}" type="slidenum">
               <a:rPr lang="nl-NL" smtClean="0"/>
-              <a:t>12</a:t>
+              <a:t>13</a:t>
             </a:fld>
             <a:endParaRPr lang="nl-NL"/>
           </a:p>
@@ -3783,6 +3988,11 @@
               <a:rPr lang="en-GB" dirty="0"/>
               <a:t>Glenn</a:t>
             </a:r>
+          </a:p>
+          <a:p>
+            <a:endParaRPr lang="en-GB"/>
+          </a:p>
+          <a:p>
             <a:endParaRPr lang="nl-NL" dirty="0"/>
           </a:p>
         </p:txBody>
@@ -3869,7 +4079,7 @@
           <a:p>
             <a:r>
               <a:rPr lang="en-GB" dirty="0"/>
-              <a:t>Glenn</a:t>
+              <a:t>movie</a:t>
             </a:r>
             <a:endParaRPr lang="nl-NL" dirty="0"/>
           </a:p>
@@ -3901,7 +4111,7 @@
     </p:spTree>
     <p:extLst>
       <p:ext uri="{BB962C8B-B14F-4D97-AF65-F5344CB8AC3E}">
-        <p14:creationId xmlns:p14="http://schemas.microsoft.com/office/powerpoint/2010/main" val="1893436605"/>
+        <p14:creationId xmlns:p14="http://schemas.microsoft.com/office/powerpoint/2010/main" val="1200855432"/>
       </p:ext>
     </p:extLst>
   </p:cSld>
@@ -3930,7 +4140,7 @@
       </p:grpSpPr>
       <p:sp>
         <p:nvSpPr>
-          <p:cNvPr id="2" name="Tijdelijke aanduiding voor dia-afbeelding 1"/>
+          <p:cNvPr id="2" name="Slide Image Placeholder 1"/>
           <p:cNvSpPr>
             <a:spLocks noGrp="1" noRot="1" noChangeAspect="1"/>
           </p:cNvSpPr>
@@ -3942,7 +4152,7 @@
       </p:sp>
       <p:sp>
         <p:nvSpPr>
-          <p:cNvPr id="3" name="Tijdelijke aanduiding voor notities 2"/>
+          <p:cNvPr id="3" name="Notes Placeholder 2"/>
           <p:cNvSpPr>
             <a:spLocks noGrp="1"/>
           </p:cNvSpPr>
@@ -3955,1051 +4165,9 @@
           <a:bodyPr/>
           <a:lstStyle/>
           <a:p>
-            <a:pPr marL="720" indent="0">
-              <a:lnSpc>
-                <a:spcPct val="90000"/>
-              </a:lnSpc>
-              <a:spcBef>
-                <a:spcPts val="1800"/>
-              </a:spcBef>
-              <a:buClr>
-                <a:srgbClr val="000000"/>
-              </a:buClr>
-              <a:buSzPct val="80000"/>
-              <a:buFont typeface="Wingdings" charset="2"/>
-              <a:buNone/>
-            </a:pPr>
-            <a:r>
-              <a:rPr lang="de-DE" sz="1200" b="0" strike="noStrike" spc="-1" dirty="0" err="1">
-                <a:solidFill>
-                  <a:srgbClr val="000000"/>
-                </a:solidFill>
-                <a:latin typeface="Calibri"/>
-                <a:ea typeface="DejaVu Sans"/>
-              </a:rPr>
-              <a:t>Sjong</a:t>
-            </a:r>
-            <a:endParaRPr lang="de-DE" sz="1200" b="0" strike="noStrike" spc="-1" dirty="0">
-              <a:solidFill>
-                <a:srgbClr val="000000"/>
-              </a:solidFill>
-              <a:latin typeface="Calibri"/>
-              <a:ea typeface="DejaVu Sans"/>
-            </a:endParaRPr>
-          </a:p>
-          <a:p>
-            <a:pPr marL="274320" indent="-273600">
-              <a:lnSpc>
-                <a:spcPct val="90000"/>
-              </a:lnSpc>
-              <a:spcBef>
-                <a:spcPts val="1800"/>
-              </a:spcBef>
-              <a:buClr>
-                <a:srgbClr val="000000"/>
-              </a:buClr>
-              <a:buSzPct val="80000"/>
-              <a:buFont typeface="Wingdings" charset="2"/>
-              <a:buChar char=""/>
-            </a:pPr>
-            <a:endParaRPr lang="de-DE" sz="1200" b="0" strike="noStrike" spc="-1" dirty="0">
-              <a:solidFill>
-                <a:srgbClr val="000000"/>
-              </a:solidFill>
-              <a:latin typeface="Calibri"/>
-              <a:ea typeface="DejaVu Sans"/>
-            </a:endParaRPr>
-          </a:p>
-          <a:p>
-            <a:pPr marL="274320" indent="-273600">
-              <a:lnSpc>
-                <a:spcPct val="90000"/>
-              </a:lnSpc>
-              <a:spcBef>
-                <a:spcPts val="1800"/>
-              </a:spcBef>
-              <a:buClr>
-                <a:srgbClr val="000000"/>
-              </a:buClr>
-              <a:buSzPct val="80000"/>
-              <a:buFont typeface="Wingdings" charset="2"/>
-              <a:buChar char=""/>
-            </a:pPr>
-            <a:r>
-              <a:rPr lang="de-DE" sz="1200" b="0" strike="noStrike" spc="-1" dirty="0">
-                <a:solidFill>
-                  <a:srgbClr val="000000"/>
-                </a:solidFill>
-                <a:latin typeface="Calibri"/>
-                <a:ea typeface="DejaVu Sans"/>
-              </a:rPr>
-              <a:t>1. Lexing (</a:t>
-            </a:r>
-            <a:r>
-              <a:rPr lang="de-DE" sz="1200" b="0" strike="noStrike" spc="-1" dirty="0" err="1">
-                <a:solidFill>
-                  <a:srgbClr val="000000"/>
-                </a:solidFill>
-                <a:latin typeface="Calibri"/>
-                <a:ea typeface="DejaVu Sans"/>
-              </a:rPr>
-              <a:t>breaking</a:t>
-            </a:r>
-            <a:r>
-              <a:rPr lang="de-DE" sz="1200" b="0" strike="noStrike" spc="-1" dirty="0">
-                <a:solidFill>
-                  <a:srgbClr val="000000"/>
-                </a:solidFill>
-                <a:latin typeface="Calibri"/>
-                <a:ea typeface="DejaVu Sans"/>
-              </a:rPr>
-              <a:t> </a:t>
-            </a:r>
-            <a:r>
-              <a:rPr lang="de-DE" sz="1200" b="0" strike="noStrike" spc="-1" dirty="0" err="1">
-                <a:solidFill>
-                  <a:srgbClr val="000000"/>
-                </a:solidFill>
-                <a:latin typeface="Calibri"/>
-                <a:ea typeface="DejaVu Sans"/>
-              </a:rPr>
-              <a:t>up</a:t>
-            </a:r>
-            <a:r>
-              <a:rPr lang="de-DE" sz="1200" b="0" strike="noStrike" spc="-1" dirty="0">
-                <a:solidFill>
-                  <a:srgbClr val="000000"/>
-                </a:solidFill>
-                <a:latin typeface="Calibri"/>
-                <a:ea typeface="DejaVu Sans"/>
-              </a:rPr>
-              <a:t> </a:t>
-            </a:r>
-            <a:r>
-              <a:rPr lang="de-DE" sz="1200" b="0" strike="noStrike" spc="-1" dirty="0" err="1">
-                <a:solidFill>
-                  <a:srgbClr val="000000"/>
-                </a:solidFill>
-                <a:latin typeface="Calibri"/>
-                <a:ea typeface="DejaVu Sans"/>
-              </a:rPr>
-              <a:t>the</a:t>
-            </a:r>
-            <a:r>
-              <a:rPr lang="de-DE" sz="1200" b="0" strike="noStrike" spc="-1" dirty="0">
-                <a:solidFill>
-                  <a:srgbClr val="000000"/>
-                </a:solidFill>
-                <a:latin typeface="Calibri"/>
-                <a:ea typeface="DejaVu Sans"/>
-              </a:rPr>
-              <a:t> </a:t>
-            </a:r>
-            <a:r>
-              <a:rPr lang="de-DE" sz="1200" b="0" strike="noStrike" spc="-1" dirty="0" err="1">
-                <a:solidFill>
-                  <a:srgbClr val="000000"/>
-                </a:solidFill>
-                <a:latin typeface="Calibri"/>
-                <a:ea typeface="DejaVu Sans"/>
-              </a:rPr>
-              <a:t>text</a:t>
-            </a:r>
-            <a:r>
-              <a:rPr lang="de-DE" sz="1200" b="0" strike="noStrike" spc="-1" dirty="0">
-                <a:solidFill>
-                  <a:srgbClr val="000000"/>
-                </a:solidFill>
-                <a:latin typeface="Calibri"/>
-                <a:ea typeface="DejaVu Sans"/>
-              </a:rPr>
-              <a:t> </a:t>
-            </a:r>
-            <a:r>
-              <a:rPr lang="de-DE" sz="1200" b="0" strike="noStrike" spc="-1" dirty="0" err="1">
-                <a:solidFill>
-                  <a:srgbClr val="000000"/>
-                </a:solidFill>
-                <a:latin typeface="Calibri"/>
-                <a:ea typeface="DejaVu Sans"/>
-              </a:rPr>
-              <a:t>into</a:t>
-            </a:r>
-            <a:r>
-              <a:rPr lang="de-DE" sz="1200" b="0" strike="noStrike" spc="-1" dirty="0">
-                <a:solidFill>
-                  <a:srgbClr val="000000"/>
-                </a:solidFill>
-                <a:latin typeface="Calibri"/>
-                <a:ea typeface="DejaVu Sans"/>
-              </a:rPr>
-              <a:t> </a:t>
-            </a:r>
-            <a:r>
-              <a:rPr lang="de-DE" sz="1200" b="0" strike="noStrike" spc="-1" dirty="0" err="1">
-                <a:solidFill>
-                  <a:srgbClr val="000000"/>
-                </a:solidFill>
-                <a:latin typeface="Calibri"/>
-                <a:ea typeface="DejaVu Sans"/>
-              </a:rPr>
-              <a:t>tokens</a:t>
-            </a:r>
-            <a:r>
-              <a:rPr lang="de-DE" sz="1200" b="0" strike="noStrike" spc="-1" dirty="0">
-                <a:solidFill>
-                  <a:srgbClr val="000000"/>
-                </a:solidFill>
-                <a:latin typeface="Calibri"/>
-                <a:ea typeface="DejaVu Sans"/>
-              </a:rPr>
-              <a:t>)</a:t>
-            </a:r>
-            <a:endParaRPr lang="en-GB" sz="1200" b="0" strike="noStrike" spc="-1" dirty="0">
-              <a:latin typeface="Arial"/>
-            </a:endParaRPr>
-          </a:p>
-          <a:p>
-            <a:pPr marL="274320" indent="-273600">
-              <a:lnSpc>
-                <a:spcPct val="90000"/>
-              </a:lnSpc>
-              <a:spcBef>
-                <a:spcPts val="1800"/>
-              </a:spcBef>
-              <a:buClr>
-                <a:srgbClr val="000000"/>
-              </a:buClr>
-              <a:buSzPct val="80000"/>
-              <a:buFont typeface="Wingdings" charset="2"/>
-              <a:buChar char=""/>
-            </a:pPr>
-            <a:r>
-              <a:rPr lang="de-DE" sz="1200" b="0" strike="noStrike" spc="-1" dirty="0">
-                <a:solidFill>
-                  <a:srgbClr val="000000"/>
-                </a:solidFill>
-                <a:latin typeface="Calibri"/>
-                <a:ea typeface="DejaVu Sans"/>
-              </a:rPr>
-              <a:t>2. </a:t>
-            </a:r>
-            <a:r>
-              <a:rPr lang="de-DE" sz="1200" b="0" strike="noStrike" spc="-1" dirty="0" err="1">
-                <a:solidFill>
-                  <a:srgbClr val="000000"/>
-                </a:solidFill>
-                <a:latin typeface="Calibri"/>
-                <a:ea typeface="DejaVu Sans"/>
-              </a:rPr>
-              <a:t>Parsing</a:t>
-            </a:r>
-            <a:r>
-              <a:rPr lang="de-DE" sz="1200" b="0" strike="noStrike" spc="-1" dirty="0">
-                <a:solidFill>
-                  <a:srgbClr val="000000"/>
-                </a:solidFill>
-                <a:latin typeface="Calibri"/>
-                <a:ea typeface="DejaVu Sans"/>
-              </a:rPr>
-              <a:t> (</a:t>
-            </a:r>
-            <a:r>
-              <a:rPr lang="de-DE" sz="1200" b="0" strike="noStrike" spc="-1" dirty="0" err="1">
-                <a:solidFill>
-                  <a:srgbClr val="000000"/>
-                </a:solidFill>
-                <a:latin typeface="Calibri"/>
-                <a:ea typeface="DejaVu Sans"/>
-              </a:rPr>
-              <a:t>converting</a:t>
-            </a:r>
-            <a:r>
-              <a:rPr lang="de-DE" sz="1200" b="0" strike="noStrike" spc="-1" dirty="0">
-                <a:solidFill>
-                  <a:srgbClr val="000000"/>
-                </a:solidFill>
-                <a:latin typeface="Calibri"/>
-                <a:ea typeface="DejaVu Sans"/>
-              </a:rPr>
-              <a:t> </a:t>
-            </a:r>
-            <a:r>
-              <a:rPr lang="de-DE" sz="1200" b="0" strike="noStrike" spc="-1" dirty="0" err="1">
-                <a:solidFill>
-                  <a:srgbClr val="000000"/>
-                </a:solidFill>
-                <a:latin typeface="Calibri"/>
-                <a:ea typeface="DejaVu Sans"/>
-              </a:rPr>
-              <a:t>the</a:t>
-            </a:r>
-            <a:r>
-              <a:rPr lang="de-DE" sz="1200" b="0" strike="noStrike" spc="-1" dirty="0">
-                <a:solidFill>
-                  <a:srgbClr val="000000"/>
-                </a:solidFill>
-                <a:latin typeface="Calibri"/>
-                <a:ea typeface="DejaVu Sans"/>
-              </a:rPr>
-              <a:t> </a:t>
-            </a:r>
-            <a:r>
-              <a:rPr lang="de-DE" sz="1200" b="0" strike="noStrike" spc="-1" dirty="0" err="1">
-                <a:solidFill>
-                  <a:srgbClr val="000000"/>
-                </a:solidFill>
-                <a:latin typeface="Calibri"/>
-                <a:ea typeface="DejaVu Sans"/>
-              </a:rPr>
-              <a:t>tokens</a:t>
-            </a:r>
-            <a:r>
-              <a:rPr lang="de-DE" sz="1200" b="0" strike="noStrike" spc="-1" dirty="0">
-                <a:solidFill>
-                  <a:srgbClr val="000000"/>
-                </a:solidFill>
-                <a:latin typeface="Calibri"/>
-                <a:ea typeface="DejaVu Sans"/>
-              </a:rPr>
-              <a:t> </a:t>
-            </a:r>
-            <a:r>
-              <a:rPr lang="de-DE" sz="1200" b="0" strike="noStrike" spc="-1" dirty="0" err="1">
-                <a:solidFill>
-                  <a:srgbClr val="000000"/>
-                </a:solidFill>
-                <a:latin typeface="Calibri"/>
-                <a:ea typeface="DejaVu Sans"/>
-              </a:rPr>
-              <a:t>into</a:t>
-            </a:r>
-            <a:r>
-              <a:rPr lang="de-DE" sz="1200" b="0" strike="noStrike" spc="-1" dirty="0">
-                <a:solidFill>
-                  <a:srgbClr val="000000"/>
-                </a:solidFill>
-                <a:latin typeface="Calibri"/>
-                <a:ea typeface="DejaVu Sans"/>
-              </a:rPr>
-              <a:t> parse </a:t>
-            </a:r>
-            <a:r>
-              <a:rPr lang="de-DE" sz="1200" b="0" strike="noStrike" spc="-1" dirty="0" err="1">
-                <a:solidFill>
-                  <a:srgbClr val="000000"/>
-                </a:solidFill>
-                <a:latin typeface="Calibri"/>
-                <a:ea typeface="DejaVu Sans"/>
-              </a:rPr>
-              <a:t>tree</a:t>
-            </a:r>
-            <a:r>
-              <a:rPr lang="de-DE" sz="1200" b="0" strike="noStrike" spc="-1" dirty="0">
-                <a:solidFill>
-                  <a:srgbClr val="000000"/>
-                </a:solidFill>
-                <a:latin typeface="Calibri"/>
-                <a:ea typeface="DejaVu Sans"/>
-              </a:rPr>
-              <a:t>)</a:t>
-            </a:r>
-            <a:endParaRPr lang="en-GB" sz="1200" b="0" strike="noStrike" spc="-1" dirty="0">
-              <a:latin typeface="Arial"/>
-            </a:endParaRPr>
-          </a:p>
-          <a:p>
-            <a:pPr marL="274320" indent="-273600">
-              <a:lnSpc>
-                <a:spcPct val="90000"/>
-              </a:lnSpc>
-              <a:spcBef>
-                <a:spcPts val="1800"/>
-              </a:spcBef>
-              <a:buClr>
-                <a:srgbClr val="000000"/>
-              </a:buClr>
-              <a:buSzPct val="80000"/>
-              <a:buFont typeface="Wingdings" charset="2"/>
-              <a:buChar char=""/>
-            </a:pPr>
-            <a:r>
-              <a:rPr lang="de-DE" sz="1200" b="0" strike="noStrike" spc="-1" dirty="0">
-                <a:solidFill>
-                  <a:srgbClr val="000000"/>
-                </a:solidFill>
-                <a:latin typeface="Calibri"/>
-                <a:ea typeface="DejaVu Sans"/>
-              </a:rPr>
-              <a:t>3. </a:t>
-            </a:r>
-            <a:r>
-              <a:rPr lang="de-DE" sz="1200" b="0" strike="noStrike" spc="-1" dirty="0" err="1">
-                <a:solidFill>
-                  <a:srgbClr val="000000"/>
-                </a:solidFill>
-                <a:latin typeface="Calibri"/>
-                <a:ea typeface="DejaVu Sans"/>
-              </a:rPr>
-              <a:t>Optimization</a:t>
-            </a:r>
-            <a:r>
-              <a:rPr lang="de-DE" sz="1200" b="0" strike="noStrike" spc="-1" dirty="0">
-                <a:solidFill>
-                  <a:srgbClr val="000000"/>
-                </a:solidFill>
-                <a:latin typeface="Calibri"/>
-                <a:ea typeface="DejaVu Sans"/>
-              </a:rPr>
-              <a:t> (</a:t>
-            </a:r>
-            <a:r>
-              <a:rPr lang="de-DE" sz="1200" b="0" strike="noStrike" spc="-1" dirty="0" err="1">
-                <a:solidFill>
-                  <a:srgbClr val="000000"/>
-                </a:solidFill>
-                <a:latin typeface="Calibri"/>
-                <a:ea typeface="DejaVu Sans"/>
-              </a:rPr>
-              <a:t>optimise</a:t>
-            </a:r>
-            <a:r>
-              <a:rPr lang="de-DE" sz="1200" b="0" strike="noStrike" spc="-1" dirty="0">
-                <a:solidFill>
-                  <a:srgbClr val="000000"/>
-                </a:solidFill>
-                <a:latin typeface="Calibri"/>
-                <a:ea typeface="DejaVu Sans"/>
-              </a:rPr>
-              <a:t> </a:t>
-            </a:r>
-            <a:r>
-              <a:rPr lang="de-DE" sz="1200" b="0" strike="noStrike" spc="-1" dirty="0" err="1">
-                <a:solidFill>
-                  <a:srgbClr val="000000"/>
-                </a:solidFill>
-                <a:latin typeface="Calibri"/>
-                <a:ea typeface="DejaVu Sans"/>
-              </a:rPr>
-              <a:t>the</a:t>
-            </a:r>
-            <a:r>
-              <a:rPr lang="de-DE" sz="1200" b="0" strike="noStrike" spc="-1" dirty="0">
-                <a:solidFill>
-                  <a:srgbClr val="000000"/>
-                </a:solidFill>
-                <a:latin typeface="Calibri"/>
-                <a:ea typeface="DejaVu Sans"/>
-              </a:rPr>
-              <a:t> parse </a:t>
-            </a:r>
-            <a:r>
-              <a:rPr lang="de-DE" sz="1200" b="0" strike="noStrike" spc="-1" dirty="0" err="1">
-                <a:solidFill>
-                  <a:srgbClr val="000000"/>
-                </a:solidFill>
-                <a:latin typeface="Calibri"/>
-                <a:ea typeface="DejaVu Sans"/>
-              </a:rPr>
-              <a:t>tree</a:t>
-            </a:r>
-            <a:r>
-              <a:rPr lang="de-DE" sz="1200" b="0" strike="noStrike" spc="-1" dirty="0">
-                <a:solidFill>
-                  <a:srgbClr val="000000"/>
-                </a:solidFill>
-                <a:latin typeface="Calibri"/>
-                <a:ea typeface="DejaVu Sans"/>
-              </a:rPr>
-              <a:t> </a:t>
-            </a:r>
-            <a:r>
-              <a:rPr lang="de-DE" sz="1200" b="0" strike="noStrike" spc="-1" dirty="0" err="1">
-                <a:solidFill>
-                  <a:srgbClr val="000000"/>
-                </a:solidFill>
-                <a:latin typeface="Calibri"/>
-                <a:ea typeface="DejaVu Sans"/>
-              </a:rPr>
-              <a:t>with</a:t>
-            </a:r>
-            <a:r>
-              <a:rPr lang="de-DE" sz="1200" b="0" strike="noStrike" spc="-1" dirty="0">
-                <a:solidFill>
-                  <a:srgbClr val="000000"/>
-                </a:solidFill>
-                <a:latin typeface="Calibri"/>
-                <a:ea typeface="DejaVu Sans"/>
-              </a:rPr>
-              <a:t> </a:t>
-            </a:r>
-            <a:r>
-              <a:rPr lang="de-DE" sz="1200" b="0" strike="noStrike" spc="-1" dirty="0" err="1">
-                <a:solidFill>
-                  <a:srgbClr val="000000"/>
-                </a:solidFill>
-                <a:latin typeface="Calibri"/>
-                <a:ea typeface="DejaVu Sans"/>
-              </a:rPr>
-              <a:t>actions</a:t>
-            </a:r>
-            <a:r>
-              <a:rPr lang="de-DE" sz="1200" b="0" strike="noStrike" spc="-1" dirty="0">
-                <a:solidFill>
-                  <a:srgbClr val="000000"/>
-                </a:solidFill>
-                <a:latin typeface="Calibri"/>
-                <a:ea typeface="DejaVu Sans"/>
-              </a:rPr>
-              <a:t> </a:t>
-            </a:r>
-            <a:r>
-              <a:rPr lang="de-DE" sz="1200" b="0" strike="noStrike" spc="-1" dirty="0" err="1">
-                <a:solidFill>
-                  <a:srgbClr val="000000"/>
-                </a:solidFill>
-                <a:latin typeface="Calibri"/>
-                <a:ea typeface="DejaVu Sans"/>
-              </a:rPr>
-              <a:t>as</a:t>
-            </a:r>
-            <a:r>
-              <a:rPr lang="de-DE" sz="1200" b="0" strike="noStrike" spc="-1" dirty="0">
-                <a:solidFill>
-                  <a:srgbClr val="000000"/>
-                </a:solidFill>
-                <a:latin typeface="Calibri"/>
-                <a:ea typeface="DejaVu Sans"/>
-              </a:rPr>
-              <a:t> </a:t>
-            </a:r>
-            <a:r>
-              <a:rPr lang="de-DE" sz="1200" b="0" strike="noStrike" spc="-1" dirty="0" err="1">
-                <a:solidFill>
-                  <a:srgbClr val="000000"/>
-                </a:solidFill>
-                <a:latin typeface="Calibri"/>
-                <a:ea typeface="DejaVu Sans"/>
-              </a:rPr>
-              <a:t>removing</a:t>
-            </a:r>
-            <a:r>
-              <a:rPr lang="de-DE" sz="1200" b="0" strike="noStrike" spc="-1" dirty="0">
-                <a:solidFill>
-                  <a:srgbClr val="000000"/>
-                </a:solidFill>
-                <a:latin typeface="Calibri"/>
-                <a:ea typeface="DejaVu Sans"/>
-              </a:rPr>
-              <a:t> </a:t>
-            </a:r>
-            <a:r>
-              <a:rPr lang="de-DE" sz="1200" b="0" strike="noStrike" spc="-1" dirty="0" err="1">
-                <a:solidFill>
-                  <a:srgbClr val="000000"/>
-                </a:solidFill>
-                <a:latin typeface="Calibri"/>
-                <a:ea typeface="DejaVu Sans"/>
-              </a:rPr>
-              <a:t>unused</a:t>
-            </a:r>
-            <a:r>
-              <a:rPr lang="de-DE" sz="1200" b="0" strike="noStrike" spc="-1" dirty="0">
-                <a:solidFill>
-                  <a:srgbClr val="000000"/>
-                </a:solidFill>
-                <a:latin typeface="Calibri"/>
-                <a:ea typeface="DejaVu Sans"/>
-              </a:rPr>
-              <a:t> variables </a:t>
-            </a:r>
-            <a:r>
-              <a:rPr lang="de-DE" sz="1200" b="0" strike="noStrike" spc="-1" dirty="0" err="1">
-                <a:solidFill>
-                  <a:srgbClr val="000000"/>
-                </a:solidFill>
-                <a:latin typeface="Calibri"/>
-                <a:ea typeface="DejaVu Sans"/>
-              </a:rPr>
-              <a:t>or</a:t>
-            </a:r>
-            <a:r>
-              <a:rPr lang="de-DE" sz="1200" b="0" strike="noStrike" spc="-1" dirty="0">
-                <a:solidFill>
-                  <a:srgbClr val="000000"/>
-                </a:solidFill>
-                <a:latin typeface="Calibri"/>
-                <a:ea typeface="DejaVu Sans"/>
-              </a:rPr>
-              <a:t> </a:t>
-            </a:r>
-            <a:r>
-              <a:rPr lang="de-DE" sz="1200" b="0" strike="noStrike" spc="-1" dirty="0" err="1">
-                <a:solidFill>
-                  <a:srgbClr val="000000"/>
-                </a:solidFill>
-                <a:latin typeface="Calibri"/>
-                <a:ea typeface="DejaVu Sans"/>
-              </a:rPr>
-              <a:t>evaluate</a:t>
-            </a:r>
-            <a:r>
-              <a:rPr lang="de-DE" sz="1200" b="0" strike="noStrike" spc="-1" dirty="0">
-                <a:solidFill>
-                  <a:srgbClr val="000000"/>
-                </a:solidFill>
-                <a:latin typeface="Calibri"/>
-                <a:ea typeface="DejaVu Sans"/>
-              </a:rPr>
-              <a:t> </a:t>
-            </a:r>
-            <a:r>
-              <a:rPr lang="de-DE" sz="1200" b="0" strike="noStrike" spc="-1" dirty="0" err="1">
-                <a:solidFill>
-                  <a:srgbClr val="000000"/>
-                </a:solidFill>
-                <a:latin typeface="Calibri"/>
-                <a:ea typeface="DejaVu Sans"/>
-              </a:rPr>
-              <a:t>constant</a:t>
-            </a:r>
-            <a:r>
-              <a:rPr lang="de-DE" sz="1200" b="0" strike="noStrike" spc="-1" dirty="0">
-                <a:solidFill>
-                  <a:srgbClr val="000000"/>
-                </a:solidFill>
-                <a:latin typeface="Calibri"/>
-                <a:ea typeface="DejaVu Sans"/>
-              </a:rPr>
-              <a:t> </a:t>
-            </a:r>
-            <a:r>
-              <a:rPr lang="de-DE" sz="1200" b="0" strike="noStrike" spc="-1" dirty="0" err="1">
-                <a:solidFill>
-                  <a:srgbClr val="000000"/>
-                </a:solidFill>
-                <a:latin typeface="Calibri"/>
-                <a:ea typeface="DejaVu Sans"/>
-              </a:rPr>
-              <a:t>expressions</a:t>
-            </a:r>
-            <a:r>
-              <a:rPr lang="de-DE" sz="1200" b="0" strike="noStrike" spc="-1" dirty="0">
-                <a:solidFill>
-                  <a:srgbClr val="000000"/>
-                </a:solidFill>
-                <a:latin typeface="Calibri"/>
-                <a:ea typeface="DejaVu Sans"/>
-              </a:rPr>
-              <a:t>)</a:t>
-            </a:r>
-            <a:endParaRPr lang="en-GB" sz="1200" b="0" strike="noStrike" spc="-1" dirty="0">
-              <a:latin typeface="Arial"/>
-            </a:endParaRPr>
-          </a:p>
-          <a:p>
-            <a:pPr marL="274320" indent="-273600">
-              <a:lnSpc>
-                <a:spcPct val="90000"/>
-              </a:lnSpc>
-              <a:spcBef>
-                <a:spcPts val="1800"/>
-              </a:spcBef>
-              <a:buClr>
-                <a:srgbClr val="000000"/>
-              </a:buClr>
-              <a:buSzPct val="80000"/>
-              <a:buFont typeface="Wingdings" charset="2"/>
-              <a:buChar char=""/>
-            </a:pPr>
-            <a:r>
-              <a:rPr lang="de-DE" sz="1200" b="0" strike="noStrike" spc="-1" dirty="0">
-                <a:solidFill>
-                  <a:srgbClr val="000000"/>
-                </a:solidFill>
-                <a:latin typeface="Calibri"/>
-                <a:ea typeface="DejaVu Sans"/>
-              </a:rPr>
-              <a:t>4. Translation (</a:t>
-            </a:r>
-            <a:r>
-              <a:rPr lang="de-DE" sz="1200" b="0" strike="noStrike" spc="-1" dirty="0" err="1">
-                <a:solidFill>
-                  <a:srgbClr val="000000"/>
-                </a:solidFill>
-                <a:latin typeface="Calibri"/>
-                <a:ea typeface="DejaVu Sans"/>
-              </a:rPr>
-              <a:t>converting</a:t>
-            </a:r>
-            <a:r>
-              <a:rPr lang="de-DE" sz="1200" b="0" strike="noStrike" spc="-1" dirty="0">
-                <a:solidFill>
-                  <a:srgbClr val="000000"/>
-                </a:solidFill>
-                <a:latin typeface="Calibri"/>
-                <a:ea typeface="DejaVu Sans"/>
-              </a:rPr>
-              <a:t> </a:t>
-            </a:r>
-            <a:r>
-              <a:rPr lang="de-DE" sz="1200" b="0" strike="noStrike" spc="-1" dirty="0" err="1">
-                <a:solidFill>
-                  <a:srgbClr val="000000"/>
-                </a:solidFill>
-                <a:latin typeface="Calibri"/>
-                <a:ea typeface="DejaVu Sans"/>
-              </a:rPr>
-              <a:t>the</a:t>
-            </a:r>
-            <a:r>
-              <a:rPr lang="de-DE" sz="1200" b="0" strike="noStrike" spc="-1" dirty="0">
-                <a:solidFill>
-                  <a:srgbClr val="000000"/>
-                </a:solidFill>
-                <a:latin typeface="Calibri"/>
-                <a:ea typeface="DejaVu Sans"/>
-              </a:rPr>
-              <a:t> parse </a:t>
-            </a:r>
-            <a:r>
-              <a:rPr lang="de-DE" sz="1200" b="0" strike="noStrike" spc="-1" dirty="0" err="1">
-                <a:solidFill>
-                  <a:srgbClr val="000000"/>
-                </a:solidFill>
-                <a:latin typeface="Calibri"/>
-                <a:ea typeface="DejaVu Sans"/>
-              </a:rPr>
-              <a:t>tree</a:t>
-            </a:r>
-            <a:r>
-              <a:rPr lang="de-DE" sz="1200" b="0" strike="noStrike" spc="-1" dirty="0">
-                <a:solidFill>
-                  <a:srgbClr val="000000"/>
-                </a:solidFill>
-                <a:latin typeface="Calibri"/>
-                <a:ea typeface="DejaVu Sans"/>
-              </a:rPr>
-              <a:t> </a:t>
-            </a:r>
-            <a:r>
-              <a:rPr lang="de-DE" sz="1200" b="0" strike="noStrike" spc="-1" dirty="0" err="1">
-                <a:solidFill>
-                  <a:srgbClr val="000000"/>
-                </a:solidFill>
-                <a:latin typeface="Calibri"/>
-                <a:ea typeface="DejaVu Sans"/>
-              </a:rPr>
-              <a:t>into</a:t>
-            </a:r>
-            <a:r>
-              <a:rPr lang="de-DE" sz="1200" b="0" strike="noStrike" spc="-1" dirty="0">
-                <a:solidFill>
-                  <a:srgbClr val="000000"/>
-                </a:solidFill>
-                <a:latin typeface="Calibri"/>
-                <a:ea typeface="DejaVu Sans"/>
-              </a:rPr>
-              <a:t> </a:t>
-            </a:r>
-            <a:r>
-              <a:rPr lang="de-DE" sz="1200" b="0" strike="noStrike" spc="-1" dirty="0" err="1">
-                <a:solidFill>
-                  <a:srgbClr val="000000"/>
-                </a:solidFill>
-                <a:latin typeface="Calibri"/>
-                <a:ea typeface="DejaVu Sans"/>
-              </a:rPr>
-              <a:t>assembly</a:t>
-            </a:r>
-            <a:r>
-              <a:rPr lang="de-DE" sz="1200" b="0" strike="noStrike" spc="-1" dirty="0">
-                <a:solidFill>
-                  <a:srgbClr val="000000"/>
-                </a:solidFill>
-                <a:latin typeface="Calibri"/>
-                <a:ea typeface="DejaVu Sans"/>
-              </a:rPr>
-              <a:t> code)</a:t>
-            </a:r>
-            <a:endParaRPr lang="en-GB" sz="1200" b="0" strike="noStrike" spc="-1" dirty="0">
-              <a:latin typeface="Arial"/>
-            </a:endParaRPr>
-          </a:p>
-          <a:p>
-            <a:pPr marL="274320" indent="-273600">
-              <a:lnSpc>
-                <a:spcPct val="90000"/>
-              </a:lnSpc>
-              <a:spcBef>
-                <a:spcPts val="1800"/>
-              </a:spcBef>
-              <a:buClr>
-                <a:srgbClr val="000000"/>
-              </a:buClr>
-              <a:buSzPct val="80000"/>
-              <a:buFont typeface="Wingdings" charset="2"/>
-              <a:buChar char=""/>
-            </a:pPr>
-            <a:r>
-              <a:rPr lang="de-DE" sz="1200" b="0" strike="noStrike" spc="-1" dirty="0">
-                <a:solidFill>
-                  <a:srgbClr val="000000"/>
-                </a:solidFill>
-                <a:latin typeface="Calibri"/>
-                <a:ea typeface="DejaVu Sans"/>
-              </a:rPr>
-              <a:t>5. Run </a:t>
-            </a:r>
-            <a:r>
-              <a:rPr lang="de-DE" sz="1200" b="0" strike="noStrike" spc="-1" dirty="0" err="1">
-                <a:solidFill>
-                  <a:srgbClr val="000000"/>
-                </a:solidFill>
-                <a:latin typeface="Calibri"/>
-                <a:ea typeface="DejaVu Sans"/>
-              </a:rPr>
-              <a:t>the</a:t>
-            </a:r>
-            <a:r>
-              <a:rPr lang="de-DE" sz="1200" b="0" strike="noStrike" spc="-1" dirty="0">
-                <a:solidFill>
-                  <a:srgbClr val="000000"/>
-                </a:solidFill>
-                <a:latin typeface="Calibri"/>
-                <a:ea typeface="DejaVu Sans"/>
-              </a:rPr>
-              <a:t> code (</a:t>
-            </a:r>
-            <a:r>
-              <a:rPr lang="de-DE" sz="1200" b="0" strike="noStrike" spc="-1" dirty="0" err="1">
-                <a:solidFill>
-                  <a:srgbClr val="000000"/>
-                </a:solidFill>
-                <a:latin typeface="Calibri"/>
-                <a:ea typeface="DejaVu Sans"/>
-              </a:rPr>
-              <a:t>the</a:t>
-            </a:r>
-            <a:r>
-              <a:rPr lang="de-DE" sz="1200" b="0" strike="noStrike" spc="-1" dirty="0">
-                <a:solidFill>
-                  <a:srgbClr val="000000"/>
-                </a:solidFill>
-                <a:latin typeface="Calibri"/>
-                <a:ea typeface="DejaVu Sans"/>
-              </a:rPr>
-              <a:t> </a:t>
-            </a:r>
-            <a:r>
-              <a:rPr lang="de-DE" sz="1200" b="0" strike="noStrike" spc="-1" dirty="0" err="1">
-                <a:solidFill>
-                  <a:srgbClr val="000000"/>
-                </a:solidFill>
-                <a:latin typeface="Calibri"/>
-                <a:ea typeface="DejaVu Sans"/>
-              </a:rPr>
-              <a:t>assembly</a:t>
-            </a:r>
-            <a:r>
-              <a:rPr lang="de-DE" sz="1200" b="0" strike="noStrike" spc="-1" dirty="0">
-                <a:solidFill>
-                  <a:srgbClr val="000000"/>
-                </a:solidFill>
-                <a:latin typeface="Calibri"/>
-                <a:ea typeface="DejaVu Sans"/>
-              </a:rPr>
-              <a:t> code </a:t>
-            </a:r>
-            <a:r>
-              <a:rPr lang="de-DE" sz="1200" b="0" strike="noStrike" spc="-1" dirty="0" err="1">
-                <a:solidFill>
-                  <a:srgbClr val="000000"/>
-                </a:solidFill>
-                <a:latin typeface="Calibri"/>
-                <a:ea typeface="DejaVu Sans"/>
-              </a:rPr>
-              <a:t>is</a:t>
-            </a:r>
-            <a:r>
-              <a:rPr lang="de-DE" sz="1200" b="0" strike="noStrike" spc="-1" dirty="0">
-                <a:solidFill>
-                  <a:srgbClr val="000000"/>
-                </a:solidFill>
-                <a:latin typeface="Calibri"/>
-                <a:ea typeface="DejaVu Sans"/>
-              </a:rPr>
-              <a:t> </a:t>
-            </a:r>
-            <a:r>
-              <a:rPr lang="de-DE" sz="1200" b="0" strike="noStrike" spc="-1" dirty="0" err="1">
-                <a:solidFill>
-                  <a:srgbClr val="000000"/>
-                </a:solidFill>
-                <a:latin typeface="Calibri"/>
-                <a:ea typeface="DejaVu Sans"/>
-              </a:rPr>
-              <a:t>translated</a:t>
-            </a:r>
-            <a:r>
-              <a:rPr lang="de-DE" sz="1200" b="0" strike="noStrike" spc="-1" dirty="0">
-                <a:solidFill>
-                  <a:srgbClr val="000000"/>
-                </a:solidFill>
-                <a:latin typeface="Calibri"/>
-                <a:ea typeface="DejaVu Sans"/>
-              </a:rPr>
-              <a:t> </a:t>
-            </a:r>
-            <a:r>
-              <a:rPr lang="de-DE" sz="1200" b="0" strike="noStrike" spc="-1" dirty="0" err="1">
-                <a:solidFill>
-                  <a:srgbClr val="000000"/>
-                </a:solidFill>
-                <a:latin typeface="Calibri"/>
-                <a:ea typeface="DejaVu Sans"/>
-              </a:rPr>
-              <a:t>into</a:t>
-            </a:r>
-            <a:r>
-              <a:rPr lang="de-DE" sz="1200" b="0" strike="noStrike" spc="-1" dirty="0">
-                <a:solidFill>
-                  <a:srgbClr val="000000"/>
-                </a:solidFill>
-                <a:latin typeface="Calibri"/>
-                <a:ea typeface="DejaVu Sans"/>
-              </a:rPr>
-              <a:t> </a:t>
-            </a:r>
-            <a:r>
-              <a:rPr lang="de-DE" sz="1200" b="0" strike="noStrike" spc="-1" dirty="0" err="1">
-                <a:solidFill>
-                  <a:srgbClr val="000000"/>
-                </a:solidFill>
-                <a:latin typeface="Calibri"/>
-                <a:ea typeface="DejaVu Sans"/>
-              </a:rPr>
-              <a:t>machine</a:t>
-            </a:r>
-            <a:r>
-              <a:rPr lang="de-DE" sz="1200" b="0" strike="noStrike" spc="-1" dirty="0">
-                <a:solidFill>
-                  <a:srgbClr val="000000"/>
-                </a:solidFill>
-                <a:latin typeface="Calibri"/>
-                <a:ea typeface="DejaVu Sans"/>
-              </a:rPr>
-              <a:t> code)</a:t>
-            </a:r>
-            <a:endParaRPr lang="en-GB" sz="1200" b="0" strike="noStrike" spc="-1" dirty="0">
-              <a:latin typeface="Arial"/>
-            </a:endParaRPr>
-          </a:p>
-          <a:p>
-            <a:endParaRPr lang="en-US" dirty="0"/>
-          </a:p>
-          <a:p>
-            <a:r>
-              <a:rPr lang="en-US" dirty="0"/>
-              <a:t>Decompiling.</a:t>
-            </a:r>
-          </a:p>
-          <a:p>
-            <a:r>
-              <a:rPr lang="en-US" dirty="0"/>
-              <a:t>- It does the same as in translation compiling but it processes this into showing the functionality</a:t>
-            </a:r>
-          </a:p>
-          <a:p>
-            <a:endParaRPr lang="en-US" dirty="0"/>
-          </a:p>
-          <a:p>
-            <a:endParaRPr lang="en-US" dirty="0"/>
-          </a:p>
-          <a:p>
-            <a:r>
-              <a:rPr lang="en-US" dirty="0"/>
-              <a:t>The term </a:t>
-            </a:r>
-            <a:r>
-              <a:rPr lang="en-US" dirty="0" err="1"/>
-              <a:t>decompiler</a:t>
-            </a:r>
-            <a:r>
-              <a:rPr lang="en-US" dirty="0"/>
-              <a:t> is most commonly applied to a program which translates executable programs (the output from a compiler) into source code in a (relatively) high level language which, when compiled, will produce an executable whose behavior is the same as the original executable program. By comparison, a disassembler translates an executable program into assembly language (and an assembler could be used for assembling it back into an executable program).</a:t>
-            </a:r>
-            <a:r>
-              <a:rPr lang="en-US" dirty="0" err="1"/>
-              <a:t>Decompilation</a:t>
-            </a:r>
-            <a:r>
-              <a:rPr lang="en-US" dirty="0"/>
-              <a:t> is the act of using a </a:t>
-            </a:r>
-            <a:r>
-              <a:rPr lang="en-US" dirty="0" err="1"/>
-              <a:t>decompiler</a:t>
-            </a:r>
-            <a:r>
-              <a:rPr lang="en-US" dirty="0"/>
-              <a:t>, although the term can also refer to the output of a </a:t>
-            </a:r>
-            <a:r>
-              <a:rPr lang="en-US" dirty="0" err="1"/>
-              <a:t>decompiler</a:t>
-            </a:r>
-            <a:r>
-              <a:rPr lang="en-US" dirty="0"/>
-              <a:t>. It can be used for the recovery of lost source code, and is also useful in some cases for computer security, interoperability and error correction. The success of </a:t>
-            </a:r>
-            <a:r>
-              <a:rPr lang="en-US" dirty="0" err="1"/>
-              <a:t>decompilation</a:t>
-            </a:r>
-            <a:r>
-              <a:rPr lang="en-US" dirty="0"/>
-              <a:t> depends on the amount of information present in the code being decompiled and the sophistication of the analysis performed on it. The bytecode formats used by many virtual machines (such as the Java Virtual Machine or the .NET Framework Common Language Runtime) often include extensive metadata and high-level features that make </a:t>
-            </a:r>
-            <a:r>
-              <a:rPr lang="en-US" dirty="0" err="1"/>
-              <a:t>decompilation</a:t>
-            </a:r>
-            <a:r>
-              <a:rPr lang="en-US" dirty="0"/>
-              <a:t> quite feasible. The application of debug data, i.e. debug-symbols, may enable to reproduce the original names of variables and structures and even the line numbers. Machine language without such metadata or debug data is much harder to </a:t>
-            </a:r>
-            <a:r>
-              <a:rPr lang="en-US" dirty="0" err="1"/>
-              <a:t>decompile.Some</a:t>
-            </a:r>
-            <a:r>
-              <a:rPr lang="en-US" dirty="0"/>
-              <a:t> compilers and post-compilation tools produce obfuscated code (that is, they attempt to produce output that is very difficult to decompile, or that decompiles to confusing output). This is done to make it more difficult to reverse engineer the </a:t>
-            </a:r>
-            <a:r>
-              <a:rPr lang="en-US" dirty="0" err="1"/>
-              <a:t>executable.While</a:t>
-            </a:r>
-            <a:r>
-              <a:rPr lang="en-US" dirty="0"/>
-              <a:t> </a:t>
-            </a:r>
-            <a:r>
-              <a:rPr lang="en-US" dirty="0" err="1"/>
-              <a:t>decompilers</a:t>
-            </a:r>
-            <a:r>
-              <a:rPr lang="en-US" dirty="0"/>
-              <a:t> are normally used to (re-)create source code from binary executables, there are also </a:t>
-            </a:r>
-            <a:r>
-              <a:rPr lang="en-US" dirty="0" err="1"/>
-              <a:t>decompilers</a:t>
-            </a:r>
-            <a:r>
-              <a:rPr lang="en-US" dirty="0"/>
-              <a:t> to turn specific binary data files into human-readable and editable sources.</a:t>
+            <a:r>
+              <a:rPr lang="en-GB" dirty="0"/>
+              <a:t>Glenn</a:t>
             </a:r>
             <a:endParaRPr lang="nl-NL" dirty="0"/>
           </a:p>
@@ -5007,7 +4175,7 @@
       </p:sp>
       <p:sp>
         <p:nvSpPr>
-          <p:cNvPr id="4" name="Tijdelijke aanduiding voor dianummer 3"/>
+          <p:cNvPr id="4" name="Slide Number Placeholder 3"/>
           <p:cNvSpPr>
             <a:spLocks noGrp="1"/>
           </p:cNvSpPr>
@@ -5031,7 +4199,7 @@
     </p:spTree>
     <p:extLst>
       <p:ext uri="{BB962C8B-B14F-4D97-AF65-F5344CB8AC3E}">
-        <p14:creationId xmlns:p14="http://schemas.microsoft.com/office/powerpoint/2010/main" val="2191605357"/>
+        <p14:creationId xmlns:p14="http://schemas.microsoft.com/office/powerpoint/2010/main" val="1893436605"/>
       </p:ext>
     </p:extLst>
   </p:cSld>
@@ -5060,7 +4228,7 @@
       </p:grpSpPr>
       <p:sp>
         <p:nvSpPr>
-          <p:cNvPr id="2" name="Slide Image Placeholder 1"/>
+          <p:cNvPr id="2" name="Tijdelijke aanduiding voor dia-afbeelding 1"/>
           <p:cNvSpPr>
             <a:spLocks noGrp="1" noRot="1" noChangeAspect="1"/>
           </p:cNvSpPr>
@@ -5072,7 +4240,7 @@
       </p:sp>
       <p:sp>
         <p:nvSpPr>
-          <p:cNvPr id="3" name="Notes Placeholder 2"/>
+          <p:cNvPr id="3" name="Tijdelijke aanduiding voor notities 2"/>
           <p:cNvSpPr>
             <a:spLocks noGrp="1"/>
           </p:cNvSpPr>
@@ -5085,17 +4253,1059 @@
           <a:bodyPr/>
           <a:lstStyle/>
           <a:p>
-            <a:r>
-              <a:rPr lang="en-GB" dirty="0" err="1"/>
+            <a:pPr marL="720" indent="0">
+              <a:lnSpc>
+                <a:spcPct val="90000"/>
+              </a:lnSpc>
+              <a:spcBef>
+                <a:spcPts val="1800"/>
+              </a:spcBef>
+              <a:buClr>
+                <a:srgbClr val="000000"/>
+              </a:buClr>
+              <a:buSzPct val="80000"/>
+              <a:buFont typeface="Wingdings" charset="2"/>
+              <a:buNone/>
+            </a:pPr>
+            <a:r>
+              <a:rPr lang="de-DE" sz="1200" b="0" strike="noStrike" spc="-1" dirty="0" err="1">
+                <a:solidFill>
+                  <a:srgbClr val="000000"/>
+                </a:solidFill>
+                <a:latin typeface="Calibri"/>
+                <a:ea typeface="DejaVu Sans"/>
+              </a:rPr>
               <a:t>Sjong</a:t>
             </a:r>
+            <a:endParaRPr lang="de-DE" sz="1200" b="0" strike="noStrike" spc="-1" dirty="0">
+              <a:solidFill>
+                <a:srgbClr val="000000"/>
+              </a:solidFill>
+              <a:latin typeface="Calibri"/>
+              <a:ea typeface="DejaVu Sans"/>
+            </a:endParaRPr>
+          </a:p>
+          <a:p>
+            <a:pPr marL="274320" indent="-273600">
+              <a:lnSpc>
+                <a:spcPct val="90000"/>
+              </a:lnSpc>
+              <a:spcBef>
+                <a:spcPts val="1800"/>
+              </a:spcBef>
+              <a:buClr>
+                <a:srgbClr val="000000"/>
+              </a:buClr>
+              <a:buSzPct val="80000"/>
+              <a:buFont typeface="Wingdings" charset="2"/>
+              <a:buChar char=""/>
+            </a:pPr>
+            <a:endParaRPr lang="de-DE" sz="1200" b="0" strike="noStrike" spc="-1" dirty="0">
+              <a:solidFill>
+                <a:srgbClr val="000000"/>
+              </a:solidFill>
+              <a:latin typeface="Calibri"/>
+              <a:ea typeface="DejaVu Sans"/>
+            </a:endParaRPr>
+          </a:p>
+          <a:p>
+            <a:pPr marL="274320" indent="-273600">
+              <a:lnSpc>
+                <a:spcPct val="90000"/>
+              </a:lnSpc>
+              <a:spcBef>
+                <a:spcPts val="1800"/>
+              </a:spcBef>
+              <a:buClr>
+                <a:srgbClr val="000000"/>
+              </a:buClr>
+              <a:buSzPct val="80000"/>
+              <a:buFont typeface="Wingdings" charset="2"/>
+              <a:buChar char=""/>
+            </a:pPr>
+            <a:r>
+              <a:rPr lang="de-DE" sz="1200" b="0" strike="noStrike" spc="-1" dirty="0">
+                <a:solidFill>
+                  <a:srgbClr val="000000"/>
+                </a:solidFill>
+                <a:latin typeface="Calibri"/>
+                <a:ea typeface="DejaVu Sans"/>
+              </a:rPr>
+              <a:t>1. Lexing (</a:t>
+            </a:r>
+            <a:r>
+              <a:rPr lang="de-DE" sz="1200" b="0" strike="noStrike" spc="-1" dirty="0" err="1">
+                <a:solidFill>
+                  <a:srgbClr val="000000"/>
+                </a:solidFill>
+                <a:latin typeface="Calibri"/>
+                <a:ea typeface="DejaVu Sans"/>
+              </a:rPr>
+              <a:t>breaking</a:t>
+            </a:r>
+            <a:r>
+              <a:rPr lang="de-DE" sz="1200" b="0" strike="noStrike" spc="-1" dirty="0">
+                <a:solidFill>
+                  <a:srgbClr val="000000"/>
+                </a:solidFill>
+                <a:latin typeface="Calibri"/>
+                <a:ea typeface="DejaVu Sans"/>
+              </a:rPr>
+              <a:t> </a:t>
+            </a:r>
+            <a:r>
+              <a:rPr lang="de-DE" sz="1200" b="0" strike="noStrike" spc="-1" dirty="0" err="1">
+                <a:solidFill>
+                  <a:srgbClr val="000000"/>
+                </a:solidFill>
+                <a:latin typeface="Calibri"/>
+                <a:ea typeface="DejaVu Sans"/>
+              </a:rPr>
+              <a:t>up</a:t>
+            </a:r>
+            <a:r>
+              <a:rPr lang="de-DE" sz="1200" b="0" strike="noStrike" spc="-1" dirty="0">
+                <a:solidFill>
+                  <a:srgbClr val="000000"/>
+                </a:solidFill>
+                <a:latin typeface="Calibri"/>
+                <a:ea typeface="DejaVu Sans"/>
+              </a:rPr>
+              <a:t> </a:t>
+            </a:r>
+            <a:r>
+              <a:rPr lang="de-DE" sz="1200" b="0" strike="noStrike" spc="-1" dirty="0" err="1">
+                <a:solidFill>
+                  <a:srgbClr val="000000"/>
+                </a:solidFill>
+                <a:latin typeface="Calibri"/>
+                <a:ea typeface="DejaVu Sans"/>
+              </a:rPr>
+              <a:t>the</a:t>
+            </a:r>
+            <a:r>
+              <a:rPr lang="de-DE" sz="1200" b="0" strike="noStrike" spc="-1" dirty="0">
+                <a:solidFill>
+                  <a:srgbClr val="000000"/>
+                </a:solidFill>
+                <a:latin typeface="Calibri"/>
+                <a:ea typeface="DejaVu Sans"/>
+              </a:rPr>
+              <a:t> </a:t>
+            </a:r>
+            <a:r>
+              <a:rPr lang="de-DE" sz="1200" b="0" strike="noStrike" spc="-1" dirty="0" err="1">
+                <a:solidFill>
+                  <a:srgbClr val="000000"/>
+                </a:solidFill>
+                <a:latin typeface="Calibri"/>
+                <a:ea typeface="DejaVu Sans"/>
+              </a:rPr>
+              <a:t>text</a:t>
+            </a:r>
+            <a:r>
+              <a:rPr lang="de-DE" sz="1200" b="0" strike="noStrike" spc="-1" dirty="0">
+                <a:solidFill>
+                  <a:srgbClr val="000000"/>
+                </a:solidFill>
+                <a:latin typeface="Calibri"/>
+                <a:ea typeface="DejaVu Sans"/>
+              </a:rPr>
+              <a:t> </a:t>
+            </a:r>
+            <a:r>
+              <a:rPr lang="de-DE" sz="1200" b="0" strike="noStrike" spc="-1" dirty="0" err="1">
+                <a:solidFill>
+                  <a:srgbClr val="000000"/>
+                </a:solidFill>
+                <a:latin typeface="Calibri"/>
+                <a:ea typeface="DejaVu Sans"/>
+              </a:rPr>
+              <a:t>into</a:t>
+            </a:r>
+            <a:r>
+              <a:rPr lang="de-DE" sz="1200" b="0" strike="noStrike" spc="-1" dirty="0">
+                <a:solidFill>
+                  <a:srgbClr val="000000"/>
+                </a:solidFill>
+                <a:latin typeface="Calibri"/>
+                <a:ea typeface="DejaVu Sans"/>
+              </a:rPr>
+              <a:t> </a:t>
+            </a:r>
+            <a:r>
+              <a:rPr lang="de-DE" sz="1200" b="0" strike="noStrike" spc="-1" dirty="0" err="1">
+                <a:solidFill>
+                  <a:srgbClr val="000000"/>
+                </a:solidFill>
+                <a:latin typeface="Calibri"/>
+                <a:ea typeface="DejaVu Sans"/>
+              </a:rPr>
+              <a:t>tokens</a:t>
+            </a:r>
+            <a:r>
+              <a:rPr lang="de-DE" sz="1200" b="0" strike="noStrike" spc="-1" dirty="0">
+                <a:solidFill>
+                  <a:srgbClr val="000000"/>
+                </a:solidFill>
+                <a:latin typeface="Calibri"/>
+                <a:ea typeface="DejaVu Sans"/>
+              </a:rPr>
+              <a:t>)</a:t>
+            </a:r>
+            <a:endParaRPr lang="en-GB" sz="1200" b="0" strike="noStrike" spc="-1" dirty="0">
+              <a:latin typeface="Arial"/>
+            </a:endParaRPr>
+          </a:p>
+          <a:p>
+            <a:pPr marL="274320" indent="-273600">
+              <a:lnSpc>
+                <a:spcPct val="90000"/>
+              </a:lnSpc>
+              <a:spcBef>
+                <a:spcPts val="1800"/>
+              </a:spcBef>
+              <a:buClr>
+                <a:srgbClr val="000000"/>
+              </a:buClr>
+              <a:buSzPct val="80000"/>
+              <a:buFont typeface="Wingdings" charset="2"/>
+              <a:buChar char=""/>
+            </a:pPr>
+            <a:r>
+              <a:rPr lang="de-DE" sz="1200" b="0" strike="noStrike" spc="-1" dirty="0">
+                <a:solidFill>
+                  <a:srgbClr val="000000"/>
+                </a:solidFill>
+                <a:latin typeface="Calibri"/>
+                <a:ea typeface="DejaVu Sans"/>
+              </a:rPr>
+              <a:t>2. </a:t>
+            </a:r>
+            <a:r>
+              <a:rPr lang="de-DE" sz="1200" b="0" strike="noStrike" spc="-1" dirty="0" err="1">
+                <a:solidFill>
+                  <a:srgbClr val="000000"/>
+                </a:solidFill>
+                <a:latin typeface="Calibri"/>
+                <a:ea typeface="DejaVu Sans"/>
+              </a:rPr>
+              <a:t>Parsing</a:t>
+            </a:r>
+            <a:r>
+              <a:rPr lang="de-DE" sz="1200" b="0" strike="noStrike" spc="-1" dirty="0">
+                <a:solidFill>
+                  <a:srgbClr val="000000"/>
+                </a:solidFill>
+                <a:latin typeface="Calibri"/>
+                <a:ea typeface="DejaVu Sans"/>
+              </a:rPr>
+              <a:t> (</a:t>
+            </a:r>
+            <a:r>
+              <a:rPr lang="de-DE" sz="1200" b="0" strike="noStrike" spc="-1" dirty="0" err="1">
+                <a:solidFill>
+                  <a:srgbClr val="000000"/>
+                </a:solidFill>
+                <a:latin typeface="Calibri"/>
+                <a:ea typeface="DejaVu Sans"/>
+              </a:rPr>
+              <a:t>converting</a:t>
+            </a:r>
+            <a:r>
+              <a:rPr lang="de-DE" sz="1200" b="0" strike="noStrike" spc="-1" dirty="0">
+                <a:solidFill>
+                  <a:srgbClr val="000000"/>
+                </a:solidFill>
+                <a:latin typeface="Calibri"/>
+                <a:ea typeface="DejaVu Sans"/>
+              </a:rPr>
+              <a:t> </a:t>
+            </a:r>
+            <a:r>
+              <a:rPr lang="de-DE" sz="1200" b="0" strike="noStrike" spc="-1" dirty="0" err="1">
+                <a:solidFill>
+                  <a:srgbClr val="000000"/>
+                </a:solidFill>
+                <a:latin typeface="Calibri"/>
+                <a:ea typeface="DejaVu Sans"/>
+              </a:rPr>
+              <a:t>the</a:t>
+            </a:r>
+            <a:r>
+              <a:rPr lang="de-DE" sz="1200" b="0" strike="noStrike" spc="-1" dirty="0">
+                <a:solidFill>
+                  <a:srgbClr val="000000"/>
+                </a:solidFill>
+                <a:latin typeface="Calibri"/>
+                <a:ea typeface="DejaVu Sans"/>
+              </a:rPr>
+              <a:t> </a:t>
+            </a:r>
+            <a:r>
+              <a:rPr lang="de-DE" sz="1200" b="0" strike="noStrike" spc="-1" dirty="0" err="1">
+                <a:solidFill>
+                  <a:srgbClr val="000000"/>
+                </a:solidFill>
+                <a:latin typeface="Calibri"/>
+                <a:ea typeface="DejaVu Sans"/>
+              </a:rPr>
+              <a:t>tokens</a:t>
+            </a:r>
+            <a:r>
+              <a:rPr lang="de-DE" sz="1200" b="0" strike="noStrike" spc="-1" dirty="0">
+                <a:solidFill>
+                  <a:srgbClr val="000000"/>
+                </a:solidFill>
+                <a:latin typeface="Calibri"/>
+                <a:ea typeface="DejaVu Sans"/>
+              </a:rPr>
+              <a:t> </a:t>
+            </a:r>
+            <a:r>
+              <a:rPr lang="de-DE" sz="1200" b="0" strike="noStrike" spc="-1" dirty="0" err="1">
+                <a:solidFill>
+                  <a:srgbClr val="000000"/>
+                </a:solidFill>
+                <a:latin typeface="Calibri"/>
+                <a:ea typeface="DejaVu Sans"/>
+              </a:rPr>
+              <a:t>into</a:t>
+            </a:r>
+            <a:r>
+              <a:rPr lang="de-DE" sz="1200" b="0" strike="noStrike" spc="-1" dirty="0">
+                <a:solidFill>
+                  <a:srgbClr val="000000"/>
+                </a:solidFill>
+                <a:latin typeface="Calibri"/>
+                <a:ea typeface="DejaVu Sans"/>
+              </a:rPr>
+              <a:t> parse </a:t>
+            </a:r>
+            <a:r>
+              <a:rPr lang="de-DE" sz="1200" b="0" strike="noStrike" spc="-1" dirty="0" err="1">
+                <a:solidFill>
+                  <a:srgbClr val="000000"/>
+                </a:solidFill>
+                <a:latin typeface="Calibri"/>
+                <a:ea typeface="DejaVu Sans"/>
+              </a:rPr>
+              <a:t>tree</a:t>
+            </a:r>
+            <a:r>
+              <a:rPr lang="de-DE" sz="1200" b="0" strike="noStrike" spc="-1" dirty="0">
+                <a:solidFill>
+                  <a:srgbClr val="000000"/>
+                </a:solidFill>
+                <a:latin typeface="Calibri"/>
+                <a:ea typeface="DejaVu Sans"/>
+              </a:rPr>
+              <a:t>)</a:t>
+            </a:r>
+            <a:endParaRPr lang="en-GB" sz="1200" b="0" strike="noStrike" spc="-1" dirty="0">
+              <a:latin typeface="Arial"/>
+            </a:endParaRPr>
+          </a:p>
+          <a:p>
+            <a:pPr marL="274320" indent="-273600">
+              <a:lnSpc>
+                <a:spcPct val="90000"/>
+              </a:lnSpc>
+              <a:spcBef>
+                <a:spcPts val="1800"/>
+              </a:spcBef>
+              <a:buClr>
+                <a:srgbClr val="000000"/>
+              </a:buClr>
+              <a:buSzPct val="80000"/>
+              <a:buFont typeface="Wingdings" charset="2"/>
+              <a:buChar char=""/>
+            </a:pPr>
+            <a:r>
+              <a:rPr lang="de-DE" sz="1200" b="0" strike="noStrike" spc="-1" dirty="0">
+                <a:solidFill>
+                  <a:srgbClr val="000000"/>
+                </a:solidFill>
+                <a:latin typeface="Calibri"/>
+                <a:ea typeface="DejaVu Sans"/>
+              </a:rPr>
+              <a:t>3. </a:t>
+            </a:r>
+            <a:r>
+              <a:rPr lang="de-DE" sz="1200" b="0" strike="noStrike" spc="-1" dirty="0" err="1">
+                <a:solidFill>
+                  <a:srgbClr val="000000"/>
+                </a:solidFill>
+                <a:latin typeface="Calibri"/>
+                <a:ea typeface="DejaVu Sans"/>
+              </a:rPr>
+              <a:t>Optimization</a:t>
+            </a:r>
+            <a:r>
+              <a:rPr lang="de-DE" sz="1200" b="0" strike="noStrike" spc="-1" dirty="0">
+                <a:solidFill>
+                  <a:srgbClr val="000000"/>
+                </a:solidFill>
+                <a:latin typeface="Calibri"/>
+                <a:ea typeface="DejaVu Sans"/>
+              </a:rPr>
+              <a:t> (</a:t>
+            </a:r>
+            <a:r>
+              <a:rPr lang="de-DE" sz="1200" b="0" strike="noStrike" spc="-1" dirty="0" err="1">
+                <a:solidFill>
+                  <a:srgbClr val="000000"/>
+                </a:solidFill>
+                <a:latin typeface="Calibri"/>
+                <a:ea typeface="DejaVu Sans"/>
+              </a:rPr>
+              <a:t>optimise</a:t>
+            </a:r>
+            <a:r>
+              <a:rPr lang="de-DE" sz="1200" b="0" strike="noStrike" spc="-1" dirty="0">
+                <a:solidFill>
+                  <a:srgbClr val="000000"/>
+                </a:solidFill>
+                <a:latin typeface="Calibri"/>
+                <a:ea typeface="DejaVu Sans"/>
+              </a:rPr>
+              <a:t> </a:t>
+            </a:r>
+            <a:r>
+              <a:rPr lang="de-DE" sz="1200" b="0" strike="noStrike" spc="-1" dirty="0" err="1">
+                <a:solidFill>
+                  <a:srgbClr val="000000"/>
+                </a:solidFill>
+                <a:latin typeface="Calibri"/>
+                <a:ea typeface="DejaVu Sans"/>
+              </a:rPr>
+              <a:t>the</a:t>
+            </a:r>
+            <a:r>
+              <a:rPr lang="de-DE" sz="1200" b="0" strike="noStrike" spc="-1" dirty="0">
+                <a:solidFill>
+                  <a:srgbClr val="000000"/>
+                </a:solidFill>
+                <a:latin typeface="Calibri"/>
+                <a:ea typeface="DejaVu Sans"/>
+              </a:rPr>
+              <a:t> parse </a:t>
+            </a:r>
+            <a:r>
+              <a:rPr lang="de-DE" sz="1200" b="0" strike="noStrike" spc="-1" dirty="0" err="1">
+                <a:solidFill>
+                  <a:srgbClr val="000000"/>
+                </a:solidFill>
+                <a:latin typeface="Calibri"/>
+                <a:ea typeface="DejaVu Sans"/>
+              </a:rPr>
+              <a:t>tree</a:t>
+            </a:r>
+            <a:r>
+              <a:rPr lang="de-DE" sz="1200" b="0" strike="noStrike" spc="-1" dirty="0">
+                <a:solidFill>
+                  <a:srgbClr val="000000"/>
+                </a:solidFill>
+                <a:latin typeface="Calibri"/>
+                <a:ea typeface="DejaVu Sans"/>
+              </a:rPr>
+              <a:t> </a:t>
+            </a:r>
+            <a:r>
+              <a:rPr lang="de-DE" sz="1200" b="0" strike="noStrike" spc="-1" dirty="0" err="1">
+                <a:solidFill>
+                  <a:srgbClr val="000000"/>
+                </a:solidFill>
+                <a:latin typeface="Calibri"/>
+                <a:ea typeface="DejaVu Sans"/>
+              </a:rPr>
+              <a:t>with</a:t>
+            </a:r>
+            <a:r>
+              <a:rPr lang="de-DE" sz="1200" b="0" strike="noStrike" spc="-1" dirty="0">
+                <a:solidFill>
+                  <a:srgbClr val="000000"/>
+                </a:solidFill>
+                <a:latin typeface="Calibri"/>
+                <a:ea typeface="DejaVu Sans"/>
+              </a:rPr>
+              <a:t> </a:t>
+            </a:r>
+            <a:r>
+              <a:rPr lang="de-DE" sz="1200" b="0" strike="noStrike" spc="-1" dirty="0" err="1">
+                <a:solidFill>
+                  <a:srgbClr val="000000"/>
+                </a:solidFill>
+                <a:latin typeface="Calibri"/>
+                <a:ea typeface="DejaVu Sans"/>
+              </a:rPr>
+              <a:t>actions</a:t>
+            </a:r>
+            <a:r>
+              <a:rPr lang="de-DE" sz="1200" b="0" strike="noStrike" spc="-1" dirty="0">
+                <a:solidFill>
+                  <a:srgbClr val="000000"/>
+                </a:solidFill>
+                <a:latin typeface="Calibri"/>
+                <a:ea typeface="DejaVu Sans"/>
+              </a:rPr>
+              <a:t> </a:t>
+            </a:r>
+            <a:r>
+              <a:rPr lang="de-DE" sz="1200" b="0" strike="noStrike" spc="-1" dirty="0" err="1">
+                <a:solidFill>
+                  <a:srgbClr val="000000"/>
+                </a:solidFill>
+                <a:latin typeface="Calibri"/>
+                <a:ea typeface="DejaVu Sans"/>
+              </a:rPr>
+              <a:t>as</a:t>
+            </a:r>
+            <a:r>
+              <a:rPr lang="de-DE" sz="1200" b="0" strike="noStrike" spc="-1" dirty="0">
+                <a:solidFill>
+                  <a:srgbClr val="000000"/>
+                </a:solidFill>
+                <a:latin typeface="Calibri"/>
+                <a:ea typeface="DejaVu Sans"/>
+              </a:rPr>
+              <a:t> </a:t>
+            </a:r>
+            <a:r>
+              <a:rPr lang="de-DE" sz="1200" b="0" strike="noStrike" spc="-1" dirty="0" err="1">
+                <a:solidFill>
+                  <a:srgbClr val="000000"/>
+                </a:solidFill>
+                <a:latin typeface="Calibri"/>
+                <a:ea typeface="DejaVu Sans"/>
+              </a:rPr>
+              <a:t>removing</a:t>
+            </a:r>
+            <a:r>
+              <a:rPr lang="de-DE" sz="1200" b="0" strike="noStrike" spc="-1" dirty="0">
+                <a:solidFill>
+                  <a:srgbClr val="000000"/>
+                </a:solidFill>
+                <a:latin typeface="Calibri"/>
+                <a:ea typeface="DejaVu Sans"/>
+              </a:rPr>
+              <a:t> </a:t>
+            </a:r>
+            <a:r>
+              <a:rPr lang="de-DE" sz="1200" b="0" strike="noStrike" spc="-1" dirty="0" err="1">
+                <a:solidFill>
+                  <a:srgbClr val="000000"/>
+                </a:solidFill>
+                <a:latin typeface="Calibri"/>
+                <a:ea typeface="DejaVu Sans"/>
+              </a:rPr>
+              <a:t>unused</a:t>
+            </a:r>
+            <a:r>
+              <a:rPr lang="de-DE" sz="1200" b="0" strike="noStrike" spc="-1" dirty="0">
+                <a:solidFill>
+                  <a:srgbClr val="000000"/>
+                </a:solidFill>
+                <a:latin typeface="Calibri"/>
+                <a:ea typeface="DejaVu Sans"/>
+              </a:rPr>
+              <a:t> variables </a:t>
+            </a:r>
+            <a:r>
+              <a:rPr lang="de-DE" sz="1200" b="0" strike="noStrike" spc="-1" dirty="0" err="1">
+                <a:solidFill>
+                  <a:srgbClr val="000000"/>
+                </a:solidFill>
+                <a:latin typeface="Calibri"/>
+                <a:ea typeface="DejaVu Sans"/>
+              </a:rPr>
+              <a:t>or</a:t>
+            </a:r>
+            <a:r>
+              <a:rPr lang="de-DE" sz="1200" b="0" strike="noStrike" spc="-1" dirty="0">
+                <a:solidFill>
+                  <a:srgbClr val="000000"/>
+                </a:solidFill>
+                <a:latin typeface="Calibri"/>
+                <a:ea typeface="DejaVu Sans"/>
+              </a:rPr>
+              <a:t> </a:t>
+            </a:r>
+            <a:r>
+              <a:rPr lang="de-DE" sz="1200" b="0" strike="noStrike" spc="-1" dirty="0" err="1">
+                <a:solidFill>
+                  <a:srgbClr val="000000"/>
+                </a:solidFill>
+                <a:latin typeface="Calibri"/>
+                <a:ea typeface="DejaVu Sans"/>
+              </a:rPr>
+              <a:t>evaluate</a:t>
+            </a:r>
+            <a:r>
+              <a:rPr lang="de-DE" sz="1200" b="0" strike="noStrike" spc="-1" dirty="0">
+                <a:solidFill>
+                  <a:srgbClr val="000000"/>
+                </a:solidFill>
+                <a:latin typeface="Calibri"/>
+                <a:ea typeface="DejaVu Sans"/>
+              </a:rPr>
+              <a:t> </a:t>
+            </a:r>
+            <a:r>
+              <a:rPr lang="de-DE" sz="1200" b="0" strike="noStrike" spc="-1" dirty="0" err="1">
+                <a:solidFill>
+                  <a:srgbClr val="000000"/>
+                </a:solidFill>
+                <a:latin typeface="Calibri"/>
+                <a:ea typeface="DejaVu Sans"/>
+              </a:rPr>
+              <a:t>constant</a:t>
+            </a:r>
+            <a:r>
+              <a:rPr lang="de-DE" sz="1200" b="0" strike="noStrike" spc="-1" dirty="0">
+                <a:solidFill>
+                  <a:srgbClr val="000000"/>
+                </a:solidFill>
+                <a:latin typeface="Calibri"/>
+                <a:ea typeface="DejaVu Sans"/>
+              </a:rPr>
+              <a:t> </a:t>
+            </a:r>
+            <a:r>
+              <a:rPr lang="de-DE" sz="1200" b="0" strike="noStrike" spc="-1" dirty="0" err="1">
+                <a:solidFill>
+                  <a:srgbClr val="000000"/>
+                </a:solidFill>
+                <a:latin typeface="Calibri"/>
+                <a:ea typeface="DejaVu Sans"/>
+              </a:rPr>
+              <a:t>expressions</a:t>
+            </a:r>
+            <a:r>
+              <a:rPr lang="de-DE" sz="1200" b="0" strike="noStrike" spc="-1" dirty="0">
+                <a:solidFill>
+                  <a:srgbClr val="000000"/>
+                </a:solidFill>
+                <a:latin typeface="Calibri"/>
+                <a:ea typeface="DejaVu Sans"/>
+              </a:rPr>
+              <a:t>)</a:t>
+            </a:r>
+            <a:endParaRPr lang="en-GB" sz="1200" b="0" strike="noStrike" spc="-1" dirty="0">
+              <a:latin typeface="Arial"/>
+            </a:endParaRPr>
+          </a:p>
+          <a:p>
+            <a:pPr marL="274320" indent="-273600">
+              <a:lnSpc>
+                <a:spcPct val="90000"/>
+              </a:lnSpc>
+              <a:spcBef>
+                <a:spcPts val="1800"/>
+              </a:spcBef>
+              <a:buClr>
+                <a:srgbClr val="000000"/>
+              </a:buClr>
+              <a:buSzPct val="80000"/>
+              <a:buFont typeface="Wingdings" charset="2"/>
+              <a:buChar char=""/>
+            </a:pPr>
+            <a:r>
+              <a:rPr lang="de-DE" sz="1200" b="0" strike="noStrike" spc="-1" dirty="0">
+                <a:solidFill>
+                  <a:srgbClr val="000000"/>
+                </a:solidFill>
+                <a:latin typeface="Calibri"/>
+                <a:ea typeface="DejaVu Sans"/>
+              </a:rPr>
+              <a:t>4. Translation (</a:t>
+            </a:r>
+            <a:r>
+              <a:rPr lang="de-DE" sz="1200" b="0" strike="noStrike" spc="-1" dirty="0" err="1">
+                <a:solidFill>
+                  <a:srgbClr val="000000"/>
+                </a:solidFill>
+                <a:latin typeface="Calibri"/>
+                <a:ea typeface="DejaVu Sans"/>
+              </a:rPr>
+              <a:t>converting</a:t>
+            </a:r>
+            <a:r>
+              <a:rPr lang="de-DE" sz="1200" b="0" strike="noStrike" spc="-1" dirty="0">
+                <a:solidFill>
+                  <a:srgbClr val="000000"/>
+                </a:solidFill>
+                <a:latin typeface="Calibri"/>
+                <a:ea typeface="DejaVu Sans"/>
+              </a:rPr>
+              <a:t> </a:t>
+            </a:r>
+            <a:r>
+              <a:rPr lang="de-DE" sz="1200" b="0" strike="noStrike" spc="-1" dirty="0" err="1">
+                <a:solidFill>
+                  <a:srgbClr val="000000"/>
+                </a:solidFill>
+                <a:latin typeface="Calibri"/>
+                <a:ea typeface="DejaVu Sans"/>
+              </a:rPr>
+              <a:t>the</a:t>
+            </a:r>
+            <a:r>
+              <a:rPr lang="de-DE" sz="1200" b="0" strike="noStrike" spc="-1" dirty="0">
+                <a:solidFill>
+                  <a:srgbClr val="000000"/>
+                </a:solidFill>
+                <a:latin typeface="Calibri"/>
+                <a:ea typeface="DejaVu Sans"/>
+              </a:rPr>
+              <a:t> parse </a:t>
+            </a:r>
+            <a:r>
+              <a:rPr lang="de-DE" sz="1200" b="0" strike="noStrike" spc="-1" dirty="0" err="1">
+                <a:solidFill>
+                  <a:srgbClr val="000000"/>
+                </a:solidFill>
+                <a:latin typeface="Calibri"/>
+                <a:ea typeface="DejaVu Sans"/>
+              </a:rPr>
+              <a:t>tree</a:t>
+            </a:r>
+            <a:r>
+              <a:rPr lang="de-DE" sz="1200" b="0" strike="noStrike" spc="-1" dirty="0">
+                <a:solidFill>
+                  <a:srgbClr val="000000"/>
+                </a:solidFill>
+                <a:latin typeface="Calibri"/>
+                <a:ea typeface="DejaVu Sans"/>
+              </a:rPr>
+              <a:t> </a:t>
+            </a:r>
+            <a:r>
+              <a:rPr lang="de-DE" sz="1200" b="0" strike="noStrike" spc="-1" dirty="0" err="1">
+                <a:solidFill>
+                  <a:srgbClr val="000000"/>
+                </a:solidFill>
+                <a:latin typeface="Calibri"/>
+                <a:ea typeface="DejaVu Sans"/>
+              </a:rPr>
+              <a:t>into</a:t>
+            </a:r>
+            <a:r>
+              <a:rPr lang="de-DE" sz="1200" b="0" strike="noStrike" spc="-1" dirty="0">
+                <a:solidFill>
+                  <a:srgbClr val="000000"/>
+                </a:solidFill>
+                <a:latin typeface="Calibri"/>
+                <a:ea typeface="DejaVu Sans"/>
+              </a:rPr>
+              <a:t> </a:t>
+            </a:r>
+            <a:r>
+              <a:rPr lang="de-DE" sz="1200" b="0" strike="noStrike" spc="-1" dirty="0" err="1">
+                <a:solidFill>
+                  <a:srgbClr val="000000"/>
+                </a:solidFill>
+                <a:latin typeface="Calibri"/>
+                <a:ea typeface="DejaVu Sans"/>
+              </a:rPr>
+              <a:t>assembly</a:t>
+            </a:r>
+            <a:r>
+              <a:rPr lang="de-DE" sz="1200" b="0" strike="noStrike" spc="-1" dirty="0">
+                <a:solidFill>
+                  <a:srgbClr val="000000"/>
+                </a:solidFill>
+                <a:latin typeface="Calibri"/>
+                <a:ea typeface="DejaVu Sans"/>
+              </a:rPr>
+              <a:t> code)</a:t>
+            </a:r>
+            <a:endParaRPr lang="en-GB" sz="1200" b="0" strike="noStrike" spc="-1" dirty="0">
+              <a:latin typeface="Arial"/>
+            </a:endParaRPr>
+          </a:p>
+          <a:p>
+            <a:pPr marL="274320" indent="-273600">
+              <a:lnSpc>
+                <a:spcPct val="90000"/>
+              </a:lnSpc>
+              <a:spcBef>
+                <a:spcPts val="1800"/>
+              </a:spcBef>
+              <a:buClr>
+                <a:srgbClr val="000000"/>
+              </a:buClr>
+              <a:buSzPct val="80000"/>
+              <a:buFont typeface="Wingdings" charset="2"/>
+              <a:buChar char=""/>
+            </a:pPr>
+            <a:r>
+              <a:rPr lang="de-DE" sz="1200" b="0" strike="noStrike" spc="-1" dirty="0">
+                <a:solidFill>
+                  <a:srgbClr val="000000"/>
+                </a:solidFill>
+                <a:latin typeface="Calibri"/>
+                <a:ea typeface="DejaVu Sans"/>
+              </a:rPr>
+              <a:t>5. Run </a:t>
+            </a:r>
+            <a:r>
+              <a:rPr lang="de-DE" sz="1200" b="0" strike="noStrike" spc="-1" dirty="0" err="1">
+                <a:solidFill>
+                  <a:srgbClr val="000000"/>
+                </a:solidFill>
+                <a:latin typeface="Calibri"/>
+                <a:ea typeface="DejaVu Sans"/>
+              </a:rPr>
+              <a:t>the</a:t>
+            </a:r>
+            <a:r>
+              <a:rPr lang="de-DE" sz="1200" b="0" strike="noStrike" spc="-1" dirty="0">
+                <a:solidFill>
+                  <a:srgbClr val="000000"/>
+                </a:solidFill>
+                <a:latin typeface="Calibri"/>
+                <a:ea typeface="DejaVu Sans"/>
+              </a:rPr>
+              <a:t> code (</a:t>
+            </a:r>
+            <a:r>
+              <a:rPr lang="de-DE" sz="1200" b="0" strike="noStrike" spc="-1" dirty="0" err="1">
+                <a:solidFill>
+                  <a:srgbClr val="000000"/>
+                </a:solidFill>
+                <a:latin typeface="Calibri"/>
+                <a:ea typeface="DejaVu Sans"/>
+              </a:rPr>
+              <a:t>the</a:t>
+            </a:r>
+            <a:r>
+              <a:rPr lang="de-DE" sz="1200" b="0" strike="noStrike" spc="-1" dirty="0">
+                <a:solidFill>
+                  <a:srgbClr val="000000"/>
+                </a:solidFill>
+                <a:latin typeface="Calibri"/>
+                <a:ea typeface="DejaVu Sans"/>
+              </a:rPr>
+              <a:t> </a:t>
+            </a:r>
+            <a:r>
+              <a:rPr lang="de-DE" sz="1200" b="0" strike="noStrike" spc="-1" dirty="0" err="1">
+                <a:solidFill>
+                  <a:srgbClr val="000000"/>
+                </a:solidFill>
+                <a:latin typeface="Calibri"/>
+                <a:ea typeface="DejaVu Sans"/>
+              </a:rPr>
+              <a:t>assembly</a:t>
+            </a:r>
+            <a:r>
+              <a:rPr lang="de-DE" sz="1200" b="0" strike="noStrike" spc="-1" dirty="0">
+                <a:solidFill>
+                  <a:srgbClr val="000000"/>
+                </a:solidFill>
+                <a:latin typeface="Calibri"/>
+                <a:ea typeface="DejaVu Sans"/>
+              </a:rPr>
+              <a:t> code </a:t>
+            </a:r>
+            <a:r>
+              <a:rPr lang="de-DE" sz="1200" b="0" strike="noStrike" spc="-1" dirty="0" err="1">
+                <a:solidFill>
+                  <a:srgbClr val="000000"/>
+                </a:solidFill>
+                <a:latin typeface="Calibri"/>
+                <a:ea typeface="DejaVu Sans"/>
+              </a:rPr>
+              <a:t>is</a:t>
+            </a:r>
+            <a:r>
+              <a:rPr lang="de-DE" sz="1200" b="0" strike="noStrike" spc="-1" dirty="0">
+                <a:solidFill>
+                  <a:srgbClr val="000000"/>
+                </a:solidFill>
+                <a:latin typeface="Calibri"/>
+                <a:ea typeface="DejaVu Sans"/>
+              </a:rPr>
+              <a:t> </a:t>
+            </a:r>
+            <a:r>
+              <a:rPr lang="de-DE" sz="1200" b="0" strike="noStrike" spc="-1" dirty="0" err="1">
+                <a:solidFill>
+                  <a:srgbClr val="000000"/>
+                </a:solidFill>
+                <a:latin typeface="Calibri"/>
+                <a:ea typeface="DejaVu Sans"/>
+              </a:rPr>
+              <a:t>translated</a:t>
+            </a:r>
+            <a:r>
+              <a:rPr lang="de-DE" sz="1200" b="0" strike="noStrike" spc="-1" dirty="0">
+                <a:solidFill>
+                  <a:srgbClr val="000000"/>
+                </a:solidFill>
+                <a:latin typeface="Calibri"/>
+                <a:ea typeface="DejaVu Sans"/>
+              </a:rPr>
+              <a:t> </a:t>
+            </a:r>
+            <a:r>
+              <a:rPr lang="de-DE" sz="1200" b="0" strike="noStrike" spc="-1" dirty="0" err="1">
+                <a:solidFill>
+                  <a:srgbClr val="000000"/>
+                </a:solidFill>
+                <a:latin typeface="Calibri"/>
+                <a:ea typeface="DejaVu Sans"/>
+              </a:rPr>
+              <a:t>into</a:t>
+            </a:r>
+            <a:r>
+              <a:rPr lang="de-DE" sz="1200" b="0" strike="noStrike" spc="-1" dirty="0">
+                <a:solidFill>
+                  <a:srgbClr val="000000"/>
+                </a:solidFill>
+                <a:latin typeface="Calibri"/>
+                <a:ea typeface="DejaVu Sans"/>
+              </a:rPr>
+              <a:t> </a:t>
+            </a:r>
+            <a:r>
+              <a:rPr lang="de-DE" sz="1200" b="0" strike="noStrike" spc="-1" dirty="0" err="1">
+                <a:solidFill>
+                  <a:srgbClr val="000000"/>
+                </a:solidFill>
+                <a:latin typeface="Calibri"/>
+                <a:ea typeface="DejaVu Sans"/>
+              </a:rPr>
+              <a:t>machine</a:t>
+            </a:r>
+            <a:r>
+              <a:rPr lang="de-DE" sz="1200" b="0" strike="noStrike" spc="-1" dirty="0">
+                <a:solidFill>
+                  <a:srgbClr val="000000"/>
+                </a:solidFill>
+                <a:latin typeface="Calibri"/>
+                <a:ea typeface="DejaVu Sans"/>
+              </a:rPr>
+              <a:t> code)</a:t>
+            </a:r>
+            <a:endParaRPr lang="en-GB" sz="1200" b="0" strike="noStrike" spc="-1" dirty="0">
+              <a:latin typeface="Arial"/>
+            </a:endParaRPr>
+          </a:p>
+          <a:p>
+            <a:endParaRPr lang="en-US" dirty="0"/>
+          </a:p>
+          <a:p>
+            <a:r>
+              <a:rPr lang="en-US" dirty="0"/>
+              <a:t>Decompiling.</a:t>
+            </a:r>
+          </a:p>
+          <a:p>
+            <a:r>
+              <a:rPr lang="en-US" dirty="0"/>
+              <a:t>- It does the same as in translation compiling but it processes this into showing the functionality</a:t>
+            </a:r>
+          </a:p>
+          <a:p>
+            <a:endParaRPr lang="en-US" dirty="0"/>
+          </a:p>
+          <a:p>
+            <a:endParaRPr lang="en-US" dirty="0"/>
+          </a:p>
+          <a:p>
+            <a:r>
+              <a:rPr lang="en-US" dirty="0"/>
+              <a:t>The term </a:t>
+            </a:r>
+            <a:r>
+              <a:rPr lang="en-US" dirty="0" err="1"/>
+              <a:t>decompiler</a:t>
+            </a:r>
+            <a:r>
+              <a:rPr lang="en-US" dirty="0"/>
+              <a:t> is most commonly applied to a program which translates executable programs (the output from a compiler) into source code in a (relatively) high level language which, when compiled, will produce an executable whose behavior is the same as the original executable program. By comparison, a disassembler translates an executable program into assembly language (and an assembler could be used for assembling it back into an executable program).</a:t>
+            </a:r>
+            <a:r>
+              <a:rPr lang="en-US" dirty="0" err="1"/>
+              <a:t>Decompilation</a:t>
+            </a:r>
+            <a:r>
+              <a:rPr lang="en-US" dirty="0"/>
+              <a:t> is the act of using a </a:t>
+            </a:r>
+            <a:r>
+              <a:rPr lang="en-US" dirty="0" err="1"/>
+              <a:t>decompiler</a:t>
+            </a:r>
+            <a:r>
+              <a:rPr lang="en-US" dirty="0"/>
+              <a:t>, although the term can also refer to the output of a </a:t>
+            </a:r>
+            <a:r>
+              <a:rPr lang="en-US" dirty="0" err="1"/>
+              <a:t>decompiler</a:t>
+            </a:r>
+            <a:r>
+              <a:rPr lang="en-US" dirty="0"/>
+              <a:t>. It can be used for the recovery of lost source code, and is also useful in some cases for computer security, interoperability and error correction. The success of </a:t>
+            </a:r>
+            <a:r>
+              <a:rPr lang="en-US" dirty="0" err="1"/>
+              <a:t>decompilation</a:t>
+            </a:r>
+            <a:r>
+              <a:rPr lang="en-US" dirty="0"/>
+              <a:t> depends on the amount of information present in the code being decompiled and the sophistication of the analysis performed on it. The bytecode formats used by many virtual machines (such as the Java Virtual Machine or the .NET Framework Common Language Runtime) often include extensive metadata and high-level features that make </a:t>
+            </a:r>
+            <a:r>
+              <a:rPr lang="en-US" dirty="0" err="1"/>
+              <a:t>decompilation</a:t>
+            </a:r>
+            <a:r>
+              <a:rPr lang="en-US" dirty="0"/>
+              <a:t> quite feasible. The application of debug data, i.e. debug-symbols, may enable to reproduce the original names of variables and structures and even the line numbers. Machine language without such metadata or debug data is much harder to </a:t>
+            </a:r>
+            <a:r>
+              <a:rPr lang="en-US" dirty="0" err="1"/>
+              <a:t>decompile.Some</a:t>
+            </a:r>
+            <a:r>
+              <a:rPr lang="en-US" dirty="0"/>
+              <a:t> compilers and post-compilation tools produce obfuscated code (that is, they attempt to produce output that is very difficult to decompile, or that decompiles to confusing output). This is done to make it more difficult to reverse engineer the </a:t>
+            </a:r>
+            <a:r>
+              <a:rPr lang="en-US" dirty="0" err="1"/>
+              <a:t>executable.While</a:t>
+            </a:r>
+            <a:r>
+              <a:rPr lang="en-US" dirty="0"/>
+              <a:t> </a:t>
+            </a:r>
+            <a:r>
+              <a:rPr lang="en-US" dirty="0" err="1"/>
+              <a:t>decompilers</a:t>
+            </a:r>
+            <a:r>
+              <a:rPr lang="en-US" dirty="0"/>
+              <a:t> are normally used to (re-)create source code from binary executables, there are also </a:t>
+            </a:r>
+            <a:r>
+              <a:rPr lang="en-US" dirty="0" err="1"/>
+              <a:t>decompilers</a:t>
+            </a:r>
+            <a:r>
+              <a:rPr lang="en-US" dirty="0"/>
+              <a:t> to turn specific binary data files into human-readable and editable sources.</a:t>
+            </a:r>
             <a:endParaRPr lang="nl-NL" dirty="0"/>
           </a:p>
         </p:txBody>
       </p:sp>
       <p:sp>
         <p:nvSpPr>
-          <p:cNvPr id="4" name="Slide Number Placeholder 3"/>
+          <p:cNvPr id="4" name="Tijdelijke aanduiding voor dianummer 3"/>
           <p:cNvSpPr>
             <a:spLocks noGrp="1"/>
           </p:cNvSpPr>
@@ -5119,7 +5329,7 @@
     </p:spTree>
     <p:extLst>
       <p:ext uri="{BB962C8B-B14F-4D97-AF65-F5344CB8AC3E}">
-        <p14:creationId xmlns:p14="http://schemas.microsoft.com/office/powerpoint/2010/main" val="3440794364"/>
+        <p14:creationId xmlns:p14="http://schemas.microsoft.com/office/powerpoint/2010/main" val="2191605357"/>
       </p:ext>
     </p:extLst>
   </p:cSld>
@@ -5148,7 +5358,7 @@
       </p:grpSpPr>
       <p:sp>
         <p:nvSpPr>
-          <p:cNvPr id="2" name="Tijdelijke aanduiding voor dia-afbeelding 1"/>
+          <p:cNvPr id="2" name="Slide Image Placeholder 1"/>
           <p:cNvSpPr>
             <a:spLocks noGrp="1" noRot="1" noChangeAspect="1"/>
           </p:cNvSpPr>
@@ -5160,7 +5370,7 @@
       </p:sp>
       <p:sp>
         <p:nvSpPr>
-          <p:cNvPr id="3" name="Tijdelijke aanduiding voor notities 2"/>
+          <p:cNvPr id="3" name="Notes Placeholder 2"/>
           <p:cNvSpPr>
             <a:spLocks noGrp="1"/>
           </p:cNvSpPr>
@@ -5174,50 +5384,16 @@
           <a:lstStyle/>
           <a:p>
             <a:r>
-              <a:rPr lang="en-US" dirty="0"/>
-              <a:t>Glenn</a:t>
-            </a:r>
-          </a:p>
-          <a:p>
-            <a:endParaRPr lang="en-US" dirty="0"/>
-          </a:p>
-          <a:p>
-            <a:r>
-              <a:rPr lang="en-US" dirty="0"/>
-              <a:t>The National Security Agency (NSA) is a national-level intelligence agency of the United States Department of Defense, under the authority of the Director of National Intelligence (DNI). The NSA is responsible for global monitoring, collection, and processing of information and data for foreign and domestic intelligence and counterintelligence purposes, specializing in a discipline known as signals intelligence (SIGINT). The NSA is also tasked with the protection of U.S. communications networks and information </a:t>
-            </a:r>
-            <a:r>
-              <a:rPr lang="en-US" dirty="0" err="1"/>
-              <a:t>systems.The</a:t>
-            </a:r>
-            <a:r>
-              <a:rPr lang="en-US" dirty="0"/>
-              <a:t> NSA relies on a variety of measures to accomplish its mission, the majority of which are clandestine. The existence of the NSA was not revealed until 1975. The NSA has roughly 32,000 employees.</a:t>
-            </a:r>
-          </a:p>
-          <a:p>
-            <a:endParaRPr lang="en-US" dirty="0"/>
-          </a:p>
-          <a:p>
-            <a:r>
-              <a:rPr lang="en-US" dirty="0"/>
-              <a:t>Formation:</a:t>
-            </a:r>
-          </a:p>
-          <a:p>
-            <a:r>
-              <a:rPr lang="en-US" dirty="0"/>
-              <a:t>The origins of the National Security Agency can be traced back to April 28, 1917, three weeks after the U.S. Congress declared war on Germany in World War I. A code and cipher decryption unit was established as the Cable and Telegraph Section which was also known as the Cipher Bureau. It was headquartered in Washington, D.C. and was part of the war effort under the executive branch without direct Congressional authorization. During the course of the war, it was relocated in the army's organizational chart several times. On July 5, 1917, Herbert O. Yardley was assigned to head the unit. At that point, the unit consisted of Yardley and two civilian clerks. It absorbed the Navy's cryptanalysis functions in July 1918. World War I ended on November 11, 1918, and the army cryptographic section of Military Intelligence (MI-8) moved to New York City on May 20, 1919, where it continued intelligence activities as the Code Compilation Company under the direction of Yardley.</a:t>
-            </a:r>
-          </a:p>
-          <a:p>
+              <a:rPr lang="en-GB" dirty="0" err="1"/>
+              <a:t>Sjong</a:t>
+            </a:r>
             <a:endParaRPr lang="nl-NL" dirty="0"/>
           </a:p>
         </p:txBody>
       </p:sp>
       <p:sp>
         <p:nvSpPr>
-          <p:cNvPr id="4" name="Tijdelijke aanduiding voor dianummer 3"/>
+          <p:cNvPr id="4" name="Slide Number Placeholder 3"/>
           <p:cNvSpPr>
             <a:spLocks noGrp="1"/>
           </p:cNvSpPr>
@@ -5241,7 +5417,7 @@
     </p:spTree>
     <p:extLst>
       <p:ext uri="{BB962C8B-B14F-4D97-AF65-F5344CB8AC3E}">
-        <p14:creationId xmlns:p14="http://schemas.microsoft.com/office/powerpoint/2010/main" val="4065676574"/>
+        <p14:creationId xmlns:p14="http://schemas.microsoft.com/office/powerpoint/2010/main" val="3440794364"/>
       </p:ext>
     </p:extLst>
   </p:cSld>
@@ -5270,7 +5446,7 @@
       </p:grpSpPr>
       <p:sp>
         <p:nvSpPr>
-          <p:cNvPr id="2" name="Slide Image Placeholder 1"/>
+          <p:cNvPr id="2" name="Tijdelijke aanduiding voor dia-afbeelding 1"/>
           <p:cNvSpPr>
             <a:spLocks noGrp="1" noRot="1" noChangeAspect="1"/>
           </p:cNvSpPr>
@@ -5282,7 +5458,7 @@
       </p:sp>
       <p:sp>
         <p:nvSpPr>
-          <p:cNvPr id="3" name="Notes Placeholder 2"/>
+          <p:cNvPr id="3" name="Tijdelijke aanduiding voor notities 2"/>
           <p:cNvSpPr>
             <a:spLocks noGrp="1"/>
           </p:cNvSpPr>
@@ -5296,132 +5472,50 @@
           <a:lstStyle/>
           <a:p>
             <a:r>
-              <a:rPr lang="en-GB" dirty="0"/>
+              <a:rPr lang="en-US" dirty="0"/>
               <a:t>Glenn</a:t>
             </a:r>
           </a:p>
           <a:p>
-            <a:endParaRPr lang="en-GB" dirty="0"/>
-          </a:p>
-          <a:p>
-            <a:r>
-              <a:rPr lang="en-GB" dirty="0" err="1"/>
-              <a:t>SELinux</a:t>
-            </a:r>
-            <a:r>
-              <a:rPr lang="en-GB" dirty="0"/>
-              <a:t>( Security enhanced Linux) security architecture for admins to have more control.</a:t>
-            </a:r>
-          </a:p>
-          <a:p>
-            <a:r>
-              <a:rPr lang="nl-NL" dirty="0" err="1"/>
-              <a:t>Ghidra</a:t>
-            </a:r>
+            <a:endParaRPr lang="en-US" dirty="0"/>
+          </a:p>
+          <a:p>
+            <a:r>
+              <a:rPr lang="en-US" dirty="0"/>
+              <a:t>The National Security Agency (NSA) is a national-level intelligence agency of the United States Department of Defense, under the authority of the Director of National Intelligence (DNI). The NSA is responsible for global monitoring, collection, and processing of information and data for foreign and domestic intelligence and counterintelligence purposes, specializing in a discipline known as signals intelligence (SIGINT). The NSA is also tasked with the protection of U.S. communications networks and information </a:t>
+            </a:r>
+            <a:r>
+              <a:rPr lang="en-US" dirty="0" err="1"/>
+              <a:t>systems.The</a:t>
+            </a:r>
+            <a:r>
+              <a:rPr lang="en-US" dirty="0"/>
+              <a:t> NSA relies on a variety of measures to accomplish its mission, the majority of which are clandestine. The existence of the NSA was not revealed until 1975. The NSA has roughly 32,000 employees.</a:t>
+            </a:r>
+          </a:p>
+          <a:p>
+            <a:endParaRPr lang="en-US" dirty="0"/>
+          </a:p>
+          <a:p>
+            <a:r>
+              <a:rPr lang="en-US" dirty="0"/>
+              <a:t>Formation:</a:t>
+            </a:r>
+          </a:p>
+          <a:p>
+            <a:r>
+              <a:rPr lang="en-US" dirty="0"/>
+              <a:t>The origins of the National Security Agency can be traced back to April 28, 1917, three weeks after the U.S. Congress declared war on Germany in World War I. A code and cipher decryption unit was established as the Cable and Telegraph Section which was also known as the Cipher Bureau. It was headquartered in Washington, D.C. and was part of the war effort under the executive branch without direct Congressional authorization. During the course of the war, it was relocated in the army's organizational chart several times. On July 5, 1917, Herbert O. Yardley was assigned to head the unit. At that point, the unit consisted of Yardley and two civilian clerks. It absorbed the Navy's cryptanalysis functions in July 1918. World War I ended on November 11, 1918, and the army cryptographic section of Military Intelligence (MI-8) moved to New York City on May 20, 1919, where it continued intelligence activities as the Code Compilation Company under the direction of Yardley.</a:t>
+            </a:r>
+          </a:p>
+          <a:p>
             <a:endParaRPr lang="nl-NL" dirty="0"/>
           </a:p>
-          <a:p>
-            <a:r>
-              <a:rPr lang="nl-NL" dirty="0" err="1"/>
-              <a:t>DataWave</a:t>
-            </a:r>
-            <a:r>
-              <a:rPr lang="nl-NL" dirty="0"/>
-              <a:t>: </a:t>
-            </a:r>
-            <a:r>
-              <a:rPr lang="en-GB" b="0" i="0" dirty="0">
-                <a:solidFill>
-                  <a:srgbClr val="333333"/>
-                </a:solidFill>
-                <a:effectLst/>
-                <a:latin typeface="Helvetica Neue"/>
-              </a:rPr>
-              <a:t>is a Java-based ingest and query framework that leverages Apache </a:t>
-            </a:r>
-            <a:r>
-              <a:rPr lang="en-GB" b="0" i="0" dirty="0" err="1">
-                <a:solidFill>
-                  <a:srgbClr val="333333"/>
-                </a:solidFill>
-                <a:effectLst/>
-                <a:latin typeface="Helvetica Neue"/>
-              </a:rPr>
-              <a:t>accumulo</a:t>
-            </a:r>
-            <a:r>
-              <a:rPr lang="en-GB" b="0" i="0" dirty="0">
-                <a:solidFill>
-                  <a:srgbClr val="333333"/>
-                </a:solidFill>
-                <a:effectLst/>
-                <a:latin typeface="Helvetica Neue"/>
-              </a:rPr>
-              <a:t> to provide fast, secure access to your data</a:t>
-            </a:r>
-          </a:p>
-          <a:p>
-            <a:r>
-              <a:rPr lang="en-GB" b="0" i="0" dirty="0" err="1">
-                <a:solidFill>
-                  <a:srgbClr val="333333"/>
-                </a:solidFill>
-                <a:effectLst/>
-                <a:latin typeface="Helvetica Neue"/>
-              </a:rPr>
-              <a:t>Qgis</a:t>
-            </a:r>
-            <a:r>
-              <a:rPr lang="en-GB" b="0" i="0" dirty="0">
-                <a:solidFill>
-                  <a:srgbClr val="333333"/>
-                </a:solidFill>
-                <a:effectLst/>
-                <a:latin typeface="Helvetica Neue"/>
-              </a:rPr>
-              <a:t>: QGIS is a free and open-source cross-platform desktop geographic information system (GIS) application that supports viewing, editing, printing, and analysis of geospatial data.</a:t>
-            </a:r>
-          </a:p>
-          <a:p>
-            <a:r>
-              <a:rPr lang="en-GB" b="0" i="0" dirty="0">
-                <a:solidFill>
-                  <a:srgbClr val="333333"/>
-                </a:solidFill>
-                <a:effectLst/>
-                <a:latin typeface="Helvetica Neue"/>
-              </a:rPr>
-              <a:t>Timely: A secure time series database based on </a:t>
-            </a:r>
-            <a:r>
-              <a:rPr lang="en-GB" b="0" i="0" dirty="0" err="1">
-                <a:solidFill>
-                  <a:srgbClr val="333333"/>
-                </a:solidFill>
-                <a:effectLst/>
-                <a:latin typeface="Helvetica Neue"/>
-              </a:rPr>
-              <a:t>Accumulo</a:t>
-            </a:r>
-            <a:r>
-              <a:rPr lang="en-GB" b="0" i="0" dirty="0">
-                <a:solidFill>
-                  <a:srgbClr val="333333"/>
-                </a:solidFill>
-                <a:effectLst/>
-                <a:latin typeface="Helvetica Neue"/>
-              </a:rPr>
-              <a:t> and Grafana.</a:t>
-            </a:r>
-          </a:p>
-          <a:p>
-            <a:endParaRPr lang="nl-NL" dirty="0"/>
-          </a:p>
         </p:txBody>
       </p:sp>
       <p:sp>
         <p:nvSpPr>
-          <p:cNvPr id="4" name="Slide Number Placeholder 3"/>
+          <p:cNvPr id="4" name="Tijdelijke aanduiding voor dianummer 3"/>
           <p:cNvSpPr>
             <a:spLocks noGrp="1"/>
           </p:cNvSpPr>
@@ -5445,7 +5539,7 @@
     </p:spTree>
     <p:extLst>
       <p:ext uri="{BB962C8B-B14F-4D97-AF65-F5344CB8AC3E}">
-        <p14:creationId xmlns:p14="http://schemas.microsoft.com/office/powerpoint/2010/main" val="2726788915"/>
+        <p14:creationId xmlns:p14="http://schemas.microsoft.com/office/powerpoint/2010/main" val="4065676574"/>
       </p:ext>
     </p:extLst>
   </p:cSld>
@@ -11308,6 +11402,345 @@
 <file path=ppt/slides/slide10.xml><?xml version="1.0" encoding="utf-8"?>
 <p:sld xmlns:a="http://schemas.openxmlformats.org/drawingml/2006/main" xmlns:r="http://schemas.openxmlformats.org/officeDocument/2006/relationships" xmlns:p="http://schemas.openxmlformats.org/presentationml/2006/main">
   <p:cSld>
+    <p:spTree>
+      <p:nvGrpSpPr>
+        <p:cNvPr id="1" name=""/>
+        <p:cNvGrpSpPr/>
+        <p:nvPr/>
+      </p:nvGrpSpPr>
+      <p:grpSpPr>
+        <a:xfrm>
+          <a:off x="0" y="0"/>
+          <a:ext cx="0" cy="0"/>
+          <a:chOff x="0" y="0"/>
+          <a:chExt cx="0" cy="0"/>
+        </a:xfrm>
+      </p:grpSpPr>
+      <p:sp>
+        <p:nvSpPr>
+          <p:cNvPr id="2" name="Title 1">
+            <a:extLst>
+              <a:ext uri="{FF2B5EF4-FFF2-40B4-BE49-F238E27FC236}">
+                <a16:creationId xmlns:a16="http://schemas.microsoft.com/office/drawing/2014/main" id="{3D2A580A-68C2-525A-9024-E97E61AD5566}"/>
+              </a:ext>
+            </a:extLst>
+          </p:cNvPr>
+          <p:cNvSpPr>
+            <a:spLocks noGrp="1"/>
+          </p:cNvSpPr>
+          <p:nvPr>
+            <p:ph type="title"/>
+          </p:nvPr>
+        </p:nvSpPr>
+        <p:spPr>
+          <a:xfrm>
+            <a:off x="4496844" y="2450926"/>
+            <a:ext cx="4777158" cy="1320800"/>
+          </a:xfrm>
+        </p:spPr>
+        <p:txBody>
+          <a:bodyPr>
+            <a:normAutofit/>
+          </a:bodyPr>
+          <a:lstStyle/>
+          <a:p>
+            <a:r>
+              <a:rPr lang="en-GB" sz="6600" dirty="0"/>
+              <a:t>FOSS</a:t>
+            </a:r>
+            <a:endParaRPr lang="nl-NL" sz="6600" dirty="0"/>
+          </a:p>
+        </p:txBody>
+      </p:sp>
+      <p:sp>
+        <p:nvSpPr>
+          <p:cNvPr id="4" name="TextBox 3">
+            <a:extLst>
+              <a:ext uri="{FF2B5EF4-FFF2-40B4-BE49-F238E27FC236}">
+                <a16:creationId xmlns:a16="http://schemas.microsoft.com/office/drawing/2014/main" id="{3EEA5E93-C38F-EF55-CA55-2BC5C2034198}"/>
+              </a:ext>
+            </a:extLst>
+          </p:cNvPr>
+          <p:cNvSpPr txBox="1"/>
+          <p:nvPr/>
+        </p:nvSpPr>
+        <p:spPr>
+          <a:xfrm>
+            <a:off x="3944655" y="3429000"/>
+            <a:ext cx="3449983" cy="369332"/>
+          </a:xfrm>
+          <a:prstGeom prst="rect">
+            <a:avLst/>
+          </a:prstGeom>
+          <a:noFill/>
+        </p:spPr>
+        <p:txBody>
+          <a:bodyPr wrap="none" rtlCol="0">
+            <a:spAutoFit/>
+          </a:bodyPr>
+          <a:lstStyle/>
+          <a:p>
+            <a:r>
+              <a:rPr lang="en-GB" dirty="0"/>
+              <a:t>F</a:t>
+            </a:r>
+            <a:r>
+              <a:rPr lang="nl-NL" dirty="0"/>
+              <a:t>ree and Open Source Software</a:t>
+            </a:r>
+            <a:endParaRPr lang="en-GB" dirty="0"/>
+          </a:p>
+        </p:txBody>
+      </p:sp>
+      <p:sp>
+        <p:nvSpPr>
+          <p:cNvPr id="5" name="TextBox 4">
+            <a:extLst>
+              <a:ext uri="{FF2B5EF4-FFF2-40B4-BE49-F238E27FC236}">
+                <a16:creationId xmlns:a16="http://schemas.microsoft.com/office/drawing/2014/main" id="{3FF6380A-4DC5-273D-51DE-88F108BAB77C}"/>
+              </a:ext>
+            </a:extLst>
+          </p:cNvPr>
+          <p:cNvSpPr txBox="1"/>
+          <p:nvPr/>
+        </p:nvSpPr>
+        <p:spPr>
+          <a:xfrm flipH="1">
+            <a:off x="4093820" y="6352262"/>
+            <a:ext cx="6601636" cy="646331"/>
+          </a:xfrm>
+          <a:prstGeom prst="rect">
+            <a:avLst/>
+          </a:prstGeom>
+          <a:noFill/>
+        </p:spPr>
+        <p:txBody>
+          <a:bodyPr wrap="square" rtlCol="0">
+            <a:spAutoFit/>
+          </a:bodyPr>
+          <a:lstStyle/>
+          <a:p>
+            <a:r>
+              <a:rPr lang="nl-NL" dirty="0">
+                <a:hlinkClick r:id="rId3"/>
+              </a:rPr>
+              <a:t>https://code.nsa.gov/</a:t>
+            </a:r>
+            <a:endParaRPr lang="nl-NL" dirty="0"/>
+          </a:p>
+          <a:p>
+            <a:endParaRPr lang="nl-NL" dirty="0"/>
+          </a:p>
+        </p:txBody>
+      </p:sp>
+      <p:pic>
+        <p:nvPicPr>
+          <p:cNvPr id="7" name="Picture 6" descr="A picture containing text, sign, dark, clipart&#10;&#10;Description automatically generated">
+            <a:extLst>
+              <a:ext uri="{FF2B5EF4-FFF2-40B4-BE49-F238E27FC236}">
+                <a16:creationId xmlns:a16="http://schemas.microsoft.com/office/drawing/2014/main" id="{C682CF87-C4DD-B391-BCCC-67232184EEC1}"/>
+              </a:ext>
+            </a:extLst>
+          </p:cNvPr>
+          <p:cNvPicPr>
+            <a:picLocks noChangeAspect="1"/>
+          </p:cNvPicPr>
+          <p:nvPr/>
+        </p:nvPicPr>
+        <p:blipFill>
+          <a:blip r:embed="rId4">
+            <a:extLst>
+              <a:ext uri="{28A0092B-C50C-407E-A947-70E740481C1C}">
+                <a14:useLocalDpi xmlns:a14="http://schemas.microsoft.com/office/drawing/2010/main" val="0"/>
+              </a:ext>
+            </a:extLst>
+          </a:blip>
+          <a:stretch>
+            <a:fillRect/>
+          </a:stretch>
+        </p:blipFill>
+        <p:spPr>
+          <a:xfrm>
+            <a:off x="980838" y="5017381"/>
+            <a:ext cx="6704762" cy="965079"/>
+          </a:xfrm>
+          <a:prstGeom prst="rect">
+            <a:avLst/>
+          </a:prstGeom>
+        </p:spPr>
+      </p:pic>
+      <p:pic>
+        <p:nvPicPr>
+          <p:cNvPr id="9" name="Picture 8" descr="Logo">
+            <a:extLst>
+              <a:ext uri="{FF2B5EF4-FFF2-40B4-BE49-F238E27FC236}">
+                <a16:creationId xmlns:a16="http://schemas.microsoft.com/office/drawing/2014/main" id="{CA9B0779-37A5-4F23-E6FC-A9CE772C8B1B}"/>
+              </a:ext>
+            </a:extLst>
+          </p:cNvPr>
+          <p:cNvPicPr>
+            <a:picLocks noChangeAspect="1"/>
+          </p:cNvPicPr>
+          <p:nvPr/>
+        </p:nvPicPr>
+        <p:blipFill>
+          <a:blip r:embed="rId5">
+            <a:extLst>
+              <a:ext uri="{28A0092B-C50C-407E-A947-70E740481C1C}">
+                <a14:useLocalDpi xmlns:a14="http://schemas.microsoft.com/office/drawing/2010/main" val="0"/>
+              </a:ext>
+            </a:extLst>
+          </a:blip>
+          <a:stretch>
+            <a:fillRect/>
+          </a:stretch>
+        </p:blipFill>
+        <p:spPr>
+          <a:xfrm>
+            <a:off x="406287" y="431829"/>
+            <a:ext cx="3538368" cy="2399094"/>
+          </a:xfrm>
+          <a:prstGeom prst="rect">
+            <a:avLst/>
+          </a:prstGeom>
+        </p:spPr>
+      </p:pic>
+      <p:pic>
+        <p:nvPicPr>
+          <p:cNvPr id="11" name="Picture 10" descr="Icon&#10;&#10;Description automatically generated">
+            <a:extLst>
+              <a:ext uri="{FF2B5EF4-FFF2-40B4-BE49-F238E27FC236}">
+                <a16:creationId xmlns:a16="http://schemas.microsoft.com/office/drawing/2014/main" id="{3905519D-8EC6-F1BE-ED27-1A9952ADB482}"/>
+              </a:ext>
+            </a:extLst>
+          </p:cNvPr>
+          <p:cNvPicPr>
+            <a:picLocks noChangeAspect="1"/>
+          </p:cNvPicPr>
+          <p:nvPr/>
+        </p:nvPicPr>
+        <p:blipFill>
+          <a:blip r:embed="rId6">
+            <a:extLst>
+              <a:ext uri="{28A0092B-C50C-407E-A947-70E740481C1C}">
+                <a14:useLocalDpi xmlns:a14="http://schemas.microsoft.com/office/drawing/2010/main" val="0"/>
+              </a:ext>
+            </a:extLst>
+          </a:blip>
+          <a:stretch>
+            <a:fillRect/>
+          </a:stretch>
+        </p:blipFill>
+        <p:spPr>
+          <a:xfrm>
+            <a:off x="7777502" y="2014461"/>
+            <a:ext cx="4595187" cy="4152900"/>
+          </a:xfrm>
+          <a:prstGeom prst="rect">
+            <a:avLst/>
+          </a:prstGeom>
+        </p:spPr>
+      </p:pic>
+      <p:pic>
+        <p:nvPicPr>
+          <p:cNvPr id="13" name="Picture 12" descr="Logo&#10;&#10;Description automatically generated">
+            <a:extLst>
+              <a:ext uri="{FF2B5EF4-FFF2-40B4-BE49-F238E27FC236}">
+                <a16:creationId xmlns:a16="http://schemas.microsoft.com/office/drawing/2014/main" id="{7DF0D6F0-408F-7CED-94BB-DC76DE055333}"/>
+              </a:ext>
+            </a:extLst>
+          </p:cNvPr>
+          <p:cNvPicPr>
+            <a:picLocks noChangeAspect="1"/>
+          </p:cNvPicPr>
+          <p:nvPr/>
+        </p:nvPicPr>
+        <p:blipFill>
+          <a:blip r:embed="rId7">
+            <a:extLst>
+              <a:ext uri="{28A0092B-C50C-407E-A947-70E740481C1C}">
+                <a14:useLocalDpi xmlns:a14="http://schemas.microsoft.com/office/drawing/2010/main" val="0"/>
+              </a:ext>
+            </a:extLst>
+          </a:blip>
+          <a:stretch>
+            <a:fillRect/>
+          </a:stretch>
+        </p:blipFill>
+        <p:spPr>
+          <a:xfrm>
+            <a:off x="4235617" y="197785"/>
+            <a:ext cx="5137292" cy="1836520"/>
+          </a:xfrm>
+          <a:prstGeom prst="rect">
+            <a:avLst/>
+          </a:prstGeom>
+        </p:spPr>
+      </p:pic>
+      <p:pic>
+        <p:nvPicPr>
+          <p:cNvPr id="14" name="Picture 13" descr="Logo, icon">
+            <a:extLst>
+              <a:ext uri="{FF2B5EF4-FFF2-40B4-BE49-F238E27FC236}">
+                <a16:creationId xmlns:a16="http://schemas.microsoft.com/office/drawing/2014/main" id="{44F38A1A-12A1-3801-B1C2-61ABBF0FEFEA}"/>
+              </a:ext>
+            </a:extLst>
+          </p:cNvPr>
+          <p:cNvPicPr>
+            <a:picLocks noChangeAspect="1"/>
+          </p:cNvPicPr>
+          <p:nvPr/>
+        </p:nvPicPr>
+        <p:blipFill>
+          <a:blip r:embed="rId8" cstate="print">
+            <a:extLst>
+              <a:ext uri="{28A0092B-C50C-407E-A947-70E740481C1C}">
+                <a14:useLocalDpi xmlns:a14="http://schemas.microsoft.com/office/drawing/2010/main" val="0"/>
+              </a:ext>
+            </a:extLst>
+          </a:blip>
+          <a:stretch>
+            <a:fillRect/>
+          </a:stretch>
+        </p:blipFill>
+        <p:spPr>
+          <a:xfrm>
+            <a:off x="66696" y="3111326"/>
+            <a:ext cx="3923071" cy="1168748"/>
+          </a:xfrm>
+          <a:prstGeom prst="rect">
+            <a:avLst/>
+          </a:prstGeom>
+        </p:spPr>
+      </p:pic>
+    </p:spTree>
+    <p:extLst>
+      <p:ext uri="{BB962C8B-B14F-4D97-AF65-F5344CB8AC3E}">
+        <p14:creationId xmlns:p14="http://schemas.microsoft.com/office/powerpoint/2010/main" val="1987942460"/>
+      </p:ext>
+    </p:extLst>
+  </p:cSld>
+  <p:clrMapOvr>
+    <a:masterClrMapping/>
+  </p:clrMapOvr>
+  <mc:AlternateContent xmlns:mc="http://schemas.openxmlformats.org/markup-compatibility/2006" xmlns:p14="http://schemas.microsoft.com/office/powerpoint/2010/main">
+    <mc:Choice Requires="p14">
+      <p:transition spd="med" p14:dur="700">
+        <p:fade/>
+      </p:transition>
+    </mc:Choice>
+    <mc:Fallback xmlns="">
+      <p:transition spd="med">
+        <p:fade/>
+      </p:transition>
+    </mc:Fallback>
+  </mc:AlternateContent>
+</p:sld>
+</file>
+
+<file path=ppt/slides/slide11.xml><?xml version="1.0" encoding="utf-8"?>
+<p:sld xmlns:a="http://schemas.openxmlformats.org/drawingml/2006/main" xmlns:r="http://schemas.openxmlformats.org/officeDocument/2006/relationships" xmlns:p="http://schemas.openxmlformats.org/presentationml/2006/main">
+  <p:cSld>
     <p:bg>
       <p:bgPr>
         <a:solidFill>
@@ -11605,175 +12038,6 @@
 </p:sld>
 </file>
 
-<file path=ppt/slides/slide11.xml><?xml version="1.0" encoding="utf-8"?>
-<p:sld xmlns:a="http://schemas.openxmlformats.org/drawingml/2006/main" xmlns:r="http://schemas.openxmlformats.org/officeDocument/2006/relationships" xmlns:p="http://schemas.openxmlformats.org/presentationml/2006/main">
-  <p:cSld>
-    <p:spTree>
-      <p:nvGrpSpPr>
-        <p:cNvPr id="1" name=""/>
-        <p:cNvGrpSpPr/>
-        <p:nvPr/>
-      </p:nvGrpSpPr>
-      <p:grpSpPr>
-        <a:xfrm>
-          <a:off x="0" y="0"/>
-          <a:ext cx="0" cy="0"/>
-          <a:chOff x="0" y="0"/>
-          <a:chExt cx="0" cy="0"/>
-        </a:xfrm>
-      </p:grpSpPr>
-      <p:sp>
-        <p:nvSpPr>
-          <p:cNvPr id="2" name="Title 1">
-            <a:extLst>
-              <a:ext uri="{FF2B5EF4-FFF2-40B4-BE49-F238E27FC236}">
-                <a16:creationId xmlns:a16="http://schemas.microsoft.com/office/drawing/2014/main" id="{EF699D1F-4A87-35B4-E845-E1D6709DE326}"/>
-              </a:ext>
-            </a:extLst>
-          </p:cNvPr>
-          <p:cNvSpPr>
-            <a:spLocks noGrp="1"/>
-          </p:cNvSpPr>
-          <p:nvPr>
-            <p:ph type="title"/>
-          </p:nvPr>
-        </p:nvSpPr>
-        <p:spPr/>
-        <p:txBody>
-          <a:bodyPr/>
-          <a:lstStyle/>
-          <a:p>
-            <a:r>
-              <a:rPr lang="en-GB" dirty="0"/>
-              <a:t>Practical examples of reverse engineering.</a:t>
-            </a:r>
-            <a:endParaRPr lang="nl-NL" dirty="0"/>
-          </a:p>
-        </p:txBody>
-      </p:sp>
-      <p:sp>
-        <p:nvSpPr>
-          <p:cNvPr id="3" name="Content Placeholder 2">
-            <a:extLst>
-              <a:ext uri="{FF2B5EF4-FFF2-40B4-BE49-F238E27FC236}">
-                <a16:creationId xmlns:a16="http://schemas.microsoft.com/office/drawing/2014/main" id="{A766BD93-0F3B-5BB7-7286-CB08181F819E}"/>
-              </a:ext>
-            </a:extLst>
-          </p:cNvPr>
-          <p:cNvSpPr>
-            <a:spLocks noGrp="1"/>
-          </p:cNvSpPr>
-          <p:nvPr>
-            <p:ph idx="1"/>
-          </p:nvPr>
-        </p:nvSpPr>
-        <p:spPr/>
-        <p:txBody>
-          <a:bodyPr/>
-          <a:lstStyle/>
-          <a:p>
-            <a:r>
-              <a:rPr lang="en-GB" dirty="0"/>
-              <a:t>Analyse software</a:t>
-            </a:r>
-          </a:p>
-          <a:p>
-            <a:r>
-              <a:rPr lang="en-GB" dirty="0"/>
-              <a:t>RAT File</a:t>
-            </a:r>
-          </a:p>
-          <a:p>
-            <a:r>
-              <a:rPr lang="en-GB" dirty="0"/>
-              <a:t>WannaCry</a:t>
-            </a:r>
-          </a:p>
-          <a:p>
-            <a:r>
-              <a:rPr lang="en-GB" dirty="0"/>
-              <a:t>File that contains the important algorithm</a:t>
-            </a:r>
-          </a:p>
-          <a:p>
-            <a:endParaRPr lang="en-GB" dirty="0"/>
-          </a:p>
-        </p:txBody>
-      </p:sp>
-      <p:sp>
-        <p:nvSpPr>
-          <p:cNvPr id="4" name="TextBox 3">
-            <a:extLst>
-              <a:ext uri="{FF2B5EF4-FFF2-40B4-BE49-F238E27FC236}">
-                <a16:creationId xmlns:a16="http://schemas.microsoft.com/office/drawing/2014/main" id="{7E4F5A99-B7AE-8910-C128-FA6866B8F068}"/>
-              </a:ext>
-            </a:extLst>
-          </p:cNvPr>
-          <p:cNvSpPr txBox="1"/>
-          <p:nvPr/>
-        </p:nvSpPr>
-        <p:spPr>
-          <a:xfrm>
-            <a:off x="677334" y="6041362"/>
-            <a:ext cx="6544827" cy="530915"/>
-          </a:xfrm>
-          <a:prstGeom prst="rect">
-            <a:avLst/>
-          </a:prstGeom>
-          <a:noFill/>
-        </p:spPr>
-        <p:txBody>
-          <a:bodyPr wrap="square" rtlCol="0">
-            <a:spAutoFit/>
-          </a:bodyPr>
-          <a:lstStyle/>
-          <a:p>
-            <a:r>
-              <a:rPr lang="de-DE" sz="1050" b="0" u="sng" strike="noStrike" spc="-1" dirty="0">
-                <a:solidFill>
-                  <a:srgbClr val="F7B615"/>
-                </a:solidFill>
-                <a:uFillTx/>
-                <a:latin typeface="Arial"/>
-                <a:ea typeface="DejaVu Sans"/>
-                <a:hlinkClick r:id="rId3"/>
-              </a:rPr>
-              <a:t>https://blogs.blackberry.com/en/2019/07/an-introduction-to-code-analysis-with-ghidra</a:t>
-            </a:r>
-            <a:endParaRPr lang="en-GB" sz="1050" b="0" strike="noStrike" spc="-1" dirty="0">
-              <a:latin typeface="Arial"/>
-            </a:endParaRPr>
-          </a:p>
-          <a:p>
-            <a:endParaRPr lang="nl-NL" dirty="0"/>
-          </a:p>
-        </p:txBody>
-      </p:sp>
-    </p:spTree>
-    <p:extLst>
-      <p:ext uri="{BB962C8B-B14F-4D97-AF65-F5344CB8AC3E}">
-        <p14:creationId xmlns:p14="http://schemas.microsoft.com/office/powerpoint/2010/main" val="2371372642"/>
-      </p:ext>
-    </p:extLst>
-  </p:cSld>
-  <p:clrMapOvr>
-    <a:masterClrMapping/>
-  </p:clrMapOvr>
-  <mc:AlternateContent xmlns:mc="http://schemas.openxmlformats.org/markup-compatibility/2006">
-    <mc:Choice xmlns:p14="http://schemas.microsoft.com/office/powerpoint/2010/main" Requires="p14">
-      <p:transition spd="med" p14:dur="700">
-        <p:fade/>
-      </p:transition>
-    </mc:Choice>
-    <mc:Fallback>
-      <p:transition spd="med">
-        <p:fade/>
-      </p:transition>
-    </mc:Fallback>
-  </mc:AlternateContent>
-</p:sld>
-</file>
-
 <file path=ppt/slides/slide12.xml><?xml version="1.0" encoding="utf-8"?>
 <p:sld xmlns:a="http://schemas.openxmlformats.org/drawingml/2006/main" xmlns:r="http://schemas.openxmlformats.org/officeDocument/2006/relationships" xmlns:p="http://schemas.openxmlformats.org/presentationml/2006/main">
   <p:cSld>
@@ -11793,10 +12057,10 @@
       </p:grpSpPr>
       <p:sp>
         <p:nvSpPr>
-          <p:cNvPr id="2" name="Titel 1">
+          <p:cNvPr id="2" name="Title 1">
             <a:extLst>
               <a:ext uri="{FF2B5EF4-FFF2-40B4-BE49-F238E27FC236}">
-                <a16:creationId xmlns:a16="http://schemas.microsoft.com/office/drawing/2014/main" id="{B6BEA475-90E9-9D67-FA61-337172C7917D}"/>
+                <a16:creationId xmlns:a16="http://schemas.microsoft.com/office/drawing/2014/main" id="{EF699D1F-4A87-35B4-E845-E1D6709DE326}"/>
               </a:ext>
             </a:extLst>
           </p:cNvPr>
@@ -11813,28 +12077,8 @@
           <a:lstStyle/>
           <a:p>
             <a:r>
-              <a:rPr lang="nl-NL" dirty="0"/>
-              <a:t>How </a:t>
-            </a:r>
-            <a:r>
-              <a:rPr lang="nl-NL" dirty="0" err="1"/>
-              <a:t>to</a:t>
-            </a:r>
-            <a:r>
-              <a:rPr lang="nl-NL" dirty="0"/>
-              <a:t> </a:t>
-            </a:r>
-            <a:r>
-              <a:rPr lang="nl-NL" dirty="0" err="1"/>
-              <a:t>install</a:t>
-            </a:r>
-            <a:r>
-              <a:rPr lang="nl-NL" dirty="0"/>
-              <a:t> </a:t>
-            </a:r>
-            <a:r>
-              <a:rPr lang="nl-NL" dirty="0" err="1"/>
-              <a:t>Ghidra</a:t>
+              <a:rPr lang="en-GB" dirty="0"/>
+              <a:t>Practical examples of reverse engineering.</a:t>
             </a:r>
             <a:endParaRPr lang="nl-NL" dirty="0"/>
           </a:p>
@@ -11842,10 +12086,10 @@
       </p:sp>
       <p:sp>
         <p:nvSpPr>
-          <p:cNvPr id="3" name="Tijdelijke aanduiding voor inhoud 2">
+          <p:cNvPr id="3" name="Content Placeholder 2">
             <a:extLst>
               <a:ext uri="{FF2B5EF4-FFF2-40B4-BE49-F238E27FC236}">
-                <a16:creationId xmlns:a16="http://schemas.microsoft.com/office/drawing/2014/main" id="{987BD546-D257-7DAB-425C-A569AA570049}"/>
+                <a16:creationId xmlns:a16="http://schemas.microsoft.com/office/drawing/2014/main" id="{A766BD93-0F3B-5BB7-7286-CB08181F819E}"/>
               </a:ext>
             </a:extLst>
           </p:cNvPr>
@@ -11863,65 +12107,85 @@
           <a:p>
             <a:r>
               <a:rPr lang="en-GB" dirty="0"/>
-              <a:t>Pull the </a:t>
-            </a:r>
-            <a:r>
-              <a:rPr lang="en-GB" dirty="0" err="1"/>
-              <a:t>Ghidra</a:t>
-            </a:r>
+              <a:t>Analyse software</a:t>
+            </a:r>
+          </a:p>
+          <a:p>
             <a:r>
               <a:rPr lang="en-GB" dirty="0"/>
-              <a:t> 2022 repository off </a:t>
-            </a:r>
-            <a:r>
-              <a:rPr lang="en-GB" dirty="0" err="1"/>
-              <a:t>github</a:t>
-            </a:r>
+              <a:t>RAT File</a:t>
+            </a:r>
+          </a:p>
+          <a:p>
             <a:r>
               <a:rPr lang="en-GB" dirty="0"/>
-              <a:t> </a:t>
-            </a:r>
-            <a:r>
-              <a:rPr lang="en-GB" dirty="0" err="1"/>
-              <a:t>SEBIvenlo</a:t>
-            </a:r>
-            <a:endParaRPr lang="en-GB"/>
+              <a:t>WannaCry</a:t>
+            </a:r>
+          </a:p>
+          <a:p>
+            <a:r>
+              <a:rPr lang="en-GB" dirty="0"/>
+              <a:t>File that contains the important algorithm</a:t>
+            </a:r>
           </a:p>
           <a:p>
             <a:endParaRPr lang="en-GB" dirty="0"/>
           </a:p>
-          <a:p>
-            <a:r>
-              <a:rPr lang="en-GB" dirty="0"/>
-              <a:t>JDK 17</a:t>
-            </a:r>
+        </p:txBody>
+      </p:sp>
+      <p:sp>
+        <p:nvSpPr>
+          <p:cNvPr id="4" name="TextBox 3">
+            <a:extLst>
+              <a:ext uri="{FF2B5EF4-FFF2-40B4-BE49-F238E27FC236}">
+                <a16:creationId xmlns:a16="http://schemas.microsoft.com/office/drawing/2014/main" id="{7E4F5A99-B7AE-8910-C128-FA6866B8F068}"/>
+              </a:ext>
+            </a:extLst>
+          </p:cNvPr>
+          <p:cNvSpPr txBox="1"/>
+          <p:nvPr/>
+        </p:nvSpPr>
+        <p:spPr>
+          <a:xfrm>
+            <a:off x="677334" y="6041362"/>
+            <a:ext cx="6544827" cy="530915"/>
+          </a:xfrm>
+          <a:prstGeom prst="rect">
+            <a:avLst/>
+          </a:prstGeom>
+          <a:noFill/>
+        </p:spPr>
+        <p:txBody>
+          <a:bodyPr wrap="square" rtlCol="0">
+            <a:spAutoFit/>
+          </a:bodyPr>
+          <a:lstStyle/>
+          <a:p>
+            <a:r>
+              <a:rPr lang="de-DE" sz="1050" b="0" u="sng" strike="noStrike" spc="-1" dirty="0">
+                <a:solidFill>
+                  <a:srgbClr val="F7B615"/>
+                </a:solidFill>
+                <a:uFillTx/>
+                <a:latin typeface="Arial"/>
+                <a:ea typeface="DejaVu Sans"/>
+                <a:hlinkClick r:id="rId3"/>
+              </a:rPr>
+              <a:t>https://blogs.blackberry.com/en/2019/07/an-introduction-to-code-analysis-with-ghidra</a:t>
+            </a:r>
+            <a:endParaRPr lang="en-GB" sz="1050" b="0" strike="noStrike" spc="-1" dirty="0">
+              <a:latin typeface="Arial"/>
+            </a:endParaRPr>
           </a:p>
           <a:p>
             <a:endParaRPr lang="nl-NL" dirty="0"/>
-          </a:p>
-          <a:p>
-            <a:r>
-              <a:rPr lang="nl-NL" dirty="0"/>
-              <a:t>Download </a:t>
-            </a:r>
-            <a:r>
-              <a:rPr lang="nl-NL" dirty="0" err="1"/>
-              <a:t>Ghidra</a:t>
-            </a:r>
-            <a:endParaRPr lang="nl-NL" dirty="0"/>
-          </a:p>
-          <a:p>
-            <a:pPr marL="0" indent="0">
-              <a:buNone/>
-            </a:pPr>
-            <a:endParaRPr lang="en-GB" dirty="0"/>
           </a:p>
         </p:txBody>
       </p:sp>
     </p:spTree>
     <p:extLst>
       <p:ext uri="{BB962C8B-B14F-4D97-AF65-F5344CB8AC3E}">
-        <p14:creationId xmlns:p14="http://schemas.microsoft.com/office/powerpoint/2010/main" val="3774793001"/>
+        <p14:creationId xmlns:p14="http://schemas.microsoft.com/office/powerpoint/2010/main" val="2371372642"/>
       </p:ext>
     </p:extLst>
   </p:cSld>
@@ -11962,10 +12226,10 @@
       </p:grpSpPr>
       <p:sp>
         <p:nvSpPr>
-          <p:cNvPr id="2" name="Title 1">
+          <p:cNvPr id="2" name="Titel 1">
             <a:extLst>
               <a:ext uri="{FF2B5EF4-FFF2-40B4-BE49-F238E27FC236}">
-                <a16:creationId xmlns:a16="http://schemas.microsoft.com/office/drawing/2014/main" id="{578A9C2D-09C6-E734-EEA8-3158759A302E}"/>
+                <a16:creationId xmlns:a16="http://schemas.microsoft.com/office/drawing/2014/main" id="{B6BEA475-90E9-9D67-FA61-337172C7917D}"/>
               </a:ext>
             </a:extLst>
           </p:cNvPr>
@@ -11982,8 +12246,28 @@
           <a:lstStyle/>
           <a:p>
             <a:r>
-              <a:rPr lang="en-GB" dirty="0"/>
-              <a:t>Workshop</a:t>
+              <a:rPr lang="nl-NL" dirty="0"/>
+              <a:t>How </a:t>
+            </a:r>
+            <a:r>
+              <a:rPr lang="nl-NL" dirty="0" err="1"/>
+              <a:t>to</a:t>
+            </a:r>
+            <a:r>
+              <a:rPr lang="nl-NL" dirty="0"/>
+              <a:t> </a:t>
+            </a:r>
+            <a:r>
+              <a:rPr lang="nl-NL" dirty="0" err="1"/>
+              <a:t>install</a:t>
+            </a:r>
+            <a:r>
+              <a:rPr lang="nl-NL" dirty="0"/>
+              <a:t> </a:t>
+            </a:r>
+            <a:r>
+              <a:rPr lang="nl-NL" dirty="0" err="1"/>
+              <a:t>Ghidra</a:t>
             </a:r>
             <a:endParaRPr lang="nl-NL" dirty="0"/>
           </a:p>
@@ -11991,10 +12275,10 @@
       </p:sp>
       <p:sp>
         <p:nvSpPr>
-          <p:cNvPr id="3" name="Content Placeholder 2">
+          <p:cNvPr id="3" name="Tijdelijke aanduiding voor inhoud 2">
             <a:extLst>
               <a:ext uri="{FF2B5EF4-FFF2-40B4-BE49-F238E27FC236}">
-                <a16:creationId xmlns:a16="http://schemas.microsoft.com/office/drawing/2014/main" id="{4AD5C7CF-B614-D5DF-CEE9-A7B1513B6770}"/>
+                <a16:creationId xmlns:a16="http://schemas.microsoft.com/office/drawing/2014/main" id="{987BD546-D257-7DAB-425C-A569AA570049}"/>
               </a:ext>
             </a:extLst>
           </p:cNvPr>
@@ -12012,27 +12296,65 @@
           <a:p>
             <a:r>
               <a:rPr lang="en-GB" dirty="0"/>
-              <a:t>Importing Files</a:t>
-            </a:r>
-          </a:p>
-          <a:p>
+              <a:t>Pull the </a:t>
+            </a:r>
+            <a:r>
+              <a:rPr lang="en-GB" dirty="0" err="1"/>
+              <a:t>Ghidra</a:t>
+            </a:r>
             <a:r>
               <a:rPr lang="en-GB" dirty="0"/>
-              <a:t>Starting with Decompiler.</a:t>
-            </a:r>
+              <a:t> 2022 repository off </a:t>
+            </a:r>
+            <a:r>
+              <a:rPr lang="en-GB" dirty="0" err="1"/>
+              <a:t>github</a:t>
+            </a:r>
+            <a:r>
+              <a:rPr lang="en-GB" dirty="0"/>
+              <a:t> </a:t>
+            </a:r>
+            <a:r>
+              <a:rPr lang="en-GB" dirty="0" err="1"/>
+              <a:t>SEBIvenlo</a:t>
+            </a:r>
+            <a:endParaRPr lang="en-GB"/>
           </a:p>
           <a:p>
             <a:endParaRPr lang="en-GB" dirty="0"/>
           </a:p>
           <a:p>
+            <a:r>
+              <a:rPr lang="en-GB" dirty="0"/>
+              <a:t>JDK 17</a:t>
+            </a:r>
+          </a:p>
+          <a:p>
             <a:endParaRPr lang="nl-NL" dirty="0"/>
+          </a:p>
+          <a:p>
+            <a:r>
+              <a:rPr lang="nl-NL" dirty="0"/>
+              <a:t>Download </a:t>
+            </a:r>
+            <a:r>
+              <a:rPr lang="nl-NL" dirty="0" err="1"/>
+              <a:t>Ghidra</a:t>
+            </a:r>
+            <a:endParaRPr lang="nl-NL" dirty="0"/>
+          </a:p>
+          <a:p>
+            <a:pPr marL="0" indent="0">
+              <a:buNone/>
+            </a:pPr>
+            <a:endParaRPr lang="en-GB" dirty="0"/>
           </a:p>
         </p:txBody>
       </p:sp>
     </p:spTree>
     <p:extLst>
       <p:ext uri="{BB962C8B-B14F-4D97-AF65-F5344CB8AC3E}">
-        <p14:creationId xmlns:p14="http://schemas.microsoft.com/office/powerpoint/2010/main" val="1933050749"/>
+        <p14:creationId xmlns:p14="http://schemas.microsoft.com/office/powerpoint/2010/main" val="3774793001"/>
       </p:ext>
     </p:extLst>
   </p:cSld>
@@ -12076,6 +12398,117 @@
           <p:cNvPr id="2" name="Title 1">
             <a:extLst>
               <a:ext uri="{FF2B5EF4-FFF2-40B4-BE49-F238E27FC236}">
+                <a16:creationId xmlns:a16="http://schemas.microsoft.com/office/drawing/2014/main" id="{578A9C2D-09C6-E734-EEA8-3158759A302E}"/>
+              </a:ext>
+            </a:extLst>
+          </p:cNvPr>
+          <p:cNvSpPr>
+            <a:spLocks noGrp="1"/>
+          </p:cNvSpPr>
+          <p:nvPr>
+            <p:ph type="title"/>
+          </p:nvPr>
+        </p:nvSpPr>
+        <p:spPr/>
+        <p:txBody>
+          <a:bodyPr/>
+          <a:lstStyle/>
+          <a:p>
+            <a:r>
+              <a:rPr lang="en-GB" dirty="0"/>
+              <a:t>Workshop</a:t>
+            </a:r>
+            <a:endParaRPr lang="nl-NL" dirty="0"/>
+          </a:p>
+        </p:txBody>
+      </p:sp>
+      <p:sp>
+        <p:nvSpPr>
+          <p:cNvPr id="3" name="Content Placeholder 2">
+            <a:extLst>
+              <a:ext uri="{FF2B5EF4-FFF2-40B4-BE49-F238E27FC236}">
+                <a16:creationId xmlns:a16="http://schemas.microsoft.com/office/drawing/2014/main" id="{4AD5C7CF-B614-D5DF-CEE9-A7B1513B6770}"/>
+              </a:ext>
+            </a:extLst>
+          </p:cNvPr>
+          <p:cNvSpPr>
+            <a:spLocks noGrp="1"/>
+          </p:cNvSpPr>
+          <p:nvPr>
+            <p:ph idx="1"/>
+          </p:nvPr>
+        </p:nvSpPr>
+        <p:spPr/>
+        <p:txBody>
+          <a:bodyPr/>
+          <a:lstStyle/>
+          <a:p>
+            <a:r>
+              <a:rPr lang="en-GB" dirty="0"/>
+              <a:t>Importing Files</a:t>
+            </a:r>
+          </a:p>
+          <a:p>
+            <a:r>
+              <a:rPr lang="en-GB" dirty="0"/>
+              <a:t>Starting with Decompiler.</a:t>
+            </a:r>
+          </a:p>
+          <a:p>
+            <a:endParaRPr lang="en-GB" dirty="0"/>
+          </a:p>
+          <a:p>
+            <a:endParaRPr lang="nl-NL" dirty="0"/>
+          </a:p>
+        </p:txBody>
+      </p:sp>
+    </p:spTree>
+    <p:extLst>
+      <p:ext uri="{BB962C8B-B14F-4D97-AF65-F5344CB8AC3E}">
+        <p14:creationId xmlns:p14="http://schemas.microsoft.com/office/powerpoint/2010/main" val="1933050749"/>
+      </p:ext>
+    </p:extLst>
+  </p:cSld>
+  <p:clrMapOvr>
+    <a:masterClrMapping/>
+  </p:clrMapOvr>
+  <mc:AlternateContent xmlns:mc="http://schemas.openxmlformats.org/markup-compatibility/2006" xmlns:p14="http://schemas.microsoft.com/office/powerpoint/2010/main">
+    <mc:Choice Requires="p14">
+      <p:transition spd="med" p14:dur="700">
+        <p:fade/>
+      </p:transition>
+    </mc:Choice>
+    <mc:Fallback xmlns="">
+      <p:transition spd="med">
+        <p:fade/>
+      </p:transition>
+    </mc:Fallback>
+  </mc:AlternateContent>
+</p:sld>
+</file>
+
+<file path=ppt/slides/slide15.xml><?xml version="1.0" encoding="utf-8"?>
+<p:sld xmlns:a="http://schemas.openxmlformats.org/drawingml/2006/main" xmlns:r="http://schemas.openxmlformats.org/officeDocument/2006/relationships" xmlns:p="http://schemas.openxmlformats.org/presentationml/2006/main">
+  <p:cSld>
+    <p:spTree>
+      <p:nvGrpSpPr>
+        <p:cNvPr id="1" name=""/>
+        <p:cNvGrpSpPr/>
+        <p:nvPr/>
+      </p:nvGrpSpPr>
+      <p:grpSpPr>
+        <a:xfrm>
+          <a:off x="0" y="0"/>
+          <a:ext cx="0" cy="0"/>
+          <a:chOff x="0" y="0"/>
+          <a:chExt cx="0" cy="0"/>
+        </a:xfrm>
+      </p:grpSpPr>
+      <p:sp>
+        <p:nvSpPr>
+          <p:cNvPr id="2" name="Title 1">
+            <a:extLst>
+              <a:ext uri="{FF2B5EF4-FFF2-40B4-BE49-F238E27FC236}">
                 <a16:creationId xmlns:a16="http://schemas.microsoft.com/office/drawing/2014/main" id="{EF016148-9EBA-0902-EFD1-0574B6407E83}"/>
               </a:ext>
             </a:extLst>
@@ -12180,13 +12613,13 @@
   <p:clrMapOvr>
     <a:masterClrMapping/>
   </p:clrMapOvr>
-  <mc:AlternateContent xmlns:mc="http://schemas.openxmlformats.org/markup-compatibility/2006">
-    <mc:Choice xmlns:p14="http://schemas.microsoft.com/office/powerpoint/2010/main" Requires="p14">
+  <mc:AlternateContent xmlns:mc="http://schemas.openxmlformats.org/markup-compatibility/2006" xmlns:p14="http://schemas.microsoft.com/office/powerpoint/2010/main">
+    <mc:Choice Requires="p14">
       <p:transition spd="med" p14:dur="700">
         <p:fade/>
       </p:transition>
     </mc:Choice>
-    <mc:Fallback>
+    <mc:Fallback xmlns="">
       <p:transition spd="med">
         <p:fade/>
       </p:transition>
@@ -12195,7 +12628,7 @@
 </p:sld>
 </file>
 
-<file path=ppt/slides/slide15.xml><?xml version="1.0" encoding="utf-8"?>
+<file path=ppt/slides/slide16.xml><?xml version="1.0" encoding="utf-8"?>
 <p:sld xmlns:a="http://schemas.openxmlformats.org/drawingml/2006/main" xmlns:r="http://schemas.openxmlformats.org/officeDocument/2006/relationships" xmlns:p="http://schemas.openxmlformats.org/presentationml/2006/main">
   <p:cSld>
     <p:bg>
@@ -13786,7 +14219,7 @@
               <a:rPr lang="en-GB" dirty="0">
                 <a:hlinkClick r:id="rId3"/>
               </a:rPr>
-              <a:t>https://www.youtube.com/watch?v=1r8F-BQOy3w</a:t>
+              <a:t>https://www.youtube.com/watch?v=CjMAMzke7nw</a:t>
             </a:r>
             <a:endParaRPr lang="en-GB" dirty="0"/>
           </a:p>
@@ -13885,13 +14318,13 @@
   <p:clrMapOvr>
     <a:masterClrMapping/>
   </p:clrMapOvr>
-  <mc:AlternateContent xmlns:mc="http://schemas.openxmlformats.org/markup-compatibility/2006">
-    <mc:Choice xmlns:p14="http://schemas.microsoft.com/office/powerpoint/2010/main" Requires="p14">
+  <mc:AlternateContent xmlns:mc="http://schemas.openxmlformats.org/markup-compatibility/2006" xmlns:p14="http://schemas.microsoft.com/office/powerpoint/2010/main">
+    <mc:Choice Requires="p14">
       <p:transition spd="med" p14:dur="700">
         <p:fade/>
       </p:transition>
     </mc:Choice>
-    <mc:Fallback>
+    <mc:Fallback xmlns="">
       <p:transition spd="med">
         <p:fade/>
       </p:transition>
@@ -14050,6 +14483,230 @@
           <p:cNvPr id="2" name="Title 1">
             <a:extLst>
               <a:ext uri="{FF2B5EF4-FFF2-40B4-BE49-F238E27FC236}">
+                <a16:creationId xmlns:a16="http://schemas.microsoft.com/office/drawing/2014/main" id="{202A8EC3-B254-BB88-ABC0-EFEA8FA561E3}"/>
+              </a:ext>
+            </a:extLst>
+          </p:cNvPr>
+          <p:cNvSpPr>
+            <a:spLocks noGrp="1"/>
+          </p:cNvSpPr>
+          <p:nvPr>
+            <p:ph type="title"/>
+          </p:nvPr>
+        </p:nvSpPr>
+        <p:spPr/>
+        <p:txBody>
+          <a:bodyPr/>
+          <a:lstStyle/>
+          <a:p>
+            <a:endParaRPr lang="nl-NL"/>
+          </a:p>
+        </p:txBody>
+      </p:sp>
+      <p:pic>
+        <p:nvPicPr>
+          <p:cNvPr id="4" name="Online Media 3" title="What is Reverse Engineering?">
+            <a:hlinkClick r:id="" action="ppaction://media"/>
+            <a:extLst>
+              <a:ext uri="{FF2B5EF4-FFF2-40B4-BE49-F238E27FC236}">
+                <a16:creationId xmlns:a16="http://schemas.microsoft.com/office/drawing/2014/main" id="{6AF516D3-91EB-12BA-8615-E5D6B2BEADAD}"/>
+              </a:ext>
+            </a:extLst>
+          </p:cNvPr>
+          <p:cNvPicPr>
+            <a:picLocks noGrp="1" noRot="1" noChangeAspect="1"/>
+          </p:cNvPicPr>
+          <p:nvPr>
+            <p:ph idx="1"/>
+            <a:videoFile r:link="rId1"/>
+          </p:nvPr>
+        </p:nvPicPr>
+        <p:blipFill>
+          <a:blip r:embed="rId4"/>
+          <a:stretch>
+            <a:fillRect/>
+          </a:stretch>
+        </p:blipFill>
+        <p:spPr>
+          <a:xfrm>
+            <a:off x="550863" y="420688"/>
+            <a:ext cx="10739437" cy="6068390"/>
+          </a:xfrm>
+          <a:prstGeom prst="rect">
+            <a:avLst/>
+          </a:prstGeom>
+        </p:spPr>
+      </p:pic>
+    </p:spTree>
+    <p:extLst>
+      <p:ext uri="{BB962C8B-B14F-4D97-AF65-F5344CB8AC3E}">
+        <p14:creationId xmlns:p14="http://schemas.microsoft.com/office/powerpoint/2010/main" val="3772177109"/>
+      </p:ext>
+    </p:extLst>
+  </p:cSld>
+  <p:clrMapOvr>
+    <a:masterClrMapping/>
+  </p:clrMapOvr>
+  <p:timing>
+    <p:tnLst>
+      <p:par>
+        <p:cTn id="1" dur="indefinite" restart="never" nodeType="tmRoot">
+          <p:childTnLst>
+            <p:seq concurrent="1" nextAc="seek">
+              <p:cTn id="2" dur="indefinite" nodeType="mainSeq">
+                <p:childTnLst>
+                  <p:par>
+                    <p:cTn id="3" fill="hold">
+                      <p:stCondLst>
+                        <p:cond delay="indefinite"/>
+                      </p:stCondLst>
+                      <p:childTnLst>
+                        <p:par>
+                          <p:cTn id="4" fill="hold">
+                            <p:stCondLst>
+                              <p:cond delay="0"/>
+                            </p:stCondLst>
+                            <p:childTnLst>
+                              <p:par>
+                                <p:cTn id="5" presetID="1" presetClass="mediacall" presetSubtype="0" fill="hold" nodeType="clickEffect">
+                                  <p:stCondLst>
+                                    <p:cond delay="0"/>
+                                  </p:stCondLst>
+                                  <p:childTnLst>
+                                    <p:cmd type="call" cmd="playFrom(0.0)">
+                                      <p:cBhvr>
+                                        <p:cTn id="6" dur="1" fill="hold"/>
+                                        <p:tgtEl>
+                                          <p:spTgt spid="4"/>
+                                        </p:tgtEl>
+                                      </p:cBhvr>
+                                    </p:cmd>
+                                  </p:childTnLst>
+                                </p:cTn>
+                              </p:par>
+                            </p:childTnLst>
+                          </p:cTn>
+                        </p:par>
+                      </p:childTnLst>
+                    </p:cTn>
+                  </p:par>
+                </p:childTnLst>
+              </p:cTn>
+              <p:prevCondLst>
+                <p:cond evt="onPrev" delay="0">
+                  <p:tgtEl>
+                    <p:sldTgt/>
+                  </p:tgtEl>
+                </p:cond>
+              </p:prevCondLst>
+              <p:nextCondLst>
+                <p:cond evt="onNext" delay="0">
+                  <p:tgtEl>
+                    <p:sldTgt/>
+                  </p:tgtEl>
+                </p:cond>
+              </p:nextCondLst>
+            </p:seq>
+            <p:video>
+              <p:cMediaNode vol="80000">
+                <p:cTn id="7" fill="hold" display="0">
+                  <p:stCondLst>
+                    <p:cond delay="indefinite"/>
+                  </p:stCondLst>
+                </p:cTn>
+                <p:tgtEl>
+                  <p:spTgt spid="4"/>
+                </p:tgtEl>
+              </p:cMediaNode>
+            </p:video>
+            <p:seq concurrent="1" nextAc="seek">
+              <p:cTn id="8" restart="whenNotActive" fill="hold" evtFilter="cancelBubble" nodeType="interactiveSeq">
+                <p:stCondLst>
+                  <p:cond evt="onClick" delay="0">
+                    <p:tgtEl>
+                      <p:spTgt spid="4"/>
+                    </p:tgtEl>
+                  </p:cond>
+                </p:stCondLst>
+                <p:endSync evt="end" delay="0">
+                  <p:rtn val="all"/>
+                </p:endSync>
+                <p:childTnLst>
+                  <p:par>
+                    <p:cTn id="9" fill="hold">
+                      <p:stCondLst>
+                        <p:cond delay="0"/>
+                      </p:stCondLst>
+                      <p:childTnLst>
+                        <p:par>
+                          <p:cTn id="10" fill="hold">
+                            <p:stCondLst>
+                              <p:cond delay="0"/>
+                            </p:stCondLst>
+                            <p:childTnLst>
+                              <p:par>
+                                <p:cTn id="11" presetID="2" presetClass="mediacall" presetSubtype="0" fill="hold" nodeType="clickEffect">
+                                  <p:stCondLst>
+                                    <p:cond delay="0"/>
+                                  </p:stCondLst>
+                                  <p:childTnLst>
+                                    <p:cmd type="call" cmd="togglePause">
+                                      <p:cBhvr>
+                                        <p:cTn id="12" dur="1" fill="hold"/>
+                                        <p:tgtEl>
+                                          <p:spTgt spid="4"/>
+                                        </p:tgtEl>
+                                      </p:cBhvr>
+                                    </p:cmd>
+                                  </p:childTnLst>
+                                </p:cTn>
+                              </p:par>
+                            </p:childTnLst>
+                          </p:cTn>
+                        </p:par>
+                      </p:childTnLst>
+                    </p:cTn>
+                  </p:par>
+                </p:childTnLst>
+              </p:cTn>
+              <p:nextCondLst>
+                <p:cond evt="onClick" delay="0">
+                  <p:tgtEl>
+                    <p:spTgt spid="4"/>
+                  </p:tgtEl>
+                </p:cond>
+              </p:nextCondLst>
+            </p:seq>
+          </p:childTnLst>
+        </p:cTn>
+      </p:par>
+    </p:tnLst>
+  </p:timing>
+</p:sld>
+</file>
+
+<file path=ppt/slides/slide6.xml><?xml version="1.0" encoding="utf-8"?>
+<p:sld xmlns:a="http://schemas.openxmlformats.org/drawingml/2006/main" xmlns:r="http://schemas.openxmlformats.org/officeDocument/2006/relationships" xmlns:p="http://schemas.openxmlformats.org/presentationml/2006/main">
+  <p:cSld>
+    <p:spTree>
+      <p:nvGrpSpPr>
+        <p:cNvPr id="1" name=""/>
+        <p:cNvGrpSpPr/>
+        <p:nvPr/>
+      </p:nvGrpSpPr>
+      <p:grpSpPr>
+        <a:xfrm>
+          <a:off x="0" y="0"/>
+          <a:ext cx="0" cy="0"/>
+          <a:chOff x="0" y="0"/>
+          <a:chExt cx="0" cy="0"/>
+        </a:xfrm>
+      </p:grpSpPr>
+      <p:sp>
+        <p:nvSpPr>
+          <p:cNvPr id="2" name="Title 1">
+            <a:extLst>
+              <a:ext uri="{FF2B5EF4-FFF2-40B4-BE49-F238E27FC236}">
                 <a16:creationId xmlns:a16="http://schemas.microsoft.com/office/drawing/2014/main" id="{1D6E4312-2DC2-F135-0959-6239C8688278}"/>
               </a:ext>
             </a:extLst>
@@ -14200,13 +14857,13 @@
   <p:clrMapOvr>
     <a:masterClrMapping/>
   </p:clrMapOvr>
-  <mc:AlternateContent xmlns:mc="http://schemas.openxmlformats.org/markup-compatibility/2006">
-    <mc:Choice xmlns:p14="http://schemas.microsoft.com/office/powerpoint/2010/main" Requires="p14">
+  <mc:AlternateContent xmlns:mc="http://schemas.openxmlformats.org/markup-compatibility/2006" xmlns:p14="http://schemas.microsoft.com/office/powerpoint/2010/main">
+    <mc:Choice Requires="p14">
       <p:transition spd="med" p14:dur="700">
         <p:fade/>
       </p:transition>
     </mc:Choice>
-    <mc:Fallback>
+    <mc:Fallback xmlns="">
       <p:transition spd="med">
         <p:fade/>
       </p:transition>
@@ -14215,7 +14872,7 @@
 </p:sld>
 </file>
 
-<file path=ppt/slides/slide6.xml><?xml version="1.0" encoding="utf-8"?>
+<file path=ppt/slides/slide7.xml><?xml version="1.0" encoding="utf-8"?>
 <p:sld xmlns:a="http://schemas.openxmlformats.org/drawingml/2006/main" xmlns:r="http://schemas.openxmlformats.org/officeDocument/2006/relationships" xmlns:p="http://schemas.openxmlformats.org/presentationml/2006/main">
   <p:cSld>
     <p:spTree>
@@ -14635,7 +15292,7 @@
 </p:sld>
 </file>
 
-<file path=ppt/slides/slide7.xml><?xml version="1.0" encoding="utf-8"?>
+<file path=ppt/slides/slide8.xml><?xml version="1.0" encoding="utf-8"?>
 <p:sld xmlns:a="http://schemas.openxmlformats.org/drawingml/2006/main" xmlns:r="http://schemas.openxmlformats.org/officeDocument/2006/relationships" xmlns:p="http://schemas.openxmlformats.org/presentationml/2006/main">
   <p:cSld>
     <p:spTree>
@@ -14793,13 +15450,13 @@
   <p:clrMapOvr>
     <a:masterClrMapping/>
   </p:clrMapOvr>
-  <mc:AlternateContent xmlns:mc="http://schemas.openxmlformats.org/markup-compatibility/2006">
-    <mc:Choice xmlns:p14="http://schemas.microsoft.com/office/powerpoint/2010/main" Requires="p14">
+  <mc:AlternateContent xmlns:mc="http://schemas.openxmlformats.org/markup-compatibility/2006" xmlns:p14="http://schemas.microsoft.com/office/powerpoint/2010/main">
+    <mc:Choice Requires="p14">
       <p:transition spd="med" p14:dur="700">
         <p:fade/>
       </p:transition>
     </mc:Choice>
-    <mc:Fallback>
+    <mc:Fallback xmlns="">
       <p:transition spd="med">
         <p:fade/>
       </p:transition>
@@ -14808,7 +15465,7 @@
 </p:sld>
 </file>
 
-<file path=ppt/slides/slide8.xml><?xml version="1.0" encoding="utf-8"?>
+<file path=ppt/slides/slide9.xml><?xml version="1.0" encoding="utf-8"?>
 <p:sld xmlns:a="http://schemas.openxmlformats.org/drawingml/2006/main" xmlns:r="http://schemas.openxmlformats.org/officeDocument/2006/relationships" xmlns:p="http://schemas.openxmlformats.org/presentationml/2006/main">
   <p:cSld>
     <p:bg>
@@ -15039,345 +15696,6 @@
       </p:transition>
     </mc:Choice>
     <mc:Fallback xmlns="">
-      <p:transition spd="med">
-        <p:fade/>
-      </p:transition>
-    </mc:Fallback>
-  </mc:AlternateContent>
-</p:sld>
-</file>
-
-<file path=ppt/slides/slide9.xml><?xml version="1.0" encoding="utf-8"?>
-<p:sld xmlns:a="http://schemas.openxmlformats.org/drawingml/2006/main" xmlns:r="http://schemas.openxmlformats.org/officeDocument/2006/relationships" xmlns:p="http://schemas.openxmlformats.org/presentationml/2006/main">
-  <p:cSld>
-    <p:spTree>
-      <p:nvGrpSpPr>
-        <p:cNvPr id="1" name=""/>
-        <p:cNvGrpSpPr/>
-        <p:nvPr/>
-      </p:nvGrpSpPr>
-      <p:grpSpPr>
-        <a:xfrm>
-          <a:off x="0" y="0"/>
-          <a:ext cx="0" cy="0"/>
-          <a:chOff x="0" y="0"/>
-          <a:chExt cx="0" cy="0"/>
-        </a:xfrm>
-      </p:grpSpPr>
-      <p:sp>
-        <p:nvSpPr>
-          <p:cNvPr id="2" name="Title 1">
-            <a:extLst>
-              <a:ext uri="{FF2B5EF4-FFF2-40B4-BE49-F238E27FC236}">
-                <a16:creationId xmlns:a16="http://schemas.microsoft.com/office/drawing/2014/main" id="{3D2A580A-68C2-525A-9024-E97E61AD5566}"/>
-              </a:ext>
-            </a:extLst>
-          </p:cNvPr>
-          <p:cNvSpPr>
-            <a:spLocks noGrp="1"/>
-          </p:cNvSpPr>
-          <p:nvPr>
-            <p:ph type="title"/>
-          </p:nvPr>
-        </p:nvSpPr>
-        <p:spPr>
-          <a:xfrm>
-            <a:off x="4496844" y="2450926"/>
-            <a:ext cx="4777158" cy="1320800"/>
-          </a:xfrm>
-        </p:spPr>
-        <p:txBody>
-          <a:bodyPr>
-            <a:normAutofit/>
-          </a:bodyPr>
-          <a:lstStyle/>
-          <a:p>
-            <a:r>
-              <a:rPr lang="en-GB" sz="6600" dirty="0"/>
-              <a:t>FOSS</a:t>
-            </a:r>
-            <a:endParaRPr lang="nl-NL" sz="6600" dirty="0"/>
-          </a:p>
-        </p:txBody>
-      </p:sp>
-      <p:sp>
-        <p:nvSpPr>
-          <p:cNvPr id="4" name="TextBox 3">
-            <a:extLst>
-              <a:ext uri="{FF2B5EF4-FFF2-40B4-BE49-F238E27FC236}">
-                <a16:creationId xmlns:a16="http://schemas.microsoft.com/office/drawing/2014/main" id="{3EEA5E93-C38F-EF55-CA55-2BC5C2034198}"/>
-              </a:ext>
-            </a:extLst>
-          </p:cNvPr>
-          <p:cNvSpPr txBox="1"/>
-          <p:nvPr/>
-        </p:nvSpPr>
-        <p:spPr>
-          <a:xfrm>
-            <a:off x="3944655" y="3429000"/>
-            <a:ext cx="3449983" cy="369332"/>
-          </a:xfrm>
-          <a:prstGeom prst="rect">
-            <a:avLst/>
-          </a:prstGeom>
-          <a:noFill/>
-        </p:spPr>
-        <p:txBody>
-          <a:bodyPr wrap="none" rtlCol="0">
-            <a:spAutoFit/>
-          </a:bodyPr>
-          <a:lstStyle/>
-          <a:p>
-            <a:r>
-              <a:rPr lang="en-GB" dirty="0"/>
-              <a:t>F</a:t>
-            </a:r>
-            <a:r>
-              <a:rPr lang="nl-NL" dirty="0"/>
-              <a:t>ree and Open Source Software</a:t>
-            </a:r>
-            <a:endParaRPr lang="en-GB" dirty="0"/>
-          </a:p>
-        </p:txBody>
-      </p:sp>
-      <p:sp>
-        <p:nvSpPr>
-          <p:cNvPr id="5" name="TextBox 4">
-            <a:extLst>
-              <a:ext uri="{FF2B5EF4-FFF2-40B4-BE49-F238E27FC236}">
-                <a16:creationId xmlns:a16="http://schemas.microsoft.com/office/drawing/2014/main" id="{3FF6380A-4DC5-273D-51DE-88F108BAB77C}"/>
-              </a:ext>
-            </a:extLst>
-          </p:cNvPr>
-          <p:cNvSpPr txBox="1"/>
-          <p:nvPr/>
-        </p:nvSpPr>
-        <p:spPr>
-          <a:xfrm flipH="1">
-            <a:off x="4093820" y="6352262"/>
-            <a:ext cx="6601636" cy="646331"/>
-          </a:xfrm>
-          <a:prstGeom prst="rect">
-            <a:avLst/>
-          </a:prstGeom>
-          <a:noFill/>
-        </p:spPr>
-        <p:txBody>
-          <a:bodyPr wrap="square" rtlCol="0">
-            <a:spAutoFit/>
-          </a:bodyPr>
-          <a:lstStyle/>
-          <a:p>
-            <a:r>
-              <a:rPr lang="nl-NL" dirty="0">
-                <a:hlinkClick r:id="rId3"/>
-              </a:rPr>
-              <a:t>https://code.nsa.gov/</a:t>
-            </a:r>
-            <a:endParaRPr lang="nl-NL" dirty="0"/>
-          </a:p>
-          <a:p>
-            <a:endParaRPr lang="nl-NL" dirty="0"/>
-          </a:p>
-        </p:txBody>
-      </p:sp>
-      <p:pic>
-        <p:nvPicPr>
-          <p:cNvPr id="7" name="Picture 6" descr="A picture containing text, sign, dark, clipart&#10;&#10;Description automatically generated">
-            <a:extLst>
-              <a:ext uri="{FF2B5EF4-FFF2-40B4-BE49-F238E27FC236}">
-                <a16:creationId xmlns:a16="http://schemas.microsoft.com/office/drawing/2014/main" id="{C682CF87-C4DD-B391-BCCC-67232184EEC1}"/>
-              </a:ext>
-            </a:extLst>
-          </p:cNvPr>
-          <p:cNvPicPr>
-            <a:picLocks noChangeAspect="1"/>
-          </p:cNvPicPr>
-          <p:nvPr/>
-        </p:nvPicPr>
-        <p:blipFill>
-          <a:blip r:embed="rId4">
-            <a:extLst>
-              <a:ext uri="{28A0092B-C50C-407E-A947-70E740481C1C}">
-                <a14:useLocalDpi xmlns:a14="http://schemas.microsoft.com/office/drawing/2010/main" val="0"/>
-              </a:ext>
-            </a:extLst>
-          </a:blip>
-          <a:stretch>
-            <a:fillRect/>
-          </a:stretch>
-        </p:blipFill>
-        <p:spPr>
-          <a:xfrm>
-            <a:off x="980838" y="5017381"/>
-            <a:ext cx="6704762" cy="965079"/>
-          </a:xfrm>
-          <a:prstGeom prst="rect">
-            <a:avLst/>
-          </a:prstGeom>
-        </p:spPr>
-      </p:pic>
-      <p:pic>
-        <p:nvPicPr>
-          <p:cNvPr id="9" name="Picture 8" descr="Logo">
-            <a:extLst>
-              <a:ext uri="{FF2B5EF4-FFF2-40B4-BE49-F238E27FC236}">
-                <a16:creationId xmlns:a16="http://schemas.microsoft.com/office/drawing/2014/main" id="{CA9B0779-37A5-4F23-E6FC-A9CE772C8B1B}"/>
-              </a:ext>
-            </a:extLst>
-          </p:cNvPr>
-          <p:cNvPicPr>
-            <a:picLocks noChangeAspect="1"/>
-          </p:cNvPicPr>
-          <p:nvPr/>
-        </p:nvPicPr>
-        <p:blipFill>
-          <a:blip r:embed="rId5">
-            <a:extLst>
-              <a:ext uri="{28A0092B-C50C-407E-A947-70E740481C1C}">
-                <a14:useLocalDpi xmlns:a14="http://schemas.microsoft.com/office/drawing/2010/main" val="0"/>
-              </a:ext>
-            </a:extLst>
-          </a:blip>
-          <a:stretch>
-            <a:fillRect/>
-          </a:stretch>
-        </p:blipFill>
-        <p:spPr>
-          <a:xfrm>
-            <a:off x="406287" y="431829"/>
-            <a:ext cx="3538368" cy="2399094"/>
-          </a:xfrm>
-          <a:prstGeom prst="rect">
-            <a:avLst/>
-          </a:prstGeom>
-        </p:spPr>
-      </p:pic>
-      <p:pic>
-        <p:nvPicPr>
-          <p:cNvPr id="11" name="Picture 10" descr="Icon&#10;&#10;Description automatically generated">
-            <a:extLst>
-              <a:ext uri="{FF2B5EF4-FFF2-40B4-BE49-F238E27FC236}">
-                <a16:creationId xmlns:a16="http://schemas.microsoft.com/office/drawing/2014/main" id="{3905519D-8EC6-F1BE-ED27-1A9952ADB482}"/>
-              </a:ext>
-            </a:extLst>
-          </p:cNvPr>
-          <p:cNvPicPr>
-            <a:picLocks noChangeAspect="1"/>
-          </p:cNvPicPr>
-          <p:nvPr/>
-        </p:nvPicPr>
-        <p:blipFill>
-          <a:blip r:embed="rId6">
-            <a:extLst>
-              <a:ext uri="{28A0092B-C50C-407E-A947-70E740481C1C}">
-                <a14:useLocalDpi xmlns:a14="http://schemas.microsoft.com/office/drawing/2010/main" val="0"/>
-              </a:ext>
-            </a:extLst>
-          </a:blip>
-          <a:stretch>
-            <a:fillRect/>
-          </a:stretch>
-        </p:blipFill>
-        <p:spPr>
-          <a:xfrm>
-            <a:off x="7777502" y="2014461"/>
-            <a:ext cx="4595187" cy="4152900"/>
-          </a:xfrm>
-          <a:prstGeom prst="rect">
-            <a:avLst/>
-          </a:prstGeom>
-        </p:spPr>
-      </p:pic>
-      <p:pic>
-        <p:nvPicPr>
-          <p:cNvPr id="13" name="Picture 12" descr="Logo&#10;&#10;Description automatically generated">
-            <a:extLst>
-              <a:ext uri="{FF2B5EF4-FFF2-40B4-BE49-F238E27FC236}">
-                <a16:creationId xmlns:a16="http://schemas.microsoft.com/office/drawing/2014/main" id="{7DF0D6F0-408F-7CED-94BB-DC76DE055333}"/>
-              </a:ext>
-            </a:extLst>
-          </p:cNvPr>
-          <p:cNvPicPr>
-            <a:picLocks noChangeAspect="1"/>
-          </p:cNvPicPr>
-          <p:nvPr/>
-        </p:nvPicPr>
-        <p:blipFill>
-          <a:blip r:embed="rId7">
-            <a:extLst>
-              <a:ext uri="{28A0092B-C50C-407E-A947-70E740481C1C}">
-                <a14:useLocalDpi xmlns:a14="http://schemas.microsoft.com/office/drawing/2010/main" val="0"/>
-              </a:ext>
-            </a:extLst>
-          </a:blip>
-          <a:stretch>
-            <a:fillRect/>
-          </a:stretch>
-        </p:blipFill>
-        <p:spPr>
-          <a:xfrm>
-            <a:off x="4235617" y="197785"/>
-            <a:ext cx="5137292" cy="1836520"/>
-          </a:xfrm>
-          <a:prstGeom prst="rect">
-            <a:avLst/>
-          </a:prstGeom>
-        </p:spPr>
-      </p:pic>
-      <p:pic>
-        <p:nvPicPr>
-          <p:cNvPr id="14" name="Picture 13" descr="Logo, icon">
-            <a:extLst>
-              <a:ext uri="{FF2B5EF4-FFF2-40B4-BE49-F238E27FC236}">
-                <a16:creationId xmlns:a16="http://schemas.microsoft.com/office/drawing/2014/main" id="{44F38A1A-12A1-3801-B1C2-61ABBF0FEFEA}"/>
-              </a:ext>
-            </a:extLst>
-          </p:cNvPr>
-          <p:cNvPicPr>
-            <a:picLocks noChangeAspect="1"/>
-          </p:cNvPicPr>
-          <p:nvPr/>
-        </p:nvPicPr>
-        <p:blipFill>
-          <a:blip r:embed="rId8" cstate="print">
-            <a:extLst>
-              <a:ext uri="{28A0092B-C50C-407E-A947-70E740481C1C}">
-                <a14:useLocalDpi xmlns:a14="http://schemas.microsoft.com/office/drawing/2010/main" val="0"/>
-              </a:ext>
-            </a:extLst>
-          </a:blip>
-          <a:stretch>
-            <a:fillRect/>
-          </a:stretch>
-        </p:blipFill>
-        <p:spPr>
-          <a:xfrm>
-            <a:off x="66696" y="3111326"/>
-            <a:ext cx="3923071" cy="1168748"/>
-          </a:xfrm>
-          <a:prstGeom prst="rect">
-            <a:avLst/>
-          </a:prstGeom>
-        </p:spPr>
-      </p:pic>
-    </p:spTree>
-    <p:extLst>
-      <p:ext uri="{BB962C8B-B14F-4D97-AF65-F5344CB8AC3E}">
-        <p14:creationId xmlns:p14="http://schemas.microsoft.com/office/powerpoint/2010/main" val="1987942460"/>
-      </p:ext>
-    </p:extLst>
-  </p:cSld>
-  <p:clrMapOvr>
-    <a:masterClrMapping/>
-  </p:clrMapOvr>
-  <mc:AlternateContent xmlns:mc="http://schemas.openxmlformats.org/markup-compatibility/2006">
-    <mc:Choice xmlns:p14="http://schemas.microsoft.com/office/powerpoint/2010/main" Requires="p14">
-      <p:transition spd="med" p14:dur="700">
-        <p:fade/>
-      </p:transition>
-    </mc:Choice>
-    <mc:Fallback>
       <p:transition spd="med">
         <p:fade/>
       </p:transition>

--- a/Ghidra_Prep.pptx
+++ b/Ghidra_Prep.pptx
@@ -621,6 +621,12 @@
           </a:p>
           <a:p>
             <a:r>
+              <a:rPr lang="en-GB" dirty="0"/>
+              <a:t>Some examples of open source software projects that the NSA has made and shared are to name a few:</a:t>
+            </a:r>
+          </a:p>
+          <a:p>
+            <a:r>
               <a:rPr lang="en-GB" dirty="0" err="1"/>
               <a:t>SELinux</a:t>
             </a:r>
@@ -634,7 +640,50 @@
               <a:rPr lang="nl-NL" dirty="0" err="1"/>
               <a:t>Ghidra</a:t>
             </a:r>
-            <a:endParaRPr lang="nl-NL" dirty="0"/>
+            <a:r>
+              <a:rPr lang="nl-NL" dirty="0"/>
+              <a:t>: </a:t>
+            </a:r>
+            <a:r>
+              <a:rPr lang="nl-NL" dirty="0" err="1"/>
+              <a:t>which</a:t>
+            </a:r>
+            <a:r>
+              <a:rPr lang="nl-NL" dirty="0"/>
+              <a:t> is </a:t>
+            </a:r>
+            <a:r>
+              <a:rPr lang="nl-NL" dirty="0" err="1"/>
+              <a:t>what</a:t>
+            </a:r>
+            <a:r>
+              <a:rPr lang="nl-NL" dirty="0"/>
+              <a:t> </a:t>
+            </a:r>
+            <a:r>
+              <a:rPr lang="nl-NL" dirty="0" err="1"/>
+              <a:t>this</a:t>
+            </a:r>
+            <a:r>
+              <a:rPr lang="nl-NL" dirty="0"/>
+              <a:t> </a:t>
+            </a:r>
+            <a:r>
+              <a:rPr lang="nl-NL" dirty="0" err="1"/>
+              <a:t>presentation</a:t>
+            </a:r>
+            <a:r>
+              <a:rPr lang="nl-NL" dirty="0"/>
+              <a:t> is </a:t>
+            </a:r>
+            <a:r>
+              <a:rPr lang="nl-NL" dirty="0" err="1"/>
+              <a:t>about</a:t>
+            </a:r>
+            <a:r>
+              <a:rPr lang="nl-NL" dirty="0"/>
+              <a:t>.</a:t>
+            </a:r>
           </a:p>
           <a:p>
             <a:r>
@@ -729,6 +778,140 @@
               </a:rPr>
               <a:t> and Grafana.</a:t>
             </a:r>
+          </a:p>
+          <a:p>
+            <a:endParaRPr lang="nl-NL" dirty="0"/>
+          </a:p>
+          <a:p>
+            <a:r>
+              <a:rPr lang="nl-NL" dirty="0" err="1"/>
+              <a:t>Grafana</a:t>
+            </a:r>
+            <a:r>
+              <a:rPr lang="nl-NL" dirty="0"/>
+              <a:t>: </a:t>
+            </a:r>
+            <a:r>
+              <a:rPr lang="nl-NL" dirty="0" err="1"/>
+              <a:t>multi</a:t>
+            </a:r>
+            <a:r>
+              <a:rPr lang="nl-NL" dirty="0"/>
+              <a:t> platform open source </a:t>
+            </a:r>
+            <a:r>
+              <a:rPr lang="nl-NL" dirty="0" err="1"/>
+              <a:t>analytics</a:t>
+            </a:r>
+            <a:r>
+              <a:rPr lang="nl-NL" dirty="0"/>
+              <a:t> </a:t>
+            </a:r>
+            <a:r>
+              <a:rPr lang="nl-NL" dirty="0" err="1"/>
+              <a:t>and</a:t>
+            </a:r>
+            <a:r>
+              <a:rPr lang="nl-NL" dirty="0"/>
+              <a:t> </a:t>
+            </a:r>
+            <a:r>
+              <a:rPr lang="nl-NL" dirty="0" err="1"/>
+              <a:t>interactive</a:t>
+            </a:r>
+            <a:r>
+              <a:rPr lang="nl-NL" dirty="0"/>
+              <a:t> </a:t>
+            </a:r>
+            <a:r>
+              <a:rPr lang="nl-NL" dirty="0" err="1"/>
+              <a:t>visualization</a:t>
+            </a:r>
+            <a:r>
+              <a:rPr lang="nl-NL" dirty="0"/>
+              <a:t> web </a:t>
+            </a:r>
+            <a:r>
+              <a:rPr lang="nl-NL" dirty="0" err="1"/>
+              <a:t>application</a:t>
+            </a:r>
+            <a:r>
+              <a:rPr lang="nl-NL" dirty="0"/>
+              <a:t>.</a:t>
+            </a:r>
+          </a:p>
+          <a:p>
+            <a:r>
+              <a:rPr lang="nl-NL" dirty="0"/>
+              <a:t>Apache Accumulo: </a:t>
+            </a:r>
+            <a:r>
+              <a:rPr lang="nl-NL" dirty="0" err="1"/>
+              <a:t>highly</a:t>
+            </a:r>
+            <a:r>
+              <a:rPr lang="nl-NL" dirty="0"/>
+              <a:t> </a:t>
+            </a:r>
+            <a:r>
+              <a:rPr lang="nl-NL" dirty="0" err="1"/>
+              <a:t>scalable</a:t>
+            </a:r>
+            <a:r>
+              <a:rPr lang="nl-NL" dirty="0"/>
+              <a:t> </a:t>
+            </a:r>
+            <a:r>
+              <a:rPr lang="nl-NL" dirty="0" err="1"/>
+              <a:t>sorted,distributed</a:t>
+            </a:r>
+            <a:r>
+              <a:rPr lang="nl-NL" dirty="0"/>
+              <a:t> </a:t>
+            </a:r>
+            <a:r>
+              <a:rPr lang="nl-NL" dirty="0" err="1"/>
+              <a:t>key</a:t>
+            </a:r>
+            <a:r>
+              <a:rPr lang="nl-NL" dirty="0"/>
+              <a:t> </a:t>
+            </a:r>
+            <a:r>
+              <a:rPr lang="nl-NL" dirty="0" err="1"/>
+              <a:t>value</a:t>
+            </a:r>
+            <a:r>
+              <a:rPr lang="nl-NL" dirty="0"/>
+              <a:t> store </a:t>
+            </a:r>
+            <a:r>
+              <a:rPr lang="nl-NL" dirty="0" err="1"/>
+              <a:t>based</a:t>
+            </a:r>
+            <a:r>
+              <a:rPr lang="nl-NL" dirty="0"/>
+              <a:t> on </a:t>
+            </a:r>
+            <a:r>
+              <a:rPr lang="nl-NL" dirty="0" err="1"/>
+              <a:t>google’s</a:t>
+            </a:r>
+            <a:r>
+              <a:rPr lang="nl-NL" dirty="0"/>
+              <a:t> </a:t>
+            </a:r>
+            <a:r>
+              <a:rPr lang="nl-NL" dirty="0" err="1"/>
+              <a:t>bigtable</a:t>
+            </a:r>
+            <a:r>
+              <a:rPr lang="nl-NL" dirty="0"/>
+              <a:t>.</a:t>
+            </a:r>
+          </a:p>
+          <a:p>
+            <a:endParaRPr lang="nl-NL" dirty="0"/>
           </a:p>
           <a:p>
             <a:endParaRPr lang="nl-NL" dirty="0"/>
@@ -844,6 +1027,36 @@
                 <a:effectLst/>
                 <a:latin typeface="source-serif-pro"/>
               </a:rPr>
+              <a:t>Import and open files like Jar and Executable files. To decompile them and see how they work.</a:t>
+            </a:r>
+          </a:p>
+          <a:p>
+            <a:endParaRPr lang="en-US" b="0" i="0" dirty="0">
+              <a:solidFill>
+                <a:srgbClr val="292929"/>
+              </a:solidFill>
+              <a:effectLst/>
+              <a:latin typeface="source-serif-pro"/>
+            </a:endParaRPr>
+          </a:p>
+          <a:p>
+            <a:endParaRPr lang="en-US" b="0" i="0" dirty="0">
+              <a:solidFill>
+                <a:srgbClr val="292929"/>
+              </a:solidFill>
+              <a:effectLst/>
+              <a:latin typeface="source-serif-pro"/>
+            </a:endParaRPr>
+          </a:p>
+          <a:p>
+            <a:r>
+              <a:rPr lang="en-US" b="0" i="0" dirty="0">
+                <a:solidFill>
+                  <a:srgbClr val="292929"/>
+                </a:solidFill>
+                <a:effectLst/>
+                <a:latin typeface="source-serif-pro"/>
+              </a:rPr>
               <a:t>First open </a:t>
             </a:r>
             <a:r>
@@ -3990,10 +4203,179 @@
             </a:r>
           </a:p>
           <a:p>
-            <a:endParaRPr lang="en-GB"/>
+            <a:endParaRPr lang="en-GB" dirty="0"/>
+          </a:p>
+          <a:p>
+            <a:r>
+              <a:rPr lang="en-GB" dirty="0"/>
+              <a:t>Reverse-engineering is the act of dismantling an object to see how it works. As seen in the video in the next slide</a:t>
+            </a:r>
+          </a:p>
+          <a:p>
+            <a:r>
+              <a:rPr lang="en-GB" dirty="0"/>
+              <a:t>This means you can disassemble something that is made by someone else. </a:t>
+            </a:r>
           </a:p>
           <a:p>
             <a:endParaRPr lang="nl-NL" dirty="0"/>
+          </a:p>
+          <a:p>
+            <a:endParaRPr lang="nl-NL" dirty="0"/>
+          </a:p>
+          <a:p>
+            <a:r>
+              <a:rPr lang="nl-NL" dirty="0" err="1"/>
+              <a:t>What</a:t>
+            </a:r>
+            <a:r>
+              <a:rPr lang="nl-NL" dirty="0"/>
+              <a:t> is </a:t>
+            </a:r>
+            <a:r>
+              <a:rPr lang="nl-NL" dirty="0" err="1"/>
+              <a:t>decompiling</a:t>
+            </a:r>
+            <a:r>
+              <a:rPr lang="nl-NL" dirty="0"/>
+              <a:t>? </a:t>
+            </a:r>
+            <a:r>
+              <a:rPr lang="nl-NL" dirty="0" err="1"/>
+              <a:t>Anyone</a:t>
+            </a:r>
+            <a:r>
+              <a:rPr lang="nl-NL" dirty="0"/>
+              <a:t> have </a:t>
+            </a:r>
+            <a:r>
+              <a:rPr lang="nl-NL" dirty="0" err="1"/>
+              <a:t>an</a:t>
+            </a:r>
+            <a:r>
+              <a:rPr lang="nl-NL" dirty="0"/>
+              <a:t> </a:t>
+            </a:r>
+            <a:r>
+              <a:rPr lang="nl-NL" dirty="0" err="1"/>
+              <a:t>idea</a:t>
+            </a:r>
+            <a:r>
+              <a:rPr lang="nl-NL" dirty="0"/>
+              <a:t>? </a:t>
+            </a:r>
+          </a:p>
+          <a:p>
+            <a:endParaRPr lang="nl-NL" dirty="0"/>
+          </a:p>
+          <a:p>
+            <a:r>
+              <a:rPr lang="nl-NL" dirty="0" err="1"/>
+              <a:t>And</a:t>
+            </a:r>
+            <a:r>
+              <a:rPr lang="nl-NL" dirty="0"/>
+              <a:t> </a:t>
+            </a:r>
+            <a:r>
+              <a:rPr lang="nl-NL" dirty="0" err="1"/>
+              <a:t>any</a:t>
+            </a:r>
+            <a:r>
+              <a:rPr lang="nl-NL" dirty="0"/>
+              <a:t> </a:t>
+            </a:r>
+            <a:r>
+              <a:rPr lang="nl-NL" dirty="0" err="1"/>
+              <a:t>examples</a:t>
+            </a:r>
+            <a:endParaRPr lang="nl-NL" dirty="0"/>
+          </a:p>
+          <a:p>
+            <a:r>
+              <a:rPr lang="nl-NL" dirty="0"/>
+              <a:t>Copy </a:t>
+            </a:r>
+            <a:r>
+              <a:rPr lang="nl-NL" dirty="0" err="1"/>
+              <a:t>protection</a:t>
+            </a:r>
+            <a:r>
+              <a:rPr lang="nl-NL" dirty="0"/>
+              <a:t> (</a:t>
+            </a:r>
+            <a:r>
+              <a:rPr lang="en-US" b="0" i="0" dirty="0">
+                <a:solidFill>
+                  <a:srgbClr val="212121"/>
+                </a:solidFill>
+                <a:effectLst/>
+                <a:latin typeface="ZohoPuvi"/>
+              </a:rPr>
+              <a:t>Copy protection in data security is the process of protecting files and folders from being copied without proper authorization to any device in the same network. Unauthorized copying of data can lead to data leak, exposure, or even a breach.)(</a:t>
+            </a:r>
+            <a:r>
+              <a:rPr lang="nl-NL" dirty="0"/>
+              <a:t>MFA/ </a:t>
+            </a:r>
+            <a:r>
+              <a:rPr lang="nl-NL" dirty="0" err="1"/>
+              <a:t>physical</a:t>
+            </a:r>
+            <a:r>
+              <a:rPr lang="nl-NL" dirty="0"/>
+              <a:t> control/ </a:t>
+            </a:r>
+            <a:r>
+              <a:rPr lang="nl-NL" dirty="0" err="1"/>
+              <a:t>encrypting</a:t>
+            </a:r>
+            <a:r>
+              <a:rPr lang="nl-NL" dirty="0"/>
+              <a:t>/ </a:t>
+            </a:r>
+            <a:r>
+              <a:rPr lang="nl-NL" dirty="0" err="1"/>
+              <a:t>dlp</a:t>
+            </a:r>
+            <a:r>
+              <a:rPr lang="nl-NL" dirty="0"/>
+              <a:t> solution(copy </a:t>
+            </a:r>
+            <a:r>
+              <a:rPr lang="nl-NL" dirty="0" err="1"/>
+              <a:t>protection</a:t>
+            </a:r>
+            <a:r>
+              <a:rPr lang="nl-NL" dirty="0"/>
+              <a:t>)</a:t>
+            </a:r>
+          </a:p>
+          <a:p>
+            <a:r>
+              <a:rPr lang="nl-NL" dirty="0" err="1"/>
+              <a:t>Finding</a:t>
+            </a:r>
+            <a:r>
+              <a:rPr lang="nl-NL" dirty="0"/>
+              <a:t> </a:t>
+            </a:r>
+            <a:r>
+              <a:rPr lang="nl-NL" dirty="0" err="1"/>
+              <a:t>vulnerabilities</a:t>
+            </a:r>
+            <a:r>
+              <a:rPr lang="nl-NL" dirty="0"/>
+              <a:t> in </a:t>
+            </a:r>
+            <a:r>
+              <a:rPr lang="nl-NL" dirty="0" err="1"/>
+              <a:t>an</a:t>
+            </a:r>
+            <a:r>
+              <a:rPr lang="nl-NL" dirty="0"/>
+              <a:t> operating system.</a:t>
+            </a:r>
           </a:p>
         </p:txBody>
       </p:sp>
@@ -4169,6 +4551,87 @@
               <a:rPr lang="en-GB" dirty="0"/>
               <a:t>Glenn</a:t>
             </a:r>
+          </a:p>
+          <a:p>
+            <a:endParaRPr lang="en-GB" dirty="0"/>
+          </a:p>
+          <a:p>
+            <a:r>
+              <a:rPr lang="en-GB" dirty="0"/>
+              <a:t>Here you see how Ghidra is going to look like and how we can use ghidra to find the parts of the code we are looking for.</a:t>
+            </a:r>
+          </a:p>
+          <a:p>
+            <a:r>
+              <a:rPr lang="en-GB" dirty="0"/>
+              <a:t>At the top right you see the program trees , this is like every other ide you probably use where the Jar file or project is divided into classes where you can look through them to look through the classes that you want.</a:t>
+            </a:r>
+          </a:p>
+          <a:p>
+            <a:r>
+              <a:rPr lang="en-GB" dirty="0"/>
+              <a:t>Below that is the </a:t>
+            </a:r>
+            <a:r>
+              <a:rPr lang="en-GB" dirty="0" err="1"/>
+              <a:t>symol</a:t>
+            </a:r>
+            <a:r>
+              <a:rPr lang="en-GB" dirty="0"/>
+              <a:t> tree and the data type manager, which you probably wont use often but these show the types of functionality the code provides neatly ordered and what types of data is used in the code.</a:t>
+            </a:r>
+          </a:p>
+          <a:p>
+            <a:r>
+              <a:rPr lang="en-GB" dirty="0"/>
+              <a:t>Next in the green outline is the listing window this shows you all locations of the code in the background and where these values are stored, this also shows what the code in the </a:t>
+            </a:r>
+            <a:r>
+              <a:rPr lang="en-GB" dirty="0" err="1"/>
+              <a:t>decompiler</a:t>
+            </a:r>
+            <a:r>
+              <a:rPr lang="en-GB" dirty="0"/>
+              <a:t> shows more </a:t>
+            </a:r>
+            <a:r>
+              <a:rPr lang="en-GB" dirty="0" err="1"/>
+              <a:t>indepth</a:t>
+            </a:r>
+            <a:r>
+              <a:rPr lang="en-GB" dirty="0"/>
+              <a:t>.</a:t>
+            </a:r>
+          </a:p>
+          <a:p>
+            <a:r>
+              <a:rPr lang="en-GB" dirty="0"/>
+              <a:t>Next part is the red outlined window which is the </a:t>
+            </a:r>
+            <a:r>
+              <a:rPr lang="en-GB" dirty="0" err="1"/>
+              <a:t>Decompiler</a:t>
+            </a:r>
+            <a:r>
+              <a:rPr lang="en-GB" dirty="0"/>
+              <a:t> window, this is the most important one where you can see the code you have imported and it shows it in C++ where you can click on the variables to show what they are and this will show up in the listing window.</a:t>
+            </a:r>
+          </a:p>
+          <a:p>
+            <a:r>
+              <a:rPr lang="en-GB" dirty="0"/>
+              <a:t>And last is the disassembled view where you can see </a:t>
+            </a:r>
+            <a:r>
+              <a:rPr lang="en-GB" dirty="0" err="1"/>
+              <a:t>indepth</a:t>
+            </a:r>
+            <a:r>
+              <a:rPr lang="en-GB" dirty="0"/>
+              <a:t> all the information about what the variable is linked to and what the functionality is of the variable you clicked on.</a:t>
+            </a:r>
+          </a:p>
+          <a:p>
             <a:endParaRPr lang="nl-NL" dirty="0"/>
           </a:p>
         </p:txBody>
@@ -5482,15 +5945,29 @@
           <a:p>
             <a:r>
               <a:rPr lang="en-US" dirty="0"/>
-              <a:t>The National Security Agency (NSA) is a national-level intelligence agency of the United States Department of Defense, under the authority of the Director of National Intelligence (DNI). The NSA is responsible for global monitoring, collection, and processing of information and data for foreign and domestic intelligence and counterintelligence purposes, specializing in a discipline known as signals intelligence (SIGINT). The NSA is also tasked with the protection of U.S. communications networks and information </a:t>
+              <a:t>The NSA is the National level intelligence Agency of the United States dep. Of </a:t>
             </a:r>
             <a:r>
               <a:rPr lang="en-US" dirty="0" err="1"/>
-              <a:t>systems.The</a:t>
+              <a:t>defence</a:t>
             </a:r>
             <a:r>
               <a:rPr lang="en-US" dirty="0"/>
-              <a:t> NSA relies on a variety of measures to accomplish its mission, the majority of which are clandestine. The existence of the NSA was not revealed until 1975. The NSA has roughly 32,000 employees.</a:t>
+              <a:t>. The NSA is responsible for monitoring, collecting and processing information and data for foreign and domestic intelligence, specializing in a discipline known as </a:t>
+            </a:r>
+            <a:r>
+              <a:rPr lang="en-US" dirty="0" err="1"/>
+              <a:t>singals</a:t>
+            </a:r>
+            <a:r>
+              <a:rPr lang="en-US" dirty="0"/>
+              <a:t> intelligence (SIGINT).  The NSA is also tasked with protecting the US Communications networks and information systems. The NSA relies on a variety of measures to accomplish their mission which most of them are clandestine(secret).</a:t>
+            </a:r>
+          </a:p>
+          <a:p>
+            <a:r>
+              <a:rPr lang="en-US" dirty="0"/>
+              <a:t>The NSA’s existence was denied until 1975 and employs roughly 30000 employees.</a:t>
             </a:r>
           </a:p>
           <a:p>
@@ -5499,14 +5976,417 @@
           <a:p>
             <a:r>
               <a:rPr lang="en-US" dirty="0"/>
-              <a:t>Formation:</a:t>
+              <a:t>History/formation:</a:t>
             </a:r>
           </a:p>
           <a:p>
             <a:r>
               <a:rPr lang="en-US" dirty="0"/>
-              <a:t>The origins of the National Security Agency can be traced back to April 28, 1917, three weeks after the U.S. Congress declared war on Germany in World War I. A code and cipher decryption unit was established as the Cable and Telegraph Section which was also known as the Cipher Bureau. It was headquartered in Washington, D.C. and was part of the war effort under the executive branch without direct Congressional authorization. During the course of the war, it was relocated in the army's organizational chart several times. On July 5, 1917, Herbert O. Yardley was assigned to head the unit. At that point, the unit consisted of Yardley and two civilian clerks. It absorbed the Navy's cryptanalysis functions in July 1918. World War I ended on November 11, 1918, and the army cryptographic section of Military Intelligence (MI-8) moved to New York City on May 20, 1919, where it continued intelligence activities as the Code Compilation Company under the direction of Yardley.</a:t>
-            </a:r>
+              <a:t>The origins of the National Security Agency can be traced back to April 28, 1917, three weeks after the U.S. Congress declared war on Germany in World War I. </a:t>
+            </a:r>
+          </a:p>
+          <a:p>
+            <a:r>
+              <a:rPr lang="en-US" dirty="0"/>
+              <a:t>A code and cipher decryption unit was established as the Cable and Telegraph Section which was also known as the Cipher Bureau. </a:t>
+            </a:r>
+          </a:p>
+          <a:p>
+            <a:r>
+              <a:rPr lang="en-US" dirty="0"/>
+              <a:t>It was headquartered in Washington, D.C. and was part of the war effort under the executive branch without direct Congressional authorization.</a:t>
+            </a:r>
+          </a:p>
+          <a:p>
+            <a:r>
+              <a:rPr lang="en-US" dirty="0"/>
+              <a:t>During the course of the war, it was relocated in the army's organizational chart several times It absorbed the Navy's cryptanalysis functions in July 1918.</a:t>
+            </a:r>
+          </a:p>
+          <a:p>
+            <a:r>
+              <a:rPr lang="en-US" dirty="0"/>
+              <a:t> World War I ended on November 11, 1918, and the army cryptographic section of Military Intelligence (MI-8) moved to New York City on May 20, 1919,</a:t>
+            </a:r>
+          </a:p>
+          <a:p>
+            <a:r>
+              <a:rPr lang="en-US" dirty="0"/>
+              <a:t> where it continued intelligence activities as the Code Compilation Company.</a:t>
+            </a:r>
+          </a:p>
+          <a:p>
+            <a:endParaRPr lang="nl-NL" dirty="0"/>
+          </a:p>
+          <a:p>
+            <a:r>
+              <a:rPr lang="nl-NL" dirty="0"/>
+              <a:t>Digital Surveillance:</a:t>
+            </a:r>
+          </a:p>
+          <a:p>
+            <a:r>
+              <a:rPr lang="nl-NL" dirty="0"/>
+              <a:t>The </a:t>
+            </a:r>
+            <a:r>
+              <a:rPr lang="nl-NL" dirty="0" err="1"/>
+              <a:t>main</a:t>
+            </a:r>
+            <a:r>
+              <a:rPr lang="nl-NL" dirty="0"/>
+              <a:t> </a:t>
+            </a:r>
+            <a:r>
+              <a:rPr lang="nl-NL" dirty="0" err="1"/>
+              <a:t>task</a:t>
+            </a:r>
+            <a:r>
+              <a:rPr lang="nl-NL" dirty="0"/>
+              <a:t> of </a:t>
+            </a:r>
+            <a:r>
+              <a:rPr lang="nl-NL" dirty="0" err="1"/>
+              <a:t>the</a:t>
+            </a:r>
+            <a:r>
+              <a:rPr lang="nl-NL" dirty="0"/>
+              <a:t> NSA </a:t>
+            </a:r>
+            <a:r>
+              <a:rPr lang="nl-NL" dirty="0" err="1"/>
+              <a:t>entails</a:t>
+            </a:r>
+            <a:r>
+              <a:rPr lang="nl-NL" dirty="0"/>
+              <a:t> </a:t>
+            </a:r>
+            <a:r>
+              <a:rPr lang="nl-NL" dirty="0" err="1"/>
+              <a:t>the</a:t>
+            </a:r>
+            <a:r>
+              <a:rPr lang="nl-NL" dirty="0"/>
+              <a:t> Digital </a:t>
+            </a:r>
+            <a:r>
+              <a:rPr lang="nl-NL" dirty="0" err="1"/>
+              <a:t>Surveilance</a:t>
+            </a:r>
+            <a:r>
+              <a:rPr lang="nl-NL" dirty="0"/>
+              <a:t> </a:t>
+            </a:r>
+            <a:r>
+              <a:rPr lang="nl-NL" dirty="0" err="1"/>
+              <a:t>and</a:t>
+            </a:r>
+            <a:r>
+              <a:rPr lang="nl-NL" dirty="0"/>
+              <a:t> </a:t>
+            </a:r>
+            <a:r>
+              <a:rPr lang="nl-NL" dirty="0" err="1"/>
+              <a:t>protection</a:t>
+            </a:r>
+            <a:r>
+              <a:rPr lang="nl-NL" dirty="0"/>
+              <a:t> of </a:t>
+            </a:r>
+            <a:r>
+              <a:rPr lang="nl-NL" dirty="0" err="1"/>
+              <a:t>Domestic</a:t>
+            </a:r>
+            <a:r>
+              <a:rPr lang="nl-NL" dirty="0"/>
+              <a:t> </a:t>
+            </a:r>
+            <a:r>
+              <a:rPr lang="nl-NL" dirty="0" err="1"/>
+              <a:t>americans</a:t>
+            </a:r>
+            <a:r>
+              <a:rPr lang="nl-NL" dirty="0"/>
+              <a:t> </a:t>
+            </a:r>
+          </a:p>
+          <a:p>
+            <a:r>
+              <a:rPr lang="nl-NL" dirty="0"/>
+              <a:t>The NSA </a:t>
+            </a:r>
+            <a:r>
+              <a:rPr lang="nl-NL" dirty="0" err="1"/>
+              <a:t>also</a:t>
+            </a:r>
+            <a:r>
+              <a:rPr lang="nl-NL" dirty="0"/>
+              <a:t> </a:t>
+            </a:r>
+            <a:r>
+              <a:rPr lang="nl-NL" dirty="0" err="1"/>
+              <a:t>creates</a:t>
+            </a:r>
+            <a:r>
+              <a:rPr lang="nl-NL" dirty="0"/>
+              <a:t> </a:t>
+            </a:r>
+            <a:r>
+              <a:rPr lang="nl-NL" dirty="0" err="1"/>
+              <a:t>their</a:t>
+            </a:r>
+            <a:r>
+              <a:rPr lang="nl-NL" dirty="0"/>
+              <a:t> </a:t>
+            </a:r>
+            <a:r>
+              <a:rPr lang="nl-NL" dirty="0" err="1"/>
+              <a:t>own</a:t>
+            </a:r>
+            <a:r>
+              <a:rPr lang="nl-NL" dirty="0"/>
+              <a:t> code </a:t>
+            </a:r>
+            <a:r>
+              <a:rPr lang="nl-NL" dirty="0" err="1"/>
+              <a:t>to</a:t>
+            </a:r>
+            <a:r>
+              <a:rPr lang="nl-NL" dirty="0"/>
+              <a:t> </a:t>
+            </a:r>
+            <a:r>
+              <a:rPr lang="nl-NL" dirty="0" err="1"/>
+              <a:t>be</a:t>
+            </a:r>
+            <a:r>
+              <a:rPr lang="nl-NL" dirty="0"/>
+              <a:t> </a:t>
+            </a:r>
+            <a:r>
+              <a:rPr lang="nl-NL" dirty="0" err="1"/>
+              <a:t>used</a:t>
+            </a:r>
+            <a:r>
+              <a:rPr lang="nl-NL" dirty="0"/>
+              <a:t> </a:t>
+            </a:r>
+            <a:r>
+              <a:rPr lang="nl-NL" dirty="0" err="1"/>
+              <a:t>by</a:t>
+            </a:r>
+            <a:r>
+              <a:rPr lang="nl-NL" dirty="0"/>
+              <a:t> </a:t>
+            </a:r>
+            <a:r>
+              <a:rPr lang="nl-NL" dirty="0" err="1"/>
+              <a:t>them</a:t>
+            </a:r>
+            <a:r>
+              <a:rPr lang="nl-NL" dirty="0"/>
+              <a:t> </a:t>
+            </a:r>
+            <a:r>
+              <a:rPr lang="nl-NL" dirty="0" err="1"/>
+              <a:t>to</a:t>
+            </a:r>
+            <a:r>
+              <a:rPr lang="nl-NL" dirty="0"/>
+              <a:t> support </a:t>
+            </a:r>
+            <a:r>
+              <a:rPr lang="nl-NL" dirty="0" err="1"/>
+              <a:t>them</a:t>
+            </a:r>
+            <a:r>
+              <a:rPr lang="nl-NL" dirty="0"/>
+              <a:t> in </a:t>
+            </a:r>
+            <a:r>
+              <a:rPr lang="nl-NL" dirty="0" err="1"/>
+              <a:t>this</a:t>
+            </a:r>
+            <a:r>
+              <a:rPr lang="nl-NL" dirty="0"/>
+              <a:t> goal </a:t>
+            </a:r>
+            <a:r>
+              <a:rPr lang="nl-NL" dirty="0" err="1"/>
+              <a:t>whereas</a:t>
+            </a:r>
+            <a:r>
+              <a:rPr lang="nl-NL" dirty="0"/>
+              <a:t> most are </a:t>
+            </a:r>
+            <a:r>
+              <a:rPr lang="nl-NL" dirty="0" err="1"/>
+              <a:t>clandestine</a:t>
+            </a:r>
+            <a:r>
+              <a:rPr lang="nl-NL" dirty="0"/>
+              <a:t> (</a:t>
+            </a:r>
+            <a:r>
+              <a:rPr lang="nl-NL" dirty="0" err="1"/>
+              <a:t>secret</a:t>
+            </a:r>
+            <a:r>
+              <a:rPr lang="nl-NL" dirty="0"/>
+              <a:t>) but </a:t>
+            </a:r>
+            <a:r>
+              <a:rPr lang="nl-NL" dirty="0" err="1"/>
+              <a:t>many</a:t>
+            </a:r>
+            <a:r>
+              <a:rPr lang="nl-NL" dirty="0"/>
+              <a:t> are </a:t>
+            </a:r>
+            <a:r>
+              <a:rPr lang="nl-NL" dirty="0" err="1"/>
+              <a:t>also</a:t>
+            </a:r>
+            <a:r>
+              <a:rPr lang="nl-NL" dirty="0"/>
+              <a:t> FOSS </a:t>
+            </a:r>
+            <a:r>
+              <a:rPr lang="nl-NL" dirty="0" err="1"/>
+              <a:t>which</a:t>
+            </a:r>
+            <a:r>
+              <a:rPr lang="nl-NL" dirty="0"/>
+              <a:t> stands </a:t>
+            </a:r>
+            <a:r>
+              <a:rPr lang="nl-NL" dirty="0" err="1"/>
+              <a:t>for</a:t>
+            </a:r>
+            <a:r>
+              <a:rPr lang="nl-NL" dirty="0"/>
+              <a:t> Free </a:t>
+            </a:r>
+            <a:r>
+              <a:rPr lang="nl-NL" dirty="0" err="1"/>
+              <a:t>and</a:t>
+            </a:r>
+            <a:r>
+              <a:rPr lang="nl-NL" dirty="0"/>
+              <a:t> open source Software</a:t>
+            </a:r>
+          </a:p>
+          <a:p>
+            <a:r>
+              <a:rPr lang="nl-NL" dirty="0" err="1"/>
+              <a:t>They</a:t>
+            </a:r>
+            <a:r>
+              <a:rPr lang="nl-NL" dirty="0"/>
+              <a:t> have multiple </a:t>
+            </a:r>
+            <a:r>
+              <a:rPr lang="nl-NL" dirty="0" err="1"/>
+              <a:t>reasons</a:t>
+            </a:r>
+            <a:r>
+              <a:rPr lang="nl-NL" dirty="0"/>
+              <a:t> </a:t>
+            </a:r>
+            <a:r>
+              <a:rPr lang="nl-NL" dirty="0" err="1"/>
+              <a:t>why</a:t>
+            </a:r>
+            <a:r>
+              <a:rPr lang="nl-NL" dirty="0"/>
+              <a:t> </a:t>
+            </a:r>
+            <a:r>
+              <a:rPr lang="nl-NL" dirty="0" err="1"/>
+              <a:t>they</a:t>
+            </a:r>
+            <a:r>
+              <a:rPr lang="nl-NL" dirty="0"/>
+              <a:t> make </a:t>
+            </a:r>
+            <a:r>
+              <a:rPr lang="nl-NL" dirty="0" err="1"/>
+              <a:t>them</a:t>
+            </a:r>
+            <a:r>
+              <a:rPr lang="nl-NL" dirty="0"/>
+              <a:t> open source, but </a:t>
+            </a:r>
+            <a:r>
+              <a:rPr lang="nl-NL" dirty="0" err="1"/>
+              <a:t>mainly</a:t>
+            </a:r>
+            <a:r>
+              <a:rPr lang="nl-NL" dirty="0"/>
+              <a:t> </a:t>
+            </a:r>
+            <a:r>
+              <a:rPr lang="nl-NL" dirty="0" err="1"/>
+              <a:t>to</a:t>
+            </a:r>
+            <a:r>
+              <a:rPr lang="nl-NL" dirty="0"/>
+              <a:t> </a:t>
+            </a:r>
+            <a:r>
+              <a:rPr lang="nl-NL" dirty="0" err="1"/>
+              <a:t>raise</a:t>
+            </a:r>
+            <a:r>
+              <a:rPr lang="nl-NL" dirty="0"/>
+              <a:t> awareness of cyber security </a:t>
+            </a:r>
+            <a:r>
+              <a:rPr lang="nl-NL" dirty="0" err="1"/>
+              <a:t>and</a:t>
+            </a:r>
+            <a:r>
+              <a:rPr lang="nl-NL" dirty="0"/>
+              <a:t> </a:t>
+            </a:r>
+            <a:r>
+              <a:rPr lang="nl-NL" dirty="0" err="1"/>
+              <a:t>to</a:t>
+            </a:r>
+            <a:r>
+              <a:rPr lang="nl-NL" dirty="0"/>
+              <a:t> cut </a:t>
+            </a:r>
+            <a:r>
+              <a:rPr lang="nl-NL" dirty="0" err="1"/>
+              <a:t>costs</a:t>
+            </a:r>
+            <a:r>
+              <a:rPr lang="nl-NL" dirty="0"/>
+              <a:t> </a:t>
+            </a:r>
+            <a:r>
+              <a:rPr lang="nl-NL" dirty="0" err="1"/>
+              <a:t>into</a:t>
+            </a:r>
+            <a:r>
+              <a:rPr lang="nl-NL" dirty="0"/>
+              <a:t> making </a:t>
+            </a:r>
+            <a:r>
+              <a:rPr lang="nl-NL" dirty="0" err="1"/>
+              <a:t>them</a:t>
+            </a:r>
+            <a:r>
+              <a:rPr lang="nl-NL" dirty="0"/>
+              <a:t>.</a:t>
+            </a:r>
+          </a:p>
+          <a:p>
+            <a:endParaRPr lang="nl-NL" dirty="0"/>
+          </a:p>
+          <a:p>
+            <a:endParaRPr lang="nl-NL" dirty="0"/>
           </a:p>
           <a:p>
             <a:endParaRPr lang="nl-NL" dirty="0"/>
@@ -11935,38 +12815,6 @@
           </a:extLst>
         </p:spPr>
       </p:pic>
-      <p:sp>
-        <p:nvSpPr>
-          <p:cNvPr id="1034" name="Content Placeholder 1033">
-            <a:extLst>
-              <a:ext uri="{FF2B5EF4-FFF2-40B4-BE49-F238E27FC236}">
-                <a16:creationId xmlns:a16="http://schemas.microsoft.com/office/drawing/2014/main" id="{DBE5DD36-4CC8-8C6D-DE20-92B8D7FE063E}"/>
-              </a:ext>
-            </a:extLst>
-          </p:cNvPr>
-          <p:cNvSpPr>
-            <a:spLocks noGrp="1"/>
-          </p:cNvSpPr>
-          <p:nvPr>
-            <p:ph idx="1"/>
-          </p:nvPr>
-        </p:nvSpPr>
-        <p:spPr>
-          <a:xfrm>
-            <a:off x="6343484" y="2160589"/>
-            <a:ext cx="2930517" cy="3880773"/>
-          </a:xfrm>
-        </p:spPr>
-        <p:txBody>
-          <a:bodyPr>
-            <a:normAutofit/>
-          </a:bodyPr>
-          <a:lstStyle/>
-          <a:p>
-            <a:endParaRPr lang="en-US" dirty="0"/>
-          </a:p>
-        </p:txBody>
-      </p:sp>
       <p:pic>
         <p:nvPicPr>
           <p:cNvPr id="1030" name="Picture 6">
@@ -12296,15 +13144,7 @@
           <a:p>
             <a:r>
               <a:rPr lang="en-GB" dirty="0"/>
-              <a:t>Pull the </a:t>
-            </a:r>
-            <a:r>
-              <a:rPr lang="en-GB" dirty="0" err="1"/>
-              <a:t>Ghidra</a:t>
-            </a:r>
-            <a:r>
-              <a:rPr lang="en-GB" dirty="0"/>
-              <a:t> 2022 repository off </a:t>
+              <a:t>Pull the Ghidra 2022 repository off </a:t>
             </a:r>
             <a:r>
               <a:rPr lang="en-GB" dirty="0" err="1"/>
@@ -12318,7 +13158,7 @@
               <a:rPr lang="en-GB" dirty="0" err="1"/>
               <a:t>SEBIvenlo</a:t>
             </a:r>
-            <a:endParaRPr lang="en-GB"/>
+            <a:endParaRPr lang="en-GB" dirty="0"/>
           </a:p>
           <a:p>
             <a:endParaRPr lang="en-GB" dirty="0"/>
@@ -13672,11 +14512,7 @@
           <a:p>
             <a:r>
               <a:rPr lang="en-GB" dirty="0"/>
-              <a:t>Practical uses of </a:t>
-            </a:r>
-            <a:r>
-              <a:rPr lang="en-GB" dirty="0" err="1"/>
-              <a:t>Ghidra</a:t>
+              <a:t>Practical uses of Ghidra</a:t>
             </a:r>
             <a:endParaRPr lang="nl-NL" dirty="0"/>
           </a:p>
@@ -14146,15 +14982,35 @@
         </p:nvSpPr>
         <p:spPr/>
         <p:txBody>
-          <a:bodyPr/>
+          <a:bodyPr>
+            <a:normAutofit lnSpcReduction="10000"/>
+          </a:bodyPr>
           <a:lstStyle/>
+          <a:p>
+            <a:r>
+              <a:rPr lang="en-GB" dirty="0"/>
+              <a:t>Reverse-engineering is the act of dismantling an object to see how it works.</a:t>
+            </a:r>
+          </a:p>
+          <a:p>
+            <a:r>
+              <a:rPr lang="en-GB" dirty="0"/>
+              <a:t>Compile is not the same as Decompile</a:t>
+            </a:r>
+          </a:p>
+          <a:p>
+            <a:r>
+              <a:rPr lang="en-GB" dirty="0"/>
+              <a:t>What is Decompiling?</a:t>
+            </a:r>
+          </a:p>
           <a:p>
             <a:pPr marL="0" indent="0">
               <a:buNone/>
             </a:pPr>
             <a:r>
-              <a:rPr lang="en-GB" dirty="0"/>
-              <a:t>Reverse-engineering is the act of dismantling an object to see how it works.</a:t>
+              <a:rPr lang="en-US" b="1" dirty="0"/>
+              <a:t>to convert executable or ready-to-run </a:t>
             </a:r>
           </a:p>
           <a:p>
@@ -14162,66 +15018,50 @@
               <a:buNone/>
             </a:pPr>
             <a:r>
-              <a:rPr lang="en-GB" dirty="0"/>
-              <a:t>Compile is not the same as Decompile</a:t>
+              <a:rPr lang="en-US" b="1" dirty="0"/>
+              <a:t>program code “object code” into some form </a:t>
             </a:r>
           </a:p>
           <a:p>
             <a:pPr marL="0" indent="0">
               <a:buNone/>
             </a:pPr>
-            <a:endParaRPr lang="en-GB" dirty="0"/>
+            <a:r>
+              <a:rPr lang="en-US" b="1" dirty="0"/>
+              <a:t>of higher-level programming language</a:t>
+            </a:r>
           </a:p>
           <a:p>
             <a:pPr marL="0" indent="0">
               <a:buNone/>
             </a:pPr>
             <a:r>
+              <a:rPr lang="en-US" b="1" dirty="0"/>
+              <a:t>that humans can easily understand</a:t>
+            </a:r>
+            <a:r>
+              <a:rPr lang="en-US" dirty="0"/>
+              <a:t>.</a:t>
+            </a:r>
+            <a:endParaRPr lang="en-GB" dirty="0"/>
+          </a:p>
+          <a:p>
+            <a:r>
               <a:rPr lang="en-GB" dirty="0"/>
-              <a:t>What is Decompiling?</a:t>
-            </a:r>
-          </a:p>
-          <a:p>
-            <a:pPr marL="0" indent="0">
-              <a:buNone/>
-            </a:pPr>
+              <a:t>Examples?</a:t>
+            </a:r>
+          </a:p>
+          <a:p>
             <a:r>
               <a:rPr lang="en-GB" dirty="0"/>
               <a:t>Crack or remove copy protection</a:t>
             </a:r>
           </a:p>
           <a:p>
-            <a:pPr marL="0" indent="0">
-              <a:buNone/>
-            </a:pPr>
             <a:r>
               <a:rPr lang="en-GB" dirty="0"/>
               <a:t>Find vulnerabilities in an OS</a:t>
             </a:r>
-          </a:p>
-          <a:p>
-            <a:pPr marL="0" indent="0">
-              <a:buNone/>
-            </a:pPr>
-            <a:endParaRPr lang="en-GB" dirty="0"/>
-          </a:p>
-          <a:p>
-            <a:pPr marL="0" indent="0">
-              <a:buNone/>
-            </a:pPr>
-            <a:endParaRPr lang="en-GB" dirty="0"/>
-          </a:p>
-          <a:p>
-            <a:pPr marL="0" indent="0">
-              <a:buNone/>
-            </a:pPr>
-            <a:r>
-              <a:rPr lang="en-GB" dirty="0">
-                <a:hlinkClick r:id="rId3"/>
-              </a:rPr>
-              <a:t>https://www.youtube.com/watch?v=CjMAMzke7nw</a:t>
-            </a:r>
-            <a:endParaRPr lang="en-GB" dirty="0"/>
           </a:p>
           <a:p>
             <a:pPr marL="0" indent="0">
@@ -14245,8 +15085,8 @@
         </p:nvSpPr>
         <p:spPr>
           <a:xfrm>
-            <a:off x="1891256" y="6428114"/>
-            <a:ext cx="5315879" cy="415498"/>
+            <a:off x="374889" y="6280919"/>
+            <a:ext cx="9201558" cy="577081"/>
           </a:xfrm>
           <a:prstGeom prst="rect">
             <a:avLst/>
@@ -14261,11 +15101,23 @@
           <a:p>
             <a:r>
               <a:rPr lang="nl-NL" sz="1050" dirty="0">
+                <a:hlinkClick r:id="rId3"/>
+              </a:rPr>
+              <a:t>https://www.techtarget.com/searchsoftwarequality/definition/reverse-engineering</a:t>
+            </a:r>
+            <a:endParaRPr lang="nl-NL" sz="1050" dirty="0"/>
+          </a:p>
+          <a:p>
+            <a:r>
+              <a:rPr lang="nl-NL" sz="1050" dirty="0">
                 <a:hlinkClick r:id="rId4"/>
               </a:rPr>
-              <a:t>https://www.techtarget.com/searchsoftwarequality/definition/reverse-engineering</a:t>
-            </a:r>
-            <a:endParaRPr lang="nl-NL" sz="1050" dirty="0"/>
+              <a:t>https://www.techtarget.com/whatis/definition/decompile#:~:text=What%20is%20a%20decompile%3F,opposite%20operations%20of%20a%20compiler</a:t>
+            </a:r>
+            <a:r>
+              <a:rPr lang="nl-NL" sz="1050" dirty="0"/>
+              <a:t>.</a:t>
+            </a:r>
           </a:p>
           <a:p>
             <a:endParaRPr lang="nl-NL" sz="1050" dirty="0"/>
@@ -14366,7 +15218,100 @@
                                         <p:tgtEl>
                                           <p:spTgt spid="3">
                                             <p:txEl>
+                                              <p:pRg st="3" end="3"/>
+                                            </p:txEl>
+                                          </p:spTgt>
+                                        </p:tgtEl>
+                                        <p:attrNameLst>
+                                          <p:attrName>style.visibility</p:attrName>
+                                        </p:attrNameLst>
+                                      </p:cBhvr>
+                                      <p:to>
+                                        <p:strVal val="visible"/>
+                                      </p:to>
+                                    </p:set>
+                                  </p:childTnLst>
+                                </p:cTn>
+                              </p:par>
+                              <p:par>
+                                <p:cTn id="7" presetID="1" presetClass="entr" presetSubtype="0" fill="hold" nodeType="withEffect">
+                                  <p:stCondLst>
+                                    <p:cond delay="0"/>
+                                  </p:stCondLst>
+                                  <p:childTnLst>
+                                    <p:set>
+                                      <p:cBhvr>
+                                        <p:cTn id="8" dur="1" fill="hold">
+                                          <p:stCondLst>
+                                            <p:cond delay="0"/>
+                                          </p:stCondLst>
+                                        </p:cTn>
+                                        <p:tgtEl>
+                                          <p:spTgt spid="3">
+                                            <p:txEl>
                                               <p:pRg st="4" end="4"/>
+                                            </p:txEl>
+                                          </p:spTgt>
+                                        </p:tgtEl>
+                                        <p:attrNameLst>
+                                          <p:attrName>style.visibility</p:attrName>
+                                        </p:attrNameLst>
+                                      </p:cBhvr>
+                                      <p:to>
+                                        <p:strVal val="visible"/>
+                                      </p:to>
+                                    </p:set>
+                                  </p:childTnLst>
+                                </p:cTn>
+                              </p:par>
+                              <p:par>
+                                <p:cTn id="9" presetID="1" presetClass="entr" presetSubtype="0" fill="hold" nodeType="withEffect">
+                                  <p:stCondLst>
+                                    <p:cond delay="0"/>
+                                  </p:stCondLst>
+                                  <p:childTnLst>
+                                    <p:set>
+                                      <p:cBhvr>
+                                        <p:cTn id="10" dur="1" fill="hold">
+                                          <p:stCondLst>
+                                            <p:cond delay="0"/>
+                                          </p:stCondLst>
+                                        </p:cTn>
+                                        <p:tgtEl>
+                                          <p:spTgt spid="3">
+                                            <p:txEl>
+                                              <p:pRg st="5" end="5"/>
+                                            </p:txEl>
+                                          </p:spTgt>
+                                        </p:tgtEl>
+                                        <p:attrNameLst>
+                                          <p:attrName>style.visibility</p:attrName>
+                                        </p:attrNameLst>
+                                      </p:cBhvr>
+                                      <p:to>
+                                        <p:strVal val="visible"/>
+                                      </p:to>
+                                    </p:set>
+                                  </p:childTnLst>
+                                </p:cTn>
+                              </p:par>
+                              <p:par>
+                                <p:cTn id="11" presetID="1" presetClass="entr" presetSubtype="0" fill="hold" nodeType="withEffect">
+                                  <p:stCondLst>
+                                    <p:cond delay="0"/>
+                                  </p:stCondLst>
+                                  <p:childTnLst>
+                                    <p:set>
+                                      <p:cBhvr>
+                                        <p:cTn id="12" dur="1" fill="hold">
+                                          <p:stCondLst>
+                                            <p:cond delay="0"/>
+                                          </p:stCondLst>
+                                        </p:cTn>
+                                        <p:tgtEl>
+                                          <p:spTgt spid="3">
+                                            <p:txEl>
+                                              <p:pRg st="6" end="6"/>
                                             </p:txEl>
                                           </p:spTgt>
                                         </p:tgtEl>
@@ -14388,26 +15333,26 @@
                     </p:cTn>
                   </p:par>
                   <p:par>
-                    <p:cTn id="7" fill="hold">
+                    <p:cTn id="13" fill="hold">
                       <p:stCondLst>
                         <p:cond delay="indefinite"/>
                       </p:stCondLst>
                       <p:childTnLst>
                         <p:par>
-                          <p:cTn id="8" fill="hold">
+                          <p:cTn id="14" fill="hold">
                             <p:stCondLst>
                               <p:cond delay="0"/>
                             </p:stCondLst>
                             <p:childTnLst>
                               <p:par>
-                                <p:cTn id="9" presetID="1" presetClass="entr" presetSubtype="0" fill="hold" nodeType="clickEffect">
+                                <p:cTn id="15" presetID="1" presetClass="entr" presetSubtype="0" fill="hold" nodeType="clickEffect">
                                   <p:stCondLst>
                                     <p:cond delay="0"/>
                                   </p:stCondLst>
                                   <p:childTnLst>
                                     <p:set>
                                       <p:cBhvr>
-                                        <p:cTn id="10" dur="1" fill="hold">
+                                        <p:cTn id="16" dur="1" fill="hold">
                                           <p:stCondLst>
                                             <p:cond delay="0"/>
                                           </p:stCondLst>
@@ -14415,7 +15360,105 @@
                                         <p:tgtEl>
                                           <p:spTgt spid="3">
                                             <p:txEl>
-                                              <p:pRg st="5" end="5"/>
+                                              <p:pRg st="7" end="7"/>
+                                            </p:txEl>
+                                          </p:spTgt>
+                                        </p:tgtEl>
+                                        <p:attrNameLst>
+                                          <p:attrName>style.visibility</p:attrName>
+                                        </p:attrNameLst>
+                                      </p:cBhvr>
+                                      <p:to>
+                                        <p:strVal val="visible"/>
+                                      </p:to>
+                                    </p:set>
+                                  </p:childTnLst>
+                                </p:cTn>
+                              </p:par>
+                            </p:childTnLst>
+                          </p:cTn>
+                        </p:par>
+                      </p:childTnLst>
+                    </p:cTn>
+                  </p:par>
+                  <p:par>
+                    <p:cTn id="17" fill="hold">
+                      <p:stCondLst>
+                        <p:cond delay="indefinite"/>
+                      </p:stCondLst>
+                      <p:childTnLst>
+                        <p:par>
+                          <p:cTn id="18" fill="hold">
+                            <p:stCondLst>
+                              <p:cond delay="0"/>
+                            </p:stCondLst>
+                            <p:childTnLst>
+                              <p:par>
+                                <p:cTn id="19" presetID="1" presetClass="entr" presetSubtype="0" fill="hold" nodeType="clickEffect">
+                                  <p:stCondLst>
+                                    <p:cond delay="0"/>
+                                  </p:stCondLst>
+                                  <p:childTnLst>
+                                    <p:set>
+                                      <p:cBhvr>
+                                        <p:cTn id="20" dur="1" fill="hold">
+                                          <p:stCondLst>
+                                            <p:cond delay="0"/>
+                                          </p:stCondLst>
+                                        </p:cTn>
+                                        <p:tgtEl>
+                                          <p:spTgt spid="3">
+                                            <p:txEl>
+                                              <p:pRg st="8" end="8"/>
+                                            </p:txEl>
+                                          </p:spTgt>
+                                        </p:tgtEl>
+                                        <p:attrNameLst>
+                                          <p:attrName>style.visibility</p:attrName>
+                                        </p:attrNameLst>
+                                      </p:cBhvr>
+                                      <p:to>
+                                        <p:strVal val="visible"/>
+                                      </p:to>
+                                    </p:set>
+                                  </p:childTnLst>
+                                </p:cTn>
+                              </p:par>
+                            </p:childTnLst>
+                          </p:cTn>
+                        </p:par>
+                      </p:childTnLst>
+                    </p:cTn>
+                  </p:par>
+                  <p:par>
+                    <p:cTn id="21" fill="hold">
+                      <p:stCondLst>
+                        <p:cond delay="indefinite"/>
+                      </p:stCondLst>
+                      <p:childTnLst>
+                        <p:par>
+                          <p:cTn id="22" fill="hold">
+                            <p:stCondLst>
+                              <p:cond delay="0"/>
+                            </p:stCondLst>
+                            <p:childTnLst>
+                              <p:par>
+                                <p:cTn id="23" presetID="1" presetClass="entr" presetSubtype="0" fill="hold" nodeType="clickEffect">
+                                  <p:stCondLst>
+                                    <p:cond delay="0"/>
+                                  </p:stCondLst>
+                                  <p:childTnLst>
+                                    <p:set>
+                                      <p:cBhvr>
+                                        <p:cTn id="24" dur="1" fill="hold">
+                                          <p:stCondLst>
+                                            <p:cond delay="0"/>
+                                          </p:stCondLst>
+                                        </p:cTn>
+                                        <p:tgtEl>
+                                          <p:spTgt spid="3">
+                                            <p:txEl>
+                                              <p:pRg st="9" end="9"/>
                                             </p:txEl>
                                           </p:spTgt>
                                         </p:tgtEl>
@@ -15556,13 +16599,20 @@
           <a:p>
             <a:r>
               <a:rPr lang="en-GB" dirty="0"/>
-              <a:t>History</a:t>
+              <a:t>What is the NSA</a:t>
             </a:r>
           </a:p>
           <a:p>
             <a:r>
               <a:rPr lang="nl-NL" dirty="0"/>
               <a:t>Mission</a:t>
+            </a:r>
+            <a:endParaRPr lang="en-GB" dirty="0"/>
+          </a:p>
+          <a:p>
+            <a:r>
+              <a:rPr lang="en-GB" dirty="0"/>
+              <a:t>History</a:t>
             </a:r>
           </a:p>
           <a:p>

--- a/Ghidra_Prep.pptx
+++ b/Ghidra_Prep.pptx
@@ -212,7 +212,7 @@
           <a:p>
             <a:fld id="{D4C4ECA8-48BD-4E2F-8546-CB4B5B44CE9A}" type="datetimeFigureOut">
               <a:rPr lang="nl-NL" smtClean="0"/>
-              <a:t>23-11-2022</a:t>
+              <a:t>24-11-2022</a:t>
             </a:fld>
             <a:endParaRPr lang="nl-NL"/>
           </a:p>
@@ -370,7 +370,7 @@
           <a:p>
             <a:fld id="{589FD4FC-3991-428A-BACE-69EE09E264E0}" type="slidenum">
               <a:rPr lang="nl-NL" smtClean="0"/>
-              <a:t>‹#›</a:t>
+              <a:t>‹nr.›</a:t>
             </a:fld>
             <a:endParaRPr lang="nl-NL"/>
           </a:p>
@@ -1375,9 +1375,6 @@
               </a:rPr>
               <a:t>, etc.)</a:t>
             </a:r>
-            <a:endParaRPr lang="en-GB" sz="1200" b="0" strike="noStrike" spc="-1" dirty="0">
-              <a:latin typeface="Arial"/>
-            </a:endParaRPr>
           </a:p>
           <a:p>
             <a:pPr marL="274320" indent="-273960">
@@ -1395,294 +1392,34 @@
               <a:buChar char=""/>
             </a:pPr>
             <a:r>
-              <a:rPr lang="de-DE" sz="1200" b="0" strike="noStrike" spc="-1" dirty="0">
-                <a:solidFill>
-                  <a:srgbClr val="000000"/>
-                </a:solidFill>
-                <a:latin typeface="Calibri"/>
-                <a:ea typeface="DejaVu Sans"/>
-              </a:rPr>
-              <a:t>RAT – File: Find out </a:t>
-            </a:r>
-            <a:r>
-              <a:rPr lang="de-DE" sz="1200" b="0" strike="noStrike" spc="-1" dirty="0" err="1">
-                <a:solidFill>
-                  <a:srgbClr val="000000"/>
-                </a:solidFill>
-                <a:latin typeface="Calibri"/>
-                <a:ea typeface="DejaVu Sans"/>
-              </a:rPr>
-              <a:t>what</a:t>
-            </a:r>
-            <a:r>
-              <a:rPr lang="de-DE" sz="1200" b="0" strike="noStrike" spc="-1" dirty="0">
-                <a:solidFill>
-                  <a:srgbClr val="000000"/>
-                </a:solidFill>
-                <a:latin typeface="Calibri"/>
-                <a:ea typeface="DejaVu Sans"/>
-              </a:rPr>
-              <a:t> </a:t>
-            </a:r>
-            <a:r>
-              <a:rPr lang="de-DE" sz="1200" b="0" strike="noStrike" spc="-1" dirty="0" err="1">
-                <a:solidFill>
-                  <a:srgbClr val="000000"/>
-                </a:solidFill>
-                <a:latin typeface="Calibri"/>
-                <a:ea typeface="DejaVu Sans"/>
-              </a:rPr>
-              <a:t>it</a:t>
-            </a:r>
-            <a:r>
-              <a:rPr lang="de-DE" sz="1200" b="0" strike="noStrike" spc="-1" dirty="0">
-                <a:solidFill>
-                  <a:srgbClr val="000000"/>
-                </a:solidFill>
-                <a:latin typeface="Calibri"/>
-                <a:ea typeface="DejaVu Sans"/>
-              </a:rPr>
-              <a:t> </a:t>
-            </a:r>
-            <a:r>
-              <a:rPr lang="de-DE" sz="1200" b="0" strike="noStrike" spc="-1" dirty="0" err="1">
-                <a:solidFill>
-                  <a:srgbClr val="000000"/>
-                </a:solidFill>
-                <a:latin typeface="Calibri"/>
-                <a:ea typeface="DejaVu Sans"/>
-              </a:rPr>
-              <a:t>is</a:t>
-            </a:r>
-            <a:r>
-              <a:rPr lang="de-DE" sz="1200" b="0" strike="noStrike" spc="-1" dirty="0">
-                <a:solidFill>
-                  <a:srgbClr val="000000"/>
-                </a:solidFill>
-                <a:latin typeface="Calibri"/>
-                <a:ea typeface="DejaVu Sans"/>
-              </a:rPr>
-              <a:t> </a:t>
-            </a:r>
-            <a:r>
-              <a:rPr lang="de-DE" sz="1200" b="0" strike="noStrike" spc="-1" dirty="0" err="1">
-                <a:solidFill>
-                  <a:srgbClr val="000000"/>
-                </a:solidFill>
-                <a:latin typeface="Calibri"/>
-                <a:ea typeface="DejaVu Sans"/>
-              </a:rPr>
-              <a:t>doing</a:t>
-            </a:r>
-            <a:r>
-              <a:rPr lang="de-DE" sz="1200" b="0" strike="noStrike" spc="-1" dirty="0">
-                <a:solidFill>
-                  <a:srgbClr val="000000"/>
-                </a:solidFill>
-                <a:latin typeface="Calibri"/>
-                <a:ea typeface="DejaVu Sans"/>
-              </a:rPr>
-              <a:t>. (Most </a:t>
-            </a:r>
-            <a:r>
-              <a:rPr lang="de-DE" sz="1200" b="0" strike="noStrike" spc="-1" dirty="0" err="1">
-                <a:solidFill>
-                  <a:srgbClr val="000000"/>
-                </a:solidFill>
-                <a:latin typeface="Calibri"/>
-                <a:ea typeface="DejaVu Sans"/>
-              </a:rPr>
-              <a:t>commonly</a:t>
-            </a:r>
-            <a:r>
-              <a:rPr lang="de-DE" sz="1200" b="0" strike="noStrike" spc="-1" dirty="0">
-                <a:solidFill>
-                  <a:srgbClr val="000000"/>
-                </a:solidFill>
-                <a:latin typeface="Calibri"/>
-                <a:ea typeface="DejaVu Sans"/>
-              </a:rPr>
-              <a:t> </a:t>
-            </a:r>
-            <a:r>
-              <a:rPr lang="de-DE" sz="1200" b="0" strike="noStrike" spc="-1" dirty="0" err="1">
-                <a:solidFill>
-                  <a:srgbClr val="000000"/>
-                </a:solidFill>
-                <a:latin typeface="Calibri"/>
-                <a:ea typeface="DejaVu Sans"/>
-              </a:rPr>
-              <a:t>it</a:t>
-            </a:r>
-            <a:r>
-              <a:rPr lang="de-DE" sz="1200" b="0" strike="noStrike" spc="-1" dirty="0">
-                <a:solidFill>
-                  <a:srgbClr val="000000"/>
-                </a:solidFill>
-                <a:latin typeface="Calibri"/>
-                <a:ea typeface="DejaVu Sans"/>
-              </a:rPr>
-              <a:t> </a:t>
-            </a:r>
-            <a:r>
-              <a:rPr lang="de-DE" sz="1200" b="0" strike="noStrike" spc="-1" dirty="0" err="1">
-                <a:solidFill>
-                  <a:srgbClr val="000000"/>
-                </a:solidFill>
-                <a:latin typeface="Calibri"/>
-                <a:ea typeface="DejaVu Sans"/>
-              </a:rPr>
-              <a:t>tries</a:t>
-            </a:r>
-            <a:r>
-              <a:rPr lang="de-DE" sz="1200" b="0" strike="noStrike" spc="-1" dirty="0">
-                <a:solidFill>
-                  <a:srgbClr val="000000"/>
-                </a:solidFill>
-                <a:latin typeface="Calibri"/>
-                <a:ea typeface="DejaVu Sans"/>
-              </a:rPr>
-              <a:t> </a:t>
-            </a:r>
-            <a:r>
-              <a:rPr lang="de-DE" sz="1200" b="0" strike="noStrike" spc="-1" dirty="0" err="1">
-                <a:solidFill>
-                  <a:srgbClr val="000000"/>
-                </a:solidFill>
-                <a:latin typeface="Calibri"/>
-                <a:ea typeface="DejaVu Sans"/>
-              </a:rPr>
-              <a:t>to</a:t>
-            </a:r>
-            <a:r>
-              <a:rPr lang="de-DE" sz="1200" b="0" strike="noStrike" spc="-1" dirty="0">
-                <a:solidFill>
-                  <a:srgbClr val="000000"/>
-                </a:solidFill>
-                <a:latin typeface="Calibri"/>
-                <a:ea typeface="DejaVu Sans"/>
-              </a:rPr>
-              <a:t> </a:t>
-            </a:r>
-            <a:r>
-              <a:rPr lang="de-DE" sz="1200" b="0" strike="noStrike" spc="-1" dirty="0" err="1">
-                <a:solidFill>
-                  <a:srgbClr val="000000"/>
-                </a:solidFill>
-                <a:latin typeface="Calibri"/>
-                <a:ea typeface="DejaVu Sans"/>
-              </a:rPr>
-              <a:t>disable</a:t>
-            </a:r>
-            <a:r>
-              <a:rPr lang="de-DE" sz="1200" b="0" strike="noStrike" spc="-1" dirty="0">
-                <a:solidFill>
-                  <a:srgbClr val="000000"/>
-                </a:solidFill>
-                <a:latin typeface="Calibri"/>
-                <a:ea typeface="DejaVu Sans"/>
-              </a:rPr>
-              <a:t> User Account Control (UAC) </a:t>
-            </a:r>
-            <a:r>
-              <a:rPr lang="de-DE" sz="1200" b="0" strike="noStrike" spc="-1" dirty="0" err="1">
-                <a:solidFill>
-                  <a:srgbClr val="000000"/>
-                </a:solidFill>
-                <a:latin typeface="Calibri"/>
-                <a:ea typeface="DejaVu Sans"/>
-              </a:rPr>
-              <a:t>by</a:t>
-            </a:r>
-            <a:r>
-              <a:rPr lang="de-DE" sz="1200" b="0" strike="noStrike" spc="-1" dirty="0">
-                <a:solidFill>
-                  <a:srgbClr val="000000"/>
-                </a:solidFill>
-                <a:latin typeface="Calibri"/>
-                <a:ea typeface="DejaVu Sans"/>
-              </a:rPr>
-              <a:t> </a:t>
-            </a:r>
-            <a:r>
-              <a:rPr lang="de-DE" sz="1200" b="0" strike="noStrike" spc="-1" dirty="0" err="1">
-                <a:solidFill>
-                  <a:srgbClr val="000000"/>
-                </a:solidFill>
-                <a:latin typeface="Calibri"/>
-                <a:ea typeface="DejaVu Sans"/>
-              </a:rPr>
-              <a:t>modifying</a:t>
-            </a:r>
-            <a:r>
-              <a:rPr lang="de-DE" sz="1200" b="0" strike="noStrike" spc="-1" dirty="0">
-                <a:solidFill>
-                  <a:srgbClr val="000000"/>
-                </a:solidFill>
-                <a:latin typeface="Calibri"/>
-                <a:ea typeface="DejaVu Sans"/>
-              </a:rPr>
-              <a:t> </a:t>
-            </a:r>
-            <a:r>
-              <a:rPr lang="de-DE" sz="1200" b="0" strike="noStrike" spc="-1" dirty="0" err="1">
-                <a:solidFill>
-                  <a:srgbClr val="000000"/>
-                </a:solidFill>
-                <a:latin typeface="Calibri"/>
-                <a:ea typeface="DejaVu Sans"/>
-              </a:rPr>
-              <a:t>values</a:t>
-            </a:r>
-            <a:r>
-              <a:rPr lang="de-DE" sz="1200" b="0" strike="noStrike" spc="-1" dirty="0">
-                <a:solidFill>
-                  <a:srgbClr val="000000"/>
-                </a:solidFill>
-                <a:latin typeface="Calibri"/>
-                <a:ea typeface="DejaVu Sans"/>
-              </a:rPr>
-              <a:t> in </a:t>
-            </a:r>
-            <a:r>
-              <a:rPr lang="de-DE" sz="1200" b="0" strike="noStrike" spc="-1" dirty="0" err="1">
-                <a:solidFill>
-                  <a:srgbClr val="000000"/>
-                </a:solidFill>
-                <a:latin typeface="Calibri"/>
-                <a:ea typeface="DejaVu Sans"/>
-              </a:rPr>
-              <a:t>the</a:t>
-            </a:r>
-            <a:r>
-              <a:rPr lang="de-DE" sz="1200" b="0" strike="noStrike" spc="-1" dirty="0">
-                <a:solidFill>
-                  <a:srgbClr val="000000"/>
-                </a:solidFill>
-                <a:latin typeface="Calibri"/>
-                <a:ea typeface="DejaVu Sans"/>
-              </a:rPr>
-              <a:t> </a:t>
-            </a:r>
-            <a:r>
-              <a:rPr lang="de-DE" sz="1200" b="0" strike="noStrike" spc="-1" dirty="0" err="1">
-                <a:solidFill>
-                  <a:srgbClr val="000000"/>
-                </a:solidFill>
-                <a:latin typeface="Calibri"/>
-                <a:ea typeface="DejaVu Sans"/>
-              </a:rPr>
-              <a:t>registry</a:t>
-            </a:r>
-            <a:r>
-              <a:rPr lang="de-DE" sz="1200" b="0" strike="noStrike" spc="-1" dirty="0">
-                <a:solidFill>
-                  <a:srgbClr val="000000"/>
-                </a:solidFill>
-                <a:latin typeface="Calibri"/>
-                <a:ea typeface="DejaVu Sans"/>
-              </a:rPr>
-              <a:t>)</a:t>
+              <a:rPr lang="en-US" b="0" i="0" dirty="0">
+                <a:solidFill>
+                  <a:srgbClr val="202124"/>
+                </a:solidFill>
+                <a:effectLst/>
+                <a:latin typeface="arial" panose="020B0604020202020204" pitchFamily="34" charset="0"/>
+              </a:rPr>
+              <a:t>A remote access Trojan (RAT) is </a:t>
+            </a:r>
+            <a:r>
+              <a:rPr lang="en-US" b="1" i="0" dirty="0">
+                <a:solidFill>
+                  <a:srgbClr val="202124"/>
+                </a:solidFill>
+                <a:effectLst/>
+                <a:latin typeface="arial" panose="020B0604020202020204" pitchFamily="34" charset="0"/>
+              </a:rPr>
+              <a:t>a malware program that opens a backdoor, enabling administrative control over the victim's computer</a:t>
+            </a:r>
+            <a:r>
+              <a:rPr lang="en-US" b="0" i="0" dirty="0">
+                <a:solidFill>
+                  <a:srgbClr val="202124"/>
+                </a:solidFill>
+                <a:effectLst/>
+                <a:latin typeface="arial" panose="020B0604020202020204" pitchFamily="34" charset="0"/>
+              </a:rPr>
+              <a:t>.</a:t>
             </a:r>
             <a:endParaRPr lang="en-GB" sz="1200" b="0" strike="noStrike" spc="-1" dirty="0">
               <a:latin typeface="Arial"/>
@@ -1704,6 +1441,16 @@
               <a:buChar char=""/>
             </a:pPr>
             <a:r>
+              <a:rPr lang="de-DE" sz="1200" b="0" strike="noStrike" spc="-1" dirty="0">
+                <a:solidFill>
+                  <a:srgbClr val="000000"/>
+                </a:solidFill>
+                <a:latin typeface="Calibri"/>
+                <a:ea typeface="DejaVu Sans"/>
+              </a:rPr>
+              <a:t>RAT – File: Find out </a:t>
+            </a:r>
+            <a:r>
               <a:rPr lang="de-DE" sz="1200" b="0" strike="noStrike" spc="-1" dirty="0" err="1">
                 <a:solidFill>
                   <a:srgbClr val="000000"/>
@@ -1711,6 +1458,305 @@
                 <a:latin typeface="Calibri"/>
                 <a:ea typeface="DejaVu Sans"/>
               </a:rPr>
+              <a:t>what</a:t>
+            </a:r>
+            <a:r>
+              <a:rPr lang="de-DE" sz="1200" b="0" strike="noStrike" spc="-1" dirty="0">
+                <a:solidFill>
+                  <a:srgbClr val="000000"/>
+                </a:solidFill>
+                <a:latin typeface="Calibri"/>
+                <a:ea typeface="DejaVu Sans"/>
+              </a:rPr>
+              <a:t> </a:t>
+            </a:r>
+            <a:r>
+              <a:rPr lang="de-DE" sz="1200" b="0" strike="noStrike" spc="-1" dirty="0" err="1">
+                <a:solidFill>
+                  <a:srgbClr val="000000"/>
+                </a:solidFill>
+                <a:latin typeface="Calibri"/>
+                <a:ea typeface="DejaVu Sans"/>
+              </a:rPr>
+              <a:t>it</a:t>
+            </a:r>
+            <a:r>
+              <a:rPr lang="de-DE" sz="1200" b="0" strike="noStrike" spc="-1" dirty="0">
+                <a:solidFill>
+                  <a:srgbClr val="000000"/>
+                </a:solidFill>
+                <a:latin typeface="Calibri"/>
+                <a:ea typeface="DejaVu Sans"/>
+              </a:rPr>
+              <a:t> </a:t>
+            </a:r>
+            <a:r>
+              <a:rPr lang="de-DE" sz="1200" b="0" strike="noStrike" spc="-1" dirty="0" err="1">
+                <a:solidFill>
+                  <a:srgbClr val="000000"/>
+                </a:solidFill>
+                <a:latin typeface="Calibri"/>
+                <a:ea typeface="DejaVu Sans"/>
+              </a:rPr>
+              <a:t>is</a:t>
+            </a:r>
+            <a:r>
+              <a:rPr lang="de-DE" sz="1200" b="0" strike="noStrike" spc="-1" dirty="0">
+                <a:solidFill>
+                  <a:srgbClr val="000000"/>
+                </a:solidFill>
+                <a:latin typeface="Calibri"/>
+                <a:ea typeface="DejaVu Sans"/>
+              </a:rPr>
+              <a:t> </a:t>
+            </a:r>
+            <a:r>
+              <a:rPr lang="de-DE" sz="1200" b="0" strike="noStrike" spc="-1" dirty="0" err="1">
+                <a:solidFill>
+                  <a:srgbClr val="000000"/>
+                </a:solidFill>
+                <a:latin typeface="Calibri"/>
+                <a:ea typeface="DejaVu Sans"/>
+              </a:rPr>
+              <a:t>doing</a:t>
+            </a:r>
+            <a:r>
+              <a:rPr lang="de-DE" sz="1200" b="0" strike="noStrike" spc="-1" dirty="0">
+                <a:solidFill>
+                  <a:srgbClr val="000000"/>
+                </a:solidFill>
+                <a:latin typeface="Calibri"/>
+                <a:ea typeface="DejaVu Sans"/>
+              </a:rPr>
+              <a:t>. (Most </a:t>
+            </a:r>
+            <a:r>
+              <a:rPr lang="de-DE" sz="1200" b="0" strike="noStrike" spc="-1" dirty="0" err="1">
+                <a:solidFill>
+                  <a:srgbClr val="000000"/>
+                </a:solidFill>
+                <a:latin typeface="Calibri"/>
+                <a:ea typeface="DejaVu Sans"/>
+              </a:rPr>
+              <a:t>commonly</a:t>
+            </a:r>
+            <a:r>
+              <a:rPr lang="de-DE" sz="1200" b="0" strike="noStrike" spc="-1" dirty="0">
+                <a:solidFill>
+                  <a:srgbClr val="000000"/>
+                </a:solidFill>
+                <a:latin typeface="Calibri"/>
+                <a:ea typeface="DejaVu Sans"/>
+              </a:rPr>
+              <a:t> </a:t>
+            </a:r>
+            <a:r>
+              <a:rPr lang="de-DE" sz="1200" b="0" strike="noStrike" spc="-1" dirty="0" err="1">
+                <a:solidFill>
+                  <a:srgbClr val="000000"/>
+                </a:solidFill>
+                <a:latin typeface="Calibri"/>
+                <a:ea typeface="DejaVu Sans"/>
+              </a:rPr>
+              <a:t>it</a:t>
+            </a:r>
+            <a:r>
+              <a:rPr lang="de-DE" sz="1200" b="0" strike="noStrike" spc="-1" dirty="0">
+                <a:solidFill>
+                  <a:srgbClr val="000000"/>
+                </a:solidFill>
+                <a:latin typeface="Calibri"/>
+                <a:ea typeface="DejaVu Sans"/>
+              </a:rPr>
+              <a:t> </a:t>
+            </a:r>
+            <a:r>
+              <a:rPr lang="de-DE" sz="1200" b="0" strike="noStrike" spc="-1" dirty="0" err="1">
+                <a:solidFill>
+                  <a:srgbClr val="000000"/>
+                </a:solidFill>
+                <a:latin typeface="Calibri"/>
+                <a:ea typeface="DejaVu Sans"/>
+              </a:rPr>
+              <a:t>tries</a:t>
+            </a:r>
+            <a:r>
+              <a:rPr lang="de-DE" sz="1200" b="0" strike="noStrike" spc="-1" dirty="0">
+                <a:solidFill>
+                  <a:srgbClr val="000000"/>
+                </a:solidFill>
+                <a:latin typeface="Calibri"/>
+                <a:ea typeface="DejaVu Sans"/>
+              </a:rPr>
+              <a:t> </a:t>
+            </a:r>
+            <a:r>
+              <a:rPr lang="de-DE" sz="1200" b="0" strike="noStrike" spc="-1" dirty="0" err="1">
+                <a:solidFill>
+                  <a:srgbClr val="000000"/>
+                </a:solidFill>
+                <a:latin typeface="Calibri"/>
+                <a:ea typeface="DejaVu Sans"/>
+              </a:rPr>
+              <a:t>to</a:t>
+            </a:r>
+            <a:r>
+              <a:rPr lang="de-DE" sz="1200" b="0" strike="noStrike" spc="-1" dirty="0">
+                <a:solidFill>
+                  <a:srgbClr val="000000"/>
+                </a:solidFill>
+                <a:latin typeface="Calibri"/>
+                <a:ea typeface="DejaVu Sans"/>
+              </a:rPr>
+              <a:t> </a:t>
+            </a:r>
+            <a:r>
+              <a:rPr lang="de-DE" sz="1200" b="0" strike="noStrike" spc="-1" dirty="0" err="1">
+                <a:solidFill>
+                  <a:srgbClr val="000000"/>
+                </a:solidFill>
+                <a:latin typeface="Calibri"/>
+                <a:ea typeface="DejaVu Sans"/>
+              </a:rPr>
+              <a:t>disable</a:t>
+            </a:r>
+            <a:r>
+              <a:rPr lang="de-DE" sz="1200" b="0" strike="noStrike" spc="-1" dirty="0">
+                <a:solidFill>
+                  <a:srgbClr val="000000"/>
+                </a:solidFill>
+                <a:latin typeface="Calibri"/>
+                <a:ea typeface="DejaVu Sans"/>
+              </a:rPr>
+              <a:t> User Account Control (UAC) </a:t>
+            </a:r>
+            <a:r>
+              <a:rPr lang="de-DE" sz="1200" b="0" strike="noStrike" spc="-1" dirty="0" err="1">
+                <a:solidFill>
+                  <a:srgbClr val="000000"/>
+                </a:solidFill>
+                <a:latin typeface="Calibri"/>
+                <a:ea typeface="DejaVu Sans"/>
+              </a:rPr>
+              <a:t>by</a:t>
+            </a:r>
+            <a:r>
+              <a:rPr lang="de-DE" sz="1200" b="0" strike="noStrike" spc="-1" dirty="0">
+                <a:solidFill>
+                  <a:srgbClr val="000000"/>
+                </a:solidFill>
+                <a:latin typeface="Calibri"/>
+                <a:ea typeface="DejaVu Sans"/>
+              </a:rPr>
+              <a:t> </a:t>
+            </a:r>
+            <a:r>
+              <a:rPr lang="de-DE" sz="1200" b="0" strike="noStrike" spc="-1" dirty="0" err="1">
+                <a:solidFill>
+                  <a:srgbClr val="000000"/>
+                </a:solidFill>
+                <a:latin typeface="Calibri"/>
+                <a:ea typeface="DejaVu Sans"/>
+              </a:rPr>
+              <a:t>modifying</a:t>
+            </a:r>
+            <a:r>
+              <a:rPr lang="de-DE" sz="1200" b="0" strike="noStrike" spc="-1" dirty="0">
+                <a:solidFill>
+                  <a:srgbClr val="000000"/>
+                </a:solidFill>
+                <a:latin typeface="Calibri"/>
+                <a:ea typeface="DejaVu Sans"/>
+              </a:rPr>
+              <a:t> </a:t>
+            </a:r>
+            <a:r>
+              <a:rPr lang="de-DE" sz="1200" b="0" strike="noStrike" spc="-1" dirty="0" err="1">
+                <a:solidFill>
+                  <a:srgbClr val="000000"/>
+                </a:solidFill>
+                <a:latin typeface="Calibri"/>
+                <a:ea typeface="DejaVu Sans"/>
+              </a:rPr>
+              <a:t>values</a:t>
+            </a:r>
+            <a:r>
+              <a:rPr lang="de-DE" sz="1200" b="0" strike="noStrike" spc="-1" dirty="0">
+                <a:solidFill>
+                  <a:srgbClr val="000000"/>
+                </a:solidFill>
+                <a:latin typeface="Calibri"/>
+                <a:ea typeface="DejaVu Sans"/>
+              </a:rPr>
+              <a:t> in </a:t>
+            </a:r>
+            <a:r>
+              <a:rPr lang="de-DE" sz="1200" b="0" strike="noStrike" spc="-1" dirty="0" err="1">
+                <a:solidFill>
+                  <a:srgbClr val="000000"/>
+                </a:solidFill>
+                <a:latin typeface="Calibri"/>
+                <a:ea typeface="DejaVu Sans"/>
+              </a:rPr>
+              <a:t>the</a:t>
+            </a:r>
+            <a:r>
+              <a:rPr lang="de-DE" sz="1200" b="0" strike="noStrike" spc="-1" dirty="0">
+                <a:solidFill>
+                  <a:srgbClr val="000000"/>
+                </a:solidFill>
+                <a:latin typeface="Calibri"/>
+                <a:ea typeface="DejaVu Sans"/>
+              </a:rPr>
+              <a:t> </a:t>
+            </a:r>
+            <a:r>
+              <a:rPr lang="de-DE" sz="1200" b="0" strike="noStrike" spc="-1" dirty="0" err="1">
+                <a:solidFill>
+                  <a:srgbClr val="000000"/>
+                </a:solidFill>
+                <a:latin typeface="Calibri"/>
+                <a:ea typeface="DejaVu Sans"/>
+              </a:rPr>
+              <a:t>registry</a:t>
+            </a:r>
+            <a:r>
+              <a:rPr lang="de-DE" sz="1200" b="0" strike="noStrike" spc="-1" dirty="0">
+                <a:solidFill>
+                  <a:srgbClr val="000000"/>
+                </a:solidFill>
+                <a:latin typeface="Calibri"/>
+                <a:ea typeface="DejaVu Sans"/>
+              </a:rPr>
+              <a:t>)</a:t>
+            </a:r>
+            <a:endParaRPr lang="en-GB" sz="1200" b="0" strike="noStrike" spc="-1" dirty="0">
+              <a:latin typeface="Arial"/>
+            </a:endParaRPr>
+          </a:p>
+          <a:p>
+            <a:pPr marL="274320" indent="-273960">
+              <a:lnSpc>
+                <a:spcPct val="90000"/>
+              </a:lnSpc>
+              <a:spcBef>
+                <a:spcPts val="1800"/>
+              </a:spcBef>
+              <a:buClr>
+                <a:srgbClr val="000000"/>
+              </a:buClr>
+              <a:buSzPct val="80000"/>
+              <a:buFont typeface="Wingdings" charset="2"/>
+              <a:buChar char=""/>
+            </a:pPr>
+            <a:r>
+              <a:rPr lang="de-DE" sz="1200" b="0" strike="noStrike" spc="-1" dirty="0" err="1">
+                <a:solidFill>
+                  <a:srgbClr val="000000"/>
+                </a:solidFill>
+                <a:latin typeface="Calibri"/>
+                <a:ea typeface="DejaVu Sans"/>
+              </a:rPr>
               <a:t>WannaCry</a:t>
             </a:r>
             <a:r>
@@ -1721,7 +1767,106 @@
                 <a:latin typeface="Calibri"/>
                 <a:ea typeface="DejaVu Sans"/>
               </a:rPr>
-              <a:t>: Find </a:t>
+              <a:t> </a:t>
+            </a:r>
+            <a:r>
+              <a:rPr lang="en-US" b="0" i="0" dirty="0">
+                <a:solidFill>
+                  <a:srgbClr val="202124"/>
+                </a:solidFill>
+                <a:effectLst/>
+                <a:latin typeface="arial" panose="020B0604020202020204" pitchFamily="34" charset="0"/>
+              </a:rPr>
+              <a:t>is </a:t>
+            </a:r>
+            <a:r>
+              <a:rPr lang="en-US" b="1" i="0" dirty="0">
+                <a:solidFill>
+                  <a:srgbClr val="202124"/>
+                </a:solidFill>
+                <a:effectLst/>
+                <a:latin typeface="arial" panose="020B0604020202020204" pitchFamily="34" charset="0"/>
+              </a:rPr>
+              <a:t>a ransomware worm that spread rapidly through across a number of computer networks in May of 2017</a:t>
+            </a:r>
+            <a:r>
+              <a:rPr lang="en-US" b="0" i="0" dirty="0">
+                <a:solidFill>
+                  <a:srgbClr val="202124"/>
+                </a:solidFill>
+                <a:effectLst/>
+                <a:latin typeface="arial" panose="020B0604020202020204" pitchFamily="34" charset="0"/>
+              </a:rPr>
+              <a:t>. After infecting a Windows computer, it encrypts files on the PC's hard drive, making them impossible for users to access, then demands a ransom payment in bitcoin in order to decrypt them.</a:t>
+            </a:r>
+          </a:p>
+          <a:p>
+            <a:pPr marL="274320" indent="-273960">
+              <a:lnSpc>
+                <a:spcPct val="90000"/>
+              </a:lnSpc>
+              <a:spcBef>
+                <a:spcPts val="1800"/>
+              </a:spcBef>
+              <a:buClr>
+                <a:srgbClr val="000000"/>
+              </a:buClr>
+              <a:buSzPct val="80000"/>
+              <a:buFont typeface="Wingdings" charset="2"/>
+              <a:buChar char=""/>
+            </a:pPr>
+            <a:r>
+              <a:rPr lang="en-US" b="1" i="0" dirty="0">
+                <a:solidFill>
+                  <a:srgbClr val="202124"/>
+                </a:solidFill>
+                <a:effectLst/>
+                <a:latin typeface="arial" panose="020B0604020202020204" pitchFamily="34" charset="0"/>
+              </a:rPr>
+              <a:t>The WannaCry malware first checks the kill switch domain name</a:t>
+            </a:r>
+            <a:r>
+              <a:rPr lang="en-US" b="0" i="0" dirty="0">
+                <a:solidFill>
+                  <a:srgbClr val="202124"/>
+                </a:solidFill>
+                <a:effectLst/>
+                <a:latin typeface="arial" panose="020B0604020202020204" pitchFamily="34" charset="0"/>
+              </a:rPr>
+              <a:t>; if it is not found, then the ransomware encrypts the computer's data, then attempts to exploit the SMB vulnerability to spread out to random computers on the Internet, and laterally to computers on the same network.</a:t>
+            </a:r>
+            <a:endParaRPr lang="de-DE" sz="1200" b="0" strike="noStrike" spc="-1" dirty="0">
+              <a:solidFill>
+                <a:srgbClr val="000000"/>
+              </a:solidFill>
+              <a:latin typeface="Calibri"/>
+              <a:ea typeface="DejaVu Sans"/>
+            </a:endParaRPr>
+          </a:p>
+          <a:p>
+            <a:pPr marL="274320" indent="-273960">
+              <a:lnSpc>
+                <a:spcPct val="90000"/>
+              </a:lnSpc>
+              <a:spcBef>
+                <a:spcPts val="1800"/>
+              </a:spcBef>
+              <a:buClr>
+                <a:srgbClr val="000000"/>
+              </a:buClr>
+              <a:buSzPct val="80000"/>
+              <a:buFont typeface="Wingdings" charset="2"/>
+              <a:buChar char=""/>
+            </a:pPr>
+            <a:r>
+              <a:rPr lang="de-DE" sz="1200" b="0" strike="noStrike" spc="-1" dirty="0">
+                <a:solidFill>
+                  <a:srgbClr val="000000"/>
+                </a:solidFill>
+                <a:latin typeface="Calibri"/>
+                <a:ea typeface="DejaVu Sans"/>
+              </a:rPr>
+              <a:t> Find </a:t>
             </a:r>
             <a:r>
               <a:rPr lang="de-DE" sz="1200" b="0" strike="noStrike" spc="-1" dirty="0" err="1">
@@ -4010,61 +4155,46 @@
               <a:rPr lang="en-US" dirty="0"/>
               <a:t> software suite. </a:t>
             </a:r>
-            <a:r>
-              <a:rPr lang="en-US" dirty="0" err="1"/>
-              <a:t>Ghidra</a:t>
-            </a:r>
-            <a:r>
-              <a:rPr lang="en-US" dirty="0"/>
-              <a:t> can be used as a debugger since </a:t>
-            </a:r>
-            <a:r>
-              <a:rPr lang="en-US" dirty="0" err="1"/>
-              <a:t>Ghidra</a:t>
-            </a:r>
-            <a:r>
-              <a:rPr lang="en-US" dirty="0"/>
-              <a:t> 10.0. </a:t>
-            </a:r>
-            <a:r>
-              <a:rPr lang="en-US" dirty="0" err="1"/>
-              <a:t>Ghidra's</a:t>
-            </a:r>
-            <a:r>
-              <a:rPr lang="en-US" dirty="0"/>
-              <a:t> debugger supports debugging user-mode Windows programs via </a:t>
-            </a:r>
-            <a:r>
-              <a:rPr lang="en-US" dirty="0" err="1"/>
-              <a:t>WinDbg</a:t>
-            </a:r>
-            <a:r>
-              <a:rPr lang="en-US" dirty="0"/>
-              <a:t>, and Linux programs via GDB.</a:t>
-            </a:r>
-            <a:endParaRPr lang="nl-NL" dirty="0"/>
-          </a:p>
-          <a:p>
-            <a:r>
-              <a:rPr lang="en-US" dirty="0"/>
-              <a:t>therefore usable in a stand-alone form. </a:t>
-            </a:r>
-            <a:r>
-              <a:rPr lang="en-US" dirty="0" err="1"/>
-              <a:t>Ghidra</a:t>
-            </a:r>
-            <a:r>
-              <a:rPr lang="en-US" dirty="0"/>
-              <a:t> plugins can be developed in Java or in Python (provided via </a:t>
-            </a:r>
-            <a:r>
-              <a:rPr lang="en-US" dirty="0" err="1"/>
-              <a:t>Jython</a:t>
-            </a:r>
-            <a:r>
-              <a:rPr lang="en-US" dirty="0"/>
-              <a:t>).</a:t>
-            </a:r>
+          </a:p>
+          <a:p>
+            <a:pPr marL="0" marR="0" lvl="0" indent="0" algn="l" defTabSz="914400" rtl="0" eaLnBrk="1" fontAlgn="auto" latinLnBrk="0" hangingPunct="1">
+              <a:lnSpc>
+                <a:spcPct val="100000"/>
+              </a:lnSpc>
+              <a:spcBef>
+                <a:spcPts val="0"/>
+              </a:spcBef>
+              <a:spcAft>
+                <a:spcPts val="0"/>
+              </a:spcAft>
+              <a:buClrTx/>
+              <a:buSzTx/>
+              <a:buFontTx/>
+              <a:buNone/>
+              <a:tabLst/>
+              <a:defRPr/>
+            </a:pPr>
+            <a:r>
+              <a:rPr lang="en-US" b="0" i="0" dirty="0" err="1">
+                <a:solidFill>
+                  <a:srgbClr val="000000"/>
+                </a:solidFill>
+                <a:effectLst/>
+                <a:latin typeface="Open Sans" panose="020B0604020202020204" pitchFamily="34" charset="0"/>
+              </a:rPr>
+              <a:t>Coreboot</a:t>
+            </a:r>
+            <a:r>
+              <a:rPr lang="en-US" b="0" i="0" dirty="0">
+                <a:solidFill>
+                  <a:srgbClr val="000000"/>
+                </a:solidFill>
+                <a:effectLst/>
+                <a:latin typeface="Open Sans" panose="020B0604020202020204" pitchFamily="34" charset="0"/>
+              </a:rPr>
+              <a:t> is an extended firmware platform that delivers a lightning fast and secure boot experience on modern computers and embedded systems. As an Open Source project it provides auditability and maximum control over technology.</a:t>
+            </a:r>
+            <a:endParaRPr lang="en-US" dirty="0"/>
           </a:p>
           <a:p>
             <a:endParaRPr lang="en-US" dirty="0"/>
@@ -4749,6 +4879,62 @@
             </a:endParaRPr>
           </a:p>
           <a:p>
+            <a:pPr marL="720" indent="0">
+              <a:lnSpc>
+                <a:spcPct val="90000"/>
+              </a:lnSpc>
+              <a:spcBef>
+                <a:spcPts val="1800"/>
+              </a:spcBef>
+              <a:buClr>
+                <a:srgbClr val="000000"/>
+              </a:buClr>
+              <a:buSzPct val="80000"/>
+              <a:buFont typeface="Wingdings" charset="2"/>
+              <a:buNone/>
+            </a:pPr>
+            <a:endParaRPr lang="de-DE" sz="1200" b="0" i="0" strike="noStrike" spc="-1" dirty="0">
+              <a:solidFill>
+                <a:srgbClr val="000000"/>
+              </a:solidFill>
+              <a:effectLst/>
+              <a:latin typeface="Calibri"/>
+            </a:endParaRPr>
+          </a:p>
+          <a:p>
+            <a:pPr marL="720" indent="0">
+              <a:lnSpc>
+                <a:spcPct val="90000"/>
+              </a:lnSpc>
+              <a:spcBef>
+                <a:spcPts val="1800"/>
+              </a:spcBef>
+              <a:buClr>
+                <a:srgbClr val="000000"/>
+              </a:buClr>
+              <a:buSzPct val="80000"/>
+              <a:buFont typeface="Wingdings" charset="2"/>
+              <a:buNone/>
+            </a:pPr>
+            <a:r>
+              <a:rPr lang="en-US" b="0" i="0" dirty="0">
+                <a:solidFill>
+                  <a:srgbClr val="171717"/>
+                </a:solidFill>
+                <a:effectLst/>
+                <a:latin typeface="-apple-system"/>
+              </a:rPr>
+              <a:t>A compiler is a complicated thing and consists of many components. In general the compiler is divided into two major parts: the front end and the back end.</a:t>
+            </a:r>
+            <a:endParaRPr lang="de-DE" sz="1200" b="0" strike="noStrike" spc="-1" dirty="0">
+              <a:solidFill>
+                <a:srgbClr val="000000"/>
+              </a:solidFill>
+              <a:latin typeface="Calibri"/>
+              <a:ea typeface="DejaVu Sans"/>
+            </a:endParaRPr>
+          </a:p>
+          <a:p>
             <a:pPr marL="274320" indent="-273600">
               <a:lnSpc>
                 <a:spcPct val="90000"/>
@@ -4763,12 +4949,168 @@
               <a:buFont typeface="Wingdings" charset="2"/>
               <a:buChar char=""/>
             </a:pPr>
-            <a:endParaRPr lang="de-DE" sz="1200" b="0" strike="noStrike" spc="-1" dirty="0">
-              <a:solidFill>
-                <a:srgbClr val="000000"/>
-              </a:solidFill>
-              <a:latin typeface="Calibri"/>
-              <a:ea typeface="DejaVu Sans"/>
+            <a:r>
+              <a:rPr lang="de-DE" sz="1200" b="0" strike="noStrike" spc="-1" dirty="0">
+                <a:solidFill>
+                  <a:srgbClr val="000000"/>
+                </a:solidFill>
+                <a:latin typeface="Calibri"/>
+                <a:ea typeface="DejaVu Sans"/>
+              </a:rPr>
+              <a:t>1. Lexing (</a:t>
+            </a:r>
+            <a:r>
+              <a:rPr lang="de-DE" sz="1200" b="0" strike="noStrike" spc="-1" dirty="0" err="1">
+                <a:solidFill>
+                  <a:srgbClr val="000000"/>
+                </a:solidFill>
+                <a:latin typeface="Calibri"/>
+                <a:ea typeface="DejaVu Sans"/>
+              </a:rPr>
+              <a:t>breaking</a:t>
+            </a:r>
+            <a:r>
+              <a:rPr lang="de-DE" sz="1200" b="0" strike="noStrike" spc="-1" dirty="0">
+                <a:solidFill>
+                  <a:srgbClr val="000000"/>
+                </a:solidFill>
+                <a:latin typeface="Calibri"/>
+                <a:ea typeface="DejaVu Sans"/>
+              </a:rPr>
+              <a:t> </a:t>
+            </a:r>
+            <a:r>
+              <a:rPr lang="de-DE" sz="1200" b="0" strike="noStrike" spc="-1" dirty="0" err="1">
+                <a:solidFill>
+                  <a:srgbClr val="000000"/>
+                </a:solidFill>
+                <a:latin typeface="Calibri"/>
+                <a:ea typeface="DejaVu Sans"/>
+              </a:rPr>
+              <a:t>up</a:t>
+            </a:r>
+            <a:r>
+              <a:rPr lang="de-DE" sz="1200" b="0" strike="noStrike" spc="-1" dirty="0">
+                <a:solidFill>
+                  <a:srgbClr val="000000"/>
+                </a:solidFill>
+                <a:latin typeface="Calibri"/>
+                <a:ea typeface="DejaVu Sans"/>
+              </a:rPr>
+              <a:t> </a:t>
+            </a:r>
+            <a:r>
+              <a:rPr lang="de-DE" sz="1200" b="0" strike="noStrike" spc="-1" dirty="0" err="1">
+                <a:solidFill>
+                  <a:srgbClr val="000000"/>
+                </a:solidFill>
+                <a:latin typeface="Calibri"/>
+                <a:ea typeface="DejaVu Sans"/>
+              </a:rPr>
+              <a:t>the</a:t>
+            </a:r>
+            <a:r>
+              <a:rPr lang="de-DE" sz="1200" b="0" strike="noStrike" spc="-1" dirty="0">
+                <a:solidFill>
+                  <a:srgbClr val="000000"/>
+                </a:solidFill>
+                <a:latin typeface="Calibri"/>
+                <a:ea typeface="DejaVu Sans"/>
+              </a:rPr>
+              <a:t> </a:t>
+            </a:r>
+            <a:r>
+              <a:rPr lang="de-DE" sz="1200" b="0" strike="noStrike" spc="-1" dirty="0" err="1">
+                <a:solidFill>
+                  <a:srgbClr val="000000"/>
+                </a:solidFill>
+                <a:latin typeface="Calibri"/>
+                <a:ea typeface="DejaVu Sans"/>
+              </a:rPr>
+              <a:t>text</a:t>
+            </a:r>
+            <a:r>
+              <a:rPr lang="de-DE" sz="1200" b="0" strike="noStrike" spc="-1" dirty="0">
+                <a:solidFill>
+                  <a:srgbClr val="000000"/>
+                </a:solidFill>
+                <a:latin typeface="Calibri"/>
+                <a:ea typeface="DejaVu Sans"/>
+              </a:rPr>
+              <a:t> </a:t>
+            </a:r>
+            <a:r>
+              <a:rPr lang="de-DE" sz="1200" b="0" strike="noStrike" spc="-1" dirty="0" err="1">
+                <a:solidFill>
+                  <a:srgbClr val="000000"/>
+                </a:solidFill>
+                <a:latin typeface="Calibri"/>
+                <a:ea typeface="DejaVu Sans"/>
+              </a:rPr>
+              <a:t>into</a:t>
+            </a:r>
+            <a:r>
+              <a:rPr lang="de-DE" sz="1200" b="0" strike="noStrike" spc="-1" dirty="0">
+                <a:solidFill>
+                  <a:srgbClr val="000000"/>
+                </a:solidFill>
+                <a:latin typeface="Calibri"/>
+                <a:ea typeface="DejaVu Sans"/>
+              </a:rPr>
+              <a:t> </a:t>
+            </a:r>
+            <a:r>
+              <a:rPr lang="de-DE" sz="1200" b="0" strike="noStrike" spc="-1" dirty="0" err="1">
+                <a:solidFill>
+                  <a:srgbClr val="000000"/>
+                </a:solidFill>
+                <a:latin typeface="Calibri"/>
+                <a:ea typeface="DejaVu Sans"/>
+              </a:rPr>
+              <a:t>tokens</a:t>
+            </a:r>
+            <a:r>
+              <a:rPr lang="de-DE" sz="1200" b="0" strike="noStrike" spc="-1" dirty="0">
+                <a:solidFill>
+                  <a:srgbClr val="000000"/>
+                </a:solidFill>
+                <a:latin typeface="Calibri"/>
+                <a:ea typeface="DejaVu Sans"/>
+              </a:rPr>
+              <a:t>)</a:t>
+            </a:r>
+            <a:r>
+              <a:rPr lang="en-US" b="0" i="0" dirty="0">
+                <a:solidFill>
+                  <a:srgbClr val="171717"/>
+                </a:solidFill>
+                <a:effectLst/>
+                <a:latin typeface="-apple-system"/>
+              </a:rPr>
+              <a:t> The </a:t>
+            </a:r>
+            <a:r>
+              <a:rPr lang="en-US" b="0" i="0" dirty="0" err="1">
+                <a:solidFill>
+                  <a:srgbClr val="171717"/>
+                </a:solidFill>
+                <a:effectLst/>
+                <a:latin typeface="-apple-system"/>
+              </a:rPr>
+              <a:t>lexer</a:t>
+            </a:r>
+            <a:r>
+              <a:rPr lang="en-US" b="0" i="0" dirty="0">
+                <a:solidFill>
+                  <a:srgbClr val="171717"/>
+                </a:solidFill>
+                <a:effectLst/>
+                <a:latin typeface="-apple-system"/>
+              </a:rPr>
+              <a:t> turns source code into a stream of tokens. This term is actually a shortened version of “lexical analysis”. A token is essentially a representation of each item in the code at a simple level.</a:t>
+            </a:r>
+            <a:endParaRPr lang="en-GB" sz="1200" b="0" strike="noStrike" spc="-1" dirty="0">
+              <a:latin typeface="Arial"/>
             </a:endParaRPr>
           </a:p>
           <a:p>
@@ -4794,7 +5136,7 @@
                 <a:latin typeface="Calibri"/>
                 <a:ea typeface="DejaVu Sans"/>
               </a:rPr>
-              <a:t>1. Lexing (</a:t>
+              <a:t>2. </a:t>
             </a:r>
             <a:r>
               <a:rPr lang="de-DE" sz="1200" b="0" strike="noStrike" spc="-1" dirty="0" err="1">
@@ -4804,7 +5146,7 @@
                 <a:latin typeface="Calibri"/>
                 <a:ea typeface="DejaVu Sans"/>
               </a:rPr>
-              <a:t>breaking</a:t>
+              <a:t>Parsing</a:t>
             </a:r>
             <a:r>
               <a:rPr lang="de-DE" sz="1200" b="0" strike="noStrike" spc="-1" dirty="0">
@@ -4814,6 +5156,26 @@
                 <a:latin typeface="Calibri"/>
                 <a:ea typeface="DejaVu Sans"/>
               </a:rPr>
+              <a:t> (</a:t>
+            </a:r>
+            <a:r>
+              <a:rPr lang="de-DE" sz="1200" b="0" strike="noStrike" spc="-1" dirty="0" err="1">
+                <a:solidFill>
+                  <a:srgbClr val="000000"/>
+                </a:solidFill>
+                <a:latin typeface="Calibri"/>
+                <a:ea typeface="DejaVu Sans"/>
+              </a:rPr>
+              <a:t>converting</a:t>
+            </a:r>
+            <a:r>
+              <a:rPr lang="de-DE" sz="1200" b="0" strike="noStrike" spc="-1" dirty="0">
+                <a:solidFill>
+                  <a:srgbClr val="000000"/>
+                </a:solidFill>
+                <a:latin typeface="Calibri"/>
+                <a:ea typeface="DejaVu Sans"/>
+              </a:rPr>
               <a:t> </a:t>
             </a:r>
             <a:r>
@@ -4824,7 +5186,7 @@
                 <a:latin typeface="Calibri"/>
                 <a:ea typeface="DejaVu Sans"/>
               </a:rPr>
-              <a:t>up</a:t>
+              <a:t>the</a:t>
             </a:r>
             <a:r>
               <a:rPr lang="de-DE" sz="1200" b="0" strike="noStrike" spc="-1" dirty="0">
@@ -4844,7 +5206,7 @@
                 <a:latin typeface="Calibri"/>
                 <a:ea typeface="DejaVu Sans"/>
               </a:rPr>
-              <a:t>the</a:t>
+              <a:t>tokens</a:t>
             </a:r>
             <a:r>
               <a:rPr lang="de-DE" sz="1200" b="0" strike="noStrike" spc="-1" dirty="0">
@@ -4864,7 +5226,7 @@
                 <a:latin typeface="Calibri"/>
                 <a:ea typeface="DejaVu Sans"/>
               </a:rPr>
-              <a:t>text</a:t>
+              <a:t>into</a:t>
             </a:r>
             <a:r>
               <a:rPr lang="de-DE" sz="1200" b="0" strike="noStrike" spc="-1" dirty="0">
@@ -4874,7 +5236,7 @@
                 <a:latin typeface="Calibri"/>
                 <a:ea typeface="DejaVu Sans"/>
               </a:rPr>
-              <a:t> </a:t>
+              <a:t> parse </a:t>
             </a:r>
             <a:r>
               <a:rPr lang="de-DE" sz="1200" b="0" strike="noStrike" spc="-1" dirty="0" err="1">
@@ -4884,7 +5246,7 @@
                 <a:latin typeface="Calibri"/>
                 <a:ea typeface="DejaVu Sans"/>
               </a:rPr>
-              <a:t>into</a:t>
+              <a:t>tree</a:t>
             </a:r>
             <a:r>
               <a:rPr lang="de-DE" sz="1200" b="0" strike="noStrike" spc="-1" dirty="0">
@@ -4894,27 +5256,27 @@
                 <a:latin typeface="Calibri"/>
                 <a:ea typeface="DejaVu Sans"/>
               </a:rPr>
-              <a:t> </a:t>
-            </a:r>
-            <a:r>
-              <a:rPr lang="de-DE" sz="1200" b="0" strike="noStrike" spc="-1" dirty="0" err="1">
-                <a:solidFill>
-                  <a:srgbClr val="000000"/>
-                </a:solidFill>
-                <a:latin typeface="Calibri"/>
-                <a:ea typeface="DejaVu Sans"/>
-              </a:rPr>
-              <a:t>tokens</a:t>
-            </a:r>
-            <a:r>
-              <a:rPr lang="de-DE" sz="1200" b="0" strike="noStrike" spc="-1" dirty="0">
-                <a:solidFill>
-                  <a:srgbClr val="000000"/>
-                </a:solidFill>
-                <a:latin typeface="Calibri"/>
-                <a:ea typeface="DejaVu Sans"/>
-              </a:rPr>
-              <a:t>)</a:t>
+              <a:t>) </a:t>
+            </a:r>
+            <a:r>
+              <a:rPr lang="en-US" b="0" i="0" dirty="0">
+                <a:solidFill>
+                  <a:srgbClr val="273239"/>
+                </a:solidFill>
+                <a:effectLst/>
+                <a:latin typeface="urw-din"/>
+              </a:rPr>
+              <a:t>The parser is also known as </a:t>
+            </a:r>
+            <a:r>
+              <a:rPr lang="en-US" b="0" i="1" dirty="0">
+                <a:solidFill>
+                  <a:srgbClr val="273239"/>
+                </a:solidFill>
+                <a:effectLst/>
+                <a:latin typeface="urw-din"/>
+              </a:rPr>
+              <a:t>Syntax Analyzer.</a:t>
             </a:r>
             <a:endParaRPr lang="en-GB" sz="1200" b="0" strike="noStrike" spc="-1" dirty="0">
               <a:latin typeface="Arial"/>
@@ -4943,7 +5305,7 @@
                 <a:latin typeface="Calibri"/>
                 <a:ea typeface="DejaVu Sans"/>
               </a:rPr>
-              <a:t>2. </a:t>
+              <a:t>3. </a:t>
             </a:r>
             <a:r>
               <a:rPr lang="de-DE" sz="1200" b="0" strike="noStrike" spc="-1" dirty="0" err="1">
@@ -4953,7 +5315,7 @@
                 <a:latin typeface="Calibri"/>
                 <a:ea typeface="DejaVu Sans"/>
               </a:rPr>
-              <a:t>Parsing</a:t>
+              <a:t>Optimization</a:t>
             </a:r>
             <a:r>
               <a:rPr lang="de-DE" sz="1200" b="0" strike="noStrike" spc="-1" dirty="0">
@@ -4973,7 +5335,7 @@
                 <a:latin typeface="Calibri"/>
                 <a:ea typeface="DejaVu Sans"/>
               </a:rPr>
-              <a:t>converting</a:t>
+              <a:t>optimise</a:t>
             </a:r>
             <a:r>
               <a:rPr lang="de-DE" sz="1200" b="0" strike="noStrike" spc="-1" dirty="0">
@@ -5003,6 +5365,26 @@
                 <a:latin typeface="Calibri"/>
                 <a:ea typeface="DejaVu Sans"/>
               </a:rPr>
+              <a:t> parse </a:t>
+            </a:r>
+            <a:r>
+              <a:rPr lang="de-DE" sz="1200" b="0" strike="noStrike" spc="-1" dirty="0" err="1">
+                <a:solidFill>
+                  <a:srgbClr val="000000"/>
+                </a:solidFill>
+                <a:latin typeface="Calibri"/>
+                <a:ea typeface="DejaVu Sans"/>
+              </a:rPr>
+              <a:t>tree</a:t>
+            </a:r>
+            <a:r>
+              <a:rPr lang="de-DE" sz="1200" b="0" strike="noStrike" spc="-1" dirty="0">
+                <a:solidFill>
+                  <a:srgbClr val="000000"/>
+                </a:solidFill>
+                <a:latin typeface="Calibri"/>
+                <a:ea typeface="DejaVu Sans"/>
+              </a:rPr>
               <a:t> </a:t>
             </a:r>
             <a:r>
@@ -5013,7 +5395,7 @@
                 <a:latin typeface="Calibri"/>
                 <a:ea typeface="DejaVu Sans"/>
               </a:rPr>
-              <a:t>tokens</a:t>
+              <a:t>with</a:t>
             </a:r>
             <a:r>
               <a:rPr lang="de-DE" sz="1200" b="0" strike="noStrike" spc="-1" dirty="0">
@@ -5033,7 +5415,7 @@
                 <a:latin typeface="Calibri"/>
                 <a:ea typeface="DejaVu Sans"/>
               </a:rPr>
-              <a:t>into</a:t>
+              <a:t>actions</a:t>
             </a:r>
             <a:r>
               <a:rPr lang="de-DE" sz="1200" b="0" strike="noStrike" spc="-1" dirty="0">
@@ -5043,7 +5425,7 @@
                 <a:latin typeface="Calibri"/>
                 <a:ea typeface="DejaVu Sans"/>
               </a:rPr>
-              <a:t> parse </a:t>
+              <a:t> </a:t>
             </a:r>
             <a:r>
               <a:rPr lang="de-DE" sz="1200" b="0" strike="noStrike" spc="-1" dirty="0" err="1">
@@ -5053,7 +5435,127 @@
                 <a:latin typeface="Calibri"/>
                 <a:ea typeface="DejaVu Sans"/>
               </a:rPr>
-              <a:t>tree</a:t>
+              <a:t>as</a:t>
+            </a:r>
+            <a:r>
+              <a:rPr lang="de-DE" sz="1200" b="0" strike="noStrike" spc="-1" dirty="0">
+                <a:solidFill>
+                  <a:srgbClr val="000000"/>
+                </a:solidFill>
+                <a:latin typeface="Calibri"/>
+                <a:ea typeface="DejaVu Sans"/>
+              </a:rPr>
+              <a:t> </a:t>
+            </a:r>
+            <a:r>
+              <a:rPr lang="de-DE" sz="1200" b="0" strike="noStrike" spc="-1" dirty="0" err="1">
+                <a:solidFill>
+                  <a:srgbClr val="000000"/>
+                </a:solidFill>
+                <a:latin typeface="Calibri"/>
+                <a:ea typeface="DejaVu Sans"/>
+              </a:rPr>
+              <a:t>removing</a:t>
+            </a:r>
+            <a:r>
+              <a:rPr lang="de-DE" sz="1200" b="0" strike="noStrike" spc="-1" dirty="0">
+                <a:solidFill>
+                  <a:srgbClr val="000000"/>
+                </a:solidFill>
+                <a:latin typeface="Calibri"/>
+                <a:ea typeface="DejaVu Sans"/>
+              </a:rPr>
+              <a:t> </a:t>
+            </a:r>
+            <a:r>
+              <a:rPr lang="de-DE" sz="1200" b="0" strike="noStrike" spc="-1" dirty="0" err="1">
+                <a:solidFill>
+                  <a:srgbClr val="000000"/>
+                </a:solidFill>
+                <a:latin typeface="Calibri"/>
+                <a:ea typeface="DejaVu Sans"/>
+              </a:rPr>
+              <a:t>unused</a:t>
+            </a:r>
+            <a:r>
+              <a:rPr lang="de-DE" sz="1200" b="0" strike="noStrike" spc="-1" dirty="0">
+                <a:solidFill>
+                  <a:srgbClr val="000000"/>
+                </a:solidFill>
+                <a:latin typeface="Calibri"/>
+                <a:ea typeface="DejaVu Sans"/>
+              </a:rPr>
+              <a:t> variables </a:t>
+            </a:r>
+            <a:r>
+              <a:rPr lang="de-DE" sz="1200" b="0" strike="noStrike" spc="-1" dirty="0" err="1">
+                <a:solidFill>
+                  <a:srgbClr val="000000"/>
+                </a:solidFill>
+                <a:latin typeface="Calibri"/>
+                <a:ea typeface="DejaVu Sans"/>
+              </a:rPr>
+              <a:t>or</a:t>
+            </a:r>
+            <a:r>
+              <a:rPr lang="de-DE" sz="1200" b="0" strike="noStrike" spc="-1" dirty="0">
+                <a:solidFill>
+                  <a:srgbClr val="000000"/>
+                </a:solidFill>
+                <a:latin typeface="Calibri"/>
+                <a:ea typeface="DejaVu Sans"/>
+              </a:rPr>
+              <a:t> </a:t>
+            </a:r>
+            <a:r>
+              <a:rPr lang="de-DE" sz="1200" b="0" strike="noStrike" spc="-1" dirty="0" err="1">
+                <a:solidFill>
+                  <a:srgbClr val="000000"/>
+                </a:solidFill>
+                <a:latin typeface="Calibri"/>
+                <a:ea typeface="DejaVu Sans"/>
+              </a:rPr>
+              <a:t>evaluate</a:t>
+            </a:r>
+            <a:r>
+              <a:rPr lang="de-DE" sz="1200" b="0" strike="noStrike" spc="-1" dirty="0">
+                <a:solidFill>
+                  <a:srgbClr val="000000"/>
+                </a:solidFill>
+                <a:latin typeface="Calibri"/>
+                <a:ea typeface="DejaVu Sans"/>
+              </a:rPr>
+              <a:t> </a:t>
+            </a:r>
+            <a:r>
+              <a:rPr lang="de-DE" sz="1200" b="0" strike="noStrike" spc="-1" dirty="0" err="1">
+                <a:solidFill>
+                  <a:srgbClr val="000000"/>
+                </a:solidFill>
+                <a:latin typeface="Calibri"/>
+                <a:ea typeface="DejaVu Sans"/>
+              </a:rPr>
+              <a:t>constant</a:t>
+            </a:r>
+            <a:r>
+              <a:rPr lang="de-DE" sz="1200" b="0" strike="noStrike" spc="-1" dirty="0">
+                <a:solidFill>
+                  <a:srgbClr val="000000"/>
+                </a:solidFill>
+                <a:latin typeface="Calibri"/>
+                <a:ea typeface="DejaVu Sans"/>
+              </a:rPr>
+              <a:t> </a:t>
+            </a:r>
+            <a:r>
+              <a:rPr lang="de-DE" sz="1200" b="0" strike="noStrike" spc="-1" dirty="0" err="1">
+                <a:solidFill>
+                  <a:srgbClr val="000000"/>
+                </a:solidFill>
+                <a:latin typeface="Calibri"/>
+                <a:ea typeface="DejaVu Sans"/>
+              </a:rPr>
+              <a:t>expressions</a:t>
             </a:r>
             <a:r>
               <a:rPr lang="de-DE" sz="1200" b="0" strike="noStrike" spc="-1" dirty="0">
@@ -5092,7 +5594,7 @@
                 <a:latin typeface="Calibri"/>
                 <a:ea typeface="DejaVu Sans"/>
               </a:rPr>
-              <a:t>3. </a:t>
+              <a:t>4. Translation (</a:t>
             </a:r>
             <a:r>
               <a:rPr lang="de-DE" sz="1200" b="0" strike="noStrike" spc="-1" dirty="0" err="1">
@@ -5102,7 +5604,7 @@
                 <a:latin typeface="Calibri"/>
                 <a:ea typeface="DejaVu Sans"/>
               </a:rPr>
-              <a:t>Optimization</a:t>
+              <a:t>converting</a:t>
             </a:r>
             <a:r>
               <a:rPr lang="de-DE" sz="1200" b="0" strike="noStrike" spc="-1" dirty="0">
@@ -5112,7 +5614,7 @@
                 <a:latin typeface="Calibri"/>
                 <a:ea typeface="DejaVu Sans"/>
               </a:rPr>
-              <a:t> (</a:t>
+              <a:t> </a:t>
             </a:r>
             <a:r>
               <a:rPr lang="de-DE" sz="1200" b="0" strike="noStrike" spc="-1" dirty="0" err="1">
@@ -5122,7 +5624,7 @@
                 <a:latin typeface="Calibri"/>
                 <a:ea typeface="DejaVu Sans"/>
               </a:rPr>
-              <a:t>optimise</a:t>
+              <a:t>the</a:t>
             </a:r>
             <a:r>
               <a:rPr lang="de-DE" sz="1200" b="0" strike="noStrike" spc="-1" dirty="0">
@@ -5132,6 +5634,26 @@
                 <a:latin typeface="Calibri"/>
                 <a:ea typeface="DejaVu Sans"/>
               </a:rPr>
+              <a:t> parse </a:t>
+            </a:r>
+            <a:r>
+              <a:rPr lang="de-DE" sz="1200" b="0" strike="noStrike" spc="-1" dirty="0" err="1">
+                <a:solidFill>
+                  <a:srgbClr val="000000"/>
+                </a:solidFill>
+                <a:latin typeface="Calibri"/>
+                <a:ea typeface="DejaVu Sans"/>
+              </a:rPr>
+              <a:t>tree</a:t>
+            </a:r>
+            <a:r>
+              <a:rPr lang="de-DE" sz="1200" b="0" strike="noStrike" spc="-1" dirty="0">
+                <a:solidFill>
+                  <a:srgbClr val="000000"/>
+                </a:solidFill>
+                <a:latin typeface="Calibri"/>
+                <a:ea typeface="DejaVu Sans"/>
+              </a:rPr>
               <a:t> </a:t>
             </a:r>
             <a:r>
@@ -5142,7 +5664,7 @@
                 <a:latin typeface="Calibri"/>
                 <a:ea typeface="DejaVu Sans"/>
               </a:rPr>
-              <a:t>the</a:t>
+              <a:t>into</a:t>
             </a:r>
             <a:r>
               <a:rPr lang="de-DE" sz="1200" b="0" strike="noStrike" spc="-1" dirty="0">
@@ -5152,7 +5674,7 @@
                 <a:latin typeface="Calibri"/>
                 <a:ea typeface="DejaVu Sans"/>
               </a:rPr>
-              <a:t> parse </a:t>
+              <a:t> </a:t>
             </a:r>
             <a:r>
               <a:rPr lang="de-DE" sz="1200" b="0" strike="noStrike" spc="-1" dirty="0" err="1">
@@ -5162,7 +5684,7 @@
                 <a:latin typeface="Calibri"/>
                 <a:ea typeface="DejaVu Sans"/>
               </a:rPr>
-              <a:t>tree</a:t>
+              <a:t>assembly</a:t>
             </a:r>
             <a:r>
               <a:rPr lang="de-DE" sz="1200" b="0" strike="noStrike" spc="-1" dirty="0">
@@ -5172,187 +5694,37 @@
                 <a:latin typeface="Calibri"/>
                 <a:ea typeface="DejaVu Sans"/>
               </a:rPr>
-              <a:t> </a:t>
-            </a:r>
-            <a:r>
-              <a:rPr lang="de-DE" sz="1200" b="0" strike="noStrike" spc="-1" dirty="0" err="1">
-                <a:solidFill>
-                  <a:srgbClr val="000000"/>
-                </a:solidFill>
-                <a:latin typeface="Calibri"/>
-                <a:ea typeface="DejaVu Sans"/>
-              </a:rPr>
-              <a:t>with</a:t>
-            </a:r>
-            <a:r>
-              <a:rPr lang="de-DE" sz="1200" b="0" strike="noStrike" spc="-1" dirty="0">
-                <a:solidFill>
-                  <a:srgbClr val="000000"/>
-                </a:solidFill>
-                <a:latin typeface="Calibri"/>
-                <a:ea typeface="DejaVu Sans"/>
-              </a:rPr>
-              <a:t> </a:t>
-            </a:r>
-            <a:r>
-              <a:rPr lang="de-DE" sz="1200" b="0" strike="noStrike" spc="-1" dirty="0" err="1">
-                <a:solidFill>
-                  <a:srgbClr val="000000"/>
-                </a:solidFill>
-                <a:latin typeface="Calibri"/>
-                <a:ea typeface="DejaVu Sans"/>
-              </a:rPr>
-              <a:t>actions</a:t>
-            </a:r>
-            <a:r>
-              <a:rPr lang="de-DE" sz="1200" b="0" strike="noStrike" spc="-1" dirty="0">
-                <a:solidFill>
-                  <a:srgbClr val="000000"/>
-                </a:solidFill>
-                <a:latin typeface="Calibri"/>
-                <a:ea typeface="DejaVu Sans"/>
-              </a:rPr>
-              <a:t> </a:t>
-            </a:r>
-            <a:r>
-              <a:rPr lang="de-DE" sz="1200" b="0" strike="noStrike" spc="-1" dirty="0" err="1">
-                <a:solidFill>
-                  <a:srgbClr val="000000"/>
-                </a:solidFill>
-                <a:latin typeface="Calibri"/>
-                <a:ea typeface="DejaVu Sans"/>
-              </a:rPr>
-              <a:t>as</a:t>
-            </a:r>
-            <a:r>
-              <a:rPr lang="de-DE" sz="1200" b="0" strike="noStrike" spc="-1" dirty="0">
-                <a:solidFill>
-                  <a:srgbClr val="000000"/>
-                </a:solidFill>
-                <a:latin typeface="Calibri"/>
-                <a:ea typeface="DejaVu Sans"/>
-              </a:rPr>
-              <a:t> </a:t>
-            </a:r>
-            <a:r>
-              <a:rPr lang="de-DE" sz="1200" b="0" strike="noStrike" spc="-1" dirty="0" err="1">
-                <a:solidFill>
-                  <a:srgbClr val="000000"/>
-                </a:solidFill>
-                <a:latin typeface="Calibri"/>
-                <a:ea typeface="DejaVu Sans"/>
-              </a:rPr>
-              <a:t>removing</a:t>
-            </a:r>
-            <a:r>
-              <a:rPr lang="de-DE" sz="1200" b="0" strike="noStrike" spc="-1" dirty="0">
-                <a:solidFill>
-                  <a:srgbClr val="000000"/>
-                </a:solidFill>
-                <a:latin typeface="Calibri"/>
-                <a:ea typeface="DejaVu Sans"/>
-              </a:rPr>
-              <a:t> </a:t>
-            </a:r>
-            <a:r>
-              <a:rPr lang="de-DE" sz="1200" b="0" strike="noStrike" spc="-1" dirty="0" err="1">
-                <a:solidFill>
-                  <a:srgbClr val="000000"/>
-                </a:solidFill>
-                <a:latin typeface="Calibri"/>
-                <a:ea typeface="DejaVu Sans"/>
-              </a:rPr>
-              <a:t>unused</a:t>
-            </a:r>
-            <a:r>
-              <a:rPr lang="de-DE" sz="1200" b="0" strike="noStrike" spc="-1" dirty="0">
-                <a:solidFill>
-                  <a:srgbClr val="000000"/>
-                </a:solidFill>
-                <a:latin typeface="Calibri"/>
-                <a:ea typeface="DejaVu Sans"/>
-              </a:rPr>
-              <a:t> variables </a:t>
-            </a:r>
-            <a:r>
-              <a:rPr lang="de-DE" sz="1200" b="0" strike="noStrike" spc="-1" dirty="0" err="1">
-                <a:solidFill>
-                  <a:srgbClr val="000000"/>
-                </a:solidFill>
-                <a:latin typeface="Calibri"/>
-                <a:ea typeface="DejaVu Sans"/>
-              </a:rPr>
-              <a:t>or</a:t>
-            </a:r>
-            <a:r>
-              <a:rPr lang="de-DE" sz="1200" b="0" strike="noStrike" spc="-1" dirty="0">
-                <a:solidFill>
-                  <a:srgbClr val="000000"/>
-                </a:solidFill>
-                <a:latin typeface="Calibri"/>
-                <a:ea typeface="DejaVu Sans"/>
-              </a:rPr>
-              <a:t> </a:t>
-            </a:r>
-            <a:r>
-              <a:rPr lang="de-DE" sz="1200" b="0" strike="noStrike" spc="-1" dirty="0" err="1">
-                <a:solidFill>
-                  <a:srgbClr val="000000"/>
-                </a:solidFill>
-                <a:latin typeface="Calibri"/>
-                <a:ea typeface="DejaVu Sans"/>
-              </a:rPr>
-              <a:t>evaluate</a:t>
-            </a:r>
-            <a:r>
-              <a:rPr lang="de-DE" sz="1200" b="0" strike="noStrike" spc="-1" dirty="0">
-                <a:solidFill>
-                  <a:srgbClr val="000000"/>
-                </a:solidFill>
-                <a:latin typeface="Calibri"/>
-                <a:ea typeface="DejaVu Sans"/>
-              </a:rPr>
-              <a:t> </a:t>
-            </a:r>
-            <a:r>
-              <a:rPr lang="de-DE" sz="1200" b="0" strike="noStrike" spc="-1" dirty="0" err="1">
-                <a:solidFill>
-                  <a:srgbClr val="000000"/>
-                </a:solidFill>
-                <a:latin typeface="Calibri"/>
-                <a:ea typeface="DejaVu Sans"/>
-              </a:rPr>
-              <a:t>constant</a:t>
-            </a:r>
-            <a:r>
-              <a:rPr lang="de-DE" sz="1200" b="0" strike="noStrike" spc="-1" dirty="0">
-                <a:solidFill>
-                  <a:srgbClr val="000000"/>
-                </a:solidFill>
-                <a:latin typeface="Calibri"/>
-                <a:ea typeface="DejaVu Sans"/>
-              </a:rPr>
-              <a:t> </a:t>
-            </a:r>
-            <a:r>
-              <a:rPr lang="de-DE" sz="1200" b="0" strike="noStrike" spc="-1" dirty="0" err="1">
-                <a:solidFill>
-                  <a:srgbClr val="000000"/>
-                </a:solidFill>
-                <a:latin typeface="Calibri"/>
-                <a:ea typeface="DejaVu Sans"/>
-              </a:rPr>
-              <a:t>expressions</a:t>
-            </a:r>
-            <a:r>
-              <a:rPr lang="de-DE" sz="1200" b="0" strike="noStrike" spc="-1" dirty="0">
-                <a:solidFill>
-                  <a:srgbClr val="000000"/>
-                </a:solidFill>
-                <a:latin typeface="Calibri"/>
-                <a:ea typeface="DejaVu Sans"/>
-              </a:rPr>
-              <a:t>)</a:t>
+              <a:t> code) </a:t>
+            </a:r>
+            <a:r>
+              <a:rPr lang="en-US" b="0" i="0" dirty="0">
+                <a:solidFill>
+                  <a:srgbClr val="202124"/>
+                </a:solidFill>
+                <a:effectLst/>
+                <a:latin typeface="arial" panose="020B0604020202020204" pitchFamily="34" charset="0"/>
+              </a:rPr>
+              <a:t>Assembly code is </a:t>
+            </a:r>
+            <a:r>
+              <a:rPr lang="en-US" b="1" i="0" dirty="0">
+                <a:solidFill>
+                  <a:srgbClr val="202124"/>
+                </a:solidFill>
+                <a:effectLst/>
+                <a:latin typeface="arial" panose="020B0604020202020204" pitchFamily="34" charset="0"/>
+              </a:rPr>
+              <a:t>low-level code that relies on a strong relationship between the instructions input using the coding language and how a machine interprets the code instructions</a:t>
+            </a:r>
+            <a:r>
+              <a:rPr lang="en-US" b="0" i="0" dirty="0">
+                <a:solidFill>
+                  <a:srgbClr val="202124"/>
+                </a:solidFill>
+                <a:effectLst/>
+                <a:latin typeface="arial" panose="020B0604020202020204" pitchFamily="34" charset="0"/>
+              </a:rPr>
+              <a:t>. Code is converted into executable actions using an assembler that converts input into recognizable instructions for the machine.</a:t>
             </a:r>
             <a:endParaRPr lang="en-GB" sz="1200" b="0" strike="noStrike" spc="-1" dirty="0">
               <a:latin typeface="Arial"/>
@@ -5381,7 +5753,7 @@
                 <a:latin typeface="Calibri"/>
                 <a:ea typeface="DejaVu Sans"/>
               </a:rPr>
-              <a:t>4. Translation (</a:t>
+              <a:t>5. Run </a:t>
             </a:r>
             <a:r>
               <a:rPr lang="de-DE" sz="1200" b="0" strike="noStrike" spc="-1" dirty="0" err="1">
@@ -5391,7 +5763,7 @@
                 <a:latin typeface="Calibri"/>
                 <a:ea typeface="DejaVu Sans"/>
               </a:rPr>
-              <a:t>converting</a:t>
+              <a:t>the</a:t>
             </a:r>
             <a:r>
               <a:rPr lang="de-DE" sz="1200" b="0" strike="noStrike" spc="-1" dirty="0">
@@ -5401,6 +5773,26 @@
                 <a:latin typeface="Calibri"/>
                 <a:ea typeface="DejaVu Sans"/>
               </a:rPr>
+              <a:t> code (</a:t>
+            </a:r>
+            <a:r>
+              <a:rPr lang="de-DE" sz="1200" b="0" strike="noStrike" spc="-1" dirty="0" err="1">
+                <a:solidFill>
+                  <a:srgbClr val="000000"/>
+                </a:solidFill>
+                <a:latin typeface="Calibri"/>
+                <a:ea typeface="DejaVu Sans"/>
+              </a:rPr>
+              <a:t>the</a:t>
+            </a:r>
+            <a:r>
+              <a:rPr lang="de-DE" sz="1200" b="0" strike="noStrike" spc="-1" dirty="0">
+                <a:solidFill>
+                  <a:srgbClr val="000000"/>
+                </a:solidFill>
+                <a:latin typeface="Calibri"/>
+                <a:ea typeface="DejaVu Sans"/>
+              </a:rPr>
               <a:t> </a:t>
             </a:r>
             <a:r>
@@ -5411,7 +5803,7 @@
                 <a:latin typeface="Calibri"/>
                 <a:ea typeface="DejaVu Sans"/>
               </a:rPr>
-              <a:t>the</a:t>
+              <a:t>assembly</a:t>
             </a:r>
             <a:r>
               <a:rPr lang="de-DE" sz="1200" b="0" strike="noStrike" spc="-1" dirty="0">
@@ -5421,7 +5813,7 @@
                 <a:latin typeface="Calibri"/>
                 <a:ea typeface="DejaVu Sans"/>
               </a:rPr>
-              <a:t> parse </a:t>
+              <a:t> code </a:t>
             </a:r>
             <a:r>
               <a:rPr lang="de-DE" sz="1200" b="0" strike="noStrike" spc="-1" dirty="0" err="1">
@@ -5431,7 +5823,7 @@
                 <a:latin typeface="Calibri"/>
                 <a:ea typeface="DejaVu Sans"/>
               </a:rPr>
-              <a:t>tree</a:t>
+              <a:t>is</a:t>
             </a:r>
             <a:r>
               <a:rPr lang="de-DE" sz="1200" b="0" strike="noStrike" spc="-1" dirty="0">
@@ -5451,6 +5843,26 @@
                 <a:latin typeface="Calibri"/>
                 <a:ea typeface="DejaVu Sans"/>
               </a:rPr>
+              <a:t>translated</a:t>
+            </a:r>
+            <a:r>
+              <a:rPr lang="de-DE" sz="1200" b="0" strike="noStrike" spc="-1" dirty="0">
+                <a:solidFill>
+                  <a:srgbClr val="000000"/>
+                </a:solidFill>
+                <a:latin typeface="Calibri"/>
+                <a:ea typeface="DejaVu Sans"/>
+              </a:rPr>
+              <a:t> </a:t>
+            </a:r>
+            <a:r>
+              <a:rPr lang="de-DE" sz="1200" b="0" strike="noStrike" spc="-1" dirty="0" err="1">
+                <a:solidFill>
+                  <a:srgbClr val="000000"/>
+                </a:solidFill>
+                <a:latin typeface="Calibri"/>
+                <a:ea typeface="DejaVu Sans"/>
+              </a:rPr>
               <a:t>into</a:t>
             </a:r>
             <a:r>
@@ -5471,7 +5883,7 @@
                 <a:latin typeface="Calibri"/>
                 <a:ea typeface="DejaVu Sans"/>
               </a:rPr>
-              <a:t>assembly</a:t>
+              <a:t>machine</a:t>
             </a:r>
             <a:r>
               <a:rPr lang="de-DE" sz="1200" b="0" strike="noStrike" spc="-1" dirty="0">
@@ -5488,175 +5900,6 @@
             </a:endParaRPr>
           </a:p>
           <a:p>
-            <a:pPr marL="274320" indent="-273600">
-              <a:lnSpc>
-                <a:spcPct val="90000"/>
-              </a:lnSpc>
-              <a:spcBef>
-                <a:spcPts val="1800"/>
-              </a:spcBef>
-              <a:buClr>
-                <a:srgbClr val="000000"/>
-              </a:buClr>
-              <a:buSzPct val="80000"/>
-              <a:buFont typeface="Wingdings" charset="2"/>
-              <a:buChar char=""/>
-            </a:pPr>
-            <a:r>
-              <a:rPr lang="de-DE" sz="1200" b="0" strike="noStrike" spc="-1" dirty="0">
-                <a:solidFill>
-                  <a:srgbClr val="000000"/>
-                </a:solidFill>
-                <a:latin typeface="Calibri"/>
-                <a:ea typeface="DejaVu Sans"/>
-              </a:rPr>
-              <a:t>5. Run </a:t>
-            </a:r>
-            <a:r>
-              <a:rPr lang="de-DE" sz="1200" b="0" strike="noStrike" spc="-1" dirty="0" err="1">
-                <a:solidFill>
-                  <a:srgbClr val="000000"/>
-                </a:solidFill>
-                <a:latin typeface="Calibri"/>
-                <a:ea typeface="DejaVu Sans"/>
-              </a:rPr>
-              <a:t>the</a:t>
-            </a:r>
-            <a:r>
-              <a:rPr lang="de-DE" sz="1200" b="0" strike="noStrike" spc="-1" dirty="0">
-                <a:solidFill>
-                  <a:srgbClr val="000000"/>
-                </a:solidFill>
-                <a:latin typeface="Calibri"/>
-                <a:ea typeface="DejaVu Sans"/>
-              </a:rPr>
-              <a:t> code (</a:t>
-            </a:r>
-            <a:r>
-              <a:rPr lang="de-DE" sz="1200" b="0" strike="noStrike" spc="-1" dirty="0" err="1">
-                <a:solidFill>
-                  <a:srgbClr val="000000"/>
-                </a:solidFill>
-                <a:latin typeface="Calibri"/>
-                <a:ea typeface="DejaVu Sans"/>
-              </a:rPr>
-              <a:t>the</a:t>
-            </a:r>
-            <a:r>
-              <a:rPr lang="de-DE" sz="1200" b="0" strike="noStrike" spc="-1" dirty="0">
-                <a:solidFill>
-                  <a:srgbClr val="000000"/>
-                </a:solidFill>
-                <a:latin typeface="Calibri"/>
-                <a:ea typeface="DejaVu Sans"/>
-              </a:rPr>
-              <a:t> </a:t>
-            </a:r>
-            <a:r>
-              <a:rPr lang="de-DE" sz="1200" b="0" strike="noStrike" spc="-1" dirty="0" err="1">
-                <a:solidFill>
-                  <a:srgbClr val="000000"/>
-                </a:solidFill>
-                <a:latin typeface="Calibri"/>
-                <a:ea typeface="DejaVu Sans"/>
-              </a:rPr>
-              <a:t>assembly</a:t>
-            </a:r>
-            <a:r>
-              <a:rPr lang="de-DE" sz="1200" b="0" strike="noStrike" spc="-1" dirty="0">
-                <a:solidFill>
-                  <a:srgbClr val="000000"/>
-                </a:solidFill>
-                <a:latin typeface="Calibri"/>
-                <a:ea typeface="DejaVu Sans"/>
-              </a:rPr>
-              <a:t> code </a:t>
-            </a:r>
-            <a:r>
-              <a:rPr lang="de-DE" sz="1200" b="0" strike="noStrike" spc="-1" dirty="0" err="1">
-                <a:solidFill>
-                  <a:srgbClr val="000000"/>
-                </a:solidFill>
-                <a:latin typeface="Calibri"/>
-                <a:ea typeface="DejaVu Sans"/>
-              </a:rPr>
-              <a:t>is</a:t>
-            </a:r>
-            <a:r>
-              <a:rPr lang="de-DE" sz="1200" b="0" strike="noStrike" spc="-1" dirty="0">
-                <a:solidFill>
-                  <a:srgbClr val="000000"/>
-                </a:solidFill>
-                <a:latin typeface="Calibri"/>
-                <a:ea typeface="DejaVu Sans"/>
-              </a:rPr>
-              <a:t> </a:t>
-            </a:r>
-            <a:r>
-              <a:rPr lang="de-DE" sz="1200" b="0" strike="noStrike" spc="-1" dirty="0" err="1">
-                <a:solidFill>
-                  <a:srgbClr val="000000"/>
-                </a:solidFill>
-                <a:latin typeface="Calibri"/>
-                <a:ea typeface="DejaVu Sans"/>
-              </a:rPr>
-              <a:t>translated</a:t>
-            </a:r>
-            <a:r>
-              <a:rPr lang="de-DE" sz="1200" b="0" strike="noStrike" spc="-1" dirty="0">
-                <a:solidFill>
-                  <a:srgbClr val="000000"/>
-                </a:solidFill>
-                <a:latin typeface="Calibri"/>
-                <a:ea typeface="DejaVu Sans"/>
-              </a:rPr>
-              <a:t> </a:t>
-            </a:r>
-            <a:r>
-              <a:rPr lang="de-DE" sz="1200" b="0" strike="noStrike" spc="-1" dirty="0" err="1">
-                <a:solidFill>
-                  <a:srgbClr val="000000"/>
-                </a:solidFill>
-                <a:latin typeface="Calibri"/>
-                <a:ea typeface="DejaVu Sans"/>
-              </a:rPr>
-              <a:t>into</a:t>
-            </a:r>
-            <a:r>
-              <a:rPr lang="de-DE" sz="1200" b="0" strike="noStrike" spc="-1" dirty="0">
-                <a:solidFill>
-                  <a:srgbClr val="000000"/>
-                </a:solidFill>
-                <a:latin typeface="Calibri"/>
-                <a:ea typeface="DejaVu Sans"/>
-              </a:rPr>
-              <a:t> </a:t>
-            </a:r>
-            <a:r>
-              <a:rPr lang="de-DE" sz="1200" b="0" strike="noStrike" spc="-1" dirty="0" err="1">
-                <a:solidFill>
-                  <a:srgbClr val="000000"/>
-                </a:solidFill>
-                <a:latin typeface="Calibri"/>
-                <a:ea typeface="DejaVu Sans"/>
-              </a:rPr>
-              <a:t>machine</a:t>
-            </a:r>
-            <a:r>
-              <a:rPr lang="de-DE" sz="1200" b="0" strike="noStrike" spc="-1" dirty="0">
-                <a:solidFill>
-                  <a:srgbClr val="000000"/>
-                </a:solidFill>
-                <a:latin typeface="Calibri"/>
-                <a:ea typeface="DejaVu Sans"/>
-              </a:rPr>
-              <a:t> code)</a:t>
-            </a:r>
-            <a:endParaRPr lang="en-GB" sz="1200" b="0" strike="noStrike" spc="-1" dirty="0">
-              <a:latin typeface="Arial"/>
-            </a:endParaRPr>
-          </a:p>
-          <a:p>
             <a:endParaRPr lang="en-US" dirty="0"/>
           </a:p>
           <a:p>
@@ -5667,6 +5910,59 @@
           </a:p>
           <a:p>
             <a:r>
+              <a:rPr lang="en-US" b="0" i="0" dirty="0">
+                <a:solidFill>
+                  <a:srgbClr val="202124"/>
+                </a:solidFill>
+                <a:effectLst/>
+                <a:latin typeface="arial" panose="020B0604020202020204" pitchFamily="34" charset="0"/>
+              </a:rPr>
+              <a:t>To decompile means </a:t>
+            </a:r>
+            <a:r>
+              <a:rPr lang="en-US" b="1" i="0" dirty="0">
+                <a:solidFill>
+                  <a:srgbClr val="202124"/>
+                </a:solidFill>
+                <a:effectLst/>
+                <a:latin typeface="arial" panose="020B0604020202020204" pitchFamily="34" charset="0"/>
+              </a:rPr>
+              <a:t>to convert executable or ready-to-run program code -- sometimes called object code -- into some form of higher-level programming language that humans can easily understand</a:t>
+            </a:r>
+            <a:r>
+              <a:rPr lang="en-US" b="0" i="0" dirty="0">
+                <a:solidFill>
+                  <a:srgbClr val="202124"/>
+                </a:solidFill>
+                <a:effectLst/>
+                <a:latin typeface="arial" panose="020B0604020202020204" pitchFamily="34" charset="0"/>
+              </a:rPr>
+              <a:t>. </a:t>
+            </a:r>
+            <a:r>
+              <a:rPr lang="en-US" b="0" i="0" dirty="0" err="1">
+                <a:solidFill>
+                  <a:srgbClr val="202124"/>
+                </a:solidFill>
+                <a:effectLst/>
+                <a:latin typeface="arial" panose="020B0604020202020204" pitchFamily="34" charset="0"/>
+              </a:rPr>
+              <a:t>Decompilation</a:t>
+            </a:r>
+            <a:r>
+              <a:rPr lang="en-US" b="0" i="0" dirty="0">
+                <a:solidFill>
+                  <a:srgbClr val="202124"/>
+                </a:solidFill>
+                <a:effectLst/>
+                <a:latin typeface="arial" panose="020B0604020202020204" pitchFamily="34" charset="0"/>
+              </a:rPr>
+              <a:t> is a type of reverse-engineering that performs the opposite operations of a compiler.</a:t>
+            </a:r>
+            <a:endParaRPr lang="en-US" dirty="0"/>
+          </a:p>
+          <a:p>
+            <a:r>
               <a:rPr lang="en-US" dirty="0"/>
               <a:t>- It does the same as in translation compiling but it processes this into showing the functionality</a:t>
             </a:r>
@@ -5676,93 +5972,6 @@
           </a:p>
           <a:p>
             <a:endParaRPr lang="en-US" dirty="0"/>
-          </a:p>
-          <a:p>
-            <a:r>
-              <a:rPr lang="en-US" dirty="0"/>
-              <a:t>The term </a:t>
-            </a:r>
-            <a:r>
-              <a:rPr lang="en-US" dirty="0" err="1"/>
-              <a:t>decompiler</a:t>
-            </a:r>
-            <a:r>
-              <a:rPr lang="en-US" dirty="0"/>
-              <a:t> is most commonly applied to a program which translates executable programs (the output from a compiler) into source code in a (relatively) high level language which, when compiled, will produce an executable whose behavior is the same as the original executable program. By comparison, a disassembler translates an executable program into assembly language (and an assembler could be used for assembling it back into an executable program).</a:t>
-            </a:r>
-            <a:r>
-              <a:rPr lang="en-US" dirty="0" err="1"/>
-              <a:t>Decompilation</a:t>
-            </a:r>
-            <a:r>
-              <a:rPr lang="en-US" dirty="0"/>
-              <a:t> is the act of using a </a:t>
-            </a:r>
-            <a:r>
-              <a:rPr lang="en-US" dirty="0" err="1"/>
-              <a:t>decompiler</a:t>
-            </a:r>
-            <a:r>
-              <a:rPr lang="en-US" dirty="0"/>
-              <a:t>, although the term can also refer to the output of a </a:t>
-            </a:r>
-            <a:r>
-              <a:rPr lang="en-US" dirty="0" err="1"/>
-              <a:t>decompiler</a:t>
-            </a:r>
-            <a:r>
-              <a:rPr lang="en-US" dirty="0"/>
-              <a:t>. It can be used for the recovery of lost source code, and is also useful in some cases for computer security, interoperability and error correction. The success of </a:t>
-            </a:r>
-            <a:r>
-              <a:rPr lang="en-US" dirty="0" err="1"/>
-              <a:t>decompilation</a:t>
-            </a:r>
-            <a:r>
-              <a:rPr lang="en-US" dirty="0"/>
-              <a:t> depends on the amount of information present in the code being decompiled and the sophistication of the analysis performed on it. The bytecode formats used by many virtual machines (such as the Java Virtual Machine or the .NET Framework Common Language Runtime) often include extensive metadata and high-level features that make </a:t>
-            </a:r>
-            <a:r>
-              <a:rPr lang="en-US" dirty="0" err="1"/>
-              <a:t>decompilation</a:t>
-            </a:r>
-            <a:r>
-              <a:rPr lang="en-US" dirty="0"/>
-              <a:t> quite feasible. The application of debug data, i.e. debug-symbols, may enable to reproduce the original names of variables and structures and even the line numbers. Machine language without such metadata or debug data is much harder to </a:t>
-            </a:r>
-            <a:r>
-              <a:rPr lang="en-US" dirty="0" err="1"/>
-              <a:t>decompile.Some</a:t>
-            </a:r>
-            <a:r>
-              <a:rPr lang="en-US" dirty="0"/>
-              <a:t> compilers and post-compilation tools produce obfuscated code (that is, they attempt to produce output that is very difficult to decompile, or that decompiles to confusing output). This is done to make it more difficult to reverse engineer the </a:t>
-            </a:r>
-            <a:r>
-              <a:rPr lang="en-US" dirty="0" err="1"/>
-              <a:t>executable.While</a:t>
-            </a:r>
-            <a:r>
-              <a:rPr lang="en-US" dirty="0"/>
-              <a:t> </a:t>
-            </a:r>
-            <a:r>
-              <a:rPr lang="en-US" dirty="0" err="1"/>
-              <a:t>decompilers</a:t>
-            </a:r>
-            <a:r>
-              <a:rPr lang="en-US" dirty="0"/>
-              <a:t> are normally used to (re-)create source code from binary executables, there are also </a:t>
-            </a:r>
-            <a:r>
-              <a:rPr lang="en-US" dirty="0" err="1"/>
-              <a:t>decompilers</a:t>
-            </a:r>
-            <a:r>
-              <a:rPr lang="en-US" dirty="0"/>
-              <a:t> to turn specific binary data files into human-readable and editable sources.</a:t>
-            </a:r>
-            <a:endParaRPr lang="nl-NL" dirty="0"/>
           </a:p>
         </p:txBody>
       </p:sp>
@@ -7151,7 +7360,7 @@
           <a:p>
             <a:fld id="{0CB6FA1B-30C1-4094-B9EC-3530EC7B0A3F}" type="datetimeFigureOut">
               <a:rPr lang="nl-NL" smtClean="0"/>
-              <a:t>23-11-2022</a:t>
+              <a:t>24-11-2022</a:t>
             </a:fld>
             <a:endParaRPr lang="nl-NL"/>
           </a:p>
@@ -7193,7 +7402,7 @@
           <a:p>
             <a:fld id="{EFCC533D-C390-42EA-8670-D1918F3E5268}" type="slidenum">
               <a:rPr lang="nl-NL" smtClean="0"/>
-              <a:t>‹#›</a:t>
+              <a:t>‹nr.›</a:t>
             </a:fld>
             <a:endParaRPr lang="nl-NL"/>
           </a:p>
@@ -7402,7 +7611,7 @@
           <a:p>
             <a:fld id="{0CB6FA1B-30C1-4094-B9EC-3530EC7B0A3F}" type="datetimeFigureOut">
               <a:rPr lang="nl-NL" smtClean="0"/>
-              <a:t>23-11-2022</a:t>
+              <a:t>24-11-2022</a:t>
             </a:fld>
             <a:endParaRPr lang="nl-NL"/>
           </a:p>
@@ -7444,7 +7653,7 @@
           <a:p>
             <a:fld id="{EFCC533D-C390-42EA-8670-D1918F3E5268}" type="slidenum">
               <a:rPr lang="nl-NL" smtClean="0"/>
-              <a:t>‹#›</a:t>
+              <a:t>‹nr.›</a:t>
             </a:fld>
             <a:endParaRPr lang="nl-NL"/>
           </a:p>
@@ -7716,7 +7925,7 @@
           <a:p>
             <a:fld id="{0CB6FA1B-30C1-4094-B9EC-3530EC7B0A3F}" type="datetimeFigureOut">
               <a:rPr lang="nl-NL" smtClean="0"/>
-              <a:t>23-11-2022</a:t>
+              <a:t>24-11-2022</a:t>
             </a:fld>
             <a:endParaRPr lang="nl-NL"/>
           </a:p>
@@ -7758,7 +7967,7 @@
           <a:p>
             <a:fld id="{EFCC533D-C390-42EA-8670-D1918F3E5268}" type="slidenum">
               <a:rPr lang="nl-NL" smtClean="0"/>
-              <a:t>‹#›</a:t>
+              <a:t>‹nr.›</a:t>
             </a:fld>
             <a:endParaRPr lang="nl-NL"/>
           </a:p>
@@ -8057,7 +8266,7 @@
           <a:p>
             <a:fld id="{0CB6FA1B-30C1-4094-B9EC-3530EC7B0A3F}" type="datetimeFigureOut">
               <a:rPr lang="nl-NL" smtClean="0"/>
-              <a:t>23-11-2022</a:t>
+              <a:t>24-11-2022</a:t>
             </a:fld>
             <a:endParaRPr lang="nl-NL"/>
           </a:p>
@@ -8099,7 +8308,7 @@
           <a:p>
             <a:fld id="{EFCC533D-C390-42EA-8670-D1918F3E5268}" type="slidenum">
               <a:rPr lang="nl-NL" smtClean="0"/>
-              <a:t>‹#›</a:t>
+              <a:t>‹nr.›</a:t>
             </a:fld>
             <a:endParaRPr lang="nl-NL"/>
           </a:p>
@@ -8371,7 +8580,7 @@
           <a:p>
             <a:fld id="{0CB6FA1B-30C1-4094-B9EC-3530EC7B0A3F}" type="datetimeFigureOut">
               <a:rPr lang="nl-NL" smtClean="0"/>
-              <a:t>23-11-2022</a:t>
+              <a:t>24-11-2022</a:t>
             </a:fld>
             <a:endParaRPr lang="nl-NL"/>
           </a:p>
@@ -8413,7 +8622,7 @@
           <a:p>
             <a:fld id="{EFCC533D-C390-42EA-8670-D1918F3E5268}" type="slidenum">
               <a:rPr lang="nl-NL" smtClean="0"/>
-              <a:t>‹#›</a:t>
+              <a:t>‹nr.›</a:t>
             </a:fld>
             <a:endParaRPr lang="nl-NL"/>
           </a:p>
@@ -8764,7 +8973,7 @@
           <a:p>
             <a:fld id="{0CB6FA1B-30C1-4094-B9EC-3530EC7B0A3F}" type="datetimeFigureOut">
               <a:rPr lang="nl-NL" smtClean="0"/>
-              <a:t>23-11-2022</a:t>
+              <a:t>24-11-2022</a:t>
             </a:fld>
             <a:endParaRPr lang="nl-NL"/>
           </a:p>
@@ -8806,7 +9015,7 @@
           <a:p>
             <a:fld id="{EFCC533D-C390-42EA-8670-D1918F3E5268}" type="slidenum">
               <a:rPr lang="nl-NL" smtClean="0"/>
-              <a:t>‹#›</a:t>
+              <a:t>‹nr.›</a:t>
             </a:fld>
             <a:endParaRPr lang="nl-NL"/>
           </a:p>
@@ -8934,7 +9143,7 @@
           <a:p>
             <a:fld id="{0CB6FA1B-30C1-4094-B9EC-3530EC7B0A3F}" type="datetimeFigureOut">
               <a:rPr lang="nl-NL" smtClean="0"/>
-              <a:t>23-11-2022</a:t>
+              <a:t>24-11-2022</a:t>
             </a:fld>
             <a:endParaRPr lang="nl-NL"/>
           </a:p>
@@ -8976,7 +9185,7 @@
           <a:p>
             <a:fld id="{EFCC533D-C390-42EA-8670-D1918F3E5268}" type="slidenum">
               <a:rPr lang="nl-NL" smtClean="0"/>
-              <a:t>‹#›</a:t>
+              <a:t>‹nr.›</a:t>
             </a:fld>
             <a:endParaRPr lang="nl-NL"/>
           </a:p>
@@ -9114,7 +9323,7 @@
           <a:p>
             <a:fld id="{0CB6FA1B-30C1-4094-B9EC-3530EC7B0A3F}" type="datetimeFigureOut">
               <a:rPr lang="nl-NL" smtClean="0"/>
-              <a:t>23-11-2022</a:t>
+              <a:t>24-11-2022</a:t>
             </a:fld>
             <a:endParaRPr lang="nl-NL"/>
           </a:p>
@@ -9156,7 +9365,7 @@
           <a:p>
             <a:fld id="{EFCC533D-C390-42EA-8670-D1918F3E5268}" type="slidenum">
               <a:rPr lang="nl-NL" smtClean="0"/>
-              <a:t>‹#›</a:t>
+              <a:t>‹nr.›</a:t>
             </a:fld>
             <a:endParaRPr lang="nl-NL"/>
           </a:p>
@@ -9290,7 +9499,7 @@
           <a:p>
             <a:fld id="{0CB6FA1B-30C1-4094-B9EC-3530EC7B0A3F}" type="datetimeFigureOut">
               <a:rPr lang="nl-NL" smtClean="0"/>
-              <a:t>23-11-2022</a:t>
+              <a:t>24-11-2022</a:t>
             </a:fld>
             <a:endParaRPr lang="nl-NL"/>
           </a:p>
@@ -9332,7 +9541,7 @@
           <a:p>
             <a:fld id="{EFCC533D-C390-42EA-8670-D1918F3E5268}" type="slidenum">
               <a:rPr lang="nl-NL" smtClean="0"/>
-              <a:t>‹#›</a:t>
+              <a:t>‹nr.›</a:t>
             </a:fld>
             <a:endParaRPr lang="nl-NL"/>
           </a:p>
@@ -9537,7 +9746,7 @@
           <a:p>
             <a:fld id="{0CB6FA1B-30C1-4094-B9EC-3530EC7B0A3F}" type="datetimeFigureOut">
               <a:rPr lang="nl-NL" smtClean="0"/>
-              <a:t>23-11-2022</a:t>
+              <a:t>24-11-2022</a:t>
             </a:fld>
             <a:endParaRPr lang="nl-NL"/>
           </a:p>
@@ -9579,7 +9788,7 @@
           <a:p>
             <a:fld id="{EFCC533D-C390-42EA-8670-D1918F3E5268}" type="slidenum">
               <a:rPr lang="nl-NL" smtClean="0"/>
-              <a:t>‹#›</a:t>
+              <a:t>‹nr.›</a:t>
             </a:fld>
             <a:endParaRPr lang="nl-NL"/>
           </a:p>
@@ -9769,7 +9978,7 @@
           <a:p>
             <a:fld id="{0CB6FA1B-30C1-4094-B9EC-3530EC7B0A3F}" type="datetimeFigureOut">
               <a:rPr lang="nl-NL" smtClean="0"/>
-              <a:t>23-11-2022</a:t>
+              <a:t>24-11-2022</a:t>
             </a:fld>
             <a:endParaRPr lang="nl-NL"/>
           </a:p>
@@ -9811,7 +10020,7 @@
           <a:p>
             <a:fld id="{EFCC533D-C390-42EA-8670-D1918F3E5268}" type="slidenum">
               <a:rPr lang="nl-NL" smtClean="0"/>
-              <a:t>‹#›</a:t>
+              <a:t>‹nr.›</a:t>
             </a:fld>
             <a:endParaRPr lang="nl-NL"/>
           </a:p>
@@ -10143,7 +10352,7 @@
           <a:p>
             <a:fld id="{0CB6FA1B-30C1-4094-B9EC-3530EC7B0A3F}" type="datetimeFigureOut">
               <a:rPr lang="nl-NL" smtClean="0"/>
-              <a:t>23-11-2022</a:t>
+              <a:t>24-11-2022</a:t>
             </a:fld>
             <a:endParaRPr lang="nl-NL"/>
           </a:p>
@@ -10185,7 +10394,7 @@
           <a:p>
             <a:fld id="{EFCC533D-C390-42EA-8670-D1918F3E5268}" type="slidenum">
               <a:rPr lang="nl-NL" smtClean="0"/>
-              <a:t>‹#›</a:t>
+              <a:t>‹nr.›</a:t>
             </a:fld>
             <a:endParaRPr lang="nl-NL"/>
           </a:p>
@@ -10266,7 +10475,7 @@
           <a:p>
             <a:fld id="{0CB6FA1B-30C1-4094-B9EC-3530EC7B0A3F}" type="datetimeFigureOut">
               <a:rPr lang="nl-NL" smtClean="0"/>
-              <a:t>23-11-2022</a:t>
+              <a:t>24-11-2022</a:t>
             </a:fld>
             <a:endParaRPr lang="nl-NL"/>
           </a:p>
@@ -10308,7 +10517,7 @@
           <a:p>
             <a:fld id="{EFCC533D-C390-42EA-8670-D1918F3E5268}" type="slidenum">
               <a:rPr lang="nl-NL" smtClean="0"/>
-              <a:t>‹#›</a:t>
+              <a:t>‹nr.›</a:t>
             </a:fld>
             <a:endParaRPr lang="nl-NL"/>
           </a:p>
@@ -10361,7 +10570,7 @@
           <a:p>
             <a:fld id="{0CB6FA1B-30C1-4094-B9EC-3530EC7B0A3F}" type="datetimeFigureOut">
               <a:rPr lang="nl-NL" smtClean="0"/>
-              <a:t>23-11-2022</a:t>
+              <a:t>24-11-2022</a:t>
             </a:fld>
             <a:endParaRPr lang="nl-NL"/>
           </a:p>
@@ -10403,7 +10612,7 @@
           <a:p>
             <a:fld id="{EFCC533D-C390-42EA-8670-D1918F3E5268}" type="slidenum">
               <a:rPr lang="nl-NL" smtClean="0"/>
-              <a:t>‹#›</a:t>
+              <a:t>‹nr.›</a:t>
             </a:fld>
             <a:endParaRPr lang="nl-NL"/>
           </a:p>
@@ -10616,7 +10825,7 @@
           <a:p>
             <a:fld id="{0CB6FA1B-30C1-4094-B9EC-3530EC7B0A3F}" type="datetimeFigureOut">
               <a:rPr lang="nl-NL" smtClean="0"/>
-              <a:t>23-11-2022</a:t>
+              <a:t>24-11-2022</a:t>
             </a:fld>
             <a:endParaRPr lang="nl-NL"/>
           </a:p>
@@ -10658,7 +10867,7 @@
           <a:p>
             <a:fld id="{EFCC533D-C390-42EA-8670-D1918F3E5268}" type="slidenum">
               <a:rPr lang="nl-NL" smtClean="0"/>
-              <a:t>‹#›</a:t>
+              <a:t>‹nr.›</a:t>
             </a:fld>
             <a:endParaRPr lang="nl-NL"/>
           </a:p>
@@ -10879,7 +11088,7 @@
           <a:p>
             <a:fld id="{0CB6FA1B-30C1-4094-B9EC-3530EC7B0A3F}" type="datetimeFigureOut">
               <a:rPr lang="nl-NL" smtClean="0"/>
-              <a:t>23-11-2022</a:t>
+              <a:t>24-11-2022</a:t>
             </a:fld>
             <a:endParaRPr lang="nl-NL"/>
           </a:p>
@@ -10921,7 +11130,7 @@
           <a:p>
             <a:fld id="{EFCC533D-C390-42EA-8670-D1918F3E5268}" type="slidenum">
               <a:rPr lang="nl-NL" smtClean="0"/>
-              <a:t>‹#›</a:t>
+              <a:t>‹nr.›</a:t>
             </a:fld>
             <a:endParaRPr lang="nl-NL"/>
           </a:p>
@@ -11622,7 +11831,7 @@
           <a:p>
             <a:fld id="{0CB6FA1B-30C1-4094-B9EC-3530EC7B0A3F}" type="datetimeFigureOut">
               <a:rPr lang="nl-NL" smtClean="0"/>
-              <a:t>23-11-2022</a:t>
+              <a:t>24-11-2022</a:t>
             </a:fld>
             <a:endParaRPr lang="nl-NL"/>
           </a:p>
@@ -11698,7 +11907,7 @@
           <a:p>
             <a:fld id="{EFCC533D-C390-42EA-8670-D1918F3E5268}" type="slidenum">
               <a:rPr lang="nl-NL" smtClean="0"/>
-              <a:t>‹#›</a:t>
+              <a:t>‹nr.›</a:t>
             </a:fld>
             <a:endParaRPr lang="nl-NL"/>
           </a:p>
@@ -12968,12 +13177,6 @@
             <a:r>
               <a:rPr lang="en-GB" dirty="0"/>
               <a:t>WannaCry</a:t>
-            </a:r>
-          </a:p>
-          <a:p>
-            <a:r>
-              <a:rPr lang="en-GB" dirty="0"/>
-              <a:t>File that contains the important algorithm</a:t>
             </a:r>
           </a:p>
           <a:p>
